--- a/Figures/Arcs/Architecture.pptx
+++ b/Figures/Arcs/Architecture.pptx
@@ -197,7 +197,7 @@
           <a:p>
             <a:fld id="{4F2B3EEC-C8B4-0543-943F-91B3791C5E43}" type="datetimeFigureOut">
               <a:rPr lang="en-US" smtClean="0"/>
-              <a:t>9/28/23</a:t>
+              <a:t>10/13/23</a:t>
             </a:fld>
             <a:endParaRPr lang="en-US"/>
           </a:p>
@@ -734,7 +734,7 @@
           <a:p>
             <a:fld id="{697CBF4A-2AD2-1249-BC5E-D6BCA9656194}" type="datetimeFigureOut">
               <a:rPr lang="en-US" smtClean="0"/>
-              <a:t>9/28/23</a:t>
+              <a:t>10/13/23</a:t>
             </a:fld>
             <a:endParaRPr lang="en-US"/>
           </a:p>
@@ -932,7 +932,7 @@
           <a:p>
             <a:fld id="{697CBF4A-2AD2-1249-BC5E-D6BCA9656194}" type="datetimeFigureOut">
               <a:rPr lang="en-US" smtClean="0"/>
-              <a:t>9/28/23</a:t>
+              <a:t>10/13/23</a:t>
             </a:fld>
             <a:endParaRPr lang="en-US"/>
           </a:p>
@@ -1140,7 +1140,7 @@
           <a:p>
             <a:fld id="{697CBF4A-2AD2-1249-BC5E-D6BCA9656194}" type="datetimeFigureOut">
               <a:rPr lang="en-US" smtClean="0"/>
-              <a:t>9/28/23</a:t>
+              <a:t>10/13/23</a:t>
             </a:fld>
             <a:endParaRPr lang="en-US"/>
           </a:p>
@@ -1338,7 +1338,7 @@
           <a:p>
             <a:fld id="{697CBF4A-2AD2-1249-BC5E-D6BCA9656194}" type="datetimeFigureOut">
               <a:rPr lang="en-US" smtClean="0"/>
-              <a:t>9/28/23</a:t>
+              <a:t>10/13/23</a:t>
             </a:fld>
             <a:endParaRPr lang="en-US"/>
           </a:p>
@@ -1613,7 +1613,7 @@
           <a:p>
             <a:fld id="{697CBF4A-2AD2-1249-BC5E-D6BCA9656194}" type="datetimeFigureOut">
               <a:rPr lang="en-US" smtClean="0"/>
-              <a:t>9/28/23</a:t>
+              <a:t>10/13/23</a:t>
             </a:fld>
             <a:endParaRPr lang="en-US"/>
           </a:p>
@@ -1878,7 +1878,7 @@
           <a:p>
             <a:fld id="{697CBF4A-2AD2-1249-BC5E-D6BCA9656194}" type="datetimeFigureOut">
               <a:rPr lang="en-US" smtClean="0"/>
-              <a:t>9/28/23</a:t>
+              <a:t>10/13/23</a:t>
             </a:fld>
             <a:endParaRPr lang="en-US"/>
           </a:p>
@@ -2290,7 +2290,7 @@
           <a:p>
             <a:fld id="{697CBF4A-2AD2-1249-BC5E-D6BCA9656194}" type="datetimeFigureOut">
               <a:rPr lang="en-US" smtClean="0"/>
-              <a:t>9/28/23</a:t>
+              <a:t>10/13/23</a:t>
             </a:fld>
             <a:endParaRPr lang="en-US"/>
           </a:p>
@@ -2431,7 +2431,7 @@
           <a:p>
             <a:fld id="{697CBF4A-2AD2-1249-BC5E-D6BCA9656194}" type="datetimeFigureOut">
               <a:rPr lang="en-US" smtClean="0"/>
-              <a:t>9/28/23</a:t>
+              <a:t>10/13/23</a:t>
             </a:fld>
             <a:endParaRPr lang="en-US"/>
           </a:p>
@@ -2544,7 +2544,7 @@
           <a:p>
             <a:fld id="{697CBF4A-2AD2-1249-BC5E-D6BCA9656194}" type="datetimeFigureOut">
               <a:rPr lang="en-US" smtClean="0"/>
-              <a:t>9/28/23</a:t>
+              <a:t>10/13/23</a:t>
             </a:fld>
             <a:endParaRPr lang="en-US"/>
           </a:p>
@@ -2855,7 +2855,7 @@
           <a:p>
             <a:fld id="{697CBF4A-2AD2-1249-BC5E-D6BCA9656194}" type="datetimeFigureOut">
               <a:rPr lang="en-US" smtClean="0"/>
-              <a:t>9/28/23</a:t>
+              <a:t>10/13/23</a:t>
             </a:fld>
             <a:endParaRPr lang="en-US"/>
           </a:p>
@@ -3143,7 +3143,7 @@
           <a:p>
             <a:fld id="{697CBF4A-2AD2-1249-BC5E-D6BCA9656194}" type="datetimeFigureOut">
               <a:rPr lang="en-US" smtClean="0"/>
-              <a:t>9/28/23</a:t>
+              <a:t>10/13/23</a:t>
             </a:fld>
             <a:endParaRPr lang="en-US"/>
           </a:p>
@@ -3384,7 +3384,7 @@
           <a:p>
             <a:fld id="{697CBF4A-2AD2-1249-BC5E-D6BCA9656194}" type="datetimeFigureOut">
               <a:rPr lang="en-US" smtClean="0"/>
-              <a:t>9/28/23</a:t>
+              <a:t>10/13/23</a:t>
             </a:fld>
             <a:endParaRPr lang="en-US"/>
           </a:p>
@@ -3816,7 +3816,7 @@
         <p:spPr>
           <a:xfrm>
             <a:off x="2019899" y="-1"/>
-            <a:ext cx="4485124" cy="2747251"/>
+            <a:ext cx="4485124" cy="4138552"/>
           </a:xfrm>
           <a:prstGeom prst="roundRect">
             <a:avLst>
@@ -3866,7 +3866,7 @@
         </p:nvSpPr>
         <p:spPr>
           <a:xfrm>
-            <a:off x="11049620" y="1211542"/>
+            <a:off x="8520551" y="3311910"/>
             <a:ext cx="766155" cy="652314"/>
           </a:xfrm>
           <a:prstGeom prst="roundRect">
@@ -3912,15 +3912,15 @@
           </p:cNvPr>
           <p:cNvCxnSpPr>
             <a:cxnSpLocks/>
-            <a:stCxn id="130" idx="2"/>
-            <a:endCxn id="163" idx="0"/>
+            <a:stCxn id="130" idx="3"/>
+            <a:endCxn id="163" idx="1"/>
           </p:cNvCxnSpPr>
           <p:nvPr/>
         </p:nvCxnSpPr>
         <p:spPr>
           <a:xfrm>
-            <a:off x="11432698" y="1863856"/>
-            <a:ext cx="2478" cy="511908"/>
+            <a:off x="9286706" y="3638067"/>
+            <a:ext cx="654081" cy="0"/>
           </a:xfrm>
           <a:prstGeom prst="straightConnector1">
             <a:avLst/>
@@ -3965,7 +3965,7 @@
         </p:nvSpPr>
         <p:spPr>
           <a:xfrm>
-            <a:off x="10966599" y="2375764"/>
+            <a:off x="9940787" y="3372541"/>
             <a:ext cx="937153" cy="531052"/>
           </a:xfrm>
           <a:prstGeom prst="rect">
@@ -4025,7 +4025,7 @@
         </p:nvGrpSpPr>
         <p:grpSpPr>
           <a:xfrm>
-            <a:off x="91859" y="216626"/>
+            <a:off x="-12834" y="915346"/>
             <a:ext cx="1871056" cy="2310272"/>
             <a:chOff x="21780" y="565999"/>
             <a:chExt cx="1871056" cy="2310272"/>
@@ -5354,7 +5354,7 @@
         </p:nvSpPr>
         <p:spPr>
           <a:xfrm>
-            <a:off x="2274763" y="2462429"/>
+            <a:off x="2274763" y="2591525"/>
             <a:ext cx="80683" cy="73581"/>
           </a:xfrm>
           <a:prstGeom prst="ellipse">
@@ -5406,7 +5406,7 @@
         </p:nvSpPr>
         <p:spPr>
           <a:xfrm>
-            <a:off x="2274763" y="2611193"/>
+            <a:off x="2274763" y="2740289"/>
             <a:ext cx="80683" cy="73581"/>
           </a:xfrm>
           <a:prstGeom prst="ellipse">
@@ -5682,94 +5682,6 @@
                 <a:schemeClr val="tx1"/>
               </a:solidFill>
             </a:endParaRPr>
-          </a:p>
-        </p:txBody>
-      </p:sp>
-      <p:sp>
-        <p:nvSpPr>
-          <p:cNvPr id="70" name="Rectangle 69">
-            <a:extLst>
-              <a:ext uri="{FF2B5EF4-FFF2-40B4-BE49-F238E27FC236}">
-                <a16:creationId xmlns:a16="http://schemas.microsoft.com/office/drawing/2014/main" id="{CE88DD06-EA11-CDB0-596D-8FD470E5AFAF}"/>
-              </a:ext>
-            </a:extLst>
-          </p:cNvPr>
-          <p:cNvSpPr/>
-          <p:nvPr/>
-        </p:nvSpPr>
-        <p:spPr>
-          <a:xfrm>
-            <a:off x="4665059" y="1351405"/>
-            <a:ext cx="1782673" cy="436795"/>
-          </a:xfrm>
-          <a:prstGeom prst="rect">
-            <a:avLst/>
-          </a:prstGeom>
-          <a:noFill/>
-          <a:ln w="19050"/>
-        </p:spPr>
-        <p:style>
-          <a:lnRef idx="2">
-            <a:schemeClr val="dk1"/>
-          </a:lnRef>
-          <a:fillRef idx="1">
-            <a:schemeClr val="lt1"/>
-          </a:fillRef>
-          <a:effectRef idx="0">
-            <a:schemeClr val="dk1"/>
-          </a:effectRef>
-          <a:fontRef idx="minor">
-            <a:schemeClr val="dk1"/>
-          </a:fontRef>
-        </p:style>
-        <p:txBody>
-          <a:bodyPr rtlCol="0" anchor="ctr"/>
-          <a:lstStyle/>
-          <a:p>
-            <a:pPr algn="ctr"/>
-            <a:r>
-              <a:rPr lang="en-US" sz="1400" dirty="0"/>
-              <a:t>OI_HAPV </a:t>
-            </a:r>
-          </a:p>
-          <a:p>
-            <a:pPr algn="ctr"/>
-            <a:r>
-              <a:rPr lang="en-US" sz="1400" dirty="0"/>
-              <a:t>[P</a:t>
-            </a:r>
-            <a:r>
-              <a:rPr lang="en-US" sz="1400" baseline="-25000" dirty="0"/>
-              <a:t>1</a:t>
-            </a:r>
-            <a:r>
-              <a:rPr lang="en-US" sz="1400" dirty="0"/>
-              <a:t>:a (if </a:t>
-            </a:r>
-            <a:r>
-              <a:rPr lang="en-US" sz="1400" dirty="0" err="1"/>
-              <a:t>ARI</a:t>
-            </a:r>
-            <a:r>
-              <a:rPr lang="en-US" sz="1400" baseline="-25000" dirty="0" err="1"/>
-              <a:t>a</a:t>
-            </a:r>
-            <a:r>
-              <a:rPr lang="en-US" sz="1400" dirty="0"/>
-              <a:t> &gt;</a:t>
-            </a:r>
-            <a:r>
-              <a:rPr lang="en-US" sz="1400" dirty="0" err="1"/>
-              <a:t>ARI</a:t>
-            </a:r>
-            <a:r>
-              <a:rPr lang="en-US" sz="1400" baseline="-25000" dirty="0" err="1"/>
-              <a:t>b</a:t>
-            </a:r>
-            <a:r>
-              <a:rPr lang="en-US" sz="1400" dirty="0"/>
-              <a:t>),…]</a:t>
-            </a:r>
           </a:p>
         </p:txBody>
       </p:sp>
@@ -6071,55 +5983,6 @@
           </a:fontRef>
         </p:style>
       </p:cxnSp>
-      <p:cxnSp>
-        <p:nvCxnSpPr>
-          <p:cNvPr id="89" name="Elbow Connector 88">
-            <a:extLst>
-              <a:ext uri="{FF2B5EF4-FFF2-40B4-BE49-F238E27FC236}">
-                <a16:creationId xmlns:a16="http://schemas.microsoft.com/office/drawing/2014/main" id="{739015A5-13B6-49BF-C1A9-68CC6227BB75}"/>
-              </a:ext>
-            </a:extLst>
-          </p:cNvPr>
-          <p:cNvCxnSpPr>
-            <a:cxnSpLocks/>
-            <a:stCxn id="94" idx="3"/>
-            <a:endCxn id="70" idx="0"/>
-          </p:cNvCxnSpPr>
-          <p:nvPr/>
-        </p:nvCxnSpPr>
-        <p:spPr>
-          <a:xfrm>
-            <a:off x="5028170" y="974969"/>
-            <a:ext cx="528226" cy="376436"/>
-          </a:xfrm>
-          <a:prstGeom prst="bentConnector2">
-            <a:avLst/>
-          </a:prstGeom>
-          <a:ln w="19050" cap="flat" cmpd="sng" algn="ctr">
-            <a:solidFill>
-              <a:schemeClr val="dk1"/>
-            </a:solidFill>
-            <a:prstDash val="solid"/>
-            <a:round/>
-            <a:headEnd type="none" w="med" len="med"/>
-            <a:tailEnd type="arrow" w="med" len="med"/>
-          </a:ln>
-        </p:spPr>
-        <p:style>
-          <a:lnRef idx="0">
-            <a:scrgbClr r="0" g="0" b="0"/>
-          </a:lnRef>
-          <a:fillRef idx="0">
-            <a:scrgbClr r="0" g="0" b="0"/>
-          </a:fillRef>
-          <a:effectRef idx="0">
-            <a:scrgbClr r="0" g="0" b="0"/>
-          </a:effectRef>
-          <a:fontRef idx="minor">
-            <a:schemeClr val="tx1"/>
-          </a:fontRef>
-        </p:style>
-      </p:cxnSp>
       <p:sp>
         <p:nvSpPr>
           <p:cNvPr id="90" name="Oval 89">
@@ -6134,7 +5997,7 @@
         </p:nvSpPr>
         <p:spPr>
           <a:xfrm>
-            <a:off x="2274763" y="2315873"/>
+            <a:off x="2274763" y="2444969"/>
             <a:ext cx="80683" cy="73581"/>
           </a:xfrm>
           <a:prstGeom prst="ellipse">
@@ -6342,8 +6205,8 @@
         </p:nvSpPr>
         <p:spPr>
           <a:xfrm>
-            <a:off x="4416199" y="797942"/>
-            <a:ext cx="517352" cy="307777"/>
+            <a:off x="4344943" y="809818"/>
+            <a:ext cx="605420" cy="307777"/>
           </a:xfrm>
           <a:prstGeom prst="rect">
             <a:avLst/>
@@ -6358,14 +6221,13 @@
           <a:p>
             <a:pPr algn="ctr"/>
             <a:r>
-              <a:rPr lang="en-US" sz="1400" dirty="0" err="1"/>
+              <a:rPr lang="en-US" sz="1400" dirty="0"/>
               <a:t>ARI</a:t>
             </a:r>
             <a:r>
-              <a:rPr lang="en-US" sz="1400" baseline="-25000" dirty="0" err="1"/>
-              <a:t>a</a:t>
-            </a:r>
-            <a:endParaRPr lang="en-US" sz="1400" baseline="-25000" dirty="0"/>
+              <a:rPr lang="en-US" sz="1400" baseline="-25000" dirty="0"/>
+              <a:t>1_a</a:t>
+            </a:r>
           </a:p>
         </p:txBody>
       </p:sp>
@@ -6526,8 +6388,8 @@
         </p:nvSpPr>
         <p:spPr>
           <a:xfrm>
-            <a:off x="4402315" y="2042122"/>
-            <a:ext cx="553770" cy="307777"/>
+            <a:off x="4336997" y="2024309"/>
+            <a:ext cx="625855" cy="307777"/>
           </a:xfrm>
           <a:prstGeom prst="rect">
             <a:avLst/>
@@ -6542,66 +6404,16 @@
           <a:p>
             <a:pPr algn="ctr"/>
             <a:r>
-              <a:rPr lang="en-US" sz="1400" dirty="0" err="1"/>
+              <a:rPr lang="en-US" sz="1400" dirty="0"/>
               <a:t>ARI</a:t>
             </a:r>
             <a:r>
-              <a:rPr lang="en-US" sz="1400" baseline="-25000" dirty="0" err="1"/>
-              <a:t>b</a:t>
-            </a:r>
-            <a:endParaRPr lang="en-US" sz="1400" baseline="-25000" dirty="0"/>
-          </a:p>
-        </p:txBody>
-      </p:sp>
-      <p:cxnSp>
-        <p:nvCxnSpPr>
-          <p:cNvPr id="159" name="Elbow Connector 158">
-            <a:extLst>
-              <a:ext uri="{FF2B5EF4-FFF2-40B4-BE49-F238E27FC236}">
-                <a16:creationId xmlns:a16="http://schemas.microsoft.com/office/drawing/2014/main" id="{295FB7ED-14F3-34F0-6097-E543AC183FE4}"/>
-              </a:ext>
-            </a:extLst>
-          </p:cNvPr>
-          <p:cNvCxnSpPr>
-            <a:cxnSpLocks/>
-            <a:stCxn id="146" idx="3"/>
-            <a:endCxn id="70" idx="2"/>
-          </p:cNvCxnSpPr>
-          <p:nvPr/>
-        </p:nvCxnSpPr>
-        <p:spPr>
-          <a:xfrm flipV="1">
-            <a:off x="5028170" y="1788200"/>
-            <a:ext cx="528226" cy="401845"/>
-          </a:xfrm>
-          <a:prstGeom prst="bentConnector2">
-            <a:avLst/>
-          </a:prstGeom>
-          <a:ln w="19050" cap="flat" cmpd="sng" algn="ctr">
-            <a:solidFill>
-              <a:schemeClr val="dk1"/>
-            </a:solidFill>
-            <a:prstDash val="solid"/>
-            <a:round/>
-            <a:headEnd type="none" w="med" len="med"/>
-            <a:tailEnd type="arrow" w="med" len="med"/>
-          </a:ln>
-        </p:spPr>
-        <p:style>
-          <a:lnRef idx="0">
-            <a:scrgbClr r="0" g="0" b="0"/>
-          </a:lnRef>
-          <a:fillRef idx="0">
-            <a:scrgbClr r="0" g="0" b="0"/>
-          </a:fillRef>
-          <a:effectRef idx="0">
-            <a:scrgbClr r="0" g="0" b="0"/>
-          </a:effectRef>
-          <a:fontRef idx="minor">
-            <a:schemeClr val="tx1"/>
-          </a:fontRef>
-        </p:style>
-      </p:cxnSp>
+              <a:rPr lang="en-US" sz="1400" baseline="-25000" dirty="0"/>
+              <a:t>1_b</a:t>
+            </a:r>
+          </a:p>
+        </p:txBody>
+      </p:sp>
       <p:cxnSp>
         <p:nvCxnSpPr>
           <p:cNvPr id="195" name="Straight Arrow Connector 194">
@@ -6668,7 +6480,7 @@
         </p:nvCxnSpPr>
         <p:spPr>
           <a:xfrm>
-            <a:off x="7426756" y="1028845"/>
+            <a:off x="7518831" y="1028845"/>
             <a:ext cx="603" cy="152644"/>
           </a:xfrm>
           <a:prstGeom prst="straightConnector1">
@@ -6801,7 +6613,7 @@
         </p:nvSpPr>
         <p:spPr>
           <a:xfrm>
-            <a:off x="8557043" y="2330725"/>
+            <a:off x="8836443" y="2330725"/>
             <a:ext cx="1572921" cy="292230"/>
           </a:xfrm>
           <a:prstGeom prst="rect">
@@ -6948,7 +6760,7 @@
         </p:nvCxnSpPr>
         <p:spPr>
           <a:xfrm>
-            <a:off x="9343504" y="2622955"/>
+            <a:off x="9622904" y="2622955"/>
             <a:ext cx="1719" cy="124295"/>
           </a:xfrm>
           <a:prstGeom prst="straightConnector1">
@@ -6994,7 +6806,7 @@
         </p:nvSpPr>
         <p:spPr>
           <a:xfrm>
-            <a:off x="9146951" y="2747250"/>
+            <a:off x="9426351" y="2747250"/>
             <a:ext cx="396543" cy="287121"/>
           </a:xfrm>
           <a:prstGeom prst="rect">
@@ -7050,7 +6862,7 @@
         </p:nvSpPr>
         <p:spPr>
           <a:xfrm>
-            <a:off x="10220482" y="731254"/>
+            <a:off x="10499882" y="731254"/>
             <a:ext cx="86952" cy="86952"/>
           </a:xfrm>
           <a:prstGeom prst="ellipse">
@@ -7090,10 +6902,10 @@
       </p:sp>
       <p:sp>
         <p:nvSpPr>
-          <p:cNvPr id="204" name="Card 203">
-            <a:extLst>
-              <a:ext uri="{FF2B5EF4-FFF2-40B4-BE49-F238E27FC236}">
-                <a16:creationId xmlns:a16="http://schemas.microsoft.com/office/drawing/2014/main" id="{E9CAADC4-C5DA-CCBC-B737-2A1EB1FFAB89}"/>
+          <p:cNvPr id="205" name="Can 204">
+            <a:extLst>
+              <a:ext uri="{FF2B5EF4-FFF2-40B4-BE49-F238E27FC236}">
+                <a16:creationId xmlns:a16="http://schemas.microsoft.com/office/drawing/2014/main" id="{F07E0133-6040-396E-EA8D-7115CE32F6E1}"/>
               </a:ext>
             </a:extLst>
           </p:cNvPr>
@@ -7101,17 +6913,17 @@
           <p:nvPr/>
         </p:nvSpPr>
         <p:spPr>
-          <a:xfrm flipH="1">
-            <a:off x="6819405" y="412473"/>
-            <a:ext cx="1402592" cy="616372"/>
-          </a:xfrm>
-          <a:prstGeom prst="flowChartPunchedCard">
+          <a:xfrm>
+            <a:off x="7342996" y="786195"/>
+            <a:ext cx="352803" cy="229212"/>
+          </a:xfrm>
+          <a:prstGeom prst="can">
             <a:avLst/>
           </a:prstGeom>
           <a:solidFill>
-            <a:schemeClr val="bg1"/>
+            <a:srgbClr val="00B0F0"/>
           </a:solidFill>
-          <a:ln w="19050">
+          <a:ln w="28575" cmpd="sng">
             <a:solidFill>
               <a:schemeClr val="tx1"/>
             </a:solidFill>
@@ -7137,63 +6949,6 @@
           <a:lstStyle/>
           <a:p>
             <a:pPr algn="ctr"/>
-            <a:endParaRPr lang="en-US" sz="1400" baseline="-25000" dirty="0">
-              <a:solidFill>
-                <a:schemeClr val="tx1"/>
-              </a:solidFill>
-            </a:endParaRPr>
-          </a:p>
-        </p:txBody>
-      </p:sp>
-      <p:sp>
-        <p:nvSpPr>
-          <p:cNvPr id="205" name="Can 204">
-            <a:extLst>
-              <a:ext uri="{FF2B5EF4-FFF2-40B4-BE49-F238E27FC236}">
-                <a16:creationId xmlns:a16="http://schemas.microsoft.com/office/drawing/2014/main" id="{F07E0133-6040-396E-EA8D-7115CE32F6E1}"/>
-              </a:ext>
-            </a:extLst>
-          </p:cNvPr>
-          <p:cNvSpPr/>
-          <p:nvPr/>
-        </p:nvSpPr>
-        <p:spPr>
-          <a:xfrm>
-            <a:off x="6905591" y="709912"/>
-            <a:ext cx="352803" cy="229212"/>
-          </a:xfrm>
-          <a:prstGeom prst="can">
-            <a:avLst/>
-          </a:prstGeom>
-          <a:solidFill>
-            <a:srgbClr val="00B0F0"/>
-          </a:solidFill>
-          <a:ln w="28575" cmpd="sng">
-            <a:solidFill>
-              <a:schemeClr val="tx1"/>
-            </a:solidFill>
-          </a:ln>
-          <a:effectLst/>
-        </p:spPr>
-        <p:style>
-          <a:lnRef idx="1">
-            <a:schemeClr val="accent1"/>
-          </a:lnRef>
-          <a:fillRef idx="3">
-            <a:schemeClr val="accent1"/>
-          </a:fillRef>
-          <a:effectRef idx="2">
-            <a:schemeClr val="accent1"/>
-          </a:effectRef>
-          <a:fontRef idx="minor">
-            <a:schemeClr val="lt1"/>
-          </a:fontRef>
-        </p:style>
-        <p:txBody>
-          <a:bodyPr rtlCol="0" anchor="ctr"/>
-          <a:lstStyle/>
-          <a:p>
-            <a:pPr algn="ctr"/>
             <a:endParaRPr lang="en-US" sz="1400" dirty="0">
               <a:solidFill>
                 <a:schemeClr val="tx1"/>
@@ -7216,7 +6971,7 @@
         </p:nvSpPr>
         <p:spPr>
           <a:xfrm>
-            <a:off x="6837073" y="405396"/>
+            <a:off x="7274478" y="481679"/>
             <a:ext cx="510139" cy="307777"/>
           </a:xfrm>
           <a:prstGeom prst="rect">
@@ -7245,65 +7000,76 @@
       </p:sp>
       <p:sp>
         <p:nvSpPr>
-          <p:cNvPr id="207" name="TextBox 206">
-            <a:extLst>
-              <a:ext uri="{FF2B5EF4-FFF2-40B4-BE49-F238E27FC236}">
-                <a16:creationId xmlns:a16="http://schemas.microsoft.com/office/drawing/2014/main" id="{C9DA0F53-D813-E37F-BB3B-CD82507E2234}"/>
-              </a:ext>
-            </a:extLst>
-          </p:cNvPr>
-          <p:cNvSpPr txBox="1"/>
+          <p:cNvPr id="209" name="Rectangle 208">
+            <a:extLst>
+              <a:ext uri="{FF2B5EF4-FFF2-40B4-BE49-F238E27FC236}">
+                <a16:creationId xmlns:a16="http://schemas.microsoft.com/office/drawing/2014/main" id="{6869D400-A8E0-5AC0-42D5-11121DFE82D0}"/>
+              </a:ext>
+            </a:extLst>
+          </p:cNvPr>
+          <p:cNvSpPr/>
           <p:nvPr/>
         </p:nvSpPr>
         <p:spPr>
           <a:xfrm>
-            <a:off x="7432305" y="668939"/>
-            <a:ext cx="867790" cy="307777"/>
+            <a:off x="7273822" y="1181489"/>
+            <a:ext cx="494963" cy="252599"/>
           </a:xfrm>
           <a:prstGeom prst="rect">
             <a:avLst/>
           </a:prstGeom>
           <a:noFill/>
-        </p:spPr>
-        <p:txBody>
-          <a:bodyPr wrap="square">
-            <a:spAutoFit/>
-          </a:bodyPr>
+          <a:ln w="19050"/>
+        </p:spPr>
+        <p:style>
+          <a:lnRef idx="2">
+            <a:schemeClr val="dk1"/>
+          </a:lnRef>
+          <a:fillRef idx="1">
+            <a:schemeClr val="lt1"/>
+          </a:fillRef>
+          <a:effectRef idx="0">
+            <a:schemeClr val="dk1"/>
+          </a:effectRef>
+          <a:fontRef idx="minor">
+            <a:schemeClr val="dk1"/>
+          </a:fontRef>
+        </p:style>
+        <p:txBody>
+          <a:bodyPr rtlCol="0" anchor="ctr"/>
           <a:lstStyle/>
           <a:p>
             <a:pPr algn="ctr"/>
             <a:r>
               <a:rPr lang="en-US" sz="1400" dirty="0"/>
-              <a:t>OI_HAPV</a:t>
-            </a:r>
-            <a:endParaRPr lang="en-US" sz="1400" baseline="-25000" dirty="0">
-              <a:solidFill>
-                <a:schemeClr val="tx1"/>
-              </a:solidFill>
-            </a:endParaRPr>
+              <a:t>M</a:t>
+            </a:r>
+            <a:r>
+              <a:rPr lang="en-US" sz="1400" baseline="-25000" dirty="0"/>
+              <a:t>1</a:t>
+            </a:r>
           </a:p>
         </p:txBody>
       </p:sp>
       <p:cxnSp>
         <p:nvCxnSpPr>
-          <p:cNvPr id="208" name="Straight Arrow Connector 207">
-            <a:extLst>
-              <a:ext uri="{FF2B5EF4-FFF2-40B4-BE49-F238E27FC236}">
-                <a16:creationId xmlns:a16="http://schemas.microsoft.com/office/drawing/2014/main" id="{77B8ACCA-F394-8153-C2B9-3586170C4712}"/>
+          <p:cNvPr id="210" name="Straight Arrow Connector 209">
+            <a:extLst>
+              <a:ext uri="{FF2B5EF4-FFF2-40B4-BE49-F238E27FC236}">
+                <a16:creationId xmlns:a16="http://schemas.microsoft.com/office/drawing/2014/main" id="{BDA337A8-50BA-D9EA-6BDD-EFE25AEFEC77}"/>
               </a:ext>
             </a:extLst>
           </p:cNvPr>
           <p:cNvCxnSpPr>
             <a:cxnSpLocks/>
-            <a:stCxn id="207" idx="1"/>
-            <a:endCxn id="205" idx="4"/>
+            <a:endCxn id="217" idx="0"/>
           </p:cNvCxnSpPr>
           <p:nvPr/>
         </p:nvCxnSpPr>
         <p:spPr>
-          <a:xfrm flipH="1">
-            <a:off x="7258394" y="822828"/>
-            <a:ext cx="173911" cy="1690"/>
+          <a:xfrm>
+            <a:off x="9613719" y="1016134"/>
+            <a:ext cx="3453" cy="167512"/>
           </a:xfrm>
           <a:prstGeom prst="straightConnector1">
             <a:avLst/>
@@ -7336,10 +7102,10 @@
       </p:cxnSp>
       <p:sp>
         <p:nvSpPr>
-          <p:cNvPr id="209" name="Rectangle 208">
-            <a:extLst>
-              <a:ext uri="{FF2B5EF4-FFF2-40B4-BE49-F238E27FC236}">
-                <a16:creationId xmlns:a16="http://schemas.microsoft.com/office/drawing/2014/main" id="{6869D400-A8E0-5AC0-42D5-11121DFE82D0}"/>
+          <p:cNvPr id="213" name="Can 212">
+            <a:extLst>
+              <a:ext uri="{FF2B5EF4-FFF2-40B4-BE49-F238E27FC236}">
+                <a16:creationId xmlns:a16="http://schemas.microsoft.com/office/drawing/2014/main" id="{948AB922-8365-1148-6D3D-5648667643BE}"/>
               </a:ext>
             </a:extLst>
           </p:cNvPr>
@@ -7348,8 +7114,106 @@
         </p:nvSpPr>
         <p:spPr>
           <a:xfrm>
-            <a:off x="7273822" y="1181489"/>
-            <a:ext cx="494963" cy="252599"/>
+            <a:off x="9437317" y="758898"/>
+            <a:ext cx="352803" cy="256860"/>
+          </a:xfrm>
+          <a:prstGeom prst="can">
+            <a:avLst/>
+          </a:prstGeom>
+          <a:solidFill>
+            <a:srgbClr val="0070C0"/>
+          </a:solidFill>
+          <a:ln w="28575" cmpd="sng">
+            <a:solidFill>
+              <a:schemeClr val="tx1"/>
+            </a:solidFill>
+          </a:ln>
+          <a:effectLst/>
+        </p:spPr>
+        <p:style>
+          <a:lnRef idx="1">
+            <a:schemeClr val="accent1"/>
+          </a:lnRef>
+          <a:fillRef idx="3">
+            <a:schemeClr val="accent1"/>
+          </a:fillRef>
+          <a:effectRef idx="2">
+            <a:schemeClr val="accent1"/>
+          </a:effectRef>
+          <a:fontRef idx="minor">
+            <a:schemeClr val="lt1"/>
+          </a:fontRef>
+        </p:style>
+        <p:txBody>
+          <a:bodyPr rtlCol="0" anchor="ctr"/>
+          <a:lstStyle/>
+          <a:p>
+            <a:pPr algn="ctr"/>
+            <a:endParaRPr lang="en-US" sz="1400" dirty="0">
+              <a:solidFill>
+                <a:schemeClr val="tx1"/>
+              </a:solidFill>
+            </a:endParaRPr>
+          </a:p>
+        </p:txBody>
+      </p:sp>
+      <p:sp>
+        <p:nvSpPr>
+          <p:cNvPr id="214" name="TextBox 213">
+            <a:extLst>
+              <a:ext uri="{FF2B5EF4-FFF2-40B4-BE49-F238E27FC236}">
+                <a16:creationId xmlns:a16="http://schemas.microsoft.com/office/drawing/2014/main" id="{04BAA516-4B6F-5004-A899-57FE8E4CEBBB}"/>
+              </a:ext>
+            </a:extLst>
+          </p:cNvPr>
+          <p:cNvSpPr txBox="1"/>
+          <p:nvPr/>
+        </p:nvSpPr>
+        <p:spPr>
+          <a:xfrm>
+            <a:off x="9368799" y="455848"/>
+            <a:ext cx="510139" cy="307777"/>
+          </a:xfrm>
+          <a:prstGeom prst="rect">
+            <a:avLst/>
+          </a:prstGeom>
+          <a:noFill/>
+        </p:spPr>
+        <p:txBody>
+          <a:bodyPr wrap="square" rtlCol="0">
+            <a:spAutoFit/>
+          </a:bodyPr>
+          <a:lstStyle/>
+          <a:p>
+            <a:pPr algn="ctr"/>
+            <a:r>
+              <a:rPr lang="en-US" sz="1400" dirty="0"/>
+              <a:t>S</a:t>
+            </a:r>
+            <a:r>
+              <a:rPr lang="en-US" sz="1400" baseline="-25000" dirty="0"/>
+              <a:t>2</a:t>
+            </a:r>
+            <a:endParaRPr lang="en-US" sz="1400" dirty="0"/>
+          </a:p>
+        </p:txBody>
+      </p:sp>
+      <p:sp>
+        <p:nvSpPr>
+          <p:cNvPr id="217" name="Rectangle 216">
+            <a:extLst>
+              <a:ext uri="{FF2B5EF4-FFF2-40B4-BE49-F238E27FC236}">
+                <a16:creationId xmlns:a16="http://schemas.microsoft.com/office/drawing/2014/main" id="{F2183143-BB99-2894-2DE1-435397E65887}"/>
+              </a:ext>
+            </a:extLst>
+          </p:cNvPr>
+          <p:cNvSpPr/>
+          <p:nvPr/>
+        </p:nvSpPr>
+        <p:spPr>
+          <a:xfrm>
+            <a:off x="9369690" y="1183646"/>
+            <a:ext cx="494963" cy="250442"/>
           </a:xfrm>
           <a:prstGeom prst="rect">
             <a:avLst/>
@@ -7382,67 +7246,17 @@
             </a:r>
             <a:r>
               <a:rPr lang="en-US" sz="1400" baseline="-25000" dirty="0"/>
-              <a:t>1</a:t>
-            </a:r>
-          </a:p>
-        </p:txBody>
-      </p:sp>
-      <p:cxnSp>
-        <p:nvCxnSpPr>
-          <p:cNvPr id="210" name="Straight Arrow Connector 209">
-            <a:extLst>
-              <a:ext uri="{FF2B5EF4-FFF2-40B4-BE49-F238E27FC236}">
-                <a16:creationId xmlns:a16="http://schemas.microsoft.com/office/drawing/2014/main" id="{BDA337A8-50BA-D9EA-6BDD-EFE25AEFEC77}"/>
-              </a:ext>
-            </a:extLst>
-          </p:cNvPr>
-          <p:cNvCxnSpPr>
-            <a:cxnSpLocks/>
-            <a:stCxn id="212" idx="2"/>
-            <a:endCxn id="217" idx="0"/>
-          </p:cNvCxnSpPr>
-          <p:nvPr/>
-        </p:nvCxnSpPr>
-        <p:spPr>
-          <a:xfrm>
-            <a:off x="9334319" y="1016134"/>
-            <a:ext cx="3453" cy="167512"/>
-          </a:xfrm>
-          <a:prstGeom prst="straightConnector1">
-            <a:avLst/>
-          </a:prstGeom>
-          <a:ln w="19050" cap="flat" cmpd="sng" algn="ctr">
-            <a:solidFill>
-              <a:schemeClr val="tx1"/>
-            </a:solidFill>
-            <a:prstDash val="solid"/>
-            <a:round/>
-            <a:headEnd type="none" w="med" len="med"/>
-            <a:tailEnd type="arrow" w="med" len="med"/>
-          </a:ln>
-          <a:effectLst/>
-        </p:spPr>
-        <p:style>
-          <a:lnRef idx="2">
-            <a:schemeClr val="accent1"/>
-          </a:lnRef>
-          <a:fillRef idx="0">
-            <a:schemeClr val="accent1"/>
-          </a:fillRef>
-          <a:effectRef idx="1">
-            <a:schemeClr val="accent1"/>
-          </a:effectRef>
-          <a:fontRef idx="minor">
-            <a:schemeClr val="tx1"/>
-          </a:fontRef>
-        </p:style>
-      </p:cxnSp>
-      <p:sp>
-        <p:nvSpPr>
-          <p:cNvPr id="212" name="Card 211">
-            <a:extLst>
-              <a:ext uri="{FF2B5EF4-FFF2-40B4-BE49-F238E27FC236}">
-                <a16:creationId xmlns:a16="http://schemas.microsoft.com/office/drawing/2014/main" id="{41742E91-BBC1-8143-0677-70961C3C7375}"/>
+              <a:t>2</a:t>
+            </a:r>
+          </a:p>
+        </p:txBody>
+      </p:sp>
+      <p:sp>
+        <p:nvSpPr>
+          <p:cNvPr id="218" name="Can 217">
+            <a:extLst>
+              <a:ext uri="{FF2B5EF4-FFF2-40B4-BE49-F238E27FC236}">
+                <a16:creationId xmlns:a16="http://schemas.microsoft.com/office/drawing/2014/main" id="{89283C21-F9B1-F2B9-49E7-998E7841FC9E}"/>
               </a:ext>
             </a:extLst>
           </p:cNvPr>
@@ -7450,17 +7264,17 @@
           <p:nvPr/>
         </p:nvSpPr>
         <p:spPr>
-          <a:xfrm flipH="1">
-            <a:off x="8642735" y="399761"/>
-            <a:ext cx="1383168" cy="616373"/>
-          </a:xfrm>
-          <a:prstGeom prst="flowChartPunchedCard">
+          <a:xfrm>
+            <a:off x="7344902" y="1935919"/>
+            <a:ext cx="352803" cy="256860"/>
+          </a:xfrm>
+          <a:prstGeom prst="can">
             <a:avLst/>
           </a:prstGeom>
           <a:solidFill>
-            <a:schemeClr val="bg1"/>
+            <a:srgbClr val="00B0F0"/>
           </a:solidFill>
-          <a:ln w="19050">
+          <a:ln w="28575" cmpd="sng">
             <a:solidFill>
               <a:schemeClr val="tx1"/>
             </a:solidFill>
@@ -7486,7 +7300,7 @@
           <a:lstStyle/>
           <a:p>
             <a:pPr algn="ctr"/>
-            <a:endParaRPr lang="en-US" sz="1400" baseline="-25000" dirty="0">
+            <a:endParaRPr lang="en-US" sz="1200" dirty="0">
               <a:solidFill>
                 <a:schemeClr val="tx1"/>
               </a:solidFill>
@@ -7496,10 +7310,51 @@
       </p:sp>
       <p:sp>
         <p:nvSpPr>
-          <p:cNvPr id="213" name="Can 212">
-            <a:extLst>
-              <a:ext uri="{FF2B5EF4-FFF2-40B4-BE49-F238E27FC236}">
-                <a16:creationId xmlns:a16="http://schemas.microsoft.com/office/drawing/2014/main" id="{948AB922-8365-1148-6D3D-5648667643BE}"/>
+          <p:cNvPr id="219" name="TextBox 218">
+            <a:extLst>
+              <a:ext uri="{FF2B5EF4-FFF2-40B4-BE49-F238E27FC236}">
+                <a16:creationId xmlns:a16="http://schemas.microsoft.com/office/drawing/2014/main" id="{DF63E11B-07CD-18AD-E10A-3E1A7D9BEABE}"/>
+              </a:ext>
+            </a:extLst>
+          </p:cNvPr>
+          <p:cNvSpPr txBox="1"/>
+          <p:nvPr/>
+        </p:nvSpPr>
+        <p:spPr>
+          <a:xfrm>
+            <a:off x="6962741" y="1918275"/>
+            <a:ext cx="510139" cy="307777"/>
+          </a:xfrm>
+          <a:prstGeom prst="rect">
+            <a:avLst/>
+          </a:prstGeom>
+          <a:noFill/>
+        </p:spPr>
+        <p:txBody>
+          <a:bodyPr wrap="square" rtlCol="0">
+            <a:spAutoFit/>
+          </a:bodyPr>
+          <a:lstStyle/>
+          <a:p>
+            <a:pPr algn="ctr"/>
+            <a:r>
+              <a:rPr lang="en-US" sz="1400" dirty="0"/>
+              <a:t>S</a:t>
+            </a:r>
+            <a:r>
+              <a:rPr lang="en-US" sz="1400" baseline="-25000" dirty="0"/>
+              <a:t>1</a:t>
+            </a:r>
+            <a:endParaRPr lang="en-US" sz="1400" dirty="0"/>
+          </a:p>
+        </p:txBody>
+      </p:sp>
+      <p:sp>
+        <p:nvSpPr>
+          <p:cNvPr id="220" name="Can 219">
+            <a:extLst>
+              <a:ext uri="{FF2B5EF4-FFF2-40B4-BE49-F238E27FC236}">
+                <a16:creationId xmlns:a16="http://schemas.microsoft.com/office/drawing/2014/main" id="{9068FE81-5EBC-E381-B5C6-D1996A0AB17E}"/>
               </a:ext>
             </a:extLst>
           </p:cNvPr>
@@ -7508,7 +7363,7 @@
         </p:nvSpPr>
         <p:spPr>
           <a:xfrm>
-            <a:off x="8720130" y="694880"/>
+            <a:off x="9448221" y="1935919"/>
             <a:ext cx="352803" cy="256860"/>
           </a:xfrm>
           <a:prstGeom prst="can">
@@ -7543,248 +7398,6 @@
           <a:lstStyle/>
           <a:p>
             <a:pPr algn="ctr"/>
-            <a:endParaRPr lang="en-US" sz="1400" dirty="0">
-              <a:solidFill>
-                <a:schemeClr val="tx1"/>
-              </a:solidFill>
-            </a:endParaRPr>
-          </a:p>
-        </p:txBody>
-      </p:sp>
-      <p:sp>
-        <p:nvSpPr>
-          <p:cNvPr id="214" name="TextBox 213">
-            <a:extLst>
-              <a:ext uri="{FF2B5EF4-FFF2-40B4-BE49-F238E27FC236}">
-                <a16:creationId xmlns:a16="http://schemas.microsoft.com/office/drawing/2014/main" id="{04BAA516-4B6F-5004-A899-57FE8E4CEBBB}"/>
-              </a:ext>
-            </a:extLst>
-          </p:cNvPr>
-          <p:cNvSpPr txBox="1"/>
-          <p:nvPr/>
-        </p:nvSpPr>
-        <p:spPr>
-          <a:xfrm>
-            <a:off x="8651612" y="391830"/>
-            <a:ext cx="510139" cy="307777"/>
-          </a:xfrm>
-          <a:prstGeom prst="rect">
-            <a:avLst/>
-          </a:prstGeom>
-          <a:noFill/>
-        </p:spPr>
-        <p:txBody>
-          <a:bodyPr wrap="square" rtlCol="0">
-            <a:spAutoFit/>
-          </a:bodyPr>
-          <a:lstStyle/>
-          <a:p>
-            <a:pPr algn="ctr"/>
-            <a:r>
-              <a:rPr lang="en-US" sz="1400" dirty="0"/>
-              <a:t>S</a:t>
-            </a:r>
-            <a:r>
-              <a:rPr lang="en-US" sz="1400" baseline="-25000" dirty="0"/>
-              <a:t>2</a:t>
-            </a:r>
-            <a:endParaRPr lang="en-US" sz="1400" dirty="0"/>
-          </a:p>
-        </p:txBody>
-      </p:sp>
-      <p:sp>
-        <p:nvSpPr>
-          <p:cNvPr id="215" name="TextBox 214">
-            <a:extLst>
-              <a:ext uri="{FF2B5EF4-FFF2-40B4-BE49-F238E27FC236}">
-                <a16:creationId xmlns:a16="http://schemas.microsoft.com/office/drawing/2014/main" id="{549B8AC6-67A4-3C3F-4F99-2B99C5876D11}"/>
-              </a:ext>
-            </a:extLst>
-          </p:cNvPr>
-          <p:cNvSpPr txBox="1"/>
-          <p:nvPr/>
-        </p:nvSpPr>
-        <p:spPr>
-          <a:xfrm>
-            <a:off x="9243371" y="667744"/>
-            <a:ext cx="845454" cy="307777"/>
-          </a:xfrm>
-          <a:prstGeom prst="rect">
-            <a:avLst/>
-          </a:prstGeom>
-          <a:noFill/>
-        </p:spPr>
-        <p:txBody>
-          <a:bodyPr wrap="square">
-            <a:spAutoFit/>
-          </a:bodyPr>
-          <a:lstStyle/>
-          <a:p>
-            <a:pPr algn="ctr"/>
-            <a:r>
-              <a:rPr lang="en-US" sz="1400" dirty="0"/>
-              <a:t>OI_HAPV</a:t>
-            </a:r>
-            <a:endParaRPr lang="en-US" sz="1400" baseline="-25000" dirty="0">
-              <a:solidFill>
-                <a:schemeClr val="tx1"/>
-              </a:solidFill>
-            </a:endParaRPr>
-          </a:p>
-        </p:txBody>
-      </p:sp>
-      <p:cxnSp>
-        <p:nvCxnSpPr>
-          <p:cNvPr id="216" name="Straight Arrow Connector 215">
-            <a:extLst>
-              <a:ext uri="{FF2B5EF4-FFF2-40B4-BE49-F238E27FC236}">
-                <a16:creationId xmlns:a16="http://schemas.microsoft.com/office/drawing/2014/main" id="{E8C6C82A-C4B9-F19B-534A-6B05BABEAF50}"/>
-              </a:ext>
-            </a:extLst>
-          </p:cNvPr>
-          <p:cNvCxnSpPr>
-            <a:cxnSpLocks/>
-            <a:stCxn id="215" idx="1"/>
-            <a:endCxn id="213" idx="4"/>
-          </p:cNvCxnSpPr>
-          <p:nvPr/>
-        </p:nvCxnSpPr>
-        <p:spPr>
-          <a:xfrm flipH="1">
-            <a:off x="9072933" y="821633"/>
-            <a:ext cx="170438" cy="1677"/>
-          </a:xfrm>
-          <a:prstGeom prst="straightConnector1">
-            <a:avLst/>
-          </a:prstGeom>
-          <a:ln w="19050" cap="flat" cmpd="sng" algn="ctr">
-            <a:solidFill>
-              <a:schemeClr val="tx1"/>
-            </a:solidFill>
-            <a:prstDash val="solid"/>
-            <a:round/>
-            <a:headEnd type="none" w="med" len="med"/>
-            <a:tailEnd type="arrow" w="med" len="med"/>
-          </a:ln>
-          <a:effectLst/>
-        </p:spPr>
-        <p:style>
-          <a:lnRef idx="2">
-            <a:schemeClr val="accent1"/>
-          </a:lnRef>
-          <a:fillRef idx="0">
-            <a:schemeClr val="accent1"/>
-          </a:fillRef>
-          <a:effectRef idx="1">
-            <a:schemeClr val="accent1"/>
-          </a:effectRef>
-          <a:fontRef idx="minor">
-            <a:schemeClr val="tx1"/>
-          </a:fontRef>
-        </p:style>
-      </p:cxnSp>
-      <p:sp>
-        <p:nvSpPr>
-          <p:cNvPr id="217" name="Rectangle 216">
-            <a:extLst>
-              <a:ext uri="{FF2B5EF4-FFF2-40B4-BE49-F238E27FC236}">
-                <a16:creationId xmlns:a16="http://schemas.microsoft.com/office/drawing/2014/main" id="{F2183143-BB99-2894-2DE1-435397E65887}"/>
-              </a:ext>
-            </a:extLst>
-          </p:cNvPr>
-          <p:cNvSpPr/>
-          <p:nvPr/>
-        </p:nvSpPr>
-        <p:spPr>
-          <a:xfrm>
-            <a:off x="9090290" y="1183646"/>
-            <a:ext cx="494963" cy="250442"/>
-          </a:xfrm>
-          <a:prstGeom prst="rect">
-            <a:avLst/>
-          </a:prstGeom>
-          <a:noFill/>
-          <a:ln w="19050"/>
-        </p:spPr>
-        <p:style>
-          <a:lnRef idx="2">
-            <a:schemeClr val="dk1"/>
-          </a:lnRef>
-          <a:fillRef idx="1">
-            <a:schemeClr val="lt1"/>
-          </a:fillRef>
-          <a:effectRef idx="0">
-            <a:schemeClr val="dk1"/>
-          </a:effectRef>
-          <a:fontRef idx="minor">
-            <a:schemeClr val="dk1"/>
-          </a:fontRef>
-        </p:style>
-        <p:txBody>
-          <a:bodyPr rtlCol="0" anchor="ctr"/>
-          <a:lstStyle/>
-          <a:p>
-            <a:pPr algn="ctr"/>
-            <a:r>
-              <a:rPr lang="en-US" sz="1400" dirty="0"/>
-              <a:t>M</a:t>
-            </a:r>
-            <a:r>
-              <a:rPr lang="en-US" sz="1400" baseline="-25000" dirty="0"/>
-              <a:t>2</a:t>
-            </a:r>
-          </a:p>
-        </p:txBody>
-      </p:sp>
-      <p:sp>
-        <p:nvSpPr>
-          <p:cNvPr id="218" name="Can 217">
-            <a:extLst>
-              <a:ext uri="{FF2B5EF4-FFF2-40B4-BE49-F238E27FC236}">
-                <a16:creationId xmlns:a16="http://schemas.microsoft.com/office/drawing/2014/main" id="{89283C21-F9B1-F2B9-49E7-998E7841FC9E}"/>
-              </a:ext>
-            </a:extLst>
-          </p:cNvPr>
-          <p:cNvSpPr/>
-          <p:nvPr/>
-        </p:nvSpPr>
-        <p:spPr>
-          <a:xfrm>
-            <a:off x="7344902" y="1935919"/>
-            <a:ext cx="352803" cy="256860"/>
-          </a:xfrm>
-          <a:prstGeom prst="can">
-            <a:avLst/>
-          </a:prstGeom>
-          <a:solidFill>
-            <a:srgbClr val="00B0F0"/>
-          </a:solidFill>
-          <a:ln w="28575" cmpd="sng">
-            <a:solidFill>
-              <a:schemeClr val="tx1"/>
-            </a:solidFill>
-          </a:ln>
-          <a:effectLst/>
-        </p:spPr>
-        <p:style>
-          <a:lnRef idx="1">
-            <a:schemeClr val="accent1"/>
-          </a:lnRef>
-          <a:fillRef idx="3">
-            <a:schemeClr val="accent1"/>
-          </a:fillRef>
-          <a:effectRef idx="2">
-            <a:schemeClr val="accent1"/>
-          </a:effectRef>
-          <a:fontRef idx="minor">
-            <a:schemeClr val="lt1"/>
-          </a:fontRef>
-        </p:style>
-        <p:txBody>
-          <a:bodyPr rtlCol="0" anchor="ctr"/>
-          <a:lstStyle/>
-          <a:p>
-            <a:pPr algn="ctr"/>
             <a:endParaRPr lang="en-US" sz="1200" dirty="0">
               <a:solidFill>
                 <a:schemeClr val="tx1"/>
@@ -7795,10 +7408,10 @@
       </p:sp>
       <p:sp>
         <p:nvSpPr>
-          <p:cNvPr id="219" name="TextBox 218">
-            <a:extLst>
-              <a:ext uri="{FF2B5EF4-FFF2-40B4-BE49-F238E27FC236}">
-                <a16:creationId xmlns:a16="http://schemas.microsoft.com/office/drawing/2014/main" id="{DF63E11B-07CD-18AD-E10A-3E1A7D9BEABE}"/>
+          <p:cNvPr id="221" name="TextBox 220">
+            <a:extLst>
+              <a:ext uri="{FF2B5EF4-FFF2-40B4-BE49-F238E27FC236}">
+                <a16:creationId xmlns:a16="http://schemas.microsoft.com/office/drawing/2014/main" id="{2F96FC06-7208-A571-57B0-F078E7ACA6EA}"/>
               </a:ext>
             </a:extLst>
           </p:cNvPr>
@@ -7807,105 +7420,7 @@
         </p:nvSpPr>
         <p:spPr>
           <a:xfrm>
-            <a:off x="6962741" y="1918275"/>
-            <a:ext cx="510139" cy="307777"/>
-          </a:xfrm>
-          <a:prstGeom prst="rect">
-            <a:avLst/>
-          </a:prstGeom>
-          <a:noFill/>
-        </p:spPr>
-        <p:txBody>
-          <a:bodyPr wrap="square" rtlCol="0">
-            <a:spAutoFit/>
-          </a:bodyPr>
-          <a:lstStyle/>
-          <a:p>
-            <a:pPr algn="ctr"/>
-            <a:r>
-              <a:rPr lang="en-US" sz="1400" dirty="0"/>
-              <a:t>S</a:t>
-            </a:r>
-            <a:r>
-              <a:rPr lang="en-US" sz="1400" baseline="-25000" dirty="0"/>
-              <a:t>1</a:t>
-            </a:r>
-            <a:endParaRPr lang="en-US" sz="1400" dirty="0"/>
-          </a:p>
-        </p:txBody>
-      </p:sp>
-      <p:sp>
-        <p:nvSpPr>
-          <p:cNvPr id="220" name="Can 219">
-            <a:extLst>
-              <a:ext uri="{FF2B5EF4-FFF2-40B4-BE49-F238E27FC236}">
-                <a16:creationId xmlns:a16="http://schemas.microsoft.com/office/drawing/2014/main" id="{9068FE81-5EBC-E381-B5C6-D1996A0AB17E}"/>
-              </a:ext>
-            </a:extLst>
-          </p:cNvPr>
-          <p:cNvSpPr/>
-          <p:nvPr/>
-        </p:nvSpPr>
-        <p:spPr>
-          <a:xfrm>
-            <a:off x="9168821" y="1935919"/>
-            <a:ext cx="352803" cy="256860"/>
-          </a:xfrm>
-          <a:prstGeom prst="can">
-            <a:avLst/>
-          </a:prstGeom>
-          <a:solidFill>
-            <a:srgbClr val="0070C0"/>
-          </a:solidFill>
-          <a:ln w="28575" cmpd="sng">
-            <a:solidFill>
-              <a:schemeClr val="tx1"/>
-            </a:solidFill>
-          </a:ln>
-          <a:effectLst/>
-        </p:spPr>
-        <p:style>
-          <a:lnRef idx="1">
-            <a:schemeClr val="accent1"/>
-          </a:lnRef>
-          <a:fillRef idx="3">
-            <a:schemeClr val="accent1"/>
-          </a:fillRef>
-          <a:effectRef idx="2">
-            <a:schemeClr val="accent1"/>
-          </a:effectRef>
-          <a:fontRef idx="minor">
-            <a:schemeClr val="lt1"/>
-          </a:fontRef>
-        </p:style>
-        <p:txBody>
-          <a:bodyPr rtlCol="0" anchor="ctr"/>
-          <a:lstStyle/>
-          <a:p>
-            <a:pPr algn="ctr"/>
-            <a:endParaRPr lang="en-US" sz="1200" dirty="0">
-              <a:solidFill>
-                <a:schemeClr val="tx1"/>
-              </a:solidFill>
-            </a:endParaRPr>
-          </a:p>
-        </p:txBody>
-      </p:sp>
-      <p:sp>
-        <p:nvSpPr>
-          <p:cNvPr id="221" name="TextBox 220">
-            <a:extLst>
-              <a:ext uri="{FF2B5EF4-FFF2-40B4-BE49-F238E27FC236}">
-                <a16:creationId xmlns:a16="http://schemas.microsoft.com/office/drawing/2014/main" id="{2F96FC06-7208-A571-57B0-F078E7ACA6EA}"/>
-              </a:ext>
-            </a:extLst>
-          </p:cNvPr>
-          <p:cNvSpPr txBox="1"/>
-          <p:nvPr/>
-        </p:nvSpPr>
-        <p:spPr>
-          <a:xfrm>
-            <a:off x="8784006" y="1918274"/>
+            <a:off x="9063406" y="1918274"/>
             <a:ext cx="510139" cy="307777"/>
           </a:xfrm>
           <a:prstGeom prst="rect">
@@ -7951,7 +7466,7 @@
         <p:spPr>
           <a:xfrm>
             <a:off x="7521304" y="1434088"/>
-            <a:ext cx="1823919" cy="501831"/>
+            <a:ext cx="2103319" cy="501831"/>
           </a:xfrm>
           <a:prstGeom prst="straightConnector1">
             <a:avLst/>
@@ -8050,7 +7565,7 @@
         </p:nvCxnSpPr>
         <p:spPr>
           <a:xfrm>
-            <a:off x="9337772" y="1434088"/>
+            <a:off x="9617172" y="1434088"/>
             <a:ext cx="7451" cy="501831"/>
           </a:xfrm>
           <a:prstGeom prst="straightConnector1">
@@ -8101,7 +7616,7 @@
         <p:spPr>
           <a:xfrm flipH="1">
             <a:off x="7521304" y="1434088"/>
-            <a:ext cx="1816468" cy="501831"/>
+            <a:ext cx="2095868" cy="501831"/>
           </a:xfrm>
           <a:prstGeom prst="straightConnector1">
             <a:avLst/>
@@ -8150,7 +7665,7 @@
         </p:nvCxnSpPr>
         <p:spPr>
           <a:xfrm flipH="1">
-            <a:off x="9343504" y="2192779"/>
+            <a:off x="9622904" y="2192779"/>
             <a:ext cx="1719" cy="137946"/>
           </a:xfrm>
           <a:prstGeom prst="straightConnector1">
@@ -8196,7 +7711,7 @@
         </p:nvSpPr>
         <p:spPr>
           <a:xfrm>
-            <a:off x="10443506" y="731254"/>
+            <a:off x="10722906" y="731254"/>
             <a:ext cx="86952" cy="86952"/>
           </a:xfrm>
           <a:prstGeom prst="ellipse">
@@ -8248,7 +7763,7 @@
         </p:nvSpPr>
         <p:spPr>
           <a:xfrm>
-            <a:off x="10668435" y="731254"/>
+            <a:off x="10947835" y="731254"/>
             <a:ext cx="86952" cy="86952"/>
           </a:xfrm>
           <a:prstGeom prst="ellipse">
@@ -8300,7 +7815,7 @@
         </p:nvSpPr>
         <p:spPr>
           <a:xfrm>
-            <a:off x="10220482" y="1245069"/>
+            <a:off x="10499882" y="1245069"/>
             <a:ext cx="86952" cy="86952"/>
           </a:xfrm>
           <a:prstGeom prst="ellipse">
@@ -8352,7 +7867,7 @@
         </p:nvSpPr>
         <p:spPr>
           <a:xfrm>
-            <a:off x="10443506" y="1245069"/>
+            <a:off x="10722906" y="1245069"/>
             <a:ext cx="86952" cy="86952"/>
           </a:xfrm>
           <a:prstGeom prst="ellipse">
@@ -8404,7 +7919,7 @@
         </p:nvSpPr>
         <p:spPr>
           <a:xfrm>
-            <a:off x="10668435" y="1245069"/>
+            <a:off x="10947835" y="1245069"/>
             <a:ext cx="86952" cy="86952"/>
           </a:xfrm>
           <a:prstGeom prst="ellipse">
@@ -8456,7 +7971,7 @@
         </p:nvSpPr>
         <p:spPr>
           <a:xfrm>
-            <a:off x="10215470" y="2433364"/>
+            <a:off x="10494870" y="2433364"/>
             <a:ext cx="86952" cy="86952"/>
           </a:xfrm>
           <a:prstGeom prst="ellipse">
@@ -8508,7 +8023,7 @@
         </p:nvSpPr>
         <p:spPr>
           <a:xfrm>
-            <a:off x="10438494" y="2433364"/>
+            <a:off x="10717894" y="2433364"/>
             <a:ext cx="86952" cy="86952"/>
           </a:xfrm>
           <a:prstGeom prst="ellipse">
@@ -8560,7 +8075,7 @@
         </p:nvSpPr>
         <p:spPr>
           <a:xfrm>
-            <a:off x="10663423" y="2433364"/>
+            <a:off x="10942823" y="2433364"/>
             <a:ext cx="86952" cy="86952"/>
           </a:xfrm>
           <a:prstGeom prst="ellipse">
@@ -8612,7 +8127,7 @@
         </p:nvSpPr>
         <p:spPr>
           <a:xfrm>
-            <a:off x="10216559" y="2850554"/>
+            <a:off x="10495959" y="2850554"/>
             <a:ext cx="86952" cy="86952"/>
           </a:xfrm>
           <a:prstGeom prst="ellipse">
@@ -8664,7 +8179,7 @@
         </p:nvSpPr>
         <p:spPr>
           <a:xfrm>
-            <a:off x="10439583" y="2850554"/>
+            <a:off x="10718983" y="2850554"/>
             <a:ext cx="86952" cy="86952"/>
           </a:xfrm>
           <a:prstGeom prst="ellipse">
@@ -8716,7 +8231,7 @@
         </p:nvSpPr>
         <p:spPr>
           <a:xfrm>
-            <a:off x="10664512" y="2850554"/>
+            <a:off x="10943912" y="2850554"/>
             <a:ext cx="86952" cy="86952"/>
           </a:xfrm>
           <a:prstGeom prst="ellipse">
@@ -8820,7 +8335,7 @@
         </p:nvCxnSpPr>
         <p:spPr>
           <a:xfrm flipH="1">
-            <a:off x="9345223" y="1461238"/>
+            <a:off x="9624623" y="1461238"/>
             <a:ext cx="1149778" cy="474681"/>
           </a:xfrm>
           <a:prstGeom prst="straightConnector1">
@@ -8917,7 +8432,7 @@
         <p:spPr>
           <a:xfrm>
             <a:off x="6700819" y="-2188"/>
-            <a:ext cx="4144639" cy="3083836"/>
+            <a:ext cx="4419002" cy="3083836"/>
           </a:xfrm>
           <a:prstGeom prst="roundRect">
             <a:avLst>
@@ -8970,9 +8485,9 @@
           <p:nvPr/>
         </p:nvCxnSpPr>
         <p:spPr>
-          <a:xfrm>
-            <a:off x="1808576" y="1371762"/>
-            <a:ext cx="211323" cy="1863"/>
+          <a:xfrm flipV="1">
+            <a:off x="1703883" y="2069275"/>
+            <a:ext cx="316016" cy="1207"/>
           </a:xfrm>
           <a:prstGeom prst="straightConnector1">
             <a:avLst/>
@@ -9077,73 +8592,24 @@
       </p:sp>
       <p:cxnSp>
         <p:nvCxnSpPr>
-          <p:cNvPr id="409" name="Straight Arrow Connector 408">
-            <a:extLst>
-              <a:ext uri="{FF2B5EF4-FFF2-40B4-BE49-F238E27FC236}">
-                <a16:creationId xmlns:a16="http://schemas.microsoft.com/office/drawing/2014/main" id="{DEFC9B8B-AE30-B682-B029-D989B12779F2}"/>
+          <p:cNvPr id="426" name="Straight Arrow Connector 425">
+            <a:extLst>
+              <a:ext uri="{FF2B5EF4-FFF2-40B4-BE49-F238E27FC236}">
+                <a16:creationId xmlns:a16="http://schemas.microsoft.com/office/drawing/2014/main" id="{CFB2CC0F-F141-3A43-C2BE-DCF3F852CE97}"/>
               </a:ext>
             </a:extLst>
           </p:cNvPr>
           <p:cNvCxnSpPr>
             <a:cxnSpLocks/>
-            <a:stCxn id="34" idx="3"/>
+            <a:stCxn id="241" idx="2"/>
+            <a:endCxn id="130" idx="0"/>
           </p:cNvCxnSpPr>
           <p:nvPr/>
         </p:nvCxnSpPr>
         <p:spPr>
-          <a:xfrm>
-            <a:off x="6505023" y="1373625"/>
-            <a:ext cx="211323" cy="0"/>
-          </a:xfrm>
-          <a:prstGeom prst="straightConnector1">
-            <a:avLst/>
-          </a:prstGeom>
-          <a:ln w="38100" cap="flat" cmpd="sng" algn="ctr">
-            <a:solidFill>
-              <a:schemeClr val="tx1"/>
-            </a:solidFill>
-            <a:prstDash val="solid"/>
-            <a:round/>
-            <a:headEnd type="none" w="med" len="med"/>
-            <a:tailEnd type="arrow" w="med" len="med"/>
-          </a:ln>
-          <a:effectLst/>
-        </p:spPr>
-        <p:style>
-          <a:lnRef idx="2">
-            <a:schemeClr val="accent1"/>
-          </a:lnRef>
-          <a:fillRef idx="0">
-            <a:schemeClr val="accent1"/>
-          </a:fillRef>
-          <a:effectRef idx="1">
-            <a:schemeClr val="accent1"/>
-          </a:effectRef>
-          <a:fontRef idx="minor">
-            <a:schemeClr val="tx1"/>
-          </a:fontRef>
-        </p:style>
-      </p:cxnSp>
-      <p:cxnSp>
-        <p:nvCxnSpPr>
-          <p:cNvPr id="426" name="Straight Arrow Connector 425">
-            <a:extLst>
-              <a:ext uri="{FF2B5EF4-FFF2-40B4-BE49-F238E27FC236}">
-                <a16:creationId xmlns:a16="http://schemas.microsoft.com/office/drawing/2014/main" id="{CFB2CC0F-F141-3A43-C2BE-DCF3F852CE97}"/>
-              </a:ext>
-            </a:extLst>
-          </p:cNvPr>
-          <p:cNvCxnSpPr>
-            <a:cxnSpLocks/>
-            <a:stCxn id="241" idx="3"/>
-            <a:endCxn id="130" idx="1"/>
-          </p:cNvCxnSpPr>
-          <p:nvPr/>
-        </p:nvCxnSpPr>
-        <p:spPr>
-          <a:xfrm flipV="1">
-            <a:off x="10845458" y="1537699"/>
-            <a:ext cx="204162" cy="2031"/>
+          <a:xfrm flipH="1">
+            <a:off x="8903629" y="3081648"/>
+            <a:ext cx="6691" cy="230262"/>
           </a:xfrm>
           <a:prstGeom prst="straightConnector1">
             <a:avLst/>
@@ -9190,14 +8656,1575 @@
           <p:nvPr/>
         </p:nvCxnSpPr>
         <p:spPr>
-          <a:xfrm rot="16200000" flipH="1">
-            <a:off x="3696869" y="-86169"/>
-            <a:ext cx="390882" cy="5617015"/>
+          <a:xfrm rot="5400000" flipH="1" flipV="1">
+            <a:off x="4190162" y="-113764"/>
+            <a:ext cx="128329" cy="6550435"/>
+          </a:xfrm>
+          <a:prstGeom prst="bentConnector4">
+            <a:avLst>
+              <a:gd name="adj1" fmla="val -899699"/>
+              <a:gd name="adj2" fmla="val 99972"/>
+            </a:avLst>
+          </a:prstGeom>
+          <a:ln w="38100" cap="flat" cmpd="sng" algn="ctr">
+            <a:solidFill>
+              <a:schemeClr val="dk1"/>
+            </a:solidFill>
+            <a:prstDash val="solid"/>
+            <a:round/>
+            <a:headEnd type="none" w="med" len="med"/>
+            <a:tailEnd type="arrow" w="med" len="med"/>
+          </a:ln>
+        </p:spPr>
+        <p:style>
+          <a:lnRef idx="0">
+            <a:scrgbClr r="0" g="0" b="0"/>
+          </a:lnRef>
+          <a:fillRef idx="0">
+            <a:scrgbClr r="0" g="0" b="0"/>
+          </a:fillRef>
+          <a:effectRef idx="0">
+            <a:scrgbClr r="0" g="0" b="0"/>
+          </a:effectRef>
+          <a:fontRef idx="minor">
+            <a:schemeClr val="tx1"/>
+          </a:fontRef>
+        </p:style>
+      </p:cxnSp>
+      <p:sp>
+        <p:nvSpPr>
+          <p:cNvPr id="8" name="Can 7">
+            <a:extLst>
+              <a:ext uri="{FF2B5EF4-FFF2-40B4-BE49-F238E27FC236}">
+                <a16:creationId xmlns:a16="http://schemas.microsoft.com/office/drawing/2014/main" id="{9E700059-8BC5-48EE-43C0-E443287EDFA8}"/>
+              </a:ext>
+            </a:extLst>
+          </p:cNvPr>
+          <p:cNvSpPr/>
+          <p:nvPr/>
+        </p:nvSpPr>
+        <p:spPr>
+          <a:xfrm>
+            <a:off x="2177530" y="3241937"/>
+            <a:ext cx="327367" cy="217363"/>
+          </a:xfrm>
+          <a:prstGeom prst="can">
+            <a:avLst/>
+          </a:prstGeom>
+          <a:solidFill>
+            <a:srgbClr val="0070C0"/>
+          </a:solidFill>
+          <a:ln w="28575" cmpd="sng">
+            <a:solidFill>
+              <a:schemeClr val="tx1"/>
+            </a:solidFill>
+          </a:ln>
+          <a:effectLst/>
+        </p:spPr>
+        <p:style>
+          <a:lnRef idx="1">
+            <a:schemeClr val="accent1"/>
+          </a:lnRef>
+          <a:fillRef idx="3">
+            <a:schemeClr val="accent1"/>
+          </a:fillRef>
+          <a:effectRef idx="2">
+            <a:schemeClr val="accent1"/>
+          </a:effectRef>
+          <a:fontRef idx="minor">
+            <a:schemeClr val="lt1"/>
+          </a:fontRef>
+        </p:style>
+        <p:txBody>
+          <a:bodyPr rtlCol="0" anchor="ctr"/>
+          <a:lstStyle/>
+          <a:p>
+            <a:pPr algn="ctr"/>
+            <a:endParaRPr lang="en-US" sz="1200" dirty="0">
+              <a:solidFill>
+                <a:schemeClr val="tx1"/>
+              </a:solidFill>
+            </a:endParaRPr>
+          </a:p>
+        </p:txBody>
+      </p:sp>
+      <p:sp>
+        <p:nvSpPr>
+          <p:cNvPr id="18" name="Card 17">
+            <a:extLst>
+              <a:ext uri="{FF2B5EF4-FFF2-40B4-BE49-F238E27FC236}">
+                <a16:creationId xmlns:a16="http://schemas.microsoft.com/office/drawing/2014/main" id="{8190013C-3415-6C77-AD6C-FD34F2399B52}"/>
+              </a:ext>
+            </a:extLst>
+          </p:cNvPr>
+          <p:cNvSpPr/>
+          <p:nvPr/>
+        </p:nvSpPr>
+        <p:spPr>
+          <a:xfrm flipH="1">
+            <a:off x="2743954" y="2764964"/>
+            <a:ext cx="1536052" cy="690559"/>
+          </a:xfrm>
+          <a:prstGeom prst="flowChartPunchedCard">
+            <a:avLst/>
+          </a:prstGeom>
+          <a:solidFill>
+            <a:schemeClr val="bg1"/>
+          </a:solidFill>
+          <a:ln w="19050">
+            <a:solidFill>
+              <a:schemeClr val="tx1"/>
+            </a:solidFill>
+          </a:ln>
+          <a:effectLst/>
+        </p:spPr>
+        <p:style>
+          <a:lnRef idx="1">
+            <a:schemeClr val="accent1"/>
+          </a:lnRef>
+          <a:fillRef idx="3">
+            <a:schemeClr val="accent1"/>
+          </a:fillRef>
+          <a:effectRef idx="2">
+            <a:schemeClr val="accent1"/>
+          </a:effectRef>
+          <a:fontRef idx="minor">
+            <a:schemeClr val="lt1"/>
+          </a:fontRef>
+        </p:style>
+        <p:txBody>
+          <a:bodyPr rtlCol="0" anchor="ctr"/>
+          <a:lstStyle/>
+          <a:p>
+            <a:pPr algn="ctr"/>
+            <a:r>
+              <a:rPr lang="en-US" sz="1400" dirty="0">
+                <a:solidFill>
+                  <a:schemeClr val="tx1"/>
+                </a:solidFill>
+              </a:rPr>
+              <a:t>OI</a:t>
+            </a:r>
+          </a:p>
+          <a:p>
+            <a:pPr algn="ctr"/>
+            <a:r>
+              <a:rPr lang="en-US" sz="1400" dirty="0">
+                <a:solidFill>
+                  <a:schemeClr val="tx1"/>
+                </a:solidFill>
+              </a:rPr>
+              <a:t>Parameters: […,</a:t>
+            </a:r>
+            <a:r>
+              <a:rPr lang="en-US" sz="1400" dirty="0" err="1">
+                <a:solidFill>
+                  <a:schemeClr val="tx1"/>
+                </a:solidFill>
+              </a:rPr>
+              <a:t>P</a:t>
+            </a:r>
+            <a:r>
+              <a:rPr lang="en-US" sz="1400" baseline="-25000" dirty="0" err="1">
+                <a:solidFill>
+                  <a:schemeClr val="tx1"/>
+                </a:solidFill>
+              </a:rPr>
+              <a:t>k</a:t>
+            </a:r>
+            <a:r>
+              <a:rPr lang="en-US" sz="1400" dirty="0" err="1">
+                <a:solidFill>
+                  <a:schemeClr val="tx1"/>
+                </a:solidFill>
+              </a:rPr>
+              <a:t>:</a:t>
+            </a:r>
+            <a:r>
+              <a:rPr lang="en-US" sz="1400" b="1" dirty="0" err="1">
+                <a:solidFill>
+                  <a:schemeClr val="tx1"/>
+                </a:solidFill>
+              </a:rPr>
+              <a:t>z</a:t>
+            </a:r>
+            <a:r>
+              <a:rPr lang="en-US" sz="1400" dirty="0">
+                <a:solidFill>
+                  <a:schemeClr val="tx1"/>
+                </a:solidFill>
+              </a:rPr>
+              <a:t>]</a:t>
+            </a:r>
+          </a:p>
+          <a:p>
+            <a:pPr algn="ctr"/>
+            <a:endParaRPr lang="en-US" sz="1400" dirty="0">
+              <a:solidFill>
+                <a:schemeClr val="tx1"/>
+              </a:solidFill>
+            </a:endParaRPr>
+          </a:p>
+        </p:txBody>
+      </p:sp>
+      <p:sp>
+        <p:nvSpPr>
+          <p:cNvPr id="21" name="Card 20">
+            <a:extLst>
+              <a:ext uri="{FF2B5EF4-FFF2-40B4-BE49-F238E27FC236}">
+                <a16:creationId xmlns:a16="http://schemas.microsoft.com/office/drawing/2014/main" id="{91A339C9-96CD-9365-FDE0-055D52FBF1B4}"/>
+              </a:ext>
+            </a:extLst>
+          </p:cNvPr>
+          <p:cNvSpPr/>
+          <p:nvPr/>
+        </p:nvSpPr>
+        <p:spPr>
+          <a:xfrm flipH="1">
+            <a:off x="2736503" y="3622654"/>
+            <a:ext cx="1536051" cy="300300"/>
+          </a:xfrm>
+          <a:prstGeom prst="flowChartPunchedCard">
+            <a:avLst/>
+          </a:prstGeom>
+          <a:solidFill>
+            <a:schemeClr val="bg1"/>
+          </a:solidFill>
+          <a:ln w="19050">
+            <a:solidFill>
+              <a:schemeClr val="tx1"/>
+            </a:solidFill>
+          </a:ln>
+          <a:effectLst/>
+        </p:spPr>
+        <p:style>
+          <a:lnRef idx="1">
+            <a:schemeClr val="accent1"/>
+          </a:lnRef>
+          <a:fillRef idx="3">
+            <a:schemeClr val="accent1"/>
+          </a:fillRef>
+          <a:effectRef idx="2">
+            <a:schemeClr val="accent1"/>
+          </a:effectRef>
+          <a:fontRef idx="minor">
+            <a:schemeClr val="lt1"/>
+          </a:fontRef>
+        </p:style>
+        <p:txBody>
+          <a:bodyPr rtlCol="0" anchor="ctr"/>
+          <a:lstStyle/>
+          <a:p>
+            <a:pPr algn="ctr"/>
+            <a:r>
+              <a:rPr lang="en-US" sz="1400" dirty="0" err="1">
+                <a:solidFill>
+                  <a:schemeClr val="tx1"/>
+                </a:solidFill>
+              </a:rPr>
+              <a:t>KMeans</a:t>
+            </a:r>
+            <a:endParaRPr lang="en-US" sz="1400" dirty="0">
+              <a:solidFill>
+                <a:schemeClr val="tx1"/>
+              </a:solidFill>
+            </a:endParaRPr>
+          </a:p>
+        </p:txBody>
+      </p:sp>
+      <p:cxnSp>
+        <p:nvCxnSpPr>
+          <p:cNvPr id="22" name="Elbow Connector 21">
+            <a:extLst>
+              <a:ext uri="{FF2B5EF4-FFF2-40B4-BE49-F238E27FC236}">
+                <a16:creationId xmlns:a16="http://schemas.microsoft.com/office/drawing/2014/main" id="{0D091D29-75DD-6034-CA38-3DD5468BC4A8}"/>
+              </a:ext>
+            </a:extLst>
+          </p:cNvPr>
+          <p:cNvCxnSpPr>
+            <a:cxnSpLocks/>
+            <a:stCxn id="8" idx="4"/>
+            <a:endCxn id="18" idx="3"/>
+          </p:cNvCxnSpPr>
+          <p:nvPr/>
+        </p:nvCxnSpPr>
+        <p:spPr>
+          <a:xfrm flipV="1">
+            <a:off x="2504897" y="3110244"/>
+            <a:ext cx="239057" cy="240375"/>
+          </a:xfrm>
+          <a:prstGeom prst="bentConnector3">
+            <a:avLst/>
+          </a:prstGeom>
+          <a:ln w="19050" cap="flat" cmpd="sng" algn="ctr">
+            <a:solidFill>
+              <a:schemeClr val="dk1"/>
+            </a:solidFill>
+            <a:prstDash val="solid"/>
+            <a:round/>
+            <a:headEnd type="none" w="med" len="med"/>
+            <a:tailEnd type="arrow" w="med" len="med"/>
+          </a:ln>
+        </p:spPr>
+        <p:style>
+          <a:lnRef idx="0">
+            <a:scrgbClr r="0" g="0" b="0"/>
+          </a:lnRef>
+          <a:fillRef idx="0">
+            <a:scrgbClr r="0" g="0" b="0"/>
+          </a:fillRef>
+          <a:effectRef idx="0">
+            <a:scrgbClr r="0" g="0" b="0"/>
+          </a:effectRef>
+          <a:fontRef idx="minor">
+            <a:schemeClr val="tx1"/>
+          </a:fontRef>
+        </p:style>
+      </p:cxnSp>
+      <p:cxnSp>
+        <p:nvCxnSpPr>
+          <p:cNvPr id="23" name="Elbow Connector 22">
+            <a:extLst>
+              <a:ext uri="{FF2B5EF4-FFF2-40B4-BE49-F238E27FC236}">
+                <a16:creationId xmlns:a16="http://schemas.microsoft.com/office/drawing/2014/main" id="{B4F035D1-FE38-9449-9FB2-89E2AB363198}"/>
+              </a:ext>
+            </a:extLst>
+          </p:cNvPr>
+          <p:cNvCxnSpPr>
+            <a:cxnSpLocks/>
+            <a:stCxn id="8" idx="4"/>
+            <a:endCxn id="21" idx="3"/>
+          </p:cNvCxnSpPr>
+          <p:nvPr/>
+        </p:nvCxnSpPr>
+        <p:spPr>
+          <a:xfrm>
+            <a:off x="2504897" y="3350619"/>
+            <a:ext cx="231606" cy="422185"/>
+          </a:xfrm>
+          <a:prstGeom prst="bentConnector3">
+            <a:avLst>
+              <a:gd name="adj1" fmla="val 50000"/>
+            </a:avLst>
+          </a:prstGeom>
+          <a:ln w="19050" cap="flat" cmpd="sng" algn="ctr">
+            <a:solidFill>
+              <a:schemeClr val="dk1"/>
+            </a:solidFill>
+            <a:prstDash val="solid"/>
+            <a:round/>
+            <a:headEnd type="none" w="med" len="med"/>
+            <a:tailEnd type="arrow" w="med" len="med"/>
+          </a:ln>
+        </p:spPr>
+        <p:style>
+          <a:lnRef idx="0">
+            <a:scrgbClr r="0" g="0" b="0"/>
+          </a:lnRef>
+          <a:fillRef idx="0">
+            <a:scrgbClr r="0" g="0" b="0"/>
+          </a:fillRef>
+          <a:effectRef idx="0">
+            <a:scrgbClr r="0" g="0" b="0"/>
+          </a:effectRef>
+          <a:fontRef idx="minor">
+            <a:schemeClr val="tx1"/>
+          </a:fontRef>
+        </p:style>
+      </p:cxnSp>
+      <p:cxnSp>
+        <p:nvCxnSpPr>
+          <p:cNvPr id="25" name="Elbow Connector 24">
+            <a:extLst>
+              <a:ext uri="{FF2B5EF4-FFF2-40B4-BE49-F238E27FC236}">
+                <a16:creationId xmlns:a16="http://schemas.microsoft.com/office/drawing/2014/main" id="{097B7661-3C3A-AFA2-3CEB-928AB256F0D4}"/>
+              </a:ext>
+            </a:extLst>
+          </p:cNvPr>
+          <p:cNvCxnSpPr>
+            <a:cxnSpLocks/>
+            <a:stCxn id="21" idx="1"/>
+            <a:endCxn id="28" idx="2"/>
+          </p:cNvCxnSpPr>
+          <p:nvPr/>
+        </p:nvCxnSpPr>
+        <p:spPr>
+          <a:xfrm flipV="1">
+            <a:off x="4272554" y="3651777"/>
+            <a:ext cx="403714" cy="121027"/>
           </a:xfrm>
           <a:prstGeom prst="bentConnector2">
             <a:avLst/>
           </a:prstGeom>
-          <a:ln w="38100" cap="flat" cmpd="sng" algn="ctr">
+          <a:ln w="19050" cap="flat" cmpd="sng" algn="ctr">
+            <a:solidFill>
+              <a:schemeClr val="dk1"/>
+            </a:solidFill>
+            <a:prstDash val="solid"/>
+            <a:round/>
+            <a:headEnd type="none" w="med" len="med"/>
+            <a:tailEnd type="arrow" w="med" len="med"/>
+          </a:ln>
+        </p:spPr>
+        <p:style>
+          <a:lnRef idx="0">
+            <a:scrgbClr r="0" g="0" b="0"/>
+          </a:lnRef>
+          <a:fillRef idx="0">
+            <a:scrgbClr r="0" g="0" b="0"/>
+          </a:fillRef>
+          <a:effectRef idx="0">
+            <a:scrgbClr r="0" g="0" b="0"/>
+          </a:effectRef>
+          <a:fontRef idx="minor">
+            <a:schemeClr val="tx1"/>
+          </a:fontRef>
+        </p:style>
+      </p:cxnSp>
+      <p:cxnSp>
+        <p:nvCxnSpPr>
+          <p:cNvPr id="26" name="Elbow Connector 25">
+            <a:extLst>
+              <a:ext uri="{FF2B5EF4-FFF2-40B4-BE49-F238E27FC236}">
+                <a16:creationId xmlns:a16="http://schemas.microsoft.com/office/drawing/2014/main" id="{8195336C-38EC-0BBA-2ED0-7F3DB2DD1AB0}"/>
+              </a:ext>
+            </a:extLst>
+          </p:cNvPr>
+          <p:cNvCxnSpPr>
+            <a:cxnSpLocks/>
+            <a:stCxn id="18" idx="1"/>
+            <a:endCxn id="28" idx="0"/>
+          </p:cNvCxnSpPr>
+          <p:nvPr/>
+        </p:nvCxnSpPr>
+        <p:spPr>
+          <a:xfrm>
+            <a:off x="4280006" y="3110244"/>
+            <a:ext cx="396262" cy="119348"/>
+          </a:xfrm>
+          <a:prstGeom prst="bentConnector2">
+            <a:avLst/>
+          </a:prstGeom>
+          <a:ln w="19050" cap="flat" cmpd="sng" algn="ctr">
+            <a:solidFill>
+              <a:schemeClr val="dk1"/>
+            </a:solidFill>
+            <a:prstDash val="solid"/>
+            <a:round/>
+            <a:headEnd type="none" w="med" len="med"/>
+            <a:tailEnd type="arrow" w="med" len="med"/>
+          </a:ln>
+        </p:spPr>
+        <p:style>
+          <a:lnRef idx="0">
+            <a:scrgbClr r="0" g="0" b="0"/>
+          </a:lnRef>
+          <a:fillRef idx="0">
+            <a:scrgbClr r="0" g="0" b="0"/>
+          </a:fillRef>
+          <a:effectRef idx="0">
+            <a:scrgbClr r="0" g="0" b="0"/>
+          </a:effectRef>
+          <a:fontRef idx="minor">
+            <a:schemeClr val="tx1"/>
+          </a:fontRef>
+        </p:style>
+      </p:cxnSp>
+      <p:sp>
+        <p:nvSpPr>
+          <p:cNvPr id="28" name="Decision 27">
+            <a:extLst>
+              <a:ext uri="{FF2B5EF4-FFF2-40B4-BE49-F238E27FC236}">
+                <a16:creationId xmlns:a16="http://schemas.microsoft.com/office/drawing/2014/main" id="{4CA81D29-4B63-A40A-66F5-6FB13FB8E8F5}"/>
+              </a:ext>
+            </a:extLst>
+          </p:cNvPr>
+          <p:cNvSpPr/>
+          <p:nvPr/>
+        </p:nvSpPr>
+        <p:spPr>
+          <a:xfrm>
+            <a:off x="4316913" y="3229592"/>
+            <a:ext cx="718709" cy="422185"/>
+          </a:xfrm>
+          <a:prstGeom prst="flowChartDecision">
+            <a:avLst/>
+          </a:prstGeom>
+          <a:ln w="19050"/>
+        </p:spPr>
+        <p:style>
+          <a:lnRef idx="2">
+            <a:schemeClr val="dk1"/>
+          </a:lnRef>
+          <a:fillRef idx="1">
+            <a:schemeClr val="lt1"/>
+          </a:fillRef>
+          <a:effectRef idx="0">
+            <a:schemeClr val="dk1"/>
+          </a:effectRef>
+          <a:fontRef idx="minor">
+            <a:schemeClr val="dk1"/>
+          </a:fontRef>
+        </p:style>
+        <p:txBody>
+          <a:bodyPr rtlCol="0" anchor="ctr"/>
+          <a:lstStyle/>
+          <a:p>
+            <a:pPr algn="ctr"/>
+            <a:endParaRPr lang="en-US" sz="1200" dirty="0"/>
+          </a:p>
+        </p:txBody>
+      </p:sp>
+      <p:sp>
+        <p:nvSpPr>
+          <p:cNvPr id="29" name="TextBox 28">
+            <a:extLst>
+              <a:ext uri="{FF2B5EF4-FFF2-40B4-BE49-F238E27FC236}">
+                <a16:creationId xmlns:a16="http://schemas.microsoft.com/office/drawing/2014/main" id="{3A48DEE8-A000-0AA5-1CFB-772F53DE1ACF}"/>
+              </a:ext>
+            </a:extLst>
+          </p:cNvPr>
+          <p:cNvSpPr txBox="1"/>
+          <p:nvPr/>
+        </p:nvSpPr>
+        <p:spPr>
+          <a:xfrm>
+            <a:off x="4344448" y="3269010"/>
+            <a:ext cx="618403" cy="307777"/>
+          </a:xfrm>
+          <a:prstGeom prst="rect">
+            <a:avLst/>
+          </a:prstGeom>
+          <a:noFill/>
+        </p:spPr>
+        <p:txBody>
+          <a:bodyPr wrap="square" rtlCol="0">
+            <a:spAutoFit/>
+          </a:bodyPr>
+          <a:lstStyle/>
+          <a:p>
+            <a:pPr algn="ctr"/>
+            <a:r>
+              <a:rPr lang="en-US" sz="1400" dirty="0" err="1"/>
+              <a:t>ARI</a:t>
+            </a:r>
+            <a:r>
+              <a:rPr lang="en-US" sz="1400" baseline="-25000" dirty="0" err="1"/>
+              <a:t>k_z</a:t>
+            </a:r>
+            <a:endParaRPr lang="en-US" sz="1400" baseline="-25000" dirty="0"/>
+          </a:p>
+        </p:txBody>
+      </p:sp>
+      <p:sp>
+        <p:nvSpPr>
+          <p:cNvPr id="30" name="TextBox 29">
+            <a:extLst>
+              <a:ext uri="{FF2B5EF4-FFF2-40B4-BE49-F238E27FC236}">
+                <a16:creationId xmlns:a16="http://schemas.microsoft.com/office/drawing/2014/main" id="{F8B58308-A2C6-133D-A04D-94D67F2540E9}"/>
+              </a:ext>
+            </a:extLst>
+          </p:cNvPr>
+          <p:cNvSpPr txBox="1"/>
+          <p:nvPr/>
+        </p:nvSpPr>
+        <p:spPr>
+          <a:xfrm>
+            <a:off x="2096995" y="2949383"/>
+            <a:ext cx="473359" cy="307777"/>
+          </a:xfrm>
+          <a:prstGeom prst="rect">
+            <a:avLst/>
+          </a:prstGeom>
+          <a:noFill/>
+        </p:spPr>
+        <p:txBody>
+          <a:bodyPr wrap="square" rtlCol="0">
+            <a:spAutoFit/>
+          </a:bodyPr>
+          <a:lstStyle/>
+          <a:p>
+            <a:pPr algn="ctr"/>
+            <a:r>
+              <a:rPr lang="en-US" sz="1400" dirty="0"/>
+              <a:t>S</a:t>
+            </a:r>
+            <a:r>
+              <a:rPr lang="en-US" sz="1400" baseline="-25000" dirty="0"/>
+              <a:t>n</a:t>
+            </a:r>
+            <a:endParaRPr lang="en-US" sz="1400" dirty="0"/>
+          </a:p>
+        </p:txBody>
+      </p:sp>
+      <p:sp>
+        <p:nvSpPr>
+          <p:cNvPr id="42" name="Rectangle 41">
+            <a:extLst>
+              <a:ext uri="{FF2B5EF4-FFF2-40B4-BE49-F238E27FC236}">
+                <a16:creationId xmlns:a16="http://schemas.microsoft.com/office/drawing/2014/main" id="{3BA329DC-895F-4ED6-A0EE-5B43A7F5F423}"/>
+              </a:ext>
+            </a:extLst>
+          </p:cNvPr>
+          <p:cNvSpPr/>
+          <p:nvPr/>
+        </p:nvSpPr>
+        <p:spPr>
+          <a:xfrm>
+            <a:off x="5239493" y="558799"/>
+            <a:ext cx="768264" cy="3495178"/>
+          </a:xfrm>
+          <a:prstGeom prst="rect">
+            <a:avLst/>
+          </a:prstGeom>
+          <a:noFill/>
+          <a:ln w="19050">
+            <a:solidFill>
+              <a:schemeClr val="tx1"/>
+            </a:solidFill>
+          </a:ln>
+        </p:spPr>
+        <p:style>
+          <a:lnRef idx="2">
+            <a:schemeClr val="accent1">
+              <a:shade val="15000"/>
+            </a:schemeClr>
+          </a:lnRef>
+          <a:fillRef idx="1">
+            <a:schemeClr val="accent1"/>
+          </a:fillRef>
+          <a:effectRef idx="0">
+            <a:schemeClr val="accent1"/>
+          </a:effectRef>
+          <a:fontRef idx="minor">
+            <a:schemeClr val="lt1"/>
+          </a:fontRef>
+        </p:style>
+        <p:txBody>
+          <a:bodyPr rtlCol="0" anchor="ctr"/>
+          <a:lstStyle/>
+          <a:p>
+            <a:pPr algn="ctr"/>
+            <a:endParaRPr lang="en-US"/>
+          </a:p>
+        </p:txBody>
+      </p:sp>
+      <p:cxnSp>
+        <p:nvCxnSpPr>
+          <p:cNvPr id="44" name="Straight Arrow Connector 43">
+            <a:extLst>
+              <a:ext uri="{FF2B5EF4-FFF2-40B4-BE49-F238E27FC236}">
+                <a16:creationId xmlns:a16="http://schemas.microsoft.com/office/drawing/2014/main" id="{D4B6C61E-B3B9-B8E2-5BCC-6A4AA7BDBD76}"/>
+              </a:ext>
+            </a:extLst>
+          </p:cNvPr>
+          <p:cNvCxnSpPr>
+            <a:cxnSpLocks/>
+            <a:stCxn id="94" idx="3"/>
+          </p:cNvCxnSpPr>
+          <p:nvPr/>
+        </p:nvCxnSpPr>
+        <p:spPr>
+          <a:xfrm>
+            <a:off x="5028170" y="974969"/>
+            <a:ext cx="211323" cy="552"/>
+          </a:xfrm>
+          <a:prstGeom prst="straightConnector1">
+            <a:avLst/>
+          </a:prstGeom>
+          <a:ln w="19050" cap="flat" cmpd="sng" algn="ctr">
+            <a:solidFill>
+              <a:schemeClr val="tx1"/>
+            </a:solidFill>
+            <a:prstDash val="solid"/>
+            <a:round/>
+            <a:headEnd type="none" w="med" len="med"/>
+            <a:tailEnd type="arrow" w="med" len="med"/>
+          </a:ln>
+          <a:effectLst/>
+        </p:spPr>
+        <p:style>
+          <a:lnRef idx="2">
+            <a:schemeClr val="accent1"/>
+          </a:lnRef>
+          <a:fillRef idx="0">
+            <a:schemeClr val="accent1"/>
+          </a:fillRef>
+          <a:effectRef idx="1">
+            <a:schemeClr val="accent1"/>
+          </a:effectRef>
+          <a:fontRef idx="minor">
+            <a:schemeClr val="tx1"/>
+          </a:fontRef>
+        </p:style>
+      </p:cxnSp>
+      <p:cxnSp>
+        <p:nvCxnSpPr>
+          <p:cNvPr id="58" name="Straight Arrow Connector 57">
+            <a:extLst>
+              <a:ext uri="{FF2B5EF4-FFF2-40B4-BE49-F238E27FC236}">
+                <a16:creationId xmlns:a16="http://schemas.microsoft.com/office/drawing/2014/main" id="{441345B4-F396-70AA-FBC2-BA2B0FA3BD88}"/>
+              </a:ext>
+            </a:extLst>
+          </p:cNvPr>
+          <p:cNvCxnSpPr>
+            <a:cxnSpLocks/>
+            <a:stCxn id="28" idx="3"/>
+          </p:cNvCxnSpPr>
+          <p:nvPr/>
+        </p:nvCxnSpPr>
+        <p:spPr>
+          <a:xfrm flipV="1">
+            <a:off x="5035622" y="3440684"/>
+            <a:ext cx="195796" cy="1"/>
+          </a:xfrm>
+          <a:prstGeom prst="straightConnector1">
+            <a:avLst/>
+          </a:prstGeom>
+          <a:ln w="19050" cap="flat" cmpd="sng" algn="ctr">
+            <a:solidFill>
+              <a:schemeClr val="tx1"/>
+            </a:solidFill>
+            <a:prstDash val="solid"/>
+            <a:round/>
+            <a:headEnd type="none" w="med" len="med"/>
+            <a:tailEnd type="arrow" w="med" len="med"/>
+          </a:ln>
+          <a:effectLst/>
+        </p:spPr>
+        <p:style>
+          <a:lnRef idx="2">
+            <a:schemeClr val="accent1"/>
+          </a:lnRef>
+          <a:fillRef idx="0">
+            <a:schemeClr val="accent1"/>
+          </a:fillRef>
+          <a:effectRef idx="1">
+            <a:schemeClr val="accent1"/>
+          </a:effectRef>
+          <a:fontRef idx="minor">
+            <a:schemeClr val="tx1"/>
+          </a:fontRef>
+        </p:style>
+      </p:cxnSp>
+      <p:sp>
+        <p:nvSpPr>
+          <p:cNvPr id="453" name="TextBox 452">
+            <a:extLst>
+              <a:ext uri="{FF2B5EF4-FFF2-40B4-BE49-F238E27FC236}">
+                <a16:creationId xmlns:a16="http://schemas.microsoft.com/office/drawing/2014/main" id="{ABAC8511-6BD4-7A6C-DC0A-BD05F2679C50}"/>
+              </a:ext>
+            </a:extLst>
+          </p:cNvPr>
+          <p:cNvSpPr txBox="1"/>
+          <p:nvPr/>
+        </p:nvSpPr>
+        <p:spPr>
+          <a:xfrm>
+            <a:off x="5242668" y="562587"/>
+            <a:ext cx="752024" cy="1015663"/>
+          </a:xfrm>
+          <a:prstGeom prst="rect">
+            <a:avLst/>
+          </a:prstGeom>
+          <a:noFill/>
+        </p:spPr>
+        <p:txBody>
+          <a:bodyPr wrap="square">
+            <a:spAutoFit/>
+          </a:bodyPr>
+          <a:lstStyle/>
+          <a:p>
+            <a:pPr algn="ctr"/>
+            <a:r>
+              <a:rPr lang="en-US" sz="1200" dirty="0">
+                <a:solidFill>
+                  <a:schemeClr val="tx1"/>
+                </a:solidFill>
+              </a:rPr>
+              <a:t>P</a:t>
+            </a:r>
+            <a:r>
+              <a:rPr lang="en-US" sz="1200" baseline="-25000" dirty="0">
+                <a:solidFill>
+                  <a:schemeClr val="tx1"/>
+                </a:solidFill>
+              </a:rPr>
+              <a:t>1</a:t>
+            </a:r>
+            <a:r>
+              <a:rPr lang="en-US" sz="1200" dirty="0">
+                <a:solidFill>
+                  <a:schemeClr val="tx1"/>
+                </a:solidFill>
+              </a:rPr>
+              <a:t>:</a:t>
+            </a:r>
+          </a:p>
+          <a:p>
+            <a:pPr algn="ctr"/>
+            <a:r>
+              <a:rPr lang="en-US" sz="1200" i="1" dirty="0"/>
+              <a:t>Max of</a:t>
+            </a:r>
+          </a:p>
+          <a:p>
+            <a:pPr algn="ctr"/>
+            <a:r>
+              <a:rPr lang="en-US" sz="1200" dirty="0"/>
+              <a:t>ARI</a:t>
+            </a:r>
+            <a:r>
+              <a:rPr lang="en-US" sz="1200" baseline="-25000" dirty="0"/>
+              <a:t>1_a</a:t>
+            </a:r>
+          </a:p>
+          <a:p>
+            <a:pPr algn="ctr"/>
+            <a:r>
+              <a:rPr lang="en-US" sz="1200" dirty="0"/>
+              <a:t>ARI</a:t>
+            </a:r>
+            <a:r>
+              <a:rPr lang="en-US" sz="1200" baseline="-25000" dirty="0"/>
+              <a:t>1_b</a:t>
+            </a:r>
+          </a:p>
+          <a:p>
+            <a:pPr algn="ctr"/>
+            <a:r>
+              <a:rPr lang="en-US" sz="1200" dirty="0"/>
+              <a:t>…</a:t>
+            </a:r>
+          </a:p>
+        </p:txBody>
+      </p:sp>
+      <p:sp>
+        <p:nvSpPr>
+          <p:cNvPr id="454" name="TextBox 453">
+            <a:extLst>
+              <a:ext uri="{FF2B5EF4-FFF2-40B4-BE49-F238E27FC236}">
+                <a16:creationId xmlns:a16="http://schemas.microsoft.com/office/drawing/2014/main" id="{969CD226-A8AB-EB2F-1DF4-B85829F0A467}"/>
+              </a:ext>
+            </a:extLst>
+          </p:cNvPr>
+          <p:cNvSpPr txBox="1"/>
+          <p:nvPr/>
+        </p:nvSpPr>
+        <p:spPr>
+          <a:xfrm>
+            <a:off x="5126148" y="262612"/>
+            <a:ext cx="867790" cy="307777"/>
+          </a:xfrm>
+          <a:prstGeom prst="rect">
+            <a:avLst/>
+          </a:prstGeom>
+          <a:noFill/>
+        </p:spPr>
+        <p:txBody>
+          <a:bodyPr wrap="square">
+            <a:spAutoFit/>
+          </a:bodyPr>
+          <a:lstStyle/>
+          <a:p>
+            <a:pPr algn="ctr"/>
+            <a:r>
+              <a:rPr lang="en-US" sz="1400" dirty="0"/>
+              <a:t>OI_HAPV</a:t>
+            </a:r>
+            <a:endParaRPr lang="en-US" sz="1400" baseline="-25000" dirty="0">
+              <a:solidFill>
+                <a:schemeClr val="tx1"/>
+              </a:solidFill>
+            </a:endParaRPr>
+          </a:p>
+        </p:txBody>
+      </p:sp>
+      <p:cxnSp>
+        <p:nvCxnSpPr>
+          <p:cNvPr id="460" name="Elbow Connector 459">
+            <a:extLst>
+              <a:ext uri="{FF2B5EF4-FFF2-40B4-BE49-F238E27FC236}">
+                <a16:creationId xmlns:a16="http://schemas.microsoft.com/office/drawing/2014/main" id="{319C4E04-61C1-8038-82F5-28DB75B4BDA1}"/>
+              </a:ext>
+            </a:extLst>
+          </p:cNvPr>
+          <p:cNvCxnSpPr>
+            <a:cxnSpLocks/>
+            <a:stCxn id="42" idx="3"/>
+            <a:endCxn id="214" idx="0"/>
+          </p:cNvCxnSpPr>
+          <p:nvPr/>
+        </p:nvCxnSpPr>
+        <p:spPr>
+          <a:xfrm flipV="1">
+            <a:off x="6007757" y="455848"/>
+            <a:ext cx="3616112" cy="1850540"/>
+          </a:xfrm>
+          <a:prstGeom prst="bentConnector4">
+            <a:avLst>
+              <a:gd name="adj1" fmla="val 6708"/>
+              <a:gd name="adj2" fmla="val 107315"/>
+            </a:avLst>
+          </a:prstGeom>
+          <a:ln w="19050" cap="flat" cmpd="sng" algn="ctr">
+            <a:solidFill>
+              <a:schemeClr val="dk1"/>
+            </a:solidFill>
+            <a:prstDash val="solid"/>
+            <a:round/>
+            <a:headEnd type="none" w="med" len="med"/>
+            <a:tailEnd type="arrow" w="med" len="med"/>
+          </a:ln>
+        </p:spPr>
+        <p:style>
+          <a:lnRef idx="0">
+            <a:scrgbClr r="0" g="0" b="0"/>
+          </a:lnRef>
+          <a:fillRef idx="0">
+            <a:scrgbClr r="0" g="0" b="0"/>
+          </a:fillRef>
+          <a:effectRef idx="0">
+            <a:scrgbClr r="0" g="0" b="0"/>
+          </a:effectRef>
+          <a:fontRef idx="minor">
+            <a:schemeClr val="tx1"/>
+          </a:fontRef>
+        </p:style>
+      </p:cxnSp>
+      <p:sp>
+        <p:nvSpPr>
+          <p:cNvPr id="467" name="TextBox 466">
+            <a:extLst>
+              <a:ext uri="{FF2B5EF4-FFF2-40B4-BE49-F238E27FC236}">
+                <a16:creationId xmlns:a16="http://schemas.microsoft.com/office/drawing/2014/main" id="{09475D5B-6CAD-5641-4AC6-2CC6E82BDAB9}"/>
+              </a:ext>
+            </a:extLst>
+          </p:cNvPr>
+          <p:cNvSpPr txBox="1"/>
+          <p:nvPr/>
+        </p:nvSpPr>
+        <p:spPr>
+          <a:xfrm>
+            <a:off x="8174837" y="1181489"/>
+            <a:ext cx="867790" cy="276999"/>
+          </a:xfrm>
+          <a:prstGeom prst="rect">
+            <a:avLst/>
+          </a:prstGeom>
+          <a:noFill/>
+        </p:spPr>
+        <p:txBody>
+          <a:bodyPr wrap="square">
+            <a:spAutoFit/>
+          </a:bodyPr>
+          <a:lstStyle/>
+          <a:p>
+            <a:pPr algn="ctr"/>
+            <a:r>
+              <a:rPr lang="en-US" sz="1200" dirty="0">
+                <a:solidFill>
+                  <a:schemeClr val="tx2"/>
+                </a:solidFill>
+              </a:rPr>
+              <a:t>Model</a:t>
+            </a:r>
+            <a:endParaRPr lang="en-US" sz="1400" baseline="-25000" dirty="0">
+              <a:solidFill>
+                <a:schemeClr val="tx2"/>
+              </a:solidFill>
+            </a:endParaRPr>
+          </a:p>
+        </p:txBody>
+      </p:sp>
+      <p:sp>
+        <p:nvSpPr>
+          <p:cNvPr id="469" name="TextBox 468">
+            <a:extLst>
+              <a:ext uri="{FF2B5EF4-FFF2-40B4-BE49-F238E27FC236}">
+                <a16:creationId xmlns:a16="http://schemas.microsoft.com/office/drawing/2014/main" id="{9E8AC37E-C7B5-641F-3F48-C6E593B97537}"/>
+              </a:ext>
+            </a:extLst>
+          </p:cNvPr>
+          <p:cNvSpPr txBox="1"/>
+          <p:nvPr/>
+        </p:nvSpPr>
+        <p:spPr>
+          <a:xfrm>
+            <a:off x="8140362" y="2342452"/>
+            <a:ext cx="867790" cy="276999"/>
+          </a:xfrm>
+          <a:prstGeom prst="rect">
+            <a:avLst/>
+          </a:prstGeom>
+          <a:noFill/>
+        </p:spPr>
+        <p:txBody>
+          <a:bodyPr wrap="square">
+            <a:spAutoFit/>
+          </a:bodyPr>
+          <a:lstStyle/>
+          <a:p>
+            <a:pPr algn="ctr"/>
+            <a:r>
+              <a:rPr lang="en-US" sz="1200" i="1" dirty="0">
+                <a:solidFill>
+                  <a:schemeClr val="tx2"/>
+                </a:solidFill>
+              </a:rPr>
+              <a:t>Labels</a:t>
+            </a:r>
+            <a:endParaRPr lang="en-US" sz="1400" i="1" baseline="-25000" dirty="0">
+              <a:solidFill>
+                <a:schemeClr val="tx2"/>
+              </a:solidFill>
+            </a:endParaRPr>
+          </a:p>
+        </p:txBody>
+      </p:sp>
+      <p:sp>
+        <p:nvSpPr>
+          <p:cNvPr id="476" name="TextBox 475">
+            <a:extLst>
+              <a:ext uri="{FF2B5EF4-FFF2-40B4-BE49-F238E27FC236}">
+                <a16:creationId xmlns:a16="http://schemas.microsoft.com/office/drawing/2014/main" id="{F2BA13CE-9FE9-513C-098E-4D2E304404B6}"/>
+              </a:ext>
+            </a:extLst>
+          </p:cNvPr>
+          <p:cNvSpPr txBox="1"/>
+          <p:nvPr/>
+        </p:nvSpPr>
+        <p:spPr>
+          <a:xfrm>
+            <a:off x="5241052" y="1520676"/>
+            <a:ext cx="752886" cy="1015663"/>
+          </a:xfrm>
+          <a:prstGeom prst="rect">
+            <a:avLst/>
+          </a:prstGeom>
+          <a:noFill/>
+        </p:spPr>
+        <p:txBody>
+          <a:bodyPr wrap="square">
+            <a:spAutoFit/>
+          </a:bodyPr>
+          <a:lstStyle/>
+          <a:p>
+            <a:pPr algn="ctr"/>
+            <a:r>
+              <a:rPr lang="en-US" sz="1200" dirty="0">
+                <a:solidFill>
+                  <a:schemeClr val="tx1"/>
+                </a:solidFill>
+              </a:rPr>
+              <a:t>P</a:t>
+            </a:r>
+            <a:r>
+              <a:rPr lang="en-US" sz="1200" baseline="-25000" dirty="0"/>
+              <a:t>2</a:t>
+            </a:r>
+            <a:r>
+              <a:rPr lang="en-US" sz="1200" dirty="0">
+                <a:solidFill>
+                  <a:schemeClr val="tx1"/>
+                </a:solidFill>
+              </a:rPr>
+              <a:t>:</a:t>
+            </a:r>
+          </a:p>
+          <a:p>
+            <a:pPr algn="ctr"/>
+            <a:r>
+              <a:rPr lang="en-US" sz="1200" i="1" dirty="0"/>
+              <a:t>Max of</a:t>
+            </a:r>
+          </a:p>
+          <a:p>
+            <a:pPr algn="ctr"/>
+            <a:r>
+              <a:rPr lang="en-US" sz="1200" dirty="0"/>
+              <a:t>ARI</a:t>
+            </a:r>
+            <a:r>
+              <a:rPr lang="en-US" sz="1200" baseline="-25000" dirty="0"/>
+              <a:t>2_a</a:t>
+            </a:r>
+          </a:p>
+          <a:p>
+            <a:pPr algn="ctr"/>
+            <a:r>
+              <a:rPr lang="en-US" sz="1200" dirty="0"/>
+              <a:t>ARI</a:t>
+            </a:r>
+            <a:r>
+              <a:rPr lang="en-US" sz="1200" baseline="-25000" dirty="0"/>
+              <a:t>2_b</a:t>
+            </a:r>
+          </a:p>
+          <a:p>
+            <a:pPr algn="ctr"/>
+            <a:r>
+              <a:rPr lang="en-US" sz="1200" dirty="0"/>
+              <a:t>…</a:t>
+            </a:r>
+          </a:p>
+        </p:txBody>
+      </p:sp>
+      <p:cxnSp>
+        <p:nvCxnSpPr>
+          <p:cNvPr id="478" name="Straight Connector 477">
+            <a:extLst>
+              <a:ext uri="{FF2B5EF4-FFF2-40B4-BE49-F238E27FC236}">
+                <a16:creationId xmlns:a16="http://schemas.microsoft.com/office/drawing/2014/main" id="{AEDEC0EE-FDFD-D80D-FFEE-C6DAD09DF6B5}"/>
+              </a:ext>
+            </a:extLst>
+          </p:cNvPr>
+          <p:cNvCxnSpPr>
+            <a:cxnSpLocks/>
+          </p:cNvCxnSpPr>
+          <p:nvPr/>
+        </p:nvCxnSpPr>
+        <p:spPr>
+          <a:xfrm>
+            <a:off x="5239493" y="1518704"/>
+            <a:ext cx="768264" cy="0"/>
+          </a:xfrm>
+          <a:prstGeom prst="line">
+            <a:avLst/>
+          </a:prstGeom>
+          <a:ln>
+            <a:solidFill>
+              <a:schemeClr val="tx1"/>
+            </a:solidFill>
+          </a:ln>
+        </p:spPr>
+        <p:style>
+          <a:lnRef idx="1">
+            <a:schemeClr val="accent1"/>
+          </a:lnRef>
+          <a:fillRef idx="0">
+            <a:schemeClr val="accent1"/>
+          </a:fillRef>
+          <a:effectRef idx="0">
+            <a:schemeClr val="accent1"/>
+          </a:effectRef>
+          <a:fontRef idx="minor">
+            <a:schemeClr val="tx1"/>
+          </a:fontRef>
+        </p:style>
+      </p:cxnSp>
+      <p:cxnSp>
+        <p:nvCxnSpPr>
+          <p:cNvPr id="480" name="Straight Connector 479">
+            <a:extLst>
+              <a:ext uri="{FF2B5EF4-FFF2-40B4-BE49-F238E27FC236}">
+                <a16:creationId xmlns:a16="http://schemas.microsoft.com/office/drawing/2014/main" id="{F3915FFB-D843-4441-09B9-4356EAD1C9EC}"/>
+              </a:ext>
+            </a:extLst>
+          </p:cNvPr>
+          <p:cNvCxnSpPr>
+            <a:cxnSpLocks/>
+          </p:cNvCxnSpPr>
+          <p:nvPr/>
+        </p:nvCxnSpPr>
+        <p:spPr>
+          <a:xfrm>
+            <a:off x="5239493" y="2462429"/>
+            <a:ext cx="754445" cy="0"/>
+          </a:xfrm>
+          <a:prstGeom prst="line">
+            <a:avLst/>
+          </a:prstGeom>
+          <a:ln>
+            <a:solidFill>
+              <a:schemeClr val="tx1"/>
+            </a:solidFill>
+          </a:ln>
+        </p:spPr>
+        <p:style>
+          <a:lnRef idx="1">
+            <a:schemeClr val="accent1"/>
+          </a:lnRef>
+          <a:fillRef idx="0">
+            <a:schemeClr val="accent1"/>
+          </a:fillRef>
+          <a:effectRef idx="0">
+            <a:schemeClr val="accent1"/>
+          </a:effectRef>
+          <a:fontRef idx="minor">
+            <a:schemeClr val="tx1"/>
+          </a:fontRef>
+        </p:style>
+      </p:cxnSp>
+      <p:cxnSp>
+        <p:nvCxnSpPr>
+          <p:cNvPr id="481" name="Straight Connector 480">
+            <a:extLst>
+              <a:ext uri="{FF2B5EF4-FFF2-40B4-BE49-F238E27FC236}">
+                <a16:creationId xmlns:a16="http://schemas.microsoft.com/office/drawing/2014/main" id="{59B157CC-2B63-6069-2231-3B0770AA5CEC}"/>
+              </a:ext>
+            </a:extLst>
+          </p:cNvPr>
+          <p:cNvCxnSpPr>
+            <a:cxnSpLocks/>
+          </p:cNvCxnSpPr>
+          <p:nvPr/>
+        </p:nvCxnSpPr>
+        <p:spPr>
+          <a:xfrm>
+            <a:off x="5239493" y="3034371"/>
+            <a:ext cx="754445" cy="0"/>
+          </a:xfrm>
+          <a:prstGeom prst="line">
+            <a:avLst/>
+          </a:prstGeom>
+          <a:ln>
+            <a:solidFill>
+              <a:schemeClr val="tx1"/>
+            </a:solidFill>
+          </a:ln>
+        </p:spPr>
+        <p:style>
+          <a:lnRef idx="1">
+            <a:schemeClr val="accent1"/>
+          </a:lnRef>
+          <a:fillRef idx="0">
+            <a:schemeClr val="accent1"/>
+          </a:fillRef>
+          <a:effectRef idx="0">
+            <a:schemeClr val="accent1"/>
+          </a:effectRef>
+          <a:fontRef idx="minor">
+            <a:schemeClr val="tx1"/>
+          </a:fontRef>
+        </p:style>
+      </p:cxnSp>
+      <p:sp>
+        <p:nvSpPr>
+          <p:cNvPr id="489" name="TextBox 488">
+            <a:extLst>
+              <a:ext uri="{FF2B5EF4-FFF2-40B4-BE49-F238E27FC236}">
+                <a16:creationId xmlns:a16="http://schemas.microsoft.com/office/drawing/2014/main" id="{3EDF32BC-F287-1765-9908-85830A5223FB}"/>
+              </a:ext>
+            </a:extLst>
+          </p:cNvPr>
+          <p:cNvSpPr txBox="1"/>
+          <p:nvPr/>
+        </p:nvSpPr>
+        <p:spPr>
+          <a:xfrm>
+            <a:off x="5252140" y="3044691"/>
+            <a:ext cx="752886" cy="1015663"/>
+          </a:xfrm>
+          <a:prstGeom prst="rect">
+            <a:avLst/>
+          </a:prstGeom>
+          <a:noFill/>
+        </p:spPr>
+        <p:txBody>
+          <a:bodyPr wrap="square">
+            <a:spAutoFit/>
+          </a:bodyPr>
+          <a:lstStyle/>
+          <a:p>
+            <a:pPr algn="ctr"/>
+            <a:r>
+              <a:rPr lang="en-US" sz="1200" dirty="0">
+                <a:solidFill>
+                  <a:schemeClr val="tx1"/>
+                </a:solidFill>
+              </a:rPr>
+              <a:t>P</a:t>
+            </a:r>
+            <a:r>
+              <a:rPr lang="en-US" sz="1200" baseline="-25000" dirty="0">
+                <a:solidFill>
+                  <a:schemeClr val="tx1"/>
+                </a:solidFill>
+              </a:rPr>
+              <a:t>k</a:t>
+            </a:r>
+            <a:r>
+              <a:rPr lang="en-US" sz="1200" dirty="0">
+                <a:solidFill>
+                  <a:schemeClr val="tx1"/>
+                </a:solidFill>
+              </a:rPr>
+              <a:t>:</a:t>
+            </a:r>
+          </a:p>
+          <a:p>
+            <a:pPr algn="ctr"/>
+            <a:r>
+              <a:rPr lang="en-US" sz="1200" i="1" dirty="0"/>
+              <a:t>Max of</a:t>
+            </a:r>
+          </a:p>
+          <a:p>
+            <a:pPr algn="ctr"/>
+            <a:r>
+              <a:rPr lang="en-US" sz="1200" dirty="0" err="1"/>
+              <a:t>ARI</a:t>
+            </a:r>
+            <a:r>
+              <a:rPr lang="en-US" sz="1200" baseline="-25000" dirty="0" err="1"/>
+              <a:t>k_a</a:t>
+            </a:r>
+            <a:endParaRPr lang="en-US" sz="1200" baseline="-25000" dirty="0"/>
+          </a:p>
+          <a:p>
+            <a:pPr algn="ctr"/>
+            <a:r>
+              <a:rPr lang="en-US" sz="1200" dirty="0" err="1"/>
+              <a:t>ARI</a:t>
+            </a:r>
+            <a:r>
+              <a:rPr lang="en-US" sz="1200" baseline="-25000" dirty="0" err="1"/>
+              <a:t>k_b</a:t>
+            </a:r>
+            <a:endParaRPr lang="en-US" sz="1200" baseline="-25000" dirty="0"/>
+          </a:p>
+          <a:p>
+            <a:pPr algn="ctr"/>
+            <a:r>
+              <a:rPr lang="en-US" sz="1200" dirty="0"/>
+              <a:t>…</a:t>
+            </a:r>
+          </a:p>
+        </p:txBody>
+      </p:sp>
+      <p:sp>
+        <p:nvSpPr>
+          <p:cNvPr id="491" name="Oval 490">
+            <a:extLst>
+              <a:ext uri="{FF2B5EF4-FFF2-40B4-BE49-F238E27FC236}">
+                <a16:creationId xmlns:a16="http://schemas.microsoft.com/office/drawing/2014/main" id="{ACC81E67-E98A-99E3-D8CB-026EEB85BD4F}"/>
+              </a:ext>
+            </a:extLst>
+          </p:cNvPr>
+          <p:cNvSpPr/>
+          <p:nvPr/>
+        </p:nvSpPr>
+        <p:spPr>
+          <a:xfrm>
+            <a:off x="5576744" y="2712927"/>
+            <a:ext cx="80683" cy="73581"/>
+          </a:xfrm>
+          <a:prstGeom prst="ellipse">
+            <a:avLst/>
+          </a:prstGeom>
+          <a:solidFill>
+            <a:schemeClr val="tx1"/>
+          </a:solidFill>
+          <a:ln>
+            <a:noFill/>
+          </a:ln>
+        </p:spPr>
+        <p:style>
+          <a:lnRef idx="2">
+            <a:schemeClr val="dk1">
+              <a:shade val="15000"/>
+            </a:schemeClr>
+          </a:lnRef>
+          <a:fillRef idx="1">
+            <a:schemeClr val="dk1"/>
+          </a:fillRef>
+          <a:effectRef idx="0">
+            <a:schemeClr val="dk1"/>
+          </a:effectRef>
+          <a:fontRef idx="minor">
+            <a:schemeClr val="lt1"/>
+          </a:fontRef>
+        </p:style>
+        <p:txBody>
+          <a:bodyPr rtlCol="0" anchor="ctr"/>
+          <a:lstStyle/>
+          <a:p>
+            <a:pPr algn="ctr"/>
+            <a:endParaRPr lang="en-US" sz="1200"/>
+          </a:p>
+        </p:txBody>
+      </p:sp>
+      <p:sp>
+        <p:nvSpPr>
+          <p:cNvPr id="492" name="Oval 491">
+            <a:extLst>
+              <a:ext uri="{FF2B5EF4-FFF2-40B4-BE49-F238E27FC236}">
+                <a16:creationId xmlns:a16="http://schemas.microsoft.com/office/drawing/2014/main" id="{357E6331-ACE2-7E52-5636-BBF0AAF9FF35}"/>
+              </a:ext>
+            </a:extLst>
+          </p:cNvPr>
+          <p:cNvSpPr/>
+          <p:nvPr/>
+        </p:nvSpPr>
+        <p:spPr>
+          <a:xfrm>
+            <a:off x="5576744" y="2861691"/>
+            <a:ext cx="80683" cy="73581"/>
+          </a:xfrm>
+          <a:prstGeom prst="ellipse">
+            <a:avLst/>
+          </a:prstGeom>
+          <a:solidFill>
+            <a:schemeClr val="tx1"/>
+          </a:solidFill>
+          <a:ln>
+            <a:noFill/>
+          </a:ln>
+        </p:spPr>
+        <p:style>
+          <a:lnRef idx="2">
+            <a:schemeClr val="dk1">
+              <a:shade val="15000"/>
+            </a:schemeClr>
+          </a:lnRef>
+          <a:fillRef idx="1">
+            <a:schemeClr val="dk1"/>
+          </a:fillRef>
+          <a:effectRef idx="0">
+            <a:schemeClr val="dk1"/>
+          </a:effectRef>
+          <a:fontRef idx="minor">
+            <a:schemeClr val="lt1"/>
+          </a:fontRef>
+        </p:style>
+        <p:txBody>
+          <a:bodyPr rtlCol="0" anchor="ctr"/>
+          <a:lstStyle/>
+          <a:p>
+            <a:pPr algn="ctr"/>
+            <a:endParaRPr lang="en-US" sz="1200"/>
+          </a:p>
+        </p:txBody>
+      </p:sp>
+      <p:sp>
+        <p:nvSpPr>
+          <p:cNvPr id="493" name="Oval 492">
+            <a:extLst>
+              <a:ext uri="{FF2B5EF4-FFF2-40B4-BE49-F238E27FC236}">
+                <a16:creationId xmlns:a16="http://schemas.microsoft.com/office/drawing/2014/main" id="{853A669D-4CC3-2181-2E0E-2A9127A6609E}"/>
+              </a:ext>
+            </a:extLst>
+          </p:cNvPr>
+          <p:cNvSpPr/>
+          <p:nvPr/>
+        </p:nvSpPr>
+        <p:spPr>
+          <a:xfrm>
+            <a:off x="5576744" y="2566371"/>
+            <a:ext cx="80683" cy="73581"/>
+          </a:xfrm>
+          <a:prstGeom prst="ellipse">
+            <a:avLst/>
+          </a:prstGeom>
+          <a:solidFill>
+            <a:schemeClr val="tx1"/>
+          </a:solidFill>
+          <a:ln>
+            <a:noFill/>
+          </a:ln>
+        </p:spPr>
+        <p:style>
+          <a:lnRef idx="2">
+            <a:schemeClr val="dk1">
+              <a:shade val="15000"/>
+            </a:schemeClr>
+          </a:lnRef>
+          <a:fillRef idx="1">
+            <a:schemeClr val="dk1"/>
+          </a:fillRef>
+          <a:effectRef idx="0">
+            <a:schemeClr val="dk1"/>
+          </a:effectRef>
+          <a:fontRef idx="minor">
+            <a:schemeClr val="lt1"/>
+          </a:fontRef>
+        </p:style>
+        <p:txBody>
+          <a:bodyPr rtlCol="0" anchor="ctr"/>
+          <a:lstStyle/>
+          <a:p>
+            <a:pPr algn="ctr"/>
+            <a:endParaRPr lang="en-US" sz="1200"/>
+          </a:p>
+        </p:txBody>
+      </p:sp>
+      <p:cxnSp>
+        <p:nvCxnSpPr>
+          <p:cNvPr id="497" name="Straight Arrow Connector 496">
+            <a:extLst>
+              <a:ext uri="{FF2B5EF4-FFF2-40B4-BE49-F238E27FC236}">
+                <a16:creationId xmlns:a16="http://schemas.microsoft.com/office/drawing/2014/main" id="{B7952660-DE50-C683-807A-50C69665DE24}"/>
+              </a:ext>
+            </a:extLst>
+          </p:cNvPr>
+          <p:cNvCxnSpPr>
+            <a:cxnSpLocks/>
+            <a:endCxn id="206" idx="0"/>
+          </p:cNvCxnSpPr>
+          <p:nvPr/>
+        </p:nvCxnSpPr>
+        <p:spPr>
+          <a:xfrm>
+            <a:off x="7529548" y="326315"/>
+            <a:ext cx="0" cy="155364"/>
+          </a:xfrm>
+          <a:prstGeom prst="straightConnector1">
+            <a:avLst/>
+          </a:prstGeom>
+          <a:ln w="19050" cap="flat" cmpd="sng" algn="ctr">
+            <a:solidFill>
+              <a:schemeClr val="tx1"/>
+            </a:solidFill>
+            <a:prstDash val="solid"/>
+            <a:round/>
+            <a:headEnd type="none" w="med" len="med"/>
+            <a:tailEnd type="arrow" w="med" len="med"/>
+          </a:ln>
+          <a:effectLst/>
+        </p:spPr>
+        <p:style>
+          <a:lnRef idx="2">
+            <a:schemeClr val="accent1"/>
+          </a:lnRef>
+          <a:fillRef idx="0">
+            <a:schemeClr val="accent1"/>
+          </a:fillRef>
+          <a:effectRef idx="1">
+            <a:schemeClr val="accent1"/>
+          </a:effectRef>
+          <a:fontRef idx="minor">
+            <a:schemeClr val="tx1"/>
+          </a:fontRef>
+        </p:style>
+      </p:cxnSp>
+      <p:cxnSp>
+        <p:nvCxnSpPr>
+          <p:cNvPr id="501" name="Elbow Connector 500">
+            <a:extLst>
+              <a:ext uri="{FF2B5EF4-FFF2-40B4-BE49-F238E27FC236}">
+                <a16:creationId xmlns:a16="http://schemas.microsoft.com/office/drawing/2014/main" id="{A5262A2D-3644-734A-DC7B-0AF3B13FF3C1}"/>
+              </a:ext>
+            </a:extLst>
+          </p:cNvPr>
+          <p:cNvCxnSpPr>
+            <a:cxnSpLocks/>
+            <a:stCxn id="146" idx="3"/>
+            <a:endCxn id="453" idx="1"/>
+          </p:cNvCxnSpPr>
+          <p:nvPr/>
+        </p:nvCxnSpPr>
+        <p:spPr>
+          <a:xfrm flipV="1">
+            <a:off x="5028170" y="1070419"/>
+            <a:ext cx="214498" cy="1119626"/>
+          </a:xfrm>
+          <a:prstGeom prst="bentConnector3">
+            <a:avLst>
+              <a:gd name="adj1" fmla="val 29939"/>
+            </a:avLst>
+          </a:prstGeom>
+          <a:ln w="19050" cap="flat" cmpd="sng" algn="ctr">
             <a:solidFill>
               <a:schemeClr val="dk1"/>
             </a:solidFill>

--- a/Figures/Arcs/Architecture.pptx
+++ b/Figures/Arcs/Architecture.pptx
@@ -197,7 +197,7 @@
           <a:p>
             <a:fld id="{4F2B3EEC-C8B4-0543-943F-91B3791C5E43}" type="datetimeFigureOut">
               <a:rPr lang="en-US" smtClean="0"/>
-              <a:t>10/13/23</a:t>
+              <a:t>10/14/23</a:t>
             </a:fld>
             <a:endParaRPr lang="en-US"/>
           </a:p>
@@ -734,7 +734,7 @@
           <a:p>
             <a:fld id="{697CBF4A-2AD2-1249-BC5E-D6BCA9656194}" type="datetimeFigureOut">
               <a:rPr lang="en-US" smtClean="0"/>
-              <a:t>10/13/23</a:t>
+              <a:t>10/14/23</a:t>
             </a:fld>
             <a:endParaRPr lang="en-US"/>
           </a:p>
@@ -932,7 +932,7 @@
           <a:p>
             <a:fld id="{697CBF4A-2AD2-1249-BC5E-D6BCA9656194}" type="datetimeFigureOut">
               <a:rPr lang="en-US" smtClean="0"/>
-              <a:t>10/13/23</a:t>
+              <a:t>10/14/23</a:t>
             </a:fld>
             <a:endParaRPr lang="en-US"/>
           </a:p>
@@ -1140,7 +1140,7 @@
           <a:p>
             <a:fld id="{697CBF4A-2AD2-1249-BC5E-D6BCA9656194}" type="datetimeFigureOut">
               <a:rPr lang="en-US" smtClean="0"/>
-              <a:t>10/13/23</a:t>
+              <a:t>10/14/23</a:t>
             </a:fld>
             <a:endParaRPr lang="en-US"/>
           </a:p>
@@ -1338,7 +1338,7 @@
           <a:p>
             <a:fld id="{697CBF4A-2AD2-1249-BC5E-D6BCA9656194}" type="datetimeFigureOut">
               <a:rPr lang="en-US" smtClean="0"/>
-              <a:t>10/13/23</a:t>
+              <a:t>10/14/23</a:t>
             </a:fld>
             <a:endParaRPr lang="en-US"/>
           </a:p>
@@ -1613,7 +1613,7 @@
           <a:p>
             <a:fld id="{697CBF4A-2AD2-1249-BC5E-D6BCA9656194}" type="datetimeFigureOut">
               <a:rPr lang="en-US" smtClean="0"/>
-              <a:t>10/13/23</a:t>
+              <a:t>10/14/23</a:t>
             </a:fld>
             <a:endParaRPr lang="en-US"/>
           </a:p>
@@ -1878,7 +1878,7 @@
           <a:p>
             <a:fld id="{697CBF4A-2AD2-1249-BC5E-D6BCA9656194}" type="datetimeFigureOut">
               <a:rPr lang="en-US" smtClean="0"/>
-              <a:t>10/13/23</a:t>
+              <a:t>10/14/23</a:t>
             </a:fld>
             <a:endParaRPr lang="en-US"/>
           </a:p>
@@ -2290,7 +2290,7 @@
           <a:p>
             <a:fld id="{697CBF4A-2AD2-1249-BC5E-D6BCA9656194}" type="datetimeFigureOut">
               <a:rPr lang="en-US" smtClean="0"/>
-              <a:t>10/13/23</a:t>
+              <a:t>10/14/23</a:t>
             </a:fld>
             <a:endParaRPr lang="en-US"/>
           </a:p>
@@ -2431,7 +2431,7 @@
           <a:p>
             <a:fld id="{697CBF4A-2AD2-1249-BC5E-D6BCA9656194}" type="datetimeFigureOut">
               <a:rPr lang="en-US" smtClean="0"/>
-              <a:t>10/13/23</a:t>
+              <a:t>10/14/23</a:t>
             </a:fld>
             <a:endParaRPr lang="en-US"/>
           </a:p>
@@ -2544,7 +2544,7 @@
           <a:p>
             <a:fld id="{697CBF4A-2AD2-1249-BC5E-D6BCA9656194}" type="datetimeFigureOut">
               <a:rPr lang="en-US" smtClean="0"/>
-              <a:t>10/13/23</a:t>
+              <a:t>10/14/23</a:t>
             </a:fld>
             <a:endParaRPr lang="en-US"/>
           </a:p>
@@ -2855,7 +2855,7 @@
           <a:p>
             <a:fld id="{697CBF4A-2AD2-1249-BC5E-D6BCA9656194}" type="datetimeFigureOut">
               <a:rPr lang="en-US" smtClean="0"/>
-              <a:t>10/13/23</a:t>
+              <a:t>10/14/23</a:t>
             </a:fld>
             <a:endParaRPr lang="en-US"/>
           </a:p>
@@ -3143,7 +3143,7 @@
           <a:p>
             <a:fld id="{697CBF4A-2AD2-1249-BC5E-D6BCA9656194}" type="datetimeFigureOut">
               <a:rPr lang="en-US" smtClean="0"/>
-              <a:t>10/13/23</a:t>
+              <a:t>10/14/23</a:t>
             </a:fld>
             <a:endParaRPr lang="en-US"/>
           </a:p>
@@ -3384,7 +3384,7 @@
           <a:p>
             <a:fld id="{697CBF4A-2AD2-1249-BC5E-D6BCA9656194}" type="datetimeFigureOut">
               <a:rPr lang="en-US" smtClean="0"/>
-              <a:t>10/13/23</a:t>
+              <a:t>10/14/23</a:t>
             </a:fld>
             <a:endParaRPr lang="en-US"/>
           </a:p>
@@ -3815,7 +3815,7 @@
         </p:nvSpPr>
         <p:spPr>
           <a:xfrm>
-            <a:off x="2019899" y="-1"/>
+            <a:off x="2019899" y="370114"/>
             <a:ext cx="4485124" cy="4138552"/>
           </a:xfrm>
           <a:prstGeom prst="roundRect">
@@ -4025,10 +4025,10 @@
         </p:nvGrpSpPr>
         <p:grpSpPr>
           <a:xfrm>
-            <a:off x="-12834" y="915346"/>
-            <a:ext cx="1871056" cy="2310272"/>
-            <a:chOff x="21780" y="565999"/>
-            <a:chExt cx="1871056" cy="2310272"/>
+            <a:off x="301848" y="1292059"/>
+            <a:ext cx="1658065" cy="2310272"/>
+            <a:chOff x="228312" y="565999"/>
+            <a:chExt cx="1658065" cy="2310272"/>
           </a:xfrm>
         </p:grpSpPr>
         <p:sp>
@@ -4965,7 +4965,7 @@
           </p:nvSpPr>
           <p:spPr>
             <a:xfrm>
-              <a:off x="1281231" y="1987849"/>
+              <a:off x="1277673" y="1987849"/>
               <a:ext cx="86952" cy="86952"/>
             </a:xfrm>
             <a:prstGeom prst="ellipse">
@@ -5017,8 +5017,8 @@
           </p:nvSpPr>
           <p:spPr>
             <a:xfrm>
-              <a:off x="21780" y="577669"/>
-              <a:ext cx="1871056" cy="307777"/>
+              <a:off x="312995" y="610327"/>
+              <a:ext cx="1425502" cy="307777"/>
             </a:xfrm>
             <a:prstGeom prst="rect">
               <a:avLst/>
@@ -5158,7 +5158,7 @@
         </p:nvSpPr>
         <p:spPr>
           <a:xfrm>
-            <a:off x="2146949" y="922388"/>
+            <a:off x="2146949" y="1292503"/>
             <a:ext cx="327367" cy="217363"/>
           </a:xfrm>
           <a:prstGeom prst="can">
@@ -5215,7 +5215,7 @@
         </p:nvSpPr>
         <p:spPr>
           <a:xfrm>
-            <a:off x="2103377" y="626861"/>
+            <a:off x="2103377" y="996976"/>
             <a:ext cx="473359" cy="307777"/>
           </a:xfrm>
           <a:prstGeom prst="rect">
@@ -5256,7 +5256,7 @@
         </p:nvSpPr>
         <p:spPr>
           <a:xfrm>
-            <a:off x="2170078" y="1991297"/>
+            <a:off x="2170078" y="2361412"/>
             <a:ext cx="327367" cy="217363"/>
           </a:xfrm>
           <a:prstGeom prst="can">
@@ -5313,7 +5313,7 @@
         </p:nvSpPr>
         <p:spPr>
           <a:xfrm>
-            <a:off x="2098520" y="1693780"/>
+            <a:off x="2098520" y="2063895"/>
             <a:ext cx="473359" cy="307777"/>
           </a:xfrm>
           <a:prstGeom prst="rect">
@@ -5354,7 +5354,7 @@
         </p:nvSpPr>
         <p:spPr>
           <a:xfrm>
-            <a:off x="2274763" y="2591525"/>
+            <a:off x="2274763" y="2961640"/>
             <a:ext cx="80683" cy="73581"/>
           </a:xfrm>
           <a:prstGeom prst="ellipse">
@@ -5406,7 +5406,7 @@
         </p:nvSpPr>
         <p:spPr>
           <a:xfrm>
-            <a:off x="2274763" y="2740289"/>
+            <a:off x="2274763" y="3110404"/>
             <a:ext cx="80683" cy="73581"/>
           </a:xfrm>
           <a:prstGeom prst="ellipse">
@@ -5458,7 +5458,7 @@
         </p:nvSpPr>
         <p:spPr>
           <a:xfrm flipH="1">
-            <a:off x="2729052" y="1140909"/>
+            <a:off x="2729052" y="1511024"/>
             <a:ext cx="1537187" cy="283781"/>
           </a:xfrm>
           <a:prstGeom prst="flowChartPunchedCard">
@@ -5523,7 +5523,7 @@
         </p:nvSpPr>
         <p:spPr>
           <a:xfrm flipH="1">
-            <a:off x="2736502" y="1514324"/>
+            <a:off x="2736502" y="1884439"/>
             <a:ext cx="1536052" cy="690559"/>
           </a:xfrm>
           <a:prstGeom prst="flowChartPunchedCard">
@@ -5634,7 +5634,7 @@
         </p:nvSpPr>
         <p:spPr>
           <a:xfrm flipH="1">
-            <a:off x="2729051" y="2372014"/>
+            <a:off x="2729051" y="2742129"/>
             <a:ext cx="1536051" cy="300300"/>
           </a:xfrm>
           <a:prstGeom prst="flowChartPunchedCard">
@@ -5703,7 +5703,7 @@
         </p:nvCxnSpPr>
         <p:spPr>
           <a:xfrm flipV="1">
-            <a:off x="2497445" y="1859604"/>
+            <a:off x="2497445" y="2229719"/>
             <a:ext cx="239057" cy="240375"/>
           </a:xfrm>
           <a:prstGeom prst="bentConnector3">
@@ -5752,7 +5752,7 @@
         </p:nvCxnSpPr>
         <p:spPr>
           <a:xfrm>
-            <a:off x="2497445" y="2099979"/>
+            <a:off x="2497445" y="2470094"/>
             <a:ext cx="231606" cy="422185"/>
           </a:xfrm>
           <a:prstGeom prst="bentConnector3">
@@ -5803,7 +5803,7 @@
         </p:nvCxnSpPr>
         <p:spPr>
           <a:xfrm flipV="1">
-            <a:off x="2474316" y="658097"/>
+            <a:off x="2474316" y="1028212"/>
             <a:ext cx="255869" cy="372973"/>
           </a:xfrm>
           <a:prstGeom prst="bentConnector3">
@@ -5852,7 +5852,7 @@
         </p:nvCxnSpPr>
         <p:spPr>
           <a:xfrm>
-            <a:off x="2474316" y="1031070"/>
+            <a:off x="2474316" y="1401185"/>
             <a:ext cx="254736" cy="251730"/>
           </a:xfrm>
           <a:prstGeom prst="bentConnector3">
@@ -5903,7 +5903,7 @@
         </p:nvCxnSpPr>
         <p:spPr>
           <a:xfrm flipV="1">
-            <a:off x="4265102" y="2401137"/>
+            <a:off x="4265102" y="2771252"/>
             <a:ext cx="403714" cy="121027"/>
           </a:xfrm>
           <a:prstGeom prst="bentConnector2">
@@ -5952,7 +5952,7 @@
         </p:nvCxnSpPr>
         <p:spPr>
           <a:xfrm>
-            <a:off x="4272554" y="1859604"/>
+            <a:off x="4272554" y="2229719"/>
             <a:ext cx="396262" cy="119348"/>
           </a:xfrm>
           <a:prstGeom prst="bentConnector2">
@@ -5997,7 +5997,7 @@
         </p:nvSpPr>
         <p:spPr>
           <a:xfrm>
-            <a:off x="2274763" y="2444969"/>
+            <a:off x="2274763" y="2815084"/>
             <a:ext cx="80683" cy="73581"/>
           </a:xfrm>
           <a:prstGeom prst="ellipse">
@@ -6049,7 +6049,7 @@
         </p:nvSpPr>
         <p:spPr>
           <a:xfrm flipH="1">
-            <a:off x="2730185" y="326575"/>
+            <a:off x="2730185" y="696690"/>
             <a:ext cx="1537187" cy="663044"/>
           </a:xfrm>
           <a:prstGeom prst="flowChartPunchedCard">
@@ -6160,7 +6160,7 @@
         </p:nvSpPr>
         <p:spPr>
           <a:xfrm>
-            <a:off x="4309461" y="778872"/>
+            <a:off x="4309461" y="1148987"/>
             <a:ext cx="718709" cy="392194"/>
           </a:xfrm>
           <a:prstGeom prst="flowChartDecision">
@@ -6205,7 +6205,7 @@
         </p:nvSpPr>
         <p:spPr>
           <a:xfrm>
-            <a:off x="4344943" y="809818"/>
+            <a:off x="4344943" y="1179933"/>
             <a:ext cx="605420" cy="307777"/>
           </a:xfrm>
           <a:prstGeom prst="rect">
@@ -6249,7 +6249,7 @@
         </p:nvCxnSpPr>
         <p:spPr>
           <a:xfrm flipV="1">
-            <a:off x="4266239" y="1171066"/>
+            <a:off x="4266239" y="1541181"/>
             <a:ext cx="402577" cy="111734"/>
           </a:xfrm>
           <a:prstGeom prst="bentConnector2">
@@ -6298,7 +6298,7 @@
         </p:nvCxnSpPr>
         <p:spPr>
           <a:xfrm>
-            <a:off x="4267372" y="658097"/>
+            <a:off x="4267372" y="1028212"/>
             <a:ext cx="401444" cy="120775"/>
           </a:xfrm>
           <a:prstGeom prst="bentConnector2">
@@ -6343,7 +6343,7 @@
         </p:nvSpPr>
         <p:spPr>
           <a:xfrm>
-            <a:off x="4309461" y="1978952"/>
+            <a:off x="4309461" y="2349067"/>
             <a:ext cx="718709" cy="422185"/>
           </a:xfrm>
           <a:prstGeom prst="flowChartDecision">
@@ -6388,7 +6388,7 @@
         </p:nvSpPr>
         <p:spPr>
           <a:xfrm>
-            <a:off x="4336997" y="2024309"/>
+            <a:off x="4336997" y="2394424"/>
             <a:ext cx="625855" cy="307777"/>
           </a:xfrm>
           <a:prstGeom prst="rect">
@@ -8486,8 +8486,8 @@
         </p:nvCxnSpPr>
         <p:spPr>
           <a:xfrm flipV="1">
-            <a:off x="1703883" y="2069275"/>
-            <a:ext cx="316016" cy="1207"/>
+            <a:off x="1812033" y="2439390"/>
+            <a:ext cx="207866" cy="7805"/>
           </a:xfrm>
           <a:prstGeom prst="straightConnector1">
             <a:avLst/>
@@ -8532,8 +8532,8 @@
         </p:nvSpPr>
         <p:spPr>
           <a:xfrm>
-            <a:off x="2068548" y="2984"/>
-            <a:ext cx="4925542" cy="307777"/>
+            <a:off x="2019900" y="362213"/>
+            <a:ext cx="4485124" cy="307777"/>
           </a:xfrm>
           <a:prstGeom prst="rect">
             <a:avLst/>
@@ -8568,8 +8568,8 @@
         </p:nvSpPr>
         <p:spPr>
           <a:xfrm>
-            <a:off x="6700818" y="10761"/>
-            <a:ext cx="4254824" cy="307777"/>
+            <a:off x="6700817" y="10761"/>
+            <a:ext cx="4418981" cy="307777"/>
           </a:xfrm>
           <a:prstGeom prst="rect">
             <a:avLst/>
@@ -8651,20 +8651,18 @@
           </p:cNvPr>
           <p:cNvCxnSpPr>
             <a:cxnSpLocks/>
-            <a:stCxn id="40" idx="2"/>
+            <a:stCxn id="40" idx="0"/>
+            <a:endCxn id="381" idx="1"/>
           </p:cNvCxnSpPr>
           <p:nvPr/>
         </p:nvCxnSpPr>
         <p:spPr>
           <a:xfrm rot="5400000" flipH="1" flipV="1">
-            <a:off x="4190162" y="-113764"/>
-            <a:ext cx="128329" cy="6550435"/>
-          </a:xfrm>
-          <a:prstGeom prst="bentConnector4">
-            <a:avLst>
-              <a:gd name="adj1" fmla="val -899699"/>
-              <a:gd name="adj2" fmla="val 99972"/>
-            </a:avLst>
+            <a:off x="3330334" y="-2078423"/>
+            <a:ext cx="1127409" cy="5613557"/>
+          </a:xfrm>
+          <a:prstGeom prst="bentConnector2">
+            <a:avLst/>
           </a:prstGeom>
           <a:ln w="38100" cap="flat" cmpd="sng" algn="ctr">
             <a:solidFill>
@@ -8705,7 +8703,7 @@
         </p:nvSpPr>
         <p:spPr>
           <a:xfrm>
-            <a:off x="2177530" y="3241937"/>
+            <a:off x="2177530" y="3612052"/>
             <a:ext cx="327367" cy="217363"/>
           </a:xfrm>
           <a:prstGeom prst="can">
@@ -8762,7 +8760,7 @@
         </p:nvSpPr>
         <p:spPr>
           <a:xfrm flipH="1">
-            <a:off x="2743954" y="2764964"/>
+            <a:off x="2743954" y="3135079"/>
             <a:ext cx="1536052" cy="690559"/>
           </a:xfrm>
           <a:prstGeom prst="flowChartPunchedCard">
@@ -8881,7 +8879,7 @@
         </p:nvSpPr>
         <p:spPr>
           <a:xfrm flipH="1">
-            <a:off x="2736503" y="3622654"/>
+            <a:off x="2736503" y="3992769"/>
             <a:ext cx="1536051" cy="300300"/>
           </a:xfrm>
           <a:prstGeom prst="flowChartPunchedCard">
@@ -8950,7 +8948,7 @@
         </p:nvCxnSpPr>
         <p:spPr>
           <a:xfrm flipV="1">
-            <a:off x="2504897" y="3110244"/>
+            <a:off x="2504897" y="3480359"/>
             <a:ext cx="239057" cy="240375"/>
           </a:xfrm>
           <a:prstGeom prst="bentConnector3">
@@ -8999,7 +8997,7 @@
         </p:nvCxnSpPr>
         <p:spPr>
           <a:xfrm>
-            <a:off x="2504897" y="3350619"/>
+            <a:off x="2504897" y="3720734"/>
             <a:ext cx="231606" cy="422185"/>
           </a:xfrm>
           <a:prstGeom prst="bentConnector3">
@@ -9050,7 +9048,7 @@
         </p:nvCxnSpPr>
         <p:spPr>
           <a:xfrm flipV="1">
-            <a:off x="4272554" y="3651777"/>
+            <a:off x="4272554" y="4021892"/>
             <a:ext cx="403714" cy="121027"/>
           </a:xfrm>
           <a:prstGeom prst="bentConnector2">
@@ -9099,7 +9097,7 @@
         </p:nvCxnSpPr>
         <p:spPr>
           <a:xfrm>
-            <a:off x="4280006" y="3110244"/>
+            <a:off x="4280006" y="3480359"/>
             <a:ext cx="396262" cy="119348"/>
           </a:xfrm>
           <a:prstGeom prst="bentConnector2">
@@ -9144,7 +9142,7 @@
         </p:nvSpPr>
         <p:spPr>
           <a:xfrm>
-            <a:off x="4316913" y="3229592"/>
+            <a:off x="4316913" y="3599707"/>
             <a:ext cx="718709" cy="422185"/>
           </a:xfrm>
           <a:prstGeom prst="flowChartDecision">
@@ -9189,7 +9187,7 @@
         </p:nvSpPr>
         <p:spPr>
           <a:xfrm>
-            <a:off x="4344448" y="3269010"/>
+            <a:off x="4344448" y="3639125"/>
             <a:ext cx="618403" cy="307777"/>
           </a:xfrm>
           <a:prstGeom prst="rect">
@@ -9230,7 +9228,7 @@
         </p:nvSpPr>
         <p:spPr>
           <a:xfrm>
-            <a:off x="2096995" y="2949383"/>
+            <a:off x="2096995" y="3319498"/>
             <a:ext cx="473359" cy="307777"/>
           </a:xfrm>
           <a:prstGeom prst="rect">
@@ -9271,7 +9269,7 @@
         </p:nvSpPr>
         <p:spPr>
           <a:xfrm>
-            <a:off x="5239493" y="558799"/>
+            <a:off x="5239493" y="928914"/>
             <a:ext cx="768264" cy="3495178"/>
           </a:xfrm>
           <a:prstGeom prst="rect">
@@ -9326,7 +9324,7 @@
         </p:nvCxnSpPr>
         <p:spPr>
           <a:xfrm>
-            <a:off x="5028170" y="974969"/>
+            <a:off x="5028170" y="1345084"/>
             <a:ext cx="211323" cy="552"/>
           </a:xfrm>
           <a:prstGeom prst="straightConnector1">
@@ -9375,7 +9373,7 @@
         </p:nvCxnSpPr>
         <p:spPr>
           <a:xfrm flipV="1">
-            <a:off x="5035622" y="3440684"/>
+            <a:off x="5035622" y="3810799"/>
             <a:ext cx="195796" cy="1"/>
           </a:xfrm>
           <a:prstGeom prst="straightConnector1">
@@ -9421,7 +9419,7 @@
         </p:nvSpPr>
         <p:spPr>
           <a:xfrm>
-            <a:off x="5242668" y="562587"/>
+            <a:off x="5242668" y="932702"/>
             <a:ext cx="752024" cy="1015663"/>
           </a:xfrm>
           <a:prstGeom prst="rect">
@@ -9513,7 +9511,7 @@
         </p:nvSpPr>
         <p:spPr>
           <a:xfrm>
-            <a:off x="5126148" y="262612"/>
+            <a:off x="5126148" y="632727"/>
             <a:ext cx="867790" cy="307777"/>
           </a:xfrm>
           <a:prstGeom prst="rect">
@@ -9559,12 +9557,12 @@
         <p:spPr>
           <a:xfrm flipV="1">
             <a:off x="6007757" y="455848"/>
-            <a:ext cx="3616112" cy="1850540"/>
+            <a:ext cx="3616112" cy="2220655"/>
           </a:xfrm>
           <a:prstGeom prst="bentConnector4">
             <a:avLst>
-              <a:gd name="adj1" fmla="val 6708"/>
-              <a:gd name="adj2" fmla="val 107315"/>
+              <a:gd name="adj1" fmla="val 8242"/>
+              <a:gd name="adj2" fmla="val 105882"/>
             </a:avLst>
           </a:prstGeom>
           <a:ln w="19050" cap="flat" cmpd="sng" algn="ctr">
@@ -9622,14 +9620,14 @@
           <a:p>
             <a:pPr algn="ctr"/>
             <a:r>
-              <a:rPr lang="en-US" sz="1200" dirty="0">
+              <a:rPr lang="en-US" sz="1200" i="1" dirty="0">
                 <a:solidFill>
                   <a:schemeClr val="tx2"/>
                 </a:solidFill>
               </a:rPr>
-              <a:t>Model</a:t>
-            </a:r>
-            <a:endParaRPr lang="en-US" sz="1400" baseline="-25000" dirty="0">
+              <a:t>Models</a:t>
+            </a:r>
+            <a:endParaRPr lang="en-US" sz="1400" i="1" baseline="-25000" dirty="0">
               <a:solidFill>
                 <a:schemeClr val="tx2"/>
               </a:solidFill>
@@ -9696,7 +9694,7 @@
         </p:nvSpPr>
         <p:spPr>
           <a:xfrm>
-            <a:off x="5241052" y="1520676"/>
+            <a:off x="5241052" y="1890791"/>
             <a:ext cx="752886" cy="1015663"/>
           </a:xfrm>
           <a:prstGeom prst="rect">
@@ -9786,7 +9784,7 @@
         </p:nvCxnSpPr>
         <p:spPr>
           <a:xfrm>
-            <a:off x="5239493" y="1518704"/>
+            <a:off x="5239493" y="1888819"/>
             <a:ext cx="768264" cy="0"/>
           </a:xfrm>
           <a:prstGeom prst="line">
@@ -9829,7 +9827,7 @@
         </p:nvCxnSpPr>
         <p:spPr>
           <a:xfrm>
-            <a:off x="5239493" y="2462429"/>
+            <a:off x="5239493" y="2832544"/>
             <a:ext cx="754445" cy="0"/>
           </a:xfrm>
           <a:prstGeom prst="line">
@@ -9872,7 +9870,7 @@
         </p:nvCxnSpPr>
         <p:spPr>
           <a:xfrm>
-            <a:off x="5239493" y="3034371"/>
+            <a:off x="5239493" y="3404486"/>
             <a:ext cx="754445" cy="0"/>
           </a:xfrm>
           <a:prstGeom prst="line">
@@ -9913,7 +9911,7 @@
         </p:nvSpPr>
         <p:spPr>
           <a:xfrm>
-            <a:off x="5252140" y="3044691"/>
+            <a:off x="5252140" y="3414806"/>
             <a:ext cx="752886" cy="1015663"/>
           </a:xfrm>
           <a:prstGeom prst="rect">
@@ -10007,7 +10005,7 @@
         </p:nvSpPr>
         <p:spPr>
           <a:xfrm>
-            <a:off x="5576744" y="2712927"/>
+            <a:off x="5576744" y="3083042"/>
             <a:ext cx="80683" cy="73581"/>
           </a:xfrm>
           <a:prstGeom prst="ellipse">
@@ -10059,7 +10057,7 @@
         </p:nvSpPr>
         <p:spPr>
           <a:xfrm>
-            <a:off x="5576744" y="2861691"/>
+            <a:off x="5576744" y="3231806"/>
             <a:ext cx="80683" cy="73581"/>
           </a:xfrm>
           <a:prstGeom prst="ellipse">
@@ -10111,7 +10109,7 @@
         </p:nvSpPr>
         <p:spPr>
           <a:xfrm>
-            <a:off x="5576744" y="2566371"/>
+            <a:off x="5576744" y="2936486"/>
             <a:ext cx="80683" cy="73581"/>
           </a:xfrm>
           <a:prstGeom prst="ellipse">
@@ -10216,7 +10214,7 @@
         </p:nvCxnSpPr>
         <p:spPr>
           <a:xfrm flipV="1">
-            <a:off x="5028170" y="1070419"/>
+            <a:off x="5028170" y="1440534"/>
             <a:ext cx="214498" cy="1119626"/>
           </a:xfrm>
           <a:prstGeom prst="bentConnector3">

--- a/Figures/Arcs/Architecture.pptx
+++ b/Figures/Arcs/Architecture.pptx
@@ -197,7 +197,7 @@
           <a:p>
             <a:fld id="{4F2B3EEC-C8B4-0543-943F-91B3791C5E43}" type="datetimeFigureOut">
               <a:rPr lang="en-US" smtClean="0"/>
-              <a:t>10/14/23</a:t>
+              <a:t>10/17/23</a:t>
             </a:fld>
             <a:endParaRPr lang="en-US"/>
           </a:p>
@@ -734,7 +734,7 @@
           <a:p>
             <a:fld id="{697CBF4A-2AD2-1249-BC5E-D6BCA9656194}" type="datetimeFigureOut">
               <a:rPr lang="en-US" smtClean="0"/>
-              <a:t>10/14/23</a:t>
+              <a:t>10/17/23</a:t>
             </a:fld>
             <a:endParaRPr lang="en-US"/>
           </a:p>
@@ -932,7 +932,7 @@
           <a:p>
             <a:fld id="{697CBF4A-2AD2-1249-BC5E-D6BCA9656194}" type="datetimeFigureOut">
               <a:rPr lang="en-US" smtClean="0"/>
-              <a:t>10/14/23</a:t>
+              <a:t>10/17/23</a:t>
             </a:fld>
             <a:endParaRPr lang="en-US"/>
           </a:p>
@@ -1140,7 +1140,7 @@
           <a:p>
             <a:fld id="{697CBF4A-2AD2-1249-BC5E-D6BCA9656194}" type="datetimeFigureOut">
               <a:rPr lang="en-US" smtClean="0"/>
-              <a:t>10/14/23</a:t>
+              <a:t>10/17/23</a:t>
             </a:fld>
             <a:endParaRPr lang="en-US"/>
           </a:p>
@@ -1338,7 +1338,7 @@
           <a:p>
             <a:fld id="{697CBF4A-2AD2-1249-BC5E-D6BCA9656194}" type="datetimeFigureOut">
               <a:rPr lang="en-US" smtClean="0"/>
-              <a:t>10/14/23</a:t>
+              <a:t>10/17/23</a:t>
             </a:fld>
             <a:endParaRPr lang="en-US"/>
           </a:p>
@@ -1613,7 +1613,7 @@
           <a:p>
             <a:fld id="{697CBF4A-2AD2-1249-BC5E-D6BCA9656194}" type="datetimeFigureOut">
               <a:rPr lang="en-US" smtClean="0"/>
-              <a:t>10/14/23</a:t>
+              <a:t>10/17/23</a:t>
             </a:fld>
             <a:endParaRPr lang="en-US"/>
           </a:p>
@@ -1878,7 +1878,7 @@
           <a:p>
             <a:fld id="{697CBF4A-2AD2-1249-BC5E-D6BCA9656194}" type="datetimeFigureOut">
               <a:rPr lang="en-US" smtClean="0"/>
-              <a:t>10/14/23</a:t>
+              <a:t>10/17/23</a:t>
             </a:fld>
             <a:endParaRPr lang="en-US"/>
           </a:p>
@@ -2290,7 +2290,7 @@
           <a:p>
             <a:fld id="{697CBF4A-2AD2-1249-BC5E-D6BCA9656194}" type="datetimeFigureOut">
               <a:rPr lang="en-US" smtClean="0"/>
-              <a:t>10/14/23</a:t>
+              <a:t>10/17/23</a:t>
             </a:fld>
             <a:endParaRPr lang="en-US"/>
           </a:p>
@@ -2431,7 +2431,7 @@
           <a:p>
             <a:fld id="{697CBF4A-2AD2-1249-BC5E-D6BCA9656194}" type="datetimeFigureOut">
               <a:rPr lang="en-US" smtClean="0"/>
-              <a:t>10/14/23</a:t>
+              <a:t>10/17/23</a:t>
             </a:fld>
             <a:endParaRPr lang="en-US"/>
           </a:p>
@@ -2544,7 +2544,7 @@
           <a:p>
             <a:fld id="{697CBF4A-2AD2-1249-BC5E-D6BCA9656194}" type="datetimeFigureOut">
               <a:rPr lang="en-US" smtClean="0"/>
-              <a:t>10/14/23</a:t>
+              <a:t>10/17/23</a:t>
             </a:fld>
             <a:endParaRPr lang="en-US"/>
           </a:p>
@@ -2855,7 +2855,7 @@
           <a:p>
             <a:fld id="{697CBF4A-2AD2-1249-BC5E-D6BCA9656194}" type="datetimeFigureOut">
               <a:rPr lang="en-US" smtClean="0"/>
-              <a:t>10/14/23</a:t>
+              <a:t>10/17/23</a:t>
             </a:fld>
             <a:endParaRPr lang="en-US"/>
           </a:p>
@@ -3143,7 +3143,7 @@
           <a:p>
             <a:fld id="{697CBF4A-2AD2-1249-BC5E-D6BCA9656194}" type="datetimeFigureOut">
               <a:rPr lang="en-US" smtClean="0"/>
-              <a:t>10/14/23</a:t>
+              <a:t>10/17/23</a:t>
             </a:fld>
             <a:endParaRPr lang="en-US"/>
           </a:p>
@@ -3384,7 +3384,7 @@
           <a:p>
             <a:fld id="{697CBF4A-2AD2-1249-BC5E-D6BCA9656194}" type="datetimeFigureOut">
               <a:rPr lang="en-US" smtClean="0"/>
-              <a:t>10/14/23</a:t>
+              <a:t>10/17/23</a:t>
             </a:fld>
             <a:endParaRPr lang="en-US"/>
           </a:p>
@@ -3816,7 +3816,7 @@
         <p:spPr>
           <a:xfrm>
             <a:off x="2019899" y="370114"/>
-            <a:ext cx="4485124" cy="4138552"/>
+            <a:ext cx="5361728" cy="4138552"/>
           </a:xfrm>
           <a:prstGeom prst="roundRect">
             <a:avLst>
@@ -3866,8 +3866,8 @@
         </p:nvSpPr>
         <p:spPr>
           <a:xfrm>
-            <a:off x="8520551" y="3311910"/>
-            <a:ext cx="766155" cy="652314"/>
+            <a:off x="9028277" y="3433830"/>
+            <a:ext cx="1648057" cy="408824"/>
           </a:xfrm>
           <a:prstGeom prst="roundRect">
             <a:avLst/>
@@ -3912,15 +3912,15 @@
           </p:cNvPr>
           <p:cNvCxnSpPr>
             <a:cxnSpLocks/>
-            <a:stCxn id="130" idx="3"/>
-            <a:endCxn id="163" idx="1"/>
+            <a:stCxn id="130" idx="2"/>
+            <a:endCxn id="163" idx="0"/>
           </p:cNvCxnSpPr>
           <p:nvPr/>
         </p:nvCxnSpPr>
         <p:spPr>
           <a:xfrm>
-            <a:off x="9286706" y="3638067"/>
-            <a:ext cx="654081" cy="0"/>
+            <a:off x="9852306" y="3842654"/>
+            <a:ext cx="0" cy="254519"/>
           </a:xfrm>
           <a:prstGeom prst="straightConnector1">
             <a:avLst/>
@@ -3965,8 +3965,8 @@
         </p:nvSpPr>
         <p:spPr>
           <a:xfrm>
-            <a:off x="9940787" y="3372541"/>
-            <a:ext cx="937153" cy="531052"/>
+            <a:off x="9028277" y="4097173"/>
+            <a:ext cx="1648057" cy="408824"/>
           </a:xfrm>
           <a:prstGeom prst="rect">
             <a:avLst/>
@@ -3994,18 +3994,18 @@
           <a:p>
             <a:pPr algn="ctr"/>
             <a:r>
-              <a:rPr lang="en-US" sz="1400" dirty="0"/>
+              <a:rPr lang="en-US" sz="1400" b="1" dirty="0"/>
               <a:t>Final Output: </a:t>
             </a:r>
             <a:r>
-              <a:rPr lang="en-US" sz="1400" i="1" dirty="0">
+              <a:rPr lang="en-US" sz="1400" b="1" i="1" dirty="0">
                 <a:latin typeface="APPLE CHANCERY" panose="03020702040506060504" pitchFamily="66" charset="-79"/>
                 <a:cs typeface="APPLE CHANCERY" panose="03020702040506060504" pitchFamily="66" charset="-79"/>
               </a:rPr>
               <a:t>l</a:t>
             </a:r>
             <a:r>
-              <a:rPr lang="en-US" sz="1400" dirty="0"/>
+              <a:rPr lang="en-US" sz="1400" b="1" dirty="0"/>
               <a:t> </a:t>
             </a:r>
           </a:p>
@@ -4026,9 +4026,9 @@
         <p:grpSpPr>
           <a:xfrm>
             <a:off x="301848" y="1292059"/>
-            <a:ext cx="1658065" cy="2310272"/>
+            <a:ext cx="1510185" cy="2310272"/>
             <a:chOff x="228312" y="565999"/>
-            <a:chExt cx="1658065" cy="2310272"/>
+            <a:chExt cx="1510185" cy="2310272"/>
           </a:xfrm>
         </p:grpSpPr>
         <p:sp>
@@ -4115,52 +4115,22 @@
             <a:lstStyle/>
             <a:p>
               <a:pPr algn="ctr"/>
-              <a:endParaRPr lang="en-US" sz="2000" dirty="0">
-                <a:solidFill>
-                  <a:schemeClr val="tx1"/>
-                </a:solidFill>
-              </a:endParaRPr>
-            </a:p>
-          </p:txBody>
-        </p:sp>
-        <p:sp>
-          <p:nvSpPr>
-            <p:cNvPr id="10" name="TextBox 9">
-              <a:extLst>
-                <a:ext uri="{FF2B5EF4-FFF2-40B4-BE49-F238E27FC236}">
-                  <a16:creationId xmlns:a16="http://schemas.microsoft.com/office/drawing/2014/main" id="{BE85419F-1FBA-202A-E2EA-74AD0BADC1FC}"/>
-                </a:ext>
-              </a:extLst>
-            </p:cNvPr>
-            <p:cNvSpPr txBox="1"/>
-            <p:nvPr/>
-          </p:nvSpPr>
-          <p:spPr>
-            <a:xfrm>
-              <a:off x="1376238" y="1056299"/>
-              <a:ext cx="510139" cy="307777"/>
-            </a:xfrm>
-            <a:prstGeom prst="rect">
-              <a:avLst/>
-            </a:prstGeom>
-            <a:noFill/>
-          </p:spPr>
-          <p:txBody>
-            <a:bodyPr wrap="square" rtlCol="0">
-              <a:spAutoFit/>
-            </a:bodyPr>
-            <a:lstStyle/>
-            <a:p>
-              <a:pPr algn="ctr"/>
               <a:r>
-                <a:rPr lang="en-US" sz="1400" dirty="0"/>
+                <a:rPr lang="en-US" sz="1200" dirty="0">
+                  <a:solidFill>
+                    <a:schemeClr val="bg1"/>
+                  </a:solidFill>
+                </a:rPr>
                 <a:t>S</a:t>
               </a:r>
               <a:r>
-                <a:rPr lang="en-US" sz="1400" baseline="-25000" dirty="0"/>
+                <a:rPr lang="en-US" sz="1200" baseline="-25000" dirty="0">
+                  <a:solidFill>
+                    <a:schemeClr val="bg1"/>
+                  </a:solidFill>
+                </a:rPr>
                 <a:t>1</a:t>
               </a:r>
-              <a:endParaRPr lang="en-US" sz="1400" dirty="0"/>
             </a:p>
           </p:txBody>
         </p:sp>
@@ -4213,52 +4183,27 @@
             <a:lstStyle/>
             <a:p>
               <a:pPr algn="ctr"/>
-              <a:endParaRPr lang="en-US" sz="2000" dirty="0">
-                <a:solidFill>
-                  <a:schemeClr val="tx1"/>
-                </a:solidFill>
-              </a:endParaRPr>
-            </a:p>
-          </p:txBody>
-        </p:sp>
-        <p:sp>
-          <p:nvSpPr>
-            <p:cNvPr id="12" name="TextBox 11">
-              <a:extLst>
-                <a:ext uri="{FF2B5EF4-FFF2-40B4-BE49-F238E27FC236}">
-                  <a16:creationId xmlns:a16="http://schemas.microsoft.com/office/drawing/2014/main" id="{185C0691-A6CF-6862-8993-E35958BB071C}"/>
-                </a:ext>
-              </a:extLst>
-            </p:cNvPr>
-            <p:cNvSpPr txBox="1"/>
-            <p:nvPr/>
-          </p:nvSpPr>
-          <p:spPr>
-            <a:xfrm>
-              <a:off x="1367948" y="1594969"/>
-              <a:ext cx="510139" cy="307777"/>
-            </a:xfrm>
-            <a:prstGeom prst="rect">
-              <a:avLst/>
-            </a:prstGeom>
-            <a:noFill/>
-          </p:spPr>
-          <p:txBody>
-            <a:bodyPr wrap="square" rtlCol="0">
-              <a:spAutoFit/>
-            </a:bodyPr>
-            <a:lstStyle/>
-            <a:p>
-              <a:pPr algn="ctr"/>
               <a:r>
-                <a:rPr lang="en-US" sz="1400" dirty="0"/>
+                <a:rPr lang="en-US" sz="1400" dirty="0">
+                  <a:solidFill>
+                    <a:schemeClr val="bg1"/>
+                  </a:solidFill>
+                </a:rPr>
                 <a:t>S</a:t>
               </a:r>
               <a:r>
-                <a:rPr lang="en-US" sz="1400" baseline="-25000" dirty="0"/>
+                <a:rPr lang="en-US" sz="1400" baseline="-25000" dirty="0">
+                  <a:solidFill>
+                    <a:schemeClr val="bg1"/>
+                  </a:solidFill>
+                </a:rPr>
                 <a:t>2</a:t>
               </a:r>
-              <a:endParaRPr lang="en-US" sz="1400" dirty="0"/>
+              <a:endParaRPr lang="en-US" sz="2000" baseline="-25000" dirty="0">
+                <a:solidFill>
+                  <a:schemeClr val="bg1"/>
+                </a:solidFill>
+              </a:endParaRPr>
             </a:p>
           </p:txBody>
         </p:sp>
@@ -4311,52 +4256,22 @@
             <a:lstStyle/>
             <a:p>
               <a:pPr algn="ctr"/>
-              <a:endParaRPr lang="en-US" sz="2000" dirty="0">
-                <a:solidFill>
-                  <a:schemeClr val="tx1"/>
-                </a:solidFill>
-              </a:endParaRPr>
-            </a:p>
-          </p:txBody>
-        </p:sp>
-        <p:sp>
-          <p:nvSpPr>
-            <p:cNvPr id="14" name="TextBox 13">
-              <a:extLst>
-                <a:ext uri="{FF2B5EF4-FFF2-40B4-BE49-F238E27FC236}">
-                  <a16:creationId xmlns:a16="http://schemas.microsoft.com/office/drawing/2014/main" id="{E4326165-BD8F-A071-BFAB-3EB071D8E500}"/>
-                </a:ext>
-              </a:extLst>
-            </p:cNvPr>
-            <p:cNvSpPr txBox="1"/>
-            <p:nvPr/>
-          </p:nvSpPr>
-          <p:spPr>
-            <a:xfrm>
-              <a:off x="1376238" y="2482141"/>
-              <a:ext cx="510139" cy="307777"/>
-            </a:xfrm>
-            <a:prstGeom prst="rect">
-              <a:avLst/>
-            </a:prstGeom>
-            <a:noFill/>
-          </p:spPr>
-          <p:txBody>
-            <a:bodyPr wrap="square" rtlCol="0">
-              <a:spAutoFit/>
-            </a:bodyPr>
-            <a:lstStyle/>
-            <a:p>
-              <a:pPr algn="ctr"/>
               <a:r>
-                <a:rPr lang="en-US" sz="1400" dirty="0"/>
+                <a:rPr lang="en-US" sz="1400" dirty="0">
+                  <a:solidFill>
+                    <a:schemeClr val="bg1"/>
+                  </a:solidFill>
+                </a:rPr>
                 <a:t>S</a:t>
               </a:r>
               <a:r>
-                <a:rPr lang="en-US" sz="1400" baseline="-25000" dirty="0"/>
+                <a:rPr lang="en-US" sz="1400" baseline="-25000" dirty="0">
+                  <a:solidFill>
+                    <a:schemeClr val="bg1"/>
+                  </a:solidFill>
+                </a:rPr>
                 <a:t>n</a:t>
               </a:r>
-              <a:endParaRPr lang="en-US" sz="1400" dirty="0"/>
             </a:p>
           </p:txBody>
         </p:sp>
@@ -5158,8 +5073,8 @@
         </p:nvSpPr>
         <p:spPr>
           <a:xfrm>
-            <a:off x="2146949" y="1292503"/>
-            <a:ext cx="327367" cy="217363"/>
+            <a:off x="2139097" y="1226085"/>
+            <a:ext cx="335220" cy="283781"/>
           </a:xfrm>
           <a:prstGeom prst="can">
             <a:avLst/>
@@ -5193,52 +5108,22 @@
           <a:lstStyle/>
           <a:p>
             <a:pPr algn="ctr"/>
-            <a:endParaRPr lang="en-US" sz="1200" dirty="0">
-              <a:solidFill>
-                <a:schemeClr val="tx1"/>
-              </a:solidFill>
-            </a:endParaRPr>
-          </a:p>
-        </p:txBody>
-      </p:sp>
-      <p:sp>
-        <p:nvSpPr>
-          <p:cNvPr id="56" name="TextBox 55">
-            <a:extLst>
-              <a:ext uri="{FF2B5EF4-FFF2-40B4-BE49-F238E27FC236}">
-                <a16:creationId xmlns:a16="http://schemas.microsoft.com/office/drawing/2014/main" id="{62E96DCA-AB5B-41C5-A386-FA71C06647B8}"/>
-              </a:ext>
-            </a:extLst>
-          </p:cNvPr>
-          <p:cNvSpPr txBox="1"/>
-          <p:nvPr/>
-        </p:nvSpPr>
-        <p:spPr>
-          <a:xfrm>
-            <a:off x="2103377" y="996976"/>
-            <a:ext cx="473359" cy="307777"/>
-          </a:xfrm>
-          <a:prstGeom prst="rect">
-            <a:avLst/>
-          </a:prstGeom>
-          <a:noFill/>
-        </p:spPr>
-        <p:txBody>
-          <a:bodyPr wrap="square" rtlCol="0">
-            <a:spAutoFit/>
-          </a:bodyPr>
-          <a:lstStyle/>
-          <a:p>
-            <a:pPr algn="ctr"/>
-            <a:r>
-              <a:rPr lang="en-US" sz="1400" dirty="0"/>
+            <a:r>
+              <a:rPr lang="en-US" sz="1400" dirty="0">
+                <a:solidFill>
+                  <a:schemeClr val="bg1"/>
+                </a:solidFill>
+              </a:rPr>
               <a:t>S</a:t>
             </a:r>
             <a:r>
-              <a:rPr lang="en-US" sz="1400" baseline="-25000" dirty="0"/>
+              <a:rPr lang="en-US" sz="1400" baseline="-25000" dirty="0">
+                <a:solidFill>
+                  <a:schemeClr val="bg1"/>
+                </a:solidFill>
+              </a:rPr>
               <a:t>1</a:t>
             </a:r>
-            <a:endParaRPr lang="en-US" sz="1400" dirty="0"/>
           </a:p>
         </p:txBody>
       </p:sp>
@@ -5256,8 +5141,8 @@
         </p:nvSpPr>
         <p:spPr>
           <a:xfrm>
-            <a:off x="2170078" y="2361412"/>
-            <a:ext cx="327367" cy="217363"/>
+            <a:off x="2162226" y="2294994"/>
+            <a:ext cx="335220" cy="283781"/>
           </a:xfrm>
           <a:prstGeom prst="can">
             <a:avLst/>
@@ -5291,52 +5176,22 @@
           <a:lstStyle/>
           <a:p>
             <a:pPr algn="ctr"/>
-            <a:endParaRPr lang="en-US" sz="1200" dirty="0">
-              <a:solidFill>
-                <a:schemeClr val="tx1"/>
-              </a:solidFill>
-            </a:endParaRPr>
-          </a:p>
-        </p:txBody>
-      </p:sp>
-      <p:sp>
-        <p:nvSpPr>
-          <p:cNvPr id="59" name="TextBox 58">
-            <a:extLst>
-              <a:ext uri="{FF2B5EF4-FFF2-40B4-BE49-F238E27FC236}">
-                <a16:creationId xmlns:a16="http://schemas.microsoft.com/office/drawing/2014/main" id="{D6C2C7B1-2D14-BE2D-0D66-A4E6F83D0F3A}"/>
-              </a:ext>
-            </a:extLst>
-          </p:cNvPr>
-          <p:cNvSpPr txBox="1"/>
-          <p:nvPr/>
-        </p:nvSpPr>
-        <p:spPr>
-          <a:xfrm>
-            <a:off x="2098520" y="2063895"/>
-            <a:ext cx="473359" cy="307777"/>
-          </a:xfrm>
-          <a:prstGeom prst="rect">
-            <a:avLst/>
-          </a:prstGeom>
-          <a:noFill/>
-        </p:spPr>
-        <p:txBody>
-          <a:bodyPr wrap="square" rtlCol="0">
-            <a:spAutoFit/>
-          </a:bodyPr>
-          <a:lstStyle/>
-          <a:p>
-            <a:pPr algn="ctr"/>
-            <a:r>
-              <a:rPr lang="en-US" sz="1400" dirty="0"/>
+            <a:r>
+              <a:rPr lang="en-US" sz="1400" dirty="0">
+                <a:solidFill>
+                  <a:schemeClr val="bg1"/>
+                </a:solidFill>
+              </a:rPr>
               <a:t>S</a:t>
             </a:r>
             <a:r>
-              <a:rPr lang="en-US" sz="1400" baseline="-25000" dirty="0"/>
+              <a:rPr lang="en-US" sz="1400" baseline="-25000" dirty="0">
+                <a:solidFill>
+                  <a:schemeClr val="bg1"/>
+                </a:solidFill>
+              </a:rPr>
               <a:t>2</a:t>
             </a:r>
-            <a:endParaRPr lang="en-US" sz="1400" dirty="0"/>
           </a:p>
         </p:txBody>
       </p:sp>
@@ -5703,8 +5558,8 @@
         </p:nvCxnSpPr>
         <p:spPr>
           <a:xfrm flipV="1">
-            <a:off x="2497445" y="2229719"/>
-            <a:ext cx="239057" cy="240375"/>
+            <a:off x="2497446" y="2229719"/>
+            <a:ext cx="239056" cy="207166"/>
           </a:xfrm>
           <a:prstGeom prst="bentConnector3">
             <a:avLst/>
@@ -5752,8 +5607,8 @@
         </p:nvCxnSpPr>
         <p:spPr>
           <a:xfrm>
-            <a:off x="2497445" y="2470094"/>
-            <a:ext cx="231606" cy="422185"/>
+            <a:off x="2497446" y="2436885"/>
+            <a:ext cx="231605" cy="455394"/>
           </a:xfrm>
           <a:prstGeom prst="bentConnector3">
             <a:avLst>
@@ -5803,8 +5658,8 @@
         </p:nvCxnSpPr>
         <p:spPr>
           <a:xfrm flipV="1">
-            <a:off x="2474316" y="1028212"/>
-            <a:ext cx="255869" cy="372973"/>
+            <a:off x="2474317" y="1028212"/>
+            <a:ext cx="255868" cy="339764"/>
           </a:xfrm>
           <a:prstGeom prst="bentConnector3">
             <a:avLst/>
@@ -5852,8 +5707,8 @@
         </p:nvCxnSpPr>
         <p:spPr>
           <a:xfrm>
-            <a:off x="2474316" y="1401185"/>
-            <a:ext cx="254736" cy="251730"/>
+            <a:off x="2474317" y="1367976"/>
+            <a:ext cx="254735" cy="284939"/>
           </a:xfrm>
           <a:prstGeom prst="bentConnector3">
             <a:avLst>
@@ -6432,7 +6287,7 @@
         </p:nvCxnSpPr>
         <p:spPr>
           <a:xfrm>
-            <a:off x="7521304" y="2192779"/>
+            <a:off x="8456024" y="2314699"/>
             <a:ext cx="166" cy="137946"/>
           </a:xfrm>
           <a:prstGeom prst="straightConnector1">
@@ -6480,7 +6335,7 @@
         </p:nvCxnSpPr>
         <p:spPr>
           <a:xfrm>
-            <a:off x="7518831" y="1028845"/>
+            <a:off x="8453551" y="1150765"/>
             <a:ext cx="603" cy="152644"/>
           </a:xfrm>
           <a:prstGeom prst="straightConnector1">
@@ -6526,7 +6381,7 @@
         </p:nvSpPr>
         <p:spPr>
           <a:xfrm>
-            <a:off x="6736260" y="2330725"/>
+            <a:off x="7670980" y="2452645"/>
             <a:ext cx="1570420" cy="292230"/>
           </a:xfrm>
           <a:prstGeom prst="rect">
@@ -6613,7 +6468,7 @@
         </p:nvSpPr>
         <p:spPr>
           <a:xfrm>
-            <a:off x="8836443" y="2330725"/>
+            <a:off x="9771163" y="2452645"/>
             <a:ext cx="1572921" cy="292230"/>
           </a:xfrm>
           <a:prstGeom prst="rect">
@@ -6700,7 +6555,7 @@
         </p:nvSpPr>
         <p:spPr>
           <a:xfrm>
-            <a:off x="7323030" y="2750384"/>
+            <a:off x="8257750" y="2872304"/>
             <a:ext cx="396543" cy="287121"/>
           </a:xfrm>
           <a:prstGeom prst="rect">
@@ -6760,7 +6615,7 @@
         </p:nvCxnSpPr>
         <p:spPr>
           <a:xfrm>
-            <a:off x="9622904" y="2622955"/>
+            <a:off x="10557624" y="2744875"/>
             <a:ext cx="1719" cy="124295"/>
           </a:xfrm>
           <a:prstGeom prst="straightConnector1">
@@ -6806,7 +6661,7 @@
         </p:nvSpPr>
         <p:spPr>
           <a:xfrm>
-            <a:off x="9426351" y="2747250"/>
+            <a:off x="10361071" y="2869170"/>
             <a:ext cx="396543" cy="287121"/>
           </a:xfrm>
           <a:prstGeom prst="rect">
@@ -6862,7 +6717,7 @@
         </p:nvSpPr>
         <p:spPr>
           <a:xfrm>
-            <a:off x="10499882" y="731254"/>
+            <a:off x="11434602" y="853174"/>
             <a:ext cx="86952" cy="86952"/>
           </a:xfrm>
           <a:prstGeom prst="ellipse">
@@ -6914,8 +6769,8 @@
         </p:nvSpPr>
         <p:spPr>
           <a:xfrm>
-            <a:off x="7342996" y="786195"/>
-            <a:ext cx="352803" cy="229212"/>
+            <a:off x="8277716" y="862085"/>
+            <a:ext cx="352803" cy="275242"/>
           </a:xfrm>
           <a:prstGeom prst="can">
             <a:avLst/>
@@ -6949,52 +6804,22 @@
           <a:lstStyle/>
           <a:p>
             <a:pPr algn="ctr"/>
-            <a:endParaRPr lang="en-US" sz="1400" dirty="0">
-              <a:solidFill>
-                <a:schemeClr val="tx1"/>
-              </a:solidFill>
-            </a:endParaRPr>
-          </a:p>
-        </p:txBody>
-      </p:sp>
-      <p:sp>
-        <p:nvSpPr>
-          <p:cNvPr id="206" name="TextBox 205">
-            <a:extLst>
-              <a:ext uri="{FF2B5EF4-FFF2-40B4-BE49-F238E27FC236}">
-                <a16:creationId xmlns:a16="http://schemas.microsoft.com/office/drawing/2014/main" id="{0A592AFE-7F6D-E40B-C98C-F17C4796887F}"/>
-              </a:ext>
-            </a:extLst>
-          </p:cNvPr>
-          <p:cNvSpPr txBox="1"/>
-          <p:nvPr/>
-        </p:nvSpPr>
-        <p:spPr>
-          <a:xfrm>
-            <a:off x="7274478" y="481679"/>
-            <a:ext cx="510139" cy="307777"/>
-          </a:xfrm>
-          <a:prstGeom prst="rect">
-            <a:avLst/>
-          </a:prstGeom>
-          <a:noFill/>
-        </p:spPr>
-        <p:txBody>
-          <a:bodyPr wrap="square" rtlCol="0">
-            <a:spAutoFit/>
-          </a:bodyPr>
-          <a:lstStyle/>
-          <a:p>
-            <a:pPr algn="ctr"/>
-            <a:r>
-              <a:rPr lang="en-US" sz="1400" dirty="0"/>
+            <a:r>
+              <a:rPr lang="en-US" sz="1400" dirty="0">
+                <a:solidFill>
+                  <a:schemeClr val="bg1"/>
+                </a:solidFill>
+              </a:rPr>
               <a:t>S</a:t>
             </a:r>
             <a:r>
-              <a:rPr lang="en-US" sz="1400" baseline="-25000" dirty="0"/>
+              <a:rPr lang="en-US" sz="1400" baseline="-25000" dirty="0">
+                <a:solidFill>
+                  <a:schemeClr val="bg1"/>
+                </a:solidFill>
+              </a:rPr>
               <a:t>1</a:t>
             </a:r>
-            <a:endParaRPr lang="en-US" sz="1400" dirty="0"/>
           </a:p>
         </p:txBody>
       </p:sp>
@@ -7012,7 +6837,7 @@
         </p:nvSpPr>
         <p:spPr>
           <a:xfrm>
-            <a:off x="7273822" y="1181489"/>
+            <a:off x="8208542" y="1303409"/>
             <a:ext cx="494963" cy="252599"/>
           </a:xfrm>
           <a:prstGeom prst="rect">
@@ -7068,7 +6893,7 @@
         </p:nvCxnSpPr>
         <p:spPr>
           <a:xfrm>
-            <a:off x="9613719" y="1016134"/>
+            <a:off x="10548439" y="1138054"/>
             <a:ext cx="3453" cy="167512"/>
           </a:xfrm>
           <a:prstGeom prst="straightConnector1">
@@ -7114,8 +6939,8 @@
         </p:nvSpPr>
         <p:spPr>
           <a:xfrm>
-            <a:off x="9437317" y="758898"/>
-            <a:ext cx="352803" cy="256860"/>
+            <a:off x="10372037" y="829236"/>
+            <a:ext cx="352803" cy="308442"/>
           </a:xfrm>
           <a:prstGeom prst="can">
             <a:avLst/>
@@ -7149,52 +6974,22 @@
           <a:lstStyle/>
           <a:p>
             <a:pPr algn="ctr"/>
-            <a:endParaRPr lang="en-US" sz="1400" dirty="0">
-              <a:solidFill>
-                <a:schemeClr val="tx1"/>
-              </a:solidFill>
-            </a:endParaRPr>
-          </a:p>
-        </p:txBody>
-      </p:sp>
-      <p:sp>
-        <p:nvSpPr>
-          <p:cNvPr id="214" name="TextBox 213">
-            <a:extLst>
-              <a:ext uri="{FF2B5EF4-FFF2-40B4-BE49-F238E27FC236}">
-                <a16:creationId xmlns:a16="http://schemas.microsoft.com/office/drawing/2014/main" id="{04BAA516-4B6F-5004-A899-57FE8E4CEBBB}"/>
-              </a:ext>
-            </a:extLst>
-          </p:cNvPr>
-          <p:cNvSpPr txBox="1"/>
-          <p:nvPr/>
-        </p:nvSpPr>
-        <p:spPr>
-          <a:xfrm>
-            <a:off x="9368799" y="455848"/>
-            <a:ext cx="510139" cy="307777"/>
-          </a:xfrm>
-          <a:prstGeom prst="rect">
-            <a:avLst/>
-          </a:prstGeom>
-          <a:noFill/>
-        </p:spPr>
-        <p:txBody>
-          <a:bodyPr wrap="square" rtlCol="0">
-            <a:spAutoFit/>
-          </a:bodyPr>
-          <a:lstStyle/>
-          <a:p>
-            <a:pPr algn="ctr"/>
-            <a:r>
-              <a:rPr lang="en-US" sz="1400" dirty="0"/>
+            <a:r>
+              <a:rPr lang="en-US" sz="1400" dirty="0">
+                <a:solidFill>
+                  <a:schemeClr val="bg1"/>
+                </a:solidFill>
+              </a:rPr>
               <a:t>S</a:t>
             </a:r>
             <a:r>
-              <a:rPr lang="en-US" sz="1400" baseline="-25000" dirty="0"/>
+              <a:rPr lang="en-US" sz="1400" baseline="-25000" dirty="0">
+                <a:solidFill>
+                  <a:schemeClr val="bg1"/>
+                </a:solidFill>
+              </a:rPr>
               <a:t>2</a:t>
             </a:r>
-            <a:endParaRPr lang="en-US" sz="1400" dirty="0"/>
           </a:p>
         </p:txBody>
       </p:sp>
@@ -7212,7 +7007,7 @@
         </p:nvSpPr>
         <p:spPr>
           <a:xfrm>
-            <a:off x="9369690" y="1183646"/>
+            <a:off x="10304410" y="1305566"/>
             <a:ext cx="494963" cy="250442"/>
           </a:xfrm>
           <a:prstGeom prst="rect">
@@ -7265,8 +7060,8 @@
         </p:nvSpPr>
         <p:spPr>
           <a:xfrm>
-            <a:off x="7344902" y="1935919"/>
-            <a:ext cx="352803" cy="256860"/>
+            <a:off x="8279622" y="2006257"/>
+            <a:ext cx="352803" cy="308442"/>
           </a:xfrm>
           <a:prstGeom prst="can">
             <a:avLst/>
@@ -7300,52 +7095,22 @@
           <a:lstStyle/>
           <a:p>
             <a:pPr algn="ctr"/>
-            <a:endParaRPr lang="en-US" sz="1200" dirty="0">
-              <a:solidFill>
-                <a:schemeClr val="tx1"/>
-              </a:solidFill>
-            </a:endParaRPr>
-          </a:p>
-        </p:txBody>
-      </p:sp>
-      <p:sp>
-        <p:nvSpPr>
-          <p:cNvPr id="219" name="TextBox 218">
-            <a:extLst>
-              <a:ext uri="{FF2B5EF4-FFF2-40B4-BE49-F238E27FC236}">
-                <a16:creationId xmlns:a16="http://schemas.microsoft.com/office/drawing/2014/main" id="{DF63E11B-07CD-18AD-E10A-3E1A7D9BEABE}"/>
-              </a:ext>
-            </a:extLst>
-          </p:cNvPr>
-          <p:cNvSpPr txBox="1"/>
-          <p:nvPr/>
-        </p:nvSpPr>
-        <p:spPr>
-          <a:xfrm>
-            <a:off x="6962741" y="1918275"/>
-            <a:ext cx="510139" cy="307777"/>
-          </a:xfrm>
-          <a:prstGeom prst="rect">
-            <a:avLst/>
-          </a:prstGeom>
-          <a:noFill/>
-        </p:spPr>
-        <p:txBody>
-          <a:bodyPr wrap="square" rtlCol="0">
-            <a:spAutoFit/>
-          </a:bodyPr>
-          <a:lstStyle/>
-          <a:p>
-            <a:pPr algn="ctr"/>
-            <a:r>
-              <a:rPr lang="en-US" sz="1400" dirty="0"/>
+            <a:r>
+              <a:rPr lang="en-US" sz="1400" dirty="0">
+                <a:solidFill>
+                  <a:schemeClr val="bg1"/>
+                </a:solidFill>
+              </a:rPr>
               <a:t>S</a:t>
             </a:r>
             <a:r>
-              <a:rPr lang="en-US" sz="1400" baseline="-25000" dirty="0"/>
+              <a:rPr lang="en-US" sz="1400" baseline="-25000" dirty="0">
+                <a:solidFill>
+                  <a:schemeClr val="bg1"/>
+                </a:solidFill>
+              </a:rPr>
               <a:t>1</a:t>
             </a:r>
-            <a:endParaRPr lang="en-US" sz="1400" dirty="0"/>
           </a:p>
         </p:txBody>
       </p:sp>
@@ -7363,8 +7128,8 @@
         </p:nvSpPr>
         <p:spPr>
           <a:xfrm>
-            <a:off x="9448221" y="1935919"/>
-            <a:ext cx="352803" cy="256860"/>
+            <a:off x="10382941" y="2006257"/>
+            <a:ext cx="352803" cy="308442"/>
           </a:xfrm>
           <a:prstGeom prst="can">
             <a:avLst/>
@@ -7398,52 +7163,22 @@
           <a:lstStyle/>
           <a:p>
             <a:pPr algn="ctr"/>
-            <a:endParaRPr lang="en-US" sz="1200" dirty="0">
-              <a:solidFill>
-                <a:schemeClr val="tx1"/>
-              </a:solidFill>
-            </a:endParaRPr>
-          </a:p>
-        </p:txBody>
-      </p:sp>
-      <p:sp>
-        <p:nvSpPr>
-          <p:cNvPr id="221" name="TextBox 220">
-            <a:extLst>
-              <a:ext uri="{FF2B5EF4-FFF2-40B4-BE49-F238E27FC236}">
-                <a16:creationId xmlns:a16="http://schemas.microsoft.com/office/drawing/2014/main" id="{2F96FC06-7208-A571-57B0-F078E7ACA6EA}"/>
-              </a:ext>
-            </a:extLst>
-          </p:cNvPr>
-          <p:cNvSpPr txBox="1"/>
-          <p:nvPr/>
-        </p:nvSpPr>
-        <p:spPr>
-          <a:xfrm>
-            <a:off x="9063406" y="1918274"/>
-            <a:ext cx="510139" cy="307777"/>
-          </a:xfrm>
-          <a:prstGeom prst="rect">
-            <a:avLst/>
-          </a:prstGeom>
-          <a:noFill/>
-        </p:spPr>
-        <p:txBody>
-          <a:bodyPr wrap="square" rtlCol="0">
-            <a:spAutoFit/>
-          </a:bodyPr>
-          <a:lstStyle/>
-          <a:p>
-            <a:pPr algn="ctr"/>
-            <a:r>
-              <a:rPr lang="en-US" sz="1400" dirty="0"/>
+            <a:r>
+              <a:rPr lang="en-US" sz="1400" dirty="0">
+                <a:solidFill>
+                  <a:schemeClr val="bg1"/>
+                </a:solidFill>
+              </a:rPr>
               <a:t>S</a:t>
             </a:r>
             <a:r>
-              <a:rPr lang="en-US" sz="1400" baseline="-25000" dirty="0"/>
+              <a:rPr lang="en-US" sz="1400" baseline="-25000" dirty="0">
+                <a:solidFill>
+                  <a:schemeClr val="bg1"/>
+                </a:solidFill>
+              </a:rPr>
               <a:t>2</a:t>
             </a:r>
-            <a:endParaRPr lang="en-US" sz="1400" dirty="0"/>
           </a:p>
         </p:txBody>
       </p:sp>
@@ -7465,8 +7200,8 @@
         </p:nvCxnSpPr>
         <p:spPr>
           <a:xfrm>
-            <a:off x="7521304" y="1434088"/>
-            <a:ext cx="2103319" cy="501831"/>
+            <a:off x="8456024" y="1556008"/>
+            <a:ext cx="2103319" cy="450249"/>
           </a:xfrm>
           <a:prstGeom prst="straightConnector1">
             <a:avLst/>
@@ -7515,8 +7250,8 @@
         </p:nvCxnSpPr>
         <p:spPr>
           <a:xfrm>
-            <a:off x="7521304" y="1434088"/>
-            <a:ext cx="0" cy="501831"/>
+            <a:off x="8456024" y="1556008"/>
+            <a:ext cx="0" cy="450249"/>
           </a:xfrm>
           <a:prstGeom prst="straightConnector1">
             <a:avLst/>
@@ -7565,8 +7300,8 @@
         </p:nvCxnSpPr>
         <p:spPr>
           <a:xfrm>
-            <a:off x="9617172" y="1434088"/>
-            <a:ext cx="7451" cy="501831"/>
+            <a:off x="10551892" y="1556008"/>
+            <a:ext cx="7451" cy="450249"/>
           </a:xfrm>
           <a:prstGeom prst="straightConnector1">
             <a:avLst/>
@@ -7615,8 +7350,8 @@
         </p:nvCxnSpPr>
         <p:spPr>
           <a:xfrm flipH="1">
-            <a:off x="7521304" y="1434088"/>
-            <a:ext cx="2095868" cy="501831"/>
+            <a:off x="8456024" y="1556008"/>
+            <a:ext cx="2095868" cy="450249"/>
           </a:xfrm>
           <a:prstGeom prst="straightConnector1">
             <a:avLst/>
@@ -7665,7 +7400,7 @@
         </p:nvCxnSpPr>
         <p:spPr>
           <a:xfrm flipH="1">
-            <a:off x="9622904" y="2192779"/>
+            <a:off x="10557624" y="2314699"/>
             <a:ext cx="1719" cy="137946"/>
           </a:xfrm>
           <a:prstGeom prst="straightConnector1">
@@ -7711,7 +7446,7 @@
         </p:nvSpPr>
         <p:spPr>
           <a:xfrm>
-            <a:off x="10722906" y="731254"/>
+            <a:off x="11657626" y="853174"/>
             <a:ext cx="86952" cy="86952"/>
           </a:xfrm>
           <a:prstGeom prst="ellipse">
@@ -7763,7 +7498,7 @@
         </p:nvSpPr>
         <p:spPr>
           <a:xfrm>
-            <a:off x="10947835" y="731254"/>
+            <a:off x="11882555" y="853174"/>
             <a:ext cx="86952" cy="86952"/>
           </a:xfrm>
           <a:prstGeom prst="ellipse">
@@ -7815,7 +7550,7 @@
         </p:nvSpPr>
         <p:spPr>
           <a:xfrm>
-            <a:off x="10499882" y="1245069"/>
+            <a:off x="11434602" y="1366989"/>
             <a:ext cx="86952" cy="86952"/>
           </a:xfrm>
           <a:prstGeom prst="ellipse">
@@ -7867,7 +7602,7 @@
         </p:nvSpPr>
         <p:spPr>
           <a:xfrm>
-            <a:off x="10722906" y="1245069"/>
+            <a:off x="11657626" y="1366989"/>
             <a:ext cx="86952" cy="86952"/>
           </a:xfrm>
           <a:prstGeom prst="ellipse">
@@ -7919,7 +7654,7 @@
         </p:nvSpPr>
         <p:spPr>
           <a:xfrm>
-            <a:off x="10947835" y="1245069"/>
+            <a:off x="11882555" y="1366989"/>
             <a:ext cx="86952" cy="86952"/>
           </a:xfrm>
           <a:prstGeom prst="ellipse">
@@ -7971,7 +7706,7 @@
         </p:nvSpPr>
         <p:spPr>
           <a:xfrm>
-            <a:off x="10494870" y="2433364"/>
+            <a:off x="11429590" y="2555284"/>
             <a:ext cx="86952" cy="86952"/>
           </a:xfrm>
           <a:prstGeom prst="ellipse">
@@ -8023,7 +7758,7 @@
         </p:nvSpPr>
         <p:spPr>
           <a:xfrm>
-            <a:off x="10717894" y="2433364"/>
+            <a:off x="11652614" y="2555284"/>
             <a:ext cx="86952" cy="86952"/>
           </a:xfrm>
           <a:prstGeom prst="ellipse">
@@ -8075,7 +7810,7 @@
         </p:nvSpPr>
         <p:spPr>
           <a:xfrm>
-            <a:off x="10942823" y="2433364"/>
+            <a:off x="11877543" y="2555284"/>
             <a:ext cx="86952" cy="86952"/>
           </a:xfrm>
           <a:prstGeom prst="ellipse">
@@ -8127,7 +7862,7 @@
         </p:nvSpPr>
         <p:spPr>
           <a:xfrm>
-            <a:off x="10495959" y="2850554"/>
+            <a:off x="11430679" y="2972474"/>
             <a:ext cx="86952" cy="86952"/>
           </a:xfrm>
           <a:prstGeom prst="ellipse">
@@ -8179,7 +7914,7 @@
         </p:nvSpPr>
         <p:spPr>
           <a:xfrm>
-            <a:off x="10718983" y="2850554"/>
+            <a:off x="11653703" y="2972474"/>
             <a:ext cx="86952" cy="86952"/>
           </a:xfrm>
           <a:prstGeom prst="ellipse">
@@ -8231,7 +7966,7 @@
         </p:nvSpPr>
         <p:spPr>
           <a:xfrm>
-            <a:off x="10943912" y="2850554"/>
+            <a:off x="11878632" y="2972474"/>
             <a:ext cx="86952" cy="86952"/>
           </a:xfrm>
           <a:prstGeom prst="ellipse">
@@ -8286,8 +8021,8 @@
         </p:nvCxnSpPr>
         <p:spPr>
           <a:xfrm flipH="1">
-            <a:off x="7521304" y="1431377"/>
-            <a:ext cx="2973697" cy="504542"/>
+            <a:off x="8456024" y="1553297"/>
+            <a:ext cx="2973697" cy="452960"/>
           </a:xfrm>
           <a:prstGeom prst="straightConnector1">
             <a:avLst/>
@@ -8335,8 +8070,8 @@
         </p:nvCxnSpPr>
         <p:spPr>
           <a:xfrm flipH="1">
-            <a:off x="9624623" y="1461238"/>
-            <a:ext cx="1149778" cy="474681"/>
+            <a:off x="10559343" y="1583158"/>
+            <a:ext cx="1149778" cy="423099"/>
           </a:xfrm>
           <a:prstGeom prst="straightConnector1">
             <a:avLst/>
@@ -8385,7 +8120,7 @@
         </p:nvCxnSpPr>
         <p:spPr>
           <a:xfrm flipH="1">
-            <a:off x="7521302" y="2622955"/>
+            <a:off x="8456022" y="2744875"/>
             <a:ext cx="168" cy="127429"/>
           </a:xfrm>
           <a:prstGeom prst="straightConnector1">
@@ -8431,7 +8166,7 @@
         </p:nvSpPr>
         <p:spPr>
           <a:xfrm>
-            <a:off x="6700819" y="-2188"/>
+            <a:off x="7635539" y="119732"/>
             <a:ext cx="4419002" cy="3083836"/>
           </a:xfrm>
           <a:prstGeom prst="roundRect">
@@ -8568,7 +8303,7 @@
         </p:nvSpPr>
         <p:spPr>
           <a:xfrm>
-            <a:off x="6700817" y="10761"/>
+            <a:off x="7635537" y="132681"/>
             <a:ext cx="4418981" cy="307777"/>
           </a:xfrm>
           <a:prstGeom prst="rect">
@@ -8607,9 +8342,9 @@
           <p:nvPr/>
         </p:nvCxnSpPr>
         <p:spPr>
-          <a:xfrm flipH="1">
-            <a:off x="8903629" y="3081648"/>
-            <a:ext cx="6691" cy="230262"/>
+          <a:xfrm>
+            <a:off x="9845040" y="3203568"/>
+            <a:ext cx="7266" cy="230262"/>
           </a:xfrm>
           <a:prstGeom prst="straightConnector1">
             <a:avLst/>
@@ -8658,8 +8393,8 @@
         </p:nvCxnSpPr>
         <p:spPr>
           <a:xfrm rot="5400000" flipH="1" flipV="1">
-            <a:off x="3330334" y="-2078423"/>
-            <a:ext cx="1127409" cy="5613557"/>
+            <a:off x="3858654" y="-2484823"/>
+            <a:ext cx="1005489" cy="6548277"/>
           </a:xfrm>
           <a:prstGeom prst="bentConnector2">
             <a:avLst/>
@@ -8703,14 +8438,16 @@
         </p:nvSpPr>
         <p:spPr>
           <a:xfrm>
-            <a:off x="2177530" y="3612052"/>
-            <a:ext cx="327367" cy="217363"/>
+            <a:off x="2169678" y="3545634"/>
+            <a:ext cx="335220" cy="283781"/>
           </a:xfrm>
           <a:prstGeom prst="can">
             <a:avLst/>
           </a:prstGeom>
           <a:solidFill>
-            <a:srgbClr val="0070C0"/>
+            <a:schemeClr val="accent5">
+              <a:lumMod val="50000"/>
+            </a:schemeClr>
           </a:solidFill>
           <a:ln w="28575" cmpd="sng">
             <a:solidFill>
@@ -8738,11 +8475,22 @@
           <a:lstStyle/>
           <a:p>
             <a:pPr algn="ctr"/>
-            <a:endParaRPr lang="en-US" sz="1200" dirty="0">
-              <a:solidFill>
-                <a:schemeClr val="tx1"/>
-              </a:solidFill>
-            </a:endParaRPr>
+            <a:r>
+              <a:rPr lang="en-US" sz="1400" dirty="0">
+                <a:solidFill>
+                  <a:schemeClr val="bg1"/>
+                </a:solidFill>
+              </a:rPr>
+              <a:t>S</a:t>
+            </a:r>
+            <a:r>
+              <a:rPr lang="en-US" sz="1400" baseline="-25000" dirty="0">
+                <a:solidFill>
+                  <a:schemeClr val="bg1"/>
+                </a:solidFill>
+              </a:rPr>
+              <a:t>i</a:t>
+            </a:r>
           </a:p>
         </p:txBody>
       </p:sp>
@@ -8948,8 +8696,8 @@
         </p:nvCxnSpPr>
         <p:spPr>
           <a:xfrm flipV="1">
-            <a:off x="2504897" y="3480359"/>
-            <a:ext cx="239057" cy="240375"/>
+            <a:off x="2504898" y="3480359"/>
+            <a:ext cx="239056" cy="207166"/>
           </a:xfrm>
           <a:prstGeom prst="bentConnector3">
             <a:avLst/>
@@ -8997,8 +8745,8 @@
         </p:nvCxnSpPr>
         <p:spPr>
           <a:xfrm>
-            <a:off x="2504897" y="3720734"/>
-            <a:ext cx="231606" cy="422185"/>
+            <a:off x="2504898" y="3687525"/>
+            <a:ext cx="231605" cy="455394"/>
           </a:xfrm>
           <a:prstGeom prst="bentConnector3">
             <a:avLst>
@@ -9216,47 +8964,6 @@
       </p:sp>
       <p:sp>
         <p:nvSpPr>
-          <p:cNvPr id="30" name="TextBox 29">
-            <a:extLst>
-              <a:ext uri="{FF2B5EF4-FFF2-40B4-BE49-F238E27FC236}">
-                <a16:creationId xmlns:a16="http://schemas.microsoft.com/office/drawing/2014/main" id="{F8B58308-A2C6-133D-A04D-94D67F2540E9}"/>
-              </a:ext>
-            </a:extLst>
-          </p:cNvPr>
-          <p:cNvSpPr txBox="1"/>
-          <p:nvPr/>
-        </p:nvSpPr>
-        <p:spPr>
-          <a:xfrm>
-            <a:off x="2096995" y="3319498"/>
-            <a:ext cx="473359" cy="307777"/>
-          </a:xfrm>
-          <a:prstGeom prst="rect">
-            <a:avLst/>
-          </a:prstGeom>
-          <a:noFill/>
-        </p:spPr>
-        <p:txBody>
-          <a:bodyPr wrap="square" rtlCol="0">
-            <a:spAutoFit/>
-          </a:bodyPr>
-          <a:lstStyle/>
-          <a:p>
-            <a:pPr algn="ctr"/>
-            <a:r>
-              <a:rPr lang="en-US" sz="1400" dirty="0"/>
-              <a:t>S</a:t>
-            </a:r>
-            <a:r>
-              <a:rPr lang="en-US" sz="1400" baseline="-25000" dirty="0"/>
-              <a:t>n</a:t>
-            </a:r>
-            <a:endParaRPr lang="en-US" sz="1400" dirty="0"/>
-          </a:p>
-        </p:txBody>
-      </p:sp>
-      <p:sp>
-        <p:nvSpPr>
           <p:cNvPr id="42" name="Rectangle 41">
             <a:extLst>
               <a:ext uri="{FF2B5EF4-FFF2-40B4-BE49-F238E27FC236}">
@@ -9269,8 +8976,8 @@
         </p:nvSpPr>
         <p:spPr>
           <a:xfrm>
-            <a:off x="5239493" y="928914"/>
-            <a:ext cx="768264" cy="3495178"/>
+            <a:off x="5239493" y="669990"/>
+            <a:ext cx="970912" cy="3754102"/>
           </a:xfrm>
           <a:prstGeom prst="rect">
             <a:avLst/>
@@ -9309,23 +9016,23 @@
       </p:sp>
       <p:cxnSp>
         <p:nvCxnSpPr>
-          <p:cNvPr id="44" name="Straight Arrow Connector 43">
-            <a:extLst>
-              <a:ext uri="{FF2B5EF4-FFF2-40B4-BE49-F238E27FC236}">
-                <a16:creationId xmlns:a16="http://schemas.microsoft.com/office/drawing/2014/main" id="{D4B6C61E-B3B9-B8E2-5BCC-6A4AA7BDBD76}"/>
+          <p:cNvPr id="58" name="Straight Arrow Connector 57">
+            <a:extLst>
+              <a:ext uri="{FF2B5EF4-FFF2-40B4-BE49-F238E27FC236}">
+                <a16:creationId xmlns:a16="http://schemas.microsoft.com/office/drawing/2014/main" id="{441345B4-F396-70AA-FBC2-BA2B0FA3BD88}"/>
               </a:ext>
             </a:extLst>
           </p:cNvPr>
           <p:cNvCxnSpPr>
             <a:cxnSpLocks/>
-            <a:stCxn id="94" idx="3"/>
+            <a:stCxn id="28" idx="3"/>
           </p:cNvCxnSpPr>
           <p:nvPr/>
         </p:nvCxnSpPr>
         <p:spPr>
-          <a:xfrm>
-            <a:off x="5028170" y="1345084"/>
-            <a:ext cx="211323" cy="552"/>
+          <a:xfrm flipV="1">
+            <a:off x="5035622" y="3810799"/>
+            <a:ext cx="195796" cy="1"/>
           </a:xfrm>
           <a:prstGeom prst="straightConnector1">
             <a:avLst/>
@@ -9356,55 +9063,6 @@
           </a:fontRef>
         </p:style>
       </p:cxnSp>
-      <p:cxnSp>
-        <p:nvCxnSpPr>
-          <p:cNvPr id="58" name="Straight Arrow Connector 57">
-            <a:extLst>
-              <a:ext uri="{FF2B5EF4-FFF2-40B4-BE49-F238E27FC236}">
-                <a16:creationId xmlns:a16="http://schemas.microsoft.com/office/drawing/2014/main" id="{441345B4-F396-70AA-FBC2-BA2B0FA3BD88}"/>
-              </a:ext>
-            </a:extLst>
-          </p:cNvPr>
-          <p:cNvCxnSpPr>
-            <a:cxnSpLocks/>
-            <a:stCxn id="28" idx="3"/>
-          </p:cNvCxnSpPr>
-          <p:nvPr/>
-        </p:nvCxnSpPr>
-        <p:spPr>
-          <a:xfrm flipV="1">
-            <a:off x="5035622" y="3810799"/>
-            <a:ext cx="195796" cy="1"/>
-          </a:xfrm>
-          <a:prstGeom prst="straightConnector1">
-            <a:avLst/>
-          </a:prstGeom>
-          <a:ln w="19050" cap="flat" cmpd="sng" algn="ctr">
-            <a:solidFill>
-              <a:schemeClr val="tx1"/>
-            </a:solidFill>
-            <a:prstDash val="solid"/>
-            <a:round/>
-            <a:headEnd type="none" w="med" len="med"/>
-            <a:tailEnd type="arrow" w="med" len="med"/>
-          </a:ln>
-          <a:effectLst/>
-        </p:spPr>
-        <p:style>
-          <a:lnRef idx="2">
-            <a:schemeClr val="accent1"/>
-          </a:lnRef>
-          <a:fillRef idx="0">
-            <a:schemeClr val="accent1"/>
-          </a:fillRef>
-          <a:effectRef idx="1">
-            <a:schemeClr val="accent1"/>
-          </a:effectRef>
-          <a:fontRef idx="minor">
-            <a:schemeClr val="tx1"/>
-          </a:fontRef>
-        </p:style>
-      </p:cxnSp>
       <p:sp>
         <p:nvSpPr>
           <p:cNvPr id="453" name="TextBox 452">
@@ -9419,8 +9077,8 @@
         </p:nvSpPr>
         <p:spPr>
           <a:xfrm>
-            <a:off x="5242668" y="932702"/>
-            <a:ext cx="752024" cy="1015663"/>
+            <a:off x="5242667" y="1815788"/>
+            <a:ext cx="961151" cy="646331"/>
           </a:xfrm>
           <a:prstGeom prst="rect">
             <a:avLst/>
@@ -9462,9 +9120,18 @@
           <a:p>
             <a:pPr algn="ctr"/>
             <a:r>
-              <a:rPr lang="en-US" sz="1200" i="1" dirty="0"/>
-              <a:t>Max of</a:t>
-            </a:r>
+              <a:rPr lang="en-US" sz="1200" dirty="0"/>
+              <a:t>[ARI</a:t>
+            </a:r>
+            <a:r>
+              <a:rPr lang="en-US" sz="1200" baseline="-25000" dirty="0"/>
+              <a:t>1_a</a:t>
+            </a:r>
+            <a:r>
+              <a:rPr lang="en-US" sz="1200" dirty="0"/>
+              <a:t>,</a:t>
+            </a:r>
+            <a:endParaRPr lang="en-US" sz="1200" baseline="-25000" dirty="0"/>
           </a:p>
           <a:p>
             <a:pPr algn="ctr"/>
@@ -9474,25 +9141,11 @@
             </a:r>
             <a:r>
               <a:rPr lang="en-US" sz="1200" baseline="-25000" dirty="0"/>
-              <a:t>1_a</a:t>
-            </a:r>
-          </a:p>
-          <a:p>
-            <a:pPr algn="ctr"/>
+              <a:t>1_b</a:t>
+            </a:r>
             <a:r>
               <a:rPr lang="en-US" sz="1200" dirty="0"/>
-              <a:t>ARI</a:t>
-            </a:r>
-            <a:r>
-              <a:rPr lang="en-US" sz="1200" baseline="-25000" dirty="0"/>
-              <a:t>1_b</a:t>
-            </a:r>
-          </a:p>
-          <a:p>
-            <a:pPr algn="ctr"/>
-            <a:r>
-              <a:rPr lang="en-US" sz="1200" dirty="0"/>
-              <a:t>…</a:t>
+              <a:t>,…]</a:t>
             </a:r>
           </a:p>
         </p:txBody>
@@ -9511,8 +9164,8 @@
         </p:nvSpPr>
         <p:spPr>
           <a:xfrm>
-            <a:off x="5126148" y="632727"/>
-            <a:ext cx="867790" cy="307777"/>
+            <a:off x="5219563" y="673425"/>
+            <a:ext cx="984256" cy="1169551"/>
           </a:xfrm>
           <a:prstGeom prst="rect">
             <a:avLst/>
@@ -9527,14 +9180,13 @@
           <a:p>
             <a:pPr algn="ctr"/>
             <a:r>
-              <a:rPr lang="en-US" sz="1400" dirty="0"/>
-              <a:t>OI_HAPV</a:t>
-            </a:r>
-            <a:endParaRPr lang="en-US" sz="1400" baseline="-25000" dirty="0">
-              <a:solidFill>
-                <a:schemeClr val="tx1"/>
-              </a:solidFill>
-            </a:endParaRPr>
+              <a:rPr lang="en-US" sz="1400" dirty="0">
+                <a:solidFill>
+                  <a:schemeClr val="tx1"/>
+                </a:solidFill>
+              </a:rPr>
+              <a:t>Select Parameter Value with Highest ARI</a:t>
+            </a:r>
           </a:p>
         </p:txBody>
       </p:sp>
@@ -9549,23 +9201,23 @@
           </p:cNvPr>
           <p:cNvCxnSpPr>
             <a:cxnSpLocks/>
-            <a:stCxn id="42" idx="3"/>
-            <a:endCxn id="214" idx="0"/>
+            <a:stCxn id="486" idx="3"/>
+            <a:endCxn id="213" idx="1"/>
           </p:cNvCxnSpPr>
           <p:nvPr/>
         </p:nvCxnSpPr>
         <p:spPr>
           <a:xfrm flipV="1">
-            <a:off x="6007757" y="455848"/>
-            <a:ext cx="3616112" cy="2220655"/>
+            <a:off x="7298283" y="829236"/>
+            <a:ext cx="3250156" cy="1717805"/>
           </a:xfrm>
           <a:prstGeom prst="bentConnector4">
             <a:avLst>
-              <a:gd name="adj1" fmla="val 8242"/>
-              <a:gd name="adj2" fmla="val 105882"/>
+              <a:gd name="adj1" fmla="val 6648"/>
+              <a:gd name="adj2" fmla="val 113308"/>
             </a:avLst>
           </a:prstGeom>
-          <a:ln w="19050" cap="flat" cmpd="sng" algn="ctr">
+          <a:ln w="38100" cap="flat" cmpd="sng" algn="ctr">
             <a:solidFill>
               <a:schemeClr val="dk1"/>
             </a:solidFill>
@@ -9604,7 +9256,7 @@
         </p:nvSpPr>
         <p:spPr>
           <a:xfrm>
-            <a:off x="8174837" y="1181489"/>
+            <a:off x="9109557" y="1303409"/>
             <a:ext cx="867790" cy="276999"/>
           </a:xfrm>
           <a:prstGeom prst="rect">
@@ -9649,7 +9301,7 @@
         </p:nvSpPr>
         <p:spPr>
           <a:xfrm>
-            <a:off x="8140362" y="2342452"/>
+            <a:off x="9075082" y="2464372"/>
             <a:ext cx="867790" cy="276999"/>
           </a:xfrm>
           <a:prstGeom prst="rect">
@@ -9694,8 +9346,8 @@
         </p:nvSpPr>
         <p:spPr>
           <a:xfrm>
-            <a:off x="5241052" y="1890791"/>
-            <a:ext cx="752886" cy="1015663"/>
+            <a:off x="5241052" y="2500391"/>
+            <a:ext cx="981860" cy="646331"/>
           </a:xfrm>
           <a:prstGeom prst="rect">
             <a:avLst/>
@@ -9733,8 +9385,12 @@
           <a:p>
             <a:pPr algn="ctr"/>
             <a:r>
-              <a:rPr lang="en-US" sz="1200" i="1" dirty="0"/>
-              <a:t>Max of</a:t>
+              <a:rPr lang="en-US" sz="1200" dirty="0"/>
+              <a:t>[ARI</a:t>
+            </a:r>
+            <a:r>
+              <a:rPr lang="en-US" sz="1200" baseline="-25000" dirty="0"/>
+              <a:t>2_a,</a:t>
             </a:r>
           </a:p>
           <a:p>
@@ -9745,25 +9401,11 @@
             </a:r>
             <a:r>
               <a:rPr lang="en-US" sz="1200" baseline="-25000" dirty="0"/>
-              <a:t>2_a</a:t>
-            </a:r>
-          </a:p>
-          <a:p>
-            <a:pPr algn="ctr"/>
+              <a:t>2_b,</a:t>
+            </a:r>
             <a:r>
               <a:rPr lang="en-US" sz="1200" dirty="0"/>
-              <a:t>ARI</a:t>
-            </a:r>
-            <a:r>
-              <a:rPr lang="en-US" sz="1200" baseline="-25000" dirty="0"/>
-              <a:t>2_b</a:t>
-            </a:r>
-          </a:p>
-          <a:p>
-            <a:pPr algn="ctr"/>
-            <a:r>
-              <a:rPr lang="en-US" sz="1200" dirty="0"/>
-              <a:t>…</a:t>
+              <a:t>…]</a:t>
             </a:r>
           </a:p>
         </p:txBody>
@@ -9784,8 +9426,8 @@
         </p:nvCxnSpPr>
         <p:spPr>
           <a:xfrm>
-            <a:off x="5239493" y="1888819"/>
-            <a:ext cx="768264" cy="0"/>
+            <a:off x="5239493" y="2447619"/>
+            <a:ext cx="970912" cy="9966"/>
           </a:xfrm>
           <a:prstGeom prst="line">
             <a:avLst/>
@@ -9827,8 +9469,8 @@
         </p:nvCxnSpPr>
         <p:spPr>
           <a:xfrm>
-            <a:off x="5239493" y="2832544"/>
-            <a:ext cx="754445" cy="0"/>
+            <a:off x="5231418" y="3201472"/>
+            <a:ext cx="978987" cy="2096"/>
           </a:xfrm>
           <a:prstGeom prst="line">
             <a:avLst/>
@@ -9870,8 +9512,8 @@
         </p:nvCxnSpPr>
         <p:spPr>
           <a:xfrm>
-            <a:off x="5239493" y="3404486"/>
-            <a:ext cx="754445" cy="0"/>
+            <a:off x="5239493" y="3678806"/>
+            <a:ext cx="970912" cy="8719"/>
           </a:xfrm>
           <a:prstGeom prst="line">
             <a:avLst/>
@@ -9911,8 +9553,8 @@
         </p:nvSpPr>
         <p:spPr>
           <a:xfrm>
-            <a:off x="5252140" y="3414806"/>
-            <a:ext cx="752886" cy="1015663"/>
+            <a:off x="5252140" y="3709446"/>
+            <a:ext cx="981860" cy="646331"/>
           </a:xfrm>
           <a:prstGeom prst="rect">
             <a:avLst/>
@@ -9954,12 +9596,9 @@
           <a:p>
             <a:pPr algn="ctr"/>
             <a:r>
-              <a:rPr lang="en-US" sz="1200" i="1" dirty="0"/>
-              <a:t>Max of</a:t>
-            </a:r>
-          </a:p>
-          <a:p>
-            <a:pPr algn="ctr"/>
+              <a:rPr lang="en-US" sz="1200" dirty="0"/>
+              <a:t>[</a:t>
+            </a:r>
             <a:r>
               <a:rPr lang="en-US" sz="1200" dirty="0" err="1"/>
               <a:t>ARI</a:t>
@@ -9968,7 +9607,10 @@
               <a:rPr lang="en-US" sz="1200" baseline="-25000" dirty="0" err="1"/>
               <a:t>k_a</a:t>
             </a:r>
-            <a:endParaRPr lang="en-US" sz="1200" baseline="-25000" dirty="0"/>
+            <a:r>
+              <a:rPr lang="en-US" sz="1200" dirty="0"/>
+              <a:t>,</a:t>
+            </a:r>
           </a:p>
           <a:p>
             <a:pPr algn="ctr"/>
@@ -9980,13 +9622,9 @@
               <a:rPr lang="en-US" sz="1200" baseline="-25000" dirty="0" err="1"/>
               <a:t>k_b</a:t>
             </a:r>
-            <a:endParaRPr lang="en-US" sz="1200" baseline="-25000" dirty="0"/>
-          </a:p>
-          <a:p>
-            <a:pPr algn="ctr"/>
             <a:r>
               <a:rPr lang="en-US" sz="1200" dirty="0"/>
-              <a:t>…</a:t>
+              <a:t>,…]</a:t>
             </a:r>
           </a:p>
         </p:txBody>
@@ -10005,7 +9643,7 @@
         </p:nvSpPr>
         <p:spPr>
           <a:xfrm>
-            <a:off x="5576744" y="3083042"/>
+            <a:off x="5678344" y="3408162"/>
             <a:ext cx="80683" cy="73581"/>
           </a:xfrm>
           <a:prstGeom prst="ellipse">
@@ -10057,7 +9695,7 @@
         </p:nvSpPr>
         <p:spPr>
           <a:xfrm>
-            <a:off x="5576744" y="3231806"/>
+            <a:off x="5678344" y="3556926"/>
             <a:ext cx="80683" cy="73581"/>
           </a:xfrm>
           <a:prstGeom prst="ellipse">
@@ -10109,7 +9747,7 @@
         </p:nvSpPr>
         <p:spPr>
           <a:xfrm>
-            <a:off x="5576744" y="2936486"/>
+            <a:off x="5678344" y="3261606"/>
             <a:ext cx="80683" cy="73581"/>
           </a:xfrm>
           <a:prstGeom prst="ellipse">
@@ -10158,19 +9796,19 @@
           </p:cNvPr>
           <p:cNvCxnSpPr>
             <a:cxnSpLocks/>
-            <a:endCxn id="206" idx="0"/>
+            <a:endCxn id="205" idx="1"/>
           </p:cNvCxnSpPr>
           <p:nvPr/>
         </p:nvCxnSpPr>
         <p:spPr>
           <a:xfrm>
-            <a:off x="7529548" y="326315"/>
-            <a:ext cx="0" cy="155364"/>
+            <a:off x="8453551" y="587080"/>
+            <a:ext cx="567" cy="275005"/>
           </a:xfrm>
           <a:prstGeom prst="straightConnector1">
             <a:avLst/>
           </a:prstGeom>
-          <a:ln w="19050" cap="flat" cmpd="sng" algn="ctr">
+          <a:ln w="38100" cap="flat" cmpd="sng" algn="ctr">
             <a:solidFill>
               <a:schemeClr val="tx1"/>
             </a:solidFill>
@@ -10214,12 +9852,12 @@
         </p:nvCxnSpPr>
         <p:spPr>
           <a:xfrm flipV="1">
-            <a:off x="5028170" y="1440534"/>
-            <a:ext cx="214498" cy="1119626"/>
+            <a:off x="5028170" y="2138954"/>
+            <a:ext cx="214497" cy="421206"/>
           </a:xfrm>
           <a:prstGeom prst="bentConnector3">
             <a:avLst>
-              <a:gd name="adj1" fmla="val 29939"/>
+              <a:gd name="adj1" fmla="val 21580"/>
             </a:avLst>
           </a:prstGeom>
           <a:ln w="19050" cap="flat" cmpd="sng" algn="ctr">
@@ -10241,6 +9879,156 @@
           </a:fillRef>
           <a:effectRef idx="0">
             <a:scrgbClr r="0" g="0" b="0"/>
+          </a:effectRef>
+          <a:fontRef idx="minor">
+            <a:schemeClr val="tx1"/>
+          </a:fontRef>
+        </p:style>
+      </p:cxnSp>
+      <p:sp>
+        <p:nvSpPr>
+          <p:cNvPr id="486" name="Rectangle 485">
+            <a:extLst>
+              <a:ext uri="{FF2B5EF4-FFF2-40B4-BE49-F238E27FC236}">
+                <a16:creationId xmlns:a16="http://schemas.microsoft.com/office/drawing/2014/main" id="{4548EAAE-F78C-EEF9-C2FB-CAC9E0EA74EE}"/>
+              </a:ext>
+            </a:extLst>
+          </p:cNvPr>
+          <p:cNvSpPr/>
+          <p:nvPr/>
+        </p:nvSpPr>
+        <p:spPr>
+          <a:xfrm>
+            <a:off x="6360311" y="2400926"/>
+            <a:ext cx="937972" cy="292230"/>
+          </a:xfrm>
+          <a:prstGeom prst="rect">
+            <a:avLst/>
+          </a:prstGeom>
+          <a:noFill/>
+          <a:ln w="19050"/>
+        </p:spPr>
+        <p:style>
+          <a:lnRef idx="2">
+            <a:schemeClr val="dk1"/>
+          </a:lnRef>
+          <a:fillRef idx="1">
+            <a:schemeClr val="lt1"/>
+          </a:fillRef>
+          <a:effectRef idx="0">
+            <a:schemeClr val="dk1"/>
+          </a:effectRef>
+          <a:fontRef idx="minor">
+            <a:schemeClr val="dk1"/>
+          </a:fontRef>
+        </p:style>
+        <p:txBody>
+          <a:bodyPr rtlCol="0" anchor="ctr"/>
+          <a:lstStyle/>
+          <a:p>
+            <a:pPr algn="ctr"/>
+            <a:r>
+              <a:rPr lang="en-US" sz="1600" dirty="0"/>
+              <a:t>OI_HAPV</a:t>
+            </a:r>
+          </a:p>
+        </p:txBody>
+      </p:sp>
+      <p:cxnSp>
+        <p:nvCxnSpPr>
+          <p:cNvPr id="498" name="Elbow Connector 497">
+            <a:extLst>
+              <a:ext uri="{FF2B5EF4-FFF2-40B4-BE49-F238E27FC236}">
+                <a16:creationId xmlns:a16="http://schemas.microsoft.com/office/drawing/2014/main" id="{72F43F64-E640-87DA-3DDE-06B70B4D001D}"/>
+              </a:ext>
+            </a:extLst>
+          </p:cNvPr>
+          <p:cNvCxnSpPr>
+            <a:cxnSpLocks/>
+            <a:stCxn id="94" idx="3"/>
+            <a:endCxn id="453" idx="1"/>
+          </p:cNvCxnSpPr>
+          <p:nvPr/>
+        </p:nvCxnSpPr>
+        <p:spPr>
+          <a:xfrm>
+            <a:off x="5028170" y="1345084"/>
+            <a:ext cx="214497" cy="793870"/>
+          </a:xfrm>
+          <a:prstGeom prst="bentConnector3">
+            <a:avLst>
+              <a:gd name="adj1" fmla="val 21580"/>
+            </a:avLst>
+          </a:prstGeom>
+          <a:ln w="19050" cap="flat" cmpd="sng" algn="ctr">
+            <a:solidFill>
+              <a:schemeClr val="dk1"/>
+            </a:solidFill>
+            <a:prstDash val="solid"/>
+            <a:round/>
+            <a:headEnd type="none" w="med" len="med"/>
+            <a:tailEnd type="arrow" w="med" len="med"/>
+          </a:ln>
+        </p:spPr>
+        <p:style>
+          <a:lnRef idx="0">
+            <a:scrgbClr r="0" g="0" b="0"/>
+          </a:lnRef>
+          <a:fillRef idx="0">
+            <a:scrgbClr r="0" g="0" b="0"/>
+          </a:fillRef>
+          <a:effectRef idx="0">
+            <a:scrgbClr r="0" g="0" b="0"/>
+          </a:effectRef>
+          <a:fontRef idx="minor">
+            <a:schemeClr val="tx1"/>
+          </a:fontRef>
+        </p:style>
+      </p:cxnSp>
+      <p:cxnSp>
+        <p:nvCxnSpPr>
+          <p:cNvPr id="504" name="Straight Arrow Connector 503">
+            <a:extLst>
+              <a:ext uri="{FF2B5EF4-FFF2-40B4-BE49-F238E27FC236}">
+                <a16:creationId xmlns:a16="http://schemas.microsoft.com/office/drawing/2014/main" id="{9A98DF12-5282-3E6B-70F6-4D52FD8D6673}"/>
+              </a:ext>
+            </a:extLst>
+          </p:cNvPr>
+          <p:cNvCxnSpPr>
+            <a:cxnSpLocks/>
+            <a:stCxn id="42" idx="3"/>
+            <a:endCxn id="486" idx="1"/>
+          </p:cNvCxnSpPr>
+          <p:nvPr/>
+        </p:nvCxnSpPr>
+        <p:spPr>
+          <a:xfrm>
+            <a:off x="6210405" y="2547041"/>
+            <a:ext cx="149906" cy="0"/>
+          </a:xfrm>
+          <a:prstGeom prst="straightConnector1">
+            <a:avLst/>
+          </a:prstGeom>
+          <a:ln w="19050" cap="flat" cmpd="sng" algn="ctr">
+            <a:solidFill>
+              <a:schemeClr val="tx1"/>
+            </a:solidFill>
+            <a:prstDash val="solid"/>
+            <a:round/>
+            <a:headEnd type="none" w="med" len="med"/>
+            <a:tailEnd type="arrow" w="med" len="med"/>
+          </a:ln>
+          <a:effectLst/>
+        </p:spPr>
+        <p:style>
+          <a:lnRef idx="2">
+            <a:schemeClr val="accent1"/>
+          </a:lnRef>
+          <a:fillRef idx="0">
+            <a:schemeClr val="accent1"/>
+          </a:fillRef>
+          <a:effectRef idx="1">
+            <a:schemeClr val="accent1"/>
           </a:effectRef>
           <a:fontRef idx="minor">
             <a:schemeClr val="tx1"/>

--- a/Figures/Arcs/Architecture.pptx
+++ b/Figures/Arcs/Architecture.pptx
@@ -197,7 +197,7 @@
           <a:p>
             <a:fld id="{4F2B3EEC-C8B4-0543-943F-91B3791C5E43}" type="datetimeFigureOut">
               <a:rPr lang="en-US" smtClean="0"/>
-              <a:t>10/17/23</a:t>
+              <a:t>10/19/23</a:t>
             </a:fld>
             <a:endParaRPr lang="en-US"/>
           </a:p>
@@ -734,7 +734,7 @@
           <a:p>
             <a:fld id="{697CBF4A-2AD2-1249-BC5E-D6BCA9656194}" type="datetimeFigureOut">
               <a:rPr lang="en-US" smtClean="0"/>
-              <a:t>10/17/23</a:t>
+              <a:t>10/19/23</a:t>
             </a:fld>
             <a:endParaRPr lang="en-US"/>
           </a:p>
@@ -932,7 +932,7 @@
           <a:p>
             <a:fld id="{697CBF4A-2AD2-1249-BC5E-D6BCA9656194}" type="datetimeFigureOut">
               <a:rPr lang="en-US" smtClean="0"/>
-              <a:t>10/17/23</a:t>
+              <a:t>10/19/23</a:t>
             </a:fld>
             <a:endParaRPr lang="en-US"/>
           </a:p>
@@ -1140,7 +1140,7 @@
           <a:p>
             <a:fld id="{697CBF4A-2AD2-1249-BC5E-D6BCA9656194}" type="datetimeFigureOut">
               <a:rPr lang="en-US" smtClean="0"/>
-              <a:t>10/17/23</a:t>
+              <a:t>10/19/23</a:t>
             </a:fld>
             <a:endParaRPr lang="en-US"/>
           </a:p>
@@ -1338,7 +1338,7 @@
           <a:p>
             <a:fld id="{697CBF4A-2AD2-1249-BC5E-D6BCA9656194}" type="datetimeFigureOut">
               <a:rPr lang="en-US" smtClean="0"/>
-              <a:t>10/17/23</a:t>
+              <a:t>10/19/23</a:t>
             </a:fld>
             <a:endParaRPr lang="en-US"/>
           </a:p>
@@ -1613,7 +1613,7 @@
           <a:p>
             <a:fld id="{697CBF4A-2AD2-1249-BC5E-D6BCA9656194}" type="datetimeFigureOut">
               <a:rPr lang="en-US" smtClean="0"/>
-              <a:t>10/17/23</a:t>
+              <a:t>10/19/23</a:t>
             </a:fld>
             <a:endParaRPr lang="en-US"/>
           </a:p>
@@ -1878,7 +1878,7 @@
           <a:p>
             <a:fld id="{697CBF4A-2AD2-1249-BC5E-D6BCA9656194}" type="datetimeFigureOut">
               <a:rPr lang="en-US" smtClean="0"/>
-              <a:t>10/17/23</a:t>
+              <a:t>10/19/23</a:t>
             </a:fld>
             <a:endParaRPr lang="en-US"/>
           </a:p>
@@ -2290,7 +2290,7 @@
           <a:p>
             <a:fld id="{697CBF4A-2AD2-1249-BC5E-D6BCA9656194}" type="datetimeFigureOut">
               <a:rPr lang="en-US" smtClean="0"/>
-              <a:t>10/17/23</a:t>
+              <a:t>10/19/23</a:t>
             </a:fld>
             <a:endParaRPr lang="en-US"/>
           </a:p>
@@ -2431,7 +2431,7 @@
           <a:p>
             <a:fld id="{697CBF4A-2AD2-1249-BC5E-D6BCA9656194}" type="datetimeFigureOut">
               <a:rPr lang="en-US" smtClean="0"/>
-              <a:t>10/17/23</a:t>
+              <a:t>10/19/23</a:t>
             </a:fld>
             <a:endParaRPr lang="en-US"/>
           </a:p>
@@ -2544,7 +2544,7 @@
           <a:p>
             <a:fld id="{697CBF4A-2AD2-1249-BC5E-D6BCA9656194}" type="datetimeFigureOut">
               <a:rPr lang="en-US" smtClean="0"/>
-              <a:t>10/17/23</a:t>
+              <a:t>10/19/23</a:t>
             </a:fld>
             <a:endParaRPr lang="en-US"/>
           </a:p>
@@ -2855,7 +2855,7 @@
           <a:p>
             <a:fld id="{697CBF4A-2AD2-1249-BC5E-D6BCA9656194}" type="datetimeFigureOut">
               <a:rPr lang="en-US" smtClean="0"/>
-              <a:t>10/17/23</a:t>
+              <a:t>10/19/23</a:t>
             </a:fld>
             <a:endParaRPr lang="en-US"/>
           </a:p>
@@ -3143,7 +3143,7 @@
           <a:p>
             <a:fld id="{697CBF4A-2AD2-1249-BC5E-D6BCA9656194}" type="datetimeFigureOut">
               <a:rPr lang="en-US" smtClean="0"/>
-              <a:t>10/17/23</a:t>
+              <a:t>10/19/23</a:t>
             </a:fld>
             <a:endParaRPr lang="en-US"/>
           </a:p>
@@ -3384,7 +3384,7 @@
           <a:p>
             <a:fld id="{697CBF4A-2AD2-1249-BC5E-D6BCA9656194}" type="datetimeFigureOut">
               <a:rPr lang="en-US" smtClean="0"/>
-              <a:t>10/17/23</a:t>
+              <a:t>10/19/23</a:t>
             </a:fld>
             <a:endParaRPr lang="en-US"/>
           </a:p>
@@ -3866,8 +3866,8 @@
         </p:nvSpPr>
         <p:spPr>
           <a:xfrm>
-            <a:off x="9028277" y="3433830"/>
-            <a:ext cx="1648057" cy="408824"/>
+            <a:off x="9424061" y="3926651"/>
+            <a:ext cx="841614" cy="408824"/>
           </a:xfrm>
           <a:prstGeom prst="roundRect">
             <a:avLst/>
@@ -3912,15 +3912,15 @@
           </p:cNvPr>
           <p:cNvCxnSpPr>
             <a:cxnSpLocks/>
-            <a:stCxn id="130" idx="2"/>
-            <a:endCxn id="163" idx="0"/>
+            <a:stCxn id="130" idx="3"/>
+            <a:endCxn id="163" idx="1"/>
           </p:cNvCxnSpPr>
           <p:nvPr/>
         </p:nvCxnSpPr>
         <p:spPr>
-          <a:xfrm>
-            <a:off x="9852306" y="3842654"/>
-            <a:ext cx="0" cy="254519"/>
+          <a:xfrm flipV="1">
+            <a:off x="10265675" y="4129621"/>
+            <a:ext cx="429088" cy="1442"/>
           </a:xfrm>
           <a:prstGeom prst="straightConnector1">
             <a:avLst/>
@@ -3965,8 +3965,8 @@
         </p:nvSpPr>
         <p:spPr>
           <a:xfrm>
-            <a:off x="9028277" y="4097173"/>
-            <a:ext cx="1648057" cy="408824"/>
+            <a:off x="10694763" y="3925209"/>
+            <a:ext cx="1014358" cy="408824"/>
           </a:xfrm>
           <a:prstGeom prst="rect">
             <a:avLst/>
@@ -4025,10 +4025,10 @@
         </p:nvGrpSpPr>
         <p:grpSpPr>
           <a:xfrm>
-            <a:off x="301848" y="1292059"/>
-            <a:ext cx="1510185" cy="2310272"/>
-            <a:chOff x="228312" y="565999"/>
-            <a:chExt cx="1510185" cy="2310272"/>
+            <a:off x="301848" y="1137327"/>
+            <a:ext cx="1510185" cy="2615276"/>
+            <a:chOff x="228312" y="411267"/>
+            <a:chExt cx="1510185" cy="2615276"/>
           </a:xfrm>
         </p:grpSpPr>
         <p:sp>
@@ -4564,8 +4564,8 @@
           </p:nvSpPr>
           <p:spPr>
             <a:xfrm>
-              <a:off x="288951" y="565999"/>
-              <a:ext cx="1449546" cy="2310272"/>
+              <a:off x="288951" y="411267"/>
+              <a:ext cx="1449546" cy="2615276"/>
             </a:xfrm>
             <a:prstGeom prst="roundRect">
               <a:avLst>
@@ -4932,8 +4932,8 @@
           </p:nvSpPr>
           <p:spPr>
             <a:xfrm>
-              <a:off x="312995" y="610327"/>
-              <a:ext cx="1425502" cy="307777"/>
+              <a:off x="312995" y="426256"/>
+              <a:ext cx="1425502" cy="523220"/>
             </a:xfrm>
             <a:prstGeom prst="rect">
               <a:avLst/>
@@ -4949,7 +4949,7 @@
               <a:pPr algn="ctr"/>
               <a:r>
                 <a:rPr lang="en-US" sz="1400" b="1" dirty="0"/>
-                <a:t>Sub-sampling</a:t>
+                <a:t>Data Partitioning</a:t>
               </a:r>
             </a:p>
           </p:txBody>
@@ -6287,7 +6287,7 @@
         </p:nvCxnSpPr>
         <p:spPr>
           <a:xfrm>
-            <a:off x="8456024" y="2314699"/>
+            <a:off x="8456024" y="2665028"/>
             <a:ext cx="166" cy="137946"/>
           </a:xfrm>
           <a:prstGeom prst="straightConnector1">
@@ -6330,13 +6330,15 @@
           </p:cNvPr>
           <p:cNvCxnSpPr>
             <a:cxnSpLocks/>
+            <a:stCxn id="27" idx="2"/>
+            <a:endCxn id="209" idx="0"/>
           </p:cNvCxnSpPr>
           <p:nvPr/>
         </p:nvCxnSpPr>
         <p:spPr>
-          <a:xfrm>
-            <a:off x="8453551" y="1150765"/>
-            <a:ext cx="603" cy="152644"/>
+          <a:xfrm flipH="1">
+            <a:off x="8456024" y="1335384"/>
+            <a:ext cx="3061" cy="318354"/>
           </a:xfrm>
           <a:prstGeom prst="straightConnector1">
             <a:avLst/>
@@ -6381,7 +6383,7 @@
         </p:nvSpPr>
         <p:spPr>
           <a:xfrm>
-            <a:off x="7670980" y="2452645"/>
+            <a:off x="7670980" y="2802974"/>
             <a:ext cx="1570420" cy="292230"/>
           </a:xfrm>
           <a:prstGeom prst="rect">
@@ -6468,7 +6470,7 @@
         </p:nvSpPr>
         <p:spPr>
           <a:xfrm>
-            <a:off x="9771163" y="2452645"/>
+            <a:off x="9771163" y="2802974"/>
             <a:ext cx="1572921" cy="292230"/>
           </a:xfrm>
           <a:prstGeom prst="rect">
@@ -6555,7 +6557,7 @@
         </p:nvSpPr>
         <p:spPr>
           <a:xfrm>
-            <a:off x="8257750" y="2872304"/>
+            <a:off x="8257750" y="3222633"/>
             <a:ext cx="396543" cy="287121"/>
           </a:xfrm>
           <a:prstGeom prst="rect">
@@ -6615,7 +6617,7 @@
         </p:nvCxnSpPr>
         <p:spPr>
           <a:xfrm>
-            <a:off x="10557624" y="2744875"/>
+            <a:off x="10557624" y="3095204"/>
             <a:ext cx="1719" cy="124295"/>
           </a:xfrm>
           <a:prstGeom prst="straightConnector1">
@@ -6661,7 +6663,7 @@
         </p:nvSpPr>
         <p:spPr>
           <a:xfrm>
-            <a:off x="10361071" y="2869170"/>
+            <a:off x="10361071" y="3219499"/>
             <a:ext cx="396543" cy="287121"/>
           </a:xfrm>
           <a:prstGeom prst="rect">
@@ -6769,7 +6771,7 @@
         </p:nvSpPr>
         <p:spPr>
           <a:xfrm>
-            <a:off x="8277716" y="862085"/>
+            <a:off x="8277716" y="921464"/>
             <a:ext cx="352803" cy="275242"/>
           </a:xfrm>
           <a:prstGeom prst="can">
@@ -6837,7 +6839,7 @@
         </p:nvSpPr>
         <p:spPr>
           <a:xfrm>
-            <a:off x="8208542" y="1303409"/>
+            <a:off x="8208542" y="1653738"/>
             <a:ext cx="494963" cy="252599"/>
           </a:xfrm>
           <a:prstGeom prst="rect">
@@ -6887,14 +6889,15 @@
           </p:cNvPr>
           <p:cNvCxnSpPr>
             <a:cxnSpLocks/>
+            <a:stCxn id="60" idx="2"/>
             <a:endCxn id="217" idx="0"/>
           </p:cNvCxnSpPr>
           <p:nvPr/>
         </p:nvCxnSpPr>
         <p:spPr>
-          <a:xfrm>
-            <a:off x="10548439" y="1138054"/>
-            <a:ext cx="3453" cy="167512"/>
+          <a:xfrm flipH="1">
+            <a:off x="10551892" y="1333806"/>
+            <a:ext cx="2121" cy="322089"/>
           </a:xfrm>
           <a:prstGeom prst="straightConnector1">
             <a:avLst/>
@@ -6939,8 +6942,8 @@
         </p:nvSpPr>
         <p:spPr>
           <a:xfrm>
-            <a:off x="10372037" y="829236"/>
-            <a:ext cx="352803" cy="308442"/>
+            <a:off x="10375489" y="916385"/>
+            <a:ext cx="352803" cy="282764"/>
           </a:xfrm>
           <a:prstGeom prst="can">
             <a:avLst/>
@@ -7007,7 +7010,7 @@
         </p:nvSpPr>
         <p:spPr>
           <a:xfrm>
-            <a:off x="10304410" y="1305566"/>
+            <a:off x="10304410" y="1655895"/>
             <a:ext cx="494963" cy="250442"/>
           </a:xfrm>
           <a:prstGeom prst="rect">
@@ -7060,7 +7063,7 @@
         </p:nvSpPr>
         <p:spPr>
           <a:xfrm>
-            <a:off x="8279622" y="2006257"/>
+            <a:off x="8279622" y="2356586"/>
             <a:ext cx="352803" cy="308442"/>
           </a:xfrm>
           <a:prstGeom prst="can">
@@ -7128,7 +7131,7 @@
         </p:nvSpPr>
         <p:spPr>
           <a:xfrm>
-            <a:off x="10382941" y="2006257"/>
+            <a:off x="10382941" y="2356586"/>
             <a:ext cx="352803" cy="308442"/>
           </a:xfrm>
           <a:prstGeom prst="can">
@@ -7200,7 +7203,7 @@
         </p:nvCxnSpPr>
         <p:spPr>
           <a:xfrm>
-            <a:off x="8456024" y="1556008"/>
+            <a:off x="8456024" y="1906337"/>
             <a:ext cx="2103319" cy="450249"/>
           </a:xfrm>
           <a:prstGeom prst="straightConnector1">
@@ -7250,7 +7253,7 @@
         </p:nvCxnSpPr>
         <p:spPr>
           <a:xfrm>
-            <a:off x="8456024" y="1556008"/>
+            <a:off x="8456024" y="1906337"/>
             <a:ext cx="0" cy="450249"/>
           </a:xfrm>
           <a:prstGeom prst="straightConnector1">
@@ -7300,7 +7303,7 @@
         </p:nvCxnSpPr>
         <p:spPr>
           <a:xfrm>
-            <a:off x="10551892" y="1556008"/>
+            <a:off x="10551892" y="1906337"/>
             <a:ext cx="7451" cy="450249"/>
           </a:xfrm>
           <a:prstGeom prst="straightConnector1">
@@ -7350,7 +7353,7 @@
         </p:nvCxnSpPr>
         <p:spPr>
           <a:xfrm flipH="1">
-            <a:off x="8456024" y="1556008"/>
+            <a:off x="8456024" y="1906337"/>
             <a:ext cx="2095868" cy="450249"/>
           </a:xfrm>
           <a:prstGeom prst="straightConnector1">
@@ -7400,7 +7403,7 @@
         </p:nvCxnSpPr>
         <p:spPr>
           <a:xfrm flipH="1">
-            <a:off x="10557624" y="2314699"/>
+            <a:off x="10557624" y="2665028"/>
             <a:ext cx="1719" cy="137946"/>
           </a:xfrm>
           <a:prstGeom prst="straightConnector1">
@@ -7550,7 +7553,7 @@
         </p:nvSpPr>
         <p:spPr>
           <a:xfrm>
-            <a:off x="11434602" y="1366989"/>
+            <a:off x="11434602" y="1717318"/>
             <a:ext cx="86952" cy="86952"/>
           </a:xfrm>
           <a:prstGeom prst="ellipse">
@@ -7602,7 +7605,7 @@
         </p:nvSpPr>
         <p:spPr>
           <a:xfrm>
-            <a:off x="11657626" y="1366989"/>
+            <a:off x="11657626" y="1717318"/>
             <a:ext cx="86952" cy="86952"/>
           </a:xfrm>
           <a:prstGeom prst="ellipse">
@@ -7654,7 +7657,7 @@
         </p:nvSpPr>
         <p:spPr>
           <a:xfrm>
-            <a:off x="11882555" y="1366989"/>
+            <a:off x="11882555" y="1717318"/>
             <a:ext cx="86952" cy="86952"/>
           </a:xfrm>
           <a:prstGeom prst="ellipse">
@@ -7706,7 +7709,7 @@
         </p:nvSpPr>
         <p:spPr>
           <a:xfrm>
-            <a:off x="11429590" y="2555284"/>
+            <a:off x="11429590" y="2905613"/>
             <a:ext cx="86952" cy="86952"/>
           </a:xfrm>
           <a:prstGeom prst="ellipse">
@@ -7758,7 +7761,7 @@
         </p:nvSpPr>
         <p:spPr>
           <a:xfrm>
-            <a:off x="11652614" y="2555284"/>
+            <a:off x="11652614" y="2905613"/>
             <a:ext cx="86952" cy="86952"/>
           </a:xfrm>
           <a:prstGeom prst="ellipse">
@@ -7810,7 +7813,7 @@
         </p:nvSpPr>
         <p:spPr>
           <a:xfrm>
-            <a:off x="11877543" y="2555284"/>
+            <a:off x="11877543" y="2905613"/>
             <a:ext cx="86952" cy="86952"/>
           </a:xfrm>
           <a:prstGeom prst="ellipse">
@@ -7862,7 +7865,7 @@
         </p:nvSpPr>
         <p:spPr>
           <a:xfrm>
-            <a:off x="11430679" y="2972474"/>
+            <a:off x="11430679" y="3322803"/>
             <a:ext cx="86952" cy="86952"/>
           </a:xfrm>
           <a:prstGeom prst="ellipse">
@@ -7914,7 +7917,7 @@
         </p:nvSpPr>
         <p:spPr>
           <a:xfrm>
-            <a:off x="11653703" y="2972474"/>
+            <a:off x="11653703" y="3322803"/>
             <a:ext cx="86952" cy="86952"/>
           </a:xfrm>
           <a:prstGeom prst="ellipse">
@@ -7966,7 +7969,7 @@
         </p:nvSpPr>
         <p:spPr>
           <a:xfrm>
-            <a:off x="11878632" y="2972474"/>
+            <a:off x="11878632" y="3322803"/>
             <a:ext cx="86952" cy="86952"/>
           </a:xfrm>
           <a:prstGeom prst="ellipse">
@@ -8021,7 +8024,7 @@
         </p:nvCxnSpPr>
         <p:spPr>
           <a:xfrm flipH="1">
-            <a:off x="8456024" y="1553297"/>
+            <a:off x="8456024" y="1903626"/>
             <a:ext cx="2973697" cy="452960"/>
           </a:xfrm>
           <a:prstGeom prst="straightConnector1">
@@ -8070,7 +8073,7 @@
         </p:nvCxnSpPr>
         <p:spPr>
           <a:xfrm flipH="1">
-            <a:off x="10559343" y="1583158"/>
+            <a:off x="10559343" y="1933487"/>
             <a:ext cx="1149778" cy="423099"/>
           </a:xfrm>
           <a:prstGeom prst="straightConnector1">
@@ -8120,7 +8123,7 @@
         </p:nvCxnSpPr>
         <p:spPr>
           <a:xfrm flipH="1">
-            <a:off x="8456022" y="2744875"/>
+            <a:off x="8456022" y="3095204"/>
             <a:ext cx="168" cy="127429"/>
           </a:xfrm>
           <a:prstGeom prst="straightConnector1">
@@ -8167,7 +8170,7 @@
         <p:spPr>
           <a:xfrm>
             <a:off x="7635539" y="119732"/>
-            <a:ext cx="4419002" cy="3083836"/>
+            <a:ext cx="4419002" cy="3507890"/>
           </a:xfrm>
           <a:prstGeom prst="roundRect">
             <a:avLst>
@@ -8222,7 +8225,7 @@
         <p:spPr>
           <a:xfrm flipV="1">
             <a:off x="1812033" y="2439390"/>
-            <a:ext cx="207866" cy="7805"/>
+            <a:ext cx="207866" cy="5575"/>
           </a:xfrm>
           <a:prstGeom prst="straightConnector1">
             <a:avLst/>
@@ -8267,8 +8270,8 @@
         </p:nvSpPr>
         <p:spPr>
           <a:xfrm>
-            <a:off x="2019900" y="362213"/>
-            <a:ext cx="4485124" cy="307777"/>
+            <a:off x="2025837" y="362213"/>
+            <a:ext cx="5355789" cy="307777"/>
           </a:xfrm>
           <a:prstGeom prst="rect">
             <a:avLst/>
@@ -8284,7 +8287,7 @@
             <a:pPr algn="ctr"/>
             <a:r>
               <a:rPr lang="en-US" sz="1400" b="1" dirty="0"/>
-              <a:t>Determine HAPV</a:t>
+              <a:t>Determine Parameters with Highest ARI (HAPV)</a:t>
             </a:r>
           </a:p>
         </p:txBody>
@@ -8320,7 +8323,7 @@
             <a:pPr algn="ctr"/>
             <a:r>
               <a:rPr lang="en-US" sz="1400" b="1" dirty="0"/>
-              <a:t>Generate Labels</a:t>
+              <a:t>Generate Models Using OI_HAPV &amp; Apply on Partitions</a:t>
             </a:r>
           </a:p>
         </p:txBody>
@@ -8342,9 +8345,9 @@
           <p:nvPr/>
         </p:nvCxnSpPr>
         <p:spPr>
-          <a:xfrm>
-            <a:off x="9845040" y="3203568"/>
-            <a:ext cx="7266" cy="230262"/>
+          <a:xfrm flipH="1">
+            <a:off x="9844868" y="3627622"/>
+            <a:ext cx="172" cy="299029"/>
           </a:xfrm>
           <a:prstGeom prst="straightConnector1">
             <a:avLst/>
@@ -8393,8 +8396,8 @@
         </p:nvCxnSpPr>
         <p:spPr>
           <a:xfrm rot="5400000" flipH="1" flipV="1">
-            <a:off x="3858654" y="-2484823"/>
-            <a:ext cx="1005489" cy="6548277"/>
+            <a:off x="3936020" y="-2562189"/>
+            <a:ext cx="850757" cy="6548277"/>
           </a:xfrm>
           <a:prstGeom prst="bentConnector2">
             <a:avLst/>
@@ -9014,55 +9017,6 @@
           </a:p>
         </p:txBody>
       </p:sp>
-      <p:cxnSp>
-        <p:nvCxnSpPr>
-          <p:cNvPr id="58" name="Straight Arrow Connector 57">
-            <a:extLst>
-              <a:ext uri="{FF2B5EF4-FFF2-40B4-BE49-F238E27FC236}">
-                <a16:creationId xmlns:a16="http://schemas.microsoft.com/office/drawing/2014/main" id="{441345B4-F396-70AA-FBC2-BA2B0FA3BD88}"/>
-              </a:ext>
-            </a:extLst>
-          </p:cNvPr>
-          <p:cNvCxnSpPr>
-            <a:cxnSpLocks/>
-            <a:stCxn id="28" idx="3"/>
-          </p:cNvCxnSpPr>
-          <p:nvPr/>
-        </p:nvCxnSpPr>
-        <p:spPr>
-          <a:xfrm flipV="1">
-            <a:off x="5035622" y="3810799"/>
-            <a:ext cx="195796" cy="1"/>
-          </a:xfrm>
-          <a:prstGeom prst="straightConnector1">
-            <a:avLst/>
-          </a:prstGeom>
-          <a:ln w="19050" cap="flat" cmpd="sng" algn="ctr">
-            <a:solidFill>
-              <a:schemeClr val="tx1"/>
-            </a:solidFill>
-            <a:prstDash val="solid"/>
-            <a:round/>
-            <a:headEnd type="none" w="med" len="med"/>
-            <a:tailEnd type="arrow" w="med" len="med"/>
-          </a:ln>
-          <a:effectLst/>
-        </p:spPr>
-        <p:style>
-          <a:lnRef idx="2">
-            <a:schemeClr val="accent1"/>
-          </a:lnRef>
-          <a:fillRef idx="0">
-            <a:schemeClr val="accent1"/>
-          </a:fillRef>
-          <a:effectRef idx="1">
-            <a:schemeClr val="accent1"/>
-          </a:effectRef>
-          <a:fontRef idx="minor">
-            <a:schemeClr val="tx1"/>
-          </a:fontRef>
-        </p:style>
-      </p:cxnSp>
       <p:sp>
         <p:nvSpPr>
           <p:cNvPr id="453" name="TextBox 452">
@@ -9077,8 +9031,8 @@
         </p:nvSpPr>
         <p:spPr>
           <a:xfrm>
-            <a:off x="5242667" y="1815788"/>
-            <a:ext cx="961151" cy="646331"/>
+            <a:off x="5320176" y="1815788"/>
+            <a:ext cx="820165" cy="646331"/>
           </a:xfrm>
           <a:prstGeom prst="rect">
             <a:avLst/>
@@ -9164,8 +9118,8 @@
         </p:nvSpPr>
         <p:spPr>
           <a:xfrm>
-            <a:off x="5219563" y="673425"/>
-            <a:ext cx="984256" cy="1169551"/>
+            <a:off x="5231439" y="762488"/>
+            <a:ext cx="984256" cy="954107"/>
           </a:xfrm>
           <a:prstGeom prst="rect">
             <a:avLst/>
@@ -9185,7 +9139,23 @@
                   <a:schemeClr val="tx1"/>
                 </a:solidFill>
               </a:rPr>
-              <a:t>Select Parameter Value with Highest ARI</a:t>
+              <a:t>Select </a:t>
+            </a:r>
+            <a:r>
+              <a:rPr lang="en-US" sz="1400" dirty="0" err="1">
+                <a:solidFill>
+                  <a:schemeClr val="tx1"/>
+                </a:solidFill>
+              </a:rPr>
+              <a:t>ArgMax</a:t>
+            </a:r>
+            <a:r>
+              <a:rPr lang="en-US" sz="1400" dirty="0">
+                <a:solidFill>
+                  <a:schemeClr val="tx1"/>
+                </a:solidFill>
+              </a:rPr>
+              <a:t> Parameter Value</a:t>
             </a:r>
           </a:p>
         </p:txBody>
@@ -9201,20 +9171,20 @@
           </p:cNvPr>
           <p:cNvCxnSpPr>
             <a:cxnSpLocks/>
-            <a:stCxn id="486" idx="3"/>
+            <a:stCxn id="42" idx="3"/>
             <a:endCxn id="213" idx="1"/>
           </p:cNvCxnSpPr>
           <p:nvPr/>
         </p:nvCxnSpPr>
         <p:spPr>
           <a:xfrm flipV="1">
-            <a:off x="7298283" y="829236"/>
-            <a:ext cx="3250156" cy="1717805"/>
+            <a:off x="6210405" y="916385"/>
+            <a:ext cx="4341486" cy="1630656"/>
           </a:xfrm>
           <a:prstGeom prst="bentConnector4">
             <a:avLst>
-              <a:gd name="adj1" fmla="val 6648"/>
-              <a:gd name="adj2" fmla="val 113308"/>
+              <a:gd name="adj1" fmla="val 30052"/>
+              <a:gd name="adj2" fmla="val 118933"/>
             </a:avLst>
           </a:prstGeom>
           <a:ln w="38100" cap="flat" cmpd="sng" algn="ctr">
@@ -9256,7 +9226,7 @@
         </p:nvSpPr>
         <p:spPr>
           <a:xfrm>
-            <a:off x="9109557" y="1303409"/>
+            <a:off x="9109557" y="1653738"/>
             <a:ext cx="867790" cy="276999"/>
           </a:xfrm>
           <a:prstGeom prst="rect">
@@ -9301,7 +9271,7 @@
         </p:nvSpPr>
         <p:spPr>
           <a:xfrm>
-            <a:off x="9075082" y="2464372"/>
+            <a:off x="9075082" y="2814701"/>
             <a:ext cx="867790" cy="276999"/>
           </a:xfrm>
           <a:prstGeom prst="rect">
@@ -9426,8 +9396,8 @@
         </p:nvCxnSpPr>
         <p:spPr>
           <a:xfrm>
-            <a:off x="5239493" y="2447619"/>
-            <a:ext cx="970912" cy="9966"/>
+            <a:off x="5320176" y="2497289"/>
+            <a:ext cx="820165" cy="0"/>
           </a:xfrm>
           <a:prstGeom prst="line">
             <a:avLst/>
@@ -9468,9 +9438,9 @@
           <p:nvPr/>
         </p:nvCxnSpPr>
         <p:spPr>
-          <a:xfrm>
-            <a:off x="5231418" y="3201472"/>
-            <a:ext cx="978987" cy="2096"/>
+          <a:xfrm flipV="1">
+            <a:off x="5320176" y="3201472"/>
+            <a:ext cx="820165" cy="1"/>
           </a:xfrm>
           <a:prstGeom prst="line">
             <a:avLst/>
@@ -9512,8 +9482,8 @@
         </p:nvCxnSpPr>
         <p:spPr>
           <a:xfrm>
-            <a:off x="5239493" y="3678806"/>
-            <a:ext cx="970912" cy="8719"/>
+            <a:off x="5320176" y="3707580"/>
+            <a:ext cx="820165" cy="0"/>
           </a:xfrm>
           <a:prstGeom prst="line">
             <a:avLst/>
@@ -9553,8 +9523,8 @@
         </p:nvSpPr>
         <p:spPr>
           <a:xfrm>
-            <a:off x="5252140" y="3709446"/>
-            <a:ext cx="981860" cy="646331"/>
+            <a:off x="5320176" y="3709446"/>
+            <a:ext cx="818136" cy="646331"/>
           </a:xfrm>
           <a:prstGeom prst="rect">
             <a:avLst/>
@@ -9801,9 +9771,9 @@
           <p:nvPr/>
         </p:nvCxnSpPr>
         <p:spPr>
-          <a:xfrm>
-            <a:off x="8453551" y="587080"/>
-            <a:ext cx="567" cy="275005"/>
+          <a:xfrm flipH="1">
+            <a:off x="8454118" y="595874"/>
+            <a:ext cx="1904" cy="325590"/>
           </a:xfrm>
           <a:prstGeom prst="straightConnector1">
             <a:avLst/>
@@ -9853,111 +9823,11 @@
         <p:spPr>
           <a:xfrm flipV="1">
             <a:off x="5028170" y="2138954"/>
-            <a:ext cx="214497" cy="421206"/>
+            <a:ext cx="292006" cy="421206"/>
           </a:xfrm>
           <a:prstGeom prst="bentConnector3">
             <a:avLst>
-              <a:gd name="adj1" fmla="val 21580"/>
-            </a:avLst>
-          </a:prstGeom>
-          <a:ln w="19050" cap="flat" cmpd="sng" algn="ctr">
-            <a:solidFill>
-              <a:schemeClr val="dk1"/>
-            </a:solidFill>
-            <a:prstDash val="solid"/>
-            <a:round/>
-            <a:headEnd type="none" w="med" len="med"/>
-            <a:tailEnd type="arrow" w="med" len="med"/>
-          </a:ln>
-        </p:spPr>
-        <p:style>
-          <a:lnRef idx="0">
-            <a:scrgbClr r="0" g="0" b="0"/>
-          </a:lnRef>
-          <a:fillRef idx="0">
-            <a:scrgbClr r="0" g="0" b="0"/>
-          </a:fillRef>
-          <a:effectRef idx="0">
-            <a:scrgbClr r="0" g="0" b="0"/>
-          </a:effectRef>
-          <a:fontRef idx="minor">
-            <a:schemeClr val="tx1"/>
-          </a:fontRef>
-        </p:style>
-      </p:cxnSp>
-      <p:sp>
-        <p:nvSpPr>
-          <p:cNvPr id="486" name="Rectangle 485">
-            <a:extLst>
-              <a:ext uri="{FF2B5EF4-FFF2-40B4-BE49-F238E27FC236}">
-                <a16:creationId xmlns:a16="http://schemas.microsoft.com/office/drawing/2014/main" id="{4548EAAE-F78C-EEF9-C2FB-CAC9E0EA74EE}"/>
-              </a:ext>
-            </a:extLst>
-          </p:cNvPr>
-          <p:cNvSpPr/>
-          <p:nvPr/>
-        </p:nvSpPr>
-        <p:spPr>
-          <a:xfrm>
-            <a:off x="6360311" y="2400926"/>
-            <a:ext cx="937972" cy="292230"/>
-          </a:xfrm>
-          <a:prstGeom prst="rect">
-            <a:avLst/>
-          </a:prstGeom>
-          <a:noFill/>
-          <a:ln w="19050"/>
-        </p:spPr>
-        <p:style>
-          <a:lnRef idx="2">
-            <a:schemeClr val="dk1"/>
-          </a:lnRef>
-          <a:fillRef idx="1">
-            <a:schemeClr val="lt1"/>
-          </a:fillRef>
-          <a:effectRef idx="0">
-            <a:schemeClr val="dk1"/>
-          </a:effectRef>
-          <a:fontRef idx="minor">
-            <a:schemeClr val="dk1"/>
-          </a:fontRef>
-        </p:style>
-        <p:txBody>
-          <a:bodyPr rtlCol="0" anchor="ctr"/>
-          <a:lstStyle/>
-          <a:p>
-            <a:pPr algn="ctr"/>
-            <a:r>
-              <a:rPr lang="en-US" sz="1600" dirty="0"/>
-              <a:t>OI_HAPV</a:t>
-            </a:r>
-          </a:p>
-        </p:txBody>
-      </p:sp>
-      <p:cxnSp>
-        <p:nvCxnSpPr>
-          <p:cNvPr id="498" name="Elbow Connector 497">
-            <a:extLst>
-              <a:ext uri="{FF2B5EF4-FFF2-40B4-BE49-F238E27FC236}">
-                <a16:creationId xmlns:a16="http://schemas.microsoft.com/office/drawing/2014/main" id="{72F43F64-E640-87DA-3DDE-06B70B4D001D}"/>
-              </a:ext>
-            </a:extLst>
-          </p:cNvPr>
-          <p:cNvCxnSpPr>
-            <a:cxnSpLocks/>
-            <a:stCxn id="94" idx="3"/>
-            <a:endCxn id="453" idx="1"/>
-          </p:cNvCxnSpPr>
-          <p:nvPr/>
-        </p:nvCxnSpPr>
-        <p:spPr>
-          <a:xfrm>
-            <a:off x="5028170" y="1345084"/>
-            <a:ext cx="214497" cy="793870"/>
-          </a:xfrm>
-          <a:prstGeom prst="bentConnector3">
-            <a:avLst>
-              <a:gd name="adj1" fmla="val 21580"/>
+              <a:gd name="adj1" fmla="val 24437"/>
             </a:avLst>
           </a:prstGeom>
           <a:ln w="19050" cap="flat" cmpd="sng" algn="ctr">
@@ -9987,54 +9857,349 @@
       </p:cxnSp>
       <p:cxnSp>
         <p:nvCxnSpPr>
-          <p:cNvPr id="504" name="Straight Arrow Connector 503">
-            <a:extLst>
-              <a:ext uri="{FF2B5EF4-FFF2-40B4-BE49-F238E27FC236}">
-                <a16:creationId xmlns:a16="http://schemas.microsoft.com/office/drawing/2014/main" id="{9A98DF12-5282-3E6B-70F6-4D52FD8D6673}"/>
+          <p:cNvPr id="498" name="Elbow Connector 497">
+            <a:extLst>
+              <a:ext uri="{FF2B5EF4-FFF2-40B4-BE49-F238E27FC236}">
+                <a16:creationId xmlns:a16="http://schemas.microsoft.com/office/drawing/2014/main" id="{72F43F64-E640-87DA-3DDE-06B70B4D001D}"/>
               </a:ext>
             </a:extLst>
           </p:cNvPr>
           <p:cNvCxnSpPr>
             <a:cxnSpLocks/>
-            <a:stCxn id="42" idx="3"/>
-            <a:endCxn id="486" idx="1"/>
+            <a:stCxn id="94" idx="3"/>
+            <a:endCxn id="453" idx="1"/>
           </p:cNvCxnSpPr>
           <p:nvPr/>
         </p:nvCxnSpPr>
         <p:spPr>
           <a:xfrm>
-            <a:off x="6210405" y="2547041"/>
-            <a:ext cx="149906" cy="0"/>
-          </a:xfrm>
-          <a:prstGeom prst="straightConnector1">
-            <a:avLst/>
+            <a:off x="5028170" y="1345084"/>
+            <a:ext cx="292006" cy="793870"/>
+          </a:xfrm>
+          <a:prstGeom prst="bentConnector3">
+            <a:avLst>
+              <a:gd name="adj1" fmla="val 24437"/>
+            </a:avLst>
           </a:prstGeom>
           <a:ln w="19050" cap="flat" cmpd="sng" algn="ctr">
             <a:solidFill>
-              <a:schemeClr val="tx1"/>
+              <a:schemeClr val="dk1"/>
             </a:solidFill>
             <a:prstDash val="solid"/>
             <a:round/>
             <a:headEnd type="none" w="med" len="med"/>
             <a:tailEnd type="arrow" w="med" len="med"/>
           </a:ln>
-          <a:effectLst/>
         </p:spPr>
         <p:style>
-          <a:lnRef idx="2">
-            <a:schemeClr val="accent1"/>
+          <a:lnRef idx="0">
+            <a:scrgbClr r="0" g="0" b="0"/>
           </a:lnRef>
           <a:fillRef idx="0">
-            <a:schemeClr val="accent1"/>
+            <a:scrgbClr r="0" g="0" b="0"/>
           </a:fillRef>
-          <a:effectRef idx="1">
-            <a:schemeClr val="accent1"/>
+          <a:effectRef idx="0">
+            <a:scrgbClr r="0" g="0" b="0"/>
           </a:effectRef>
           <a:fontRef idx="minor">
             <a:schemeClr val="tx1"/>
           </a:fontRef>
         </p:style>
       </p:cxnSp>
+      <p:sp>
+        <p:nvSpPr>
+          <p:cNvPr id="511" name="Rectangle 510">
+            <a:extLst>
+              <a:ext uri="{FF2B5EF4-FFF2-40B4-BE49-F238E27FC236}">
+                <a16:creationId xmlns:a16="http://schemas.microsoft.com/office/drawing/2014/main" id="{5A0CC84F-DC05-AD35-C37F-5A0423A3A4B6}"/>
+              </a:ext>
+            </a:extLst>
+          </p:cNvPr>
+          <p:cNvSpPr/>
+          <p:nvPr/>
+        </p:nvSpPr>
+        <p:spPr>
+          <a:xfrm>
+            <a:off x="5322205" y="1824508"/>
+            <a:ext cx="818136" cy="2531270"/>
+          </a:xfrm>
+          <a:prstGeom prst="rect">
+            <a:avLst/>
+          </a:prstGeom>
+          <a:noFill/>
+          <a:ln>
+            <a:solidFill>
+              <a:schemeClr val="tx1"/>
+            </a:solidFill>
+          </a:ln>
+        </p:spPr>
+        <p:style>
+          <a:lnRef idx="2">
+            <a:schemeClr val="accent1">
+              <a:shade val="15000"/>
+            </a:schemeClr>
+          </a:lnRef>
+          <a:fillRef idx="1">
+            <a:schemeClr val="accent1"/>
+          </a:fillRef>
+          <a:effectRef idx="0">
+            <a:schemeClr val="accent1"/>
+          </a:effectRef>
+          <a:fontRef idx="minor">
+            <a:schemeClr val="lt1"/>
+          </a:fontRef>
+        </p:style>
+        <p:txBody>
+          <a:bodyPr rtlCol="0" anchor="ctr"/>
+          <a:lstStyle/>
+          <a:p>
+            <a:pPr algn="ctr"/>
+            <a:endParaRPr lang="en-US"/>
+          </a:p>
+        </p:txBody>
+      </p:sp>
+      <p:cxnSp>
+        <p:nvCxnSpPr>
+          <p:cNvPr id="99" name="Elbow Connector 98">
+            <a:extLst>
+              <a:ext uri="{FF2B5EF4-FFF2-40B4-BE49-F238E27FC236}">
+                <a16:creationId xmlns:a16="http://schemas.microsoft.com/office/drawing/2014/main" id="{1294D5AB-7F7F-455D-9393-4EBBAD9289E3}"/>
+              </a:ext>
+            </a:extLst>
+          </p:cNvPr>
+          <p:cNvCxnSpPr>
+            <a:cxnSpLocks/>
+            <a:stCxn id="28" idx="3"/>
+            <a:endCxn id="489" idx="1"/>
+          </p:cNvCxnSpPr>
+          <p:nvPr/>
+        </p:nvCxnSpPr>
+        <p:spPr>
+          <a:xfrm>
+            <a:off x="5035622" y="3810800"/>
+            <a:ext cx="284554" cy="221812"/>
+          </a:xfrm>
+          <a:prstGeom prst="bentConnector3">
+            <a:avLst>
+              <a:gd name="adj1" fmla="val 50000"/>
+            </a:avLst>
+          </a:prstGeom>
+          <a:ln w="19050" cap="flat" cmpd="sng" algn="ctr">
+            <a:solidFill>
+              <a:schemeClr val="dk1"/>
+            </a:solidFill>
+            <a:prstDash val="solid"/>
+            <a:round/>
+            <a:headEnd type="none" w="med" len="med"/>
+            <a:tailEnd type="arrow" w="med" len="med"/>
+          </a:ln>
+        </p:spPr>
+        <p:style>
+          <a:lnRef idx="0">
+            <a:scrgbClr r="0" g="0" b="0"/>
+          </a:lnRef>
+          <a:fillRef idx="0">
+            <a:scrgbClr r="0" g="0" b="0"/>
+          </a:fillRef>
+          <a:effectRef idx="0">
+            <a:scrgbClr r="0" g="0" b="0"/>
+          </a:effectRef>
+          <a:fontRef idx="minor">
+            <a:schemeClr val="tx1"/>
+          </a:fontRef>
+        </p:style>
+      </p:cxnSp>
+      <p:sp>
+        <p:nvSpPr>
+          <p:cNvPr id="10" name="TextBox 9">
+            <a:extLst>
+              <a:ext uri="{FF2B5EF4-FFF2-40B4-BE49-F238E27FC236}">
+                <a16:creationId xmlns:a16="http://schemas.microsoft.com/office/drawing/2014/main" id="{4094E3A4-362C-EC8C-3F97-B21295AF9B1A}"/>
+              </a:ext>
+            </a:extLst>
+          </p:cNvPr>
+          <p:cNvSpPr txBox="1"/>
+          <p:nvPr/>
+        </p:nvSpPr>
+        <p:spPr>
+          <a:xfrm>
+            <a:off x="6166538" y="2229783"/>
+            <a:ext cx="1355524" cy="307777"/>
+          </a:xfrm>
+          <a:prstGeom prst="rect">
+            <a:avLst/>
+          </a:prstGeom>
+          <a:noFill/>
+        </p:spPr>
+        <p:txBody>
+          <a:bodyPr wrap="square">
+            <a:spAutoFit/>
+          </a:bodyPr>
+          <a:lstStyle/>
+          <a:p>
+            <a:pPr algn="ctr"/>
+            <a:r>
+              <a:rPr lang="en-US" sz="1400" dirty="0"/>
+              <a:t>OI_HAPV</a:t>
+            </a:r>
+          </a:p>
+        </p:txBody>
+      </p:sp>
+      <p:sp>
+        <p:nvSpPr>
+          <p:cNvPr id="27" name="Card 26">
+            <a:extLst>
+              <a:ext uri="{FF2B5EF4-FFF2-40B4-BE49-F238E27FC236}">
+                <a16:creationId xmlns:a16="http://schemas.microsoft.com/office/drawing/2014/main" id="{CD810C60-B9BA-DAE6-DECB-A554D6FEDC20}"/>
+              </a:ext>
+            </a:extLst>
+          </p:cNvPr>
+          <p:cNvSpPr/>
+          <p:nvPr/>
+        </p:nvSpPr>
+        <p:spPr>
+          <a:xfrm flipH="1">
+            <a:off x="7860358" y="737234"/>
+            <a:ext cx="1197454" cy="598150"/>
+          </a:xfrm>
+          <a:prstGeom prst="flowChartPunchedCard">
+            <a:avLst/>
+          </a:prstGeom>
+          <a:noFill/>
+          <a:ln w="19050">
+            <a:solidFill>
+              <a:schemeClr val="tx1"/>
+            </a:solidFill>
+          </a:ln>
+          <a:effectLst/>
+        </p:spPr>
+        <p:style>
+          <a:lnRef idx="1">
+            <a:schemeClr val="accent1"/>
+          </a:lnRef>
+          <a:fillRef idx="3">
+            <a:schemeClr val="accent1"/>
+          </a:fillRef>
+          <a:effectRef idx="2">
+            <a:schemeClr val="accent1"/>
+          </a:effectRef>
+          <a:fontRef idx="minor">
+            <a:schemeClr val="lt1"/>
+          </a:fontRef>
+        </p:style>
+        <p:txBody>
+          <a:bodyPr rtlCol="0" anchor="ctr"/>
+          <a:lstStyle/>
+          <a:p>
+            <a:pPr algn="ctr"/>
+            <a:endParaRPr lang="en-US" sz="1400" dirty="0">
+              <a:solidFill>
+                <a:schemeClr val="tx1"/>
+              </a:solidFill>
+            </a:endParaRPr>
+          </a:p>
+        </p:txBody>
+      </p:sp>
+      <p:sp>
+        <p:nvSpPr>
+          <p:cNvPr id="59" name="TextBox 58">
+            <a:extLst>
+              <a:ext uri="{FF2B5EF4-FFF2-40B4-BE49-F238E27FC236}">
+                <a16:creationId xmlns:a16="http://schemas.microsoft.com/office/drawing/2014/main" id="{949C4977-8E0E-33B2-9E75-30892BCEB6DD}"/>
+              </a:ext>
+            </a:extLst>
+          </p:cNvPr>
+          <p:cNvSpPr txBox="1"/>
+          <p:nvPr/>
+        </p:nvSpPr>
+        <p:spPr>
+          <a:xfrm>
+            <a:off x="8960903" y="825400"/>
+            <a:ext cx="1086103" cy="461665"/>
+          </a:xfrm>
+          <a:prstGeom prst="rect">
+            <a:avLst/>
+          </a:prstGeom>
+          <a:noFill/>
+        </p:spPr>
+        <p:txBody>
+          <a:bodyPr wrap="square">
+            <a:spAutoFit/>
+          </a:bodyPr>
+          <a:lstStyle/>
+          <a:p>
+            <a:pPr algn="ctr"/>
+            <a:r>
+              <a:rPr lang="en-US" sz="1200" i="1" dirty="0">
+                <a:solidFill>
+                  <a:schemeClr val="tx2"/>
+                </a:solidFill>
+              </a:rPr>
+              <a:t>Run OI_HAPV on Partitions</a:t>
+            </a:r>
+            <a:endParaRPr lang="en-US" sz="1400" i="1" baseline="-25000" dirty="0">
+              <a:solidFill>
+                <a:schemeClr val="tx2"/>
+              </a:solidFill>
+            </a:endParaRPr>
+          </a:p>
+        </p:txBody>
+      </p:sp>
+      <p:sp>
+        <p:nvSpPr>
+          <p:cNvPr id="60" name="Card 59">
+            <a:extLst>
+              <a:ext uri="{FF2B5EF4-FFF2-40B4-BE49-F238E27FC236}">
+                <a16:creationId xmlns:a16="http://schemas.microsoft.com/office/drawing/2014/main" id="{4F7631AA-BA79-CFF0-5852-ADBA63546CFC}"/>
+              </a:ext>
+            </a:extLst>
+          </p:cNvPr>
+          <p:cNvSpPr/>
+          <p:nvPr/>
+        </p:nvSpPr>
+        <p:spPr>
+          <a:xfrm flipH="1">
+            <a:off x="9955286" y="735656"/>
+            <a:ext cx="1197454" cy="598150"/>
+          </a:xfrm>
+          <a:prstGeom prst="flowChartPunchedCard">
+            <a:avLst/>
+          </a:prstGeom>
+          <a:noFill/>
+          <a:ln w="19050">
+            <a:solidFill>
+              <a:schemeClr val="tx1"/>
+            </a:solidFill>
+          </a:ln>
+          <a:effectLst/>
+        </p:spPr>
+        <p:style>
+          <a:lnRef idx="1">
+            <a:schemeClr val="accent1"/>
+          </a:lnRef>
+          <a:fillRef idx="3">
+            <a:schemeClr val="accent1"/>
+          </a:fillRef>
+          <a:effectRef idx="2">
+            <a:schemeClr val="accent1"/>
+          </a:effectRef>
+          <a:fontRef idx="minor">
+            <a:schemeClr val="lt1"/>
+          </a:fontRef>
+        </p:style>
+        <p:txBody>
+          <a:bodyPr rtlCol="0" anchor="ctr"/>
+          <a:lstStyle/>
+          <a:p>
+            <a:pPr algn="ctr"/>
+            <a:endParaRPr lang="en-US" sz="1400" dirty="0">
+              <a:solidFill>
+                <a:schemeClr val="tx1"/>
+              </a:solidFill>
+            </a:endParaRPr>
+          </a:p>
+        </p:txBody>
+      </p:sp>
     </p:spTree>
     <p:extLst>
       <p:ext uri="{BB962C8B-B14F-4D97-AF65-F5344CB8AC3E}">

--- a/Figures/Arcs/Architecture.pptx
+++ b/Figures/Arcs/Architecture.pptx
@@ -8,7 +8,7 @@
     <p:notesMasterId r:id="rId3"/>
   </p:notesMasterIdLst>
   <p:sldIdLst>
-    <p:sldId id="256" r:id="rId2"/>
+    <p:sldId id="264" r:id="rId2"/>
   </p:sldIdLst>
   <p:sldSz cx="12192000" cy="6858000"/>
   <p:notesSz cx="6858000" cy="9144000"/>
@@ -197,7 +197,7 @@
           <a:p>
             <a:fld id="{4F2B3EEC-C8B4-0543-943F-91B3791C5E43}" type="datetimeFigureOut">
               <a:rPr lang="en-US" smtClean="0"/>
-              <a:t>10/19/23</a:t>
+              <a:t>10/20/23</a:t>
             </a:fld>
             <a:endParaRPr lang="en-US"/>
           </a:p>
@@ -734,7 +734,7 @@
           <a:p>
             <a:fld id="{697CBF4A-2AD2-1249-BC5E-D6BCA9656194}" type="datetimeFigureOut">
               <a:rPr lang="en-US" smtClean="0"/>
-              <a:t>10/19/23</a:t>
+              <a:t>10/20/23</a:t>
             </a:fld>
             <a:endParaRPr lang="en-US"/>
           </a:p>
@@ -932,7 +932,7 @@
           <a:p>
             <a:fld id="{697CBF4A-2AD2-1249-BC5E-D6BCA9656194}" type="datetimeFigureOut">
               <a:rPr lang="en-US" smtClean="0"/>
-              <a:t>10/19/23</a:t>
+              <a:t>10/20/23</a:t>
             </a:fld>
             <a:endParaRPr lang="en-US"/>
           </a:p>
@@ -1140,7 +1140,7 @@
           <a:p>
             <a:fld id="{697CBF4A-2AD2-1249-BC5E-D6BCA9656194}" type="datetimeFigureOut">
               <a:rPr lang="en-US" smtClean="0"/>
-              <a:t>10/19/23</a:t>
+              <a:t>10/20/23</a:t>
             </a:fld>
             <a:endParaRPr lang="en-US"/>
           </a:p>
@@ -1338,7 +1338,7 @@
           <a:p>
             <a:fld id="{697CBF4A-2AD2-1249-BC5E-D6BCA9656194}" type="datetimeFigureOut">
               <a:rPr lang="en-US" smtClean="0"/>
-              <a:t>10/19/23</a:t>
+              <a:t>10/20/23</a:t>
             </a:fld>
             <a:endParaRPr lang="en-US"/>
           </a:p>
@@ -1613,7 +1613,7 @@
           <a:p>
             <a:fld id="{697CBF4A-2AD2-1249-BC5E-D6BCA9656194}" type="datetimeFigureOut">
               <a:rPr lang="en-US" smtClean="0"/>
-              <a:t>10/19/23</a:t>
+              <a:t>10/20/23</a:t>
             </a:fld>
             <a:endParaRPr lang="en-US"/>
           </a:p>
@@ -1878,7 +1878,7 @@
           <a:p>
             <a:fld id="{697CBF4A-2AD2-1249-BC5E-D6BCA9656194}" type="datetimeFigureOut">
               <a:rPr lang="en-US" smtClean="0"/>
-              <a:t>10/19/23</a:t>
+              <a:t>10/20/23</a:t>
             </a:fld>
             <a:endParaRPr lang="en-US"/>
           </a:p>
@@ -2290,7 +2290,7 @@
           <a:p>
             <a:fld id="{697CBF4A-2AD2-1249-BC5E-D6BCA9656194}" type="datetimeFigureOut">
               <a:rPr lang="en-US" smtClean="0"/>
-              <a:t>10/19/23</a:t>
+              <a:t>10/20/23</a:t>
             </a:fld>
             <a:endParaRPr lang="en-US"/>
           </a:p>
@@ -2431,7 +2431,7 @@
           <a:p>
             <a:fld id="{697CBF4A-2AD2-1249-BC5E-D6BCA9656194}" type="datetimeFigureOut">
               <a:rPr lang="en-US" smtClean="0"/>
-              <a:t>10/19/23</a:t>
+              <a:t>10/20/23</a:t>
             </a:fld>
             <a:endParaRPr lang="en-US"/>
           </a:p>
@@ -2544,7 +2544,7 @@
           <a:p>
             <a:fld id="{697CBF4A-2AD2-1249-BC5E-D6BCA9656194}" type="datetimeFigureOut">
               <a:rPr lang="en-US" smtClean="0"/>
-              <a:t>10/19/23</a:t>
+              <a:t>10/20/23</a:t>
             </a:fld>
             <a:endParaRPr lang="en-US"/>
           </a:p>
@@ -2855,7 +2855,7 @@
           <a:p>
             <a:fld id="{697CBF4A-2AD2-1249-BC5E-D6BCA9656194}" type="datetimeFigureOut">
               <a:rPr lang="en-US" smtClean="0"/>
-              <a:t>10/19/23</a:t>
+              <a:t>10/20/23</a:t>
             </a:fld>
             <a:endParaRPr lang="en-US"/>
           </a:p>
@@ -3143,7 +3143,7 @@
           <a:p>
             <a:fld id="{697CBF4A-2AD2-1249-BC5E-D6BCA9656194}" type="datetimeFigureOut">
               <a:rPr lang="en-US" smtClean="0"/>
-              <a:t>10/19/23</a:t>
+              <a:t>10/20/23</a:t>
             </a:fld>
             <a:endParaRPr lang="en-US"/>
           </a:p>
@@ -3384,7 +3384,7 @@
           <a:p>
             <a:fld id="{697CBF4A-2AD2-1249-BC5E-D6BCA9656194}" type="datetimeFigureOut">
               <a:rPr lang="en-US" smtClean="0"/>
-              <a:t>10/19/23</a:t>
+              <a:t>10/20/23</a:t>
             </a:fld>
             <a:endParaRPr lang="en-US"/>
           </a:p>
@@ -3815,12 +3815,12 @@
         </p:nvSpPr>
         <p:spPr>
           <a:xfrm>
-            <a:off x="2019899" y="370114"/>
-            <a:ext cx="5361728" cy="4138552"/>
+            <a:off x="1711492" y="407989"/>
+            <a:ext cx="4787431" cy="4138552"/>
           </a:xfrm>
           <a:prstGeom prst="roundRect">
             <a:avLst>
-              <a:gd name="adj" fmla="val 9197"/>
+              <a:gd name="adj" fmla="val 5797"/>
             </a:avLst>
           </a:prstGeom>
           <a:noFill/>
@@ -3866,7 +3866,7 @@
         </p:nvSpPr>
         <p:spPr>
           <a:xfrm>
-            <a:off x="9424061" y="3926651"/>
+            <a:off x="8984720" y="4139810"/>
             <a:ext cx="841614" cy="408824"/>
           </a:xfrm>
           <a:prstGeom prst="roundRect">
@@ -3918,9 +3918,9 @@
           <p:nvPr/>
         </p:nvCxnSpPr>
         <p:spPr>
-          <a:xfrm flipV="1">
-            <a:off x="10265675" y="4129621"/>
-            <a:ext cx="429088" cy="1442"/>
+          <a:xfrm>
+            <a:off x="9826334" y="4344222"/>
+            <a:ext cx="282527" cy="985"/>
           </a:xfrm>
           <a:prstGeom prst="straightConnector1">
             <a:avLst/>
@@ -3965,7 +3965,7 @@
         </p:nvSpPr>
         <p:spPr>
           <a:xfrm>
-            <a:off x="10694763" y="3925209"/>
+            <a:off x="10108861" y="4140795"/>
             <a:ext cx="1014358" cy="408824"/>
           </a:xfrm>
           <a:prstGeom prst="rect">
@@ -4011,1060 +4011,47 @@
           </a:p>
         </p:txBody>
       </p:sp>
-      <p:grpSp>
-        <p:nvGrpSpPr>
-          <p:cNvPr id="248" name="Group 247">
-            <a:extLst>
-              <a:ext uri="{FF2B5EF4-FFF2-40B4-BE49-F238E27FC236}">
-                <a16:creationId xmlns:a16="http://schemas.microsoft.com/office/drawing/2014/main" id="{D7EEF8AB-FEF4-3541-F633-0155720DA533}"/>
-              </a:ext>
-            </a:extLst>
-          </p:cNvPr>
-          <p:cNvGrpSpPr/>
-          <p:nvPr/>
-        </p:nvGrpSpPr>
-        <p:grpSpPr>
-          <a:xfrm>
-            <a:off x="301848" y="1137327"/>
-            <a:ext cx="1510185" cy="2615276"/>
-            <a:chOff x="228312" y="411267"/>
-            <a:chExt cx="1510185" cy="2615276"/>
-          </a:xfrm>
-        </p:grpSpPr>
-        <p:sp>
-          <p:nvSpPr>
-            <p:cNvPr id="5" name="TextBox 4">
-              <a:extLst>
-                <a:ext uri="{FF2B5EF4-FFF2-40B4-BE49-F238E27FC236}">
-                  <a16:creationId xmlns:a16="http://schemas.microsoft.com/office/drawing/2014/main" id="{916DA83E-5DD4-F259-C289-BBF34314CE00}"/>
-                </a:ext>
-              </a:extLst>
-            </p:cNvPr>
-            <p:cNvSpPr txBox="1"/>
-            <p:nvPr/>
-          </p:nvSpPr>
-          <p:spPr>
-            <a:xfrm>
-              <a:off x="228312" y="2253136"/>
-              <a:ext cx="745349" cy="307777"/>
-            </a:xfrm>
-            <a:prstGeom prst="rect">
-              <a:avLst/>
-            </a:prstGeom>
-            <a:noFill/>
-          </p:spPr>
-          <p:txBody>
-            <a:bodyPr wrap="square" rtlCol="0">
-              <a:spAutoFit/>
-            </a:bodyPr>
-            <a:lstStyle/>
-            <a:p>
-              <a:r>
-                <a:rPr lang="en-US" sz="1400" dirty="0"/>
-                <a:t>Dataset</a:t>
-              </a:r>
-            </a:p>
-          </p:txBody>
-        </p:sp>
-        <p:sp>
-          <p:nvSpPr>
-            <p:cNvPr id="7" name="Can 6">
-              <a:extLst>
-                <a:ext uri="{FF2B5EF4-FFF2-40B4-BE49-F238E27FC236}">
-                  <a16:creationId xmlns:a16="http://schemas.microsoft.com/office/drawing/2014/main" id="{C11379F4-F78C-2DBA-28F5-8A3E0AE9458B}"/>
-                </a:ext>
-              </a:extLst>
-            </p:cNvPr>
-            <p:cNvSpPr/>
-            <p:nvPr/>
-          </p:nvSpPr>
-          <p:spPr>
-            <a:xfrm>
-              <a:off x="1143538" y="1042827"/>
-              <a:ext cx="352803" cy="256860"/>
-            </a:xfrm>
-            <a:prstGeom prst="can">
-              <a:avLst/>
-            </a:prstGeom>
-            <a:solidFill>
-              <a:srgbClr val="00B0F0"/>
-            </a:solidFill>
-            <a:ln w="28575" cmpd="sng">
-              <a:solidFill>
-                <a:schemeClr val="tx1"/>
-              </a:solidFill>
-            </a:ln>
-            <a:effectLst/>
-          </p:spPr>
-          <p:style>
-            <a:lnRef idx="1">
-              <a:schemeClr val="accent1"/>
-            </a:lnRef>
-            <a:fillRef idx="3">
-              <a:schemeClr val="accent1"/>
-            </a:fillRef>
-            <a:effectRef idx="2">
-              <a:schemeClr val="accent1"/>
-            </a:effectRef>
-            <a:fontRef idx="minor">
-              <a:schemeClr val="lt1"/>
-            </a:fontRef>
-          </p:style>
-          <p:txBody>
-            <a:bodyPr rtlCol="0" anchor="ctr"/>
-            <a:lstStyle/>
-            <a:p>
-              <a:pPr algn="ctr"/>
-              <a:r>
-                <a:rPr lang="en-US" sz="1200" dirty="0">
-                  <a:solidFill>
-                    <a:schemeClr val="bg1"/>
-                  </a:solidFill>
-                </a:rPr>
-                <a:t>S</a:t>
-              </a:r>
-              <a:r>
-                <a:rPr lang="en-US" sz="1200" baseline="-25000" dirty="0">
-                  <a:solidFill>
-                    <a:schemeClr val="bg1"/>
-                  </a:solidFill>
-                </a:rPr>
-                <a:t>1</a:t>
-              </a:r>
-            </a:p>
-          </p:txBody>
-        </p:sp>
-        <p:sp>
-          <p:nvSpPr>
-            <p:cNvPr id="11" name="Can 10">
-              <a:extLst>
-                <a:ext uri="{FF2B5EF4-FFF2-40B4-BE49-F238E27FC236}">
-                  <a16:creationId xmlns:a16="http://schemas.microsoft.com/office/drawing/2014/main" id="{BAEFAF98-F096-E674-BCB5-258452A2D5F7}"/>
-                </a:ext>
-              </a:extLst>
-            </p:cNvPr>
-            <p:cNvSpPr/>
-            <p:nvPr/>
-          </p:nvSpPr>
-          <p:spPr>
-            <a:xfrm>
-              <a:off x="1143538" y="1592705"/>
-              <a:ext cx="352803" cy="256860"/>
-            </a:xfrm>
-            <a:prstGeom prst="can">
-              <a:avLst/>
-            </a:prstGeom>
-            <a:solidFill>
-              <a:srgbClr val="0070C0"/>
-            </a:solidFill>
-            <a:ln w="28575" cmpd="sng">
-              <a:solidFill>
-                <a:schemeClr val="tx1"/>
-              </a:solidFill>
-            </a:ln>
-            <a:effectLst/>
-          </p:spPr>
-          <p:style>
-            <a:lnRef idx="1">
-              <a:schemeClr val="accent1"/>
-            </a:lnRef>
-            <a:fillRef idx="3">
-              <a:schemeClr val="accent1"/>
-            </a:fillRef>
-            <a:effectRef idx="2">
-              <a:schemeClr val="accent1"/>
-            </a:effectRef>
-            <a:fontRef idx="minor">
-              <a:schemeClr val="lt1"/>
-            </a:fontRef>
-          </p:style>
-          <p:txBody>
-            <a:bodyPr rtlCol="0" anchor="ctr"/>
-            <a:lstStyle/>
-            <a:p>
-              <a:pPr algn="ctr"/>
-              <a:r>
-                <a:rPr lang="en-US" sz="1400" dirty="0">
-                  <a:solidFill>
-                    <a:schemeClr val="bg1"/>
-                  </a:solidFill>
-                </a:rPr>
-                <a:t>S</a:t>
-              </a:r>
-              <a:r>
-                <a:rPr lang="en-US" sz="1400" baseline="-25000" dirty="0">
-                  <a:solidFill>
-                    <a:schemeClr val="bg1"/>
-                  </a:solidFill>
-                </a:rPr>
-                <a:t>2</a:t>
-              </a:r>
-              <a:endParaRPr lang="en-US" sz="2000" baseline="-25000" dirty="0">
-                <a:solidFill>
-                  <a:schemeClr val="bg1"/>
-                </a:solidFill>
-              </a:endParaRPr>
-            </a:p>
-          </p:txBody>
-        </p:sp>
-        <p:sp>
-          <p:nvSpPr>
-            <p:cNvPr id="13" name="Can 12">
-              <a:extLst>
-                <a:ext uri="{FF2B5EF4-FFF2-40B4-BE49-F238E27FC236}">
-                  <a16:creationId xmlns:a16="http://schemas.microsoft.com/office/drawing/2014/main" id="{2EE4D794-8F58-04B4-0DA9-BE344CAE2B5B}"/>
-                </a:ext>
-              </a:extLst>
-            </p:cNvPr>
-            <p:cNvSpPr/>
-            <p:nvPr/>
-          </p:nvSpPr>
-          <p:spPr>
-            <a:xfrm>
-              <a:off x="1143538" y="2467349"/>
-              <a:ext cx="352803" cy="256860"/>
-            </a:xfrm>
-            <a:prstGeom prst="can">
-              <a:avLst/>
-            </a:prstGeom>
-            <a:solidFill>
-              <a:srgbClr val="002060"/>
-            </a:solidFill>
-            <a:ln w="28575" cmpd="sng">
-              <a:solidFill>
-                <a:schemeClr val="tx1"/>
-              </a:solidFill>
-            </a:ln>
-            <a:effectLst/>
-          </p:spPr>
-          <p:style>
-            <a:lnRef idx="1">
-              <a:schemeClr val="accent1"/>
-            </a:lnRef>
-            <a:fillRef idx="3">
-              <a:schemeClr val="accent1"/>
-            </a:fillRef>
-            <a:effectRef idx="2">
-              <a:schemeClr val="accent1"/>
-            </a:effectRef>
-            <a:fontRef idx="minor">
-              <a:schemeClr val="lt1"/>
-            </a:fontRef>
-          </p:style>
-          <p:txBody>
-            <a:bodyPr rtlCol="0" anchor="ctr"/>
-            <a:lstStyle/>
-            <a:p>
-              <a:pPr algn="ctr"/>
-              <a:r>
-                <a:rPr lang="en-US" sz="1400" dirty="0">
-                  <a:solidFill>
-                    <a:schemeClr val="bg1"/>
-                  </a:solidFill>
-                </a:rPr>
-                <a:t>S</a:t>
-              </a:r>
-              <a:r>
-                <a:rPr lang="en-US" sz="1400" baseline="-25000" dirty="0">
-                  <a:solidFill>
-                    <a:schemeClr val="bg1"/>
-                  </a:solidFill>
-                </a:rPr>
-                <a:t>n</a:t>
-              </a:r>
-            </a:p>
-          </p:txBody>
-        </p:sp>
-        <p:sp>
-          <p:nvSpPr>
-            <p:cNvPr id="16" name="Oval 15">
-              <a:extLst>
-                <a:ext uri="{FF2B5EF4-FFF2-40B4-BE49-F238E27FC236}">
-                  <a16:creationId xmlns:a16="http://schemas.microsoft.com/office/drawing/2014/main" id="{9A3E0056-92FB-12B6-714E-0FD703955A7F}"/>
-                </a:ext>
-              </a:extLst>
-            </p:cNvPr>
-            <p:cNvSpPr/>
-            <p:nvPr/>
-          </p:nvSpPr>
-          <p:spPr>
-            <a:xfrm>
-              <a:off x="1276463" y="2142583"/>
-              <a:ext cx="86952" cy="86952"/>
-            </a:xfrm>
-            <a:prstGeom prst="ellipse">
-              <a:avLst/>
-            </a:prstGeom>
-            <a:solidFill>
-              <a:schemeClr val="tx1"/>
-            </a:solidFill>
-            <a:ln>
-              <a:noFill/>
-            </a:ln>
-          </p:spPr>
-          <p:style>
-            <a:lnRef idx="2">
-              <a:schemeClr val="dk1">
-                <a:shade val="15000"/>
-              </a:schemeClr>
-            </a:lnRef>
-            <a:fillRef idx="1">
-              <a:schemeClr val="dk1"/>
-            </a:fillRef>
-            <a:effectRef idx="0">
-              <a:schemeClr val="dk1"/>
-            </a:effectRef>
-            <a:fontRef idx="minor">
-              <a:schemeClr val="lt1"/>
-            </a:fontRef>
-          </p:style>
-          <p:txBody>
-            <a:bodyPr rtlCol="0" anchor="ctr"/>
-            <a:lstStyle/>
-            <a:p>
-              <a:pPr algn="ctr"/>
-              <a:endParaRPr lang="en-US"/>
-            </a:p>
-          </p:txBody>
-        </p:sp>
-        <p:sp>
-          <p:nvSpPr>
-            <p:cNvPr id="17" name="Oval 16">
-              <a:extLst>
-                <a:ext uri="{FF2B5EF4-FFF2-40B4-BE49-F238E27FC236}">
-                  <a16:creationId xmlns:a16="http://schemas.microsoft.com/office/drawing/2014/main" id="{E7BCF255-F589-8502-35F6-5721E7F5DA04}"/>
-                </a:ext>
-              </a:extLst>
-            </p:cNvPr>
-            <p:cNvSpPr/>
-            <p:nvPr/>
-          </p:nvSpPr>
-          <p:spPr>
-            <a:xfrm>
-              <a:off x="1276463" y="2291347"/>
-              <a:ext cx="86952" cy="86952"/>
-            </a:xfrm>
-            <a:prstGeom prst="ellipse">
-              <a:avLst/>
-            </a:prstGeom>
-            <a:solidFill>
-              <a:schemeClr val="tx1"/>
-            </a:solidFill>
-            <a:ln>
-              <a:noFill/>
-            </a:ln>
-          </p:spPr>
-          <p:style>
-            <a:lnRef idx="2">
-              <a:schemeClr val="dk1">
-                <a:shade val="15000"/>
-              </a:schemeClr>
-            </a:lnRef>
-            <a:fillRef idx="1">
-              <a:schemeClr val="dk1"/>
-            </a:fillRef>
-            <a:effectRef idx="0">
-              <a:schemeClr val="dk1"/>
-            </a:effectRef>
-            <a:fontRef idx="minor">
-              <a:schemeClr val="lt1"/>
-            </a:fontRef>
-          </p:style>
-          <p:txBody>
-            <a:bodyPr rtlCol="0" anchor="ctr"/>
-            <a:lstStyle/>
-            <a:p>
-              <a:pPr algn="ctr"/>
-              <a:endParaRPr lang="en-US"/>
-            </a:p>
-          </p:txBody>
-        </p:sp>
-        <p:sp>
-          <p:nvSpPr>
-            <p:cNvPr id="76" name="Can 75">
-              <a:extLst>
-                <a:ext uri="{FF2B5EF4-FFF2-40B4-BE49-F238E27FC236}">
-                  <a16:creationId xmlns:a16="http://schemas.microsoft.com/office/drawing/2014/main" id="{EF809AC9-7EE9-8E83-D02E-E80D5229E12A}"/>
-                </a:ext>
-              </a:extLst>
-            </p:cNvPr>
-            <p:cNvSpPr/>
-            <p:nvPr/>
-          </p:nvSpPr>
-          <p:spPr>
-            <a:xfrm>
-              <a:off x="383689" y="1151766"/>
-              <a:ext cx="352803" cy="1077763"/>
-            </a:xfrm>
-            <a:prstGeom prst="can">
-              <a:avLst/>
-            </a:prstGeom>
-            <a:solidFill>
-              <a:schemeClr val="bg1"/>
-            </a:solidFill>
-            <a:ln w="28575" cmpd="sng">
-              <a:solidFill>
-                <a:schemeClr val="tx1"/>
-              </a:solidFill>
-            </a:ln>
-            <a:effectLst/>
-          </p:spPr>
-          <p:style>
-            <a:lnRef idx="1">
-              <a:schemeClr val="accent1"/>
-            </a:lnRef>
-            <a:fillRef idx="3">
-              <a:schemeClr val="accent1"/>
-            </a:fillRef>
-            <a:effectRef idx="2">
-              <a:schemeClr val="accent1"/>
-            </a:effectRef>
-            <a:fontRef idx="minor">
-              <a:schemeClr val="lt1"/>
-            </a:fontRef>
-          </p:style>
-          <p:txBody>
-            <a:bodyPr rtlCol="0" anchor="ctr"/>
-            <a:lstStyle/>
-            <a:p>
-              <a:pPr algn="ctr"/>
-              <a:endParaRPr lang="en-US" sz="2000" dirty="0">
-                <a:solidFill>
-                  <a:schemeClr val="tx1"/>
-                </a:solidFill>
-              </a:endParaRPr>
-            </a:p>
-          </p:txBody>
-        </p:sp>
-        <p:sp>
-          <p:nvSpPr>
-            <p:cNvPr id="77" name="Can 76">
-              <a:extLst>
-                <a:ext uri="{FF2B5EF4-FFF2-40B4-BE49-F238E27FC236}">
-                  <a16:creationId xmlns:a16="http://schemas.microsoft.com/office/drawing/2014/main" id="{C06FA7EF-65B6-D9B0-BF60-1832645925A5}"/>
-                </a:ext>
-              </a:extLst>
-            </p:cNvPr>
-            <p:cNvSpPr/>
-            <p:nvPr/>
-          </p:nvSpPr>
-          <p:spPr>
-            <a:xfrm>
-              <a:off x="384164" y="1357866"/>
-              <a:ext cx="352803" cy="256860"/>
-            </a:xfrm>
-            <a:prstGeom prst="can">
-              <a:avLst/>
-            </a:prstGeom>
-            <a:solidFill>
-              <a:srgbClr val="0070C0"/>
-            </a:solidFill>
-            <a:ln w="28575" cmpd="sng">
-              <a:solidFill>
-                <a:schemeClr val="tx1"/>
-              </a:solidFill>
-            </a:ln>
-            <a:effectLst/>
-          </p:spPr>
-          <p:style>
-            <a:lnRef idx="1">
-              <a:schemeClr val="accent1"/>
-            </a:lnRef>
-            <a:fillRef idx="3">
-              <a:schemeClr val="accent1"/>
-            </a:fillRef>
-            <a:effectRef idx="2">
-              <a:schemeClr val="accent1"/>
-            </a:effectRef>
-            <a:fontRef idx="minor">
-              <a:schemeClr val="lt1"/>
-            </a:fontRef>
-          </p:style>
-          <p:txBody>
-            <a:bodyPr rtlCol="0" anchor="ctr"/>
-            <a:lstStyle/>
-            <a:p>
-              <a:pPr algn="ctr"/>
-              <a:endParaRPr lang="en-US" sz="2000" dirty="0">
-                <a:solidFill>
-                  <a:schemeClr val="tx1"/>
-                </a:solidFill>
-              </a:endParaRPr>
-            </a:p>
-          </p:txBody>
-        </p:sp>
-        <p:sp>
-          <p:nvSpPr>
-            <p:cNvPr id="78" name="Can 77">
-              <a:extLst>
-                <a:ext uri="{FF2B5EF4-FFF2-40B4-BE49-F238E27FC236}">
-                  <a16:creationId xmlns:a16="http://schemas.microsoft.com/office/drawing/2014/main" id="{20AE6116-C0A3-42FA-A760-5181B7C3BA00}"/>
-                </a:ext>
-              </a:extLst>
-            </p:cNvPr>
-            <p:cNvSpPr/>
-            <p:nvPr/>
-          </p:nvSpPr>
-          <p:spPr>
-            <a:xfrm>
-              <a:off x="384896" y="1151767"/>
-              <a:ext cx="352803" cy="256860"/>
-            </a:xfrm>
-            <a:prstGeom prst="can">
-              <a:avLst/>
-            </a:prstGeom>
-            <a:solidFill>
-              <a:srgbClr val="00B0F0"/>
-            </a:solidFill>
-            <a:ln w="28575" cmpd="sng">
-              <a:solidFill>
-                <a:schemeClr val="tx1"/>
-              </a:solidFill>
-            </a:ln>
-            <a:effectLst/>
-          </p:spPr>
-          <p:style>
-            <a:lnRef idx="1">
-              <a:schemeClr val="accent1"/>
-            </a:lnRef>
-            <a:fillRef idx="3">
-              <a:schemeClr val="accent1"/>
-            </a:fillRef>
-            <a:effectRef idx="2">
-              <a:schemeClr val="accent1"/>
-            </a:effectRef>
-            <a:fontRef idx="minor">
-              <a:schemeClr val="lt1"/>
-            </a:fontRef>
-          </p:style>
-          <p:txBody>
-            <a:bodyPr rtlCol="0" anchor="ctr"/>
-            <a:lstStyle/>
-            <a:p>
-              <a:pPr algn="ctr"/>
-              <a:endParaRPr lang="en-US" sz="2000" dirty="0">
-                <a:solidFill>
-                  <a:schemeClr val="tx1"/>
-                </a:solidFill>
-              </a:endParaRPr>
-            </a:p>
-          </p:txBody>
-        </p:sp>
-        <p:sp>
-          <p:nvSpPr>
-            <p:cNvPr id="40" name="Rounded Rectangle 39">
-              <a:extLst>
-                <a:ext uri="{FF2B5EF4-FFF2-40B4-BE49-F238E27FC236}">
-                  <a16:creationId xmlns:a16="http://schemas.microsoft.com/office/drawing/2014/main" id="{D256122A-BACC-C29E-B6B3-27D574AC4212}"/>
-                </a:ext>
-              </a:extLst>
-            </p:cNvPr>
-            <p:cNvSpPr/>
-            <p:nvPr/>
-          </p:nvSpPr>
-          <p:spPr>
-            <a:xfrm>
-              <a:off x="288951" y="411267"/>
-              <a:ext cx="1449546" cy="2615276"/>
-            </a:xfrm>
-            <a:prstGeom prst="roundRect">
-              <a:avLst>
-                <a:gd name="adj" fmla="val 6246"/>
-              </a:avLst>
-            </a:prstGeom>
-            <a:noFill/>
-            <a:ln w="38100">
-              <a:solidFill>
-                <a:schemeClr val="tx1"/>
-              </a:solidFill>
-            </a:ln>
-          </p:spPr>
-          <p:style>
-            <a:lnRef idx="2">
-              <a:schemeClr val="accent1">
-                <a:shade val="15000"/>
-              </a:schemeClr>
-            </a:lnRef>
-            <a:fillRef idx="1">
-              <a:schemeClr val="accent1"/>
-            </a:fillRef>
-            <a:effectRef idx="0">
-              <a:schemeClr val="accent1"/>
-            </a:effectRef>
-            <a:fontRef idx="minor">
-              <a:schemeClr val="lt1"/>
-            </a:fontRef>
-          </p:style>
-          <p:txBody>
-            <a:bodyPr rtlCol="0" anchor="ctr"/>
-            <a:lstStyle/>
-            <a:p>
-              <a:pPr algn="ctr"/>
-              <a:endParaRPr lang="en-US"/>
-            </a:p>
-          </p:txBody>
-        </p:sp>
-        <p:sp>
-          <p:nvSpPr>
-            <p:cNvPr id="19" name="Can 18">
-              <a:extLst>
-                <a:ext uri="{FF2B5EF4-FFF2-40B4-BE49-F238E27FC236}">
-                  <a16:creationId xmlns:a16="http://schemas.microsoft.com/office/drawing/2014/main" id="{8B693777-3C7B-AD27-270B-D44D99B903F4}"/>
-                </a:ext>
-              </a:extLst>
-            </p:cNvPr>
-            <p:cNvSpPr/>
-            <p:nvPr/>
-          </p:nvSpPr>
-          <p:spPr>
-            <a:xfrm>
-              <a:off x="384033" y="1965941"/>
-              <a:ext cx="352803" cy="256860"/>
-            </a:xfrm>
-            <a:prstGeom prst="can">
-              <a:avLst/>
-            </a:prstGeom>
-            <a:solidFill>
-              <a:srgbClr val="002060"/>
-            </a:solidFill>
-            <a:ln w="28575" cmpd="sng">
-              <a:solidFill>
-                <a:schemeClr val="tx1"/>
-              </a:solidFill>
-            </a:ln>
-            <a:effectLst/>
-          </p:spPr>
-          <p:style>
-            <a:lnRef idx="1">
-              <a:schemeClr val="accent1"/>
-            </a:lnRef>
-            <a:fillRef idx="3">
-              <a:schemeClr val="accent1"/>
-            </a:fillRef>
-            <a:effectRef idx="2">
-              <a:schemeClr val="accent1"/>
-            </a:effectRef>
-            <a:fontRef idx="minor">
-              <a:schemeClr val="lt1"/>
-            </a:fontRef>
-          </p:style>
-          <p:txBody>
-            <a:bodyPr rtlCol="0" anchor="ctr"/>
-            <a:lstStyle/>
-            <a:p>
-              <a:pPr algn="ctr"/>
-              <a:endParaRPr lang="en-US" sz="2000" dirty="0">
-                <a:solidFill>
-                  <a:schemeClr val="tx1"/>
-                </a:solidFill>
-              </a:endParaRPr>
-            </a:p>
-          </p:txBody>
-        </p:sp>
-        <p:cxnSp>
-          <p:nvCxnSpPr>
-            <p:cNvPr id="20" name="Elbow Connector 19">
-              <a:extLst>
-                <a:ext uri="{FF2B5EF4-FFF2-40B4-BE49-F238E27FC236}">
-                  <a16:creationId xmlns:a16="http://schemas.microsoft.com/office/drawing/2014/main" id="{174AF457-E839-E1D1-5041-DC03CE5C781B}"/>
-                </a:ext>
-              </a:extLst>
-            </p:cNvPr>
-            <p:cNvCxnSpPr>
-              <a:cxnSpLocks/>
-              <a:stCxn id="19" idx="4"/>
-              <a:endCxn id="13" idx="2"/>
-            </p:cNvCxnSpPr>
-            <p:nvPr/>
-          </p:nvCxnSpPr>
-          <p:spPr>
-            <a:xfrm>
-              <a:off x="736836" y="2094371"/>
-              <a:ext cx="406702" cy="501408"/>
-            </a:xfrm>
-            <a:prstGeom prst="bentConnector3">
-              <a:avLst>
-                <a:gd name="adj1" fmla="val 50000"/>
-              </a:avLst>
-            </a:prstGeom>
-            <a:ln w="28575" cap="flat" cmpd="sng" algn="ctr">
-              <a:solidFill>
-                <a:schemeClr val="dk1"/>
-              </a:solidFill>
-              <a:prstDash val="solid"/>
-              <a:round/>
-              <a:headEnd type="none" w="med" len="med"/>
-              <a:tailEnd type="arrow" w="med" len="med"/>
-            </a:ln>
-          </p:spPr>
-          <p:style>
-            <a:lnRef idx="0">
-              <a:scrgbClr r="0" g="0" b="0"/>
-            </a:lnRef>
-            <a:fillRef idx="0">
-              <a:scrgbClr r="0" g="0" b="0"/>
-            </a:fillRef>
-            <a:effectRef idx="0">
-              <a:scrgbClr r="0" g="0" b="0"/>
-            </a:effectRef>
-            <a:fontRef idx="minor">
-              <a:schemeClr val="tx1"/>
-            </a:fontRef>
-          </p:style>
-        </p:cxnSp>
-        <p:cxnSp>
-          <p:nvCxnSpPr>
-            <p:cNvPr id="24" name="Elbow Connector 23">
-              <a:extLst>
-                <a:ext uri="{FF2B5EF4-FFF2-40B4-BE49-F238E27FC236}">
-                  <a16:creationId xmlns:a16="http://schemas.microsoft.com/office/drawing/2014/main" id="{E028963D-4227-B591-2C76-1C2A488E291F}"/>
-                </a:ext>
-              </a:extLst>
-            </p:cNvPr>
-            <p:cNvCxnSpPr>
-              <a:cxnSpLocks/>
-              <a:stCxn id="77" idx="4"/>
-              <a:endCxn id="11" idx="2"/>
-            </p:cNvCxnSpPr>
-            <p:nvPr/>
-          </p:nvCxnSpPr>
-          <p:spPr>
-            <a:xfrm>
-              <a:off x="736967" y="1486296"/>
-              <a:ext cx="406571" cy="234839"/>
-            </a:xfrm>
-            <a:prstGeom prst="bentConnector3">
-              <a:avLst>
-                <a:gd name="adj1" fmla="val 50000"/>
-              </a:avLst>
-            </a:prstGeom>
-            <a:ln w="28575" cap="flat" cmpd="sng" algn="ctr">
-              <a:solidFill>
-                <a:schemeClr val="dk1"/>
-              </a:solidFill>
-              <a:prstDash val="solid"/>
-              <a:round/>
-              <a:headEnd type="none" w="med" len="med"/>
-              <a:tailEnd type="arrow" w="med" len="med"/>
-            </a:ln>
-          </p:spPr>
-          <p:style>
-            <a:lnRef idx="0">
-              <a:scrgbClr r="0" g="0" b="0"/>
-            </a:lnRef>
-            <a:fillRef idx="0">
-              <a:scrgbClr r="0" g="0" b="0"/>
-            </a:fillRef>
-            <a:effectRef idx="0">
-              <a:scrgbClr r="0" g="0" b="0"/>
-            </a:effectRef>
-            <a:fontRef idx="minor">
-              <a:schemeClr val="tx1"/>
-            </a:fontRef>
-          </p:style>
-        </p:cxnSp>
-        <p:cxnSp>
-          <p:nvCxnSpPr>
-            <p:cNvPr id="33" name="Elbow Connector 32">
-              <a:extLst>
-                <a:ext uri="{FF2B5EF4-FFF2-40B4-BE49-F238E27FC236}">
-                  <a16:creationId xmlns:a16="http://schemas.microsoft.com/office/drawing/2014/main" id="{F3C6F498-3307-A670-9DF3-EC217B8D421C}"/>
-                </a:ext>
-              </a:extLst>
-            </p:cNvPr>
-            <p:cNvCxnSpPr>
-              <a:cxnSpLocks/>
-              <a:stCxn id="78" idx="4"/>
-              <a:endCxn id="7" idx="2"/>
-            </p:cNvCxnSpPr>
-            <p:nvPr/>
-          </p:nvCxnSpPr>
-          <p:spPr>
-            <a:xfrm flipV="1">
-              <a:off x="737699" y="1171257"/>
-              <a:ext cx="405839" cy="108940"/>
-            </a:xfrm>
-            <a:prstGeom prst="bentConnector3">
-              <a:avLst>
-                <a:gd name="adj1" fmla="val 50000"/>
-              </a:avLst>
-            </a:prstGeom>
-            <a:ln w="28575" cap="flat" cmpd="sng" algn="ctr">
-              <a:solidFill>
-                <a:schemeClr val="dk1"/>
-              </a:solidFill>
-              <a:prstDash val="solid"/>
-              <a:round/>
-              <a:headEnd type="none" w="med" len="med"/>
-              <a:tailEnd type="arrow" w="med" len="med"/>
-            </a:ln>
-          </p:spPr>
-          <p:style>
-            <a:lnRef idx="0">
-              <a:scrgbClr r="0" g="0" b="0"/>
-            </a:lnRef>
-            <a:fillRef idx="0">
-              <a:scrgbClr r="0" g="0" b="0"/>
-            </a:fillRef>
-            <a:effectRef idx="0">
-              <a:scrgbClr r="0" g="0" b="0"/>
-            </a:effectRef>
-            <a:fontRef idx="minor">
-              <a:schemeClr val="tx1"/>
-            </a:fontRef>
-          </p:style>
-        </p:cxnSp>
-        <p:sp>
-          <p:nvSpPr>
-            <p:cNvPr id="43" name="Oval 42">
-              <a:extLst>
-                <a:ext uri="{FF2B5EF4-FFF2-40B4-BE49-F238E27FC236}">
-                  <a16:creationId xmlns:a16="http://schemas.microsoft.com/office/drawing/2014/main" id="{A9FD2EC4-7336-AF0A-138F-04D278CE9CBE}"/>
-                </a:ext>
-              </a:extLst>
-            </p:cNvPr>
-            <p:cNvSpPr/>
-            <p:nvPr/>
-          </p:nvSpPr>
-          <p:spPr>
-            <a:xfrm>
-              <a:off x="528820" y="1657820"/>
-              <a:ext cx="73705" cy="73705"/>
-            </a:xfrm>
-            <a:prstGeom prst="ellipse">
-              <a:avLst/>
-            </a:prstGeom>
-            <a:solidFill>
-              <a:schemeClr val="tx1"/>
-            </a:solidFill>
-            <a:ln>
-              <a:noFill/>
-            </a:ln>
-          </p:spPr>
-          <p:style>
-            <a:lnRef idx="2">
-              <a:schemeClr val="dk1">
-                <a:shade val="15000"/>
-              </a:schemeClr>
-            </a:lnRef>
-            <a:fillRef idx="1">
-              <a:schemeClr val="dk1"/>
-            </a:fillRef>
-            <a:effectRef idx="0">
-              <a:schemeClr val="dk1"/>
-            </a:effectRef>
-            <a:fontRef idx="minor">
-              <a:schemeClr val="lt1"/>
-            </a:fontRef>
-          </p:style>
-          <p:txBody>
-            <a:bodyPr rtlCol="0" anchor="ctr"/>
-            <a:lstStyle/>
-            <a:p>
-              <a:pPr algn="ctr"/>
-              <a:endParaRPr lang="en-US"/>
-            </a:p>
-          </p:txBody>
-        </p:sp>
-        <p:sp>
-          <p:nvSpPr>
-            <p:cNvPr id="32" name="Oval 31">
-              <a:extLst>
-                <a:ext uri="{FF2B5EF4-FFF2-40B4-BE49-F238E27FC236}">
-                  <a16:creationId xmlns:a16="http://schemas.microsoft.com/office/drawing/2014/main" id="{6717C729-4FE4-2ACD-857C-6D4E539BDA8E}"/>
-                </a:ext>
-              </a:extLst>
-            </p:cNvPr>
-            <p:cNvSpPr/>
-            <p:nvPr/>
-          </p:nvSpPr>
-          <p:spPr>
-            <a:xfrm>
-              <a:off x="1277673" y="1987849"/>
-              <a:ext cx="86952" cy="86952"/>
-            </a:xfrm>
-            <a:prstGeom prst="ellipse">
-              <a:avLst/>
-            </a:prstGeom>
-            <a:solidFill>
-              <a:schemeClr val="tx1"/>
-            </a:solidFill>
-            <a:ln>
-              <a:noFill/>
-            </a:ln>
-          </p:spPr>
-          <p:style>
-            <a:lnRef idx="2">
-              <a:schemeClr val="dk1">
-                <a:shade val="15000"/>
-              </a:schemeClr>
-            </a:lnRef>
-            <a:fillRef idx="1">
-              <a:schemeClr val="dk1"/>
-            </a:fillRef>
-            <a:effectRef idx="0">
-              <a:schemeClr val="dk1"/>
-            </a:effectRef>
-            <a:fontRef idx="minor">
-              <a:schemeClr val="lt1"/>
-            </a:fontRef>
-          </p:style>
-          <p:txBody>
-            <a:bodyPr rtlCol="0" anchor="ctr"/>
-            <a:lstStyle/>
-            <a:p>
-              <a:pPr algn="ctr"/>
-              <a:endParaRPr lang="en-US"/>
-            </a:p>
-          </p:txBody>
-        </p:sp>
-        <p:sp>
-          <p:nvSpPr>
-            <p:cNvPr id="55" name="TextBox 54">
-              <a:extLst>
-                <a:ext uri="{FF2B5EF4-FFF2-40B4-BE49-F238E27FC236}">
-                  <a16:creationId xmlns:a16="http://schemas.microsoft.com/office/drawing/2014/main" id="{CA0053DF-C039-334E-4299-E9AC4AC74578}"/>
-                </a:ext>
-              </a:extLst>
-            </p:cNvPr>
-            <p:cNvSpPr txBox="1"/>
-            <p:nvPr/>
-          </p:nvSpPr>
-          <p:spPr>
-            <a:xfrm>
-              <a:off x="312995" y="426256"/>
-              <a:ext cx="1425502" cy="523220"/>
-            </a:xfrm>
-            <a:prstGeom prst="rect">
-              <a:avLst/>
-            </a:prstGeom>
-            <a:noFill/>
-          </p:spPr>
-          <p:txBody>
-            <a:bodyPr wrap="square">
-              <a:spAutoFit/>
-            </a:bodyPr>
-            <a:lstStyle/>
-            <a:p>
-              <a:pPr algn="ctr"/>
-              <a:r>
-                <a:rPr lang="en-US" sz="1400" b="1" dirty="0"/>
-                <a:t>Data Partitioning</a:t>
-              </a:r>
-            </a:p>
-          </p:txBody>
-        </p:sp>
-        <p:sp>
-          <p:nvSpPr>
-            <p:cNvPr id="65" name="Oval 64">
-              <a:extLst>
-                <a:ext uri="{FF2B5EF4-FFF2-40B4-BE49-F238E27FC236}">
-                  <a16:creationId xmlns:a16="http://schemas.microsoft.com/office/drawing/2014/main" id="{DB3ECC1A-1B1A-7D2E-67E0-1D1984F69952}"/>
-                </a:ext>
-              </a:extLst>
-            </p:cNvPr>
-            <p:cNvSpPr/>
-            <p:nvPr/>
-          </p:nvSpPr>
-          <p:spPr>
-            <a:xfrm>
-              <a:off x="530242" y="1753183"/>
-              <a:ext cx="73705" cy="73705"/>
-            </a:xfrm>
-            <a:prstGeom prst="ellipse">
-              <a:avLst/>
-            </a:prstGeom>
-            <a:solidFill>
-              <a:schemeClr val="tx1"/>
-            </a:solidFill>
-            <a:ln>
-              <a:noFill/>
-            </a:ln>
-          </p:spPr>
-          <p:style>
-            <a:lnRef idx="2">
-              <a:schemeClr val="dk1">
-                <a:shade val="15000"/>
-              </a:schemeClr>
-            </a:lnRef>
-            <a:fillRef idx="1">
-              <a:schemeClr val="dk1"/>
-            </a:fillRef>
-            <a:effectRef idx="0">
-              <a:schemeClr val="dk1"/>
-            </a:effectRef>
-            <a:fontRef idx="minor">
-              <a:schemeClr val="lt1"/>
-            </a:fontRef>
-          </p:style>
-          <p:txBody>
-            <a:bodyPr rtlCol="0" anchor="ctr"/>
-            <a:lstStyle/>
-            <a:p>
-              <a:pPr algn="ctr"/>
-              <a:endParaRPr lang="en-US"/>
-            </a:p>
-          </p:txBody>
-        </p:sp>
-        <p:sp>
-          <p:nvSpPr>
-            <p:cNvPr id="68" name="Oval 67">
-              <a:extLst>
-                <a:ext uri="{FF2B5EF4-FFF2-40B4-BE49-F238E27FC236}">
-                  <a16:creationId xmlns:a16="http://schemas.microsoft.com/office/drawing/2014/main" id="{9215B496-7EBE-7700-D1A9-FFC6D66EB6E2}"/>
-                </a:ext>
-              </a:extLst>
-            </p:cNvPr>
-            <p:cNvSpPr/>
-            <p:nvPr/>
-          </p:nvSpPr>
-          <p:spPr>
-            <a:xfrm>
-              <a:off x="528820" y="1854250"/>
-              <a:ext cx="73705" cy="73705"/>
-            </a:xfrm>
-            <a:prstGeom prst="ellipse">
-              <a:avLst/>
-            </a:prstGeom>
-            <a:solidFill>
-              <a:schemeClr val="tx1"/>
-            </a:solidFill>
-            <a:ln>
-              <a:noFill/>
-            </a:ln>
-          </p:spPr>
-          <p:style>
-            <a:lnRef idx="2">
-              <a:schemeClr val="dk1">
-                <a:shade val="15000"/>
-              </a:schemeClr>
-            </a:lnRef>
-            <a:fillRef idx="1">
-              <a:schemeClr val="dk1"/>
-            </a:fillRef>
-            <a:effectRef idx="0">
-              <a:schemeClr val="dk1"/>
-            </a:effectRef>
-            <a:fontRef idx="minor">
-              <a:schemeClr val="lt1"/>
-            </a:fontRef>
-          </p:style>
-          <p:txBody>
-            <a:bodyPr rtlCol="0" anchor="ctr"/>
-            <a:lstStyle/>
-            <a:p>
-              <a:pPr algn="ctr"/>
-              <a:endParaRPr lang="en-US"/>
-            </a:p>
-          </p:txBody>
-        </p:sp>
-      </p:grpSp>
-      <p:sp>
-        <p:nvSpPr>
-          <p:cNvPr id="54" name="Can 53">
-            <a:extLst>
-              <a:ext uri="{FF2B5EF4-FFF2-40B4-BE49-F238E27FC236}">
-                <a16:creationId xmlns:a16="http://schemas.microsoft.com/office/drawing/2014/main" id="{FCD2BA0B-9E62-15F2-0F91-203B7F691C22}"/>
+      <p:sp>
+        <p:nvSpPr>
+          <p:cNvPr id="5" name="TextBox 4">
+            <a:extLst>
+              <a:ext uri="{FF2B5EF4-FFF2-40B4-BE49-F238E27FC236}">
+                <a16:creationId xmlns:a16="http://schemas.microsoft.com/office/drawing/2014/main" id="{916DA83E-5DD4-F259-C289-BBF34314CE00}"/>
+              </a:ext>
+            </a:extLst>
+          </p:cNvPr>
+          <p:cNvSpPr txBox="1"/>
+          <p:nvPr/>
+        </p:nvSpPr>
+        <p:spPr>
+          <a:xfrm>
+            <a:off x="47695" y="3672089"/>
+            <a:ext cx="745349" cy="307777"/>
+          </a:xfrm>
+          <a:prstGeom prst="rect">
+            <a:avLst/>
+          </a:prstGeom>
+          <a:noFill/>
+        </p:spPr>
+        <p:txBody>
+          <a:bodyPr wrap="square" rtlCol="0">
+            <a:spAutoFit/>
+          </a:bodyPr>
+          <a:lstStyle/>
+          <a:p>
+            <a:r>
+              <a:rPr lang="en-US" sz="1400" dirty="0"/>
+              <a:t>Dataset</a:t>
+            </a:r>
+          </a:p>
+        </p:txBody>
+      </p:sp>
+      <p:sp>
+        <p:nvSpPr>
+          <p:cNvPr id="7" name="Can 6">
+            <a:extLst>
+              <a:ext uri="{FF2B5EF4-FFF2-40B4-BE49-F238E27FC236}">
+                <a16:creationId xmlns:a16="http://schemas.microsoft.com/office/drawing/2014/main" id="{C11379F4-F78C-2DBA-28F5-8A3E0AE9458B}"/>
               </a:ext>
             </a:extLst>
           </p:cNvPr>
@@ -5073,8 +4060,8 @@
         </p:nvSpPr>
         <p:spPr>
           <a:xfrm>
-            <a:off x="2139097" y="1226085"/>
-            <a:ext cx="335220" cy="283781"/>
+            <a:off x="985828" y="1293270"/>
+            <a:ext cx="352803" cy="256860"/>
           </a:xfrm>
           <a:prstGeom prst="can">
             <a:avLst/>
@@ -5109,7 +4096,7 @@
           <a:p>
             <a:pPr algn="ctr"/>
             <a:r>
-              <a:rPr lang="en-US" sz="1400" dirty="0">
+              <a:rPr lang="en-US" sz="1200" dirty="0">
                 <a:solidFill>
                   <a:schemeClr val="bg1"/>
                 </a:solidFill>
@@ -5117,7 +4104,7 @@
               <a:t>S</a:t>
             </a:r>
             <a:r>
-              <a:rPr lang="en-US" sz="1400" baseline="-25000" dirty="0">
+              <a:rPr lang="en-US" sz="1200" baseline="-25000" dirty="0">
                 <a:solidFill>
                   <a:schemeClr val="bg1"/>
                 </a:solidFill>
@@ -5129,10 +4116,10 @@
       </p:sp>
       <p:sp>
         <p:nvSpPr>
-          <p:cNvPr id="57" name="Can 56">
-            <a:extLst>
-              <a:ext uri="{FF2B5EF4-FFF2-40B4-BE49-F238E27FC236}">
-                <a16:creationId xmlns:a16="http://schemas.microsoft.com/office/drawing/2014/main" id="{2B760F0A-FA92-C0BD-0A8C-47BF22E25B08}"/>
+          <p:cNvPr id="11" name="Can 10">
+            <a:extLst>
+              <a:ext uri="{FF2B5EF4-FFF2-40B4-BE49-F238E27FC236}">
+                <a16:creationId xmlns:a16="http://schemas.microsoft.com/office/drawing/2014/main" id="{BAEFAF98-F096-E674-BCB5-258452A2D5F7}"/>
               </a:ext>
             </a:extLst>
           </p:cNvPr>
@@ -5141,8 +4128,8 @@
         </p:nvSpPr>
         <p:spPr>
           <a:xfrm>
-            <a:off x="2162226" y="2294994"/>
-            <a:ext cx="335220" cy="283781"/>
+            <a:off x="985829" y="2359622"/>
+            <a:ext cx="352803" cy="256860"/>
           </a:xfrm>
           <a:prstGeom prst="can">
             <a:avLst/>
@@ -5192,15 +4179,20 @@
               </a:rPr>
               <a:t>2</a:t>
             </a:r>
-          </a:p>
-        </p:txBody>
-      </p:sp>
-      <p:sp>
-        <p:nvSpPr>
-          <p:cNvPr id="61" name="Oval 60">
-            <a:extLst>
-              <a:ext uri="{FF2B5EF4-FFF2-40B4-BE49-F238E27FC236}">
-                <a16:creationId xmlns:a16="http://schemas.microsoft.com/office/drawing/2014/main" id="{C6EEB280-2770-A6CC-EBE1-54F209B714EB}"/>
+            <a:endParaRPr lang="en-US" sz="2000" baseline="-25000" dirty="0">
+              <a:solidFill>
+                <a:schemeClr val="bg1"/>
+              </a:solidFill>
+            </a:endParaRPr>
+          </a:p>
+        </p:txBody>
+      </p:sp>
+      <p:sp>
+        <p:nvSpPr>
+          <p:cNvPr id="13" name="Can 12">
+            <a:extLst>
+              <a:ext uri="{FF2B5EF4-FFF2-40B4-BE49-F238E27FC236}">
+                <a16:creationId xmlns:a16="http://schemas.microsoft.com/office/drawing/2014/main" id="{2EE4D794-8F58-04B4-0DA9-BE344CAE2B5B}"/>
               </a:ext>
             </a:extLst>
           </p:cNvPr>
@@ -5209,8 +4201,511 @@
         </p:nvSpPr>
         <p:spPr>
           <a:xfrm>
-            <a:off x="2274763" y="2961640"/>
-            <a:ext cx="80683" cy="73581"/>
+            <a:off x="990485" y="4161252"/>
+            <a:ext cx="352803" cy="256860"/>
+          </a:xfrm>
+          <a:prstGeom prst="can">
+            <a:avLst/>
+          </a:prstGeom>
+          <a:solidFill>
+            <a:srgbClr val="002060"/>
+          </a:solidFill>
+          <a:ln w="28575" cmpd="sng">
+            <a:solidFill>
+              <a:schemeClr val="tx1"/>
+            </a:solidFill>
+          </a:ln>
+          <a:effectLst/>
+        </p:spPr>
+        <p:style>
+          <a:lnRef idx="1">
+            <a:schemeClr val="accent1"/>
+          </a:lnRef>
+          <a:fillRef idx="3">
+            <a:schemeClr val="accent1"/>
+          </a:fillRef>
+          <a:effectRef idx="2">
+            <a:schemeClr val="accent1"/>
+          </a:effectRef>
+          <a:fontRef idx="minor">
+            <a:schemeClr val="lt1"/>
+          </a:fontRef>
+        </p:style>
+        <p:txBody>
+          <a:bodyPr rtlCol="0" anchor="ctr"/>
+          <a:lstStyle/>
+          <a:p>
+            <a:pPr algn="ctr"/>
+            <a:r>
+              <a:rPr lang="en-US" sz="1400" dirty="0">
+                <a:solidFill>
+                  <a:schemeClr val="bg1"/>
+                </a:solidFill>
+              </a:rPr>
+              <a:t>S</a:t>
+            </a:r>
+            <a:r>
+              <a:rPr lang="en-US" sz="1400" baseline="-25000" dirty="0">
+                <a:solidFill>
+                  <a:schemeClr val="bg1"/>
+                </a:solidFill>
+              </a:rPr>
+              <a:t>n</a:t>
+            </a:r>
+          </a:p>
+        </p:txBody>
+      </p:sp>
+      <p:sp>
+        <p:nvSpPr>
+          <p:cNvPr id="76" name="Can 75">
+            <a:extLst>
+              <a:ext uri="{FF2B5EF4-FFF2-40B4-BE49-F238E27FC236}">
+                <a16:creationId xmlns:a16="http://schemas.microsoft.com/office/drawing/2014/main" id="{EF809AC9-7EE9-8E83-D02E-E80D5229E12A}"/>
+              </a:ext>
+            </a:extLst>
+          </p:cNvPr>
+          <p:cNvSpPr/>
+          <p:nvPr/>
+        </p:nvSpPr>
+        <p:spPr>
+          <a:xfrm>
+            <a:off x="203072" y="1648506"/>
+            <a:ext cx="352803" cy="1935003"/>
+          </a:xfrm>
+          <a:prstGeom prst="can">
+            <a:avLst/>
+          </a:prstGeom>
+          <a:solidFill>
+            <a:schemeClr val="bg1"/>
+          </a:solidFill>
+          <a:ln w="28575" cmpd="sng">
+            <a:solidFill>
+              <a:schemeClr val="tx1"/>
+            </a:solidFill>
+          </a:ln>
+          <a:effectLst/>
+        </p:spPr>
+        <p:style>
+          <a:lnRef idx="1">
+            <a:schemeClr val="accent1"/>
+          </a:lnRef>
+          <a:fillRef idx="3">
+            <a:schemeClr val="accent1"/>
+          </a:fillRef>
+          <a:effectRef idx="2">
+            <a:schemeClr val="accent1"/>
+          </a:effectRef>
+          <a:fontRef idx="minor">
+            <a:schemeClr val="lt1"/>
+          </a:fontRef>
+        </p:style>
+        <p:txBody>
+          <a:bodyPr rtlCol="0" anchor="ctr"/>
+          <a:lstStyle/>
+          <a:p>
+            <a:pPr algn="ctr"/>
+            <a:endParaRPr lang="en-US" sz="2000" dirty="0">
+              <a:solidFill>
+                <a:schemeClr val="tx1"/>
+              </a:solidFill>
+            </a:endParaRPr>
+          </a:p>
+        </p:txBody>
+      </p:sp>
+      <p:sp>
+        <p:nvSpPr>
+          <p:cNvPr id="77" name="Can 76">
+            <a:extLst>
+              <a:ext uri="{FF2B5EF4-FFF2-40B4-BE49-F238E27FC236}">
+                <a16:creationId xmlns:a16="http://schemas.microsoft.com/office/drawing/2014/main" id="{C06FA7EF-65B6-D9B0-BF60-1832645925A5}"/>
+              </a:ext>
+            </a:extLst>
+          </p:cNvPr>
+          <p:cNvSpPr/>
+          <p:nvPr/>
+        </p:nvSpPr>
+        <p:spPr>
+          <a:xfrm>
+            <a:off x="203547" y="1854606"/>
+            <a:ext cx="352803" cy="256860"/>
+          </a:xfrm>
+          <a:prstGeom prst="can">
+            <a:avLst/>
+          </a:prstGeom>
+          <a:solidFill>
+            <a:srgbClr val="0070C0"/>
+          </a:solidFill>
+          <a:ln w="28575" cmpd="sng">
+            <a:solidFill>
+              <a:schemeClr val="tx1"/>
+            </a:solidFill>
+          </a:ln>
+          <a:effectLst/>
+        </p:spPr>
+        <p:style>
+          <a:lnRef idx="1">
+            <a:schemeClr val="accent1"/>
+          </a:lnRef>
+          <a:fillRef idx="3">
+            <a:schemeClr val="accent1"/>
+          </a:fillRef>
+          <a:effectRef idx="2">
+            <a:schemeClr val="accent1"/>
+          </a:effectRef>
+          <a:fontRef idx="minor">
+            <a:schemeClr val="lt1"/>
+          </a:fontRef>
+        </p:style>
+        <p:txBody>
+          <a:bodyPr rtlCol="0" anchor="ctr"/>
+          <a:lstStyle/>
+          <a:p>
+            <a:pPr algn="ctr"/>
+            <a:endParaRPr lang="en-US" sz="2000" dirty="0">
+              <a:solidFill>
+                <a:schemeClr val="tx1"/>
+              </a:solidFill>
+            </a:endParaRPr>
+          </a:p>
+        </p:txBody>
+      </p:sp>
+      <p:sp>
+        <p:nvSpPr>
+          <p:cNvPr id="78" name="Can 77">
+            <a:extLst>
+              <a:ext uri="{FF2B5EF4-FFF2-40B4-BE49-F238E27FC236}">
+                <a16:creationId xmlns:a16="http://schemas.microsoft.com/office/drawing/2014/main" id="{20AE6116-C0A3-42FA-A760-5181B7C3BA00}"/>
+              </a:ext>
+            </a:extLst>
+          </p:cNvPr>
+          <p:cNvSpPr/>
+          <p:nvPr/>
+        </p:nvSpPr>
+        <p:spPr>
+          <a:xfrm>
+            <a:off x="204279" y="1648507"/>
+            <a:ext cx="352803" cy="256860"/>
+          </a:xfrm>
+          <a:prstGeom prst="can">
+            <a:avLst/>
+          </a:prstGeom>
+          <a:solidFill>
+            <a:srgbClr val="00B0F0"/>
+          </a:solidFill>
+          <a:ln w="28575" cmpd="sng">
+            <a:solidFill>
+              <a:schemeClr val="tx1"/>
+            </a:solidFill>
+          </a:ln>
+          <a:effectLst/>
+        </p:spPr>
+        <p:style>
+          <a:lnRef idx="1">
+            <a:schemeClr val="accent1"/>
+          </a:lnRef>
+          <a:fillRef idx="3">
+            <a:schemeClr val="accent1"/>
+          </a:fillRef>
+          <a:effectRef idx="2">
+            <a:schemeClr val="accent1"/>
+          </a:effectRef>
+          <a:fontRef idx="minor">
+            <a:schemeClr val="lt1"/>
+          </a:fontRef>
+        </p:style>
+        <p:txBody>
+          <a:bodyPr rtlCol="0" anchor="ctr"/>
+          <a:lstStyle/>
+          <a:p>
+            <a:pPr algn="ctr"/>
+            <a:endParaRPr lang="en-US" sz="2000" dirty="0">
+              <a:solidFill>
+                <a:schemeClr val="tx1"/>
+              </a:solidFill>
+            </a:endParaRPr>
+          </a:p>
+        </p:txBody>
+      </p:sp>
+      <p:sp>
+        <p:nvSpPr>
+          <p:cNvPr id="40" name="Rounded Rectangle 39">
+            <a:extLst>
+              <a:ext uri="{FF2B5EF4-FFF2-40B4-BE49-F238E27FC236}">
+                <a16:creationId xmlns:a16="http://schemas.microsoft.com/office/drawing/2014/main" id="{D256122A-BACC-C29E-B6B3-27D574AC4212}"/>
+              </a:ext>
+            </a:extLst>
+          </p:cNvPr>
+          <p:cNvSpPr/>
+          <p:nvPr/>
+        </p:nvSpPr>
+        <p:spPr>
+          <a:xfrm>
+            <a:off x="54080" y="407989"/>
+            <a:ext cx="1449546" cy="4138552"/>
+          </a:xfrm>
+          <a:prstGeom prst="roundRect">
+            <a:avLst>
+              <a:gd name="adj" fmla="val 16324"/>
+            </a:avLst>
+          </a:prstGeom>
+          <a:noFill/>
+          <a:ln w="38100">
+            <a:solidFill>
+              <a:schemeClr val="tx1"/>
+            </a:solidFill>
+          </a:ln>
+        </p:spPr>
+        <p:style>
+          <a:lnRef idx="2">
+            <a:schemeClr val="accent1">
+              <a:shade val="15000"/>
+            </a:schemeClr>
+          </a:lnRef>
+          <a:fillRef idx="1">
+            <a:schemeClr val="accent1"/>
+          </a:fillRef>
+          <a:effectRef idx="0">
+            <a:schemeClr val="accent1"/>
+          </a:effectRef>
+          <a:fontRef idx="minor">
+            <a:schemeClr val="lt1"/>
+          </a:fontRef>
+        </p:style>
+        <p:txBody>
+          <a:bodyPr rtlCol="0" anchor="ctr"/>
+          <a:lstStyle/>
+          <a:p>
+            <a:pPr algn="ctr"/>
+            <a:endParaRPr lang="en-US"/>
+          </a:p>
+        </p:txBody>
+      </p:sp>
+      <p:sp>
+        <p:nvSpPr>
+          <p:cNvPr id="19" name="Can 18">
+            <a:extLst>
+              <a:ext uri="{FF2B5EF4-FFF2-40B4-BE49-F238E27FC236}">
+                <a16:creationId xmlns:a16="http://schemas.microsoft.com/office/drawing/2014/main" id="{8B693777-3C7B-AD27-270B-D44D99B903F4}"/>
+              </a:ext>
+            </a:extLst>
+          </p:cNvPr>
+          <p:cNvSpPr/>
+          <p:nvPr/>
+        </p:nvSpPr>
+        <p:spPr>
+          <a:xfrm>
+            <a:off x="203416" y="3317607"/>
+            <a:ext cx="352803" cy="256860"/>
+          </a:xfrm>
+          <a:prstGeom prst="can">
+            <a:avLst/>
+          </a:prstGeom>
+          <a:solidFill>
+            <a:srgbClr val="002060"/>
+          </a:solidFill>
+          <a:ln w="28575" cmpd="sng">
+            <a:solidFill>
+              <a:schemeClr val="tx1"/>
+            </a:solidFill>
+          </a:ln>
+          <a:effectLst/>
+        </p:spPr>
+        <p:style>
+          <a:lnRef idx="1">
+            <a:schemeClr val="accent1"/>
+          </a:lnRef>
+          <a:fillRef idx="3">
+            <a:schemeClr val="accent1"/>
+          </a:fillRef>
+          <a:effectRef idx="2">
+            <a:schemeClr val="accent1"/>
+          </a:effectRef>
+          <a:fontRef idx="minor">
+            <a:schemeClr val="lt1"/>
+          </a:fontRef>
+        </p:style>
+        <p:txBody>
+          <a:bodyPr rtlCol="0" anchor="ctr"/>
+          <a:lstStyle/>
+          <a:p>
+            <a:pPr algn="ctr"/>
+            <a:endParaRPr lang="en-US" sz="2000" dirty="0">
+              <a:solidFill>
+                <a:schemeClr val="tx1"/>
+              </a:solidFill>
+            </a:endParaRPr>
+          </a:p>
+        </p:txBody>
+      </p:sp>
+      <p:cxnSp>
+        <p:nvCxnSpPr>
+          <p:cNvPr id="20" name="Elbow Connector 19">
+            <a:extLst>
+              <a:ext uri="{FF2B5EF4-FFF2-40B4-BE49-F238E27FC236}">
+                <a16:creationId xmlns:a16="http://schemas.microsoft.com/office/drawing/2014/main" id="{174AF457-E839-E1D1-5041-DC03CE5C781B}"/>
+              </a:ext>
+            </a:extLst>
+          </p:cNvPr>
+          <p:cNvCxnSpPr>
+            <a:cxnSpLocks/>
+            <a:stCxn id="19" idx="4"/>
+            <a:endCxn id="13" idx="2"/>
+          </p:cNvCxnSpPr>
+          <p:nvPr/>
+        </p:nvCxnSpPr>
+        <p:spPr>
+          <a:xfrm>
+            <a:off x="556219" y="3446037"/>
+            <a:ext cx="434266" cy="843645"/>
+          </a:xfrm>
+          <a:prstGeom prst="bentConnector3">
+            <a:avLst>
+              <a:gd name="adj1" fmla="val 41796"/>
+            </a:avLst>
+          </a:prstGeom>
+          <a:ln w="28575" cap="flat" cmpd="sng" algn="ctr">
+            <a:solidFill>
+              <a:schemeClr val="dk1"/>
+            </a:solidFill>
+            <a:prstDash val="solid"/>
+            <a:round/>
+            <a:headEnd type="none" w="med" len="med"/>
+            <a:tailEnd type="arrow" w="med" len="med"/>
+          </a:ln>
+        </p:spPr>
+        <p:style>
+          <a:lnRef idx="0">
+            <a:scrgbClr r="0" g="0" b="0"/>
+          </a:lnRef>
+          <a:fillRef idx="0">
+            <a:scrgbClr r="0" g="0" b="0"/>
+          </a:fillRef>
+          <a:effectRef idx="0">
+            <a:scrgbClr r="0" g="0" b="0"/>
+          </a:effectRef>
+          <a:fontRef idx="minor">
+            <a:schemeClr val="tx1"/>
+          </a:fontRef>
+        </p:style>
+      </p:cxnSp>
+      <p:cxnSp>
+        <p:nvCxnSpPr>
+          <p:cNvPr id="24" name="Elbow Connector 23">
+            <a:extLst>
+              <a:ext uri="{FF2B5EF4-FFF2-40B4-BE49-F238E27FC236}">
+                <a16:creationId xmlns:a16="http://schemas.microsoft.com/office/drawing/2014/main" id="{E028963D-4227-B591-2C76-1C2A488E291F}"/>
+              </a:ext>
+            </a:extLst>
+          </p:cNvPr>
+          <p:cNvCxnSpPr>
+            <a:cxnSpLocks/>
+            <a:stCxn id="77" idx="4"/>
+            <a:endCxn id="11" idx="2"/>
+          </p:cNvCxnSpPr>
+          <p:nvPr/>
+        </p:nvCxnSpPr>
+        <p:spPr>
+          <a:xfrm>
+            <a:off x="556350" y="1983036"/>
+            <a:ext cx="429479" cy="505016"/>
+          </a:xfrm>
+          <a:prstGeom prst="bentConnector3">
+            <a:avLst>
+              <a:gd name="adj1" fmla="val 50000"/>
+            </a:avLst>
+          </a:prstGeom>
+          <a:ln w="28575" cap="flat" cmpd="sng" algn="ctr">
+            <a:solidFill>
+              <a:schemeClr val="dk1"/>
+            </a:solidFill>
+            <a:prstDash val="solid"/>
+            <a:round/>
+            <a:headEnd type="none" w="med" len="med"/>
+            <a:tailEnd type="arrow" w="med" len="med"/>
+          </a:ln>
+        </p:spPr>
+        <p:style>
+          <a:lnRef idx="0">
+            <a:scrgbClr r="0" g="0" b="0"/>
+          </a:lnRef>
+          <a:fillRef idx="0">
+            <a:scrgbClr r="0" g="0" b="0"/>
+          </a:fillRef>
+          <a:effectRef idx="0">
+            <a:scrgbClr r="0" g="0" b="0"/>
+          </a:effectRef>
+          <a:fontRef idx="minor">
+            <a:schemeClr val="tx1"/>
+          </a:fontRef>
+        </p:style>
+      </p:cxnSp>
+      <p:cxnSp>
+        <p:nvCxnSpPr>
+          <p:cNvPr id="33" name="Elbow Connector 32">
+            <a:extLst>
+              <a:ext uri="{FF2B5EF4-FFF2-40B4-BE49-F238E27FC236}">
+                <a16:creationId xmlns:a16="http://schemas.microsoft.com/office/drawing/2014/main" id="{F3C6F498-3307-A670-9DF3-EC217B8D421C}"/>
+              </a:ext>
+            </a:extLst>
+          </p:cNvPr>
+          <p:cNvCxnSpPr>
+            <a:cxnSpLocks/>
+            <a:stCxn id="78" idx="4"/>
+            <a:endCxn id="7" idx="2"/>
+          </p:cNvCxnSpPr>
+          <p:nvPr/>
+        </p:nvCxnSpPr>
+        <p:spPr>
+          <a:xfrm flipV="1">
+            <a:off x="557082" y="1421700"/>
+            <a:ext cx="428746" cy="355237"/>
+          </a:xfrm>
+          <a:prstGeom prst="bentConnector3">
+            <a:avLst>
+              <a:gd name="adj1" fmla="val 50000"/>
+            </a:avLst>
+          </a:prstGeom>
+          <a:ln w="28575" cap="flat" cmpd="sng" algn="ctr">
+            <a:solidFill>
+              <a:schemeClr val="dk1"/>
+            </a:solidFill>
+            <a:prstDash val="solid"/>
+            <a:round/>
+            <a:headEnd type="none" w="med" len="med"/>
+            <a:tailEnd type="arrow" w="med" len="med"/>
+          </a:ln>
+        </p:spPr>
+        <p:style>
+          <a:lnRef idx="0">
+            <a:scrgbClr r="0" g="0" b="0"/>
+          </a:lnRef>
+          <a:fillRef idx="0">
+            <a:scrgbClr r="0" g="0" b="0"/>
+          </a:fillRef>
+          <a:effectRef idx="0">
+            <a:scrgbClr r="0" g="0" b="0"/>
+          </a:effectRef>
+          <a:fontRef idx="minor">
+            <a:schemeClr val="tx1"/>
+          </a:fontRef>
+        </p:style>
+      </p:cxnSp>
+      <p:sp>
+        <p:nvSpPr>
+          <p:cNvPr id="43" name="Oval 42">
+            <a:extLst>
+              <a:ext uri="{FF2B5EF4-FFF2-40B4-BE49-F238E27FC236}">
+                <a16:creationId xmlns:a16="http://schemas.microsoft.com/office/drawing/2014/main" id="{A9FD2EC4-7336-AF0A-138F-04D278CE9CBE}"/>
+              </a:ext>
+            </a:extLst>
+          </p:cNvPr>
+          <p:cNvSpPr/>
+          <p:nvPr/>
+        </p:nvSpPr>
+        <p:spPr>
+          <a:xfrm>
+            <a:off x="339011" y="2255561"/>
+            <a:ext cx="73705" cy="73705"/>
           </a:xfrm>
           <a:prstGeom prst="ellipse">
             <a:avLst/>
@@ -5243,16 +4738,52 @@
           <a:lstStyle/>
           <a:p>
             <a:pPr algn="ctr"/>
-            <a:endParaRPr lang="en-US" sz="1200"/>
-          </a:p>
-        </p:txBody>
-      </p:sp>
-      <p:sp>
-        <p:nvSpPr>
-          <p:cNvPr id="62" name="Oval 61">
-            <a:extLst>
-              <a:ext uri="{FF2B5EF4-FFF2-40B4-BE49-F238E27FC236}">
-                <a16:creationId xmlns:a16="http://schemas.microsoft.com/office/drawing/2014/main" id="{609AD213-6417-0CD7-1C21-7009D0F4CA51}"/>
+            <a:endParaRPr lang="en-US"/>
+          </a:p>
+        </p:txBody>
+      </p:sp>
+      <p:sp>
+        <p:nvSpPr>
+          <p:cNvPr id="55" name="TextBox 54">
+            <a:extLst>
+              <a:ext uri="{FF2B5EF4-FFF2-40B4-BE49-F238E27FC236}">
+                <a16:creationId xmlns:a16="http://schemas.microsoft.com/office/drawing/2014/main" id="{CA0053DF-C039-334E-4299-E9AC4AC74578}"/>
+              </a:ext>
+            </a:extLst>
+          </p:cNvPr>
+          <p:cNvSpPr txBox="1"/>
+          <p:nvPr/>
+        </p:nvSpPr>
+        <p:spPr>
+          <a:xfrm>
+            <a:off x="66099" y="411305"/>
+            <a:ext cx="1425502" cy="523220"/>
+          </a:xfrm>
+          <a:prstGeom prst="rect">
+            <a:avLst/>
+          </a:prstGeom>
+          <a:noFill/>
+        </p:spPr>
+        <p:txBody>
+          <a:bodyPr wrap="square">
+            <a:spAutoFit/>
+          </a:bodyPr>
+          <a:lstStyle/>
+          <a:p>
+            <a:pPr algn="ctr"/>
+            <a:r>
+              <a:rPr lang="en-US" sz="1400" b="1" dirty="0"/>
+              <a:t>Data Partitioning</a:t>
+            </a:r>
+          </a:p>
+        </p:txBody>
+      </p:sp>
+      <p:sp>
+        <p:nvSpPr>
+          <p:cNvPr id="65" name="Oval 64">
+            <a:extLst>
+              <a:ext uri="{FF2B5EF4-FFF2-40B4-BE49-F238E27FC236}">
+                <a16:creationId xmlns:a16="http://schemas.microsoft.com/office/drawing/2014/main" id="{DB3ECC1A-1B1A-7D2E-67E0-1D1984F69952}"/>
               </a:ext>
             </a:extLst>
           </p:cNvPr>
@@ -5261,8 +4792,8 @@
         </p:nvSpPr>
         <p:spPr>
           <a:xfrm>
-            <a:off x="2274763" y="3110404"/>
-            <a:ext cx="80683" cy="73581"/>
+            <a:off x="340433" y="2350924"/>
+            <a:ext cx="73705" cy="73705"/>
           </a:xfrm>
           <a:prstGeom prst="ellipse">
             <a:avLst/>
@@ -5295,12 +4826,304 @@
           <a:lstStyle/>
           <a:p>
             <a:pPr algn="ctr"/>
+            <a:endParaRPr lang="en-US"/>
+          </a:p>
+        </p:txBody>
+      </p:sp>
+      <p:sp>
+        <p:nvSpPr>
+          <p:cNvPr id="68" name="Oval 67">
+            <a:extLst>
+              <a:ext uri="{FF2B5EF4-FFF2-40B4-BE49-F238E27FC236}">
+                <a16:creationId xmlns:a16="http://schemas.microsoft.com/office/drawing/2014/main" id="{9215B496-7EBE-7700-D1A9-FFC6D66EB6E2}"/>
+              </a:ext>
+            </a:extLst>
+          </p:cNvPr>
+          <p:cNvSpPr/>
+          <p:nvPr/>
+        </p:nvSpPr>
+        <p:spPr>
+          <a:xfrm>
+            <a:off x="339011" y="2451991"/>
+            <a:ext cx="73705" cy="73705"/>
+          </a:xfrm>
+          <a:prstGeom prst="ellipse">
+            <a:avLst/>
+          </a:prstGeom>
+          <a:solidFill>
+            <a:schemeClr val="tx1"/>
+          </a:solidFill>
+          <a:ln>
+            <a:noFill/>
+          </a:ln>
+        </p:spPr>
+        <p:style>
+          <a:lnRef idx="2">
+            <a:schemeClr val="dk1">
+              <a:shade val="15000"/>
+            </a:schemeClr>
+          </a:lnRef>
+          <a:fillRef idx="1">
+            <a:schemeClr val="dk1"/>
+          </a:fillRef>
+          <a:effectRef idx="0">
+            <a:schemeClr val="dk1"/>
+          </a:effectRef>
+          <a:fontRef idx="minor">
+            <a:schemeClr val="lt1"/>
+          </a:fontRef>
+        </p:style>
+        <p:txBody>
+          <a:bodyPr rtlCol="0" anchor="ctr"/>
+          <a:lstStyle/>
+          <a:p>
+            <a:pPr algn="ctr"/>
+            <a:endParaRPr lang="en-US"/>
+          </a:p>
+        </p:txBody>
+      </p:sp>
+      <p:sp>
+        <p:nvSpPr>
+          <p:cNvPr id="54" name="Can 53">
+            <a:extLst>
+              <a:ext uri="{FF2B5EF4-FFF2-40B4-BE49-F238E27FC236}">
+                <a16:creationId xmlns:a16="http://schemas.microsoft.com/office/drawing/2014/main" id="{FCD2BA0B-9E62-15F2-0F91-203B7F691C22}"/>
+              </a:ext>
+            </a:extLst>
+          </p:cNvPr>
+          <p:cNvSpPr/>
+          <p:nvPr/>
+        </p:nvSpPr>
+        <p:spPr>
+          <a:xfrm>
+            <a:off x="1830690" y="1263960"/>
+            <a:ext cx="335220" cy="283781"/>
+          </a:xfrm>
+          <a:prstGeom prst="can">
+            <a:avLst/>
+          </a:prstGeom>
+          <a:solidFill>
+            <a:srgbClr val="00B0F0"/>
+          </a:solidFill>
+          <a:ln w="28575" cmpd="sng">
+            <a:solidFill>
+              <a:schemeClr val="tx1"/>
+            </a:solidFill>
+          </a:ln>
+          <a:effectLst/>
+        </p:spPr>
+        <p:style>
+          <a:lnRef idx="1">
+            <a:schemeClr val="accent1"/>
+          </a:lnRef>
+          <a:fillRef idx="3">
+            <a:schemeClr val="accent1"/>
+          </a:fillRef>
+          <a:effectRef idx="2">
+            <a:schemeClr val="accent1"/>
+          </a:effectRef>
+          <a:fontRef idx="minor">
+            <a:schemeClr val="lt1"/>
+          </a:fontRef>
+        </p:style>
+        <p:txBody>
+          <a:bodyPr rtlCol="0" anchor="ctr"/>
+          <a:lstStyle/>
+          <a:p>
+            <a:pPr algn="ctr"/>
+            <a:r>
+              <a:rPr lang="en-US" sz="1400" dirty="0">
+                <a:solidFill>
+                  <a:schemeClr val="bg1"/>
+                </a:solidFill>
+              </a:rPr>
+              <a:t>S</a:t>
+            </a:r>
+            <a:r>
+              <a:rPr lang="en-US" sz="1400" baseline="-25000" dirty="0">
+                <a:solidFill>
+                  <a:schemeClr val="bg1"/>
+                </a:solidFill>
+              </a:rPr>
+              <a:t>1</a:t>
+            </a:r>
+          </a:p>
+        </p:txBody>
+      </p:sp>
+      <p:sp>
+        <p:nvSpPr>
+          <p:cNvPr id="57" name="Can 56">
+            <a:extLst>
+              <a:ext uri="{FF2B5EF4-FFF2-40B4-BE49-F238E27FC236}">
+                <a16:creationId xmlns:a16="http://schemas.microsoft.com/office/drawing/2014/main" id="{2B760F0A-FA92-C0BD-0A8C-47BF22E25B08}"/>
+              </a:ext>
+            </a:extLst>
+          </p:cNvPr>
+          <p:cNvSpPr/>
+          <p:nvPr/>
+        </p:nvSpPr>
+        <p:spPr>
+          <a:xfrm>
+            <a:off x="1853819" y="2332869"/>
+            <a:ext cx="335220" cy="283781"/>
+          </a:xfrm>
+          <a:prstGeom prst="can">
+            <a:avLst/>
+          </a:prstGeom>
+          <a:solidFill>
+            <a:srgbClr val="0070C0"/>
+          </a:solidFill>
+          <a:ln w="28575" cmpd="sng">
+            <a:solidFill>
+              <a:schemeClr val="tx1"/>
+            </a:solidFill>
+          </a:ln>
+          <a:effectLst/>
+        </p:spPr>
+        <p:style>
+          <a:lnRef idx="1">
+            <a:schemeClr val="accent1"/>
+          </a:lnRef>
+          <a:fillRef idx="3">
+            <a:schemeClr val="accent1"/>
+          </a:fillRef>
+          <a:effectRef idx="2">
+            <a:schemeClr val="accent1"/>
+          </a:effectRef>
+          <a:fontRef idx="minor">
+            <a:schemeClr val="lt1"/>
+          </a:fontRef>
+        </p:style>
+        <p:txBody>
+          <a:bodyPr rtlCol="0" anchor="ctr"/>
+          <a:lstStyle/>
+          <a:p>
+            <a:pPr algn="ctr"/>
+            <a:r>
+              <a:rPr lang="en-US" sz="1400" dirty="0">
+                <a:solidFill>
+                  <a:schemeClr val="bg1"/>
+                </a:solidFill>
+              </a:rPr>
+              <a:t>S</a:t>
+            </a:r>
+            <a:r>
+              <a:rPr lang="en-US" sz="1400" baseline="-25000" dirty="0">
+                <a:solidFill>
+                  <a:schemeClr val="bg1"/>
+                </a:solidFill>
+              </a:rPr>
+              <a:t>2</a:t>
+            </a:r>
+          </a:p>
+        </p:txBody>
+      </p:sp>
+      <p:sp>
+        <p:nvSpPr>
+          <p:cNvPr id="61" name="Oval 60">
+            <a:extLst>
+              <a:ext uri="{FF2B5EF4-FFF2-40B4-BE49-F238E27FC236}">
+                <a16:creationId xmlns:a16="http://schemas.microsoft.com/office/drawing/2014/main" id="{C6EEB280-2770-A6CC-EBE1-54F209B714EB}"/>
+              </a:ext>
+            </a:extLst>
+          </p:cNvPr>
+          <p:cNvSpPr/>
+          <p:nvPr/>
+        </p:nvSpPr>
+        <p:spPr>
+          <a:xfrm>
+            <a:off x="1966356" y="2991815"/>
+            <a:ext cx="80683" cy="81281"/>
+          </a:xfrm>
+          <a:prstGeom prst="ellipse">
+            <a:avLst/>
+          </a:prstGeom>
+          <a:solidFill>
+            <a:schemeClr val="tx1"/>
+          </a:solidFill>
+          <a:ln>
+            <a:noFill/>
+          </a:ln>
+        </p:spPr>
+        <p:style>
+          <a:lnRef idx="2">
+            <a:schemeClr val="dk1">
+              <a:shade val="15000"/>
+            </a:schemeClr>
+          </a:lnRef>
+          <a:fillRef idx="1">
+            <a:schemeClr val="dk1"/>
+          </a:fillRef>
+          <a:effectRef idx="0">
+            <a:schemeClr val="dk1"/>
+          </a:effectRef>
+          <a:fontRef idx="minor">
+            <a:schemeClr val="lt1"/>
+          </a:fontRef>
+        </p:style>
+        <p:txBody>
+          <a:bodyPr rtlCol="0" anchor="ctr"/>
+          <a:lstStyle/>
+          <a:p>
+            <a:pPr algn="ctr"/>
             <a:endParaRPr lang="en-US" sz="1200"/>
           </a:p>
         </p:txBody>
       </p:sp>
       <p:sp>
         <p:nvSpPr>
+          <p:cNvPr id="62" name="Oval 61">
+            <a:extLst>
+              <a:ext uri="{FF2B5EF4-FFF2-40B4-BE49-F238E27FC236}">
+                <a16:creationId xmlns:a16="http://schemas.microsoft.com/office/drawing/2014/main" id="{609AD213-6417-0CD7-1C21-7009D0F4CA51}"/>
+              </a:ext>
+            </a:extLst>
+          </p:cNvPr>
+          <p:cNvSpPr/>
+          <p:nvPr/>
+        </p:nvSpPr>
+        <p:spPr>
+          <a:xfrm>
+            <a:off x="1966356" y="3138371"/>
+            <a:ext cx="80683" cy="83489"/>
+          </a:xfrm>
+          <a:prstGeom prst="ellipse">
+            <a:avLst/>
+          </a:prstGeom>
+          <a:solidFill>
+            <a:schemeClr val="tx1"/>
+          </a:solidFill>
+          <a:ln>
+            <a:noFill/>
+          </a:ln>
+        </p:spPr>
+        <p:style>
+          <a:lnRef idx="2">
+            <a:schemeClr val="dk1">
+              <a:shade val="15000"/>
+            </a:schemeClr>
+          </a:lnRef>
+          <a:fillRef idx="1">
+            <a:schemeClr val="dk1"/>
+          </a:fillRef>
+          <a:effectRef idx="0">
+            <a:schemeClr val="dk1"/>
+          </a:effectRef>
+          <a:fontRef idx="minor">
+            <a:schemeClr val="lt1"/>
+          </a:fontRef>
+        </p:style>
+        <p:txBody>
+          <a:bodyPr rtlCol="0" anchor="ctr"/>
+          <a:lstStyle/>
+          <a:p>
+            <a:pPr algn="ctr"/>
+            <a:endParaRPr lang="en-US" sz="1200"/>
+          </a:p>
+        </p:txBody>
+      </p:sp>
+      <p:sp>
+        <p:nvSpPr>
           <p:cNvPr id="63" name="Card 62">
             <a:extLst>
               <a:ext uri="{FF2B5EF4-FFF2-40B4-BE49-F238E27FC236}">
@@ -5313,8 +5136,8 @@
         </p:nvSpPr>
         <p:spPr>
           <a:xfrm flipH="1">
-            <a:off x="2729052" y="1511024"/>
-            <a:ext cx="1537187" cy="283781"/>
+            <a:off x="2420645" y="1586776"/>
+            <a:ext cx="1098768" cy="283781"/>
           </a:xfrm>
           <a:prstGeom prst="flowChartPunchedCard">
             <a:avLst/>
@@ -5378,8 +5201,8 @@
         </p:nvSpPr>
         <p:spPr>
           <a:xfrm flipH="1">
-            <a:off x="2736502" y="1884439"/>
-            <a:ext cx="1536052" cy="690559"/>
+            <a:off x="2428094" y="1971014"/>
+            <a:ext cx="1097957" cy="386824"/>
           </a:xfrm>
           <a:prstGeom prst="flowChartPunchedCard">
             <a:avLst/>
@@ -5419,18 +5242,35 @@
                   <a:schemeClr val="tx1"/>
                 </a:solidFill>
               </a:rPr>
-              <a:t>OI</a:t>
-            </a:r>
-          </a:p>
-          <a:p>
-            <a:pPr algn="ctr"/>
+              <a:t>OI </a:t>
+            </a:r>
+            <a:r>
+              <a:rPr lang="en-US" sz="1400" b="0" i="0" dirty="0">
+                <a:solidFill>
+                  <a:schemeClr val="tx1"/>
+                </a:solidFill>
+                <a:effectLst/>
+                <a:latin typeface="Google Sans"/>
+              </a:rPr>
+              <a:t>⊨</a:t>
+            </a:r>
+            <a:r>
+              <a:rPr lang="en-US" sz="1400" b="0" i="0" dirty="0">
+                <a:solidFill>
+                  <a:srgbClr val="4D5156"/>
+                </a:solidFill>
+                <a:effectLst/>
+                <a:latin typeface="Google Sans"/>
+              </a:rPr>
+              <a:t> </a:t>
+            </a:r>
             <a:r>
               <a:rPr lang="en-US" sz="1400" dirty="0">
                 <a:solidFill>
                   <a:schemeClr val="tx1"/>
                 </a:solidFill>
               </a:rPr>
-              <a:t>Parameters: [P</a:t>
+              <a:t>P</a:t>
             </a:r>
             <a:r>
               <a:rPr lang="en-US" sz="1400" baseline="-25000" dirty="0">
@@ -5446,32 +5286,16 @@
                   <a:schemeClr val="tx1"/>
                 </a:solidFill>
               </a:rPr>
-              <a:t>:</a:t>
-            </a:r>
-            <a:r>
-              <a:rPr lang="en-US" sz="1400" b="1" dirty="0">
+              <a:t>:v</a:t>
+            </a:r>
+            <a:r>
+              <a:rPr lang="en-US" sz="1400" baseline="-25000" dirty="0">
                 <a:solidFill>
                   <a:schemeClr val="tx1"/>
                 </a:solidFill>
               </a:rPr>
-              <a:t>b</a:t>
-            </a:r>
-            <a:r>
-              <a:rPr lang="en-US" sz="1400" dirty="0">
-                <a:solidFill>
-                  <a:schemeClr val="tx1"/>
-                </a:solidFill>
-              </a:rPr>
-              <a:t>,…]</a:t>
-            </a:r>
-          </a:p>
-          <a:p>
-            <a:pPr algn="ctr"/>
-            <a:endParaRPr lang="en-US" sz="1400" dirty="0">
-              <a:solidFill>
-                <a:schemeClr val="tx1"/>
-              </a:solidFill>
-            </a:endParaRPr>
+              <a:t>1_2</a:t>
+            </a:r>
           </a:p>
         </p:txBody>
       </p:sp>
@@ -5489,8 +5313,8 @@
         </p:nvSpPr>
         <p:spPr>
           <a:xfrm flipH="1">
-            <a:off x="2729051" y="2742129"/>
-            <a:ext cx="1536051" cy="300300"/>
+            <a:off x="2420644" y="2828703"/>
+            <a:ext cx="1097956" cy="300300"/>
           </a:xfrm>
           <a:prstGeom prst="flowChartPunchedCard">
             <a:avLst/>
@@ -5558,8 +5382,8 @@
         </p:nvCxnSpPr>
         <p:spPr>
           <a:xfrm flipV="1">
-            <a:off x="2497446" y="2229719"/>
-            <a:ext cx="239056" cy="207166"/>
+            <a:off x="2189039" y="2164426"/>
+            <a:ext cx="239055" cy="310334"/>
           </a:xfrm>
           <a:prstGeom prst="bentConnector3">
             <a:avLst/>
@@ -5607,8 +5431,8 @@
         </p:nvCxnSpPr>
         <p:spPr>
           <a:xfrm>
-            <a:off x="2497446" y="2436885"/>
-            <a:ext cx="231605" cy="455394"/>
+            <a:off x="2189039" y="2474760"/>
+            <a:ext cx="231605" cy="504093"/>
           </a:xfrm>
           <a:prstGeom prst="bentConnector3">
             <a:avLst>
@@ -5658,8 +5482,8 @@
         </p:nvCxnSpPr>
         <p:spPr>
           <a:xfrm flipV="1">
-            <a:off x="2474317" y="1028212"/>
-            <a:ext cx="255868" cy="339764"/>
+            <a:off x="2165910" y="920271"/>
+            <a:ext cx="255868" cy="485580"/>
           </a:xfrm>
           <a:prstGeom prst="bentConnector3">
             <a:avLst/>
@@ -5707,8 +5531,8 @@
         </p:nvCxnSpPr>
         <p:spPr>
           <a:xfrm>
-            <a:off x="2474317" y="1367976"/>
-            <a:ext cx="254735" cy="284939"/>
+            <a:off x="2165910" y="1405851"/>
+            <a:ext cx="254735" cy="322816"/>
           </a:xfrm>
           <a:prstGeom prst="bentConnector3">
             <a:avLst>
@@ -5752,14 +5576,14 @@
           <p:cNvCxnSpPr>
             <a:cxnSpLocks/>
             <a:stCxn id="69" idx="1"/>
-            <a:endCxn id="146" idx="2"/>
+            <a:endCxn id="508" idx="2"/>
           </p:cNvCxnSpPr>
           <p:nvPr/>
         </p:nvCxnSpPr>
         <p:spPr>
           <a:xfrm flipV="1">
-            <a:off x="4265102" y="2771252"/>
-            <a:ext cx="403714" cy="121027"/>
+            <a:off x="3518600" y="2840424"/>
+            <a:ext cx="640466" cy="138429"/>
           </a:xfrm>
           <a:prstGeom prst="bentConnector2">
             <a:avLst/>
@@ -5801,14 +5625,14 @@
           <p:cNvCxnSpPr>
             <a:cxnSpLocks/>
             <a:stCxn id="64" idx="1"/>
-            <a:endCxn id="146" idx="0"/>
+            <a:endCxn id="508" idx="0"/>
           </p:cNvCxnSpPr>
           <p:nvPr/>
         </p:nvCxnSpPr>
         <p:spPr>
           <a:xfrm>
-            <a:off x="4272554" y="2229719"/>
-            <a:ext cx="396262" cy="119348"/>
+            <a:off x="3526051" y="2164426"/>
+            <a:ext cx="633015" cy="144589"/>
           </a:xfrm>
           <a:prstGeom prst="bentConnector2">
             <a:avLst/>
@@ -5852,8 +5676,8 @@
         </p:nvSpPr>
         <p:spPr>
           <a:xfrm>
-            <a:off x="2274763" y="2815084"/>
-            <a:ext cx="80683" cy="73581"/>
+            <a:off x="1966356" y="2840849"/>
+            <a:ext cx="80683" cy="85691"/>
           </a:xfrm>
           <a:prstGeom prst="ellipse">
             <a:avLst/>
@@ -5904,8 +5728,8 @@
         </p:nvSpPr>
         <p:spPr>
           <a:xfrm flipH="1">
-            <a:off x="2730185" y="696690"/>
-            <a:ext cx="1537187" cy="663044"/>
+            <a:off x="2421778" y="734565"/>
+            <a:ext cx="1093434" cy="371411"/>
           </a:xfrm>
           <a:prstGeom prst="flowChartPunchedCard">
             <a:avLst/>
@@ -5945,18 +5769,35 @@
                   <a:schemeClr val="tx1"/>
                 </a:solidFill>
               </a:rPr>
-              <a:t>OI</a:t>
-            </a:r>
-          </a:p>
-          <a:p>
-            <a:pPr algn="ctr"/>
+              <a:t>OI </a:t>
+            </a:r>
+            <a:r>
+              <a:rPr lang="en-US" sz="1400" b="0" i="0" dirty="0">
+                <a:solidFill>
+                  <a:schemeClr val="tx1"/>
+                </a:solidFill>
+                <a:effectLst/>
+                <a:latin typeface="Google Sans"/>
+              </a:rPr>
+              <a:t>⊨</a:t>
+            </a:r>
+            <a:r>
+              <a:rPr lang="en-US" sz="1400" b="0" i="0" dirty="0">
+                <a:solidFill>
+                  <a:srgbClr val="4D5156"/>
+                </a:solidFill>
+                <a:effectLst/>
+                <a:latin typeface="Google Sans"/>
+              </a:rPr>
+              <a:t> </a:t>
+            </a:r>
             <a:r>
               <a:rPr lang="en-US" sz="1400" dirty="0">
                 <a:solidFill>
                   <a:schemeClr val="tx1"/>
                 </a:solidFill>
               </a:rPr>
-              <a:t>Parameters: [P</a:t>
+              <a:t>P</a:t>
             </a:r>
             <a:r>
               <a:rPr lang="en-US" sz="1400" baseline="-25000" dirty="0">
@@ -5972,32 +5813,16 @@
                   <a:schemeClr val="tx1"/>
                 </a:solidFill>
               </a:rPr>
-              <a:t>:</a:t>
-            </a:r>
-            <a:r>
-              <a:rPr lang="en-US" sz="1400" b="1" dirty="0">
+              <a:t>:v</a:t>
+            </a:r>
+            <a:r>
+              <a:rPr lang="en-US" sz="1400" baseline="-25000" dirty="0">
                 <a:solidFill>
                   <a:schemeClr val="tx1"/>
                 </a:solidFill>
               </a:rPr>
-              <a:t>a</a:t>
-            </a:r>
-            <a:r>
-              <a:rPr lang="en-US" sz="1400" dirty="0">
-                <a:solidFill>
-                  <a:schemeClr val="tx1"/>
-                </a:solidFill>
-              </a:rPr>
-              <a:t>,…]</a:t>
-            </a:r>
-          </a:p>
-          <a:p>
-            <a:pPr algn="ctr"/>
-            <a:endParaRPr lang="en-US" sz="1400" dirty="0">
-              <a:solidFill>
-                <a:schemeClr val="tx1"/>
-              </a:solidFill>
-            </a:endParaRPr>
+              <a:t>1_1</a:t>
+            </a:r>
           </a:p>
         </p:txBody>
       </p:sp>
@@ -6015,8 +5840,8 @@
         </p:nvSpPr>
         <p:spPr>
           <a:xfrm>
-            <a:off x="4309461" y="1148987"/>
-            <a:ext cx="718709" cy="392194"/>
+            <a:off x="3533504" y="1062990"/>
+            <a:ext cx="1249093" cy="531409"/>
           </a:xfrm>
           <a:prstGeom prst="flowChartDecision">
             <a:avLst/>
@@ -6060,8 +5885,8 @@
         </p:nvSpPr>
         <p:spPr>
           <a:xfrm>
-            <a:off x="4344943" y="1179933"/>
-            <a:ext cx="605420" cy="307777"/>
+            <a:off x="3595002" y="1163701"/>
+            <a:ext cx="1046954" cy="307777"/>
           </a:xfrm>
           <a:prstGeom prst="rect">
             <a:avLst/>
@@ -6077,11 +5902,11 @@
             <a:pPr algn="ctr"/>
             <a:r>
               <a:rPr lang="en-US" sz="1400" dirty="0"/>
-              <a:t>ARI</a:t>
+              <a:t>SimS</a:t>
             </a:r>
             <a:r>
               <a:rPr lang="en-US" sz="1400" baseline="-25000" dirty="0"/>
-              <a:t>1_a</a:t>
+              <a:t>1_1</a:t>
             </a:r>
           </a:p>
         </p:txBody>
@@ -6104,8 +5929,8 @@
         </p:nvCxnSpPr>
         <p:spPr>
           <a:xfrm flipV="1">
-            <a:off x="4266239" y="1541181"/>
-            <a:ext cx="402577" cy="111734"/>
+            <a:off x="3519413" y="1594399"/>
+            <a:ext cx="638638" cy="134268"/>
           </a:xfrm>
           <a:prstGeom prst="bentConnector2">
             <a:avLst/>
@@ -6153,8 +5978,8 @@
         </p:nvCxnSpPr>
         <p:spPr>
           <a:xfrm>
-            <a:off x="4267372" y="1028212"/>
-            <a:ext cx="401444" cy="120775"/>
+            <a:off x="3515212" y="920271"/>
+            <a:ext cx="642839" cy="142719"/>
           </a:xfrm>
           <a:prstGeom prst="bentConnector2">
             <a:avLst/>
@@ -6184,12 +6009,112 @@
           </a:fontRef>
         </p:style>
       </p:cxnSp>
-      <p:sp>
-        <p:nvSpPr>
-          <p:cNvPr id="146" name="Decision 145">
-            <a:extLst>
-              <a:ext uri="{FF2B5EF4-FFF2-40B4-BE49-F238E27FC236}">
-                <a16:creationId xmlns:a16="http://schemas.microsoft.com/office/drawing/2014/main" id="{EBF5C562-48B7-748D-785C-3078693307F1}"/>
+      <p:cxnSp>
+        <p:nvCxnSpPr>
+          <p:cNvPr id="195" name="Straight Arrow Connector 194">
+            <a:extLst>
+              <a:ext uri="{FF2B5EF4-FFF2-40B4-BE49-F238E27FC236}">
+                <a16:creationId xmlns:a16="http://schemas.microsoft.com/office/drawing/2014/main" id="{A417EC42-B088-CC5A-6672-FDBA61184381}"/>
+              </a:ext>
+            </a:extLst>
+          </p:cNvPr>
+          <p:cNvCxnSpPr>
+            <a:cxnSpLocks/>
+            <a:stCxn id="218" idx="3"/>
+            <a:endCxn id="197" idx="0"/>
+          </p:cNvCxnSpPr>
+          <p:nvPr/>
+        </p:nvCxnSpPr>
+        <p:spPr>
+          <a:xfrm>
+            <a:off x="7539294" y="2630072"/>
+            <a:ext cx="166" cy="137946"/>
+          </a:xfrm>
+          <a:prstGeom prst="straightConnector1">
+            <a:avLst/>
+          </a:prstGeom>
+          <a:ln w="19050" cap="flat" cmpd="sng" algn="ctr">
+            <a:solidFill>
+              <a:schemeClr val="tx1"/>
+            </a:solidFill>
+            <a:prstDash val="solid"/>
+            <a:round/>
+            <a:headEnd type="none" w="med" len="med"/>
+            <a:tailEnd type="arrow" w="med" len="med"/>
+          </a:ln>
+          <a:effectLst/>
+        </p:spPr>
+        <p:style>
+          <a:lnRef idx="2">
+            <a:schemeClr val="accent1"/>
+          </a:lnRef>
+          <a:fillRef idx="0">
+            <a:schemeClr val="accent1"/>
+          </a:fillRef>
+          <a:effectRef idx="1">
+            <a:schemeClr val="accent1"/>
+          </a:effectRef>
+          <a:fontRef idx="minor">
+            <a:schemeClr val="tx1"/>
+          </a:fontRef>
+        </p:style>
+      </p:cxnSp>
+      <p:cxnSp>
+        <p:nvCxnSpPr>
+          <p:cNvPr id="196" name="Straight Arrow Connector 195">
+            <a:extLst>
+              <a:ext uri="{FF2B5EF4-FFF2-40B4-BE49-F238E27FC236}">
+                <a16:creationId xmlns:a16="http://schemas.microsoft.com/office/drawing/2014/main" id="{621A4216-640B-A298-F672-B6EE706C6841}"/>
+              </a:ext>
+            </a:extLst>
+          </p:cNvPr>
+          <p:cNvCxnSpPr>
+            <a:cxnSpLocks/>
+            <a:stCxn id="27" idx="2"/>
+            <a:endCxn id="209" idx="0"/>
+          </p:cNvCxnSpPr>
+          <p:nvPr/>
+        </p:nvCxnSpPr>
+        <p:spPr>
+          <a:xfrm flipH="1">
+            <a:off x="7539294" y="1300428"/>
+            <a:ext cx="3061" cy="318354"/>
+          </a:xfrm>
+          <a:prstGeom prst="straightConnector1">
+            <a:avLst/>
+          </a:prstGeom>
+          <a:ln w="19050" cap="flat" cmpd="sng" algn="ctr">
+            <a:solidFill>
+              <a:schemeClr val="tx1"/>
+            </a:solidFill>
+            <a:prstDash val="solid"/>
+            <a:round/>
+            <a:headEnd type="none" w="med" len="med"/>
+            <a:tailEnd type="arrow" w="med" len="med"/>
+          </a:ln>
+          <a:effectLst/>
+        </p:spPr>
+        <p:style>
+          <a:lnRef idx="2">
+            <a:schemeClr val="accent1"/>
+          </a:lnRef>
+          <a:fillRef idx="0">
+            <a:schemeClr val="accent1"/>
+          </a:fillRef>
+          <a:effectRef idx="1">
+            <a:schemeClr val="accent1"/>
+          </a:effectRef>
+          <a:fontRef idx="minor">
+            <a:schemeClr val="tx1"/>
+          </a:fontRef>
+        </p:style>
+      </p:cxnSp>
+      <p:sp>
+        <p:nvSpPr>
+          <p:cNvPr id="197" name="Rectangle 196">
+            <a:extLst>
+              <a:ext uri="{FF2B5EF4-FFF2-40B4-BE49-F238E27FC236}">
+                <a16:creationId xmlns:a16="http://schemas.microsoft.com/office/drawing/2014/main" id="{45D37B7C-9685-A28C-ADE6-222C1237DC45}"/>
               </a:ext>
             </a:extLst>
           </p:cNvPr>
@@ -6198,12 +6123,13 @@
         </p:nvSpPr>
         <p:spPr>
           <a:xfrm>
-            <a:off x="4309461" y="2349067"/>
-            <a:ext cx="718709" cy="422185"/>
-          </a:xfrm>
-          <a:prstGeom prst="flowChartDecision">
-            <a:avLst/>
-          </a:prstGeom>
+            <a:off x="6754250" y="2768018"/>
+            <a:ext cx="1570420" cy="292230"/>
+          </a:xfrm>
+          <a:prstGeom prst="rect">
+            <a:avLst/>
+          </a:prstGeom>
+          <a:noFill/>
           <a:ln w="19050"/>
         </p:spPr>
         <p:style>
@@ -6225,156 +6151,57 @@
           <a:lstStyle/>
           <a:p>
             <a:pPr algn="ctr"/>
-            <a:endParaRPr lang="en-US" sz="1200" dirty="0"/>
-          </a:p>
-        </p:txBody>
-      </p:sp>
-      <p:sp>
-        <p:nvSpPr>
-          <p:cNvPr id="147" name="TextBox 146">
-            <a:extLst>
-              <a:ext uri="{FF2B5EF4-FFF2-40B4-BE49-F238E27FC236}">
-                <a16:creationId xmlns:a16="http://schemas.microsoft.com/office/drawing/2014/main" id="{AF03A5FF-6A32-D373-6AC7-7C93FAE12FF6}"/>
-              </a:ext>
-            </a:extLst>
-          </p:cNvPr>
-          <p:cNvSpPr txBox="1"/>
-          <p:nvPr/>
-        </p:nvSpPr>
-        <p:spPr>
-          <a:xfrm>
-            <a:off x="4336997" y="2394424"/>
-            <a:ext cx="625855" cy="307777"/>
-          </a:xfrm>
-          <a:prstGeom prst="rect">
-            <a:avLst/>
-          </a:prstGeom>
-          <a:noFill/>
-        </p:spPr>
-        <p:txBody>
-          <a:bodyPr wrap="square" rtlCol="0">
-            <a:spAutoFit/>
-          </a:bodyPr>
-          <a:lstStyle/>
-          <a:p>
-            <a:pPr algn="ctr"/>
-            <a:r>
-              <a:rPr lang="en-US" sz="1400" dirty="0"/>
-              <a:t>ARI</a:t>
-            </a:r>
-            <a:r>
-              <a:rPr lang="en-US" sz="1400" baseline="-25000" dirty="0"/>
-              <a:t>1_b</a:t>
-            </a:r>
-          </a:p>
-        </p:txBody>
-      </p:sp>
-      <p:cxnSp>
-        <p:nvCxnSpPr>
-          <p:cNvPr id="195" name="Straight Arrow Connector 194">
-            <a:extLst>
-              <a:ext uri="{FF2B5EF4-FFF2-40B4-BE49-F238E27FC236}">
-                <a16:creationId xmlns:a16="http://schemas.microsoft.com/office/drawing/2014/main" id="{A417EC42-B088-CC5A-6672-FDBA61184381}"/>
-              </a:ext>
-            </a:extLst>
-          </p:cNvPr>
-          <p:cNvCxnSpPr>
-            <a:cxnSpLocks/>
-            <a:stCxn id="218" idx="3"/>
-            <a:endCxn id="197" idx="0"/>
-          </p:cNvCxnSpPr>
-          <p:nvPr/>
-        </p:nvCxnSpPr>
-        <p:spPr>
-          <a:xfrm>
-            <a:off x="8456024" y="2665028"/>
-            <a:ext cx="166" cy="137946"/>
-          </a:xfrm>
-          <a:prstGeom prst="straightConnector1">
-            <a:avLst/>
-          </a:prstGeom>
-          <a:ln w="19050" cap="flat" cmpd="sng" algn="ctr">
-            <a:solidFill>
-              <a:schemeClr val="tx1"/>
-            </a:solidFill>
-            <a:prstDash val="solid"/>
-            <a:round/>
-            <a:headEnd type="none" w="med" len="med"/>
-            <a:tailEnd type="arrow" w="med" len="med"/>
-          </a:ln>
-          <a:effectLst/>
-        </p:spPr>
-        <p:style>
-          <a:lnRef idx="2">
-            <a:schemeClr val="accent1"/>
-          </a:lnRef>
-          <a:fillRef idx="0">
-            <a:schemeClr val="accent1"/>
-          </a:fillRef>
-          <a:effectRef idx="1">
-            <a:schemeClr val="accent1"/>
-          </a:effectRef>
-          <a:fontRef idx="minor">
-            <a:schemeClr val="tx1"/>
-          </a:fontRef>
-        </p:style>
-      </p:cxnSp>
-      <p:cxnSp>
-        <p:nvCxnSpPr>
-          <p:cNvPr id="196" name="Straight Arrow Connector 195">
-            <a:extLst>
-              <a:ext uri="{FF2B5EF4-FFF2-40B4-BE49-F238E27FC236}">
-                <a16:creationId xmlns:a16="http://schemas.microsoft.com/office/drawing/2014/main" id="{621A4216-640B-A298-F672-B6EE706C6841}"/>
-              </a:ext>
-            </a:extLst>
-          </p:cNvPr>
-          <p:cNvCxnSpPr>
-            <a:cxnSpLocks/>
-            <a:stCxn id="27" idx="2"/>
-            <a:endCxn id="209" idx="0"/>
-          </p:cNvCxnSpPr>
-          <p:nvPr/>
-        </p:nvCxnSpPr>
-        <p:spPr>
-          <a:xfrm flipH="1">
-            <a:off x="8456024" y="1335384"/>
-            <a:ext cx="3061" cy="318354"/>
-          </a:xfrm>
-          <a:prstGeom prst="straightConnector1">
-            <a:avLst/>
-          </a:prstGeom>
-          <a:ln w="19050" cap="flat" cmpd="sng" algn="ctr">
-            <a:solidFill>
-              <a:schemeClr val="tx1"/>
-            </a:solidFill>
-            <a:prstDash val="solid"/>
-            <a:round/>
-            <a:headEnd type="none" w="med" len="med"/>
-            <a:tailEnd type="arrow" w="med" len="med"/>
-          </a:ln>
-          <a:effectLst/>
-        </p:spPr>
-        <p:style>
-          <a:lnRef idx="2">
-            <a:schemeClr val="accent1"/>
-          </a:lnRef>
-          <a:fillRef idx="0">
-            <a:schemeClr val="accent1"/>
-          </a:fillRef>
-          <a:effectRef idx="1">
-            <a:schemeClr val="accent1"/>
-          </a:effectRef>
-          <a:fontRef idx="minor">
-            <a:schemeClr val="tx1"/>
-          </a:fontRef>
-        </p:style>
-      </p:cxnSp>
-      <p:sp>
-        <p:nvSpPr>
-          <p:cNvPr id="197" name="Rectangle 196">
-            <a:extLst>
-              <a:ext uri="{FF2B5EF4-FFF2-40B4-BE49-F238E27FC236}">
-                <a16:creationId xmlns:a16="http://schemas.microsoft.com/office/drawing/2014/main" id="{45D37B7C-9685-A28C-ADE6-222C1237DC45}"/>
+            <a:r>
+              <a:rPr lang="en-US" sz="1600" dirty="0"/>
+              <a:t>[</a:t>
+            </a:r>
+            <a:r>
+              <a:rPr lang="en-US" sz="1600" i="1" dirty="0">
+                <a:latin typeface="APPLE CHANCERY" panose="03020702040506060504" pitchFamily="66" charset="-79"/>
+                <a:cs typeface="APPLE CHANCERY" panose="03020702040506060504" pitchFamily="66" charset="-79"/>
+              </a:rPr>
+              <a:t>l</a:t>
+            </a:r>
+            <a:r>
+              <a:rPr lang="en-US" sz="1600" dirty="0"/>
+              <a:t> </a:t>
+            </a:r>
+            <a:r>
+              <a:rPr lang="en-US" sz="1600" baseline="-25000" dirty="0"/>
+              <a:t>S1_M1</a:t>
+            </a:r>
+            <a:r>
+              <a:rPr lang="en-US" sz="1600" dirty="0"/>
+              <a:t>, </a:t>
+            </a:r>
+            <a:r>
+              <a:rPr lang="en-US" sz="1600" i="1" dirty="0">
+                <a:latin typeface="APPLE CHANCERY" panose="03020702040506060504" pitchFamily="66" charset="-79"/>
+                <a:cs typeface="APPLE CHANCERY" panose="03020702040506060504" pitchFamily="66" charset="-79"/>
+              </a:rPr>
+              <a:t>l</a:t>
+            </a:r>
+            <a:r>
+              <a:rPr lang="en-US" sz="1600" dirty="0"/>
+              <a:t> </a:t>
+            </a:r>
+            <a:r>
+              <a:rPr lang="en-US" sz="1600" baseline="-25000" dirty="0"/>
+              <a:t>S1_M2</a:t>
+            </a:r>
+            <a:r>
+              <a:rPr lang="en-US" sz="1600" dirty="0"/>
+              <a:t>,…]</a:t>
+            </a:r>
+          </a:p>
+        </p:txBody>
+      </p:sp>
+      <p:sp>
+        <p:nvSpPr>
+          <p:cNvPr id="198" name="Rectangle 197">
+            <a:extLst>
+              <a:ext uri="{FF2B5EF4-FFF2-40B4-BE49-F238E27FC236}">
+                <a16:creationId xmlns:a16="http://schemas.microsoft.com/office/drawing/2014/main" id="{43C7E377-2E4B-D673-819E-07E8E6B9E62A}"/>
               </a:ext>
             </a:extLst>
           </p:cNvPr>
@@ -6383,8 +6210,8 @@
         </p:nvSpPr>
         <p:spPr>
           <a:xfrm>
-            <a:off x="7670980" y="2802974"/>
-            <a:ext cx="1570420" cy="292230"/>
+            <a:off x="8854433" y="2768018"/>
+            <a:ext cx="1572921" cy="292230"/>
           </a:xfrm>
           <a:prstGeom prst="rect">
             <a:avLst/>
@@ -6428,7 +6255,7 @@
             </a:r>
             <a:r>
               <a:rPr lang="en-US" sz="1600" baseline="-25000" dirty="0"/>
-              <a:t>S1_M1</a:t>
+              <a:t>S2_M1</a:t>
             </a:r>
             <a:r>
               <a:rPr lang="en-US" sz="1600" dirty="0"/>
@@ -6447,7 +6274,7 @@
             </a:r>
             <a:r>
               <a:rPr lang="en-US" sz="1600" baseline="-25000" dirty="0"/>
-              <a:t>S1_M2</a:t>
+              <a:t>S2_M2</a:t>
             </a:r>
             <a:r>
               <a:rPr lang="en-US" sz="1600" dirty="0"/>
@@ -6458,10 +6285,10 @@
       </p:sp>
       <p:sp>
         <p:nvSpPr>
-          <p:cNvPr id="198" name="Rectangle 197">
-            <a:extLst>
-              <a:ext uri="{FF2B5EF4-FFF2-40B4-BE49-F238E27FC236}">
-                <a16:creationId xmlns:a16="http://schemas.microsoft.com/office/drawing/2014/main" id="{43C7E377-2E4B-D673-819E-07E8E6B9E62A}"/>
+          <p:cNvPr id="199" name="Rectangle 198">
+            <a:extLst>
+              <a:ext uri="{FF2B5EF4-FFF2-40B4-BE49-F238E27FC236}">
+                <a16:creationId xmlns:a16="http://schemas.microsoft.com/office/drawing/2014/main" id="{18DE1EC9-B683-F262-F13E-47AB0666BFE8}"/>
               </a:ext>
             </a:extLst>
           </p:cNvPr>
@@ -6470,8 +6297,8 @@
         </p:nvSpPr>
         <p:spPr>
           <a:xfrm>
-            <a:off x="9771163" y="2802974"/>
-            <a:ext cx="1572921" cy="292230"/>
+            <a:off x="7341020" y="3187677"/>
+            <a:ext cx="396543" cy="287121"/>
           </a:xfrm>
           <a:prstGeom prst="rect">
             <a:avLst/>
@@ -6499,10 +6326,6 @@
           <a:p>
             <a:pPr algn="ctr"/>
             <a:r>
-              <a:rPr lang="en-US" sz="1600" dirty="0"/>
-              <a:t>[</a:t>
-            </a:r>
-            <a:r>
               <a:rPr lang="en-US" sz="1600" i="1" dirty="0">
                 <a:latin typeface="APPLE CHANCERY" panose="03020702040506060504" pitchFamily="66" charset="-79"/>
                 <a:cs typeface="APPLE CHANCERY" panose="03020702040506060504" pitchFamily="66" charset="-79"/>
@@ -6510,45 +6333,68 @@
               <a:t>l</a:t>
             </a:r>
             <a:r>
-              <a:rPr lang="en-US" sz="1600" dirty="0"/>
-              <a:t> </a:t>
-            </a:r>
-            <a:r>
-              <a:rPr lang="en-US" sz="1600" baseline="-25000" dirty="0"/>
-              <a:t>S2_M1</a:t>
-            </a:r>
-            <a:r>
-              <a:rPr lang="en-US" sz="1600" dirty="0"/>
-              <a:t>, </a:t>
-            </a:r>
-            <a:r>
-              <a:rPr lang="en-US" sz="1600" i="1" dirty="0">
-                <a:latin typeface="APPLE CHANCERY" panose="03020702040506060504" pitchFamily="66" charset="-79"/>
-                <a:cs typeface="APPLE CHANCERY" panose="03020702040506060504" pitchFamily="66" charset="-79"/>
-              </a:rPr>
-              <a:t>l</a:t>
-            </a:r>
-            <a:r>
-              <a:rPr lang="en-US" sz="1600" dirty="0"/>
-              <a:t> </a:t>
-            </a:r>
-            <a:r>
-              <a:rPr lang="en-US" sz="1600" baseline="-25000" dirty="0"/>
-              <a:t>S2_M2</a:t>
-            </a:r>
-            <a:r>
-              <a:rPr lang="en-US" sz="1600" dirty="0"/>
-              <a:t>,…]</a:t>
-            </a:r>
-          </a:p>
-        </p:txBody>
-      </p:sp>
-      <p:sp>
-        <p:nvSpPr>
-          <p:cNvPr id="199" name="Rectangle 198">
-            <a:extLst>
-              <a:ext uri="{FF2B5EF4-FFF2-40B4-BE49-F238E27FC236}">
-                <a16:creationId xmlns:a16="http://schemas.microsoft.com/office/drawing/2014/main" id="{18DE1EC9-B683-F262-F13E-47AB0666BFE8}"/>
+              <a:rPr lang="en-US" sz="1600" i="1" baseline="-25000" dirty="0"/>
+              <a:t>1</a:t>
+            </a:r>
+          </a:p>
+        </p:txBody>
+      </p:sp>
+      <p:cxnSp>
+        <p:nvCxnSpPr>
+          <p:cNvPr id="200" name="Straight Arrow Connector 199">
+            <a:extLst>
+              <a:ext uri="{FF2B5EF4-FFF2-40B4-BE49-F238E27FC236}">
+                <a16:creationId xmlns:a16="http://schemas.microsoft.com/office/drawing/2014/main" id="{C46CF357-8AD8-CC46-6F22-F10657947B70}"/>
+              </a:ext>
+            </a:extLst>
+          </p:cNvPr>
+          <p:cNvCxnSpPr>
+            <a:cxnSpLocks/>
+            <a:stCxn id="198" idx="2"/>
+            <a:endCxn id="201" idx="0"/>
+          </p:cNvCxnSpPr>
+          <p:nvPr/>
+        </p:nvCxnSpPr>
+        <p:spPr>
+          <a:xfrm>
+            <a:off x="9640894" y="3060248"/>
+            <a:ext cx="1719" cy="124295"/>
+          </a:xfrm>
+          <a:prstGeom prst="straightConnector1">
+            <a:avLst/>
+          </a:prstGeom>
+          <a:ln w="19050" cap="flat" cmpd="sng" algn="ctr">
+            <a:solidFill>
+              <a:schemeClr val="tx1"/>
+            </a:solidFill>
+            <a:prstDash val="solid"/>
+            <a:round/>
+            <a:headEnd type="none" w="med" len="med"/>
+            <a:tailEnd type="arrow" w="med" len="med"/>
+          </a:ln>
+          <a:effectLst/>
+        </p:spPr>
+        <p:style>
+          <a:lnRef idx="2">
+            <a:schemeClr val="accent1"/>
+          </a:lnRef>
+          <a:fillRef idx="0">
+            <a:schemeClr val="accent1"/>
+          </a:fillRef>
+          <a:effectRef idx="1">
+            <a:schemeClr val="accent1"/>
+          </a:effectRef>
+          <a:fontRef idx="minor">
+            <a:schemeClr val="tx1"/>
+          </a:fontRef>
+        </p:style>
+      </p:cxnSp>
+      <p:sp>
+        <p:nvSpPr>
+          <p:cNvPr id="201" name="Rectangle 200">
+            <a:extLst>
+              <a:ext uri="{FF2B5EF4-FFF2-40B4-BE49-F238E27FC236}">
+                <a16:creationId xmlns:a16="http://schemas.microsoft.com/office/drawing/2014/main" id="{9D74EFCB-F77E-3EFA-F3F4-0938ABD321FA}"/>
               </a:ext>
             </a:extLst>
           </p:cNvPr>
@@ -6557,7 +6403,7 @@
         </p:nvSpPr>
         <p:spPr>
           <a:xfrm>
-            <a:off x="8257750" y="3222633"/>
+            <a:off x="9444341" y="3184543"/>
             <a:ext cx="396543" cy="287121"/>
           </a:xfrm>
           <a:prstGeom prst="rect">
@@ -6594,67 +6440,17 @@
             </a:r>
             <a:r>
               <a:rPr lang="en-US" sz="1600" i="1" baseline="-25000" dirty="0"/>
-              <a:t>1</a:t>
-            </a:r>
-          </a:p>
-        </p:txBody>
-      </p:sp>
-      <p:cxnSp>
-        <p:nvCxnSpPr>
-          <p:cNvPr id="200" name="Straight Arrow Connector 199">
-            <a:extLst>
-              <a:ext uri="{FF2B5EF4-FFF2-40B4-BE49-F238E27FC236}">
-                <a16:creationId xmlns:a16="http://schemas.microsoft.com/office/drawing/2014/main" id="{C46CF357-8AD8-CC46-6F22-F10657947B70}"/>
-              </a:ext>
-            </a:extLst>
-          </p:cNvPr>
-          <p:cNvCxnSpPr>
-            <a:cxnSpLocks/>
-            <a:stCxn id="198" idx="2"/>
-            <a:endCxn id="201" idx="0"/>
-          </p:cNvCxnSpPr>
-          <p:nvPr/>
-        </p:nvCxnSpPr>
-        <p:spPr>
-          <a:xfrm>
-            <a:off x="10557624" y="3095204"/>
-            <a:ext cx="1719" cy="124295"/>
-          </a:xfrm>
-          <a:prstGeom prst="straightConnector1">
-            <a:avLst/>
-          </a:prstGeom>
-          <a:ln w="19050" cap="flat" cmpd="sng" algn="ctr">
-            <a:solidFill>
-              <a:schemeClr val="tx1"/>
-            </a:solidFill>
-            <a:prstDash val="solid"/>
-            <a:round/>
-            <a:headEnd type="none" w="med" len="med"/>
-            <a:tailEnd type="arrow" w="med" len="med"/>
-          </a:ln>
-          <a:effectLst/>
-        </p:spPr>
-        <p:style>
-          <a:lnRef idx="2">
-            <a:schemeClr val="accent1"/>
-          </a:lnRef>
-          <a:fillRef idx="0">
-            <a:schemeClr val="accent1"/>
-          </a:fillRef>
-          <a:effectRef idx="1">
-            <a:schemeClr val="accent1"/>
-          </a:effectRef>
-          <a:fontRef idx="minor">
-            <a:schemeClr val="tx1"/>
-          </a:fontRef>
-        </p:style>
-      </p:cxnSp>
-      <p:sp>
-        <p:nvSpPr>
-          <p:cNvPr id="201" name="Rectangle 200">
-            <a:extLst>
-              <a:ext uri="{FF2B5EF4-FFF2-40B4-BE49-F238E27FC236}">
-                <a16:creationId xmlns:a16="http://schemas.microsoft.com/office/drawing/2014/main" id="{9D74EFCB-F77E-3EFA-F3F4-0938ABD321FA}"/>
+              <a:t>2</a:t>
+            </a:r>
+          </a:p>
+        </p:txBody>
+      </p:sp>
+      <p:sp>
+        <p:nvSpPr>
+          <p:cNvPr id="202" name="Oval 201">
+            <a:extLst>
+              <a:ext uri="{FF2B5EF4-FFF2-40B4-BE49-F238E27FC236}">
+                <a16:creationId xmlns:a16="http://schemas.microsoft.com/office/drawing/2014/main" id="{C7A78C8A-BC56-80E5-1C6B-AE7971A8E979}"/>
               </a:ext>
             </a:extLst>
           </p:cNvPr>
@@ -6663,63 +6459,7 @@
         </p:nvSpPr>
         <p:spPr>
           <a:xfrm>
-            <a:off x="10361071" y="3219499"/>
-            <a:ext cx="396543" cy="287121"/>
-          </a:xfrm>
-          <a:prstGeom prst="rect">
-            <a:avLst/>
-          </a:prstGeom>
-          <a:noFill/>
-          <a:ln w="19050"/>
-        </p:spPr>
-        <p:style>
-          <a:lnRef idx="2">
-            <a:schemeClr val="dk1"/>
-          </a:lnRef>
-          <a:fillRef idx="1">
-            <a:schemeClr val="lt1"/>
-          </a:fillRef>
-          <a:effectRef idx="0">
-            <a:schemeClr val="dk1"/>
-          </a:effectRef>
-          <a:fontRef idx="minor">
-            <a:schemeClr val="dk1"/>
-          </a:fontRef>
-        </p:style>
-        <p:txBody>
-          <a:bodyPr rtlCol="0" anchor="ctr"/>
-          <a:lstStyle/>
-          <a:p>
-            <a:pPr algn="ctr"/>
-            <a:r>
-              <a:rPr lang="en-US" sz="1600" i="1" dirty="0">
-                <a:latin typeface="APPLE CHANCERY" panose="03020702040506060504" pitchFamily="66" charset="-79"/>
-                <a:cs typeface="APPLE CHANCERY" panose="03020702040506060504" pitchFamily="66" charset="-79"/>
-              </a:rPr>
-              <a:t>l</a:t>
-            </a:r>
-            <a:r>
-              <a:rPr lang="en-US" sz="1600" i="1" baseline="-25000" dirty="0"/>
-              <a:t>2</a:t>
-            </a:r>
-          </a:p>
-        </p:txBody>
-      </p:sp>
-      <p:sp>
-        <p:nvSpPr>
-          <p:cNvPr id="202" name="Oval 201">
-            <a:extLst>
-              <a:ext uri="{FF2B5EF4-FFF2-40B4-BE49-F238E27FC236}">
-                <a16:creationId xmlns:a16="http://schemas.microsoft.com/office/drawing/2014/main" id="{C7A78C8A-BC56-80E5-1C6B-AE7971A8E979}"/>
-              </a:ext>
-            </a:extLst>
-          </p:cNvPr>
-          <p:cNvSpPr/>
-          <p:nvPr/>
-        </p:nvSpPr>
-        <p:spPr>
-          <a:xfrm>
-            <a:off x="11434602" y="853174"/>
+            <a:off x="10517872" y="818218"/>
             <a:ext cx="86952" cy="86952"/>
           </a:xfrm>
           <a:prstGeom prst="ellipse">
@@ -6771,7 +6511,7 @@
         </p:nvSpPr>
         <p:spPr>
           <a:xfrm>
-            <a:off x="8277716" y="921464"/>
+            <a:off x="7360986" y="886508"/>
             <a:ext cx="352803" cy="275242"/>
           </a:xfrm>
           <a:prstGeom prst="can">
@@ -6839,7 +6579,7 @@
         </p:nvSpPr>
         <p:spPr>
           <a:xfrm>
-            <a:off x="8208542" y="1653738"/>
+            <a:off x="7291812" y="1618782"/>
             <a:ext cx="494963" cy="252599"/>
           </a:xfrm>
           <a:prstGeom prst="rect">
@@ -6896,7 +6636,7 @@
         </p:nvCxnSpPr>
         <p:spPr>
           <a:xfrm flipH="1">
-            <a:off x="10551892" y="1333806"/>
+            <a:off x="9635162" y="1298850"/>
             <a:ext cx="2121" cy="322089"/>
           </a:xfrm>
           <a:prstGeom prst="straightConnector1">
@@ -6942,7 +6682,7 @@
         </p:nvSpPr>
         <p:spPr>
           <a:xfrm>
-            <a:off x="10375489" y="916385"/>
+            <a:off x="9458759" y="881429"/>
             <a:ext cx="352803" cy="282764"/>
           </a:xfrm>
           <a:prstGeom prst="can">
@@ -7010,7 +6750,7 @@
         </p:nvSpPr>
         <p:spPr>
           <a:xfrm>
-            <a:off x="10304410" y="1655895"/>
+            <a:off x="9387680" y="1620939"/>
             <a:ext cx="494963" cy="250442"/>
           </a:xfrm>
           <a:prstGeom prst="rect">
@@ -7063,7 +6803,7 @@
         </p:nvSpPr>
         <p:spPr>
           <a:xfrm>
-            <a:off x="8279622" y="2356586"/>
+            <a:off x="7362892" y="2321630"/>
             <a:ext cx="352803" cy="308442"/>
           </a:xfrm>
           <a:prstGeom prst="can">
@@ -7131,7 +6871,7 @@
         </p:nvSpPr>
         <p:spPr>
           <a:xfrm>
-            <a:off x="10382941" y="2356586"/>
+            <a:off x="9466211" y="2321630"/>
             <a:ext cx="352803" cy="308442"/>
           </a:xfrm>
           <a:prstGeom prst="can">
@@ -7203,7 +6943,7 @@
         </p:nvCxnSpPr>
         <p:spPr>
           <a:xfrm>
-            <a:off x="8456024" y="1906337"/>
+            <a:off x="7539294" y="1871381"/>
             <a:ext cx="2103319" cy="450249"/>
           </a:xfrm>
           <a:prstGeom prst="straightConnector1">
@@ -7253,7 +6993,7 @@
         </p:nvCxnSpPr>
         <p:spPr>
           <a:xfrm>
-            <a:off x="8456024" y="1906337"/>
+            <a:off x="7539294" y="1871381"/>
             <a:ext cx="0" cy="450249"/>
           </a:xfrm>
           <a:prstGeom prst="straightConnector1">
@@ -7303,7 +7043,7 @@
         </p:nvCxnSpPr>
         <p:spPr>
           <a:xfrm>
-            <a:off x="10551892" y="1906337"/>
+            <a:off x="9635162" y="1871381"/>
             <a:ext cx="7451" cy="450249"/>
           </a:xfrm>
           <a:prstGeom prst="straightConnector1">
@@ -7353,7 +7093,7 @@
         </p:nvCxnSpPr>
         <p:spPr>
           <a:xfrm flipH="1">
-            <a:off x="8456024" y="1906337"/>
+            <a:off x="7539294" y="1871381"/>
             <a:ext cx="2095868" cy="450249"/>
           </a:xfrm>
           <a:prstGeom prst="straightConnector1">
@@ -7403,7 +7143,7 @@
         </p:nvCxnSpPr>
         <p:spPr>
           <a:xfrm flipH="1">
-            <a:off x="10557624" y="2665028"/>
+            <a:off x="9640894" y="2630072"/>
             <a:ext cx="1719" cy="137946"/>
           </a:xfrm>
           <a:prstGeom prst="straightConnector1">
@@ -7449,7 +7189,7 @@
         </p:nvSpPr>
         <p:spPr>
           <a:xfrm>
-            <a:off x="11657626" y="853174"/>
+            <a:off x="10740896" y="818218"/>
             <a:ext cx="86952" cy="86952"/>
           </a:xfrm>
           <a:prstGeom prst="ellipse">
@@ -7501,7 +7241,7 @@
         </p:nvSpPr>
         <p:spPr>
           <a:xfrm>
-            <a:off x="11882555" y="853174"/>
+            <a:off x="10965825" y="818218"/>
             <a:ext cx="86952" cy="86952"/>
           </a:xfrm>
           <a:prstGeom prst="ellipse">
@@ -7553,7 +7293,7 @@
         </p:nvSpPr>
         <p:spPr>
           <a:xfrm>
-            <a:off x="11434602" y="1717318"/>
+            <a:off x="10517872" y="1682362"/>
             <a:ext cx="86952" cy="86952"/>
           </a:xfrm>
           <a:prstGeom prst="ellipse">
@@ -7605,7 +7345,7 @@
         </p:nvSpPr>
         <p:spPr>
           <a:xfrm>
-            <a:off x="11657626" y="1717318"/>
+            <a:off x="10740896" y="1682362"/>
             <a:ext cx="86952" cy="86952"/>
           </a:xfrm>
           <a:prstGeom prst="ellipse">
@@ -7657,7 +7397,7 @@
         </p:nvSpPr>
         <p:spPr>
           <a:xfrm>
-            <a:off x="11882555" y="1717318"/>
+            <a:off x="10965825" y="1682362"/>
             <a:ext cx="86952" cy="86952"/>
           </a:xfrm>
           <a:prstGeom prst="ellipse">
@@ -7709,7 +7449,7 @@
         </p:nvSpPr>
         <p:spPr>
           <a:xfrm>
-            <a:off x="11429590" y="2905613"/>
+            <a:off x="10512860" y="2870657"/>
             <a:ext cx="86952" cy="86952"/>
           </a:xfrm>
           <a:prstGeom prst="ellipse">
@@ -7761,7 +7501,7 @@
         </p:nvSpPr>
         <p:spPr>
           <a:xfrm>
-            <a:off x="11652614" y="2905613"/>
+            <a:off x="10735884" y="2870657"/>
             <a:ext cx="86952" cy="86952"/>
           </a:xfrm>
           <a:prstGeom prst="ellipse">
@@ -7813,7 +7553,7 @@
         </p:nvSpPr>
         <p:spPr>
           <a:xfrm>
-            <a:off x="11877543" y="2905613"/>
+            <a:off x="10960813" y="2870657"/>
             <a:ext cx="86952" cy="86952"/>
           </a:xfrm>
           <a:prstGeom prst="ellipse">
@@ -7865,7 +7605,7 @@
         </p:nvSpPr>
         <p:spPr>
           <a:xfrm>
-            <a:off x="11430679" y="3322803"/>
+            <a:off x="10513949" y="3287847"/>
             <a:ext cx="86952" cy="86952"/>
           </a:xfrm>
           <a:prstGeom prst="ellipse">
@@ -7917,7 +7657,7 @@
         </p:nvSpPr>
         <p:spPr>
           <a:xfrm>
-            <a:off x="11653703" y="3322803"/>
+            <a:off x="10736973" y="3287847"/>
             <a:ext cx="86952" cy="86952"/>
           </a:xfrm>
           <a:prstGeom prst="ellipse">
@@ -7969,7 +7709,7 @@
         </p:nvSpPr>
         <p:spPr>
           <a:xfrm>
-            <a:off x="11878632" y="3322803"/>
+            <a:off x="10961902" y="3287847"/>
             <a:ext cx="86952" cy="86952"/>
           </a:xfrm>
           <a:prstGeom prst="ellipse">
@@ -8024,7 +7764,7 @@
         </p:nvCxnSpPr>
         <p:spPr>
           <a:xfrm flipH="1">
-            <a:off x="8456024" y="1903626"/>
+            <a:off x="7539294" y="1868670"/>
             <a:ext cx="2973697" cy="452960"/>
           </a:xfrm>
           <a:prstGeom prst="straightConnector1">
@@ -8073,7 +7813,7 @@
         </p:nvCxnSpPr>
         <p:spPr>
           <a:xfrm flipH="1">
-            <a:off x="10559343" y="1933487"/>
+            <a:off x="9642613" y="1898531"/>
             <a:ext cx="1149778" cy="423099"/>
           </a:xfrm>
           <a:prstGeom prst="straightConnector1">
@@ -8123,7 +7863,7 @@
         </p:nvCxnSpPr>
         <p:spPr>
           <a:xfrm flipH="1">
-            <a:off x="8456022" y="3095204"/>
+            <a:off x="7539292" y="3060248"/>
             <a:ext cx="168" cy="127429"/>
           </a:xfrm>
           <a:prstGeom prst="straightConnector1">
@@ -8169,8 +7909,8 @@
         </p:nvSpPr>
         <p:spPr>
           <a:xfrm>
-            <a:off x="7635539" y="119732"/>
-            <a:ext cx="4419002" cy="3507890"/>
+            <a:off x="6691328" y="407989"/>
+            <a:ext cx="5446592" cy="3192270"/>
           </a:xfrm>
           <a:prstGeom prst="roundRect">
             <a:avLst>
@@ -8223,9 +7963,9 @@
           <p:nvPr/>
         </p:nvCxnSpPr>
         <p:spPr>
-          <a:xfrm flipV="1">
-            <a:off x="1812033" y="2439390"/>
-            <a:ext cx="207866" cy="5575"/>
+          <a:xfrm>
+            <a:off x="1503626" y="2477265"/>
+            <a:ext cx="207866" cy="0"/>
           </a:xfrm>
           <a:prstGeom prst="straightConnector1">
             <a:avLst/>
@@ -8270,7 +8010,7 @@
         </p:nvSpPr>
         <p:spPr>
           <a:xfrm>
-            <a:off x="2025837" y="362213"/>
+            <a:off x="1717430" y="400088"/>
             <a:ext cx="5355789" cy="307777"/>
           </a:xfrm>
           <a:prstGeom prst="rect">
@@ -8306,8 +8046,8 @@
         </p:nvSpPr>
         <p:spPr>
           <a:xfrm>
-            <a:off x="7635537" y="132681"/>
-            <a:ext cx="4418981" cy="307777"/>
+            <a:off x="11047766" y="2363824"/>
+            <a:ext cx="1140796" cy="1169551"/>
           </a:xfrm>
           <a:prstGeom prst="rect">
             <a:avLst/>
@@ -8323,7 +8063,7 @@
             <a:pPr algn="ctr"/>
             <a:r>
               <a:rPr lang="en-US" sz="1400" b="1" dirty="0"/>
-              <a:t>Generate Models Using OI_HAPV &amp; Apply on Partitions</a:t>
+              <a:t>Apply Models on Partitions to Generate Labels</a:t>
             </a:r>
           </a:p>
         </p:txBody>
@@ -8346,8 +8086,8 @@
         </p:nvCxnSpPr>
         <p:spPr>
           <a:xfrm flipH="1">
-            <a:off x="9844868" y="3627622"/>
-            <a:ext cx="172" cy="299029"/>
+            <a:off x="9405527" y="3600259"/>
+            <a:ext cx="9097" cy="539551"/>
           </a:xfrm>
           <a:prstGeom prst="straightConnector1">
             <a:avLst/>
@@ -8390,17 +8130,19 @@
           <p:cNvCxnSpPr>
             <a:cxnSpLocks/>
             <a:stCxn id="40" idx="0"/>
-            <a:endCxn id="381" idx="1"/>
+            <a:endCxn id="241" idx="0"/>
           </p:cNvCxnSpPr>
           <p:nvPr/>
         </p:nvCxnSpPr>
         <p:spPr>
           <a:xfrm rot="5400000" flipH="1" flipV="1">
-            <a:off x="3936020" y="-2562189"/>
-            <a:ext cx="850757" cy="6548277"/>
-          </a:xfrm>
-          <a:prstGeom prst="bentConnector2">
-            <a:avLst/>
+            <a:off x="5096738" y="-3909896"/>
+            <a:ext cx="12700" cy="8635771"/>
+          </a:xfrm>
+          <a:prstGeom prst="bentConnector3">
+            <a:avLst>
+              <a:gd name="adj1" fmla="val 1800000"/>
+            </a:avLst>
           </a:prstGeom>
           <a:ln w="38100" cap="flat" cmpd="sng" algn="ctr">
             <a:solidFill>
@@ -8441,7 +8183,7 @@
         </p:nvSpPr>
         <p:spPr>
           <a:xfrm>
-            <a:off x="2169678" y="3545634"/>
+            <a:off x="1861271" y="3583509"/>
             <a:ext cx="335220" cy="283781"/>
           </a:xfrm>
           <a:prstGeom prst="can">
@@ -8511,8 +8253,8 @@
         </p:nvSpPr>
         <p:spPr>
           <a:xfrm flipH="1">
-            <a:off x="2743954" y="3135079"/>
-            <a:ext cx="1536052" cy="690559"/>
+            <a:off x="2419516" y="3199284"/>
+            <a:ext cx="1097957" cy="386824"/>
           </a:xfrm>
           <a:prstGeom prst="flowChartPunchedCard">
             <a:avLst/>
@@ -8552,18 +8294,27 @@
                   <a:schemeClr val="tx1"/>
                 </a:solidFill>
               </a:rPr>
-              <a:t>OI</a:t>
-            </a:r>
-          </a:p>
-          <a:p>
-            <a:pPr algn="ctr"/>
-            <a:r>
-              <a:rPr lang="en-US" sz="1400" dirty="0">
+              <a:t>OI </a:t>
+            </a:r>
+            <a:r>
+              <a:rPr lang="en-US" sz="1400" b="0" i="0" dirty="0">
                 <a:solidFill>
                   <a:schemeClr val="tx1"/>
                 </a:solidFill>
+                <a:effectLst/>
+                <a:latin typeface="Google Sans"/>
               </a:rPr>
-              <a:t>Parameters: […,</a:t>
+              <a:t>⊨</a:t>
+            </a:r>
+            <a:r>
+              <a:rPr lang="en-US" sz="1400" b="0" i="0" dirty="0">
+                <a:solidFill>
+                  <a:srgbClr val="4D5156"/>
+                </a:solidFill>
+                <a:effectLst/>
+                <a:latin typeface="Google Sans"/>
+              </a:rPr>
+              <a:t> </a:t>
             </a:r>
             <a:r>
               <a:rPr lang="en-US" sz="1400" dirty="0" err="1">
@@ -8579,7 +8330,7 @@
                   <a:schemeClr val="tx1"/>
                 </a:solidFill>
               </a:rPr>
-              <a:t>k</a:t>
+              <a:t>r</a:t>
             </a:r>
             <a:r>
               <a:rPr lang="en-US" sz="1400" dirty="0" err="1">
@@ -8587,28 +8338,17 @@
                   <a:schemeClr val="tx1"/>
                 </a:solidFill>
               </a:rPr>
-              <a:t>:</a:t>
-            </a:r>
-            <a:r>
-              <a:rPr lang="en-US" sz="1400" b="1" dirty="0" err="1">
+              <a:t>:v</a:t>
+            </a:r>
+            <a:r>
+              <a:rPr lang="en-US" sz="1400" baseline="-25000" dirty="0" err="1">
                 <a:solidFill>
                   <a:schemeClr val="tx1"/>
                 </a:solidFill>
               </a:rPr>
-              <a:t>z</a:t>
-            </a:r>
-            <a:r>
-              <a:rPr lang="en-US" sz="1400" dirty="0">
-                <a:solidFill>
-                  <a:schemeClr val="tx1"/>
-                </a:solidFill>
-              </a:rPr>
-              <a:t>]</a:t>
-            </a:r>
-          </a:p>
-          <a:p>
-            <a:pPr algn="ctr"/>
-            <a:endParaRPr lang="en-US" sz="1400" dirty="0">
+              <a:t>r_h</a:t>
+            </a:r>
+            <a:endParaRPr lang="en-US" sz="1400" baseline="-25000" dirty="0">
               <a:solidFill>
                 <a:schemeClr val="tx1"/>
               </a:solidFill>
@@ -8630,8 +8370,8 @@
         </p:nvSpPr>
         <p:spPr>
           <a:xfrm flipH="1">
-            <a:off x="2736503" y="3992769"/>
-            <a:ext cx="1536051" cy="300300"/>
+            <a:off x="2428096" y="4030644"/>
+            <a:ext cx="1097956" cy="300300"/>
           </a:xfrm>
           <a:prstGeom prst="flowChartPunchedCard">
             <a:avLst/>
@@ -8699,8 +8439,8 @@
         </p:nvCxnSpPr>
         <p:spPr>
           <a:xfrm flipV="1">
-            <a:off x="2504898" y="3480359"/>
-            <a:ext cx="239056" cy="207166"/>
+            <a:off x="2196491" y="3392696"/>
+            <a:ext cx="223025" cy="332704"/>
           </a:xfrm>
           <a:prstGeom prst="bentConnector3">
             <a:avLst/>
@@ -8748,7 +8488,7 @@
         </p:nvCxnSpPr>
         <p:spPr>
           <a:xfrm>
-            <a:off x="2504898" y="3687525"/>
+            <a:off x="2196491" y="3725400"/>
             <a:ext cx="231605" cy="455394"/>
           </a:xfrm>
           <a:prstGeom prst="bentConnector3">
@@ -8793,14 +8533,14 @@
           <p:cNvCxnSpPr>
             <a:cxnSpLocks/>
             <a:stCxn id="21" idx="1"/>
-            <a:endCxn id="28" idx="2"/>
+            <a:endCxn id="510" idx="2"/>
           </p:cNvCxnSpPr>
           <p:nvPr/>
         </p:nvCxnSpPr>
         <p:spPr>
           <a:xfrm flipV="1">
-            <a:off x="4272554" y="4021892"/>
-            <a:ext cx="403714" cy="121027"/>
+            <a:off x="3526052" y="4053696"/>
+            <a:ext cx="629034" cy="127098"/>
           </a:xfrm>
           <a:prstGeom prst="bentConnector2">
             <a:avLst/>
@@ -8842,14 +8582,14 @@
           <p:cNvCxnSpPr>
             <a:cxnSpLocks/>
             <a:stCxn id="18" idx="1"/>
-            <a:endCxn id="28" idx="0"/>
+            <a:endCxn id="510" idx="0"/>
           </p:cNvCxnSpPr>
           <p:nvPr/>
         </p:nvCxnSpPr>
         <p:spPr>
           <a:xfrm>
-            <a:off x="4280006" y="3480359"/>
-            <a:ext cx="396262" cy="119348"/>
+            <a:off x="3517473" y="3392696"/>
+            <a:ext cx="637613" cy="129591"/>
           </a:xfrm>
           <a:prstGeom prst="bentConnector2">
             <a:avLst/>
@@ -8881,10 +8621,10 @@
       </p:cxnSp>
       <p:sp>
         <p:nvSpPr>
-          <p:cNvPr id="28" name="Decision 27">
-            <a:extLst>
-              <a:ext uri="{FF2B5EF4-FFF2-40B4-BE49-F238E27FC236}">
-                <a16:creationId xmlns:a16="http://schemas.microsoft.com/office/drawing/2014/main" id="{4CA81D29-4B63-A40A-66F5-6FB13FB8E8F5}"/>
+          <p:cNvPr id="42" name="Rectangle 41">
+            <a:extLst>
+              <a:ext uri="{FF2B5EF4-FFF2-40B4-BE49-F238E27FC236}">
+                <a16:creationId xmlns:a16="http://schemas.microsoft.com/office/drawing/2014/main" id="{3BA329DC-895F-4ED6-A0EE-5B43A7F5F423}"/>
               </a:ext>
             </a:extLst>
           </p:cNvPr>
@@ -8893,93 +8633,7 @@
         </p:nvSpPr>
         <p:spPr>
           <a:xfrm>
-            <a:off x="4316913" y="3599707"/>
-            <a:ext cx="718709" cy="422185"/>
-          </a:xfrm>
-          <a:prstGeom prst="flowChartDecision">
-            <a:avLst/>
-          </a:prstGeom>
-          <a:ln w="19050"/>
-        </p:spPr>
-        <p:style>
-          <a:lnRef idx="2">
-            <a:schemeClr val="dk1"/>
-          </a:lnRef>
-          <a:fillRef idx="1">
-            <a:schemeClr val="lt1"/>
-          </a:fillRef>
-          <a:effectRef idx="0">
-            <a:schemeClr val="dk1"/>
-          </a:effectRef>
-          <a:fontRef idx="minor">
-            <a:schemeClr val="dk1"/>
-          </a:fontRef>
-        </p:style>
-        <p:txBody>
-          <a:bodyPr rtlCol="0" anchor="ctr"/>
-          <a:lstStyle/>
-          <a:p>
-            <a:pPr algn="ctr"/>
-            <a:endParaRPr lang="en-US" sz="1200" dirty="0"/>
-          </a:p>
-        </p:txBody>
-      </p:sp>
-      <p:sp>
-        <p:nvSpPr>
-          <p:cNvPr id="29" name="TextBox 28">
-            <a:extLst>
-              <a:ext uri="{FF2B5EF4-FFF2-40B4-BE49-F238E27FC236}">
-                <a16:creationId xmlns:a16="http://schemas.microsoft.com/office/drawing/2014/main" id="{3A48DEE8-A000-0AA5-1CFB-772F53DE1ACF}"/>
-              </a:ext>
-            </a:extLst>
-          </p:cNvPr>
-          <p:cNvSpPr txBox="1"/>
-          <p:nvPr/>
-        </p:nvSpPr>
-        <p:spPr>
-          <a:xfrm>
-            <a:off x="4344448" y="3639125"/>
-            <a:ext cx="618403" cy="307777"/>
-          </a:xfrm>
-          <a:prstGeom prst="rect">
-            <a:avLst/>
-          </a:prstGeom>
-          <a:noFill/>
-        </p:spPr>
-        <p:txBody>
-          <a:bodyPr wrap="square" rtlCol="0">
-            <a:spAutoFit/>
-          </a:bodyPr>
-          <a:lstStyle/>
-          <a:p>
-            <a:pPr algn="ctr"/>
-            <a:r>
-              <a:rPr lang="en-US" sz="1400" dirty="0" err="1"/>
-              <a:t>ARI</a:t>
-            </a:r>
-            <a:r>
-              <a:rPr lang="en-US" sz="1400" baseline="-25000" dirty="0" err="1"/>
-              <a:t>k_z</a:t>
-            </a:r>
-            <a:endParaRPr lang="en-US" sz="1400" baseline="-25000" dirty="0"/>
-          </a:p>
-        </p:txBody>
-      </p:sp>
-      <p:sp>
-        <p:nvSpPr>
-          <p:cNvPr id="42" name="Rectangle 41">
-            <a:extLst>
-              <a:ext uri="{FF2B5EF4-FFF2-40B4-BE49-F238E27FC236}">
-                <a16:creationId xmlns:a16="http://schemas.microsoft.com/office/drawing/2014/main" id="{3BA329DC-895F-4ED6-A0EE-5B43A7F5F423}"/>
-              </a:ext>
-            </a:extLst>
-          </p:cNvPr>
-          <p:cNvSpPr/>
-          <p:nvPr/>
-        </p:nvSpPr>
-        <p:spPr>
-          <a:xfrm>
-            <a:off x="5239493" y="669990"/>
+            <a:off x="4931086" y="707865"/>
             <a:ext cx="970912" cy="3754102"/>
           </a:xfrm>
           <a:prstGeom prst="rect">
@@ -9031,7 +8685,7 @@
         </p:nvSpPr>
         <p:spPr>
           <a:xfrm>
-            <a:off x="5320176" y="1815788"/>
+            <a:off x="5011769" y="1853663"/>
             <a:ext cx="820165" cy="646331"/>
           </a:xfrm>
           <a:prstGeom prst="rect">
@@ -9118,7 +8772,7 @@
         </p:nvSpPr>
         <p:spPr>
           <a:xfrm>
-            <a:off x="5231439" y="762488"/>
+            <a:off x="4923032" y="800363"/>
             <a:ext cx="984256" cy="954107"/>
           </a:xfrm>
           <a:prstGeom prst="rect">
@@ -9178,13 +8832,13 @@
         </p:nvCxnSpPr>
         <p:spPr>
           <a:xfrm flipV="1">
-            <a:off x="6210405" y="916385"/>
-            <a:ext cx="4341486" cy="1630656"/>
+            <a:off x="5901998" y="881429"/>
+            <a:ext cx="3733163" cy="1703487"/>
           </a:xfrm>
           <a:prstGeom prst="bentConnector4">
             <a:avLst>
-              <a:gd name="adj1" fmla="val 30052"/>
-              <a:gd name="adj2" fmla="val 118933"/>
+              <a:gd name="adj1" fmla="val 18505"/>
+              <a:gd name="adj2" fmla="val 118844"/>
             </a:avLst>
           </a:prstGeom>
           <a:ln w="38100" cap="flat" cmpd="sng" algn="ctr">
@@ -9226,7 +8880,7 @@
         </p:nvSpPr>
         <p:spPr>
           <a:xfrm>
-            <a:off x="9109557" y="1653738"/>
+            <a:off x="8192827" y="1618782"/>
             <a:ext cx="867790" cy="276999"/>
           </a:xfrm>
           <a:prstGeom prst="rect">
@@ -9271,7 +8925,7 @@
         </p:nvSpPr>
         <p:spPr>
           <a:xfrm>
-            <a:off x="9075082" y="2814701"/>
+            <a:off x="8158352" y="2779745"/>
             <a:ext cx="867790" cy="276999"/>
           </a:xfrm>
           <a:prstGeom prst="rect">
@@ -9316,7 +8970,7 @@
         </p:nvSpPr>
         <p:spPr>
           <a:xfrm>
-            <a:off x="5241052" y="2500391"/>
+            <a:off x="4932645" y="2538266"/>
             <a:ext cx="981860" cy="646331"/>
           </a:xfrm>
           <a:prstGeom prst="rect">
@@ -9396,7 +9050,7 @@
         </p:nvCxnSpPr>
         <p:spPr>
           <a:xfrm>
-            <a:off x="5320176" y="2497289"/>
+            <a:off x="5011769" y="2535164"/>
             <a:ext cx="820165" cy="0"/>
           </a:xfrm>
           <a:prstGeom prst="line">
@@ -9439,7 +9093,7 @@
         </p:nvCxnSpPr>
         <p:spPr>
           <a:xfrm flipV="1">
-            <a:off x="5320176" y="3201472"/>
+            <a:off x="5011769" y="3239347"/>
             <a:ext cx="820165" cy="1"/>
           </a:xfrm>
           <a:prstGeom prst="line">
@@ -9482,7 +9136,7 @@
         </p:nvCxnSpPr>
         <p:spPr>
           <a:xfrm>
-            <a:off x="5320176" y="3707580"/>
+            <a:off x="5011769" y="3745455"/>
             <a:ext cx="820165" cy="0"/>
           </a:xfrm>
           <a:prstGeom prst="line">
@@ -9523,7 +9177,7 @@
         </p:nvSpPr>
         <p:spPr>
           <a:xfrm>
-            <a:off x="5320176" y="3709446"/>
+            <a:off x="5011769" y="3747321"/>
             <a:ext cx="818136" cy="646331"/>
           </a:xfrm>
           <a:prstGeom prst="rect">
@@ -9539,7 +9193,7 @@
           <a:p>
             <a:pPr algn="ctr"/>
             <a:r>
-              <a:rPr lang="en-US" sz="1200" dirty="0">
+              <a:rPr lang="en-US" sz="1200" dirty="0" err="1">
                 <a:solidFill>
                   <a:schemeClr val="tx1"/>
                 </a:solidFill>
@@ -9547,12 +9201,8 @@
               <a:t>P</a:t>
             </a:r>
             <a:r>
-              <a:rPr lang="en-US" sz="1200" baseline="-25000" dirty="0">
-                <a:solidFill>
-                  <a:schemeClr val="tx1"/>
-                </a:solidFill>
-              </a:rPr>
-              <a:t>k</a:t>
+              <a:rPr lang="en-US" sz="1200" baseline="-25000" dirty="0" err="1"/>
+              <a:t>r</a:t>
             </a:r>
             <a:r>
               <a:rPr lang="en-US" sz="1200" dirty="0">
@@ -9613,7 +9263,7 @@
         </p:nvSpPr>
         <p:spPr>
           <a:xfrm>
-            <a:off x="5678344" y="3408162"/>
+            <a:off x="5369937" y="3446037"/>
             <a:ext cx="80683" cy="73581"/>
           </a:xfrm>
           <a:prstGeom prst="ellipse">
@@ -9665,7 +9315,7 @@
         </p:nvSpPr>
         <p:spPr>
           <a:xfrm>
-            <a:off x="5678344" y="3556926"/>
+            <a:off x="5369937" y="3594801"/>
             <a:ext cx="80683" cy="73581"/>
           </a:xfrm>
           <a:prstGeom prst="ellipse">
@@ -9717,7 +9367,7 @@
         </p:nvSpPr>
         <p:spPr>
           <a:xfrm>
-            <a:off x="5678344" y="3261606"/>
+            <a:off x="5369937" y="3299481"/>
             <a:ext cx="80683" cy="73581"/>
           </a:xfrm>
           <a:prstGeom prst="ellipse">
@@ -9772,7 +9422,7 @@
         </p:nvCxnSpPr>
         <p:spPr>
           <a:xfrm flipH="1">
-            <a:off x="8454118" y="595874"/>
+            <a:off x="7537388" y="560918"/>
             <a:ext cx="1904" cy="325590"/>
           </a:xfrm>
           <a:prstGeom prst="straightConnector1">
@@ -9815,19 +9465,19 @@
           </p:cNvPr>
           <p:cNvCxnSpPr>
             <a:cxnSpLocks/>
-            <a:stCxn id="146" idx="3"/>
+            <a:stCxn id="508" idx="3"/>
             <a:endCxn id="453" idx="1"/>
           </p:cNvCxnSpPr>
           <p:nvPr/>
         </p:nvCxnSpPr>
         <p:spPr>
           <a:xfrm flipV="1">
-            <a:off x="5028170" y="2138954"/>
-            <a:ext cx="292006" cy="421206"/>
+            <a:off x="4783612" y="2176829"/>
+            <a:ext cx="228157" cy="397891"/>
           </a:xfrm>
           <a:prstGeom prst="bentConnector3">
             <a:avLst>
-              <a:gd name="adj1" fmla="val 24437"/>
+              <a:gd name="adj1" fmla="val 12057"/>
             </a:avLst>
           </a:prstGeom>
           <a:ln w="19050" cap="flat" cmpd="sng" algn="ctr">
@@ -9873,12 +9523,12 @@
         </p:nvCxnSpPr>
         <p:spPr>
           <a:xfrm>
-            <a:off x="5028170" y="1345084"/>
-            <a:ext cx="292006" cy="793870"/>
+            <a:off x="4782597" y="1328695"/>
+            <a:ext cx="229172" cy="848134"/>
           </a:xfrm>
           <a:prstGeom prst="bentConnector3">
             <a:avLst>
-              <a:gd name="adj1" fmla="val 24437"/>
+              <a:gd name="adj1" fmla="val 12224"/>
             </a:avLst>
           </a:prstGeom>
           <a:ln w="19050" cap="flat" cmpd="sng" algn="ctr">
@@ -9920,7 +9570,7 @@
         </p:nvSpPr>
         <p:spPr>
           <a:xfrm>
-            <a:off x="5322205" y="1824508"/>
+            <a:off x="5013798" y="1862383"/>
             <a:ext cx="818136" cy="2531270"/>
           </a:xfrm>
           <a:prstGeom prst="rect">
@@ -9969,19 +9619,19 @@
           </p:cNvPr>
           <p:cNvCxnSpPr>
             <a:cxnSpLocks/>
-            <a:stCxn id="28" idx="3"/>
+            <a:stCxn id="510" idx="3"/>
             <a:endCxn id="489" idx="1"/>
           </p:cNvCxnSpPr>
           <p:nvPr/>
         </p:nvCxnSpPr>
         <p:spPr>
           <a:xfrm>
-            <a:off x="5035622" y="3810800"/>
-            <a:ext cx="284554" cy="221812"/>
+            <a:off x="4779632" y="3787992"/>
+            <a:ext cx="232137" cy="282495"/>
           </a:xfrm>
           <a:prstGeom prst="bentConnector3">
             <a:avLst>
-              <a:gd name="adj1" fmla="val 50000"/>
+              <a:gd name="adj1" fmla="val 8046"/>
             </a:avLst>
           </a:prstGeom>
           <a:ln w="19050" cap="flat" cmpd="sng" algn="ctr">
@@ -10023,8 +9673,8 @@
         </p:nvSpPr>
         <p:spPr>
           <a:xfrm>
-            <a:off x="6166538" y="2229783"/>
-            <a:ext cx="1355524" cy="307777"/>
+            <a:off x="5916063" y="2267658"/>
+            <a:ext cx="618065" cy="307777"/>
           </a:xfrm>
           <a:prstGeom prst="rect">
             <a:avLst/>
@@ -10040,7 +9690,11 @@
             <a:pPr algn="ctr"/>
             <a:r>
               <a:rPr lang="en-US" sz="1400" dirty="0"/>
-              <a:t>OI_HAPV</a:t>
+              <a:t>OI</a:t>
+            </a:r>
+            <a:r>
+              <a:rPr lang="en-US" sz="1400" baseline="-25000" dirty="0"/>
+              <a:t>HAPV</a:t>
             </a:r>
           </a:p>
         </p:txBody>
@@ -10059,7 +9713,7 @@
         </p:nvSpPr>
         <p:spPr>
           <a:xfrm flipH="1">
-            <a:off x="7860358" y="737234"/>
+            <a:off x="6943628" y="702278"/>
             <a:ext cx="1197454" cy="598150"/>
           </a:xfrm>
           <a:prstGeom prst="flowChartPunchedCard">
@@ -10114,7 +9768,7 @@
         </p:nvSpPr>
         <p:spPr>
           <a:xfrm>
-            <a:off x="8960903" y="825400"/>
+            <a:off x="8044173" y="790444"/>
             <a:ext cx="1086103" cy="461665"/>
           </a:xfrm>
           <a:prstGeom prst="rect">
@@ -10135,7 +9789,23 @@
                   <a:schemeClr val="tx2"/>
                 </a:solidFill>
               </a:rPr>
-              <a:t>Run OI_HAPV on Partitions</a:t>
+              <a:t>Run OI</a:t>
+            </a:r>
+            <a:r>
+              <a:rPr lang="en-US" sz="1200" i="1" baseline="-25000" dirty="0">
+                <a:solidFill>
+                  <a:schemeClr val="tx2"/>
+                </a:solidFill>
+              </a:rPr>
+              <a:t>HAPV</a:t>
+            </a:r>
+            <a:r>
+              <a:rPr lang="en-US" sz="1200" i="1" dirty="0">
+                <a:solidFill>
+                  <a:schemeClr val="tx2"/>
+                </a:solidFill>
+              </a:rPr>
+              <a:t> on Partitions</a:t>
             </a:r>
             <a:endParaRPr lang="en-US" sz="1400" i="1" baseline="-25000" dirty="0">
               <a:solidFill>
@@ -10159,7 +9829,7 @@
         </p:nvSpPr>
         <p:spPr>
           <a:xfrm flipH="1">
-            <a:off x="9955286" y="735656"/>
+            <a:off x="9038556" y="700700"/>
             <a:ext cx="1197454" cy="598150"/>
           </a:xfrm>
           <a:prstGeom prst="flowChartPunchedCard">
@@ -10200,10 +9870,870 @@
           </a:p>
         </p:txBody>
       </p:sp>
+      <p:sp>
+        <p:nvSpPr>
+          <p:cNvPr id="30" name="Can 29">
+            <a:extLst>
+              <a:ext uri="{FF2B5EF4-FFF2-40B4-BE49-F238E27FC236}">
+                <a16:creationId xmlns:a16="http://schemas.microsoft.com/office/drawing/2014/main" id="{FD2806E2-E6B8-EBFF-D848-F685B6AF7613}"/>
+              </a:ext>
+            </a:extLst>
+          </p:cNvPr>
+          <p:cNvSpPr/>
+          <p:nvPr/>
+        </p:nvSpPr>
+        <p:spPr>
+          <a:xfrm>
+            <a:off x="215840" y="2667236"/>
+            <a:ext cx="335220" cy="283781"/>
+          </a:xfrm>
+          <a:prstGeom prst="can">
+            <a:avLst/>
+          </a:prstGeom>
+          <a:solidFill>
+            <a:schemeClr val="accent5">
+              <a:lumMod val="50000"/>
+            </a:schemeClr>
+          </a:solidFill>
+          <a:ln w="28575" cmpd="sng">
+            <a:solidFill>
+              <a:schemeClr val="tx1"/>
+            </a:solidFill>
+          </a:ln>
+          <a:effectLst/>
+        </p:spPr>
+        <p:style>
+          <a:lnRef idx="1">
+            <a:schemeClr val="accent1"/>
+          </a:lnRef>
+          <a:fillRef idx="3">
+            <a:schemeClr val="accent1"/>
+          </a:fillRef>
+          <a:effectRef idx="2">
+            <a:schemeClr val="accent1"/>
+          </a:effectRef>
+          <a:fontRef idx="minor">
+            <a:schemeClr val="lt1"/>
+          </a:fontRef>
+        </p:style>
+        <p:txBody>
+          <a:bodyPr rtlCol="0" anchor="ctr"/>
+          <a:lstStyle/>
+          <a:p>
+            <a:pPr algn="ctr"/>
+            <a:endParaRPr lang="en-US" sz="1400" baseline="-25000" dirty="0">
+              <a:solidFill>
+                <a:schemeClr val="bg1"/>
+              </a:solidFill>
+            </a:endParaRPr>
+          </a:p>
+        </p:txBody>
+      </p:sp>
+      <p:sp>
+        <p:nvSpPr>
+          <p:cNvPr id="31" name="Can 30">
+            <a:extLst>
+              <a:ext uri="{FF2B5EF4-FFF2-40B4-BE49-F238E27FC236}">
+                <a16:creationId xmlns:a16="http://schemas.microsoft.com/office/drawing/2014/main" id="{4142B890-DF7D-7B06-EDEB-3921611E7ED7}"/>
+              </a:ext>
+            </a:extLst>
+          </p:cNvPr>
+          <p:cNvSpPr/>
+          <p:nvPr/>
+        </p:nvSpPr>
+        <p:spPr>
+          <a:xfrm>
+            <a:off x="998259" y="3586169"/>
+            <a:ext cx="335220" cy="283781"/>
+          </a:xfrm>
+          <a:prstGeom prst="can">
+            <a:avLst/>
+          </a:prstGeom>
+          <a:solidFill>
+            <a:schemeClr val="accent5">
+              <a:lumMod val="50000"/>
+            </a:schemeClr>
+          </a:solidFill>
+          <a:ln w="28575" cmpd="sng">
+            <a:solidFill>
+              <a:schemeClr val="tx1"/>
+            </a:solidFill>
+          </a:ln>
+          <a:effectLst/>
+        </p:spPr>
+        <p:style>
+          <a:lnRef idx="1">
+            <a:schemeClr val="accent1"/>
+          </a:lnRef>
+          <a:fillRef idx="3">
+            <a:schemeClr val="accent1"/>
+          </a:fillRef>
+          <a:effectRef idx="2">
+            <a:schemeClr val="accent1"/>
+          </a:effectRef>
+          <a:fontRef idx="minor">
+            <a:schemeClr val="lt1"/>
+          </a:fontRef>
+        </p:style>
+        <p:txBody>
+          <a:bodyPr rtlCol="0" anchor="ctr"/>
+          <a:lstStyle/>
+          <a:p>
+            <a:pPr algn="ctr"/>
+            <a:r>
+              <a:rPr lang="en-US" sz="1400" dirty="0">
+                <a:solidFill>
+                  <a:schemeClr val="bg1"/>
+                </a:solidFill>
+              </a:rPr>
+              <a:t>S</a:t>
+            </a:r>
+            <a:r>
+              <a:rPr lang="en-US" sz="1400" baseline="-25000" dirty="0">
+                <a:solidFill>
+                  <a:schemeClr val="bg1"/>
+                </a:solidFill>
+              </a:rPr>
+              <a:t>i</a:t>
+            </a:r>
+          </a:p>
+        </p:txBody>
+      </p:sp>
+      <p:sp>
+        <p:nvSpPr>
+          <p:cNvPr id="36" name="Oval 35">
+            <a:extLst>
+              <a:ext uri="{FF2B5EF4-FFF2-40B4-BE49-F238E27FC236}">
+                <a16:creationId xmlns:a16="http://schemas.microsoft.com/office/drawing/2014/main" id="{525CF7C9-2C0E-90D7-7D77-2445F9A884E2}"/>
+              </a:ext>
+            </a:extLst>
+          </p:cNvPr>
+          <p:cNvSpPr/>
+          <p:nvPr/>
+        </p:nvSpPr>
+        <p:spPr>
+          <a:xfrm>
+            <a:off x="340419" y="3006064"/>
+            <a:ext cx="73705" cy="73705"/>
+          </a:xfrm>
+          <a:prstGeom prst="ellipse">
+            <a:avLst/>
+          </a:prstGeom>
+          <a:solidFill>
+            <a:schemeClr val="tx1"/>
+          </a:solidFill>
+          <a:ln>
+            <a:noFill/>
+          </a:ln>
+        </p:spPr>
+        <p:style>
+          <a:lnRef idx="2">
+            <a:schemeClr val="dk1">
+              <a:shade val="15000"/>
+            </a:schemeClr>
+          </a:lnRef>
+          <a:fillRef idx="1">
+            <a:schemeClr val="dk1"/>
+          </a:fillRef>
+          <a:effectRef idx="0">
+            <a:schemeClr val="dk1"/>
+          </a:effectRef>
+          <a:fontRef idx="minor">
+            <a:schemeClr val="lt1"/>
+          </a:fontRef>
+        </p:style>
+        <p:txBody>
+          <a:bodyPr rtlCol="0" anchor="ctr"/>
+          <a:lstStyle/>
+          <a:p>
+            <a:pPr algn="ctr"/>
+            <a:endParaRPr lang="en-US"/>
+          </a:p>
+        </p:txBody>
+      </p:sp>
+      <p:sp>
+        <p:nvSpPr>
+          <p:cNvPr id="37" name="Oval 36">
+            <a:extLst>
+              <a:ext uri="{FF2B5EF4-FFF2-40B4-BE49-F238E27FC236}">
+                <a16:creationId xmlns:a16="http://schemas.microsoft.com/office/drawing/2014/main" id="{5DBCC541-2F8F-8FBA-E09B-8375757FB0CC}"/>
+              </a:ext>
+            </a:extLst>
+          </p:cNvPr>
+          <p:cNvSpPr/>
+          <p:nvPr/>
+        </p:nvSpPr>
+        <p:spPr>
+          <a:xfrm>
+            <a:off x="340419" y="3103902"/>
+            <a:ext cx="73705" cy="73705"/>
+          </a:xfrm>
+          <a:prstGeom prst="ellipse">
+            <a:avLst/>
+          </a:prstGeom>
+          <a:solidFill>
+            <a:schemeClr val="tx1"/>
+          </a:solidFill>
+          <a:ln>
+            <a:noFill/>
+          </a:ln>
+        </p:spPr>
+        <p:style>
+          <a:lnRef idx="2">
+            <a:schemeClr val="dk1">
+              <a:shade val="15000"/>
+            </a:schemeClr>
+          </a:lnRef>
+          <a:fillRef idx="1">
+            <a:schemeClr val="dk1"/>
+          </a:fillRef>
+          <a:effectRef idx="0">
+            <a:schemeClr val="dk1"/>
+          </a:effectRef>
+          <a:fontRef idx="minor">
+            <a:schemeClr val="lt1"/>
+          </a:fontRef>
+        </p:style>
+        <p:txBody>
+          <a:bodyPr rtlCol="0" anchor="ctr"/>
+          <a:lstStyle/>
+          <a:p>
+            <a:pPr algn="ctr"/>
+            <a:endParaRPr lang="en-US"/>
+          </a:p>
+        </p:txBody>
+      </p:sp>
+      <p:sp>
+        <p:nvSpPr>
+          <p:cNvPr id="38" name="Oval 37">
+            <a:extLst>
+              <a:ext uri="{FF2B5EF4-FFF2-40B4-BE49-F238E27FC236}">
+                <a16:creationId xmlns:a16="http://schemas.microsoft.com/office/drawing/2014/main" id="{DD8F31B7-7F4D-4865-A7F9-15F5E737C57C}"/>
+              </a:ext>
+            </a:extLst>
+          </p:cNvPr>
+          <p:cNvSpPr/>
+          <p:nvPr/>
+        </p:nvSpPr>
+        <p:spPr>
+          <a:xfrm>
+            <a:off x="340419" y="3202494"/>
+            <a:ext cx="73705" cy="73705"/>
+          </a:xfrm>
+          <a:prstGeom prst="ellipse">
+            <a:avLst/>
+          </a:prstGeom>
+          <a:solidFill>
+            <a:schemeClr val="tx1"/>
+          </a:solidFill>
+          <a:ln>
+            <a:noFill/>
+          </a:ln>
+        </p:spPr>
+        <p:style>
+          <a:lnRef idx="2">
+            <a:schemeClr val="dk1">
+              <a:shade val="15000"/>
+            </a:schemeClr>
+          </a:lnRef>
+          <a:fillRef idx="1">
+            <a:schemeClr val="dk1"/>
+          </a:fillRef>
+          <a:effectRef idx="0">
+            <a:schemeClr val="dk1"/>
+          </a:effectRef>
+          <a:fontRef idx="minor">
+            <a:schemeClr val="lt1"/>
+          </a:fontRef>
+        </p:style>
+        <p:txBody>
+          <a:bodyPr rtlCol="0" anchor="ctr"/>
+          <a:lstStyle/>
+          <a:p>
+            <a:pPr algn="ctr"/>
+            <a:endParaRPr lang="en-US"/>
+          </a:p>
+        </p:txBody>
+      </p:sp>
+      <p:cxnSp>
+        <p:nvCxnSpPr>
+          <p:cNvPr id="39" name="Elbow Connector 38">
+            <a:extLst>
+              <a:ext uri="{FF2B5EF4-FFF2-40B4-BE49-F238E27FC236}">
+                <a16:creationId xmlns:a16="http://schemas.microsoft.com/office/drawing/2014/main" id="{7C799F9C-C5AC-DAAD-59A9-D357F29823E0}"/>
+              </a:ext>
+            </a:extLst>
+          </p:cNvPr>
+          <p:cNvCxnSpPr>
+            <a:cxnSpLocks/>
+            <a:stCxn id="30" idx="4"/>
+            <a:endCxn id="31" idx="2"/>
+          </p:cNvCxnSpPr>
+          <p:nvPr/>
+        </p:nvCxnSpPr>
+        <p:spPr>
+          <a:xfrm>
+            <a:off x="551060" y="2809127"/>
+            <a:ext cx="447199" cy="918933"/>
+          </a:xfrm>
+          <a:prstGeom prst="bentConnector3">
+            <a:avLst>
+              <a:gd name="adj1" fmla="val 64910"/>
+            </a:avLst>
+          </a:prstGeom>
+          <a:ln w="28575" cap="flat" cmpd="sng" algn="ctr">
+            <a:solidFill>
+              <a:schemeClr val="dk1"/>
+            </a:solidFill>
+            <a:prstDash val="solid"/>
+            <a:round/>
+            <a:headEnd type="none" w="med" len="med"/>
+            <a:tailEnd type="arrow" w="med" len="med"/>
+          </a:ln>
+        </p:spPr>
+        <p:style>
+          <a:lnRef idx="0">
+            <a:scrgbClr r="0" g="0" b="0"/>
+          </a:lnRef>
+          <a:fillRef idx="0">
+            <a:scrgbClr r="0" g="0" b="0"/>
+          </a:fillRef>
+          <a:effectRef idx="0">
+            <a:scrgbClr r="0" g="0" b="0"/>
+          </a:effectRef>
+          <a:fontRef idx="minor">
+            <a:schemeClr val="tx1"/>
+          </a:fontRef>
+        </p:style>
+      </p:cxnSp>
+      <p:sp>
+        <p:nvSpPr>
+          <p:cNvPr id="48" name="Oval 47">
+            <a:extLst>
+              <a:ext uri="{FF2B5EF4-FFF2-40B4-BE49-F238E27FC236}">
+                <a16:creationId xmlns:a16="http://schemas.microsoft.com/office/drawing/2014/main" id="{DDAC53C6-3351-CD00-48DE-694A362CC4FA}"/>
+              </a:ext>
+            </a:extLst>
+          </p:cNvPr>
+          <p:cNvSpPr/>
+          <p:nvPr/>
+        </p:nvSpPr>
+        <p:spPr>
+          <a:xfrm>
+            <a:off x="1132349" y="3991939"/>
+            <a:ext cx="66001" cy="62611"/>
+          </a:xfrm>
+          <a:prstGeom prst="ellipse">
+            <a:avLst/>
+          </a:prstGeom>
+          <a:solidFill>
+            <a:schemeClr val="tx1"/>
+          </a:solidFill>
+          <a:ln>
+            <a:noFill/>
+          </a:ln>
+        </p:spPr>
+        <p:style>
+          <a:lnRef idx="2">
+            <a:schemeClr val="dk1">
+              <a:shade val="15000"/>
+            </a:schemeClr>
+          </a:lnRef>
+          <a:fillRef idx="1">
+            <a:schemeClr val="dk1"/>
+          </a:fillRef>
+          <a:effectRef idx="0">
+            <a:schemeClr val="dk1"/>
+          </a:effectRef>
+          <a:fontRef idx="minor">
+            <a:schemeClr val="lt1"/>
+          </a:fontRef>
+        </p:style>
+        <p:txBody>
+          <a:bodyPr rtlCol="0" anchor="ctr"/>
+          <a:lstStyle/>
+          <a:p>
+            <a:pPr algn="ctr"/>
+            <a:endParaRPr lang="en-US"/>
+          </a:p>
+        </p:txBody>
+      </p:sp>
+      <p:sp>
+        <p:nvSpPr>
+          <p:cNvPr id="49" name="Oval 48">
+            <a:extLst>
+              <a:ext uri="{FF2B5EF4-FFF2-40B4-BE49-F238E27FC236}">
+                <a16:creationId xmlns:a16="http://schemas.microsoft.com/office/drawing/2014/main" id="{7A6F9106-A824-DA25-2DEB-224ACCE6F23A}"/>
+              </a:ext>
+            </a:extLst>
+          </p:cNvPr>
+          <p:cNvSpPr/>
+          <p:nvPr/>
+        </p:nvSpPr>
+        <p:spPr>
+          <a:xfrm>
+            <a:off x="1132349" y="4077199"/>
+            <a:ext cx="65999" cy="62611"/>
+          </a:xfrm>
+          <a:prstGeom prst="ellipse">
+            <a:avLst/>
+          </a:prstGeom>
+          <a:solidFill>
+            <a:schemeClr val="tx1"/>
+          </a:solidFill>
+          <a:ln>
+            <a:noFill/>
+          </a:ln>
+        </p:spPr>
+        <p:style>
+          <a:lnRef idx="2">
+            <a:schemeClr val="dk1">
+              <a:shade val="15000"/>
+            </a:schemeClr>
+          </a:lnRef>
+          <a:fillRef idx="1">
+            <a:schemeClr val="dk1"/>
+          </a:fillRef>
+          <a:effectRef idx="0">
+            <a:schemeClr val="dk1"/>
+          </a:effectRef>
+          <a:fontRef idx="minor">
+            <a:schemeClr val="lt1"/>
+          </a:fontRef>
+        </p:style>
+        <p:txBody>
+          <a:bodyPr rtlCol="0" anchor="ctr"/>
+          <a:lstStyle/>
+          <a:p>
+            <a:pPr algn="ctr"/>
+            <a:endParaRPr lang="en-US"/>
+          </a:p>
+        </p:txBody>
+      </p:sp>
+      <p:sp>
+        <p:nvSpPr>
+          <p:cNvPr id="50" name="Oval 49">
+            <a:extLst>
+              <a:ext uri="{FF2B5EF4-FFF2-40B4-BE49-F238E27FC236}">
+                <a16:creationId xmlns:a16="http://schemas.microsoft.com/office/drawing/2014/main" id="{CE9619F8-3C24-26CD-0288-4AB9225EC5A5}"/>
+              </a:ext>
+            </a:extLst>
+          </p:cNvPr>
+          <p:cNvSpPr/>
+          <p:nvPr/>
+        </p:nvSpPr>
+        <p:spPr>
+          <a:xfrm>
+            <a:off x="1134442" y="3907887"/>
+            <a:ext cx="63907" cy="62006"/>
+          </a:xfrm>
+          <a:prstGeom prst="ellipse">
+            <a:avLst/>
+          </a:prstGeom>
+          <a:solidFill>
+            <a:schemeClr val="tx1"/>
+          </a:solidFill>
+          <a:ln>
+            <a:noFill/>
+          </a:ln>
+        </p:spPr>
+        <p:style>
+          <a:lnRef idx="2">
+            <a:schemeClr val="dk1">
+              <a:shade val="15000"/>
+            </a:schemeClr>
+          </a:lnRef>
+          <a:fillRef idx="1">
+            <a:schemeClr val="dk1"/>
+          </a:fillRef>
+          <a:effectRef idx="0">
+            <a:schemeClr val="dk1"/>
+          </a:effectRef>
+          <a:fontRef idx="minor">
+            <a:schemeClr val="lt1"/>
+          </a:fontRef>
+        </p:style>
+        <p:txBody>
+          <a:bodyPr rtlCol="0" anchor="ctr"/>
+          <a:lstStyle/>
+          <a:p>
+            <a:pPr algn="ctr"/>
+            <a:endParaRPr lang="en-US"/>
+          </a:p>
+        </p:txBody>
+      </p:sp>
+      <p:sp>
+        <p:nvSpPr>
+          <p:cNvPr id="51" name="Oval 50">
+            <a:extLst>
+              <a:ext uri="{FF2B5EF4-FFF2-40B4-BE49-F238E27FC236}">
+                <a16:creationId xmlns:a16="http://schemas.microsoft.com/office/drawing/2014/main" id="{5DDBF600-A5BB-7DD5-660E-96F150A9EAD6}"/>
+              </a:ext>
+            </a:extLst>
+          </p:cNvPr>
+          <p:cNvSpPr/>
+          <p:nvPr/>
+        </p:nvSpPr>
+        <p:spPr>
+          <a:xfrm>
+            <a:off x="1129460" y="3068938"/>
+            <a:ext cx="60924" cy="60637"/>
+          </a:xfrm>
+          <a:prstGeom prst="ellipse">
+            <a:avLst/>
+          </a:prstGeom>
+          <a:solidFill>
+            <a:schemeClr val="tx1"/>
+          </a:solidFill>
+          <a:ln>
+            <a:noFill/>
+          </a:ln>
+        </p:spPr>
+        <p:style>
+          <a:lnRef idx="2">
+            <a:schemeClr val="dk1">
+              <a:shade val="15000"/>
+            </a:schemeClr>
+          </a:lnRef>
+          <a:fillRef idx="1">
+            <a:schemeClr val="dk1"/>
+          </a:fillRef>
+          <a:effectRef idx="0">
+            <a:schemeClr val="dk1"/>
+          </a:effectRef>
+          <a:fontRef idx="minor">
+            <a:schemeClr val="lt1"/>
+          </a:fontRef>
+        </p:style>
+        <p:txBody>
+          <a:bodyPr rtlCol="0" anchor="ctr"/>
+          <a:lstStyle/>
+          <a:p>
+            <a:pPr algn="ctr"/>
+            <a:endParaRPr lang="en-US"/>
+          </a:p>
+        </p:txBody>
+      </p:sp>
+      <p:sp>
+        <p:nvSpPr>
+          <p:cNvPr id="52" name="Oval 51">
+            <a:extLst>
+              <a:ext uri="{FF2B5EF4-FFF2-40B4-BE49-F238E27FC236}">
+                <a16:creationId xmlns:a16="http://schemas.microsoft.com/office/drawing/2014/main" id="{37672498-87D8-C7DB-35E0-4CBB454027BF}"/>
+              </a:ext>
+            </a:extLst>
+          </p:cNvPr>
+          <p:cNvSpPr/>
+          <p:nvPr/>
+        </p:nvSpPr>
+        <p:spPr>
+          <a:xfrm>
+            <a:off x="1129460" y="3153594"/>
+            <a:ext cx="62006" cy="62006"/>
+          </a:xfrm>
+          <a:prstGeom prst="ellipse">
+            <a:avLst/>
+          </a:prstGeom>
+          <a:solidFill>
+            <a:schemeClr val="tx1"/>
+          </a:solidFill>
+          <a:ln>
+            <a:noFill/>
+          </a:ln>
+        </p:spPr>
+        <p:style>
+          <a:lnRef idx="2">
+            <a:schemeClr val="dk1">
+              <a:shade val="15000"/>
+            </a:schemeClr>
+          </a:lnRef>
+          <a:fillRef idx="1">
+            <a:schemeClr val="dk1"/>
+          </a:fillRef>
+          <a:effectRef idx="0">
+            <a:schemeClr val="dk1"/>
+          </a:effectRef>
+          <a:fontRef idx="minor">
+            <a:schemeClr val="lt1"/>
+          </a:fontRef>
+        </p:style>
+        <p:txBody>
+          <a:bodyPr rtlCol="0" anchor="ctr"/>
+          <a:lstStyle/>
+          <a:p>
+            <a:pPr algn="ctr"/>
+            <a:endParaRPr lang="en-US"/>
+          </a:p>
+        </p:txBody>
+      </p:sp>
+      <p:sp>
+        <p:nvSpPr>
+          <p:cNvPr id="53" name="Oval 52">
+            <a:extLst>
+              <a:ext uri="{FF2B5EF4-FFF2-40B4-BE49-F238E27FC236}">
+                <a16:creationId xmlns:a16="http://schemas.microsoft.com/office/drawing/2014/main" id="{64ABF20B-EF57-0E5C-05A9-1033CBE7F21F}"/>
+              </a:ext>
+            </a:extLst>
+          </p:cNvPr>
+          <p:cNvSpPr/>
+          <p:nvPr/>
+        </p:nvSpPr>
+        <p:spPr>
+          <a:xfrm>
+            <a:off x="1128378" y="2984281"/>
+            <a:ext cx="62006" cy="62006"/>
+          </a:xfrm>
+          <a:prstGeom prst="ellipse">
+            <a:avLst/>
+          </a:prstGeom>
+          <a:solidFill>
+            <a:schemeClr val="tx1"/>
+          </a:solidFill>
+          <a:ln>
+            <a:noFill/>
+          </a:ln>
+        </p:spPr>
+        <p:style>
+          <a:lnRef idx="2">
+            <a:schemeClr val="dk1">
+              <a:shade val="15000"/>
+            </a:schemeClr>
+          </a:lnRef>
+          <a:fillRef idx="1">
+            <a:schemeClr val="dk1"/>
+          </a:fillRef>
+          <a:effectRef idx="0">
+            <a:schemeClr val="dk1"/>
+          </a:effectRef>
+          <a:fontRef idx="minor">
+            <a:schemeClr val="lt1"/>
+          </a:fontRef>
+        </p:style>
+        <p:txBody>
+          <a:bodyPr rtlCol="0" anchor="ctr"/>
+          <a:lstStyle/>
+          <a:p>
+            <a:pPr algn="ctr"/>
+            <a:endParaRPr lang="en-US"/>
+          </a:p>
+        </p:txBody>
+      </p:sp>
+      <p:sp>
+        <p:nvSpPr>
+          <p:cNvPr id="508" name="Decision 507">
+            <a:extLst>
+              <a:ext uri="{FF2B5EF4-FFF2-40B4-BE49-F238E27FC236}">
+                <a16:creationId xmlns:a16="http://schemas.microsoft.com/office/drawing/2014/main" id="{7D8FDC50-7D13-8934-1C60-5DFD4D3A4B86}"/>
+              </a:ext>
+            </a:extLst>
+          </p:cNvPr>
+          <p:cNvSpPr/>
+          <p:nvPr/>
+        </p:nvSpPr>
+        <p:spPr>
+          <a:xfrm>
+            <a:off x="3534519" y="2309015"/>
+            <a:ext cx="1249093" cy="531409"/>
+          </a:xfrm>
+          <a:prstGeom prst="flowChartDecision">
+            <a:avLst/>
+          </a:prstGeom>
+          <a:ln w="19050"/>
+        </p:spPr>
+        <p:style>
+          <a:lnRef idx="2">
+            <a:schemeClr val="dk1"/>
+          </a:lnRef>
+          <a:fillRef idx="1">
+            <a:schemeClr val="lt1"/>
+          </a:fillRef>
+          <a:effectRef idx="0">
+            <a:schemeClr val="dk1"/>
+          </a:effectRef>
+          <a:fontRef idx="minor">
+            <a:schemeClr val="dk1"/>
+          </a:fontRef>
+        </p:style>
+        <p:txBody>
+          <a:bodyPr rtlCol="0" anchor="ctr"/>
+          <a:lstStyle/>
+          <a:p>
+            <a:pPr algn="ctr"/>
+            <a:endParaRPr lang="en-US" sz="1200" dirty="0"/>
+          </a:p>
+        </p:txBody>
+      </p:sp>
+      <p:sp>
+        <p:nvSpPr>
+          <p:cNvPr id="509" name="TextBox 508">
+            <a:extLst>
+              <a:ext uri="{FF2B5EF4-FFF2-40B4-BE49-F238E27FC236}">
+                <a16:creationId xmlns:a16="http://schemas.microsoft.com/office/drawing/2014/main" id="{7087A673-D6E5-2D38-7276-431E06C3B759}"/>
+              </a:ext>
+            </a:extLst>
+          </p:cNvPr>
+          <p:cNvSpPr txBox="1"/>
+          <p:nvPr/>
+        </p:nvSpPr>
+        <p:spPr>
+          <a:xfrm>
+            <a:off x="3589549" y="2415081"/>
+            <a:ext cx="1046954" cy="307777"/>
+          </a:xfrm>
+          <a:prstGeom prst="rect">
+            <a:avLst/>
+          </a:prstGeom>
+          <a:noFill/>
+        </p:spPr>
+        <p:txBody>
+          <a:bodyPr wrap="square" rtlCol="0">
+            <a:spAutoFit/>
+          </a:bodyPr>
+          <a:lstStyle/>
+          <a:p>
+            <a:pPr algn="ctr"/>
+            <a:r>
+              <a:rPr lang="en-US" sz="1400" dirty="0"/>
+              <a:t>SimS</a:t>
+            </a:r>
+            <a:r>
+              <a:rPr lang="en-US" sz="1400" baseline="-25000" dirty="0"/>
+              <a:t>1_2</a:t>
+            </a:r>
+          </a:p>
+        </p:txBody>
+      </p:sp>
+      <p:sp>
+        <p:nvSpPr>
+          <p:cNvPr id="510" name="Decision 509">
+            <a:extLst>
+              <a:ext uri="{FF2B5EF4-FFF2-40B4-BE49-F238E27FC236}">
+                <a16:creationId xmlns:a16="http://schemas.microsoft.com/office/drawing/2014/main" id="{0FB4308C-6BE6-BD0B-4B4A-97FB345DE2BA}"/>
+              </a:ext>
+            </a:extLst>
+          </p:cNvPr>
+          <p:cNvSpPr/>
+          <p:nvPr/>
+        </p:nvSpPr>
+        <p:spPr>
+          <a:xfrm>
+            <a:off x="3530539" y="3522287"/>
+            <a:ext cx="1249093" cy="531409"/>
+          </a:xfrm>
+          <a:prstGeom prst="flowChartDecision">
+            <a:avLst/>
+          </a:prstGeom>
+          <a:ln w="19050"/>
+        </p:spPr>
+        <p:style>
+          <a:lnRef idx="2">
+            <a:schemeClr val="dk1"/>
+          </a:lnRef>
+          <a:fillRef idx="1">
+            <a:schemeClr val="lt1"/>
+          </a:fillRef>
+          <a:effectRef idx="0">
+            <a:schemeClr val="dk1"/>
+          </a:effectRef>
+          <a:fontRef idx="minor">
+            <a:schemeClr val="dk1"/>
+          </a:fontRef>
+        </p:style>
+        <p:txBody>
+          <a:bodyPr rtlCol="0" anchor="ctr"/>
+          <a:lstStyle/>
+          <a:p>
+            <a:pPr algn="ctr"/>
+            <a:endParaRPr lang="en-US" sz="1200" dirty="0"/>
+          </a:p>
+        </p:txBody>
+      </p:sp>
+      <p:sp>
+        <p:nvSpPr>
+          <p:cNvPr id="66" name="TextBox 65">
+            <a:extLst>
+              <a:ext uri="{FF2B5EF4-FFF2-40B4-BE49-F238E27FC236}">
+                <a16:creationId xmlns:a16="http://schemas.microsoft.com/office/drawing/2014/main" id="{A2D7F35C-E570-E8EE-DE41-22A2737762BB}"/>
+              </a:ext>
+            </a:extLst>
+          </p:cNvPr>
+          <p:cNvSpPr txBox="1"/>
+          <p:nvPr/>
+        </p:nvSpPr>
+        <p:spPr>
+          <a:xfrm>
+            <a:off x="3592037" y="3622998"/>
+            <a:ext cx="1046954" cy="307777"/>
+          </a:xfrm>
+          <a:prstGeom prst="rect">
+            <a:avLst/>
+          </a:prstGeom>
+          <a:noFill/>
+        </p:spPr>
+        <p:txBody>
+          <a:bodyPr wrap="square" rtlCol="0">
+            <a:spAutoFit/>
+          </a:bodyPr>
+          <a:lstStyle/>
+          <a:p>
+            <a:pPr algn="ctr"/>
+            <a:r>
+              <a:rPr lang="en-US" sz="1400" dirty="0" err="1"/>
+              <a:t>SimS</a:t>
+            </a:r>
+            <a:r>
+              <a:rPr lang="en-US" sz="1400" baseline="-25000" dirty="0" err="1"/>
+              <a:t>r_h</a:t>
+            </a:r>
+            <a:endParaRPr lang="en-US" sz="1400" baseline="-25000" dirty="0"/>
+          </a:p>
+        </p:txBody>
+      </p:sp>
+      <p:sp>
+        <p:nvSpPr>
+          <p:cNvPr id="102" name="TextBox 101">
+            <a:extLst>
+              <a:ext uri="{FF2B5EF4-FFF2-40B4-BE49-F238E27FC236}">
+                <a16:creationId xmlns:a16="http://schemas.microsoft.com/office/drawing/2014/main" id="{99848EE6-A933-4882-28E8-FA2C9A2EFE58}"/>
+              </a:ext>
+            </a:extLst>
+          </p:cNvPr>
+          <p:cNvSpPr txBox="1"/>
+          <p:nvPr/>
+        </p:nvSpPr>
+        <p:spPr>
+          <a:xfrm>
+            <a:off x="11047766" y="428116"/>
+            <a:ext cx="1144234" cy="738664"/>
+          </a:xfrm>
+          <a:prstGeom prst="rect">
+            <a:avLst/>
+          </a:prstGeom>
+          <a:noFill/>
+        </p:spPr>
+        <p:txBody>
+          <a:bodyPr wrap="square">
+            <a:spAutoFit/>
+          </a:bodyPr>
+          <a:lstStyle/>
+          <a:p>
+            <a:pPr algn="ctr"/>
+            <a:r>
+              <a:rPr lang="en-US" sz="1400" b="1" dirty="0"/>
+              <a:t>Generate Models Using OI</a:t>
+            </a:r>
+            <a:r>
+              <a:rPr lang="en-US" sz="1400" b="1" baseline="-25000" dirty="0"/>
+              <a:t>HAPV</a:t>
+            </a:r>
+            <a:endParaRPr lang="en-US" sz="1400" b="1" dirty="0"/>
+          </a:p>
+        </p:txBody>
+      </p:sp>
     </p:spTree>
     <p:extLst>
       <p:ext uri="{BB962C8B-B14F-4D97-AF65-F5344CB8AC3E}">
-        <p14:creationId xmlns:p14="http://schemas.microsoft.com/office/powerpoint/2010/main" val="3958541822"/>
+        <p14:creationId xmlns:p14="http://schemas.microsoft.com/office/powerpoint/2010/main" val="2027311554"/>
       </p:ext>
     </p:extLst>
   </p:cSld>

--- a/Figures/Arcs/Architecture.pptx
+++ b/Figures/Arcs/Architecture.pptx
@@ -197,7 +197,7 @@
           <a:p>
             <a:fld id="{4F2B3EEC-C8B4-0543-943F-91B3791C5E43}" type="datetimeFigureOut">
               <a:rPr lang="en-US" smtClean="0"/>
-              <a:t>10/20/23</a:t>
+              <a:t>10/24/23</a:t>
             </a:fld>
             <a:endParaRPr lang="en-US"/>
           </a:p>
@@ -734,7 +734,7 @@
           <a:p>
             <a:fld id="{697CBF4A-2AD2-1249-BC5E-D6BCA9656194}" type="datetimeFigureOut">
               <a:rPr lang="en-US" smtClean="0"/>
-              <a:t>10/20/23</a:t>
+              <a:t>10/24/23</a:t>
             </a:fld>
             <a:endParaRPr lang="en-US"/>
           </a:p>
@@ -932,7 +932,7 @@
           <a:p>
             <a:fld id="{697CBF4A-2AD2-1249-BC5E-D6BCA9656194}" type="datetimeFigureOut">
               <a:rPr lang="en-US" smtClean="0"/>
-              <a:t>10/20/23</a:t>
+              <a:t>10/24/23</a:t>
             </a:fld>
             <a:endParaRPr lang="en-US"/>
           </a:p>
@@ -1140,7 +1140,7 @@
           <a:p>
             <a:fld id="{697CBF4A-2AD2-1249-BC5E-D6BCA9656194}" type="datetimeFigureOut">
               <a:rPr lang="en-US" smtClean="0"/>
-              <a:t>10/20/23</a:t>
+              <a:t>10/24/23</a:t>
             </a:fld>
             <a:endParaRPr lang="en-US"/>
           </a:p>
@@ -1338,7 +1338,7 @@
           <a:p>
             <a:fld id="{697CBF4A-2AD2-1249-BC5E-D6BCA9656194}" type="datetimeFigureOut">
               <a:rPr lang="en-US" smtClean="0"/>
-              <a:t>10/20/23</a:t>
+              <a:t>10/24/23</a:t>
             </a:fld>
             <a:endParaRPr lang="en-US"/>
           </a:p>
@@ -1613,7 +1613,7 @@
           <a:p>
             <a:fld id="{697CBF4A-2AD2-1249-BC5E-D6BCA9656194}" type="datetimeFigureOut">
               <a:rPr lang="en-US" smtClean="0"/>
-              <a:t>10/20/23</a:t>
+              <a:t>10/24/23</a:t>
             </a:fld>
             <a:endParaRPr lang="en-US"/>
           </a:p>
@@ -1878,7 +1878,7 @@
           <a:p>
             <a:fld id="{697CBF4A-2AD2-1249-BC5E-D6BCA9656194}" type="datetimeFigureOut">
               <a:rPr lang="en-US" smtClean="0"/>
-              <a:t>10/20/23</a:t>
+              <a:t>10/24/23</a:t>
             </a:fld>
             <a:endParaRPr lang="en-US"/>
           </a:p>
@@ -2290,7 +2290,7 @@
           <a:p>
             <a:fld id="{697CBF4A-2AD2-1249-BC5E-D6BCA9656194}" type="datetimeFigureOut">
               <a:rPr lang="en-US" smtClean="0"/>
-              <a:t>10/20/23</a:t>
+              <a:t>10/24/23</a:t>
             </a:fld>
             <a:endParaRPr lang="en-US"/>
           </a:p>
@@ -2431,7 +2431,7 @@
           <a:p>
             <a:fld id="{697CBF4A-2AD2-1249-BC5E-D6BCA9656194}" type="datetimeFigureOut">
               <a:rPr lang="en-US" smtClean="0"/>
-              <a:t>10/20/23</a:t>
+              <a:t>10/24/23</a:t>
             </a:fld>
             <a:endParaRPr lang="en-US"/>
           </a:p>
@@ -2544,7 +2544,7 @@
           <a:p>
             <a:fld id="{697CBF4A-2AD2-1249-BC5E-D6BCA9656194}" type="datetimeFigureOut">
               <a:rPr lang="en-US" smtClean="0"/>
-              <a:t>10/20/23</a:t>
+              <a:t>10/24/23</a:t>
             </a:fld>
             <a:endParaRPr lang="en-US"/>
           </a:p>
@@ -2855,7 +2855,7 @@
           <a:p>
             <a:fld id="{697CBF4A-2AD2-1249-BC5E-D6BCA9656194}" type="datetimeFigureOut">
               <a:rPr lang="en-US" smtClean="0"/>
-              <a:t>10/20/23</a:t>
+              <a:t>10/24/23</a:t>
             </a:fld>
             <a:endParaRPr lang="en-US"/>
           </a:p>
@@ -3143,7 +3143,7 @@
           <a:p>
             <a:fld id="{697CBF4A-2AD2-1249-BC5E-D6BCA9656194}" type="datetimeFigureOut">
               <a:rPr lang="en-US" smtClean="0"/>
-              <a:t>10/20/23</a:t>
+              <a:t>10/24/23</a:t>
             </a:fld>
             <a:endParaRPr lang="en-US"/>
           </a:p>
@@ -3384,7 +3384,7 @@
           <a:p>
             <a:fld id="{697CBF4A-2AD2-1249-BC5E-D6BCA9656194}" type="datetimeFigureOut">
               <a:rPr lang="en-US" smtClean="0"/>
-              <a:t>10/20/23</a:t>
+              <a:t>10/24/23</a:t>
             </a:fld>
             <a:endParaRPr lang="en-US"/>
           </a:p>
@@ -3815,8 +3815,8 @@
         </p:nvSpPr>
         <p:spPr>
           <a:xfrm>
-            <a:off x="1711492" y="407989"/>
-            <a:ext cx="4787431" cy="4138552"/>
+            <a:off x="1711494" y="407989"/>
+            <a:ext cx="4153072" cy="4408940"/>
           </a:xfrm>
           <a:prstGeom prst="roundRect">
             <a:avLst>
@@ -3866,8 +3866,8 @@
         </p:nvSpPr>
         <p:spPr>
           <a:xfrm>
-            <a:off x="8984720" y="4139810"/>
-            <a:ext cx="841614" cy="408824"/>
+            <a:off x="11300828" y="3147372"/>
+            <a:ext cx="848887" cy="578027"/>
           </a:xfrm>
           <a:prstGeom prst="roundRect">
             <a:avLst/>
@@ -3912,15 +3912,15 @@
           </p:cNvPr>
           <p:cNvCxnSpPr>
             <a:cxnSpLocks/>
-            <a:stCxn id="130" idx="3"/>
-            <a:endCxn id="163" idx="1"/>
+            <a:stCxn id="130" idx="2"/>
+            <a:endCxn id="163" idx="0"/>
           </p:cNvCxnSpPr>
           <p:nvPr/>
         </p:nvCxnSpPr>
         <p:spPr>
-          <a:xfrm>
-            <a:off x="9826334" y="4344222"/>
-            <a:ext cx="282527" cy="985"/>
+          <a:xfrm flipH="1">
+            <a:off x="11725044" y="3725399"/>
+            <a:ext cx="228" cy="311504"/>
           </a:xfrm>
           <a:prstGeom prst="straightConnector1">
             <a:avLst/>
@@ -3965,8 +3965,8 @@
         </p:nvSpPr>
         <p:spPr>
           <a:xfrm>
-            <a:off x="10108861" y="4140795"/>
-            <a:ext cx="1014358" cy="408824"/>
+            <a:off x="11295417" y="4036903"/>
+            <a:ext cx="859253" cy="692005"/>
           </a:xfrm>
           <a:prstGeom prst="rect">
             <a:avLst/>
@@ -3997,6 +3997,9 @@
               <a:rPr lang="en-US" sz="1400" b="1" dirty="0"/>
               <a:t>Final Output: </a:t>
             </a:r>
+          </a:p>
+          <a:p>
+            <a:pPr algn="ctr"/>
             <a:r>
               <a:rPr lang="en-US" sz="1400" b="1" i="1" dirty="0">
                 <a:latin typeface="APPLE CHANCERY" panose="03020702040506060504" pitchFamily="66" charset="-79"/>
@@ -5902,7 +5905,7 @@
             <a:pPr algn="ctr"/>
             <a:r>
               <a:rPr lang="en-US" sz="1400" dirty="0"/>
-              <a:t>SimS</a:t>
+              <a:t>Similarity</a:t>
             </a:r>
             <a:r>
               <a:rPr lang="en-US" sz="1400" baseline="-25000" dirty="0"/>
@@ -6020,15 +6023,15 @@
           </p:cNvPr>
           <p:cNvCxnSpPr>
             <a:cxnSpLocks/>
-            <a:stCxn id="218" idx="3"/>
-            <a:endCxn id="197" idx="0"/>
+            <a:stCxn id="218" idx="4"/>
+            <a:endCxn id="197" idx="1"/>
           </p:cNvCxnSpPr>
           <p:nvPr/>
         </p:nvCxnSpPr>
         <p:spPr>
-          <a:xfrm>
-            <a:off x="7539294" y="2630072"/>
-            <a:ext cx="166" cy="137946"/>
+          <a:xfrm flipV="1">
+            <a:off x="8912040" y="1436138"/>
+            <a:ext cx="138987" cy="674"/>
           </a:xfrm>
           <a:prstGeom prst="straightConnector1">
             <a:avLst/>
@@ -6070,15 +6073,15 @@
           </p:cNvPr>
           <p:cNvCxnSpPr>
             <a:cxnSpLocks/>
-            <a:stCxn id="27" idx="2"/>
-            <a:endCxn id="209" idx="0"/>
+            <a:stCxn id="27" idx="1"/>
+            <a:endCxn id="209" idx="1"/>
           </p:cNvCxnSpPr>
           <p:nvPr/>
         </p:nvCxnSpPr>
         <p:spPr>
-          <a:xfrm flipH="1">
-            <a:off x="7539294" y="1300428"/>
-            <a:ext cx="3061" cy="318354"/>
+          <a:xfrm flipV="1">
+            <a:off x="7214148" y="1436261"/>
+            <a:ext cx="208383" cy="339"/>
           </a:xfrm>
           <a:prstGeom prst="straightConnector1">
             <a:avLst/>
@@ -6123,7 +6126,7 @@
         </p:nvSpPr>
         <p:spPr>
           <a:xfrm>
-            <a:off x="6754250" y="2768018"/>
+            <a:off x="9051027" y="1290023"/>
             <a:ext cx="1570420" cy="292230"/>
           </a:xfrm>
           <a:prstGeom prst="rect">
@@ -6210,7 +6213,7 @@
         </p:nvSpPr>
         <p:spPr>
           <a:xfrm>
-            <a:off x="8854433" y="2768018"/>
+            <a:off x="9049776" y="2359611"/>
             <a:ext cx="1572921" cy="292230"/>
           </a:xfrm>
           <a:prstGeom prst="rect">
@@ -6297,7 +6300,7 @@
         </p:nvSpPr>
         <p:spPr>
           <a:xfrm>
-            <a:off x="7341020" y="3187677"/>
+            <a:off x="10782923" y="1291957"/>
             <a:ext cx="396543" cy="287121"/>
           </a:xfrm>
           <a:prstGeom prst="rect">
@@ -6350,15 +6353,15 @@
           </p:cNvPr>
           <p:cNvCxnSpPr>
             <a:cxnSpLocks/>
-            <a:stCxn id="198" idx="2"/>
-            <a:endCxn id="201" idx="0"/>
+            <a:stCxn id="198" idx="3"/>
+            <a:endCxn id="201" idx="1"/>
           </p:cNvCxnSpPr>
           <p:nvPr/>
         </p:nvCxnSpPr>
         <p:spPr>
-          <a:xfrm>
-            <a:off x="9640894" y="3060248"/>
-            <a:ext cx="1719" cy="124295"/>
+          <a:xfrm flipV="1">
+            <a:off x="10622697" y="2504026"/>
+            <a:ext cx="157493" cy="1700"/>
           </a:xfrm>
           <a:prstGeom prst="straightConnector1">
             <a:avLst/>
@@ -6403,7 +6406,7 @@
         </p:nvSpPr>
         <p:spPr>
           <a:xfrm>
-            <a:off x="9444341" y="3184543"/>
+            <a:off x="10780190" y="2360465"/>
             <a:ext cx="396543" cy="287121"/>
           </a:xfrm>
           <a:prstGeom prst="rect">
@@ -6447,10 +6450,10 @@
       </p:sp>
       <p:sp>
         <p:nvSpPr>
-          <p:cNvPr id="202" name="Oval 201">
-            <a:extLst>
-              <a:ext uri="{FF2B5EF4-FFF2-40B4-BE49-F238E27FC236}">
-                <a16:creationId xmlns:a16="http://schemas.microsoft.com/office/drawing/2014/main" id="{C7A78C8A-BC56-80E5-1C6B-AE7971A8E979}"/>
+          <p:cNvPr id="205" name="Can 204">
+            <a:extLst>
+              <a:ext uri="{FF2B5EF4-FFF2-40B4-BE49-F238E27FC236}">
+                <a16:creationId xmlns:a16="http://schemas.microsoft.com/office/drawing/2014/main" id="{F07E0133-6040-396E-EA8D-7115CE32F6E1}"/>
               </a:ext>
             </a:extLst>
           </p:cNvPr>
@@ -6459,59 +6462,7 @@
         </p:nvSpPr>
         <p:spPr>
           <a:xfrm>
-            <a:off x="10517872" y="818218"/>
-            <a:ext cx="86952" cy="86952"/>
-          </a:xfrm>
-          <a:prstGeom prst="ellipse">
-            <a:avLst/>
-          </a:prstGeom>
-          <a:solidFill>
-            <a:schemeClr val="tx1"/>
-          </a:solidFill>
-          <a:ln>
-            <a:noFill/>
-          </a:ln>
-        </p:spPr>
-        <p:style>
-          <a:lnRef idx="2">
-            <a:schemeClr val="dk1">
-              <a:shade val="15000"/>
-            </a:schemeClr>
-          </a:lnRef>
-          <a:fillRef idx="1">
-            <a:schemeClr val="dk1"/>
-          </a:fillRef>
-          <a:effectRef idx="0">
-            <a:schemeClr val="dk1"/>
-          </a:effectRef>
-          <a:fontRef idx="minor">
-            <a:schemeClr val="lt1"/>
-          </a:fontRef>
-        </p:style>
-        <p:txBody>
-          <a:bodyPr rtlCol="0" anchor="ctr"/>
-          <a:lstStyle/>
-          <a:p>
-            <a:pPr algn="ctr"/>
-            <a:endParaRPr lang="en-US" sz="1200"/>
-          </a:p>
-        </p:txBody>
-      </p:sp>
-      <p:sp>
-        <p:nvSpPr>
-          <p:cNvPr id="205" name="Can 204">
-            <a:extLst>
-              <a:ext uri="{FF2B5EF4-FFF2-40B4-BE49-F238E27FC236}">
-                <a16:creationId xmlns:a16="http://schemas.microsoft.com/office/drawing/2014/main" id="{F07E0133-6040-396E-EA8D-7115CE32F6E1}"/>
-              </a:ext>
-            </a:extLst>
-          </p:cNvPr>
-          <p:cNvSpPr/>
-          <p:nvPr/>
-        </p:nvSpPr>
-        <p:spPr>
-          <a:xfrm>
-            <a:off x="7360986" y="886508"/>
+            <a:off x="6671684" y="1321755"/>
             <a:ext cx="352803" cy="275242"/>
           </a:xfrm>
           <a:prstGeom prst="can">
@@ -6579,7 +6530,7 @@
         </p:nvSpPr>
         <p:spPr>
           <a:xfrm>
-            <a:off x="7291812" y="1618782"/>
+            <a:off x="7422531" y="1309961"/>
             <a:ext cx="494963" cy="252599"/>
           </a:xfrm>
           <a:prstGeom prst="rect">
@@ -6629,15 +6580,15 @@
           </p:cNvPr>
           <p:cNvCxnSpPr>
             <a:cxnSpLocks/>
-            <a:stCxn id="60" idx="2"/>
-            <a:endCxn id="217" idx="0"/>
+            <a:stCxn id="60" idx="1"/>
+            <a:endCxn id="217" idx="1"/>
           </p:cNvCxnSpPr>
           <p:nvPr/>
         </p:nvCxnSpPr>
         <p:spPr>
-          <a:xfrm flipH="1">
-            <a:off x="9635162" y="1298850"/>
-            <a:ext cx="2121" cy="322089"/>
+          <a:xfrm flipV="1">
+            <a:off x="7216880" y="2506237"/>
+            <a:ext cx="205651" cy="643"/>
           </a:xfrm>
           <a:prstGeom prst="straightConnector1">
             <a:avLst/>
@@ -6682,7 +6633,7 @@
         </p:nvSpPr>
         <p:spPr>
           <a:xfrm>
-            <a:off x="9458759" y="881429"/>
+            <a:off x="6677261" y="2388534"/>
             <a:ext cx="352803" cy="282764"/>
           </a:xfrm>
           <a:prstGeom prst="can">
@@ -6750,7 +6701,7 @@
         </p:nvSpPr>
         <p:spPr>
           <a:xfrm>
-            <a:off x="9387680" y="1620939"/>
+            <a:off x="7422531" y="2381016"/>
             <a:ext cx="494963" cy="250442"/>
           </a:xfrm>
           <a:prstGeom prst="rect">
@@ -6803,7 +6754,7 @@
         </p:nvSpPr>
         <p:spPr>
           <a:xfrm>
-            <a:off x="7362892" y="2321630"/>
+            <a:off x="8559237" y="1282591"/>
             <a:ext cx="352803" cy="308442"/>
           </a:xfrm>
           <a:prstGeom prst="can">
@@ -6871,7 +6822,7 @@
         </p:nvSpPr>
         <p:spPr>
           <a:xfrm>
-            <a:off x="9466211" y="2321630"/>
+            <a:off x="8555687" y="2350316"/>
             <a:ext cx="352803" cy="308442"/>
           </a:xfrm>
           <a:prstGeom prst="can">
@@ -6936,15 +6887,15 @@
           </p:cNvPr>
           <p:cNvCxnSpPr>
             <a:cxnSpLocks/>
-            <a:stCxn id="209" idx="2"/>
-            <a:endCxn id="220" idx="1"/>
+            <a:stCxn id="209" idx="3"/>
+            <a:endCxn id="220" idx="2"/>
           </p:cNvCxnSpPr>
           <p:nvPr/>
         </p:nvCxnSpPr>
         <p:spPr>
           <a:xfrm>
-            <a:off x="7539294" y="1871381"/>
-            <a:ext cx="2103319" cy="450249"/>
+            <a:off x="7917494" y="1436261"/>
+            <a:ext cx="638193" cy="1068276"/>
           </a:xfrm>
           <a:prstGeom prst="straightConnector1">
             <a:avLst/>
@@ -6986,15 +6937,15 @@
           </p:cNvPr>
           <p:cNvCxnSpPr>
             <a:cxnSpLocks/>
-            <a:stCxn id="209" idx="2"/>
-            <a:endCxn id="218" idx="1"/>
+            <a:stCxn id="209" idx="3"/>
+            <a:endCxn id="218" idx="2"/>
           </p:cNvCxnSpPr>
           <p:nvPr/>
         </p:nvCxnSpPr>
         <p:spPr>
           <a:xfrm>
-            <a:off x="7539294" y="1871381"/>
-            <a:ext cx="0" cy="450249"/>
+            <a:off x="7917494" y="1436261"/>
+            <a:ext cx="641743" cy="551"/>
           </a:xfrm>
           <a:prstGeom prst="straightConnector1">
             <a:avLst/>
@@ -7036,15 +6987,15 @@
           </p:cNvPr>
           <p:cNvCxnSpPr>
             <a:cxnSpLocks/>
-            <a:stCxn id="217" idx="2"/>
-            <a:endCxn id="220" idx="1"/>
+            <a:stCxn id="217" idx="3"/>
+            <a:endCxn id="220" idx="2"/>
           </p:cNvCxnSpPr>
           <p:nvPr/>
         </p:nvCxnSpPr>
         <p:spPr>
-          <a:xfrm>
-            <a:off x="9635162" y="1871381"/>
-            <a:ext cx="7451" cy="450249"/>
+          <a:xfrm flipV="1">
+            <a:off x="7917494" y="2504537"/>
+            <a:ext cx="638193" cy="1700"/>
           </a:xfrm>
           <a:prstGeom prst="straightConnector1">
             <a:avLst/>
@@ -7086,15 +7037,15 @@
           </p:cNvPr>
           <p:cNvCxnSpPr>
             <a:cxnSpLocks/>
-            <a:stCxn id="217" idx="2"/>
-            <a:endCxn id="218" idx="1"/>
+            <a:stCxn id="217" idx="3"/>
+            <a:endCxn id="218" idx="2"/>
           </p:cNvCxnSpPr>
           <p:nvPr/>
         </p:nvCxnSpPr>
         <p:spPr>
-          <a:xfrm flipH="1">
-            <a:off x="7539294" y="1871381"/>
-            <a:ext cx="2095868" cy="450249"/>
+          <a:xfrm flipV="1">
+            <a:off x="7917494" y="1436812"/>
+            <a:ext cx="641743" cy="1069425"/>
           </a:xfrm>
           <a:prstGeom prst="straightConnector1">
             <a:avLst/>
@@ -7136,15 +7087,15 @@
           </p:cNvPr>
           <p:cNvCxnSpPr>
             <a:cxnSpLocks/>
-            <a:stCxn id="220" idx="3"/>
-            <a:endCxn id="198" idx="0"/>
+            <a:stCxn id="220" idx="4"/>
+            <a:endCxn id="198" idx="1"/>
           </p:cNvCxnSpPr>
           <p:nvPr/>
         </p:nvCxnSpPr>
         <p:spPr>
-          <a:xfrm flipH="1">
-            <a:off x="9640894" y="2630072"/>
-            <a:ext cx="1719" cy="137946"/>
+          <a:xfrm>
+            <a:off x="8908490" y="2504537"/>
+            <a:ext cx="141286" cy="1189"/>
           </a:xfrm>
           <a:prstGeom prst="straightConnector1">
             <a:avLst/>
@@ -7175,578 +7126,6 @@
           </a:fontRef>
         </p:style>
       </p:cxnSp>
-      <p:sp>
-        <p:nvSpPr>
-          <p:cNvPr id="227" name="Oval 226">
-            <a:extLst>
-              <a:ext uri="{FF2B5EF4-FFF2-40B4-BE49-F238E27FC236}">
-                <a16:creationId xmlns:a16="http://schemas.microsoft.com/office/drawing/2014/main" id="{DE0A1277-3941-A958-551F-004537DBD53F}"/>
-              </a:ext>
-            </a:extLst>
-          </p:cNvPr>
-          <p:cNvSpPr/>
-          <p:nvPr/>
-        </p:nvSpPr>
-        <p:spPr>
-          <a:xfrm>
-            <a:off x="10740896" y="818218"/>
-            <a:ext cx="86952" cy="86952"/>
-          </a:xfrm>
-          <a:prstGeom prst="ellipse">
-            <a:avLst/>
-          </a:prstGeom>
-          <a:solidFill>
-            <a:schemeClr val="tx1"/>
-          </a:solidFill>
-          <a:ln>
-            <a:noFill/>
-          </a:ln>
-        </p:spPr>
-        <p:style>
-          <a:lnRef idx="2">
-            <a:schemeClr val="dk1">
-              <a:shade val="15000"/>
-            </a:schemeClr>
-          </a:lnRef>
-          <a:fillRef idx="1">
-            <a:schemeClr val="dk1"/>
-          </a:fillRef>
-          <a:effectRef idx="0">
-            <a:schemeClr val="dk1"/>
-          </a:effectRef>
-          <a:fontRef idx="minor">
-            <a:schemeClr val="lt1"/>
-          </a:fontRef>
-        </p:style>
-        <p:txBody>
-          <a:bodyPr rtlCol="0" anchor="ctr"/>
-          <a:lstStyle/>
-          <a:p>
-            <a:pPr algn="ctr"/>
-            <a:endParaRPr lang="en-US" sz="1200"/>
-          </a:p>
-        </p:txBody>
-      </p:sp>
-      <p:sp>
-        <p:nvSpPr>
-          <p:cNvPr id="228" name="Oval 227">
-            <a:extLst>
-              <a:ext uri="{FF2B5EF4-FFF2-40B4-BE49-F238E27FC236}">
-                <a16:creationId xmlns:a16="http://schemas.microsoft.com/office/drawing/2014/main" id="{20F3DC74-0B99-8281-E407-90AB6FB8E069}"/>
-              </a:ext>
-            </a:extLst>
-          </p:cNvPr>
-          <p:cNvSpPr/>
-          <p:nvPr/>
-        </p:nvSpPr>
-        <p:spPr>
-          <a:xfrm>
-            <a:off x="10965825" y="818218"/>
-            <a:ext cx="86952" cy="86952"/>
-          </a:xfrm>
-          <a:prstGeom prst="ellipse">
-            <a:avLst/>
-          </a:prstGeom>
-          <a:solidFill>
-            <a:schemeClr val="tx1"/>
-          </a:solidFill>
-          <a:ln>
-            <a:noFill/>
-          </a:ln>
-        </p:spPr>
-        <p:style>
-          <a:lnRef idx="2">
-            <a:schemeClr val="dk1">
-              <a:shade val="15000"/>
-            </a:schemeClr>
-          </a:lnRef>
-          <a:fillRef idx="1">
-            <a:schemeClr val="dk1"/>
-          </a:fillRef>
-          <a:effectRef idx="0">
-            <a:schemeClr val="dk1"/>
-          </a:effectRef>
-          <a:fontRef idx="minor">
-            <a:schemeClr val="lt1"/>
-          </a:fontRef>
-        </p:style>
-        <p:txBody>
-          <a:bodyPr rtlCol="0" anchor="ctr"/>
-          <a:lstStyle/>
-          <a:p>
-            <a:pPr algn="ctr"/>
-            <a:endParaRPr lang="en-US" sz="1200"/>
-          </a:p>
-        </p:txBody>
-      </p:sp>
-      <p:sp>
-        <p:nvSpPr>
-          <p:cNvPr id="229" name="Oval 228">
-            <a:extLst>
-              <a:ext uri="{FF2B5EF4-FFF2-40B4-BE49-F238E27FC236}">
-                <a16:creationId xmlns:a16="http://schemas.microsoft.com/office/drawing/2014/main" id="{A6C78296-93E4-451E-1E69-05B5653AAC0E}"/>
-              </a:ext>
-            </a:extLst>
-          </p:cNvPr>
-          <p:cNvSpPr/>
-          <p:nvPr/>
-        </p:nvSpPr>
-        <p:spPr>
-          <a:xfrm>
-            <a:off x="10517872" y="1682362"/>
-            <a:ext cx="86952" cy="86952"/>
-          </a:xfrm>
-          <a:prstGeom prst="ellipse">
-            <a:avLst/>
-          </a:prstGeom>
-          <a:solidFill>
-            <a:schemeClr val="tx1"/>
-          </a:solidFill>
-          <a:ln>
-            <a:noFill/>
-          </a:ln>
-        </p:spPr>
-        <p:style>
-          <a:lnRef idx="2">
-            <a:schemeClr val="dk1">
-              <a:shade val="15000"/>
-            </a:schemeClr>
-          </a:lnRef>
-          <a:fillRef idx="1">
-            <a:schemeClr val="dk1"/>
-          </a:fillRef>
-          <a:effectRef idx="0">
-            <a:schemeClr val="dk1"/>
-          </a:effectRef>
-          <a:fontRef idx="minor">
-            <a:schemeClr val="lt1"/>
-          </a:fontRef>
-        </p:style>
-        <p:txBody>
-          <a:bodyPr rtlCol="0" anchor="ctr"/>
-          <a:lstStyle/>
-          <a:p>
-            <a:pPr algn="ctr"/>
-            <a:endParaRPr lang="en-US" sz="1200"/>
-          </a:p>
-        </p:txBody>
-      </p:sp>
-      <p:sp>
-        <p:nvSpPr>
-          <p:cNvPr id="230" name="Oval 229">
-            <a:extLst>
-              <a:ext uri="{FF2B5EF4-FFF2-40B4-BE49-F238E27FC236}">
-                <a16:creationId xmlns:a16="http://schemas.microsoft.com/office/drawing/2014/main" id="{8EF627E1-DBB4-8DA8-956A-7DD5A48A4AB0}"/>
-              </a:ext>
-            </a:extLst>
-          </p:cNvPr>
-          <p:cNvSpPr/>
-          <p:nvPr/>
-        </p:nvSpPr>
-        <p:spPr>
-          <a:xfrm>
-            <a:off x="10740896" y="1682362"/>
-            <a:ext cx="86952" cy="86952"/>
-          </a:xfrm>
-          <a:prstGeom prst="ellipse">
-            <a:avLst/>
-          </a:prstGeom>
-          <a:solidFill>
-            <a:schemeClr val="tx1"/>
-          </a:solidFill>
-          <a:ln>
-            <a:noFill/>
-          </a:ln>
-        </p:spPr>
-        <p:style>
-          <a:lnRef idx="2">
-            <a:schemeClr val="dk1">
-              <a:shade val="15000"/>
-            </a:schemeClr>
-          </a:lnRef>
-          <a:fillRef idx="1">
-            <a:schemeClr val="dk1"/>
-          </a:fillRef>
-          <a:effectRef idx="0">
-            <a:schemeClr val="dk1"/>
-          </a:effectRef>
-          <a:fontRef idx="minor">
-            <a:schemeClr val="lt1"/>
-          </a:fontRef>
-        </p:style>
-        <p:txBody>
-          <a:bodyPr rtlCol="0" anchor="ctr"/>
-          <a:lstStyle/>
-          <a:p>
-            <a:pPr algn="ctr"/>
-            <a:endParaRPr lang="en-US" sz="1200"/>
-          </a:p>
-        </p:txBody>
-      </p:sp>
-      <p:sp>
-        <p:nvSpPr>
-          <p:cNvPr id="231" name="Oval 230">
-            <a:extLst>
-              <a:ext uri="{FF2B5EF4-FFF2-40B4-BE49-F238E27FC236}">
-                <a16:creationId xmlns:a16="http://schemas.microsoft.com/office/drawing/2014/main" id="{B4C98857-631F-7ACE-FDEA-AE715B34C47F}"/>
-              </a:ext>
-            </a:extLst>
-          </p:cNvPr>
-          <p:cNvSpPr/>
-          <p:nvPr/>
-        </p:nvSpPr>
-        <p:spPr>
-          <a:xfrm>
-            <a:off x="10965825" y="1682362"/>
-            <a:ext cx="86952" cy="86952"/>
-          </a:xfrm>
-          <a:prstGeom prst="ellipse">
-            <a:avLst/>
-          </a:prstGeom>
-          <a:solidFill>
-            <a:schemeClr val="tx1"/>
-          </a:solidFill>
-          <a:ln>
-            <a:noFill/>
-          </a:ln>
-        </p:spPr>
-        <p:style>
-          <a:lnRef idx="2">
-            <a:schemeClr val="dk1">
-              <a:shade val="15000"/>
-            </a:schemeClr>
-          </a:lnRef>
-          <a:fillRef idx="1">
-            <a:schemeClr val="dk1"/>
-          </a:fillRef>
-          <a:effectRef idx="0">
-            <a:schemeClr val="dk1"/>
-          </a:effectRef>
-          <a:fontRef idx="minor">
-            <a:schemeClr val="lt1"/>
-          </a:fontRef>
-        </p:style>
-        <p:txBody>
-          <a:bodyPr rtlCol="0" anchor="ctr"/>
-          <a:lstStyle/>
-          <a:p>
-            <a:pPr algn="ctr"/>
-            <a:endParaRPr lang="en-US" sz="1200"/>
-          </a:p>
-        </p:txBody>
-      </p:sp>
-      <p:sp>
-        <p:nvSpPr>
-          <p:cNvPr id="232" name="Oval 231">
-            <a:extLst>
-              <a:ext uri="{FF2B5EF4-FFF2-40B4-BE49-F238E27FC236}">
-                <a16:creationId xmlns:a16="http://schemas.microsoft.com/office/drawing/2014/main" id="{7303D4E3-FCB3-DF54-C5D7-69287A8373CB}"/>
-              </a:ext>
-            </a:extLst>
-          </p:cNvPr>
-          <p:cNvSpPr/>
-          <p:nvPr/>
-        </p:nvSpPr>
-        <p:spPr>
-          <a:xfrm>
-            <a:off x="10512860" y="2870657"/>
-            <a:ext cx="86952" cy="86952"/>
-          </a:xfrm>
-          <a:prstGeom prst="ellipse">
-            <a:avLst/>
-          </a:prstGeom>
-          <a:solidFill>
-            <a:schemeClr val="tx1"/>
-          </a:solidFill>
-          <a:ln>
-            <a:noFill/>
-          </a:ln>
-        </p:spPr>
-        <p:style>
-          <a:lnRef idx="2">
-            <a:schemeClr val="dk1">
-              <a:shade val="15000"/>
-            </a:schemeClr>
-          </a:lnRef>
-          <a:fillRef idx="1">
-            <a:schemeClr val="dk1"/>
-          </a:fillRef>
-          <a:effectRef idx="0">
-            <a:schemeClr val="dk1"/>
-          </a:effectRef>
-          <a:fontRef idx="minor">
-            <a:schemeClr val="lt1"/>
-          </a:fontRef>
-        </p:style>
-        <p:txBody>
-          <a:bodyPr rtlCol="0" anchor="ctr"/>
-          <a:lstStyle/>
-          <a:p>
-            <a:pPr algn="ctr"/>
-            <a:endParaRPr lang="en-US" sz="1200"/>
-          </a:p>
-        </p:txBody>
-      </p:sp>
-      <p:sp>
-        <p:nvSpPr>
-          <p:cNvPr id="233" name="Oval 232">
-            <a:extLst>
-              <a:ext uri="{FF2B5EF4-FFF2-40B4-BE49-F238E27FC236}">
-                <a16:creationId xmlns:a16="http://schemas.microsoft.com/office/drawing/2014/main" id="{0925660A-0A62-B714-499F-84871B461FF4}"/>
-              </a:ext>
-            </a:extLst>
-          </p:cNvPr>
-          <p:cNvSpPr/>
-          <p:nvPr/>
-        </p:nvSpPr>
-        <p:spPr>
-          <a:xfrm>
-            <a:off x="10735884" y="2870657"/>
-            <a:ext cx="86952" cy="86952"/>
-          </a:xfrm>
-          <a:prstGeom prst="ellipse">
-            <a:avLst/>
-          </a:prstGeom>
-          <a:solidFill>
-            <a:schemeClr val="tx1"/>
-          </a:solidFill>
-          <a:ln>
-            <a:noFill/>
-          </a:ln>
-        </p:spPr>
-        <p:style>
-          <a:lnRef idx="2">
-            <a:schemeClr val="dk1">
-              <a:shade val="15000"/>
-            </a:schemeClr>
-          </a:lnRef>
-          <a:fillRef idx="1">
-            <a:schemeClr val="dk1"/>
-          </a:fillRef>
-          <a:effectRef idx="0">
-            <a:schemeClr val="dk1"/>
-          </a:effectRef>
-          <a:fontRef idx="minor">
-            <a:schemeClr val="lt1"/>
-          </a:fontRef>
-        </p:style>
-        <p:txBody>
-          <a:bodyPr rtlCol="0" anchor="ctr"/>
-          <a:lstStyle/>
-          <a:p>
-            <a:pPr algn="ctr"/>
-            <a:endParaRPr lang="en-US" sz="1200"/>
-          </a:p>
-        </p:txBody>
-      </p:sp>
-      <p:sp>
-        <p:nvSpPr>
-          <p:cNvPr id="234" name="Oval 233">
-            <a:extLst>
-              <a:ext uri="{FF2B5EF4-FFF2-40B4-BE49-F238E27FC236}">
-                <a16:creationId xmlns:a16="http://schemas.microsoft.com/office/drawing/2014/main" id="{70EB75DC-4451-C9F3-B551-6057B7877598}"/>
-              </a:ext>
-            </a:extLst>
-          </p:cNvPr>
-          <p:cNvSpPr/>
-          <p:nvPr/>
-        </p:nvSpPr>
-        <p:spPr>
-          <a:xfrm>
-            <a:off x="10960813" y="2870657"/>
-            <a:ext cx="86952" cy="86952"/>
-          </a:xfrm>
-          <a:prstGeom prst="ellipse">
-            <a:avLst/>
-          </a:prstGeom>
-          <a:solidFill>
-            <a:schemeClr val="tx1"/>
-          </a:solidFill>
-          <a:ln>
-            <a:noFill/>
-          </a:ln>
-        </p:spPr>
-        <p:style>
-          <a:lnRef idx="2">
-            <a:schemeClr val="dk1">
-              <a:shade val="15000"/>
-            </a:schemeClr>
-          </a:lnRef>
-          <a:fillRef idx="1">
-            <a:schemeClr val="dk1"/>
-          </a:fillRef>
-          <a:effectRef idx="0">
-            <a:schemeClr val="dk1"/>
-          </a:effectRef>
-          <a:fontRef idx="minor">
-            <a:schemeClr val="lt1"/>
-          </a:fontRef>
-        </p:style>
-        <p:txBody>
-          <a:bodyPr rtlCol="0" anchor="ctr"/>
-          <a:lstStyle/>
-          <a:p>
-            <a:pPr algn="ctr"/>
-            <a:endParaRPr lang="en-US" sz="1200"/>
-          </a:p>
-        </p:txBody>
-      </p:sp>
-      <p:sp>
-        <p:nvSpPr>
-          <p:cNvPr id="235" name="Oval 234">
-            <a:extLst>
-              <a:ext uri="{FF2B5EF4-FFF2-40B4-BE49-F238E27FC236}">
-                <a16:creationId xmlns:a16="http://schemas.microsoft.com/office/drawing/2014/main" id="{8E4B71E9-1EE2-FB0B-3B8B-29BF36BD1AA0}"/>
-              </a:ext>
-            </a:extLst>
-          </p:cNvPr>
-          <p:cNvSpPr/>
-          <p:nvPr/>
-        </p:nvSpPr>
-        <p:spPr>
-          <a:xfrm>
-            <a:off x="10513949" y="3287847"/>
-            <a:ext cx="86952" cy="86952"/>
-          </a:xfrm>
-          <a:prstGeom prst="ellipse">
-            <a:avLst/>
-          </a:prstGeom>
-          <a:solidFill>
-            <a:schemeClr val="tx1"/>
-          </a:solidFill>
-          <a:ln>
-            <a:noFill/>
-          </a:ln>
-        </p:spPr>
-        <p:style>
-          <a:lnRef idx="2">
-            <a:schemeClr val="dk1">
-              <a:shade val="15000"/>
-            </a:schemeClr>
-          </a:lnRef>
-          <a:fillRef idx="1">
-            <a:schemeClr val="dk1"/>
-          </a:fillRef>
-          <a:effectRef idx="0">
-            <a:schemeClr val="dk1"/>
-          </a:effectRef>
-          <a:fontRef idx="minor">
-            <a:schemeClr val="lt1"/>
-          </a:fontRef>
-        </p:style>
-        <p:txBody>
-          <a:bodyPr rtlCol="0" anchor="ctr"/>
-          <a:lstStyle/>
-          <a:p>
-            <a:pPr algn="ctr"/>
-            <a:endParaRPr lang="en-US" sz="1200"/>
-          </a:p>
-        </p:txBody>
-      </p:sp>
-      <p:sp>
-        <p:nvSpPr>
-          <p:cNvPr id="236" name="Oval 235">
-            <a:extLst>
-              <a:ext uri="{FF2B5EF4-FFF2-40B4-BE49-F238E27FC236}">
-                <a16:creationId xmlns:a16="http://schemas.microsoft.com/office/drawing/2014/main" id="{04EBB380-C1F3-249A-4839-C6DA097A4938}"/>
-              </a:ext>
-            </a:extLst>
-          </p:cNvPr>
-          <p:cNvSpPr/>
-          <p:nvPr/>
-        </p:nvSpPr>
-        <p:spPr>
-          <a:xfrm>
-            <a:off x="10736973" y="3287847"/>
-            <a:ext cx="86952" cy="86952"/>
-          </a:xfrm>
-          <a:prstGeom prst="ellipse">
-            <a:avLst/>
-          </a:prstGeom>
-          <a:solidFill>
-            <a:schemeClr val="tx1"/>
-          </a:solidFill>
-          <a:ln>
-            <a:noFill/>
-          </a:ln>
-        </p:spPr>
-        <p:style>
-          <a:lnRef idx="2">
-            <a:schemeClr val="dk1">
-              <a:shade val="15000"/>
-            </a:schemeClr>
-          </a:lnRef>
-          <a:fillRef idx="1">
-            <a:schemeClr val="dk1"/>
-          </a:fillRef>
-          <a:effectRef idx="0">
-            <a:schemeClr val="dk1"/>
-          </a:effectRef>
-          <a:fontRef idx="minor">
-            <a:schemeClr val="lt1"/>
-          </a:fontRef>
-        </p:style>
-        <p:txBody>
-          <a:bodyPr rtlCol="0" anchor="ctr"/>
-          <a:lstStyle/>
-          <a:p>
-            <a:pPr algn="ctr"/>
-            <a:endParaRPr lang="en-US" sz="1200"/>
-          </a:p>
-        </p:txBody>
-      </p:sp>
-      <p:sp>
-        <p:nvSpPr>
-          <p:cNvPr id="237" name="Oval 236">
-            <a:extLst>
-              <a:ext uri="{FF2B5EF4-FFF2-40B4-BE49-F238E27FC236}">
-                <a16:creationId xmlns:a16="http://schemas.microsoft.com/office/drawing/2014/main" id="{E26C06F9-E9A1-C6CB-BBFF-118331E4A4D4}"/>
-              </a:ext>
-            </a:extLst>
-          </p:cNvPr>
-          <p:cNvSpPr/>
-          <p:nvPr/>
-        </p:nvSpPr>
-        <p:spPr>
-          <a:xfrm>
-            <a:off x="10961902" y="3287847"/>
-            <a:ext cx="86952" cy="86952"/>
-          </a:xfrm>
-          <a:prstGeom prst="ellipse">
-            <a:avLst/>
-          </a:prstGeom>
-          <a:solidFill>
-            <a:schemeClr val="tx1"/>
-          </a:solidFill>
-          <a:ln>
-            <a:noFill/>
-          </a:ln>
-        </p:spPr>
-        <p:style>
-          <a:lnRef idx="2">
-            <a:schemeClr val="dk1">
-              <a:shade val="15000"/>
-            </a:schemeClr>
-          </a:lnRef>
-          <a:fillRef idx="1">
-            <a:schemeClr val="dk1"/>
-          </a:fillRef>
-          <a:effectRef idx="0">
-            <a:schemeClr val="dk1"/>
-          </a:effectRef>
-          <a:fontRef idx="minor">
-            <a:schemeClr val="lt1"/>
-          </a:fontRef>
-        </p:style>
-        <p:txBody>
-          <a:bodyPr rtlCol="0" anchor="ctr"/>
-          <a:lstStyle/>
-          <a:p>
-            <a:pPr algn="ctr"/>
-            <a:endParaRPr lang="en-US" sz="1200"/>
-          </a:p>
-        </p:txBody>
-      </p:sp>
       <p:cxnSp>
         <p:nvCxnSpPr>
           <p:cNvPr id="238" name="Straight Arrow Connector 237">
@@ -7758,14 +7137,14 @@
           </p:cNvPr>
           <p:cNvCxnSpPr>
             <a:cxnSpLocks/>
-            <a:endCxn id="218" idx="1"/>
+            <a:endCxn id="218" idx="2"/>
           </p:cNvCxnSpPr>
           <p:nvPr/>
         </p:nvCxnSpPr>
         <p:spPr>
-          <a:xfrm flipH="1">
-            <a:off x="7539294" y="1868670"/>
-            <a:ext cx="2973697" cy="452960"/>
+          <a:xfrm flipV="1">
+            <a:off x="7878167" y="1436812"/>
+            <a:ext cx="681070" cy="1839387"/>
           </a:xfrm>
           <a:prstGeom prst="straightConnector1">
             <a:avLst/>
@@ -7807,14 +7186,14 @@
           </p:cNvPr>
           <p:cNvCxnSpPr>
             <a:cxnSpLocks/>
-            <a:endCxn id="220" idx="1"/>
+            <a:endCxn id="220" idx="2"/>
           </p:cNvCxnSpPr>
           <p:nvPr/>
         </p:nvCxnSpPr>
         <p:spPr>
-          <a:xfrm flipH="1">
-            <a:off x="9642613" y="1898531"/>
-            <a:ext cx="1149778" cy="423099"/>
+          <a:xfrm flipV="1">
+            <a:off x="7878167" y="2504537"/>
+            <a:ext cx="677520" cy="931220"/>
           </a:xfrm>
           <a:prstGeom prst="straightConnector1">
             <a:avLst/>
@@ -7856,15 +7235,15 @@
           </p:cNvPr>
           <p:cNvCxnSpPr>
             <a:cxnSpLocks/>
-            <a:stCxn id="197" idx="2"/>
-            <a:endCxn id="199" idx="0"/>
+            <a:stCxn id="197" idx="3"/>
+            <a:endCxn id="199" idx="1"/>
           </p:cNvCxnSpPr>
           <p:nvPr/>
         </p:nvCxnSpPr>
         <p:spPr>
-          <a:xfrm flipH="1">
-            <a:off x="7539292" y="3060248"/>
-            <a:ext cx="168" cy="127429"/>
+          <a:xfrm flipV="1">
+            <a:off x="10621447" y="1435518"/>
+            <a:ext cx="161476" cy="620"/>
           </a:xfrm>
           <a:prstGeom prst="straightConnector1">
             <a:avLst/>
@@ -7909,8 +7288,8 @@
         </p:nvSpPr>
         <p:spPr>
           <a:xfrm>
-            <a:off x="6691328" y="407989"/>
-            <a:ext cx="5446592" cy="3192270"/>
+            <a:off x="6349564" y="407989"/>
+            <a:ext cx="4898293" cy="4670850"/>
           </a:xfrm>
           <a:prstGeom prst="roundRect">
             <a:avLst>
@@ -7958,14 +7337,13 @@
           <p:cNvCxnSpPr>
             <a:cxnSpLocks/>
             <a:stCxn id="40" idx="3"/>
-            <a:endCxn id="34" idx="1"/>
           </p:cNvCxnSpPr>
           <p:nvPr/>
         </p:nvCxnSpPr>
         <p:spPr>
           <a:xfrm>
             <a:off x="1503626" y="2477265"/>
-            <a:ext cx="207866" cy="0"/>
+            <a:ext cx="231605" cy="0"/>
           </a:xfrm>
           <a:prstGeom prst="straightConnector1">
             <a:avLst/>
@@ -8010,8 +7388,8 @@
         </p:nvSpPr>
         <p:spPr>
           <a:xfrm>
-            <a:off x="1717430" y="400088"/>
-            <a:ext cx="5355789" cy="307777"/>
+            <a:off x="1697891" y="400088"/>
+            <a:ext cx="4183282" cy="307777"/>
           </a:xfrm>
           <a:prstGeom prst="rect">
             <a:avLst/>
@@ -8027,7 +7405,7 @@
             <a:pPr algn="ctr"/>
             <a:r>
               <a:rPr lang="en-US" sz="1400" b="1" dirty="0"/>
-              <a:t>Determine Parameters with Highest ARI (HAPV)</a:t>
+              <a:t>Determine Hyper-Parameters with Highest ARI (HAPV)</a:t>
             </a:r>
           </a:p>
         </p:txBody>
@@ -8046,8 +7424,8 @@
         </p:nvSpPr>
         <p:spPr>
           <a:xfrm>
-            <a:off x="11047766" y="2363824"/>
-            <a:ext cx="1140796" cy="1169551"/>
+            <a:off x="8029433" y="415240"/>
+            <a:ext cx="2634101" cy="523220"/>
           </a:xfrm>
           <a:prstGeom prst="rect">
             <a:avLst/>
@@ -8070,56 +7448,6 @@
       </p:sp>
       <p:cxnSp>
         <p:nvCxnSpPr>
-          <p:cNvPr id="426" name="Straight Arrow Connector 425">
-            <a:extLst>
-              <a:ext uri="{FF2B5EF4-FFF2-40B4-BE49-F238E27FC236}">
-                <a16:creationId xmlns:a16="http://schemas.microsoft.com/office/drawing/2014/main" id="{CFB2CC0F-F141-3A43-C2BE-DCF3F852CE97}"/>
-              </a:ext>
-            </a:extLst>
-          </p:cNvPr>
-          <p:cNvCxnSpPr>
-            <a:cxnSpLocks/>
-            <a:stCxn id="241" idx="2"/>
-            <a:endCxn id="130" idx="0"/>
-          </p:cNvCxnSpPr>
-          <p:nvPr/>
-        </p:nvCxnSpPr>
-        <p:spPr>
-          <a:xfrm flipH="1">
-            <a:off x="9405527" y="3600259"/>
-            <a:ext cx="9097" cy="539551"/>
-          </a:xfrm>
-          <a:prstGeom prst="straightConnector1">
-            <a:avLst/>
-          </a:prstGeom>
-          <a:ln w="38100" cap="flat" cmpd="sng" algn="ctr">
-            <a:solidFill>
-              <a:schemeClr val="tx1"/>
-            </a:solidFill>
-            <a:prstDash val="solid"/>
-            <a:round/>
-            <a:headEnd type="none" w="med" len="med"/>
-            <a:tailEnd type="arrow" w="med" len="med"/>
-          </a:ln>
-          <a:effectLst/>
-        </p:spPr>
-        <p:style>
-          <a:lnRef idx="2">
-            <a:schemeClr val="accent1"/>
-          </a:lnRef>
-          <a:fillRef idx="0">
-            <a:schemeClr val="accent1"/>
-          </a:fillRef>
-          <a:effectRef idx="1">
-            <a:schemeClr val="accent1"/>
-          </a:effectRef>
-          <a:fontRef idx="minor">
-            <a:schemeClr val="tx1"/>
-          </a:fontRef>
-        </p:style>
-      </p:cxnSp>
-      <p:cxnSp>
-        <p:nvCxnSpPr>
           <p:cNvPr id="472" name="Elbow Connector 471">
             <a:extLst>
               <a:ext uri="{FF2B5EF4-FFF2-40B4-BE49-F238E27FC236}">
@@ -8130,18 +7458,18 @@
           <p:cNvCxnSpPr>
             <a:cxnSpLocks/>
             <a:stCxn id="40" idx="0"/>
-            <a:endCxn id="241" idx="0"/>
+            <a:endCxn id="381" idx="0"/>
           </p:cNvCxnSpPr>
           <p:nvPr/>
         </p:nvCxnSpPr>
         <p:spPr>
-          <a:xfrm rot="5400000" flipH="1" flipV="1">
-            <a:off x="5096738" y="-3909896"/>
-            <a:ext cx="12700" cy="8635771"/>
+          <a:xfrm rot="16200000" flipH="1">
+            <a:off x="5059042" y="-3872201"/>
+            <a:ext cx="7251" cy="8567631"/>
           </a:xfrm>
           <a:prstGeom prst="bentConnector3">
             <a:avLst>
-              <a:gd name="adj1" fmla="val 1800000"/>
+              <a:gd name="adj1" fmla="val -2555703"/>
             </a:avLst>
           </a:prstGeom>
           <a:ln w="38100" cap="flat" cmpd="sng" algn="ctr">
@@ -8633,8 +7961,8 @@
         </p:nvSpPr>
         <p:spPr>
           <a:xfrm>
-            <a:off x="4931086" y="707865"/>
-            <a:ext cx="970912" cy="3754102"/>
+            <a:off x="4931086" y="1062990"/>
+            <a:ext cx="827403" cy="3008264"/>
           </a:xfrm>
           <a:prstGeom prst="rect">
             <a:avLst/>
@@ -8685,8 +8013,8 @@
         </p:nvSpPr>
         <p:spPr>
           <a:xfrm>
-            <a:off x="5011769" y="1853663"/>
-            <a:ext cx="820165" cy="646331"/>
+            <a:off x="5016267" y="2555163"/>
+            <a:ext cx="655943" cy="276999"/>
           </a:xfrm>
           <a:prstGeom prst="rect">
             <a:avLst/>
@@ -8722,38 +8050,15 @@
                   <a:schemeClr val="tx1"/>
                 </a:solidFill>
               </a:rPr>
-              <a:t>:</a:t>
-            </a:r>
-          </a:p>
-          <a:p>
-            <a:pPr algn="ctr"/>
-            <a:r>
-              <a:rPr lang="en-US" sz="1200" dirty="0"/>
-              <a:t>[ARI</a:t>
-            </a:r>
-            <a:r>
-              <a:rPr lang="en-US" sz="1200" baseline="-25000" dirty="0"/>
-              <a:t>1_a</a:t>
-            </a:r>
-            <a:r>
-              <a:rPr lang="en-US" sz="1200" dirty="0"/>
-              <a:t>,</a:t>
-            </a:r>
-            <a:endParaRPr lang="en-US" sz="1200" baseline="-25000" dirty="0"/>
-          </a:p>
-          <a:p>
-            <a:pPr algn="ctr"/>
-            <a:r>
-              <a:rPr lang="en-US" sz="1200" dirty="0"/>
-              <a:t>ARI</a:t>
-            </a:r>
-            <a:r>
-              <a:rPr lang="en-US" sz="1200" baseline="-25000" dirty="0"/>
-              <a:t>1_b</a:t>
-            </a:r>
-            <a:r>
-              <a:rPr lang="en-US" sz="1200" dirty="0"/>
-              <a:t>,…]</a:t>
+              <a:t>:v</a:t>
+            </a:r>
+            <a:r>
+              <a:rPr lang="en-US" sz="1200" baseline="-25000" dirty="0">
+                <a:solidFill>
+                  <a:schemeClr val="tx1"/>
+                </a:solidFill>
+              </a:rPr>
+              <a:t>1_2</a:t>
             </a:r>
           </a:p>
         </p:txBody>
@@ -8772,8 +8077,8 @@
         </p:nvSpPr>
         <p:spPr>
           <a:xfrm>
-            <a:off x="4923032" y="800363"/>
-            <a:ext cx="984256" cy="954107"/>
+            <a:off x="4857714" y="1025333"/>
+            <a:ext cx="967003" cy="1384995"/>
           </a:xfrm>
           <a:prstGeom prst="rect">
             <a:avLst/>
@@ -8793,23 +8098,7 @@
                   <a:schemeClr val="tx1"/>
                 </a:solidFill>
               </a:rPr>
-              <a:t>Select </a:t>
-            </a:r>
-            <a:r>
-              <a:rPr lang="en-US" sz="1400" dirty="0" err="1">
-                <a:solidFill>
-                  <a:schemeClr val="tx1"/>
-                </a:solidFill>
-              </a:rPr>
-              <a:t>ArgMax</a:t>
-            </a:r>
-            <a:r>
-              <a:rPr lang="en-US" sz="1400" dirty="0">
-                <a:solidFill>
-                  <a:schemeClr val="tx1"/>
-                </a:solidFill>
-              </a:rPr>
-              <a:t> Parameter Value</a:t>
+              <a:t>Choose Hyper-parameter with Maximum Similarity</a:t>
             </a:r>
           </a:p>
         </p:txBody>
@@ -8826,19 +8115,18 @@
           <p:cNvCxnSpPr>
             <a:cxnSpLocks/>
             <a:stCxn id="42" idx="3"/>
-            <a:endCxn id="213" idx="1"/>
+            <a:endCxn id="213" idx="2"/>
           </p:cNvCxnSpPr>
           <p:nvPr/>
         </p:nvCxnSpPr>
         <p:spPr>
           <a:xfrm flipV="1">
-            <a:off x="5901998" y="881429"/>
-            <a:ext cx="3733163" cy="1703487"/>
-          </a:xfrm>
-          <a:prstGeom prst="bentConnector4">
+            <a:off x="5758489" y="2529916"/>
+            <a:ext cx="918772" cy="37206"/>
+          </a:xfrm>
+          <a:prstGeom prst="bentConnector3">
             <a:avLst>
-              <a:gd name="adj1" fmla="val 18505"/>
-              <a:gd name="adj2" fmla="val 118844"/>
+              <a:gd name="adj1" fmla="val 71611"/>
             </a:avLst>
           </a:prstGeom>
           <a:ln w="38100" cap="flat" cmpd="sng" algn="ctr">
@@ -8880,7 +8168,7 @@
         </p:nvSpPr>
         <p:spPr>
           <a:xfrm>
-            <a:off x="8192827" y="1618782"/>
+            <a:off x="7248963" y="4659403"/>
             <a:ext cx="867790" cy="276999"/>
           </a:xfrm>
           <a:prstGeom prst="rect">
@@ -8925,7 +8213,7 @@
         </p:nvSpPr>
         <p:spPr>
           <a:xfrm>
-            <a:off x="8158352" y="2779745"/>
+            <a:off x="9399609" y="4659402"/>
             <a:ext cx="867790" cy="276999"/>
           </a:xfrm>
           <a:prstGeom prst="rect">
@@ -8956,90 +8244,12 @@
           </a:p>
         </p:txBody>
       </p:sp>
-      <p:sp>
-        <p:nvSpPr>
-          <p:cNvPr id="476" name="TextBox 475">
-            <a:extLst>
-              <a:ext uri="{FF2B5EF4-FFF2-40B4-BE49-F238E27FC236}">
-                <a16:creationId xmlns:a16="http://schemas.microsoft.com/office/drawing/2014/main" id="{F2BA13CE-9FE9-513C-098E-4D2E304404B6}"/>
-              </a:ext>
-            </a:extLst>
-          </p:cNvPr>
-          <p:cNvSpPr txBox="1"/>
-          <p:nvPr/>
-        </p:nvSpPr>
-        <p:spPr>
-          <a:xfrm>
-            <a:off x="4932645" y="2538266"/>
-            <a:ext cx="981860" cy="646331"/>
-          </a:xfrm>
-          <a:prstGeom prst="rect">
-            <a:avLst/>
-          </a:prstGeom>
-          <a:noFill/>
-        </p:spPr>
-        <p:txBody>
-          <a:bodyPr wrap="square">
-            <a:spAutoFit/>
-          </a:bodyPr>
-          <a:lstStyle/>
-          <a:p>
-            <a:pPr algn="ctr"/>
-            <a:r>
-              <a:rPr lang="en-US" sz="1200" dirty="0">
-                <a:solidFill>
-                  <a:schemeClr val="tx1"/>
-                </a:solidFill>
-              </a:rPr>
-              <a:t>P</a:t>
-            </a:r>
-            <a:r>
-              <a:rPr lang="en-US" sz="1200" baseline="-25000" dirty="0"/>
-              <a:t>2</a:t>
-            </a:r>
-            <a:r>
-              <a:rPr lang="en-US" sz="1200" dirty="0">
-                <a:solidFill>
-                  <a:schemeClr val="tx1"/>
-                </a:solidFill>
-              </a:rPr>
-              <a:t>:</a:t>
-            </a:r>
-          </a:p>
-          <a:p>
-            <a:pPr algn="ctr"/>
-            <a:r>
-              <a:rPr lang="en-US" sz="1200" dirty="0"/>
-              <a:t>[ARI</a:t>
-            </a:r>
-            <a:r>
-              <a:rPr lang="en-US" sz="1200" baseline="-25000" dirty="0"/>
-              <a:t>2_a,</a:t>
-            </a:r>
-          </a:p>
-          <a:p>
-            <a:pPr algn="ctr"/>
-            <a:r>
-              <a:rPr lang="en-US" sz="1200" dirty="0"/>
-              <a:t>ARI</a:t>
-            </a:r>
-            <a:r>
-              <a:rPr lang="en-US" sz="1200" baseline="-25000" dirty="0"/>
-              <a:t>2_b,</a:t>
-            </a:r>
-            <a:r>
-              <a:rPr lang="en-US" sz="1200" dirty="0"/>
-              <a:t>…]</a:t>
-            </a:r>
-          </a:p>
-        </p:txBody>
-      </p:sp>
       <p:cxnSp>
         <p:nvCxnSpPr>
-          <p:cNvPr id="478" name="Straight Connector 477">
-            <a:extLst>
-              <a:ext uri="{FF2B5EF4-FFF2-40B4-BE49-F238E27FC236}">
-                <a16:creationId xmlns:a16="http://schemas.microsoft.com/office/drawing/2014/main" id="{AEDEC0EE-FDFD-D80D-FFEE-C6DAD09DF6B5}"/>
+          <p:cNvPr id="480" name="Straight Connector 479">
+            <a:extLst>
+              <a:ext uri="{FF2B5EF4-FFF2-40B4-BE49-F238E27FC236}">
+                <a16:creationId xmlns:a16="http://schemas.microsoft.com/office/drawing/2014/main" id="{F3915FFB-D843-4441-09B9-4356EAD1C9EC}"/>
               </a:ext>
             </a:extLst>
           </p:cNvPr>
@@ -9050,8 +8260,8 @@
         </p:nvCxnSpPr>
         <p:spPr>
           <a:xfrm>
-            <a:off x="5011769" y="2535164"/>
-            <a:ext cx="820165" cy="0"/>
+            <a:off x="5011769" y="2954087"/>
+            <a:ext cx="650135" cy="0"/>
           </a:xfrm>
           <a:prstGeom prst="line">
             <a:avLst/>
@@ -9079,10 +8289,10 @@
       </p:cxnSp>
       <p:cxnSp>
         <p:nvCxnSpPr>
-          <p:cNvPr id="480" name="Straight Connector 479">
-            <a:extLst>
-              <a:ext uri="{FF2B5EF4-FFF2-40B4-BE49-F238E27FC236}">
-                <a16:creationId xmlns:a16="http://schemas.microsoft.com/office/drawing/2014/main" id="{F3915FFB-D843-4441-09B9-4356EAD1C9EC}"/>
+          <p:cNvPr id="481" name="Straight Connector 480">
+            <a:extLst>
+              <a:ext uri="{FF2B5EF4-FFF2-40B4-BE49-F238E27FC236}">
+                <a16:creationId xmlns:a16="http://schemas.microsoft.com/office/drawing/2014/main" id="{59B157CC-2B63-6069-2231-3B0770AA5CEC}"/>
               </a:ext>
             </a:extLst>
           </p:cNvPr>
@@ -9092,9 +8302,9 @@
           <p:nvPr/>
         </p:nvCxnSpPr>
         <p:spPr>
-          <a:xfrm flipV="1">
-            <a:off x="5011769" y="3239347"/>
-            <a:ext cx="820165" cy="1"/>
+          <a:xfrm>
+            <a:off x="5011769" y="3460194"/>
+            <a:ext cx="658749" cy="0"/>
           </a:xfrm>
           <a:prstGeom prst="line">
             <a:avLst/>
@@ -9120,49 +8330,6 @@
           </a:fontRef>
         </p:style>
       </p:cxnSp>
-      <p:cxnSp>
-        <p:nvCxnSpPr>
-          <p:cNvPr id="481" name="Straight Connector 480">
-            <a:extLst>
-              <a:ext uri="{FF2B5EF4-FFF2-40B4-BE49-F238E27FC236}">
-                <a16:creationId xmlns:a16="http://schemas.microsoft.com/office/drawing/2014/main" id="{59B157CC-2B63-6069-2231-3B0770AA5CEC}"/>
-              </a:ext>
-            </a:extLst>
-          </p:cNvPr>
-          <p:cNvCxnSpPr>
-            <a:cxnSpLocks/>
-          </p:cNvCxnSpPr>
-          <p:nvPr/>
-        </p:nvCxnSpPr>
-        <p:spPr>
-          <a:xfrm>
-            <a:off x="5011769" y="3745455"/>
-            <a:ext cx="820165" cy="0"/>
-          </a:xfrm>
-          <a:prstGeom prst="line">
-            <a:avLst/>
-          </a:prstGeom>
-          <a:ln>
-            <a:solidFill>
-              <a:schemeClr val="tx1"/>
-            </a:solidFill>
-          </a:ln>
-        </p:spPr>
-        <p:style>
-          <a:lnRef idx="1">
-            <a:schemeClr val="accent1"/>
-          </a:lnRef>
-          <a:fillRef idx="0">
-            <a:schemeClr val="accent1"/>
-          </a:fillRef>
-          <a:effectRef idx="0">
-            <a:schemeClr val="accent1"/>
-          </a:effectRef>
-          <a:fontRef idx="minor">
-            <a:schemeClr val="tx1"/>
-          </a:fontRef>
-        </p:style>
-      </p:cxnSp>
       <p:sp>
         <p:nvSpPr>
           <p:cNvPr id="489" name="TextBox 488">
@@ -9177,8 +8344,8 @@
         </p:nvSpPr>
         <p:spPr>
           <a:xfrm>
-            <a:off x="5011769" y="3747321"/>
-            <a:ext cx="818136" cy="646331"/>
+            <a:off x="5011769" y="3650419"/>
+            <a:ext cx="658749" cy="276999"/>
           </a:xfrm>
           <a:prstGeom prst="rect">
             <a:avLst/>
@@ -9205,47 +8372,26 @@
               <a:t>r</a:t>
             </a:r>
             <a:r>
-              <a:rPr lang="en-US" sz="1200" dirty="0">
+              <a:rPr lang="en-US" sz="1200" dirty="0" err="1">
                 <a:solidFill>
                   <a:schemeClr val="tx1"/>
                 </a:solidFill>
               </a:rPr>
-              <a:t>:</a:t>
-            </a:r>
-          </a:p>
-          <a:p>
-            <a:pPr algn="ctr"/>
-            <a:r>
-              <a:rPr lang="en-US" sz="1200" dirty="0"/>
-              <a:t>[</a:t>
-            </a:r>
-            <a:r>
-              <a:rPr lang="en-US" sz="1200" dirty="0" err="1"/>
-              <a:t>ARI</a:t>
-            </a:r>
-            <a:r>
-              <a:rPr lang="en-US" sz="1200" baseline="-25000" dirty="0" err="1"/>
-              <a:t>k_a</a:t>
-            </a:r>
-            <a:r>
-              <a:rPr lang="en-US" sz="1200" dirty="0"/>
-              <a:t>,</a:t>
-            </a:r>
-          </a:p>
-          <a:p>
-            <a:pPr algn="ctr"/>
-            <a:r>
-              <a:rPr lang="en-US" sz="1200" dirty="0" err="1"/>
-              <a:t>ARI</a:t>
-            </a:r>
-            <a:r>
-              <a:rPr lang="en-US" sz="1200" baseline="-25000" dirty="0" err="1"/>
-              <a:t>k_b</a:t>
-            </a:r>
-            <a:r>
-              <a:rPr lang="en-US" sz="1200" dirty="0"/>
-              <a:t>,…]</a:t>
-            </a:r>
+              <a:t>:v</a:t>
+            </a:r>
+            <a:r>
+              <a:rPr lang="en-US" sz="1200" baseline="-25000" dirty="0" err="1">
+                <a:solidFill>
+                  <a:schemeClr val="tx1"/>
+                </a:solidFill>
+              </a:rPr>
+              <a:t>r_h</a:t>
+            </a:r>
+            <a:endParaRPr lang="en-US" sz="1200" baseline="-25000" dirty="0">
+              <a:solidFill>
+                <a:schemeClr val="tx1"/>
+              </a:solidFill>
+            </a:endParaRPr>
           </a:p>
         </p:txBody>
       </p:sp>
@@ -9263,7 +8409,7 @@
         </p:nvSpPr>
         <p:spPr>
           <a:xfrm>
-            <a:off x="5369937" y="3446037"/>
+            <a:off x="5310560" y="3160776"/>
             <a:ext cx="80683" cy="73581"/>
           </a:xfrm>
           <a:prstGeom prst="ellipse">
@@ -9315,7 +8461,7 @@
         </p:nvSpPr>
         <p:spPr>
           <a:xfrm>
-            <a:off x="5369937" y="3594801"/>
+            <a:off x="5310560" y="3309540"/>
             <a:ext cx="80683" cy="73581"/>
           </a:xfrm>
           <a:prstGeom prst="ellipse">
@@ -9367,7 +8513,7 @@
         </p:nvSpPr>
         <p:spPr>
           <a:xfrm>
-            <a:off x="5369937" y="3299481"/>
+            <a:off x="5310560" y="3014220"/>
             <a:ext cx="80683" cy="73581"/>
           </a:xfrm>
           <a:prstGeom prst="ellipse">
@@ -9407,47 +8553,49 @@
       </p:sp>
       <p:cxnSp>
         <p:nvCxnSpPr>
-          <p:cNvPr id="497" name="Straight Arrow Connector 496">
-            <a:extLst>
-              <a:ext uri="{FF2B5EF4-FFF2-40B4-BE49-F238E27FC236}">
-                <a16:creationId xmlns:a16="http://schemas.microsoft.com/office/drawing/2014/main" id="{B7952660-DE50-C683-807A-50C69665DE24}"/>
+          <p:cNvPr id="501" name="Elbow Connector 500">
+            <a:extLst>
+              <a:ext uri="{FF2B5EF4-FFF2-40B4-BE49-F238E27FC236}">
+                <a16:creationId xmlns:a16="http://schemas.microsoft.com/office/drawing/2014/main" id="{A5262A2D-3644-734A-DC7B-0AF3B13FF3C1}"/>
               </a:ext>
             </a:extLst>
           </p:cNvPr>
           <p:cNvCxnSpPr>
             <a:cxnSpLocks/>
-            <a:endCxn id="205" idx="1"/>
+            <a:stCxn id="508" idx="3"/>
+            <a:endCxn id="453" idx="1"/>
           </p:cNvCxnSpPr>
           <p:nvPr/>
         </p:nvCxnSpPr>
         <p:spPr>
-          <a:xfrm flipH="1">
-            <a:off x="7537388" y="560918"/>
-            <a:ext cx="1904" cy="325590"/>
-          </a:xfrm>
-          <a:prstGeom prst="straightConnector1">
-            <a:avLst/>
-          </a:prstGeom>
-          <a:ln w="38100" cap="flat" cmpd="sng" algn="ctr">
+          <a:xfrm>
+            <a:off x="4783612" y="2574720"/>
+            <a:ext cx="232655" cy="118943"/>
+          </a:xfrm>
+          <a:prstGeom prst="bentConnector3">
+            <a:avLst>
+              <a:gd name="adj1" fmla="val 14729"/>
+            </a:avLst>
+          </a:prstGeom>
+          <a:ln w="28575" cap="flat" cmpd="sng" algn="ctr">
             <a:solidFill>
-              <a:schemeClr val="tx1"/>
+              <a:schemeClr val="dk1"/>
             </a:solidFill>
             <a:prstDash val="solid"/>
             <a:round/>
             <a:headEnd type="none" w="med" len="med"/>
             <a:tailEnd type="arrow" w="med" len="med"/>
           </a:ln>
-          <a:effectLst/>
-        </p:spPr>
-        <p:style>
-          <a:lnRef idx="2">
-            <a:schemeClr val="accent1"/>
+        </p:spPr>
+        <p:style>
+          <a:lnRef idx="0">
+            <a:scrgbClr r="0" g="0" b="0"/>
           </a:lnRef>
           <a:fillRef idx="0">
-            <a:schemeClr val="accent1"/>
-          </a:fillRef>
-          <a:effectRef idx="1">
-            <a:schemeClr val="accent1"/>
+            <a:scrgbClr r="0" g="0" b="0"/>
+          </a:fillRef>
+          <a:effectRef idx="0">
+            <a:scrgbClr r="0" g="0" b="0"/>
           </a:effectRef>
           <a:fontRef idx="minor">
             <a:schemeClr val="tx1"/>
@@ -9456,28 +8604,28 @@
       </p:cxnSp>
       <p:cxnSp>
         <p:nvCxnSpPr>
-          <p:cNvPr id="501" name="Elbow Connector 500">
-            <a:extLst>
-              <a:ext uri="{FF2B5EF4-FFF2-40B4-BE49-F238E27FC236}">
-                <a16:creationId xmlns:a16="http://schemas.microsoft.com/office/drawing/2014/main" id="{A5262A2D-3644-734A-DC7B-0AF3B13FF3C1}"/>
+          <p:cNvPr id="498" name="Elbow Connector 497">
+            <a:extLst>
+              <a:ext uri="{FF2B5EF4-FFF2-40B4-BE49-F238E27FC236}">
+                <a16:creationId xmlns:a16="http://schemas.microsoft.com/office/drawing/2014/main" id="{72F43F64-E640-87DA-3DDE-06B70B4D001D}"/>
               </a:ext>
             </a:extLst>
           </p:cNvPr>
           <p:cNvCxnSpPr>
             <a:cxnSpLocks/>
-            <a:stCxn id="508" idx="3"/>
+            <a:stCxn id="94" idx="3"/>
             <a:endCxn id="453" idx="1"/>
           </p:cNvCxnSpPr>
           <p:nvPr/>
         </p:nvCxnSpPr>
         <p:spPr>
-          <a:xfrm flipV="1">
-            <a:off x="4783612" y="2176829"/>
-            <a:ext cx="228157" cy="397891"/>
+          <a:xfrm>
+            <a:off x="4782597" y="1328695"/>
+            <a:ext cx="233670" cy="1364968"/>
           </a:xfrm>
           <a:prstGeom prst="bentConnector3">
             <a:avLst>
-              <a:gd name="adj1" fmla="val 12057"/>
+              <a:gd name="adj1" fmla="val 14882"/>
             </a:avLst>
           </a:prstGeom>
           <a:ln w="19050" cap="flat" cmpd="sng" algn="ctr">
@@ -9505,33 +8653,85 @@
           </a:fontRef>
         </p:style>
       </p:cxnSp>
+      <p:sp>
+        <p:nvSpPr>
+          <p:cNvPr id="511" name="Rectangle 510">
+            <a:extLst>
+              <a:ext uri="{FF2B5EF4-FFF2-40B4-BE49-F238E27FC236}">
+                <a16:creationId xmlns:a16="http://schemas.microsoft.com/office/drawing/2014/main" id="{5A0CC84F-DC05-AD35-C37F-5A0423A3A4B6}"/>
+              </a:ext>
+            </a:extLst>
+          </p:cNvPr>
+          <p:cNvSpPr/>
+          <p:nvPr/>
+        </p:nvSpPr>
+        <p:spPr>
+          <a:xfrm>
+            <a:off x="5013798" y="2488052"/>
+            <a:ext cx="658749" cy="1460156"/>
+          </a:xfrm>
+          <a:prstGeom prst="rect">
+            <a:avLst/>
+          </a:prstGeom>
+          <a:noFill/>
+          <a:ln>
+            <a:solidFill>
+              <a:schemeClr val="tx1"/>
+            </a:solidFill>
+          </a:ln>
+        </p:spPr>
+        <p:style>
+          <a:lnRef idx="2">
+            <a:schemeClr val="accent1">
+              <a:shade val="15000"/>
+            </a:schemeClr>
+          </a:lnRef>
+          <a:fillRef idx="1">
+            <a:schemeClr val="accent1"/>
+          </a:fillRef>
+          <a:effectRef idx="0">
+            <a:schemeClr val="accent1"/>
+          </a:effectRef>
+          <a:fontRef idx="minor">
+            <a:schemeClr val="lt1"/>
+          </a:fontRef>
+        </p:style>
+        <p:txBody>
+          <a:bodyPr rtlCol="0" anchor="ctr"/>
+          <a:lstStyle/>
+          <a:p>
+            <a:pPr algn="ctr"/>
+            <a:endParaRPr lang="en-US"/>
+          </a:p>
+        </p:txBody>
+      </p:sp>
       <p:cxnSp>
         <p:nvCxnSpPr>
-          <p:cNvPr id="498" name="Elbow Connector 497">
-            <a:extLst>
-              <a:ext uri="{FF2B5EF4-FFF2-40B4-BE49-F238E27FC236}">
-                <a16:creationId xmlns:a16="http://schemas.microsoft.com/office/drawing/2014/main" id="{72F43F64-E640-87DA-3DDE-06B70B4D001D}"/>
+          <p:cNvPr id="99" name="Elbow Connector 98">
+            <a:extLst>
+              <a:ext uri="{FF2B5EF4-FFF2-40B4-BE49-F238E27FC236}">
+                <a16:creationId xmlns:a16="http://schemas.microsoft.com/office/drawing/2014/main" id="{1294D5AB-7F7F-455D-9393-4EBBAD9289E3}"/>
               </a:ext>
             </a:extLst>
           </p:cNvPr>
           <p:cNvCxnSpPr>
             <a:cxnSpLocks/>
-            <a:stCxn id="94" idx="3"/>
-            <a:endCxn id="453" idx="1"/>
+            <a:stCxn id="510" idx="3"/>
+            <a:endCxn id="489" idx="1"/>
           </p:cNvCxnSpPr>
           <p:nvPr/>
         </p:nvCxnSpPr>
         <p:spPr>
           <a:xfrm>
-            <a:off x="4782597" y="1328695"/>
-            <a:ext cx="229172" cy="848134"/>
+            <a:off x="4779632" y="3787992"/>
+            <a:ext cx="232137" cy="927"/>
           </a:xfrm>
           <a:prstGeom prst="bentConnector3">
             <a:avLst>
-              <a:gd name="adj1" fmla="val 12224"/>
+              <a:gd name="adj1" fmla="val 50000"/>
             </a:avLst>
           </a:prstGeom>
-          <a:ln w="19050" cap="flat" cmpd="sng" algn="ctr">
+          <a:ln w="28575" cap="flat" cmpd="sng" algn="ctr">
             <a:solidFill>
               <a:schemeClr val="dk1"/>
             </a:solidFill>
@@ -9558,109 +8758,6 @@
       </p:cxnSp>
       <p:sp>
         <p:nvSpPr>
-          <p:cNvPr id="511" name="Rectangle 510">
-            <a:extLst>
-              <a:ext uri="{FF2B5EF4-FFF2-40B4-BE49-F238E27FC236}">
-                <a16:creationId xmlns:a16="http://schemas.microsoft.com/office/drawing/2014/main" id="{5A0CC84F-DC05-AD35-C37F-5A0423A3A4B6}"/>
-              </a:ext>
-            </a:extLst>
-          </p:cNvPr>
-          <p:cNvSpPr/>
-          <p:nvPr/>
-        </p:nvSpPr>
-        <p:spPr>
-          <a:xfrm>
-            <a:off x="5013798" y="1862383"/>
-            <a:ext cx="818136" cy="2531270"/>
-          </a:xfrm>
-          <a:prstGeom prst="rect">
-            <a:avLst/>
-          </a:prstGeom>
-          <a:noFill/>
-          <a:ln>
-            <a:solidFill>
-              <a:schemeClr val="tx1"/>
-            </a:solidFill>
-          </a:ln>
-        </p:spPr>
-        <p:style>
-          <a:lnRef idx="2">
-            <a:schemeClr val="accent1">
-              <a:shade val="15000"/>
-            </a:schemeClr>
-          </a:lnRef>
-          <a:fillRef idx="1">
-            <a:schemeClr val="accent1"/>
-          </a:fillRef>
-          <a:effectRef idx="0">
-            <a:schemeClr val="accent1"/>
-          </a:effectRef>
-          <a:fontRef idx="minor">
-            <a:schemeClr val="lt1"/>
-          </a:fontRef>
-        </p:style>
-        <p:txBody>
-          <a:bodyPr rtlCol="0" anchor="ctr"/>
-          <a:lstStyle/>
-          <a:p>
-            <a:pPr algn="ctr"/>
-            <a:endParaRPr lang="en-US"/>
-          </a:p>
-        </p:txBody>
-      </p:sp>
-      <p:cxnSp>
-        <p:nvCxnSpPr>
-          <p:cNvPr id="99" name="Elbow Connector 98">
-            <a:extLst>
-              <a:ext uri="{FF2B5EF4-FFF2-40B4-BE49-F238E27FC236}">
-                <a16:creationId xmlns:a16="http://schemas.microsoft.com/office/drawing/2014/main" id="{1294D5AB-7F7F-455D-9393-4EBBAD9289E3}"/>
-              </a:ext>
-            </a:extLst>
-          </p:cNvPr>
-          <p:cNvCxnSpPr>
-            <a:cxnSpLocks/>
-            <a:stCxn id="510" idx="3"/>
-            <a:endCxn id="489" idx="1"/>
-          </p:cNvCxnSpPr>
-          <p:nvPr/>
-        </p:nvCxnSpPr>
-        <p:spPr>
-          <a:xfrm>
-            <a:off x="4779632" y="3787992"/>
-            <a:ext cx="232137" cy="282495"/>
-          </a:xfrm>
-          <a:prstGeom prst="bentConnector3">
-            <a:avLst>
-              <a:gd name="adj1" fmla="val 8046"/>
-            </a:avLst>
-          </a:prstGeom>
-          <a:ln w="19050" cap="flat" cmpd="sng" algn="ctr">
-            <a:solidFill>
-              <a:schemeClr val="dk1"/>
-            </a:solidFill>
-            <a:prstDash val="solid"/>
-            <a:round/>
-            <a:headEnd type="none" w="med" len="med"/>
-            <a:tailEnd type="arrow" w="med" len="med"/>
-          </a:ln>
-        </p:spPr>
-        <p:style>
-          <a:lnRef idx="0">
-            <a:scrgbClr r="0" g="0" b="0"/>
-          </a:lnRef>
-          <a:fillRef idx="0">
-            <a:scrgbClr r="0" g="0" b="0"/>
-          </a:fillRef>
-          <a:effectRef idx="0">
-            <a:scrgbClr r="0" g="0" b="0"/>
-          </a:effectRef>
-          <a:fontRef idx="minor">
-            <a:schemeClr val="tx1"/>
-          </a:fontRef>
-        </p:style>
-      </p:cxnSp>
-      <p:sp>
-        <p:nvSpPr>
           <p:cNvPr id="10" name="TextBox 9">
             <a:extLst>
               <a:ext uri="{FF2B5EF4-FFF2-40B4-BE49-F238E27FC236}">
@@ -9673,7 +8770,7 @@
         </p:nvSpPr>
         <p:spPr>
           <a:xfrm>
-            <a:off x="5916063" y="2267658"/>
+            <a:off x="5795380" y="2252298"/>
             <a:ext cx="618065" cy="307777"/>
           </a:xfrm>
           <a:prstGeom prst="rect">
@@ -9713,8 +8810,8 @@
         </p:nvSpPr>
         <p:spPr>
           <a:xfrm flipH="1">
-            <a:off x="6943628" y="702278"/>
-            <a:ext cx="1197454" cy="598150"/>
+            <a:off x="6468552" y="1137525"/>
+            <a:ext cx="745596" cy="598150"/>
           </a:xfrm>
           <a:prstGeom prst="flowChartPunchedCard">
             <a:avLst/>
@@ -9768,8 +8865,8 @@
         </p:nvSpPr>
         <p:spPr>
           <a:xfrm>
-            <a:off x="8044173" y="790444"/>
-            <a:ext cx="1086103" cy="461665"/>
+            <a:off x="6316994" y="4567071"/>
+            <a:ext cx="1013482" cy="461665"/>
           </a:xfrm>
           <a:prstGeom prst="rect">
             <a:avLst/>
@@ -9829,8 +8926,8 @@
         </p:nvSpPr>
         <p:spPr>
           <a:xfrm flipH="1">
-            <a:off x="9038556" y="700700"/>
-            <a:ext cx="1197454" cy="598150"/>
+            <a:off x="6471284" y="2207805"/>
+            <a:ext cx="745596" cy="598150"/>
           </a:xfrm>
           <a:prstGeom prst="flowChartPunchedCard">
             <a:avLst/>
@@ -10577,8 +9674,8 @@
         </p:nvSpPr>
         <p:spPr>
           <a:xfrm>
-            <a:off x="3589549" y="2415081"/>
-            <a:ext cx="1046954" cy="307777"/>
+            <a:off x="3571734" y="2415081"/>
+            <a:ext cx="1089891" cy="307777"/>
           </a:xfrm>
           <a:prstGeom prst="rect">
             <a:avLst/>
@@ -10593,11 +9690,11 @@
           <a:p>
             <a:pPr algn="ctr"/>
             <a:r>
-              <a:rPr lang="en-US" sz="1400" dirty="0"/>
-              <a:t>SimS</a:t>
-            </a:r>
-            <a:r>
-              <a:rPr lang="en-US" sz="1400" baseline="-25000" dirty="0"/>
+              <a:rPr lang="en-US" sz="1400" b="1" dirty="0"/>
+              <a:t>Similarity</a:t>
+            </a:r>
+            <a:r>
+              <a:rPr lang="en-US" sz="1400" b="1" baseline="-25000" dirty="0"/>
               <a:t>1_2</a:t>
             </a:r>
           </a:p>
@@ -10662,8 +9759,8 @@
         </p:nvSpPr>
         <p:spPr>
           <a:xfrm>
-            <a:off x="3592037" y="3622998"/>
-            <a:ext cx="1046954" cy="307777"/>
+            <a:off x="3574223" y="3622998"/>
+            <a:ext cx="1087402" cy="307777"/>
           </a:xfrm>
           <a:prstGeom prst="rect">
             <a:avLst/>
@@ -10678,14 +9775,14 @@
           <a:p>
             <a:pPr algn="ctr"/>
             <a:r>
-              <a:rPr lang="en-US" sz="1400" dirty="0" err="1"/>
-              <a:t>SimS</a:t>
-            </a:r>
-            <a:r>
-              <a:rPr lang="en-US" sz="1400" baseline="-25000" dirty="0" err="1"/>
+              <a:rPr lang="en-US" sz="1400" b="1" dirty="0" err="1"/>
+              <a:t>Similarity</a:t>
+            </a:r>
+            <a:r>
+              <a:rPr lang="en-US" sz="1400" b="1" baseline="-25000" dirty="0" err="1"/>
               <a:t>r_h</a:t>
             </a:r>
-            <a:endParaRPr lang="en-US" sz="1400" baseline="-25000" dirty="0"/>
+            <a:endParaRPr lang="en-US" sz="1400" b="1" baseline="-25000" dirty="0"/>
           </a:p>
         </p:txBody>
       </p:sp>
@@ -10703,8 +9800,8 @@
         </p:nvSpPr>
         <p:spPr>
           <a:xfrm>
-            <a:off x="11047766" y="428116"/>
-            <a:ext cx="1144234" cy="738664"/>
+            <a:off x="6349563" y="412508"/>
+            <a:ext cx="1333295" cy="738664"/>
           </a:xfrm>
           <a:prstGeom prst="rect">
             <a:avLst/>
@@ -10730,6 +9827,1520 @@
           </a:p>
         </p:txBody>
       </p:sp>
+      <p:sp>
+        <p:nvSpPr>
+          <p:cNvPr id="9" name="TextBox 8">
+            <a:extLst>
+              <a:ext uri="{FF2B5EF4-FFF2-40B4-BE49-F238E27FC236}">
+                <a16:creationId xmlns:a16="http://schemas.microsoft.com/office/drawing/2014/main" id="{741EE839-627F-8924-269F-BF5BDA59744D}"/>
+              </a:ext>
+            </a:extLst>
+          </p:cNvPr>
+          <p:cNvSpPr txBox="1"/>
+          <p:nvPr/>
+        </p:nvSpPr>
+        <p:spPr>
+          <a:xfrm>
+            <a:off x="1711492" y="4493087"/>
+            <a:ext cx="4207043" cy="276999"/>
+          </a:xfrm>
+          <a:prstGeom prst="rect">
+            <a:avLst/>
+          </a:prstGeom>
+          <a:noFill/>
+        </p:spPr>
+        <p:txBody>
+          <a:bodyPr wrap="square">
+            <a:spAutoFit/>
+          </a:bodyPr>
+          <a:lstStyle/>
+          <a:p>
+            <a:r>
+              <a:rPr lang="en-US" sz="1200" b="1" i="1" dirty="0" err="1"/>
+              <a:t>i</a:t>
+            </a:r>
+            <a:r>
+              <a:rPr lang="en-US" sz="1200" i="1" dirty="0"/>
+              <a:t> </a:t>
+            </a:r>
+            <a:r>
+              <a:rPr lang="en-US" sz="1200" dirty="0"/>
+              <a:t>= Number of possible values across </a:t>
+            </a:r>
+            <a:r>
+              <a:rPr lang="en-US" sz="1200" b="1" i="1" dirty="0"/>
+              <a:t>r</a:t>
+            </a:r>
+            <a:r>
+              <a:rPr lang="en-US" sz="1200" dirty="0"/>
+              <a:t> hyper-parameters  </a:t>
+            </a:r>
+          </a:p>
+        </p:txBody>
+      </p:sp>
+      <p:sp>
+        <p:nvSpPr>
+          <p:cNvPr id="98" name="Oval 97">
+            <a:extLst>
+              <a:ext uri="{FF2B5EF4-FFF2-40B4-BE49-F238E27FC236}">
+                <a16:creationId xmlns:a16="http://schemas.microsoft.com/office/drawing/2014/main" id="{2A5E3977-8D91-7EA0-3585-D68035415FAC}"/>
+              </a:ext>
+            </a:extLst>
+          </p:cNvPr>
+          <p:cNvSpPr/>
+          <p:nvPr/>
+        </p:nvSpPr>
+        <p:spPr>
+          <a:xfrm>
+            <a:off x="6803143" y="3376326"/>
+            <a:ext cx="80683" cy="73581"/>
+          </a:xfrm>
+          <a:prstGeom prst="ellipse">
+            <a:avLst/>
+          </a:prstGeom>
+          <a:solidFill>
+            <a:schemeClr val="tx1"/>
+          </a:solidFill>
+          <a:ln>
+            <a:noFill/>
+          </a:ln>
+        </p:spPr>
+        <p:style>
+          <a:lnRef idx="2">
+            <a:schemeClr val="dk1">
+              <a:shade val="15000"/>
+            </a:schemeClr>
+          </a:lnRef>
+          <a:fillRef idx="1">
+            <a:schemeClr val="dk1"/>
+          </a:fillRef>
+          <a:effectRef idx="0">
+            <a:schemeClr val="dk1"/>
+          </a:effectRef>
+          <a:fontRef idx="minor">
+            <a:schemeClr val="lt1"/>
+          </a:fontRef>
+        </p:style>
+        <p:txBody>
+          <a:bodyPr rtlCol="0" anchor="ctr"/>
+          <a:lstStyle/>
+          <a:p>
+            <a:pPr algn="ctr"/>
+            <a:endParaRPr lang="en-US" sz="1200"/>
+          </a:p>
+        </p:txBody>
+      </p:sp>
+      <p:sp>
+        <p:nvSpPr>
+          <p:cNvPr id="100" name="Oval 99">
+            <a:extLst>
+              <a:ext uri="{FF2B5EF4-FFF2-40B4-BE49-F238E27FC236}">
+                <a16:creationId xmlns:a16="http://schemas.microsoft.com/office/drawing/2014/main" id="{9E3BFD36-D819-ADE6-D035-C0408F9FEEED}"/>
+              </a:ext>
+            </a:extLst>
+          </p:cNvPr>
+          <p:cNvSpPr/>
+          <p:nvPr/>
+        </p:nvSpPr>
+        <p:spPr>
+          <a:xfrm>
+            <a:off x="6803143" y="3525090"/>
+            <a:ext cx="80683" cy="73581"/>
+          </a:xfrm>
+          <a:prstGeom prst="ellipse">
+            <a:avLst/>
+          </a:prstGeom>
+          <a:solidFill>
+            <a:schemeClr val="tx1"/>
+          </a:solidFill>
+          <a:ln>
+            <a:noFill/>
+          </a:ln>
+        </p:spPr>
+        <p:style>
+          <a:lnRef idx="2">
+            <a:schemeClr val="dk1">
+              <a:shade val="15000"/>
+            </a:schemeClr>
+          </a:lnRef>
+          <a:fillRef idx="1">
+            <a:schemeClr val="dk1"/>
+          </a:fillRef>
+          <a:effectRef idx="0">
+            <a:schemeClr val="dk1"/>
+          </a:effectRef>
+          <a:fontRef idx="minor">
+            <a:schemeClr val="lt1"/>
+          </a:fontRef>
+        </p:style>
+        <p:txBody>
+          <a:bodyPr rtlCol="0" anchor="ctr"/>
+          <a:lstStyle/>
+          <a:p>
+            <a:pPr algn="ctr"/>
+            <a:endParaRPr lang="en-US" sz="1200"/>
+          </a:p>
+        </p:txBody>
+      </p:sp>
+      <p:sp>
+        <p:nvSpPr>
+          <p:cNvPr id="101" name="Oval 100">
+            <a:extLst>
+              <a:ext uri="{FF2B5EF4-FFF2-40B4-BE49-F238E27FC236}">
+                <a16:creationId xmlns:a16="http://schemas.microsoft.com/office/drawing/2014/main" id="{A76C986E-6A1B-30BB-2C28-9DED368D01A9}"/>
+              </a:ext>
+            </a:extLst>
+          </p:cNvPr>
+          <p:cNvSpPr/>
+          <p:nvPr/>
+        </p:nvSpPr>
+        <p:spPr>
+          <a:xfrm>
+            <a:off x="6803143" y="3229770"/>
+            <a:ext cx="80683" cy="73581"/>
+          </a:xfrm>
+          <a:prstGeom prst="ellipse">
+            <a:avLst/>
+          </a:prstGeom>
+          <a:solidFill>
+            <a:schemeClr val="tx1"/>
+          </a:solidFill>
+          <a:ln>
+            <a:noFill/>
+          </a:ln>
+        </p:spPr>
+        <p:style>
+          <a:lnRef idx="2">
+            <a:schemeClr val="dk1">
+              <a:shade val="15000"/>
+            </a:schemeClr>
+          </a:lnRef>
+          <a:fillRef idx="1">
+            <a:schemeClr val="dk1"/>
+          </a:fillRef>
+          <a:effectRef idx="0">
+            <a:schemeClr val="dk1"/>
+          </a:effectRef>
+          <a:fontRef idx="minor">
+            <a:schemeClr val="lt1"/>
+          </a:fontRef>
+        </p:style>
+        <p:txBody>
+          <a:bodyPr rtlCol="0" anchor="ctr"/>
+          <a:lstStyle/>
+          <a:p>
+            <a:pPr algn="ctr"/>
+            <a:endParaRPr lang="en-US" sz="1200"/>
+          </a:p>
+        </p:txBody>
+      </p:sp>
+      <p:sp>
+        <p:nvSpPr>
+          <p:cNvPr id="103" name="Oval 102">
+            <a:extLst>
+              <a:ext uri="{FF2B5EF4-FFF2-40B4-BE49-F238E27FC236}">
+                <a16:creationId xmlns:a16="http://schemas.microsoft.com/office/drawing/2014/main" id="{F49A9E20-B821-F825-B8B1-AE8A9305F764}"/>
+              </a:ext>
+            </a:extLst>
+          </p:cNvPr>
+          <p:cNvSpPr/>
+          <p:nvPr/>
+        </p:nvSpPr>
+        <p:spPr>
+          <a:xfrm>
+            <a:off x="7602175" y="3376326"/>
+            <a:ext cx="80683" cy="73581"/>
+          </a:xfrm>
+          <a:prstGeom prst="ellipse">
+            <a:avLst/>
+          </a:prstGeom>
+          <a:solidFill>
+            <a:schemeClr val="tx1"/>
+          </a:solidFill>
+          <a:ln>
+            <a:noFill/>
+          </a:ln>
+        </p:spPr>
+        <p:style>
+          <a:lnRef idx="2">
+            <a:schemeClr val="dk1">
+              <a:shade val="15000"/>
+            </a:schemeClr>
+          </a:lnRef>
+          <a:fillRef idx="1">
+            <a:schemeClr val="dk1"/>
+          </a:fillRef>
+          <a:effectRef idx="0">
+            <a:schemeClr val="dk1"/>
+          </a:effectRef>
+          <a:fontRef idx="minor">
+            <a:schemeClr val="lt1"/>
+          </a:fontRef>
+        </p:style>
+        <p:txBody>
+          <a:bodyPr rtlCol="0" anchor="ctr"/>
+          <a:lstStyle/>
+          <a:p>
+            <a:pPr algn="ctr"/>
+            <a:endParaRPr lang="en-US" sz="1200"/>
+          </a:p>
+        </p:txBody>
+      </p:sp>
+      <p:sp>
+        <p:nvSpPr>
+          <p:cNvPr id="104" name="Oval 103">
+            <a:extLst>
+              <a:ext uri="{FF2B5EF4-FFF2-40B4-BE49-F238E27FC236}">
+                <a16:creationId xmlns:a16="http://schemas.microsoft.com/office/drawing/2014/main" id="{BC4DBED8-5D7E-AF8B-880A-2C59B3840EEA}"/>
+              </a:ext>
+            </a:extLst>
+          </p:cNvPr>
+          <p:cNvSpPr/>
+          <p:nvPr/>
+        </p:nvSpPr>
+        <p:spPr>
+          <a:xfrm>
+            <a:off x="7602175" y="3525090"/>
+            <a:ext cx="80683" cy="73581"/>
+          </a:xfrm>
+          <a:prstGeom prst="ellipse">
+            <a:avLst/>
+          </a:prstGeom>
+          <a:solidFill>
+            <a:schemeClr val="tx1"/>
+          </a:solidFill>
+          <a:ln>
+            <a:noFill/>
+          </a:ln>
+        </p:spPr>
+        <p:style>
+          <a:lnRef idx="2">
+            <a:schemeClr val="dk1">
+              <a:shade val="15000"/>
+            </a:schemeClr>
+          </a:lnRef>
+          <a:fillRef idx="1">
+            <a:schemeClr val="dk1"/>
+          </a:fillRef>
+          <a:effectRef idx="0">
+            <a:schemeClr val="dk1"/>
+          </a:effectRef>
+          <a:fontRef idx="minor">
+            <a:schemeClr val="lt1"/>
+          </a:fontRef>
+        </p:style>
+        <p:txBody>
+          <a:bodyPr rtlCol="0" anchor="ctr"/>
+          <a:lstStyle/>
+          <a:p>
+            <a:pPr algn="ctr"/>
+            <a:endParaRPr lang="en-US" sz="1200"/>
+          </a:p>
+        </p:txBody>
+      </p:sp>
+      <p:sp>
+        <p:nvSpPr>
+          <p:cNvPr id="105" name="Oval 104">
+            <a:extLst>
+              <a:ext uri="{FF2B5EF4-FFF2-40B4-BE49-F238E27FC236}">
+                <a16:creationId xmlns:a16="http://schemas.microsoft.com/office/drawing/2014/main" id="{4E02FDAD-6088-A9B3-AFD5-6B8F47F8B5CD}"/>
+              </a:ext>
+            </a:extLst>
+          </p:cNvPr>
+          <p:cNvSpPr/>
+          <p:nvPr/>
+        </p:nvSpPr>
+        <p:spPr>
+          <a:xfrm>
+            <a:off x="7602175" y="3229770"/>
+            <a:ext cx="80683" cy="73581"/>
+          </a:xfrm>
+          <a:prstGeom prst="ellipse">
+            <a:avLst/>
+          </a:prstGeom>
+          <a:solidFill>
+            <a:schemeClr val="tx1"/>
+          </a:solidFill>
+          <a:ln>
+            <a:noFill/>
+          </a:ln>
+        </p:spPr>
+        <p:style>
+          <a:lnRef idx="2">
+            <a:schemeClr val="dk1">
+              <a:shade val="15000"/>
+            </a:schemeClr>
+          </a:lnRef>
+          <a:fillRef idx="1">
+            <a:schemeClr val="dk1"/>
+          </a:fillRef>
+          <a:effectRef idx="0">
+            <a:schemeClr val="dk1"/>
+          </a:effectRef>
+          <a:fontRef idx="minor">
+            <a:schemeClr val="lt1"/>
+          </a:fontRef>
+        </p:style>
+        <p:txBody>
+          <a:bodyPr rtlCol="0" anchor="ctr"/>
+          <a:lstStyle/>
+          <a:p>
+            <a:pPr algn="ctr"/>
+            <a:endParaRPr lang="en-US" sz="1200"/>
+          </a:p>
+        </p:txBody>
+      </p:sp>
+      <p:sp>
+        <p:nvSpPr>
+          <p:cNvPr id="106" name="Oval 105">
+            <a:extLst>
+              <a:ext uri="{FF2B5EF4-FFF2-40B4-BE49-F238E27FC236}">
+                <a16:creationId xmlns:a16="http://schemas.microsoft.com/office/drawing/2014/main" id="{A713E234-E375-C191-8184-28AC91232BEC}"/>
+              </a:ext>
+            </a:extLst>
+          </p:cNvPr>
+          <p:cNvSpPr/>
+          <p:nvPr/>
+        </p:nvSpPr>
+        <p:spPr>
+          <a:xfrm>
+            <a:off x="8689972" y="3368911"/>
+            <a:ext cx="80683" cy="73581"/>
+          </a:xfrm>
+          <a:prstGeom prst="ellipse">
+            <a:avLst/>
+          </a:prstGeom>
+          <a:solidFill>
+            <a:schemeClr val="tx1"/>
+          </a:solidFill>
+          <a:ln>
+            <a:noFill/>
+          </a:ln>
+        </p:spPr>
+        <p:style>
+          <a:lnRef idx="2">
+            <a:schemeClr val="dk1">
+              <a:shade val="15000"/>
+            </a:schemeClr>
+          </a:lnRef>
+          <a:fillRef idx="1">
+            <a:schemeClr val="dk1"/>
+          </a:fillRef>
+          <a:effectRef idx="0">
+            <a:schemeClr val="dk1"/>
+          </a:effectRef>
+          <a:fontRef idx="minor">
+            <a:schemeClr val="lt1"/>
+          </a:fontRef>
+        </p:style>
+        <p:txBody>
+          <a:bodyPr rtlCol="0" anchor="ctr"/>
+          <a:lstStyle/>
+          <a:p>
+            <a:pPr algn="ctr"/>
+            <a:endParaRPr lang="en-US" sz="1200"/>
+          </a:p>
+        </p:txBody>
+      </p:sp>
+      <p:sp>
+        <p:nvSpPr>
+          <p:cNvPr id="107" name="Oval 106">
+            <a:extLst>
+              <a:ext uri="{FF2B5EF4-FFF2-40B4-BE49-F238E27FC236}">
+                <a16:creationId xmlns:a16="http://schemas.microsoft.com/office/drawing/2014/main" id="{6ED7A977-AD5E-D1A7-B660-4B21984B1C2C}"/>
+              </a:ext>
+            </a:extLst>
+          </p:cNvPr>
+          <p:cNvSpPr/>
+          <p:nvPr/>
+        </p:nvSpPr>
+        <p:spPr>
+          <a:xfrm>
+            <a:off x="8689972" y="3517675"/>
+            <a:ext cx="80683" cy="73581"/>
+          </a:xfrm>
+          <a:prstGeom prst="ellipse">
+            <a:avLst/>
+          </a:prstGeom>
+          <a:solidFill>
+            <a:schemeClr val="tx1"/>
+          </a:solidFill>
+          <a:ln>
+            <a:noFill/>
+          </a:ln>
+        </p:spPr>
+        <p:style>
+          <a:lnRef idx="2">
+            <a:schemeClr val="dk1">
+              <a:shade val="15000"/>
+            </a:schemeClr>
+          </a:lnRef>
+          <a:fillRef idx="1">
+            <a:schemeClr val="dk1"/>
+          </a:fillRef>
+          <a:effectRef idx="0">
+            <a:schemeClr val="dk1"/>
+          </a:effectRef>
+          <a:fontRef idx="minor">
+            <a:schemeClr val="lt1"/>
+          </a:fontRef>
+        </p:style>
+        <p:txBody>
+          <a:bodyPr rtlCol="0" anchor="ctr"/>
+          <a:lstStyle/>
+          <a:p>
+            <a:pPr algn="ctr"/>
+            <a:endParaRPr lang="en-US" sz="1200"/>
+          </a:p>
+        </p:txBody>
+      </p:sp>
+      <p:sp>
+        <p:nvSpPr>
+          <p:cNvPr id="108" name="Oval 107">
+            <a:extLst>
+              <a:ext uri="{FF2B5EF4-FFF2-40B4-BE49-F238E27FC236}">
+                <a16:creationId xmlns:a16="http://schemas.microsoft.com/office/drawing/2014/main" id="{362860FC-22B5-8E7C-41D3-BD39F3895F49}"/>
+              </a:ext>
+            </a:extLst>
+          </p:cNvPr>
+          <p:cNvSpPr/>
+          <p:nvPr/>
+        </p:nvSpPr>
+        <p:spPr>
+          <a:xfrm>
+            <a:off x="8689972" y="3222355"/>
+            <a:ext cx="80683" cy="73581"/>
+          </a:xfrm>
+          <a:prstGeom prst="ellipse">
+            <a:avLst/>
+          </a:prstGeom>
+          <a:solidFill>
+            <a:schemeClr val="tx1"/>
+          </a:solidFill>
+          <a:ln>
+            <a:noFill/>
+          </a:ln>
+        </p:spPr>
+        <p:style>
+          <a:lnRef idx="2">
+            <a:schemeClr val="dk1">
+              <a:shade val="15000"/>
+            </a:schemeClr>
+          </a:lnRef>
+          <a:fillRef idx="1">
+            <a:schemeClr val="dk1"/>
+          </a:fillRef>
+          <a:effectRef idx="0">
+            <a:schemeClr val="dk1"/>
+          </a:effectRef>
+          <a:fontRef idx="minor">
+            <a:schemeClr val="lt1"/>
+          </a:fontRef>
+        </p:style>
+        <p:txBody>
+          <a:bodyPr rtlCol="0" anchor="ctr"/>
+          <a:lstStyle/>
+          <a:p>
+            <a:pPr algn="ctr"/>
+            <a:endParaRPr lang="en-US" sz="1200"/>
+          </a:p>
+        </p:txBody>
+      </p:sp>
+      <p:sp>
+        <p:nvSpPr>
+          <p:cNvPr id="112" name="Oval 111">
+            <a:extLst>
+              <a:ext uri="{FF2B5EF4-FFF2-40B4-BE49-F238E27FC236}">
+                <a16:creationId xmlns:a16="http://schemas.microsoft.com/office/drawing/2014/main" id="{57789AB4-520F-5F08-7B9E-9F8D58C92918}"/>
+              </a:ext>
+            </a:extLst>
+          </p:cNvPr>
+          <p:cNvSpPr/>
+          <p:nvPr/>
+        </p:nvSpPr>
+        <p:spPr>
+          <a:xfrm>
+            <a:off x="9870465" y="3376326"/>
+            <a:ext cx="80683" cy="73581"/>
+          </a:xfrm>
+          <a:prstGeom prst="ellipse">
+            <a:avLst/>
+          </a:prstGeom>
+          <a:solidFill>
+            <a:schemeClr val="tx1"/>
+          </a:solidFill>
+          <a:ln>
+            <a:noFill/>
+          </a:ln>
+        </p:spPr>
+        <p:style>
+          <a:lnRef idx="2">
+            <a:schemeClr val="dk1">
+              <a:shade val="15000"/>
+            </a:schemeClr>
+          </a:lnRef>
+          <a:fillRef idx="1">
+            <a:schemeClr val="dk1"/>
+          </a:fillRef>
+          <a:effectRef idx="0">
+            <a:schemeClr val="dk1"/>
+          </a:effectRef>
+          <a:fontRef idx="minor">
+            <a:schemeClr val="lt1"/>
+          </a:fontRef>
+        </p:style>
+        <p:txBody>
+          <a:bodyPr rtlCol="0" anchor="ctr"/>
+          <a:lstStyle/>
+          <a:p>
+            <a:pPr algn="ctr"/>
+            <a:endParaRPr lang="en-US" sz="1200"/>
+          </a:p>
+        </p:txBody>
+      </p:sp>
+      <p:sp>
+        <p:nvSpPr>
+          <p:cNvPr id="113" name="Oval 112">
+            <a:extLst>
+              <a:ext uri="{FF2B5EF4-FFF2-40B4-BE49-F238E27FC236}">
+                <a16:creationId xmlns:a16="http://schemas.microsoft.com/office/drawing/2014/main" id="{AC2AA9CB-A535-E6ED-5930-6A52D53A7495}"/>
+              </a:ext>
+            </a:extLst>
+          </p:cNvPr>
+          <p:cNvSpPr/>
+          <p:nvPr/>
+        </p:nvSpPr>
+        <p:spPr>
+          <a:xfrm>
+            <a:off x="9870465" y="3525090"/>
+            <a:ext cx="80683" cy="73581"/>
+          </a:xfrm>
+          <a:prstGeom prst="ellipse">
+            <a:avLst/>
+          </a:prstGeom>
+          <a:solidFill>
+            <a:schemeClr val="tx1"/>
+          </a:solidFill>
+          <a:ln>
+            <a:noFill/>
+          </a:ln>
+        </p:spPr>
+        <p:style>
+          <a:lnRef idx="2">
+            <a:schemeClr val="dk1">
+              <a:shade val="15000"/>
+            </a:schemeClr>
+          </a:lnRef>
+          <a:fillRef idx="1">
+            <a:schemeClr val="dk1"/>
+          </a:fillRef>
+          <a:effectRef idx="0">
+            <a:schemeClr val="dk1"/>
+          </a:effectRef>
+          <a:fontRef idx="minor">
+            <a:schemeClr val="lt1"/>
+          </a:fontRef>
+        </p:style>
+        <p:txBody>
+          <a:bodyPr rtlCol="0" anchor="ctr"/>
+          <a:lstStyle/>
+          <a:p>
+            <a:pPr algn="ctr"/>
+            <a:endParaRPr lang="en-US" sz="1200"/>
+          </a:p>
+        </p:txBody>
+      </p:sp>
+      <p:sp>
+        <p:nvSpPr>
+          <p:cNvPr id="114" name="Oval 113">
+            <a:extLst>
+              <a:ext uri="{FF2B5EF4-FFF2-40B4-BE49-F238E27FC236}">
+                <a16:creationId xmlns:a16="http://schemas.microsoft.com/office/drawing/2014/main" id="{D32A9209-0C63-92B5-4DEB-25B41E29A35B}"/>
+              </a:ext>
+            </a:extLst>
+          </p:cNvPr>
+          <p:cNvSpPr/>
+          <p:nvPr/>
+        </p:nvSpPr>
+        <p:spPr>
+          <a:xfrm>
+            <a:off x="9870465" y="3229770"/>
+            <a:ext cx="80683" cy="73581"/>
+          </a:xfrm>
+          <a:prstGeom prst="ellipse">
+            <a:avLst/>
+          </a:prstGeom>
+          <a:solidFill>
+            <a:schemeClr val="tx1"/>
+          </a:solidFill>
+          <a:ln>
+            <a:noFill/>
+          </a:ln>
+        </p:spPr>
+        <p:style>
+          <a:lnRef idx="2">
+            <a:schemeClr val="dk1">
+              <a:shade val="15000"/>
+            </a:schemeClr>
+          </a:lnRef>
+          <a:fillRef idx="1">
+            <a:schemeClr val="dk1"/>
+          </a:fillRef>
+          <a:effectRef idx="0">
+            <a:schemeClr val="dk1"/>
+          </a:effectRef>
+          <a:fontRef idx="minor">
+            <a:schemeClr val="lt1"/>
+          </a:fontRef>
+        </p:style>
+        <p:txBody>
+          <a:bodyPr rtlCol="0" anchor="ctr"/>
+          <a:lstStyle/>
+          <a:p>
+            <a:pPr algn="ctr"/>
+            <a:endParaRPr lang="en-US" sz="1200"/>
+          </a:p>
+        </p:txBody>
+      </p:sp>
+      <p:cxnSp>
+        <p:nvCxnSpPr>
+          <p:cNvPr id="117" name="Elbow Connector 116">
+            <a:extLst>
+              <a:ext uri="{FF2B5EF4-FFF2-40B4-BE49-F238E27FC236}">
+                <a16:creationId xmlns:a16="http://schemas.microsoft.com/office/drawing/2014/main" id="{00DCAD2C-4E6A-087F-40CC-FEB2517080F6}"/>
+              </a:ext>
+            </a:extLst>
+          </p:cNvPr>
+          <p:cNvCxnSpPr>
+            <a:cxnSpLocks/>
+            <a:stCxn id="42" idx="3"/>
+            <a:endCxn id="205" idx="2"/>
+          </p:cNvCxnSpPr>
+          <p:nvPr/>
+        </p:nvCxnSpPr>
+        <p:spPr>
+          <a:xfrm flipV="1">
+            <a:off x="5758489" y="1459376"/>
+            <a:ext cx="913195" cy="1107746"/>
+          </a:xfrm>
+          <a:prstGeom prst="bentConnector3">
+            <a:avLst>
+              <a:gd name="adj1" fmla="val 71743"/>
+            </a:avLst>
+          </a:prstGeom>
+          <a:ln w="38100" cap="flat" cmpd="sng" algn="ctr">
+            <a:solidFill>
+              <a:schemeClr val="dk1"/>
+            </a:solidFill>
+            <a:prstDash val="solid"/>
+            <a:round/>
+            <a:headEnd type="none" w="med" len="med"/>
+            <a:tailEnd type="arrow" w="med" len="med"/>
+          </a:ln>
+        </p:spPr>
+        <p:style>
+          <a:lnRef idx="0">
+            <a:scrgbClr r="0" g="0" b="0"/>
+          </a:lnRef>
+          <a:fillRef idx="0">
+            <a:scrgbClr r="0" g="0" b="0"/>
+          </a:fillRef>
+          <a:effectRef idx="0">
+            <a:scrgbClr r="0" g="0" b="0"/>
+          </a:effectRef>
+          <a:fontRef idx="minor">
+            <a:schemeClr val="tx1"/>
+          </a:fontRef>
+        </p:style>
+      </p:cxnSp>
+      <p:cxnSp>
+        <p:nvCxnSpPr>
+          <p:cNvPr id="127" name="Straight Arrow Connector 126">
+            <a:extLst>
+              <a:ext uri="{FF2B5EF4-FFF2-40B4-BE49-F238E27FC236}">
+                <a16:creationId xmlns:a16="http://schemas.microsoft.com/office/drawing/2014/main" id="{9868DC5A-A4EB-F0CF-03C1-042EBFCD9687}"/>
+              </a:ext>
+            </a:extLst>
+          </p:cNvPr>
+          <p:cNvCxnSpPr>
+            <a:cxnSpLocks/>
+          </p:cNvCxnSpPr>
+          <p:nvPr/>
+        </p:nvCxnSpPr>
+        <p:spPr>
+          <a:xfrm>
+            <a:off x="7016210" y="232658"/>
+            <a:ext cx="0" cy="182582"/>
+          </a:xfrm>
+          <a:prstGeom prst="straightConnector1">
+            <a:avLst/>
+          </a:prstGeom>
+          <a:ln w="38100" cap="flat" cmpd="sng" algn="ctr">
+            <a:solidFill>
+              <a:schemeClr val="tx1"/>
+            </a:solidFill>
+            <a:prstDash val="solid"/>
+            <a:round/>
+            <a:headEnd type="none" w="med" len="med"/>
+            <a:tailEnd type="arrow" w="med" len="med"/>
+          </a:ln>
+          <a:effectLst/>
+        </p:spPr>
+        <p:style>
+          <a:lnRef idx="2">
+            <a:schemeClr val="accent1"/>
+          </a:lnRef>
+          <a:fillRef idx="0">
+            <a:schemeClr val="accent1"/>
+          </a:fillRef>
+          <a:effectRef idx="1">
+            <a:schemeClr val="accent1"/>
+          </a:effectRef>
+          <a:fontRef idx="minor">
+            <a:schemeClr val="tx1"/>
+          </a:fontRef>
+        </p:style>
+      </p:cxnSp>
+      <p:sp>
+        <p:nvSpPr>
+          <p:cNvPr id="505" name="Rectangle 504">
+            <a:extLst>
+              <a:ext uri="{FF2B5EF4-FFF2-40B4-BE49-F238E27FC236}">
+                <a16:creationId xmlns:a16="http://schemas.microsoft.com/office/drawing/2014/main" id="{CF9953E2-D9BC-A300-D1CA-4B0BBAB2CAF7}"/>
+              </a:ext>
+            </a:extLst>
+          </p:cNvPr>
+          <p:cNvSpPr/>
+          <p:nvPr/>
+        </p:nvSpPr>
+        <p:spPr>
+          <a:xfrm>
+            <a:off x="9047044" y="4122127"/>
+            <a:ext cx="1572921" cy="292230"/>
+          </a:xfrm>
+          <a:prstGeom prst="rect">
+            <a:avLst/>
+          </a:prstGeom>
+          <a:noFill/>
+          <a:ln w="19050"/>
+        </p:spPr>
+        <p:style>
+          <a:lnRef idx="2">
+            <a:schemeClr val="dk1"/>
+          </a:lnRef>
+          <a:fillRef idx="1">
+            <a:schemeClr val="lt1"/>
+          </a:fillRef>
+          <a:effectRef idx="0">
+            <a:schemeClr val="dk1"/>
+          </a:effectRef>
+          <a:fontRef idx="minor">
+            <a:schemeClr val="dk1"/>
+          </a:fontRef>
+        </p:style>
+        <p:txBody>
+          <a:bodyPr rtlCol="0" anchor="ctr"/>
+          <a:lstStyle/>
+          <a:p>
+            <a:pPr algn="ctr"/>
+            <a:r>
+              <a:rPr lang="en-US" sz="1600" dirty="0"/>
+              <a:t>[…,</a:t>
+            </a:r>
+            <a:r>
+              <a:rPr lang="en-US" sz="1600" i="1" dirty="0">
+                <a:latin typeface="APPLE CHANCERY" panose="03020702040506060504" pitchFamily="66" charset="-79"/>
+                <a:cs typeface="APPLE CHANCERY" panose="03020702040506060504" pitchFamily="66" charset="-79"/>
+              </a:rPr>
+              <a:t>l</a:t>
+            </a:r>
+            <a:r>
+              <a:rPr lang="en-US" sz="1600" dirty="0"/>
+              <a:t> </a:t>
+            </a:r>
+            <a:r>
+              <a:rPr lang="en-US" sz="1600" baseline="-25000" dirty="0" err="1"/>
+              <a:t>Sn_Mm</a:t>
+            </a:r>
+            <a:r>
+              <a:rPr lang="en-US" sz="1600" dirty="0" err="1"/>
+              <a:t>,</a:t>
+            </a:r>
+            <a:r>
+              <a:rPr lang="en-US" sz="1600" i="1" dirty="0" err="1">
+                <a:latin typeface="APPLE CHANCERY" panose="03020702040506060504" pitchFamily="66" charset="-79"/>
+                <a:cs typeface="APPLE CHANCERY" panose="03020702040506060504" pitchFamily="66" charset="-79"/>
+              </a:rPr>
+              <a:t>l</a:t>
+            </a:r>
+            <a:r>
+              <a:rPr lang="en-US" sz="1600" dirty="0"/>
+              <a:t> </a:t>
+            </a:r>
+            <a:r>
+              <a:rPr lang="en-US" sz="1600" baseline="-25000" dirty="0" err="1"/>
+              <a:t>Sn_Mn</a:t>
+            </a:r>
+            <a:r>
+              <a:rPr lang="en-US" sz="1600" dirty="0"/>
+              <a:t>]</a:t>
+            </a:r>
+          </a:p>
+        </p:txBody>
+      </p:sp>
+      <p:cxnSp>
+        <p:nvCxnSpPr>
+          <p:cNvPr id="506" name="Straight Arrow Connector 505">
+            <a:extLst>
+              <a:ext uri="{FF2B5EF4-FFF2-40B4-BE49-F238E27FC236}">
+                <a16:creationId xmlns:a16="http://schemas.microsoft.com/office/drawing/2014/main" id="{3D41F33F-0666-4492-BCD0-51E7298DCAA7}"/>
+              </a:ext>
+            </a:extLst>
+          </p:cNvPr>
+          <p:cNvCxnSpPr>
+            <a:cxnSpLocks/>
+            <a:stCxn id="505" idx="3"/>
+            <a:endCxn id="507" idx="1"/>
+          </p:cNvCxnSpPr>
+          <p:nvPr/>
+        </p:nvCxnSpPr>
+        <p:spPr>
+          <a:xfrm>
+            <a:off x="10619965" y="4268242"/>
+            <a:ext cx="160226" cy="1475"/>
+          </a:xfrm>
+          <a:prstGeom prst="straightConnector1">
+            <a:avLst/>
+          </a:prstGeom>
+          <a:ln w="19050" cap="flat" cmpd="sng" algn="ctr">
+            <a:solidFill>
+              <a:schemeClr val="tx1"/>
+            </a:solidFill>
+            <a:prstDash val="solid"/>
+            <a:round/>
+            <a:headEnd type="none" w="med" len="med"/>
+            <a:tailEnd type="arrow" w="med" len="med"/>
+          </a:ln>
+          <a:effectLst/>
+        </p:spPr>
+        <p:style>
+          <a:lnRef idx="2">
+            <a:schemeClr val="accent1"/>
+          </a:lnRef>
+          <a:fillRef idx="0">
+            <a:schemeClr val="accent1"/>
+          </a:fillRef>
+          <a:effectRef idx="1">
+            <a:schemeClr val="accent1"/>
+          </a:effectRef>
+          <a:fontRef idx="minor">
+            <a:schemeClr val="tx1"/>
+          </a:fontRef>
+        </p:style>
+      </p:cxnSp>
+      <p:sp>
+        <p:nvSpPr>
+          <p:cNvPr id="507" name="Rectangle 506">
+            <a:extLst>
+              <a:ext uri="{FF2B5EF4-FFF2-40B4-BE49-F238E27FC236}">
+                <a16:creationId xmlns:a16="http://schemas.microsoft.com/office/drawing/2014/main" id="{A8FF0C9B-EFD3-14DA-68B8-833CCB6BA4E2}"/>
+              </a:ext>
+            </a:extLst>
+          </p:cNvPr>
+          <p:cNvSpPr/>
+          <p:nvPr/>
+        </p:nvSpPr>
+        <p:spPr>
+          <a:xfrm>
+            <a:off x="10780191" y="4126156"/>
+            <a:ext cx="396543" cy="287121"/>
+          </a:xfrm>
+          <a:prstGeom prst="rect">
+            <a:avLst/>
+          </a:prstGeom>
+          <a:noFill/>
+          <a:ln w="19050"/>
+        </p:spPr>
+        <p:style>
+          <a:lnRef idx="2">
+            <a:schemeClr val="dk1"/>
+          </a:lnRef>
+          <a:fillRef idx="1">
+            <a:schemeClr val="lt1"/>
+          </a:fillRef>
+          <a:effectRef idx="0">
+            <a:schemeClr val="dk1"/>
+          </a:effectRef>
+          <a:fontRef idx="minor">
+            <a:schemeClr val="dk1"/>
+          </a:fontRef>
+        </p:style>
+        <p:txBody>
+          <a:bodyPr rtlCol="0" anchor="ctr"/>
+          <a:lstStyle/>
+          <a:p>
+            <a:pPr algn="ctr"/>
+            <a:r>
+              <a:rPr lang="en-US" sz="1600" i="1" dirty="0">
+                <a:latin typeface="APPLE CHANCERY" panose="03020702040506060504" pitchFamily="66" charset="-79"/>
+                <a:cs typeface="APPLE CHANCERY" panose="03020702040506060504" pitchFamily="66" charset="-79"/>
+              </a:rPr>
+              <a:t>l</a:t>
+            </a:r>
+            <a:r>
+              <a:rPr lang="en-US" sz="1600" i="1" baseline="-25000" dirty="0">
+                <a:latin typeface="APPLE CHANCERY" panose="03020702040506060504" pitchFamily="66" charset="-79"/>
+                <a:cs typeface="APPLE CHANCERY" panose="03020702040506060504" pitchFamily="66" charset="-79"/>
+              </a:rPr>
+              <a:t>n</a:t>
+            </a:r>
+            <a:endParaRPr lang="en-US" sz="1600" i="1" baseline="-25000" dirty="0"/>
+          </a:p>
+        </p:txBody>
+      </p:sp>
+      <p:cxnSp>
+        <p:nvCxnSpPr>
+          <p:cNvPr id="67" name="Straight Arrow Connector 66">
+            <a:extLst>
+              <a:ext uri="{FF2B5EF4-FFF2-40B4-BE49-F238E27FC236}">
+                <a16:creationId xmlns:a16="http://schemas.microsoft.com/office/drawing/2014/main" id="{30CDE95B-4B86-57CD-7669-0AB4904A70BD}"/>
+              </a:ext>
+            </a:extLst>
+          </p:cNvPr>
+          <p:cNvCxnSpPr>
+            <a:cxnSpLocks/>
+            <a:stCxn id="81" idx="1"/>
+            <a:endCxn id="74" idx="1"/>
+          </p:cNvCxnSpPr>
+          <p:nvPr/>
+        </p:nvCxnSpPr>
+        <p:spPr>
+          <a:xfrm flipV="1">
+            <a:off x="7214148" y="4268753"/>
+            <a:ext cx="205651" cy="643"/>
+          </a:xfrm>
+          <a:prstGeom prst="straightConnector1">
+            <a:avLst/>
+          </a:prstGeom>
+          <a:ln w="19050" cap="flat" cmpd="sng" algn="ctr">
+            <a:solidFill>
+              <a:schemeClr val="tx1"/>
+            </a:solidFill>
+            <a:prstDash val="solid"/>
+            <a:round/>
+            <a:headEnd type="none" w="med" len="med"/>
+            <a:tailEnd type="arrow" w="med" len="med"/>
+          </a:ln>
+          <a:effectLst/>
+        </p:spPr>
+        <p:style>
+          <a:lnRef idx="2">
+            <a:schemeClr val="accent1"/>
+          </a:lnRef>
+          <a:fillRef idx="0">
+            <a:schemeClr val="accent1"/>
+          </a:fillRef>
+          <a:effectRef idx="1">
+            <a:schemeClr val="accent1"/>
+          </a:effectRef>
+          <a:fontRef idx="minor">
+            <a:schemeClr val="tx1"/>
+          </a:fontRef>
+        </p:style>
+      </p:cxnSp>
+      <p:sp>
+        <p:nvSpPr>
+          <p:cNvPr id="70" name="Can 69">
+            <a:extLst>
+              <a:ext uri="{FF2B5EF4-FFF2-40B4-BE49-F238E27FC236}">
+                <a16:creationId xmlns:a16="http://schemas.microsoft.com/office/drawing/2014/main" id="{BC8AD193-A11A-0D9F-636F-7C5C9DF55CA4}"/>
+              </a:ext>
+            </a:extLst>
+          </p:cNvPr>
+          <p:cNvSpPr/>
+          <p:nvPr/>
+        </p:nvSpPr>
+        <p:spPr>
+          <a:xfrm>
+            <a:off x="6674529" y="4151050"/>
+            <a:ext cx="352803" cy="282764"/>
+          </a:xfrm>
+          <a:prstGeom prst="can">
+            <a:avLst/>
+          </a:prstGeom>
+          <a:solidFill>
+            <a:srgbClr val="0070C0"/>
+          </a:solidFill>
+          <a:ln w="28575" cmpd="sng">
+            <a:solidFill>
+              <a:schemeClr val="tx1"/>
+            </a:solidFill>
+          </a:ln>
+          <a:effectLst/>
+        </p:spPr>
+        <p:style>
+          <a:lnRef idx="1">
+            <a:schemeClr val="accent1"/>
+          </a:lnRef>
+          <a:fillRef idx="3">
+            <a:schemeClr val="accent1"/>
+          </a:fillRef>
+          <a:effectRef idx="2">
+            <a:schemeClr val="accent1"/>
+          </a:effectRef>
+          <a:fontRef idx="minor">
+            <a:schemeClr val="lt1"/>
+          </a:fontRef>
+        </p:style>
+        <p:txBody>
+          <a:bodyPr rtlCol="0" anchor="ctr"/>
+          <a:lstStyle/>
+          <a:p>
+            <a:pPr algn="ctr"/>
+            <a:r>
+              <a:rPr lang="en-US" sz="1400" dirty="0">
+                <a:solidFill>
+                  <a:schemeClr val="bg1"/>
+                </a:solidFill>
+              </a:rPr>
+              <a:t>S</a:t>
+            </a:r>
+            <a:r>
+              <a:rPr lang="en-US" sz="1400" baseline="-25000" dirty="0">
+                <a:solidFill>
+                  <a:schemeClr val="bg1"/>
+                </a:solidFill>
+              </a:rPr>
+              <a:t>n</a:t>
+            </a:r>
+          </a:p>
+        </p:txBody>
+      </p:sp>
+      <p:sp>
+        <p:nvSpPr>
+          <p:cNvPr id="74" name="Rectangle 73">
+            <a:extLst>
+              <a:ext uri="{FF2B5EF4-FFF2-40B4-BE49-F238E27FC236}">
+                <a16:creationId xmlns:a16="http://schemas.microsoft.com/office/drawing/2014/main" id="{4FFBA12A-4CE8-86B0-F9BF-B51519D9775E}"/>
+              </a:ext>
+            </a:extLst>
+          </p:cNvPr>
+          <p:cNvSpPr/>
+          <p:nvPr/>
+        </p:nvSpPr>
+        <p:spPr>
+          <a:xfrm>
+            <a:off x="7419799" y="4143532"/>
+            <a:ext cx="494963" cy="250442"/>
+          </a:xfrm>
+          <a:prstGeom prst="rect">
+            <a:avLst/>
+          </a:prstGeom>
+          <a:noFill/>
+          <a:ln w="19050"/>
+        </p:spPr>
+        <p:style>
+          <a:lnRef idx="2">
+            <a:schemeClr val="dk1"/>
+          </a:lnRef>
+          <a:fillRef idx="1">
+            <a:schemeClr val="lt1"/>
+          </a:fillRef>
+          <a:effectRef idx="0">
+            <a:schemeClr val="dk1"/>
+          </a:effectRef>
+          <a:fontRef idx="minor">
+            <a:schemeClr val="dk1"/>
+          </a:fontRef>
+        </p:style>
+        <p:txBody>
+          <a:bodyPr rtlCol="0" anchor="ctr"/>
+          <a:lstStyle/>
+          <a:p>
+            <a:pPr algn="ctr"/>
+            <a:r>
+              <a:rPr lang="en-US" sz="1400" dirty="0"/>
+              <a:t>M</a:t>
+            </a:r>
+            <a:r>
+              <a:rPr lang="en-US" sz="1400" baseline="-25000" dirty="0"/>
+              <a:t>n</a:t>
+            </a:r>
+          </a:p>
+        </p:txBody>
+      </p:sp>
+      <p:sp>
+        <p:nvSpPr>
+          <p:cNvPr id="75" name="Can 74">
+            <a:extLst>
+              <a:ext uri="{FF2B5EF4-FFF2-40B4-BE49-F238E27FC236}">
+                <a16:creationId xmlns:a16="http://schemas.microsoft.com/office/drawing/2014/main" id="{2A90B5DA-9CA6-18F5-4C0A-FCDFD1EC6154}"/>
+              </a:ext>
+            </a:extLst>
+          </p:cNvPr>
+          <p:cNvSpPr/>
+          <p:nvPr/>
+        </p:nvSpPr>
+        <p:spPr>
+          <a:xfrm>
+            <a:off x="8552955" y="4112832"/>
+            <a:ext cx="352803" cy="308442"/>
+          </a:xfrm>
+          <a:prstGeom prst="can">
+            <a:avLst/>
+          </a:prstGeom>
+          <a:solidFill>
+            <a:srgbClr val="0070C0"/>
+          </a:solidFill>
+          <a:ln w="28575" cmpd="sng">
+            <a:solidFill>
+              <a:schemeClr val="tx1"/>
+            </a:solidFill>
+          </a:ln>
+          <a:effectLst/>
+        </p:spPr>
+        <p:style>
+          <a:lnRef idx="1">
+            <a:schemeClr val="accent1"/>
+          </a:lnRef>
+          <a:fillRef idx="3">
+            <a:schemeClr val="accent1"/>
+          </a:fillRef>
+          <a:effectRef idx="2">
+            <a:schemeClr val="accent1"/>
+          </a:effectRef>
+          <a:fontRef idx="minor">
+            <a:schemeClr val="lt1"/>
+          </a:fontRef>
+        </p:style>
+        <p:txBody>
+          <a:bodyPr rtlCol="0" anchor="ctr"/>
+          <a:lstStyle/>
+          <a:p>
+            <a:pPr algn="ctr"/>
+            <a:r>
+              <a:rPr lang="en-US" sz="1400" dirty="0">
+                <a:solidFill>
+                  <a:schemeClr val="bg1"/>
+                </a:solidFill>
+              </a:rPr>
+              <a:t>S</a:t>
+            </a:r>
+            <a:r>
+              <a:rPr lang="en-US" sz="1400" baseline="-25000" dirty="0">
+                <a:solidFill>
+                  <a:schemeClr val="bg1"/>
+                </a:solidFill>
+              </a:rPr>
+              <a:t>n</a:t>
+            </a:r>
+          </a:p>
+        </p:txBody>
+      </p:sp>
+      <p:cxnSp>
+        <p:nvCxnSpPr>
+          <p:cNvPr id="79" name="Straight Arrow Connector 78">
+            <a:extLst>
+              <a:ext uri="{FF2B5EF4-FFF2-40B4-BE49-F238E27FC236}">
+                <a16:creationId xmlns:a16="http://schemas.microsoft.com/office/drawing/2014/main" id="{0B57DCE9-AF73-F49B-E85D-FBC770A55999}"/>
+              </a:ext>
+            </a:extLst>
+          </p:cNvPr>
+          <p:cNvCxnSpPr>
+            <a:cxnSpLocks/>
+            <a:stCxn id="74" idx="3"/>
+            <a:endCxn id="75" idx="2"/>
+          </p:cNvCxnSpPr>
+          <p:nvPr/>
+        </p:nvCxnSpPr>
+        <p:spPr>
+          <a:xfrm flipV="1">
+            <a:off x="7914762" y="4267053"/>
+            <a:ext cx="638193" cy="1700"/>
+          </a:xfrm>
+          <a:prstGeom prst="straightConnector1">
+            <a:avLst/>
+          </a:prstGeom>
+          <a:ln w="19050" cap="flat" cmpd="sng" algn="ctr">
+            <a:solidFill>
+              <a:schemeClr val="tx1"/>
+            </a:solidFill>
+            <a:prstDash val="solid"/>
+            <a:round/>
+            <a:headEnd type="none" w="med" len="med"/>
+            <a:tailEnd type="arrow" w="med" len="med"/>
+          </a:ln>
+          <a:effectLst/>
+        </p:spPr>
+        <p:style>
+          <a:lnRef idx="2">
+            <a:schemeClr val="accent1"/>
+          </a:lnRef>
+          <a:fillRef idx="0">
+            <a:schemeClr val="accent1"/>
+          </a:fillRef>
+          <a:effectRef idx="1">
+            <a:schemeClr val="accent1"/>
+          </a:effectRef>
+          <a:fontRef idx="minor">
+            <a:schemeClr val="tx1"/>
+          </a:fontRef>
+        </p:style>
+      </p:cxnSp>
+      <p:cxnSp>
+        <p:nvCxnSpPr>
+          <p:cNvPr id="80" name="Straight Arrow Connector 79">
+            <a:extLst>
+              <a:ext uri="{FF2B5EF4-FFF2-40B4-BE49-F238E27FC236}">
+                <a16:creationId xmlns:a16="http://schemas.microsoft.com/office/drawing/2014/main" id="{83243296-9143-B0EC-453F-A8DB765EC302}"/>
+              </a:ext>
+            </a:extLst>
+          </p:cNvPr>
+          <p:cNvCxnSpPr>
+            <a:cxnSpLocks/>
+            <a:stCxn id="75" idx="4"/>
+            <a:endCxn id="505" idx="1"/>
+          </p:cNvCxnSpPr>
+          <p:nvPr/>
+        </p:nvCxnSpPr>
+        <p:spPr>
+          <a:xfrm>
+            <a:off x="8905758" y="4267053"/>
+            <a:ext cx="141286" cy="1189"/>
+          </a:xfrm>
+          <a:prstGeom prst="straightConnector1">
+            <a:avLst/>
+          </a:prstGeom>
+          <a:ln w="19050" cap="flat" cmpd="sng" algn="ctr">
+            <a:solidFill>
+              <a:schemeClr val="tx1"/>
+            </a:solidFill>
+            <a:prstDash val="solid"/>
+            <a:round/>
+            <a:headEnd type="none" w="med" len="med"/>
+            <a:tailEnd type="arrow" w="med" len="med"/>
+          </a:ln>
+          <a:effectLst/>
+        </p:spPr>
+        <p:style>
+          <a:lnRef idx="2">
+            <a:schemeClr val="accent1"/>
+          </a:lnRef>
+          <a:fillRef idx="0">
+            <a:schemeClr val="accent1"/>
+          </a:fillRef>
+          <a:effectRef idx="1">
+            <a:schemeClr val="accent1"/>
+          </a:effectRef>
+          <a:fontRef idx="minor">
+            <a:schemeClr val="tx1"/>
+          </a:fontRef>
+        </p:style>
+      </p:cxnSp>
+      <p:sp>
+        <p:nvSpPr>
+          <p:cNvPr id="81" name="Card 80">
+            <a:extLst>
+              <a:ext uri="{FF2B5EF4-FFF2-40B4-BE49-F238E27FC236}">
+                <a16:creationId xmlns:a16="http://schemas.microsoft.com/office/drawing/2014/main" id="{2815B818-DA75-9EBD-06BE-83000F81CE69}"/>
+              </a:ext>
+            </a:extLst>
+          </p:cNvPr>
+          <p:cNvSpPr/>
+          <p:nvPr/>
+        </p:nvSpPr>
+        <p:spPr>
+          <a:xfrm flipH="1">
+            <a:off x="6468552" y="3970321"/>
+            <a:ext cx="745596" cy="598150"/>
+          </a:xfrm>
+          <a:prstGeom prst="flowChartPunchedCard">
+            <a:avLst/>
+          </a:prstGeom>
+          <a:noFill/>
+          <a:ln w="19050">
+            <a:solidFill>
+              <a:schemeClr val="tx1"/>
+            </a:solidFill>
+          </a:ln>
+          <a:effectLst/>
+        </p:spPr>
+        <p:style>
+          <a:lnRef idx="1">
+            <a:schemeClr val="accent1"/>
+          </a:lnRef>
+          <a:fillRef idx="3">
+            <a:schemeClr val="accent1"/>
+          </a:fillRef>
+          <a:effectRef idx="2">
+            <a:schemeClr val="accent1"/>
+          </a:effectRef>
+          <a:fontRef idx="minor">
+            <a:schemeClr val="lt1"/>
+          </a:fontRef>
+        </p:style>
+        <p:txBody>
+          <a:bodyPr rtlCol="0" anchor="ctr"/>
+          <a:lstStyle/>
+          <a:p>
+            <a:pPr algn="ctr"/>
+            <a:endParaRPr lang="en-US" sz="1400" dirty="0">
+              <a:solidFill>
+                <a:schemeClr val="tx1"/>
+              </a:solidFill>
+            </a:endParaRPr>
+          </a:p>
+        </p:txBody>
+      </p:sp>
+      <p:cxnSp>
+        <p:nvCxnSpPr>
+          <p:cNvPr id="84" name="Straight Arrow Connector 83">
+            <a:extLst>
+              <a:ext uri="{FF2B5EF4-FFF2-40B4-BE49-F238E27FC236}">
+                <a16:creationId xmlns:a16="http://schemas.microsoft.com/office/drawing/2014/main" id="{8AC2F4AF-E1F1-4980-1E91-59E5CED49A79}"/>
+              </a:ext>
+            </a:extLst>
+          </p:cNvPr>
+          <p:cNvCxnSpPr>
+            <a:cxnSpLocks/>
+            <a:endCxn id="75" idx="2"/>
+          </p:cNvCxnSpPr>
+          <p:nvPr/>
+        </p:nvCxnSpPr>
+        <p:spPr>
+          <a:xfrm>
+            <a:off x="7878167" y="3563778"/>
+            <a:ext cx="674788" cy="703275"/>
+          </a:xfrm>
+          <a:prstGeom prst="straightConnector1">
+            <a:avLst/>
+          </a:prstGeom>
+          <a:ln w="19050" cap="flat" cmpd="sng" algn="ctr">
+            <a:solidFill>
+              <a:schemeClr val="tx1"/>
+            </a:solidFill>
+            <a:prstDash val="lgDash"/>
+            <a:round/>
+            <a:headEnd type="none" w="med" len="med"/>
+            <a:tailEnd type="arrow" w="med" len="med"/>
+          </a:ln>
+          <a:effectLst/>
+        </p:spPr>
+        <p:style>
+          <a:lnRef idx="2">
+            <a:schemeClr val="accent1"/>
+          </a:lnRef>
+          <a:fillRef idx="0">
+            <a:schemeClr val="accent1"/>
+          </a:fillRef>
+          <a:effectRef idx="1">
+            <a:schemeClr val="accent1"/>
+          </a:effectRef>
+          <a:fontRef idx="minor">
+            <a:schemeClr val="tx1"/>
+          </a:fontRef>
+        </p:style>
+      </p:cxnSp>
+      <p:cxnSp>
+        <p:nvCxnSpPr>
+          <p:cNvPr id="93" name="Elbow Connector 92">
+            <a:extLst>
+              <a:ext uri="{FF2B5EF4-FFF2-40B4-BE49-F238E27FC236}">
+                <a16:creationId xmlns:a16="http://schemas.microsoft.com/office/drawing/2014/main" id="{8D6FC613-6A7A-AD9A-67E7-D4E0C0FA9BDC}"/>
+              </a:ext>
+            </a:extLst>
+          </p:cNvPr>
+          <p:cNvCxnSpPr>
+            <a:cxnSpLocks/>
+            <a:stCxn id="42" idx="3"/>
+            <a:endCxn id="70" idx="2"/>
+          </p:cNvCxnSpPr>
+          <p:nvPr/>
+        </p:nvCxnSpPr>
+        <p:spPr>
+          <a:xfrm>
+            <a:off x="5758489" y="2567122"/>
+            <a:ext cx="916040" cy="1725310"/>
+          </a:xfrm>
+          <a:prstGeom prst="bentConnector3">
+            <a:avLst>
+              <a:gd name="adj1" fmla="val 71675"/>
+            </a:avLst>
+          </a:prstGeom>
+          <a:ln w="38100" cap="flat" cmpd="sng" algn="ctr">
+            <a:solidFill>
+              <a:schemeClr val="dk1"/>
+            </a:solidFill>
+            <a:prstDash val="solid"/>
+            <a:round/>
+            <a:headEnd type="none" w="med" len="med"/>
+            <a:tailEnd type="arrow" w="med" len="med"/>
+          </a:ln>
+        </p:spPr>
+        <p:style>
+          <a:lnRef idx="0">
+            <a:scrgbClr r="0" g="0" b="0"/>
+          </a:lnRef>
+          <a:fillRef idx="0">
+            <a:scrgbClr r="0" g="0" b="0"/>
+          </a:fillRef>
+          <a:effectRef idx="0">
+            <a:scrgbClr r="0" g="0" b="0"/>
+          </a:effectRef>
+          <a:fontRef idx="minor">
+            <a:schemeClr val="tx1"/>
+          </a:fontRef>
+        </p:style>
+      </p:cxnSp>
+      <p:cxnSp>
+        <p:nvCxnSpPr>
+          <p:cNvPr id="116" name="Elbow Connector 115">
+            <a:extLst>
+              <a:ext uri="{FF2B5EF4-FFF2-40B4-BE49-F238E27FC236}">
+                <a16:creationId xmlns:a16="http://schemas.microsoft.com/office/drawing/2014/main" id="{BF2E0A54-B5DB-40AA-176F-F5480FDA75F8}"/>
+              </a:ext>
+            </a:extLst>
+          </p:cNvPr>
+          <p:cNvCxnSpPr>
+            <a:cxnSpLocks/>
+            <a:stCxn id="241" idx="3"/>
+            <a:endCxn id="130" idx="0"/>
+          </p:cNvCxnSpPr>
+          <p:nvPr/>
+        </p:nvCxnSpPr>
+        <p:spPr>
+          <a:xfrm>
+            <a:off x="11247857" y="2743414"/>
+            <a:ext cx="477415" cy="403958"/>
+          </a:xfrm>
+          <a:prstGeom prst="bentConnector2">
+            <a:avLst/>
+          </a:prstGeom>
+          <a:ln w="38100" cap="flat" cmpd="sng" algn="ctr">
+            <a:solidFill>
+              <a:schemeClr val="dk1"/>
+            </a:solidFill>
+            <a:prstDash val="solid"/>
+            <a:round/>
+            <a:headEnd type="none" w="med" len="med"/>
+            <a:tailEnd type="arrow" w="med" len="med"/>
+          </a:ln>
+        </p:spPr>
+        <p:style>
+          <a:lnRef idx="0">
+            <a:scrgbClr r="0" g="0" b="0"/>
+          </a:lnRef>
+          <a:fillRef idx="0">
+            <a:scrgbClr r="0" g="0" b="0"/>
+          </a:fillRef>
+          <a:effectRef idx="0">
+            <a:scrgbClr r="0" g="0" b="0"/>
+          </a:effectRef>
+          <a:fontRef idx="minor">
+            <a:schemeClr val="tx1"/>
+          </a:fontRef>
+        </p:style>
+      </p:cxnSp>
     </p:spTree>
     <p:extLst>
       <p:ext uri="{BB962C8B-B14F-4D97-AF65-F5344CB8AC3E}">

--- a/Figures/Arcs/Architecture.pptx
+++ b/Figures/Arcs/Architecture.pptx
@@ -197,7 +197,7 @@
           <a:p>
             <a:fld id="{4F2B3EEC-C8B4-0543-943F-91B3791C5E43}" type="datetimeFigureOut">
               <a:rPr lang="en-US" smtClean="0"/>
-              <a:t>10/24/23</a:t>
+              <a:t>2/21/24</a:t>
             </a:fld>
             <a:endParaRPr lang="en-US"/>
           </a:p>
@@ -734,7 +734,7 @@
           <a:p>
             <a:fld id="{697CBF4A-2AD2-1249-BC5E-D6BCA9656194}" type="datetimeFigureOut">
               <a:rPr lang="en-US" smtClean="0"/>
-              <a:t>10/24/23</a:t>
+              <a:t>2/21/24</a:t>
             </a:fld>
             <a:endParaRPr lang="en-US"/>
           </a:p>
@@ -932,7 +932,7 @@
           <a:p>
             <a:fld id="{697CBF4A-2AD2-1249-BC5E-D6BCA9656194}" type="datetimeFigureOut">
               <a:rPr lang="en-US" smtClean="0"/>
-              <a:t>10/24/23</a:t>
+              <a:t>2/21/24</a:t>
             </a:fld>
             <a:endParaRPr lang="en-US"/>
           </a:p>
@@ -1140,7 +1140,7 @@
           <a:p>
             <a:fld id="{697CBF4A-2AD2-1249-BC5E-D6BCA9656194}" type="datetimeFigureOut">
               <a:rPr lang="en-US" smtClean="0"/>
-              <a:t>10/24/23</a:t>
+              <a:t>2/21/24</a:t>
             </a:fld>
             <a:endParaRPr lang="en-US"/>
           </a:p>
@@ -1338,7 +1338,7 @@
           <a:p>
             <a:fld id="{697CBF4A-2AD2-1249-BC5E-D6BCA9656194}" type="datetimeFigureOut">
               <a:rPr lang="en-US" smtClean="0"/>
-              <a:t>10/24/23</a:t>
+              <a:t>2/21/24</a:t>
             </a:fld>
             <a:endParaRPr lang="en-US"/>
           </a:p>
@@ -1613,7 +1613,7 @@
           <a:p>
             <a:fld id="{697CBF4A-2AD2-1249-BC5E-D6BCA9656194}" type="datetimeFigureOut">
               <a:rPr lang="en-US" smtClean="0"/>
-              <a:t>10/24/23</a:t>
+              <a:t>2/21/24</a:t>
             </a:fld>
             <a:endParaRPr lang="en-US"/>
           </a:p>
@@ -1878,7 +1878,7 @@
           <a:p>
             <a:fld id="{697CBF4A-2AD2-1249-BC5E-D6BCA9656194}" type="datetimeFigureOut">
               <a:rPr lang="en-US" smtClean="0"/>
-              <a:t>10/24/23</a:t>
+              <a:t>2/21/24</a:t>
             </a:fld>
             <a:endParaRPr lang="en-US"/>
           </a:p>
@@ -2290,7 +2290,7 @@
           <a:p>
             <a:fld id="{697CBF4A-2AD2-1249-BC5E-D6BCA9656194}" type="datetimeFigureOut">
               <a:rPr lang="en-US" smtClean="0"/>
-              <a:t>10/24/23</a:t>
+              <a:t>2/21/24</a:t>
             </a:fld>
             <a:endParaRPr lang="en-US"/>
           </a:p>
@@ -2431,7 +2431,7 @@
           <a:p>
             <a:fld id="{697CBF4A-2AD2-1249-BC5E-D6BCA9656194}" type="datetimeFigureOut">
               <a:rPr lang="en-US" smtClean="0"/>
-              <a:t>10/24/23</a:t>
+              <a:t>2/21/24</a:t>
             </a:fld>
             <a:endParaRPr lang="en-US"/>
           </a:p>
@@ -2544,7 +2544,7 @@
           <a:p>
             <a:fld id="{697CBF4A-2AD2-1249-BC5E-D6BCA9656194}" type="datetimeFigureOut">
               <a:rPr lang="en-US" smtClean="0"/>
-              <a:t>10/24/23</a:t>
+              <a:t>2/21/24</a:t>
             </a:fld>
             <a:endParaRPr lang="en-US"/>
           </a:p>
@@ -2855,7 +2855,7 @@
           <a:p>
             <a:fld id="{697CBF4A-2AD2-1249-BC5E-D6BCA9656194}" type="datetimeFigureOut">
               <a:rPr lang="en-US" smtClean="0"/>
-              <a:t>10/24/23</a:t>
+              <a:t>2/21/24</a:t>
             </a:fld>
             <a:endParaRPr lang="en-US"/>
           </a:p>
@@ -3143,7 +3143,7 @@
           <a:p>
             <a:fld id="{697CBF4A-2AD2-1249-BC5E-D6BCA9656194}" type="datetimeFigureOut">
               <a:rPr lang="en-US" smtClean="0"/>
-              <a:t>10/24/23</a:t>
+              <a:t>2/21/24</a:t>
             </a:fld>
             <a:endParaRPr lang="en-US"/>
           </a:p>
@@ -3384,7 +3384,7 @@
           <a:p>
             <a:fld id="{697CBF4A-2AD2-1249-BC5E-D6BCA9656194}" type="datetimeFigureOut">
               <a:rPr lang="en-US" smtClean="0"/>
-              <a:t>10/24/23</a:t>
+              <a:t>2/21/24</a:t>
             </a:fld>
             <a:endParaRPr lang="en-US"/>
           </a:p>
@@ -3846,7 +3846,10 @@
           <a:p>
             <a:pPr algn="ctr"/>
             <a:r>
-              <a:rPr lang="en-US" sz="1200" dirty="0"/>
+              <a:rPr lang="en-US" sz="1200" dirty="0">
+                <a:latin typeface="Times New Roman" panose="02020603050405020304" pitchFamily="18" charset="0"/>
+                <a:cs typeface="Times New Roman" panose="02020603050405020304" pitchFamily="18" charset="0"/>
+              </a:rPr>
               <a:t> </a:t>
             </a:r>
           </a:p>
@@ -3895,7 +3898,10 @@
           <a:p>
             <a:pPr algn="ctr"/>
             <a:r>
-              <a:rPr lang="en-US" sz="1400" b="1" dirty="0"/>
+              <a:rPr lang="en-US" sz="1400" b="1" dirty="0">
+                <a:latin typeface="Times New Roman" panose="02020603050405020304" pitchFamily="18" charset="0"/>
+                <a:cs typeface="Times New Roman" panose="02020603050405020304" pitchFamily="18" charset="0"/>
+              </a:rPr>
               <a:t>Merge Labels</a:t>
             </a:r>
           </a:p>
@@ -3994,7 +4000,10 @@
           <a:p>
             <a:pPr algn="ctr"/>
             <a:r>
-              <a:rPr lang="en-US" sz="1400" b="1" dirty="0"/>
+              <a:rPr lang="en-US" sz="1400" b="1" dirty="0">
+                <a:latin typeface="Times New Roman" panose="02020603050405020304" pitchFamily="18" charset="0"/>
+                <a:cs typeface="Times New Roman" panose="02020603050405020304" pitchFamily="18" charset="0"/>
+              </a:rPr>
               <a:t>Final Output: </a:t>
             </a:r>
           </a:p>
@@ -4002,14 +4011,10 @@
             <a:pPr algn="ctr"/>
             <a:r>
               <a:rPr lang="en-US" sz="1400" b="1" i="1" dirty="0">
-                <a:latin typeface="APPLE CHANCERY" panose="03020702040506060504" pitchFamily="66" charset="-79"/>
-                <a:cs typeface="APPLE CHANCERY" panose="03020702040506060504" pitchFamily="66" charset="-79"/>
-              </a:rPr>
-              <a:t>l</a:t>
-            </a:r>
-            <a:r>
-              <a:rPr lang="en-US" sz="1400" b="1" dirty="0"/>
-              <a:t> </a:t>
+                <a:latin typeface="Times New Roman" panose="02020603050405020304" pitchFamily="18" charset="0"/>
+                <a:cs typeface="Times New Roman" panose="02020603050405020304" pitchFamily="18" charset="0"/>
+              </a:rPr>
+              <a:t>l </a:t>
             </a:r>
           </a:p>
         </p:txBody>
@@ -4043,7 +4048,10 @@
           <a:lstStyle/>
           <a:p>
             <a:r>
-              <a:rPr lang="en-US" sz="1400" dirty="0"/>
+              <a:rPr lang="en-US" sz="1400" dirty="0">
+                <a:latin typeface="Times New Roman" panose="02020603050405020304" pitchFamily="18" charset="0"/>
+                <a:cs typeface="Times New Roman" panose="02020603050405020304" pitchFamily="18" charset="0"/>
+              </a:rPr>
               <a:t>Dataset</a:t>
             </a:r>
           </a:p>
@@ -4099,21 +4107,32 @@
           <a:p>
             <a:pPr algn="ctr"/>
             <a:r>
-              <a:rPr lang="en-US" sz="1200" dirty="0">
+              <a:rPr lang="en-US" sz="1400" dirty="0">
                 <a:solidFill>
                   <a:schemeClr val="bg1"/>
                 </a:solidFill>
+                <a:latin typeface="Times New Roman" panose="02020603050405020304" pitchFamily="18" charset="0"/>
+                <a:cs typeface="Times New Roman" panose="02020603050405020304" pitchFamily="18" charset="0"/>
               </a:rPr>
               <a:t>S</a:t>
             </a:r>
             <a:r>
-              <a:rPr lang="en-US" sz="1200" baseline="-25000" dirty="0">
+              <a:rPr lang="en-US" sz="1400" baseline="-25000" dirty="0">
                 <a:solidFill>
                   <a:schemeClr val="bg1"/>
                 </a:solidFill>
+                <a:latin typeface="Times New Roman" panose="02020603050405020304" pitchFamily="18" charset="0"/>
+                <a:cs typeface="Times New Roman" panose="02020603050405020304" pitchFamily="18" charset="0"/>
               </a:rPr>
               <a:t>1</a:t>
             </a:r>
+            <a:endParaRPr lang="en-US" sz="1200" baseline="-25000" dirty="0">
+              <a:solidFill>
+                <a:schemeClr val="bg1"/>
+              </a:solidFill>
+              <a:latin typeface="Times New Roman" panose="02020603050405020304" pitchFamily="18" charset="0"/>
+              <a:cs typeface="Times New Roman" panose="02020603050405020304" pitchFamily="18" charset="0"/>
+            </a:endParaRPr>
           </a:p>
         </p:txBody>
       </p:sp>
@@ -4171,6 +4190,8 @@
                 <a:solidFill>
                   <a:schemeClr val="bg1"/>
                 </a:solidFill>
+                <a:latin typeface="Times New Roman" panose="02020603050405020304" pitchFamily="18" charset="0"/>
+                <a:cs typeface="Times New Roman" panose="02020603050405020304" pitchFamily="18" charset="0"/>
               </a:rPr>
               <a:t>S</a:t>
             </a:r>
@@ -4179,6 +4200,8 @@
                 <a:solidFill>
                   <a:schemeClr val="bg1"/>
                 </a:solidFill>
+                <a:latin typeface="Times New Roman" panose="02020603050405020304" pitchFamily="18" charset="0"/>
+                <a:cs typeface="Times New Roman" panose="02020603050405020304" pitchFamily="18" charset="0"/>
               </a:rPr>
               <a:t>2</a:t>
             </a:r>
@@ -4186,6 +4209,8 @@
               <a:solidFill>
                 <a:schemeClr val="bg1"/>
               </a:solidFill>
+              <a:latin typeface="Times New Roman" panose="02020603050405020304" pitchFamily="18" charset="0"/>
+              <a:cs typeface="Times New Roman" panose="02020603050405020304" pitchFamily="18" charset="0"/>
             </a:endParaRPr>
           </a:p>
         </p:txBody>
@@ -4244,6 +4269,8 @@
                 <a:solidFill>
                   <a:schemeClr val="bg1"/>
                 </a:solidFill>
+                <a:latin typeface="Times New Roman" panose="02020603050405020304" pitchFamily="18" charset="0"/>
+                <a:cs typeface="Times New Roman" panose="02020603050405020304" pitchFamily="18" charset="0"/>
               </a:rPr>
               <a:t>S</a:t>
             </a:r>
@@ -4252,6 +4279,8 @@
                 <a:solidFill>
                   <a:schemeClr val="bg1"/>
                 </a:solidFill>
+                <a:latin typeface="Times New Roman" panose="02020603050405020304" pitchFamily="18" charset="0"/>
+                <a:cs typeface="Times New Roman" panose="02020603050405020304" pitchFamily="18" charset="0"/>
               </a:rPr>
               <a:t>n</a:t>
             </a:r>
@@ -4311,6 +4340,8 @@
               <a:solidFill>
                 <a:schemeClr val="tx1"/>
               </a:solidFill>
+              <a:latin typeface="Times New Roman" panose="02020603050405020304" pitchFamily="18" charset="0"/>
+              <a:cs typeface="Times New Roman" panose="02020603050405020304" pitchFamily="18" charset="0"/>
             </a:endParaRPr>
           </a:p>
         </p:txBody>
@@ -4368,6 +4399,8 @@
               <a:solidFill>
                 <a:schemeClr val="tx1"/>
               </a:solidFill>
+              <a:latin typeface="Times New Roman" panose="02020603050405020304" pitchFamily="18" charset="0"/>
+              <a:cs typeface="Times New Roman" panose="02020603050405020304" pitchFamily="18" charset="0"/>
             </a:endParaRPr>
           </a:p>
         </p:txBody>
@@ -4425,6 +4458,8 @@
               <a:solidFill>
                 <a:schemeClr val="tx1"/>
               </a:solidFill>
+              <a:latin typeface="Times New Roman" panose="02020603050405020304" pitchFamily="18" charset="0"/>
+              <a:cs typeface="Times New Roman" panose="02020603050405020304" pitchFamily="18" charset="0"/>
             </a:endParaRPr>
           </a:p>
         </p:txBody>
@@ -4479,7 +4514,10 @@
           <a:lstStyle/>
           <a:p>
             <a:pPr algn="ctr"/>
-            <a:endParaRPr lang="en-US"/>
+            <a:endParaRPr lang="en-US">
+              <a:latin typeface="Times New Roman" panose="02020603050405020304" pitchFamily="18" charset="0"/>
+              <a:cs typeface="Times New Roman" panose="02020603050405020304" pitchFamily="18" charset="0"/>
+            </a:endParaRPr>
           </a:p>
         </p:txBody>
       </p:sp>
@@ -4536,6 +4574,8 @@
               <a:solidFill>
                 <a:schemeClr val="tx1"/>
               </a:solidFill>
+              <a:latin typeface="Times New Roman" panose="02020603050405020304" pitchFamily="18" charset="0"/>
+              <a:cs typeface="Times New Roman" panose="02020603050405020304" pitchFamily="18" charset="0"/>
             </a:endParaRPr>
           </a:p>
         </p:txBody>
@@ -4741,7 +4781,10 @@
           <a:lstStyle/>
           <a:p>
             <a:pPr algn="ctr"/>
-            <a:endParaRPr lang="en-US"/>
+            <a:endParaRPr lang="en-US">
+              <a:latin typeface="Times New Roman" panose="02020603050405020304" pitchFamily="18" charset="0"/>
+              <a:cs typeface="Times New Roman" panose="02020603050405020304" pitchFamily="18" charset="0"/>
+            </a:endParaRPr>
           </a:p>
         </p:txBody>
       </p:sp>
@@ -4760,7 +4803,7 @@
         <p:spPr>
           <a:xfrm>
             <a:off x="66099" y="411305"/>
-            <a:ext cx="1425502" cy="523220"/>
+            <a:ext cx="1425502" cy="292388"/>
           </a:xfrm>
           <a:prstGeom prst="rect">
             <a:avLst/>
@@ -4775,7 +4818,10 @@
           <a:p>
             <a:pPr algn="ctr"/>
             <a:r>
-              <a:rPr lang="en-US" sz="1400" b="1" dirty="0"/>
+              <a:rPr lang="en-US" sz="1300" b="1" dirty="0">
+                <a:latin typeface="Times New Roman" panose="02020603050405020304" pitchFamily="18" charset="0"/>
+                <a:cs typeface="Times New Roman" panose="02020603050405020304" pitchFamily="18" charset="0"/>
+              </a:rPr>
               <a:t>Data Partitioning</a:t>
             </a:r>
           </a:p>
@@ -4829,7 +4875,10 @@
           <a:lstStyle/>
           <a:p>
             <a:pPr algn="ctr"/>
-            <a:endParaRPr lang="en-US"/>
+            <a:endParaRPr lang="en-US">
+              <a:latin typeface="Times New Roman" panose="02020603050405020304" pitchFamily="18" charset="0"/>
+              <a:cs typeface="Times New Roman" panose="02020603050405020304" pitchFamily="18" charset="0"/>
+            </a:endParaRPr>
           </a:p>
         </p:txBody>
       </p:sp>
@@ -4881,7 +4930,10 @@
           <a:lstStyle/>
           <a:p>
             <a:pPr algn="ctr"/>
-            <a:endParaRPr lang="en-US"/>
+            <a:endParaRPr lang="en-US">
+              <a:latin typeface="Times New Roman" panose="02020603050405020304" pitchFamily="18" charset="0"/>
+              <a:cs typeface="Times New Roman" panose="02020603050405020304" pitchFamily="18" charset="0"/>
+            </a:endParaRPr>
           </a:p>
         </p:txBody>
       </p:sp>
@@ -4899,8 +4951,8 @@
         </p:nvSpPr>
         <p:spPr>
           <a:xfrm>
-            <a:off x="1830690" y="1263960"/>
-            <a:ext cx="335220" cy="283781"/>
+            <a:off x="1830689" y="1263960"/>
+            <a:ext cx="357725" cy="283781"/>
           </a:xfrm>
           <a:prstGeom prst="can">
             <a:avLst/>
@@ -4939,6 +4991,8 @@
                 <a:solidFill>
                   <a:schemeClr val="bg1"/>
                 </a:solidFill>
+                <a:latin typeface="Times New Roman" panose="02020603050405020304" pitchFamily="18" charset="0"/>
+                <a:cs typeface="Times New Roman" panose="02020603050405020304" pitchFamily="18" charset="0"/>
               </a:rPr>
               <a:t>S</a:t>
             </a:r>
@@ -4947,6 +5001,8 @@
                 <a:solidFill>
                   <a:schemeClr val="bg1"/>
                 </a:solidFill>
+                <a:latin typeface="Times New Roman" panose="02020603050405020304" pitchFamily="18" charset="0"/>
+                <a:cs typeface="Times New Roman" panose="02020603050405020304" pitchFamily="18" charset="0"/>
               </a:rPr>
               <a:t>1</a:t>
             </a:r>
@@ -4968,7 +5024,7 @@
         <p:spPr>
           <a:xfrm>
             <a:off x="1853819" y="2332869"/>
-            <a:ext cx="335220" cy="283781"/>
+            <a:ext cx="342672" cy="283781"/>
           </a:xfrm>
           <a:prstGeom prst="can">
             <a:avLst/>
@@ -5007,6 +5063,8 @@
                 <a:solidFill>
                   <a:schemeClr val="bg1"/>
                 </a:solidFill>
+                <a:latin typeface="Times New Roman" panose="02020603050405020304" pitchFamily="18" charset="0"/>
+                <a:cs typeface="Times New Roman" panose="02020603050405020304" pitchFamily="18" charset="0"/>
               </a:rPr>
               <a:t>S</a:t>
             </a:r>
@@ -5015,6 +5073,8 @@
                 <a:solidFill>
                   <a:schemeClr val="bg1"/>
                 </a:solidFill>
+                <a:latin typeface="Times New Roman" panose="02020603050405020304" pitchFamily="18" charset="0"/>
+                <a:cs typeface="Times New Roman" panose="02020603050405020304" pitchFamily="18" charset="0"/>
               </a:rPr>
               <a:t>2</a:t>
             </a:r>
@@ -5069,7 +5129,10 @@
           <a:lstStyle/>
           <a:p>
             <a:pPr algn="ctr"/>
-            <a:endParaRPr lang="en-US" sz="1200"/>
+            <a:endParaRPr lang="en-US" sz="1200">
+              <a:latin typeface="Times New Roman" panose="02020603050405020304" pitchFamily="18" charset="0"/>
+              <a:cs typeface="Times New Roman" panose="02020603050405020304" pitchFamily="18" charset="0"/>
+            </a:endParaRPr>
           </a:p>
         </p:txBody>
       </p:sp>
@@ -5121,7 +5184,10 @@
           <a:lstStyle/>
           <a:p>
             <a:pPr algn="ctr"/>
-            <a:endParaRPr lang="en-US" sz="1200"/>
+            <a:endParaRPr lang="en-US" sz="1200">
+              <a:latin typeface="Times New Roman" panose="02020603050405020304" pitchFamily="18" charset="0"/>
+              <a:cs typeface="Times New Roman" panose="02020603050405020304" pitchFamily="18" charset="0"/>
+            </a:endParaRPr>
           </a:p>
         </p:txBody>
       </p:sp>
@@ -5175,18 +5241,15 @@
           <a:p>
             <a:pPr algn="ctr"/>
             <a:r>
-              <a:rPr lang="en-US" sz="1400" dirty="0" err="1">
+              <a:rPr lang="en-US" sz="1400" dirty="0">
                 <a:solidFill>
                   <a:schemeClr val="tx1"/>
                 </a:solidFill>
-              </a:rPr>
-              <a:t>KMeans</a:t>
-            </a:r>
-            <a:endParaRPr lang="en-US" sz="1400" dirty="0">
-              <a:solidFill>
-                <a:schemeClr val="tx1"/>
-              </a:solidFill>
-            </a:endParaRPr>
+                <a:latin typeface="Times New Roman" panose="02020603050405020304" pitchFamily="18" charset="0"/>
+                <a:cs typeface="Times New Roman" panose="02020603050405020304" pitchFamily="18" charset="0"/>
+              </a:rPr>
+              <a:t>Validator</a:t>
+            </a:r>
           </a:p>
         </p:txBody>
       </p:sp>
@@ -5244,6 +5307,8 @@
                 <a:solidFill>
                   <a:schemeClr val="tx1"/>
                 </a:solidFill>
+                <a:latin typeface="Times New Roman" panose="02020603050405020304" pitchFamily="18" charset="0"/>
+                <a:cs typeface="Times New Roman" panose="02020603050405020304" pitchFamily="18" charset="0"/>
               </a:rPr>
               <a:t>OI </a:t>
             </a:r>
@@ -5253,7 +5318,8 @@
                   <a:schemeClr val="tx1"/>
                 </a:solidFill>
                 <a:effectLst/>
-                <a:latin typeface="Google Sans"/>
+                <a:latin typeface="Times New Roman" panose="02020603050405020304" pitchFamily="18" charset="0"/>
+                <a:cs typeface="Times New Roman" panose="02020603050405020304" pitchFamily="18" charset="0"/>
               </a:rPr>
               <a:t>⊨</a:t>
             </a:r>
@@ -5263,7 +5329,8 @@
                   <a:srgbClr val="4D5156"/>
                 </a:solidFill>
                 <a:effectLst/>
-                <a:latin typeface="Google Sans"/>
+                <a:latin typeface="Times New Roman" panose="02020603050405020304" pitchFamily="18" charset="0"/>
+                <a:cs typeface="Times New Roman" panose="02020603050405020304" pitchFamily="18" charset="0"/>
               </a:rPr>
               <a:t> </a:t>
             </a:r>
@@ -5272,6 +5339,8 @@
                 <a:solidFill>
                   <a:schemeClr val="tx1"/>
                 </a:solidFill>
+                <a:latin typeface="Times New Roman" panose="02020603050405020304" pitchFamily="18" charset="0"/>
+                <a:cs typeface="Times New Roman" panose="02020603050405020304" pitchFamily="18" charset="0"/>
               </a:rPr>
               <a:t>P</a:t>
             </a:r>
@@ -5280,6 +5349,8 @@
                 <a:solidFill>
                   <a:schemeClr val="tx1"/>
                 </a:solidFill>
+                <a:latin typeface="Times New Roman" panose="02020603050405020304" pitchFamily="18" charset="0"/>
+                <a:cs typeface="Times New Roman" panose="02020603050405020304" pitchFamily="18" charset="0"/>
               </a:rPr>
               <a:t>1</a:t>
             </a:r>
@@ -5288,6 +5359,8 @@
                 <a:solidFill>
                   <a:schemeClr val="tx1"/>
                 </a:solidFill>
+                <a:latin typeface="Times New Roman" panose="02020603050405020304" pitchFamily="18" charset="0"/>
+                <a:cs typeface="Times New Roman" panose="02020603050405020304" pitchFamily="18" charset="0"/>
               </a:rPr>
               <a:t>:v</a:t>
             </a:r>
@@ -5296,6 +5369,8 @@
                 <a:solidFill>
                   <a:schemeClr val="tx1"/>
                 </a:solidFill>
+                <a:latin typeface="Times New Roman" panose="02020603050405020304" pitchFamily="18" charset="0"/>
+                <a:cs typeface="Times New Roman" panose="02020603050405020304" pitchFamily="18" charset="0"/>
               </a:rPr>
               <a:t>1_2</a:t>
             </a:r>
@@ -5352,18 +5427,15 @@
           <a:p>
             <a:pPr algn="ctr"/>
             <a:r>
-              <a:rPr lang="en-US" sz="1400" dirty="0" err="1">
+              <a:rPr lang="en-US" sz="1400" dirty="0">
                 <a:solidFill>
                   <a:schemeClr val="tx1"/>
                 </a:solidFill>
-              </a:rPr>
-              <a:t>KMeans</a:t>
-            </a:r>
-            <a:endParaRPr lang="en-US" sz="1400" dirty="0">
-              <a:solidFill>
-                <a:schemeClr val="tx1"/>
-              </a:solidFill>
-            </a:endParaRPr>
+                <a:latin typeface="Times New Roman" panose="02020603050405020304" pitchFamily="18" charset="0"/>
+                <a:cs typeface="Times New Roman" panose="02020603050405020304" pitchFamily="18" charset="0"/>
+              </a:rPr>
+              <a:t>Validator</a:t>
+            </a:r>
           </a:p>
         </p:txBody>
       </p:sp>
@@ -5385,8 +5457,8 @@
         </p:nvCxnSpPr>
         <p:spPr>
           <a:xfrm flipV="1">
-            <a:off x="2189039" y="2164426"/>
-            <a:ext cx="239055" cy="310334"/>
+            <a:off x="2196491" y="2164426"/>
+            <a:ext cx="231603" cy="310334"/>
           </a:xfrm>
           <a:prstGeom prst="bentConnector3">
             <a:avLst/>
@@ -5434,8 +5506,8 @@
         </p:nvCxnSpPr>
         <p:spPr>
           <a:xfrm>
-            <a:off x="2189039" y="2474760"/>
-            <a:ext cx="231605" cy="504093"/>
+            <a:off x="2196491" y="2474760"/>
+            <a:ext cx="224153" cy="504093"/>
           </a:xfrm>
           <a:prstGeom prst="bentConnector3">
             <a:avLst>
@@ -5485,8 +5557,8 @@
         </p:nvCxnSpPr>
         <p:spPr>
           <a:xfrm flipV="1">
-            <a:off x="2165910" y="920271"/>
-            <a:ext cx="255868" cy="485580"/>
+            <a:off x="2188414" y="920271"/>
+            <a:ext cx="233364" cy="485580"/>
           </a:xfrm>
           <a:prstGeom prst="bentConnector3">
             <a:avLst/>
@@ -5534,8 +5606,8 @@
         </p:nvCxnSpPr>
         <p:spPr>
           <a:xfrm>
-            <a:off x="2165910" y="1405851"/>
-            <a:ext cx="254735" cy="322816"/>
+            <a:off x="2188414" y="1405851"/>
+            <a:ext cx="232231" cy="322816"/>
           </a:xfrm>
           <a:prstGeom prst="bentConnector3">
             <a:avLst>
@@ -5713,7 +5785,10 @@
           <a:lstStyle/>
           <a:p>
             <a:pPr algn="ctr"/>
-            <a:endParaRPr lang="en-US" sz="1200"/>
+            <a:endParaRPr lang="en-US" sz="1200">
+              <a:latin typeface="Times New Roman" panose="02020603050405020304" pitchFamily="18" charset="0"/>
+              <a:cs typeface="Times New Roman" panose="02020603050405020304" pitchFamily="18" charset="0"/>
+            </a:endParaRPr>
           </a:p>
         </p:txBody>
       </p:sp>
@@ -5771,6 +5846,8 @@
                 <a:solidFill>
                   <a:schemeClr val="tx1"/>
                 </a:solidFill>
+                <a:latin typeface="Times New Roman" panose="02020603050405020304" pitchFamily="18" charset="0"/>
+                <a:cs typeface="Times New Roman" panose="02020603050405020304" pitchFamily="18" charset="0"/>
               </a:rPr>
               <a:t>OI </a:t>
             </a:r>
@@ -5780,7 +5857,8 @@
                   <a:schemeClr val="tx1"/>
                 </a:solidFill>
                 <a:effectLst/>
-                <a:latin typeface="Google Sans"/>
+                <a:latin typeface="Times New Roman" panose="02020603050405020304" pitchFamily="18" charset="0"/>
+                <a:cs typeface="Times New Roman" panose="02020603050405020304" pitchFamily="18" charset="0"/>
               </a:rPr>
               <a:t>⊨</a:t>
             </a:r>
@@ -5790,7 +5868,8 @@
                   <a:srgbClr val="4D5156"/>
                 </a:solidFill>
                 <a:effectLst/>
-                <a:latin typeface="Google Sans"/>
+                <a:latin typeface="Times New Roman" panose="02020603050405020304" pitchFamily="18" charset="0"/>
+                <a:cs typeface="Times New Roman" panose="02020603050405020304" pitchFamily="18" charset="0"/>
               </a:rPr>
               <a:t> </a:t>
             </a:r>
@@ -5799,6 +5878,8 @@
                 <a:solidFill>
                   <a:schemeClr val="tx1"/>
                 </a:solidFill>
+                <a:latin typeface="Times New Roman" panose="02020603050405020304" pitchFamily="18" charset="0"/>
+                <a:cs typeface="Times New Roman" panose="02020603050405020304" pitchFamily="18" charset="0"/>
               </a:rPr>
               <a:t>P</a:t>
             </a:r>
@@ -5807,6 +5888,8 @@
                 <a:solidFill>
                   <a:schemeClr val="tx1"/>
                 </a:solidFill>
+                <a:latin typeface="Times New Roman" panose="02020603050405020304" pitchFamily="18" charset="0"/>
+                <a:cs typeface="Times New Roman" panose="02020603050405020304" pitchFamily="18" charset="0"/>
               </a:rPr>
               <a:t>1</a:t>
             </a:r>
@@ -5815,6 +5898,8 @@
                 <a:solidFill>
                   <a:schemeClr val="tx1"/>
                 </a:solidFill>
+                <a:latin typeface="Times New Roman" panose="02020603050405020304" pitchFamily="18" charset="0"/>
+                <a:cs typeface="Times New Roman" panose="02020603050405020304" pitchFamily="18" charset="0"/>
               </a:rPr>
               <a:t>:v</a:t>
             </a:r>
@@ -5823,6 +5908,8 @@
                 <a:solidFill>
                   <a:schemeClr val="tx1"/>
                 </a:solidFill>
+                <a:latin typeface="Times New Roman" panose="02020603050405020304" pitchFamily="18" charset="0"/>
+                <a:cs typeface="Times New Roman" panose="02020603050405020304" pitchFamily="18" charset="0"/>
               </a:rPr>
               <a:t>1_1</a:t>
             </a:r>
@@ -5870,7 +5957,10 @@
           <a:lstStyle/>
           <a:p>
             <a:pPr algn="ctr"/>
-            <a:endParaRPr lang="en-US" sz="1200" dirty="0"/>
+            <a:endParaRPr lang="en-US" sz="1200" dirty="0">
+              <a:latin typeface="Times New Roman" panose="02020603050405020304" pitchFamily="18" charset="0"/>
+              <a:cs typeface="Times New Roman" panose="02020603050405020304" pitchFamily="18" charset="0"/>
+            </a:endParaRPr>
           </a:p>
         </p:txBody>
       </p:sp>
@@ -5889,7 +5979,7 @@
         <p:spPr>
           <a:xfrm>
             <a:off x="3595002" y="1163701"/>
-            <a:ext cx="1046954" cy="307777"/>
+            <a:ext cx="1046954" cy="276999"/>
           </a:xfrm>
           <a:prstGeom prst="rect">
             <a:avLst/>
@@ -5904,11 +5994,17 @@
           <a:p>
             <a:pPr algn="ctr"/>
             <a:r>
-              <a:rPr lang="en-US" sz="1400" dirty="0"/>
+              <a:rPr lang="en-US" sz="1200" dirty="0">
+                <a:latin typeface="Times New Roman" panose="02020603050405020304" pitchFamily="18" charset="0"/>
+                <a:cs typeface="Times New Roman" panose="02020603050405020304" pitchFamily="18" charset="0"/>
+              </a:rPr>
               <a:t>Similarity</a:t>
             </a:r>
             <a:r>
-              <a:rPr lang="en-US" sz="1400" baseline="-25000" dirty="0"/>
+              <a:rPr lang="en-US" sz="1200" baseline="-25000" dirty="0">
+                <a:latin typeface="Times New Roman" panose="02020603050405020304" pitchFamily="18" charset="0"/>
+                <a:cs typeface="Times New Roman" panose="02020603050405020304" pitchFamily="18" charset="0"/>
+              </a:rPr>
               <a:t>1_1</a:t>
             </a:r>
           </a:p>
@@ -6155,45 +6251,66 @@
           <a:p>
             <a:pPr algn="ctr"/>
             <a:r>
-              <a:rPr lang="en-US" sz="1600" dirty="0"/>
+              <a:rPr lang="en-US" sz="1400" dirty="0">
+                <a:latin typeface="Times New Roman" panose="02020603050405020304" pitchFamily="18" charset="0"/>
+                <a:cs typeface="Times New Roman" panose="02020603050405020304" pitchFamily="18" charset="0"/>
+              </a:rPr>
               <a:t>[</a:t>
             </a:r>
             <a:r>
-              <a:rPr lang="en-US" sz="1600" i="1" dirty="0">
-                <a:latin typeface="APPLE CHANCERY" panose="03020702040506060504" pitchFamily="66" charset="-79"/>
-                <a:cs typeface="APPLE CHANCERY" panose="03020702040506060504" pitchFamily="66" charset="-79"/>
+              <a:rPr lang="en-US" sz="1400" i="1" dirty="0">
+                <a:latin typeface="Times New Roman" panose="02020603050405020304" pitchFamily="18" charset="0"/>
+                <a:cs typeface="Times New Roman" panose="02020603050405020304" pitchFamily="18" charset="0"/>
               </a:rPr>
               <a:t>l</a:t>
             </a:r>
             <a:r>
-              <a:rPr lang="en-US" sz="1600" dirty="0"/>
+              <a:rPr lang="en-US" sz="1400" dirty="0">
+                <a:latin typeface="Times New Roman" panose="02020603050405020304" pitchFamily="18" charset="0"/>
+                <a:cs typeface="Times New Roman" panose="02020603050405020304" pitchFamily="18" charset="0"/>
+              </a:rPr>
               <a:t> </a:t>
             </a:r>
             <a:r>
-              <a:rPr lang="en-US" sz="1600" baseline="-25000" dirty="0"/>
+              <a:rPr lang="en-US" sz="1400" baseline="-25000" dirty="0">
+                <a:latin typeface="Times New Roman" panose="02020603050405020304" pitchFamily="18" charset="0"/>
+                <a:cs typeface="Times New Roman" panose="02020603050405020304" pitchFamily="18" charset="0"/>
+              </a:rPr>
               <a:t>S1_M1</a:t>
             </a:r>
             <a:r>
-              <a:rPr lang="en-US" sz="1600" dirty="0"/>
+              <a:rPr lang="en-US" sz="1400" dirty="0">
+                <a:latin typeface="Times New Roman" panose="02020603050405020304" pitchFamily="18" charset="0"/>
+                <a:cs typeface="Times New Roman" panose="02020603050405020304" pitchFamily="18" charset="0"/>
+              </a:rPr>
               <a:t>, </a:t>
             </a:r>
             <a:r>
-              <a:rPr lang="en-US" sz="1600" i="1" dirty="0">
-                <a:latin typeface="APPLE CHANCERY" panose="03020702040506060504" pitchFamily="66" charset="-79"/>
-                <a:cs typeface="APPLE CHANCERY" panose="03020702040506060504" pitchFamily="66" charset="-79"/>
+              <a:rPr lang="en-US" sz="1400" i="1" dirty="0">
+                <a:latin typeface="Times New Roman" panose="02020603050405020304" pitchFamily="18" charset="0"/>
+                <a:cs typeface="Times New Roman" panose="02020603050405020304" pitchFamily="18" charset="0"/>
               </a:rPr>
               <a:t>l</a:t>
             </a:r>
             <a:r>
-              <a:rPr lang="en-US" sz="1600" dirty="0"/>
+              <a:rPr lang="en-US" sz="1400" dirty="0">
+                <a:latin typeface="Times New Roman" panose="02020603050405020304" pitchFamily="18" charset="0"/>
+                <a:cs typeface="Times New Roman" panose="02020603050405020304" pitchFamily="18" charset="0"/>
+              </a:rPr>
               <a:t> </a:t>
             </a:r>
             <a:r>
-              <a:rPr lang="en-US" sz="1600" baseline="-25000" dirty="0"/>
+              <a:rPr lang="en-US" sz="1400" baseline="-25000" dirty="0">
+                <a:latin typeface="Times New Roman" panose="02020603050405020304" pitchFamily="18" charset="0"/>
+                <a:cs typeface="Times New Roman" panose="02020603050405020304" pitchFamily="18" charset="0"/>
+              </a:rPr>
               <a:t>S1_M2</a:t>
             </a:r>
             <a:r>
-              <a:rPr lang="en-US" sz="1600" dirty="0"/>
+              <a:rPr lang="en-US" sz="1400" dirty="0">
+                <a:latin typeface="Times New Roman" panose="02020603050405020304" pitchFamily="18" charset="0"/>
+                <a:cs typeface="Times New Roman" panose="02020603050405020304" pitchFamily="18" charset="0"/>
+              </a:rPr>
               <a:t>,…]</a:t>
             </a:r>
           </a:p>
@@ -6213,7 +6330,7 @@
         </p:nvSpPr>
         <p:spPr>
           <a:xfrm>
-            <a:off x="9049776" y="2359611"/>
+            <a:off x="9049776" y="2294295"/>
             <a:ext cx="1572921" cy="292230"/>
           </a:xfrm>
           <a:prstGeom prst="rect">
@@ -6242,45 +6359,66 @@
           <a:p>
             <a:pPr algn="ctr"/>
             <a:r>
-              <a:rPr lang="en-US" sz="1600" dirty="0"/>
+              <a:rPr lang="en-US" sz="1400" dirty="0">
+                <a:latin typeface="Times New Roman" panose="02020603050405020304" pitchFamily="18" charset="0"/>
+                <a:cs typeface="Times New Roman" panose="02020603050405020304" pitchFamily="18" charset="0"/>
+              </a:rPr>
               <a:t>[</a:t>
             </a:r>
             <a:r>
-              <a:rPr lang="en-US" sz="1600" i="1" dirty="0">
-                <a:latin typeface="APPLE CHANCERY" panose="03020702040506060504" pitchFamily="66" charset="-79"/>
-                <a:cs typeface="APPLE CHANCERY" panose="03020702040506060504" pitchFamily="66" charset="-79"/>
+              <a:rPr lang="en-US" sz="1400" i="1" dirty="0">
+                <a:latin typeface="Times New Roman" panose="02020603050405020304" pitchFamily="18" charset="0"/>
+                <a:cs typeface="Times New Roman" panose="02020603050405020304" pitchFamily="18" charset="0"/>
               </a:rPr>
               <a:t>l</a:t>
             </a:r>
             <a:r>
-              <a:rPr lang="en-US" sz="1600" dirty="0"/>
+              <a:rPr lang="en-US" sz="1400" dirty="0">
+                <a:latin typeface="Times New Roman" panose="02020603050405020304" pitchFamily="18" charset="0"/>
+                <a:cs typeface="Times New Roman" panose="02020603050405020304" pitchFamily="18" charset="0"/>
+              </a:rPr>
               <a:t> </a:t>
             </a:r>
             <a:r>
-              <a:rPr lang="en-US" sz="1600" baseline="-25000" dirty="0"/>
+              <a:rPr lang="en-US" sz="1400" baseline="-25000" dirty="0">
+                <a:latin typeface="Times New Roman" panose="02020603050405020304" pitchFamily="18" charset="0"/>
+                <a:cs typeface="Times New Roman" panose="02020603050405020304" pitchFamily="18" charset="0"/>
+              </a:rPr>
               <a:t>S2_M1</a:t>
             </a:r>
             <a:r>
-              <a:rPr lang="en-US" sz="1600" dirty="0"/>
+              <a:rPr lang="en-US" sz="1400" dirty="0">
+                <a:latin typeface="Times New Roman" panose="02020603050405020304" pitchFamily="18" charset="0"/>
+                <a:cs typeface="Times New Roman" panose="02020603050405020304" pitchFamily="18" charset="0"/>
+              </a:rPr>
               <a:t>, </a:t>
             </a:r>
             <a:r>
-              <a:rPr lang="en-US" sz="1600" i="1" dirty="0">
-                <a:latin typeface="APPLE CHANCERY" panose="03020702040506060504" pitchFamily="66" charset="-79"/>
-                <a:cs typeface="APPLE CHANCERY" panose="03020702040506060504" pitchFamily="66" charset="-79"/>
+              <a:rPr lang="en-US" sz="1400" i="1" dirty="0">
+                <a:latin typeface="Times New Roman" panose="02020603050405020304" pitchFamily="18" charset="0"/>
+                <a:cs typeface="Times New Roman" panose="02020603050405020304" pitchFamily="18" charset="0"/>
               </a:rPr>
               <a:t>l</a:t>
             </a:r>
             <a:r>
-              <a:rPr lang="en-US" sz="1600" dirty="0"/>
+              <a:rPr lang="en-US" sz="1400" dirty="0">
+                <a:latin typeface="Times New Roman" panose="02020603050405020304" pitchFamily="18" charset="0"/>
+                <a:cs typeface="Times New Roman" panose="02020603050405020304" pitchFamily="18" charset="0"/>
+              </a:rPr>
               <a:t> </a:t>
             </a:r>
             <a:r>
-              <a:rPr lang="en-US" sz="1600" baseline="-25000" dirty="0"/>
+              <a:rPr lang="en-US" sz="1400" baseline="-25000" dirty="0">
+                <a:latin typeface="Times New Roman" panose="02020603050405020304" pitchFamily="18" charset="0"/>
+                <a:cs typeface="Times New Roman" panose="02020603050405020304" pitchFamily="18" charset="0"/>
+              </a:rPr>
               <a:t>S2_M2</a:t>
             </a:r>
             <a:r>
-              <a:rPr lang="en-US" sz="1600" dirty="0"/>
+              <a:rPr lang="en-US" sz="1400" dirty="0">
+                <a:latin typeface="Times New Roman" panose="02020603050405020304" pitchFamily="18" charset="0"/>
+                <a:cs typeface="Times New Roman" panose="02020603050405020304" pitchFamily="18" charset="0"/>
+              </a:rPr>
               <a:t>,…]</a:t>
             </a:r>
           </a:p>
@@ -6330,13 +6468,16 @@
             <a:pPr algn="ctr"/>
             <a:r>
               <a:rPr lang="en-US" sz="1600" i="1" dirty="0">
-                <a:latin typeface="APPLE CHANCERY" panose="03020702040506060504" pitchFamily="66" charset="-79"/>
-                <a:cs typeface="APPLE CHANCERY" panose="03020702040506060504" pitchFamily="66" charset="-79"/>
+                <a:latin typeface="Times New Roman" panose="02020603050405020304" pitchFamily="18" charset="0"/>
+                <a:cs typeface="Times New Roman" panose="02020603050405020304" pitchFamily="18" charset="0"/>
               </a:rPr>
               <a:t>l</a:t>
             </a:r>
             <a:r>
-              <a:rPr lang="en-US" sz="1600" i="1" baseline="-25000" dirty="0"/>
+              <a:rPr lang="en-US" sz="1600" i="1" baseline="-25000" dirty="0">
+                <a:latin typeface="Times New Roman" panose="02020603050405020304" pitchFamily="18" charset="0"/>
+                <a:cs typeface="Times New Roman" panose="02020603050405020304" pitchFamily="18" charset="0"/>
+              </a:rPr>
               <a:t>1</a:t>
             </a:r>
           </a:p>
@@ -6360,7 +6501,7 @@
         </p:nvCxnSpPr>
         <p:spPr>
           <a:xfrm flipV="1">
-            <a:off x="10622697" y="2504026"/>
+            <a:off x="10622697" y="2438710"/>
             <a:ext cx="157493" cy="1700"/>
           </a:xfrm>
           <a:prstGeom prst="straightConnector1">
@@ -6406,7 +6547,7 @@
         </p:nvSpPr>
         <p:spPr>
           <a:xfrm>
-            <a:off x="10780190" y="2360465"/>
+            <a:off x="10780190" y="2295149"/>
             <a:ext cx="396543" cy="287121"/>
           </a:xfrm>
           <a:prstGeom prst="rect">
@@ -6436,13 +6577,16 @@
             <a:pPr algn="ctr"/>
             <a:r>
               <a:rPr lang="en-US" sz="1600" i="1" dirty="0">
-                <a:latin typeface="APPLE CHANCERY" panose="03020702040506060504" pitchFamily="66" charset="-79"/>
-                <a:cs typeface="APPLE CHANCERY" panose="03020702040506060504" pitchFamily="66" charset="-79"/>
+                <a:latin typeface="Times New Roman" panose="02020603050405020304" pitchFamily="18" charset="0"/>
+                <a:cs typeface="Times New Roman" panose="02020603050405020304" pitchFamily="18" charset="0"/>
               </a:rPr>
               <a:t>l</a:t>
             </a:r>
             <a:r>
-              <a:rPr lang="en-US" sz="1600" i="1" baseline="-25000" dirty="0"/>
+              <a:rPr lang="en-US" sz="1600" i="1" baseline="-25000" dirty="0">
+                <a:latin typeface="Times New Roman" panose="02020603050405020304" pitchFamily="18" charset="0"/>
+                <a:cs typeface="Times New Roman" panose="02020603050405020304" pitchFamily="18" charset="0"/>
+              </a:rPr>
               <a:t>2</a:t>
             </a:r>
           </a:p>
@@ -6502,6 +6646,8 @@
                 <a:solidFill>
                   <a:schemeClr val="bg1"/>
                 </a:solidFill>
+                <a:latin typeface="Times New Roman" panose="02020603050405020304" pitchFamily="18" charset="0"/>
+                <a:cs typeface="Times New Roman" panose="02020603050405020304" pitchFamily="18" charset="0"/>
               </a:rPr>
               <a:t>S</a:t>
             </a:r>
@@ -6510,6 +6656,8 @@
                 <a:solidFill>
                   <a:schemeClr val="bg1"/>
                 </a:solidFill>
+                <a:latin typeface="Times New Roman" panose="02020603050405020304" pitchFamily="18" charset="0"/>
+                <a:cs typeface="Times New Roman" panose="02020603050405020304" pitchFamily="18" charset="0"/>
               </a:rPr>
               <a:t>1</a:t>
             </a:r>
@@ -6559,11 +6707,17 @@
           <a:p>
             <a:pPr algn="ctr"/>
             <a:r>
-              <a:rPr lang="en-US" sz="1400" dirty="0"/>
+              <a:rPr lang="en-US" sz="1400" dirty="0">
+                <a:latin typeface="Times New Roman" panose="02020603050405020304" pitchFamily="18" charset="0"/>
+                <a:cs typeface="Times New Roman" panose="02020603050405020304" pitchFamily="18" charset="0"/>
+              </a:rPr>
               <a:t>M</a:t>
             </a:r>
             <a:r>
-              <a:rPr lang="en-US" sz="1400" baseline="-25000" dirty="0"/>
+              <a:rPr lang="en-US" sz="1400" baseline="-25000" dirty="0">
+                <a:latin typeface="Times New Roman" panose="02020603050405020304" pitchFamily="18" charset="0"/>
+                <a:cs typeface="Times New Roman" panose="02020603050405020304" pitchFamily="18" charset="0"/>
+              </a:rPr>
               <a:t>1</a:t>
             </a:r>
           </a:p>
@@ -6587,7 +6741,7 @@
         </p:nvCxnSpPr>
         <p:spPr>
           <a:xfrm flipV="1">
-            <a:off x="7216880" y="2506237"/>
+            <a:off x="7216880" y="2440921"/>
             <a:ext cx="205651" cy="643"/>
           </a:xfrm>
           <a:prstGeom prst="straightConnector1">
@@ -6633,7 +6787,7 @@
         </p:nvSpPr>
         <p:spPr>
           <a:xfrm>
-            <a:off x="6677261" y="2388534"/>
+            <a:off x="6677261" y="2323218"/>
             <a:ext cx="352803" cy="282764"/>
           </a:xfrm>
           <a:prstGeom prst="can">
@@ -6673,6 +6827,8 @@
                 <a:solidFill>
                   <a:schemeClr val="bg1"/>
                 </a:solidFill>
+                <a:latin typeface="Times New Roman" panose="02020603050405020304" pitchFamily="18" charset="0"/>
+                <a:cs typeface="Times New Roman" panose="02020603050405020304" pitchFamily="18" charset="0"/>
               </a:rPr>
               <a:t>S</a:t>
             </a:r>
@@ -6681,6 +6837,8 @@
                 <a:solidFill>
                   <a:schemeClr val="bg1"/>
                 </a:solidFill>
+                <a:latin typeface="Times New Roman" panose="02020603050405020304" pitchFamily="18" charset="0"/>
+                <a:cs typeface="Times New Roman" panose="02020603050405020304" pitchFamily="18" charset="0"/>
               </a:rPr>
               <a:t>2</a:t>
             </a:r>
@@ -6701,7 +6859,7 @@
         </p:nvSpPr>
         <p:spPr>
           <a:xfrm>
-            <a:off x="7422531" y="2381016"/>
+            <a:off x="7422531" y="2315700"/>
             <a:ext cx="494963" cy="250442"/>
           </a:xfrm>
           <a:prstGeom prst="rect">
@@ -6730,11 +6888,17 @@
           <a:p>
             <a:pPr algn="ctr"/>
             <a:r>
-              <a:rPr lang="en-US" sz="1400" dirty="0"/>
+              <a:rPr lang="en-US" sz="1400" dirty="0">
+                <a:latin typeface="Times New Roman" panose="02020603050405020304" pitchFamily="18" charset="0"/>
+                <a:cs typeface="Times New Roman" panose="02020603050405020304" pitchFamily="18" charset="0"/>
+              </a:rPr>
               <a:t>M</a:t>
             </a:r>
             <a:r>
-              <a:rPr lang="en-US" sz="1400" baseline="-25000" dirty="0"/>
+              <a:rPr lang="en-US" sz="1400" baseline="-25000" dirty="0">
+                <a:latin typeface="Times New Roman" panose="02020603050405020304" pitchFamily="18" charset="0"/>
+                <a:cs typeface="Times New Roman" panose="02020603050405020304" pitchFamily="18" charset="0"/>
+              </a:rPr>
               <a:t>2</a:t>
             </a:r>
           </a:p>
@@ -6794,6 +6958,8 @@
                 <a:solidFill>
                   <a:schemeClr val="bg1"/>
                 </a:solidFill>
+                <a:latin typeface="Times New Roman" panose="02020603050405020304" pitchFamily="18" charset="0"/>
+                <a:cs typeface="Times New Roman" panose="02020603050405020304" pitchFamily="18" charset="0"/>
               </a:rPr>
               <a:t>S</a:t>
             </a:r>
@@ -6802,6 +6968,8 @@
                 <a:solidFill>
                   <a:schemeClr val="bg1"/>
                 </a:solidFill>
+                <a:latin typeface="Times New Roman" panose="02020603050405020304" pitchFamily="18" charset="0"/>
+                <a:cs typeface="Times New Roman" panose="02020603050405020304" pitchFamily="18" charset="0"/>
               </a:rPr>
               <a:t>1</a:t>
             </a:r>
@@ -6822,7 +6990,7 @@
         </p:nvSpPr>
         <p:spPr>
           <a:xfrm>
-            <a:off x="8555687" y="2350316"/>
+            <a:off x="8555687" y="2285000"/>
             <a:ext cx="352803" cy="308442"/>
           </a:xfrm>
           <a:prstGeom prst="can">
@@ -6862,6 +7030,8 @@
                 <a:solidFill>
                   <a:schemeClr val="bg1"/>
                 </a:solidFill>
+                <a:latin typeface="Times New Roman" panose="02020603050405020304" pitchFamily="18" charset="0"/>
+                <a:cs typeface="Times New Roman" panose="02020603050405020304" pitchFamily="18" charset="0"/>
               </a:rPr>
               <a:t>S</a:t>
             </a:r>
@@ -6870,6 +7040,8 @@
                 <a:solidFill>
                   <a:schemeClr val="bg1"/>
                 </a:solidFill>
+                <a:latin typeface="Times New Roman" panose="02020603050405020304" pitchFamily="18" charset="0"/>
+                <a:cs typeface="Times New Roman" panose="02020603050405020304" pitchFamily="18" charset="0"/>
               </a:rPr>
               <a:t>2</a:t>
             </a:r>
@@ -6895,7 +7067,7 @@
         <p:spPr>
           <a:xfrm>
             <a:off x="7917494" y="1436261"/>
-            <a:ext cx="638193" cy="1068276"/>
+            <a:ext cx="638193" cy="1002960"/>
           </a:xfrm>
           <a:prstGeom prst="straightConnector1">
             <a:avLst/>
@@ -6994,7 +7166,7 @@
         </p:nvCxnSpPr>
         <p:spPr>
           <a:xfrm flipV="1">
-            <a:off x="7917494" y="2504537"/>
+            <a:off x="7917494" y="2439221"/>
             <a:ext cx="638193" cy="1700"/>
           </a:xfrm>
           <a:prstGeom prst="straightConnector1">
@@ -7045,7 +7217,7 @@
         <p:spPr>
           <a:xfrm flipV="1">
             <a:off x="7917494" y="1436812"/>
-            <a:ext cx="641743" cy="1069425"/>
+            <a:ext cx="641743" cy="1004109"/>
           </a:xfrm>
           <a:prstGeom prst="straightConnector1">
             <a:avLst/>
@@ -7094,7 +7266,7 @@
         </p:nvCxnSpPr>
         <p:spPr>
           <a:xfrm>
-            <a:off x="8908490" y="2504537"/>
+            <a:off x="8908490" y="2439221"/>
             <a:ext cx="141286" cy="1189"/>
           </a:xfrm>
           <a:prstGeom prst="straightConnector1">
@@ -7192,7 +7364,7 @@
         </p:nvCxnSpPr>
         <p:spPr>
           <a:xfrm flipV="1">
-            <a:off x="7878167" y="2504537"/>
+            <a:off x="7878167" y="2439221"/>
             <a:ext cx="677520" cy="931220"/>
           </a:xfrm>
           <a:prstGeom prst="straightConnector1">
@@ -7319,7 +7491,10 @@
           <a:p>
             <a:pPr algn="ctr"/>
             <a:r>
-              <a:rPr lang="en-US" dirty="0"/>
+              <a:rPr lang="en-US" dirty="0">
+                <a:latin typeface="Times New Roman" panose="02020603050405020304" pitchFamily="18" charset="0"/>
+                <a:cs typeface="Times New Roman" panose="02020603050405020304" pitchFamily="18" charset="0"/>
+              </a:rPr>
               <a:t> </a:t>
             </a:r>
           </a:p>
@@ -7388,8 +7563,8 @@
         </p:nvSpPr>
         <p:spPr>
           <a:xfrm>
-            <a:off x="1697891" y="400088"/>
-            <a:ext cx="4183282" cy="307777"/>
+            <a:off x="1536196" y="400088"/>
+            <a:ext cx="4466787" cy="292388"/>
           </a:xfrm>
           <a:prstGeom prst="rect">
             <a:avLst/>
@@ -7404,7 +7579,10 @@
           <a:p>
             <a:pPr algn="ctr"/>
             <a:r>
-              <a:rPr lang="en-US" sz="1400" b="1" dirty="0"/>
+              <a:rPr lang="en-US" sz="1300" b="1" dirty="0">
+                <a:latin typeface="Times New Roman" panose="02020603050405020304" pitchFamily="18" charset="0"/>
+                <a:cs typeface="Times New Roman" panose="02020603050405020304" pitchFamily="18" charset="0"/>
+              </a:rPr>
               <a:t>Determine Hyper-Parameters with Highest ARI (HAPV)</a:t>
             </a:r>
           </a:p>
@@ -7425,7 +7603,7 @@
         <p:spPr>
           <a:xfrm>
             <a:off x="8029433" y="415240"/>
-            <a:ext cx="2634101" cy="523220"/>
+            <a:ext cx="2634101" cy="492443"/>
           </a:xfrm>
           <a:prstGeom prst="rect">
             <a:avLst/>
@@ -7440,7 +7618,10 @@
           <a:p>
             <a:pPr algn="ctr"/>
             <a:r>
-              <a:rPr lang="en-US" sz="1400" b="1" dirty="0"/>
+              <a:rPr lang="en-US" sz="1300" b="1" dirty="0">
+                <a:latin typeface="Times New Roman" panose="02020603050405020304" pitchFamily="18" charset="0"/>
+                <a:cs typeface="Times New Roman" panose="02020603050405020304" pitchFamily="18" charset="0"/>
+              </a:rPr>
               <a:t>Apply Models on Partitions to Generate Labels</a:t>
             </a:r>
           </a:p>
@@ -7469,7 +7650,7 @@
           </a:xfrm>
           <a:prstGeom prst="bentConnector3">
             <a:avLst>
-              <a:gd name="adj1" fmla="val -2555703"/>
+              <a:gd name="adj1" fmla="val -3903310"/>
             </a:avLst>
           </a:prstGeom>
           <a:ln w="38100" cap="flat" cmpd="sng" algn="ctr">
@@ -7553,6 +7734,8 @@
                 <a:solidFill>
                   <a:schemeClr val="bg1"/>
                 </a:solidFill>
+                <a:latin typeface="Times New Roman" panose="02020603050405020304" pitchFamily="18" charset="0"/>
+                <a:cs typeface="Times New Roman" panose="02020603050405020304" pitchFamily="18" charset="0"/>
               </a:rPr>
               <a:t>S</a:t>
             </a:r>
@@ -7561,6 +7744,8 @@
                 <a:solidFill>
                   <a:schemeClr val="bg1"/>
                 </a:solidFill>
+                <a:latin typeface="Times New Roman" panose="02020603050405020304" pitchFamily="18" charset="0"/>
+                <a:cs typeface="Times New Roman" panose="02020603050405020304" pitchFamily="18" charset="0"/>
               </a:rPr>
               <a:t>i</a:t>
             </a:r>
@@ -7621,6 +7806,8 @@
                 <a:solidFill>
                   <a:schemeClr val="tx1"/>
                 </a:solidFill>
+                <a:latin typeface="Times New Roman" panose="02020603050405020304" pitchFamily="18" charset="0"/>
+                <a:cs typeface="Times New Roman" panose="02020603050405020304" pitchFamily="18" charset="0"/>
               </a:rPr>
               <a:t>OI </a:t>
             </a:r>
@@ -7630,7 +7817,8 @@
                   <a:schemeClr val="tx1"/>
                 </a:solidFill>
                 <a:effectLst/>
-                <a:latin typeface="Google Sans"/>
+                <a:latin typeface="Times New Roman" panose="02020603050405020304" pitchFamily="18" charset="0"/>
+                <a:cs typeface="Times New Roman" panose="02020603050405020304" pitchFamily="18" charset="0"/>
               </a:rPr>
               <a:t>⊨</a:t>
             </a:r>
@@ -7640,7 +7828,8 @@
                   <a:srgbClr val="4D5156"/>
                 </a:solidFill>
                 <a:effectLst/>
-                <a:latin typeface="Google Sans"/>
+                <a:latin typeface="Times New Roman" panose="02020603050405020304" pitchFamily="18" charset="0"/>
+                <a:cs typeface="Times New Roman" panose="02020603050405020304" pitchFamily="18" charset="0"/>
               </a:rPr>
               <a:t> </a:t>
             </a:r>
@@ -7649,6 +7838,8 @@
                 <a:solidFill>
                   <a:schemeClr val="tx1"/>
                 </a:solidFill>
+                <a:latin typeface="Times New Roman" panose="02020603050405020304" pitchFamily="18" charset="0"/>
+                <a:cs typeface="Times New Roman" panose="02020603050405020304" pitchFamily="18" charset="0"/>
               </a:rPr>
               <a:t>P</a:t>
             </a:r>
@@ -7657,6 +7848,8 @@
                 <a:solidFill>
                   <a:schemeClr val="tx1"/>
                 </a:solidFill>
+                <a:latin typeface="Times New Roman" panose="02020603050405020304" pitchFamily="18" charset="0"/>
+                <a:cs typeface="Times New Roman" panose="02020603050405020304" pitchFamily="18" charset="0"/>
               </a:rPr>
               <a:t>r</a:t>
             </a:r>
@@ -7665,6 +7858,8 @@
                 <a:solidFill>
                   <a:schemeClr val="tx1"/>
                 </a:solidFill>
+                <a:latin typeface="Times New Roman" panose="02020603050405020304" pitchFamily="18" charset="0"/>
+                <a:cs typeface="Times New Roman" panose="02020603050405020304" pitchFamily="18" charset="0"/>
               </a:rPr>
               <a:t>:v</a:t>
             </a:r>
@@ -7673,6 +7868,8 @@
                 <a:solidFill>
                   <a:schemeClr val="tx1"/>
                 </a:solidFill>
+                <a:latin typeface="Times New Roman" panose="02020603050405020304" pitchFamily="18" charset="0"/>
+                <a:cs typeface="Times New Roman" panose="02020603050405020304" pitchFamily="18" charset="0"/>
               </a:rPr>
               <a:t>r_h</a:t>
             </a:r>
@@ -7680,6 +7877,8 @@
               <a:solidFill>
                 <a:schemeClr val="tx1"/>
               </a:solidFill>
+              <a:latin typeface="Times New Roman" panose="02020603050405020304" pitchFamily="18" charset="0"/>
+              <a:cs typeface="Times New Roman" panose="02020603050405020304" pitchFamily="18" charset="0"/>
             </a:endParaRPr>
           </a:p>
         </p:txBody>
@@ -7734,17 +7933,21 @@
           <a:p>
             <a:pPr algn="ctr"/>
             <a:r>
-              <a:rPr lang="en-US" sz="1400" dirty="0" err="1">
+              <a:rPr lang="en-US" sz="1400">
                 <a:solidFill>
                   <a:schemeClr val="tx1"/>
                 </a:solidFill>
-              </a:rPr>
-              <a:t>KMeans</a:t>
+                <a:latin typeface="Times New Roman" panose="02020603050405020304" pitchFamily="18" charset="0"/>
+                <a:cs typeface="Times New Roman" panose="02020603050405020304" pitchFamily="18" charset="0"/>
+              </a:rPr>
+              <a:t>Validator</a:t>
             </a:r>
             <a:endParaRPr lang="en-US" sz="1400" dirty="0">
               <a:solidFill>
                 <a:schemeClr val="tx1"/>
               </a:solidFill>
+              <a:latin typeface="Times New Roman" panose="02020603050405020304" pitchFamily="18" charset="0"/>
+              <a:cs typeface="Times New Roman" panose="02020603050405020304" pitchFamily="18" charset="0"/>
             </a:endParaRPr>
           </a:p>
         </p:txBody>
@@ -7961,8 +8164,8 @@
         </p:nvSpPr>
         <p:spPr>
           <a:xfrm>
-            <a:off x="4931086" y="1062990"/>
-            <a:ext cx="827403" cy="3008264"/>
+            <a:off x="4931086" y="854619"/>
+            <a:ext cx="827403" cy="3216635"/>
           </a:xfrm>
           <a:prstGeom prst="rect">
             <a:avLst/>
@@ -7995,7 +8198,10 @@
           <a:lstStyle/>
           <a:p>
             <a:pPr algn="ctr"/>
-            <a:endParaRPr lang="en-US"/>
+            <a:endParaRPr lang="en-US">
+              <a:latin typeface="Times New Roman" panose="02020603050405020304" pitchFamily="18" charset="0"/>
+              <a:cs typeface="Times New Roman" panose="02020603050405020304" pitchFamily="18" charset="0"/>
+            </a:endParaRPr>
           </a:p>
         </p:txBody>
       </p:sp>
@@ -8013,7 +8219,7 @@
         </p:nvSpPr>
         <p:spPr>
           <a:xfrm>
-            <a:off x="5016267" y="2555163"/>
+            <a:off x="5016267" y="2437361"/>
             <a:ext cx="655943" cy="276999"/>
           </a:xfrm>
           <a:prstGeom prst="rect">
@@ -8033,6 +8239,8 @@
                 <a:solidFill>
                   <a:schemeClr val="tx1"/>
                 </a:solidFill>
+                <a:latin typeface="Times New Roman" panose="02020603050405020304" pitchFamily="18" charset="0"/>
+                <a:cs typeface="Times New Roman" panose="02020603050405020304" pitchFamily="18" charset="0"/>
               </a:rPr>
               <a:t>P</a:t>
             </a:r>
@@ -8041,6 +8249,8 @@
                 <a:solidFill>
                   <a:schemeClr val="tx1"/>
                 </a:solidFill>
+                <a:latin typeface="Times New Roman" panose="02020603050405020304" pitchFamily="18" charset="0"/>
+                <a:cs typeface="Times New Roman" panose="02020603050405020304" pitchFamily="18" charset="0"/>
               </a:rPr>
               <a:t>1</a:t>
             </a:r>
@@ -8049,6 +8259,8 @@
                 <a:solidFill>
                   <a:schemeClr val="tx1"/>
                 </a:solidFill>
+                <a:latin typeface="Times New Roman" panose="02020603050405020304" pitchFamily="18" charset="0"/>
+                <a:cs typeface="Times New Roman" panose="02020603050405020304" pitchFamily="18" charset="0"/>
               </a:rPr>
               <a:t>:v</a:t>
             </a:r>
@@ -8057,6 +8269,8 @@
                 <a:solidFill>
                   <a:schemeClr val="tx1"/>
                 </a:solidFill>
+                <a:latin typeface="Times New Roman" panose="02020603050405020304" pitchFamily="18" charset="0"/>
+                <a:cs typeface="Times New Roman" panose="02020603050405020304" pitchFamily="18" charset="0"/>
               </a:rPr>
               <a:t>1_2</a:t>
             </a:r>
@@ -8077,7 +8291,7 @@
         </p:nvSpPr>
         <p:spPr>
           <a:xfrm>
-            <a:off x="4857714" y="1025333"/>
+            <a:off x="4856791" y="873966"/>
             <a:ext cx="967003" cy="1384995"/>
           </a:xfrm>
           <a:prstGeom prst="rect">
@@ -8097,6 +8311,8 @@
                 <a:solidFill>
                   <a:schemeClr val="tx1"/>
                 </a:solidFill>
+                <a:latin typeface="Times New Roman" panose="02020603050405020304" pitchFamily="18" charset="0"/>
+                <a:cs typeface="Times New Roman" panose="02020603050405020304" pitchFamily="18" charset="0"/>
               </a:rPr>
               <a:t>Choose Hyper-parameter with Maximum Similarity</a:t>
             </a:r>
@@ -8120,13 +8336,13 @@
           <p:nvPr/>
         </p:nvCxnSpPr>
         <p:spPr>
-          <a:xfrm flipV="1">
-            <a:off x="5758489" y="2529916"/>
-            <a:ext cx="918772" cy="37206"/>
+          <a:xfrm>
+            <a:off x="5758489" y="2462937"/>
+            <a:ext cx="918772" cy="1663"/>
           </a:xfrm>
           <a:prstGeom prst="bentConnector3">
             <a:avLst>
-              <a:gd name="adj1" fmla="val 71611"/>
+              <a:gd name="adj1" fmla="val 50000"/>
             </a:avLst>
           </a:prstGeom>
           <a:ln w="38100" cap="flat" cmpd="sng" algn="ctr">
@@ -8188,6 +8404,8 @@
                 <a:solidFill>
                   <a:schemeClr val="tx2"/>
                 </a:solidFill>
+                <a:latin typeface="Times New Roman" panose="02020603050405020304" pitchFamily="18" charset="0"/>
+                <a:cs typeface="Times New Roman" panose="02020603050405020304" pitchFamily="18" charset="0"/>
               </a:rPr>
               <a:t>Models</a:t>
             </a:r>
@@ -8195,6 +8413,8 @@
               <a:solidFill>
                 <a:schemeClr val="tx2"/>
               </a:solidFill>
+              <a:latin typeface="Times New Roman" panose="02020603050405020304" pitchFamily="18" charset="0"/>
+              <a:cs typeface="Times New Roman" panose="02020603050405020304" pitchFamily="18" charset="0"/>
             </a:endParaRPr>
           </a:p>
         </p:txBody>
@@ -8233,6 +8453,8 @@
                 <a:solidFill>
                   <a:schemeClr val="tx2"/>
                 </a:solidFill>
+                <a:latin typeface="Times New Roman" panose="02020603050405020304" pitchFamily="18" charset="0"/>
+                <a:cs typeface="Times New Roman" panose="02020603050405020304" pitchFamily="18" charset="0"/>
               </a:rPr>
               <a:t>Labels</a:t>
             </a:r>
@@ -8240,6 +8462,8 @@
               <a:solidFill>
                 <a:schemeClr val="tx2"/>
               </a:solidFill>
+              <a:latin typeface="Times New Roman" panose="02020603050405020304" pitchFamily="18" charset="0"/>
+              <a:cs typeface="Times New Roman" panose="02020603050405020304" pitchFamily="18" charset="0"/>
             </a:endParaRPr>
           </a:p>
         </p:txBody>
@@ -8364,11 +8588,16 @@
                 <a:solidFill>
                   <a:schemeClr val="tx1"/>
                 </a:solidFill>
+                <a:latin typeface="Times New Roman" panose="02020603050405020304" pitchFamily="18" charset="0"/>
+                <a:cs typeface="Times New Roman" panose="02020603050405020304" pitchFamily="18" charset="0"/>
               </a:rPr>
               <a:t>P</a:t>
             </a:r>
             <a:r>
-              <a:rPr lang="en-US" sz="1200" baseline="-25000" dirty="0" err="1"/>
+              <a:rPr lang="en-US" sz="1200" baseline="-25000" dirty="0" err="1">
+                <a:latin typeface="Times New Roman" panose="02020603050405020304" pitchFamily="18" charset="0"/>
+                <a:cs typeface="Times New Roman" panose="02020603050405020304" pitchFamily="18" charset="0"/>
+              </a:rPr>
               <a:t>r</a:t>
             </a:r>
             <a:r>
@@ -8376,6 +8605,8 @@
                 <a:solidFill>
                   <a:schemeClr val="tx1"/>
                 </a:solidFill>
+                <a:latin typeface="Times New Roman" panose="02020603050405020304" pitchFamily="18" charset="0"/>
+                <a:cs typeface="Times New Roman" panose="02020603050405020304" pitchFamily="18" charset="0"/>
               </a:rPr>
               <a:t>:v</a:t>
             </a:r>
@@ -8384,6 +8615,8 @@
                 <a:solidFill>
                   <a:schemeClr val="tx1"/>
                 </a:solidFill>
+                <a:latin typeface="Times New Roman" panose="02020603050405020304" pitchFamily="18" charset="0"/>
+                <a:cs typeface="Times New Roman" panose="02020603050405020304" pitchFamily="18" charset="0"/>
               </a:rPr>
               <a:t>r_h</a:t>
             </a:r>
@@ -8391,6 +8624,8 @@
               <a:solidFill>
                 <a:schemeClr val="tx1"/>
               </a:solidFill>
+              <a:latin typeface="Times New Roman" panose="02020603050405020304" pitchFamily="18" charset="0"/>
+              <a:cs typeface="Times New Roman" panose="02020603050405020304" pitchFamily="18" charset="0"/>
             </a:endParaRPr>
           </a:p>
         </p:txBody>
@@ -8443,7 +8678,10 @@
           <a:lstStyle/>
           <a:p>
             <a:pPr algn="ctr"/>
-            <a:endParaRPr lang="en-US" sz="1200"/>
+            <a:endParaRPr lang="en-US" sz="1200">
+              <a:latin typeface="Times New Roman" panose="02020603050405020304" pitchFamily="18" charset="0"/>
+              <a:cs typeface="Times New Roman" panose="02020603050405020304" pitchFamily="18" charset="0"/>
+            </a:endParaRPr>
           </a:p>
         </p:txBody>
       </p:sp>
@@ -8495,7 +8733,10 @@
           <a:lstStyle/>
           <a:p>
             <a:pPr algn="ctr"/>
-            <a:endParaRPr lang="en-US" sz="1200"/>
+            <a:endParaRPr lang="en-US" sz="1200">
+              <a:latin typeface="Times New Roman" panose="02020603050405020304" pitchFamily="18" charset="0"/>
+              <a:cs typeface="Times New Roman" panose="02020603050405020304" pitchFamily="18" charset="0"/>
+            </a:endParaRPr>
           </a:p>
         </p:txBody>
       </p:sp>
@@ -8547,7 +8788,10 @@
           <a:lstStyle/>
           <a:p>
             <a:pPr algn="ctr"/>
-            <a:endParaRPr lang="en-US" sz="1200"/>
+            <a:endParaRPr lang="en-US" sz="1200">
+              <a:latin typeface="Times New Roman" panose="02020603050405020304" pitchFamily="18" charset="0"/>
+              <a:cs typeface="Times New Roman" panose="02020603050405020304" pitchFamily="18" charset="0"/>
+            </a:endParaRPr>
           </a:p>
         </p:txBody>
       </p:sp>
@@ -8570,11 +8814,11 @@
         <p:spPr>
           <a:xfrm>
             <a:off x="4783612" y="2574720"/>
-            <a:ext cx="232655" cy="118943"/>
+            <a:ext cx="232655" cy="1141"/>
           </a:xfrm>
           <a:prstGeom prst="bentConnector3">
             <a:avLst>
-              <a:gd name="adj1" fmla="val 14729"/>
+              <a:gd name="adj1" fmla="val 50000"/>
             </a:avLst>
           </a:prstGeom>
           <a:ln w="28575" cap="flat" cmpd="sng" algn="ctr">
@@ -8621,11 +8865,11 @@
         <p:spPr>
           <a:xfrm>
             <a:off x="4782597" y="1328695"/>
-            <a:ext cx="233670" cy="1364968"/>
+            <a:ext cx="233670" cy="1247166"/>
           </a:xfrm>
           <a:prstGeom prst="bentConnector3">
             <a:avLst>
-              <a:gd name="adj1" fmla="val 14882"/>
+              <a:gd name="adj1" fmla="val 26707"/>
             </a:avLst>
           </a:prstGeom>
           <a:ln w="19050" cap="flat" cmpd="sng" algn="ctr">
@@ -8667,8 +8911,8 @@
         </p:nvSpPr>
         <p:spPr>
           <a:xfrm>
-            <a:off x="5013798" y="2488052"/>
-            <a:ext cx="658749" cy="1460156"/>
+            <a:off x="5013798" y="2350924"/>
+            <a:ext cx="658749" cy="1597284"/>
           </a:xfrm>
           <a:prstGeom prst="rect">
             <a:avLst/>
@@ -8701,7 +8945,10 @@
           <a:lstStyle/>
           <a:p>
             <a:pPr algn="ctr"/>
-            <a:endParaRPr lang="en-US"/>
+            <a:endParaRPr lang="en-US">
+              <a:latin typeface="Times New Roman" panose="02020603050405020304" pitchFamily="18" charset="0"/>
+              <a:cs typeface="Times New Roman" panose="02020603050405020304" pitchFamily="18" charset="0"/>
+            </a:endParaRPr>
           </a:p>
         </p:txBody>
       </p:sp>
@@ -8770,8 +9017,8 @@
         </p:nvSpPr>
         <p:spPr>
           <a:xfrm>
-            <a:off x="5795380" y="2252298"/>
-            <a:ext cx="618065" cy="307777"/>
+            <a:off x="5795624" y="2154063"/>
+            <a:ext cx="640629" cy="276999"/>
           </a:xfrm>
           <a:prstGeom prst="rect">
             <a:avLst/>
@@ -8786,13 +9033,23 @@
           <a:p>
             <a:pPr algn="ctr"/>
             <a:r>
-              <a:rPr lang="en-US" sz="1400" dirty="0"/>
+              <a:rPr lang="en-US" sz="1200" dirty="0">
+                <a:latin typeface="Times New Roman" panose="02020603050405020304" pitchFamily="18" charset="0"/>
+                <a:cs typeface="Times New Roman" panose="02020603050405020304" pitchFamily="18" charset="0"/>
+              </a:rPr>
               <a:t>OI</a:t>
             </a:r>
             <a:r>
-              <a:rPr lang="en-US" sz="1400" baseline="-25000" dirty="0"/>
+              <a:rPr lang="en-US" sz="1200" baseline="-25000" dirty="0">
+                <a:latin typeface="Times New Roman" panose="02020603050405020304" pitchFamily="18" charset="0"/>
+                <a:cs typeface="Times New Roman" panose="02020603050405020304" pitchFamily="18" charset="0"/>
+              </a:rPr>
               <a:t>HAPV</a:t>
             </a:r>
+            <a:endParaRPr lang="en-US" sz="1400" baseline="-25000" dirty="0">
+              <a:latin typeface="Times New Roman" panose="02020603050405020304" pitchFamily="18" charset="0"/>
+              <a:cs typeface="Times New Roman" panose="02020603050405020304" pitchFamily="18" charset="0"/>
+            </a:endParaRPr>
           </a:p>
         </p:txBody>
       </p:sp>
@@ -8847,6 +9104,8 @@
               <a:solidFill>
                 <a:schemeClr val="tx1"/>
               </a:solidFill>
+              <a:latin typeface="Times New Roman" panose="02020603050405020304" pitchFamily="18" charset="0"/>
+              <a:cs typeface="Times New Roman" panose="02020603050405020304" pitchFamily="18" charset="0"/>
             </a:endParaRPr>
           </a:p>
         </p:txBody>
@@ -8885,6 +9144,8 @@
                 <a:solidFill>
                   <a:schemeClr val="tx2"/>
                 </a:solidFill>
+                <a:latin typeface="Times New Roman" panose="02020603050405020304" pitchFamily="18" charset="0"/>
+                <a:cs typeface="Times New Roman" panose="02020603050405020304" pitchFamily="18" charset="0"/>
               </a:rPr>
               <a:t>Run OI</a:t>
             </a:r>
@@ -8893,6 +9154,8 @@
                 <a:solidFill>
                   <a:schemeClr val="tx2"/>
                 </a:solidFill>
+                <a:latin typeface="Times New Roman" panose="02020603050405020304" pitchFamily="18" charset="0"/>
+                <a:cs typeface="Times New Roman" panose="02020603050405020304" pitchFamily="18" charset="0"/>
               </a:rPr>
               <a:t>HAPV</a:t>
             </a:r>
@@ -8901,6 +9164,8 @@
                 <a:solidFill>
                   <a:schemeClr val="tx2"/>
                 </a:solidFill>
+                <a:latin typeface="Times New Roman" panose="02020603050405020304" pitchFamily="18" charset="0"/>
+                <a:cs typeface="Times New Roman" panose="02020603050405020304" pitchFamily="18" charset="0"/>
               </a:rPr>
               <a:t> on Partitions</a:t>
             </a:r>
@@ -8908,6 +9173,8 @@
               <a:solidFill>
                 <a:schemeClr val="tx2"/>
               </a:solidFill>
+              <a:latin typeface="Times New Roman" panose="02020603050405020304" pitchFamily="18" charset="0"/>
+              <a:cs typeface="Times New Roman" panose="02020603050405020304" pitchFamily="18" charset="0"/>
             </a:endParaRPr>
           </a:p>
         </p:txBody>
@@ -8926,7 +9193,7 @@
         </p:nvSpPr>
         <p:spPr>
           <a:xfrm flipH="1">
-            <a:off x="6471284" y="2207805"/>
+            <a:off x="6471284" y="2142489"/>
             <a:ext cx="745596" cy="598150"/>
           </a:xfrm>
           <a:prstGeom prst="flowChartPunchedCard">
@@ -8963,6 +9230,8 @@
               <a:solidFill>
                 <a:schemeClr val="tx1"/>
               </a:solidFill>
+              <a:latin typeface="Times New Roman" panose="02020603050405020304" pitchFamily="18" charset="0"/>
+              <a:cs typeface="Times New Roman" panose="02020603050405020304" pitchFamily="18" charset="0"/>
             </a:endParaRPr>
           </a:p>
         </p:txBody>
@@ -9022,6 +9291,8 @@
               <a:solidFill>
                 <a:schemeClr val="bg1"/>
               </a:solidFill>
+              <a:latin typeface="Times New Roman" panose="02020603050405020304" pitchFamily="18" charset="0"/>
+              <a:cs typeface="Times New Roman" panose="02020603050405020304" pitchFamily="18" charset="0"/>
             </a:endParaRPr>
           </a:p>
         </p:txBody>
@@ -9082,6 +9353,8 @@
                 <a:solidFill>
                   <a:schemeClr val="bg1"/>
                 </a:solidFill>
+                <a:latin typeface="Times New Roman" panose="02020603050405020304" pitchFamily="18" charset="0"/>
+                <a:cs typeface="Times New Roman" panose="02020603050405020304" pitchFamily="18" charset="0"/>
               </a:rPr>
               <a:t>S</a:t>
             </a:r>
@@ -9090,6 +9363,8 @@
                 <a:solidFill>
                   <a:schemeClr val="bg1"/>
                 </a:solidFill>
+                <a:latin typeface="Times New Roman" panose="02020603050405020304" pitchFamily="18" charset="0"/>
+                <a:cs typeface="Times New Roman" panose="02020603050405020304" pitchFamily="18" charset="0"/>
               </a:rPr>
               <a:t>i</a:t>
             </a:r>
@@ -9144,7 +9419,10 @@
           <a:lstStyle/>
           <a:p>
             <a:pPr algn="ctr"/>
-            <a:endParaRPr lang="en-US"/>
+            <a:endParaRPr lang="en-US">
+              <a:latin typeface="Times New Roman" panose="02020603050405020304" pitchFamily="18" charset="0"/>
+              <a:cs typeface="Times New Roman" panose="02020603050405020304" pitchFamily="18" charset="0"/>
+            </a:endParaRPr>
           </a:p>
         </p:txBody>
       </p:sp>
@@ -9196,7 +9474,10 @@
           <a:lstStyle/>
           <a:p>
             <a:pPr algn="ctr"/>
-            <a:endParaRPr lang="en-US"/>
+            <a:endParaRPr lang="en-US">
+              <a:latin typeface="Times New Roman" panose="02020603050405020304" pitchFamily="18" charset="0"/>
+              <a:cs typeface="Times New Roman" panose="02020603050405020304" pitchFamily="18" charset="0"/>
+            </a:endParaRPr>
           </a:p>
         </p:txBody>
       </p:sp>
@@ -9248,7 +9529,10 @@
           <a:lstStyle/>
           <a:p>
             <a:pPr algn="ctr"/>
-            <a:endParaRPr lang="en-US"/>
+            <a:endParaRPr lang="en-US">
+              <a:latin typeface="Times New Roman" panose="02020603050405020304" pitchFamily="18" charset="0"/>
+              <a:cs typeface="Times New Roman" panose="02020603050405020304" pitchFamily="18" charset="0"/>
+            </a:endParaRPr>
           </a:p>
         </p:txBody>
       </p:sp>
@@ -9351,7 +9635,10 @@
           <a:lstStyle/>
           <a:p>
             <a:pPr algn="ctr"/>
-            <a:endParaRPr lang="en-US"/>
+            <a:endParaRPr lang="en-US">
+              <a:latin typeface="Times New Roman" panose="02020603050405020304" pitchFamily="18" charset="0"/>
+              <a:cs typeface="Times New Roman" panose="02020603050405020304" pitchFamily="18" charset="0"/>
+            </a:endParaRPr>
           </a:p>
         </p:txBody>
       </p:sp>
@@ -9403,7 +9690,10 @@
           <a:lstStyle/>
           <a:p>
             <a:pPr algn="ctr"/>
-            <a:endParaRPr lang="en-US"/>
+            <a:endParaRPr lang="en-US">
+              <a:latin typeface="Times New Roman" panose="02020603050405020304" pitchFamily="18" charset="0"/>
+              <a:cs typeface="Times New Roman" panose="02020603050405020304" pitchFamily="18" charset="0"/>
+            </a:endParaRPr>
           </a:p>
         </p:txBody>
       </p:sp>
@@ -9455,7 +9745,10 @@
           <a:lstStyle/>
           <a:p>
             <a:pPr algn="ctr"/>
-            <a:endParaRPr lang="en-US"/>
+            <a:endParaRPr lang="en-US">
+              <a:latin typeface="Times New Roman" panose="02020603050405020304" pitchFamily="18" charset="0"/>
+              <a:cs typeface="Times New Roman" panose="02020603050405020304" pitchFamily="18" charset="0"/>
+            </a:endParaRPr>
           </a:p>
         </p:txBody>
       </p:sp>
@@ -9507,7 +9800,10 @@
           <a:lstStyle/>
           <a:p>
             <a:pPr algn="ctr"/>
-            <a:endParaRPr lang="en-US"/>
+            <a:endParaRPr lang="en-US">
+              <a:latin typeface="Times New Roman" panose="02020603050405020304" pitchFamily="18" charset="0"/>
+              <a:cs typeface="Times New Roman" panose="02020603050405020304" pitchFamily="18" charset="0"/>
+            </a:endParaRPr>
           </a:p>
         </p:txBody>
       </p:sp>
@@ -9559,7 +9855,10 @@
           <a:lstStyle/>
           <a:p>
             <a:pPr algn="ctr"/>
-            <a:endParaRPr lang="en-US"/>
+            <a:endParaRPr lang="en-US">
+              <a:latin typeface="Times New Roman" panose="02020603050405020304" pitchFamily="18" charset="0"/>
+              <a:cs typeface="Times New Roman" panose="02020603050405020304" pitchFamily="18" charset="0"/>
+            </a:endParaRPr>
           </a:p>
         </p:txBody>
       </p:sp>
@@ -9611,7 +9910,10 @@
           <a:lstStyle/>
           <a:p>
             <a:pPr algn="ctr"/>
-            <a:endParaRPr lang="en-US"/>
+            <a:endParaRPr lang="en-US">
+              <a:latin typeface="Times New Roman" panose="02020603050405020304" pitchFamily="18" charset="0"/>
+              <a:cs typeface="Times New Roman" panose="02020603050405020304" pitchFamily="18" charset="0"/>
+            </a:endParaRPr>
           </a:p>
         </p:txBody>
       </p:sp>
@@ -9656,7 +9958,10 @@
           <a:lstStyle/>
           <a:p>
             <a:pPr algn="ctr"/>
-            <a:endParaRPr lang="en-US" sz="1200" dirty="0"/>
+            <a:endParaRPr lang="en-US" sz="1200" dirty="0">
+              <a:latin typeface="Times New Roman" panose="02020603050405020304" pitchFamily="18" charset="0"/>
+              <a:cs typeface="Times New Roman" panose="02020603050405020304" pitchFamily="18" charset="0"/>
+            </a:endParaRPr>
           </a:p>
         </p:txBody>
       </p:sp>
@@ -9675,7 +9980,7 @@
         <p:spPr>
           <a:xfrm>
             <a:off x="3571734" y="2415081"/>
-            <a:ext cx="1089891" cy="307777"/>
+            <a:ext cx="1089891" cy="276999"/>
           </a:xfrm>
           <a:prstGeom prst="rect">
             <a:avLst/>
@@ -9690,11 +9995,17 @@
           <a:p>
             <a:pPr algn="ctr"/>
             <a:r>
-              <a:rPr lang="en-US" sz="1400" b="1" dirty="0"/>
+              <a:rPr lang="en-US" sz="1200" b="1" dirty="0">
+                <a:latin typeface="Times New Roman" panose="02020603050405020304" pitchFamily="18" charset="0"/>
+                <a:cs typeface="Times New Roman" panose="02020603050405020304" pitchFamily="18" charset="0"/>
+              </a:rPr>
               <a:t>Similarity</a:t>
             </a:r>
             <a:r>
-              <a:rPr lang="en-US" sz="1400" b="1" baseline="-25000" dirty="0"/>
+              <a:rPr lang="en-US" sz="1200" b="1" baseline="-25000" dirty="0">
+                <a:latin typeface="Times New Roman" panose="02020603050405020304" pitchFamily="18" charset="0"/>
+                <a:cs typeface="Times New Roman" panose="02020603050405020304" pitchFamily="18" charset="0"/>
+              </a:rPr>
               <a:t>1_2</a:t>
             </a:r>
           </a:p>
@@ -9741,7 +10052,10 @@
           <a:lstStyle/>
           <a:p>
             <a:pPr algn="ctr"/>
-            <a:endParaRPr lang="en-US" sz="1200" dirty="0"/>
+            <a:endParaRPr lang="en-US" sz="1200" dirty="0">
+              <a:latin typeface="Times New Roman" panose="02020603050405020304" pitchFamily="18" charset="0"/>
+              <a:cs typeface="Times New Roman" panose="02020603050405020304" pitchFamily="18" charset="0"/>
+            </a:endParaRPr>
           </a:p>
         </p:txBody>
       </p:sp>
@@ -9760,7 +10074,7 @@
         <p:spPr>
           <a:xfrm>
             <a:off x="3574223" y="3622998"/>
-            <a:ext cx="1087402" cy="307777"/>
+            <a:ext cx="1087402" cy="276999"/>
           </a:xfrm>
           <a:prstGeom prst="rect">
             <a:avLst/>
@@ -9775,14 +10089,23 @@
           <a:p>
             <a:pPr algn="ctr"/>
             <a:r>
-              <a:rPr lang="en-US" sz="1400" b="1" dirty="0" err="1"/>
+              <a:rPr lang="en-US" sz="1200" b="1" dirty="0" err="1">
+                <a:latin typeface="Times New Roman" panose="02020603050405020304" pitchFamily="18" charset="0"/>
+                <a:cs typeface="Times New Roman" panose="02020603050405020304" pitchFamily="18" charset="0"/>
+              </a:rPr>
               <a:t>Similarity</a:t>
             </a:r>
             <a:r>
-              <a:rPr lang="en-US" sz="1400" b="1" baseline="-25000" dirty="0" err="1"/>
+              <a:rPr lang="en-US" sz="1200" b="1" baseline="-25000" dirty="0" err="1">
+                <a:latin typeface="Times New Roman" panose="02020603050405020304" pitchFamily="18" charset="0"/>
+                <a:cs typeface="Times New Roman" panose="02020603050405020304" pitchFamily="18" charset="0"/>
+              </a:rPr>
               <a:t>r_h</a:t>
             </a:r>
-            <a:endParaRPr lang="en-US" sz="1400" b="1" baseline="-25000" dirty="0"/>
+            <a:endParaRPr lang="en-US" sz="1200" b="1" baseline="-25000" dirty="0">
+              <a:latin typeface="Times New Roman" panose="02020603050405020304" pitchFamily="18" charset="0"/>
+              <a:cs typeface="Times New Roman" panose="02020603050405020304" pitchFamily="18" charset="0"/>
+            </a:endParaRPr>
           </a:p>
         </p:txBody>
       </p:sp>
@@ -9801,7 +10124,7 @@
         <p:spPr>
           <a:xfrm>
             <a:off x="6349563" y="412508"/>
-            <a:ext cx="1333295" cy="738664"/>
+            <a:ext cx="1333295" cy="692497"/>
           </a:xfrm>
           <a:prstGeom prst="rect">
             <a:avLst/>
@@ -9816,14 +10139,23 @@
           <a:p>
             <a:pPr algn="ctr"/>
             <a:r>
-              <a:rPr lang="en-US" sz="1400" b="1" dirty="0"/>
+              <a:rPr lang="en-US" sz="1300" b="1" dirty="0">
+                <a:latin typeface="Times New Roman" panose="02020603050405020304" pitchFamily="18" charset="0"/>
+                <a:cs typeface="Times New Roman" panose="02020603050405020304" pitchFamily="18" charset="0"/>
+              </a:rPr>
               <a:t>Generate Models Using OI</a:t>
             </a:r>
             <a:r>
-              <a:rPr lang="en-US" sz="1400" b="1" baseline="-25000" dirty="0"/>
+              <a:rPr lang="en-US" sz="1300" b="1" baseline="-25000" dirty="0">
+                <a:latin typeface="Times New Roman" panose="02020603050405020304" pitchFamily="18" charset="0"/>
+                <a:cs typeface="Times New Roman" panose="02020603050405020304" pitchFamily="18" charset="0"/>
+              </a:rPr>
               <a:t>HAPV</a:t>
             </a:r>
-            <a:endParaRPr lang="en-US" sz="1400" b="1" dirty="0"/>
+            <a:endParaRPr lang="en-US" sz="1300" b="1" dirty="0">
+              <a:latin typeface="Times New Roman" panose="02020603050405020304" pitchFamily="18" charset="0"/>
+              <a:cs typeface="Times New Roman" panose="02020603050405020304" pitchFamily="18" charset="0"/>
+            </a:endParaRPr>
           </a:p>
         </p:txBody>
       </p:sp>
@@ -9856,23 +10188,38 @@
           <a:lstStyle/>
           <a:p>
             <a:r>
-              <a:rPr lang="en-US" sz="1200" b="1" i="1" dirty="0" err="1"/>
+              <a:rPr lang="en-US" sz="1200" b="1" i="1" dirty="0" err="1">
+                <a:latin typeface="Times New Roman" panose="02020603050405020304" pitchFamily="18" charset="0"/>
+                <a:cs typeface="Times New Roman" panose="02020603050405020304" pitchFamily="18" charset="0"/>
+              </a:rPr>
               <a:t>i</a:t>
             </a:r>
             <a:r>
-              <a:rPr lang="en-US" sz="1200" i="1" dirty="0"/>
+              <a:rPr lang="en-US" sz="1200" i="1" dirty="0">
+                <a:latin typeface="Times New Roman" panose="02020603050405020304" pitchFamily="18" charset="0"/>
+                <a:cs typeface="Times New Roman" panose="02020603050405020304" pitchFamily="18" charset="0"/>
+              </a:rPr>
               <a:t> </a:t>
             </a:r>
             <a:r>
-              <a:rPr lang="en-US" sz="1200" dirty="0"/>
+              <a:rPr lang="en-US" sz="1200" dirty="0">
+                <a:latin typeface="Times New Roman" panose="02020603050405020304" pitchFamily="18" charset="0"/>
+                <a:cs typeface="Times New Roman" panose="02020603050405020304" pitchFamily="18" charset="0"/>
+              </a:rPr>
               <a:t>= Number of possible values across </a:t>
             </a:r>
             <a:r>
-              <a:rPr lang="en-US" sz="1200" b="1" i="1" dirty="0"/>
+              <a:rPr lang="en-US" sz="1200" b="1" i="1" dirty="0">
+                <a:latin typeface="Times New Roman" panose="02020603050405020304" pitchFamily="18" charset="0"/>
+                <a:cs typeface="Times New Roman" panose="02020603050405020304" pitchFamily="18" charset="0"/>
+              </a:rPr>
               <a:t>r</a:t>
             </a:r>
             <a:r>
-              <a:rPr lang="en-US" sz="1200" dirty="0"/>
+              <a:rPr lang="en-US" sz="1200" dirty="0">
+                <a:latin typeface="Times New Roman" panose="02020603050405020304" pitchFamily="18" charset="0"/>
+                <a:cs typeface="Times New Roman" panose="02020603050405020304" pitchFamily="18" charset="0"/>
+              </a:rPr>
               <a:t> hyper-parameters  </a:t>
             </a:r>
           </a:p>
@@ -9926,7 +10273,10 @@
           <a:lstStyle/>
           <a:p>
             <a:pPr algn="ctr"/>
-            <a:endParaRPr lang="en-US" sz="1200"/>
+            <a:endParaRPr lang="en-US" sz="1200">
+              <a:latin typeface="Times New Roman" panose="02020603050405020304" pitchFamily="18" charset="0"/>
+              <a:cs typeface="Times New Roman" panose="02020603050405020304" pitchFamily="18" charset="0"/>
+            </a:endParaRPr>
           </a:p>
         </p:txBody>
       </p:sp>
@@ -9978,7 +10328,10 @@
           <a:lstStyle/>
           <a:p>
             <a:pPr algn="ctr"/>
-            <a:endParaRPr lang="en-US" sz="1200"/>
+            <a:endParaRPr lang="en-US" sz="1200">
+              <a:latin typeface="Times New Roman" panose="02020603050405020304" pitchFamily="18" charset="0"/>
+              <a:cs typeface="Times New Roman" panose="02020603050405020304" pitchFamily="18" charset="0"/>
+            </a:endParaRPr>
           </a:p>
         </p:txBody>
       </p:sp>
@@ -10030,7 +10383,10 @@
           <a:lstStyle/>
           <a:p>
             <a:pPr algn="ctr"/>
-            <a:endParaRPr lang="en-US" sz="1200"/>
+            <a:endParaRPr lang="en-US" sz="1200">
+              <a:latin typeface="Times New Roman" panose="02020603050405020304" pitchFamily="18" charset="0"/>
+              <a:cs typeface="Times New Roman" panose="02020603050405020304" pitchFamily="18" charset="0"/>
+            </a:endParaRPr>
           </a:p>
         </p:txBody>
       </p:sp>
@@ -10082,7 +10438,10 @@
           <a:lstStyle/>
           <a:p>
             <a:pPr algn="ctr"/>
-            <a:endParaRPr lang="en-US" sz="1200"/>
+            <a:endParaRPr lang="en-US" sz="1200">
+              <a:latin typeface="Times New Roman" panose="02020603050405020304" pitchFamily="18" charset="0"/>
+              <a:cs typeface="Times New Roman" panose="02020603050405020304" pitchFamily="18" charset="0"/>
+            </a:endParaRPr>
           </a:p>
         </p:txBody>
       </p:sp>
@@ -10134,7 +10493,10 @@
           <a:lstStyle/>
           <a:p>
             <a:pPr algn="ctr"/>
-            <a:endParaRPr lang="en-US" sz="1200"/>
+            <a:endParaRPr lang="en-US" sz="1200">
+              <a:latin typeface="Times New Roman" panose="02020603050405020304" pitchFamily="18" charset="0"/>
+              <a:cs typeface="Times New Roman" panose="02020603050405020304" pitchFamily="18" charset="0"/>
+            </a:endParaRPr>
           </a:p>
         </p:txBody>
       </p:sp>
@@ -10186,7 +10548,10 @@
           <a:lstStyle/>
           <a:p>
             <a:pPr algn="ctr"/>
-            <a:endParaRPr lang="en-US" sz="1200"/>
+            <a:endParaRPr lang="en-US" sz="1200">
+              <a:latin typeface="Times New Roman" panose="02020603050405020304" pitchFamily="18" charset="0"/>
+              <a:cs typeface="Times New Roman" panose="02020603050405020304" pitchFamily="18" charset="0"/>
+            </a:endParaRPr>
           </a:p>
         </p:txBody>
       </p:sp>
@@ -10238,7 +10603,10 @@
           <a:lstStyle/>
           <a:p>
             <a:pPr algn="ctr"/>
-            <a:endParaRPr lang="en-US" sz="1200"/>
+            <a:endParaRPr lang="en-US" sz="1200">
+              <a:latin typeface="Times New Roman" panose="02020603050405020304" pitchFamily="18" charset="0"/>
+              <a:cs typeface="Times New Roman" panose="02020603050405020304" pitchFamily="18" charset="0"/>
+            </a:endParaRPr>
           </a:p>
         </p:txBody>
       </p:sp>
@@ -10290,7 +10658,10 @@
           <a:lstStyle/>
           <a:p>
             <a:pPr algn="ctr"/>
-            <a:endParaRPr lang="en-US" sz="1200"/>
+            <a:endParaRPr lang="en-US" sz="1200">
+              <a:latin typeface="Times New Roman" panose="02020603050405020304" pitchFamily="18" charset="0"/>
+              <a:cs typeface="Times New Roman" panose="02020603050405020304" pitchFamily="18" charset="0"/>
+            </a:endParaRPr>
           </a:p>
         </p:txBody>
       </p:sp>
@@ -10342,7 +10713,10 @@
           <a:lstStyle/>
           <a:p>
             <a:pPr algn="ctr"/>
-            <a:endParaRPr lang="en-US" sz="1200"/>
+            <a:endParaRPr lang="en-US" sz="1200">
+              <a:latin typeface="Times New Roman" panose="02020603050405020304" pitchFamily="18" charset="0"/>
+              <a:cs typeface="Times New Roman" panose="02020603050405020304" pitchFamily="18" charset="0"/>
+            </a:endParaRPr>
           </a:p>
         </p:txBody>
       </p:sp>
@@ -10394,7 +10768,10 @@
           <a:lstStyle/>
           <a:p>
             <a:pPr algn="ctr"/>
-            <a:endParaRPr lang="en-US" sz="1200"/>
+            <a:endParaRPr lang="en-US" sz="1200">
+              <a:latin typeface="Times New Roman" panose="02020603050405020304" pitchFamily="18" charset="0"/>
+              <a:cs typeface="Times New Roman" panose="02020603050405020304" pitchFamily="18" charset="0"/>
+            </a:endParaRPr>
           </a:p>
         </p:txBody>
       </p:sp>
@@ -10446,7 +10823,10 @@
           <a:lstStyle/>
           <a:p>
             <a:pPr algn="ctr"/>
-            <a:endParaRPr lang="en-US" sz="1200"/>
+            <a:endParaRPr lang="en-US" sz="1200">
+              <a:latin typeface="Times New Roman" panose="02020603050405020304" pitchFamily="18" charset="0"/>
+              <a:cs typeface="Times New Roman" panose="02020603050405020304" pitchFamily="18" charset="0"/>
+            </a:endParaRPr>
           </a:p>
         </p:txBody>
       </p:sp>
@@ -10498,7 +10878,10 @@
           <a:lstStyle/>
           <a:p>
             <a:pPr algn="ctr"/>
-            <a:endParaRPr lang="en-US" sz="1200"/>
+            <a:endParaRPr lang="en-US" sz="1200">
+              <a:latin typeface="Times New Roman" panose="02020603050405020304" pitchFamily="18" charset="0"/>
+              <a:cs typeface="Times New Roman" panose="02020603050405020304" pitchFamily="18" charset="0"/>
+            </a:endParaRPr>
           </a:p>
         </p:txBody>
       </p:sp>
@@ -10521,11 +10904,11 @@
         <p:spPr>
           <a:xfrm flipV="1">
             <a:off x="5758489" y="1459376"/>
-            <a:ext cx="913195" cy="1107746"/>
+            <a:ext cx="913195" cy="1003561"/>
           </a:xfrm>
           <a:prstGeom prst="bentConnector3">
             <a:avLst>
-              <a:gd name="adj1" fmla="val 71743"/>
+              <a:gd name="adj1" fmla="val 71457"/>
             </a:avLst>
           </a:prstGeom>
           <a:ln w="38100" cap="flat" cmpd="sng" algn="ctr">
@@ -10568,9 +10951,9 @@
           <p:nvPr/>
         </p:nvCxnSpPr>
         <p:spPr>
-          <a:xfrm>
-            <a:off x="7016210" y="232658"/>
-            <a:ext cx="0" cy="182582"/>
+          <a:xfrm flipH="1">
+            <a:off x="7016210" y="108857"/>
+            <a:ext cx="8277" cy="306383"/>
           </a:xfrm>
           <a:prstGeom prst="straightConnector1">
             <a:avLst/>
@@ -10644,45 +11027,66 @@
           <a:p>
             <a:pPr algn="ctr"/>
             <a:r>
-              <a:rPr lang="en-US" sz="1600" dirty="0"/>
+              <a:rPr lang="en-US" sz="1400" dirty="0">
+                <a:latin typeface="Times New Roman" panose="02020603050405020304" pitchFamily="18" charset="0"/>
+                <a:cs typeface="Times New Roman" panose="02020603050405020304" pitchFamily="18" charset="0"/>
+              </a:rPr>
               <a:t>[…,</a:t>
             </a:r>
             <a:r>
-              <a:rPr lang="en-US" sz="1600" i="1" dirty="0">
-                <a:latin typeface="APPLE CHANCERY" panose="03020702040506060504" pitchFamily="66" charset="-79"/>
-                <a:cs typeface="APPLE CHANCERY" panose="03020702040506060504" pitchFamily="66" charset="-79"/>
+              <a:rPr lang="en-US" sz="1400" i="1" dirty="0">
+                <a:latin typeface="Times New Roman" panose="02020603050405020304" pitchFamily="18" charset="0"/>
+                <a:cs typeface="Times New Roman" panose="02020603050405020304" pitchFamily="18" charset="0"/>
               </a:rPr>
               <a:t>l</a:t>
             </a:r>
             <a:r>
-              <a:rPr lang="en-US" sz="1600" dirty="0"/>
+              <a:rPr lang="en-US" sz="1400" dirty="0">
+                <a:latin typeface="Times New Roman" panose="02020603050405020304" pitchFamily="18" charset="0"/>
+                <a:cs typeface="Times New Roman" panose="02020603050405020304" pitchFamily="18" charset="0"/>
+              </a:rPr>
               <a:t> </a:t>
             </a:r>
             <a:r>
-              <a:rPr lang="en-US" sz="1600" baseline="-25000" dirty="0" err="1"/>
+              <a:rPr lang="en-US" sz="1400" baseline="-25000" dirty="0" err="1">
+                <a:latin typeface="Times New Roman" panose="02020603050405020304" pitchFamily="18" charset="0"/>
+                <a:cs typeface="Times New Roman" panose="02020603050405020304" pitchFamily="18" charset="0"/>
+              </a:rPr>
               <a:t>Sn_Mm</a:t>
             </a:r>
             <a:r>
-              <a:rPr lang="en-US" sz="1600" dirty="0" err="1"/>
+              <a:rPr lang="en-US" sz="1400" dirty="0" err="1">
+                <a:latin typeface="Times New Roman" panose="02020603050405020304" pitchFamily="18" charset="0"/>
+                <a:cs typeface="Times New Roman" panose="02020603050405020304" pitchFamily="18" charset="0"/>
+              </a:rPr>
               <a:t>,</a:t>
             </a:r>
             <a:r>
-              <a:rPr lang="en-US" sz="1600" i="1" dirty="0" err="1">
-                <a:latin typeface="APPLE CHANCERY" panose="03020702040506060504" pitchFamily="66" charset="-79"/>
-                <a:cs typeface="APPLE CHANCERY" panose="03020702040506060504" pitchFamily="66" charset="-79"/>
+              <a:rPr lang="en-US" sz="1400" i="1" dirty="0" err="1">
+                <a:latin typeface="Times New Roman" panose="02020603050405020304" pitchFamily="18" charset="0"/>
+                <a:cs typeface="Times New Roman" panose="02020603050405020304" pitchFamily="18" charset="0"/>
               </a:rPr>
               <a:t>l</a:t>
             </a:r>
             <a:r>
-              <a:rPr lang="en-US" sz="1600" dirty="0"/>
+              <a:rPr lang="en-US" sz="1400" dirty="0">
+                <a:latin typeface="Times New Roman" panose="02020603050405020304" pitchFamily="18" charset="0"/>
+                <a:cs typeface="Times New Roman" panose="02020603050405020304" pitchFamily="18" charset="0"/>
+              </a:rPr>
               <a:t> </a:t>
             </a:r>
             <a:r>
-              <a:rPr lang="en-US" sz="1600" baseline="-25000" dirty="0" err="1"/>
+              <a:rPr lang="en-US" sz="1400" baseline="-25000" dirty="0" err="1">
+                <a:latin typeface="Times New Roman" panose="02020603050405020304" pitchFamily="18" charset="0"/>
+                <a:cs typeface="Times New Roman" panose="02020603050405020304" pitchFamily="18" charset="0"/>
+              </a:rPr>
               <a:t>Sn_Mn</a:t>
             </a:r>
             <a:r>
-              <a:rPr lang="en-US" sz="1600" dirty="0"/>
+              <a:rPr lang="en-US" sz="1400" dirty="0">
+                <a:latin typeface="Times New Roman" panose="02020603050405020304" pitchFamily="18" charset="0"/>
+                <a:cs typeface="Times New Roman" panose="02020603050405020304" pitchFamily="18" charset="0"/>
+              </a:rPr>
               <a:t>]</a:t>
             </a:r>
           </a:p>
@@ -10782,19 +11186,18 @@
             <a:pPr algn="ctr"/>
             <a:r>
               <a:rPr lang="en-US" sz="1600" i="1" dirty="0">
-                <a:latin typeface="APPLE CHANCERY" panose="03020702040506060504" pitchFamily="66" charset="-79"/>
-                <a:cs typeface="APPLE CHANCERY" panose="03020702040506060504" pitchFamily="66" charset="-79"/>
+                <a:latin typeface="Times New Roman" panose="02020603050405020304" pitchFamily="18" charset="0"/>
+                <a:cs typeface="Times New Roman" panose="02020603050405020304" pitchFamily="18" charset="0"/>
               </a:rPr>
               <a:t>l</a:t>
             </a:r>
             <a:r>
               <a:rPr lang="en-US" sz="1600" i="1" baseline="-25000" dirty="0">
-                <a:latin typeface="APPLE CHANCERY" panose="03020702040506060504" pitchFamily="66" charset="-79"/>
-                <a:cs typeface="APPLE CHANCERY" panose="03020702040506060504" pitchFamily="66" charset="-79"/>
+                <a:latin typeface="Times New Roman" panose="02020603050405020304" pitchFamily="18" charset="0"/>
+                <a:cs typeface="Times New Roman" panose="02020603050405020304" pitchFamily="18" charset="0"/>
               </a:rPr>
               <a:t>n</a:t>
             </a:r>
-            <a:endParaRPr lang="en-US" sz="1600" i="1" baseline="-25000" dirty="0"/>
           </a:p>
         </p:txBody>
       </p:sp>
@@ -10902,6 +11305,8 @@
                 <a:solidFill>
                   <a:schemeClr val="bg1"/>
                 </a:solidFill>
+                <a:latin typeface="Times New Roman" panose="02020603050405020304" pitchFamily="18" charset="0"/>
+                <a:cs typeface="Times New Roman" panose="02020603050405020304" pitchFamily="18" charset="0"/>
               </a:rPr>
               <a:t>S</a:t>
             </a:r>
@@ -10910,6 +11315,8 @@
                 <a:solidFill>
                   <a:schemeClr val="bg1"/>
                 </a:solidFill>
+                <a:latin typeface="Times New Roman" panose="02020603050405020304" pitchFamily="18" charset="0"/>
+                <a:cs typeface="Times New Roman" panose="02020603050405020304" pitchFamily="18" charset="0"/>
               </a:rPr>
               <a:t>n</a:t>
             </a:r>
@@ -10959,11 +11366,17 @@
           <a:p>
             <a:pPr algn="ctr"/>
             <a:r>
-              <a:rPr lang="en-US" sz="1400" dirty="0"/>
+              <a:rPr lang="en-US" sz="1400" dirty="0">
+                <a:latin typeface="Times New Roman" panose="02020603050405020304" pitchFamily="18" charset="0"/>
+                <a:cs typeface="Times New Roman" panose="02020603050405020304" pitchFamily="18" charset="0"/>
+              </a:rPr>
               <a:t>M</a:t>
             </a:r>
             <a:r>
-              <a:rPr lang="en-US" sz="1400" baseline="-25000" dirty="0"/>
+              <a:rPr lang="en-US" sz="1400" baseline="-25000" dirty="0">
+                <a:latin typeface="Times New Roman" panose="02020603050405020304" pitchFamily="18" charset="0"/>
+                <a:cs typeface="Times New Roman" panose="02020603050405020304" pitchFamily="18" charset="0"/>
+              </a:rPr>
               <a:t>n</a:t>
             </a:r>
           </a:p>
@@ -11023,6 +11436,8 @@
                 <a:solidFill>
                   <a:schemeClr val="bg1"/>
                 </a:solidFill>
+                <a:latin typeface="Times New Roman" panose="02020603050405020304" pitchFamily="18" charset="0"/>
+                <a:cs typeface="Times New Roman" panose="02020603050405020304" pitchFamily="18" charset="0"/>
               </a:rPr>
               <a:t>S</a:t>
             </a:r>
@@ -11031,6 +11446,8 @@
                 <a:solidFill>
                   <a:schemeClr val="bg1"/>
                 </a:solidFill>
+                <a:latin typeface="Times New Roman" panose="02020603050405020304" pitchFamily="18" charset="0"/>
+                <a:cs typeface="Times New Roman" panose="02020603050405020304" pitchFamily="18" charset="0"/>
               </a:rPr>
               <a:t>n</a:t>
             </a:r>
@@ -11188,6 +11605,8 @@
               <a:solidFill>
                 <a:schemeClr val="tx1"/>
               </a:solidFill>
+              <a:latin typeface="Times New Roman" panose="02020603050405020304" pitchFamily="18" charset="0"/>
+              <a:cs typeface="Times New Roman" panose="02020603050405020304" pitchFamily="18" charset="0"/>
             </a:endParaRPr>
           </a:p>
         </p:txBody>
@@ -11259,12 +11678,12 @@
         </p:nvCxnSpPr>
         <p:spPr>
           <a:xfrm>
-            <a:off x="5758489" y="2567122"/>
-            <a:ext cx="916040" cy="1725310"/>
+            <a:off x="5758489" y="2462937"/>
+            <a:ext cx="916040" cy="1829495"/>
           </a:xfrm>
           <a:prstGeom prst="bentConnector3">
             <a:avLst>
-              <a:gd name="adj1" fmla="val 71675"/>
+              <a:gd name="adj1" fmla="val 71390"/>
             </a:avLst>
           </a:prstGeom>
           <a:ln w="38100" cap="flat" cmpd="sng" algn="ctr">

--- a/Figures/Arcs/Architecture.pptx
+++ b/Figures/Arcs/Architecture.pptx
@@ -197,7 +197,7 @@
           <a:p>
             <a:fld id="{4F2B3EEC-C8B4-0543-943F-91B3791C5E43}" type="datetimeFigureOut">
               <a:rPr lang="en-US" smtClean="0"/>
-              <a:t>2/21/24</a:t>
+              <a:t>2/22/24</a:t>
             </a:fld>
             <a:endParaRPr lang="en-US"/>
           </a:p>
@@ -734,7 +734,7 @@
           <a:p>
             <a:fld id="{697CBF4A-2AD2-1249-BC5E-D6BCA9656194}" type="datetimeFigureOut">
               <a:rPr lang="en-US" smtClean="0"/>
-              <a:t>2/21/24</a:t>
+              <a:t>2/22/24</a:t>
             </a:fld>
             <a:endParaRPr lang="en-US"/>
           </a:p>
@@ -932,7 +932,7 @@
           <a:p>
             <a:fld id="{697CBF4A-2AD2-1249-BC5E-D6BCA9656194}" type="datetimeFigureOut">
               <a:rPr lang="en-US" smtClean="0"/>
-              <a:t>2/21/24</a:t>
+              <a:t>2/22/24</a:t>
             </a:fld>
             <a:endParaRPr lang="en-US"/>
           </a:p>
@@ -1140,7 +1140,7 @@
           <a:p>
             <a:fld id="{697CBF4A-2AD2-1249-BC5E-D6BCA9656194}" type="datetimeFigureOut">
               <a:rPr lang="en-US" smtClean="0"/>
-              <a:t>2/21/24</a:t>
+              <a:t>2/22/24</a:t>
             </a:fld>
             <a:endParaRPr lang="en-US"/>
           </a:p>
@@ -1338,7 +1338,7 @@
           <a:p>
             <a:fld id="{697CBF4A-2AD2-1249-BC5E-D6BCA9656194}" type="datetimeFigureOut">
               <a:rPr lang="en-US" smtClean="0"/>
-              <a:t>2/21/24</a:t>
+              <a:t>2/22/24</a:t>
             </a:fld>
             <a:endParaRPr lang="en-US"/>
           </a:p>
@@ -1613,7 +1613,7 @@
           <a:p>
             <a:fld id="{697CBF4A-2AD2-1249-BC5E-D6BCA9656194}" type="datetimeFigureOut">
               <a:rPr lang="en-US" smtClean="0"/>
-              <a:t>2/21/24</a:t>
+              <a:t>2/22/24</a:t>
             </a:fld>
             <a:endParaRPr lang="en-US"/>
           </a:p>
@@ -1878,7 +1878,7 @@
           <a:p>
             <a:fld id="{697CBF4A-2AD2-1249-BC5E-D6BCA9656194}" type="datetimeFigureOut">
               <a:rPr lang="en-US" smtClean="0"/>
-              <a:t>2/21/24</a:t>
+              <a:t>2/22/24</a:t>
             </a:fld>
             <a:endParaRPr lang="en-US"/>
           </a:p>
@@ -2290,7 +2290,7 @@
           <a:p>
             <a:fld id="{697CBF4A-2AD2-1249-BC5E-D6BCA9656194}" type="datetimeFigureOut">
               <a:rPr lang="en-US" smtClean="0"/>
-              <a:t>2/21/24</a:t>
+              <a:t>2/22/24</a:t>
             </a:fld>
             <a:endParaRPr lang="en-US"/>
           </a:p>
@@ -2431,7 +2431,7 @@
           <a:p>
             <a:fld id="{697CBF4A-2AD2-1249-BC5E-D6BCA9656194}" type="datetimeFigureOut">
               <a:rPr lang="en-US" smtClean="0"/>
-              <a:t>2/21/24</a:t>
+              <a:t>2/22/24</a:t>
             </a:fld>
             <a:endParaRPr lang="en-US"/>
           </a:p>
@@ -2544,7 +2544,7 @@
           <a:p>
             <a:fld id="{697CBF4A-2AD2-1249-BC5E-D6BCA9656194}" type="datetimeFigureOut">
               <a:rPr lang="en-US" smtClean="0"/>
-              <a:t>2/21/24</a:t>
+              <a:t>2/22/24</a:t>
             </a:fld>
             <a:endParaRPr lang="en-US"/>
           </a:p>
@@ -2855,7 +2855,7 @@
           <a:p>
             <a:fld id="{697CBF4A-2AD2-1249-BC5E-D6BCA9656194}" type="datetimeFigureOut">
               <a:rPr lang="en-US" smtClean="0"/>
-              <a:t>2/21/24</a:t>
+              <a:t>2/22/24</a:t>
             </a:fld>
             <a:endParaRPr lang="en-US"/>
           </a:p>
@@ -3143,7 +3143,7 @@
           <a:p>
             <a:fld id="{697CBF4A-2AD2-1249-BC5E-D6BCA9656194}" type="datetimeFigureOut">
               <a:rPr lang="en-US" smtClean="0"/>
-              <a:t>2/21/24</a:t>
+              <a:t>2/22/24</a:t>
             </a:fld>
             <a:endParaRPr lang="en-US"/>
           </a:p>
@@ -3384,7 +3384,7 @@
           <a:p>
             <a:fld id="{697CBF4A-2AD2-1249-BC5E-D6BCA9656194}" type="datetimeFigureOut">
               <a:rPr lang="en-US" smtClean="0"/>
-              <a:t>2/21/24</a:t>
+              <a:t>2/22/24</a:t>
             </a:fld>
             <a:endParaRPr lang="en-US"/>
           </a:p>
@@ -3815,7 +3815,7 @@
         </p:nvSpPr>
         <p:spPr>
           <a:xfrm>
-            <a:off x="1711494" y="407989"/>
+            <a:off x="1831240" y="894905"/>
             <a:ext cx="4153072" cy="4408940"/>
           </a:xfrm>
           <a:prstGeom prst="roundRect">
@@ -3847,8 +3847,9 @@
             <a:pPr algn="ctr"/>
             <a:r>
               <a:rPr lang="en-US" sz="1200" dirty="0">
-                <a:latin typeface="Times New Roman" panose="02020603050405020304" pitchFamily="18" charset="0"/>
-                <a:cs typeface="Times New Roman" panose="02020603050405020304" pitchFamily="18" charset="0"/>
+                <a:latin typeface=""/>
+                <a:ea typeface="Tahoma" panose="020B0604030504040204" pitchFamily="34" charset="0"/>
+                <a:cs typeface="Tahoma" panose="020B0604030504040204" pitchFamily="34" charset="0"/>
               </a:rPr>
               <a:t> </a:t>
             </a:r>
@@ -3869,7 +3870,7 @@
         </p:nvSpPr>
         <p:spPr>
           <a:xfrm>
-            <a:off x="11300828" y="3147372"/>
+            <a:off x="11300828" y="3634288"/>
             <a:ext cx="848887" cy="578027"/>
           </a:xfrm>
           <a:prstGeom prst="roundRect">
@@ -3899,8 +3900,9 @@
             <a:pPr algn="ctr"/>
             <a:r>
               <a:rPr lang="en-US" sz="1400" b="1" dirty="0">
-                <a:latin typeface="Times New Roman" panose="02020603050405020304" pitchFamily="18" charset="0"/>
-                <a:cs typeface="Times New Roman" panose="02020603050405020304" pitchFamily="18" charset="0"/>
+                <a:latin typeface=""/>
+                <a:ea typeface="Tahoma" panose="020B0604030504040204" pitchFamily="34" charset="0"/>
+                <a:cs typeface="Tahoma" panose="020B0604030504040204" pitchFamily="34" charset="0"/>
               </a:rPr>
               <a:t>Merge Labels</a:t>
             </a:r>
@@ -3924,9 +3926,9 @@
           <p:nvPr/>
         </p:nvCxnSpPr>
         <p:spPr>
-          <a:xfrm flipH="1">
-            <a:off x="11725044" y="3725399"/>
-            <a:ext cx="228" cy="311504"/>
+          <a:xfrm>
+            <a:off x="11725272" y="4212315"/>
+            <a:ext cx="3994" cy="311504"/>
           </a:xfrm>
           <a:prstGeom prst="straightConnector1">
             <a:avLst/>
@@ -3971,7 +3973,7 @@
         </p:nvSpPr>
         <p:spPr>
           <a:xfrm>
-            <a:off x="11295417" y="4036903"/>
+            <a:off x="11299639" y="4523819"/>
             <a:ext cx="859253" cy="692005"/>
           </a:xfrm>
           <a:prstGeom prst="rect">
@@ -4001,21 +4003,28 @@
             <a:pPr algn="ctr"/>
             <a:r>
               <a:rPr lang="en-US" sz="1400" b="1" dirty="0">
+                <a:latin typeface=""/>
+                <a:ea typeface="Tahoma" panose="020B0604030504040204" pitchFamily="34" charset="0"/>
+                <a:cs typeface="Tahoma" panose="020B0604030504040204" pitchFamily="34" charset="0"/>
+              </a:rPr>
+              <a:t>Final Output: </a:t>
+            </a:r>
+          </a:p>
+          <a:p>
+            <a:pPr algn="ctr"/>
+            <a:r>
+              <a:rPr lang="en-US" sz="1400" i="1" dirty="0">
                 <a:latin typeface="Times New Roman" panose="02020603050405020304" pitchFamily="18" charset="0"/>
+                <a:ea typeface="Tahoma" panose="020B0604030504040204" pitchFamily="34" charset="0"/>
                 <a:cs typeface="Times New Roman" panose="02020603050405020304" pitchFamily="18" charset="0"/>
               </a:rPr>
-              <a:t>Final Output: </a:t>
-            </a:r>
-          </a:p>
-          <a:p>
-            <a:pPr algn="ctr"/>
-            <a:r>
-              <a:rPr lang="en-US" sz="1400" b="1" i="1" dirty="0">
-                <a:latin typeface="Times New Roman" panose="02020603050405020304" pitchFamily="18" charset="0"/>
-                <a:cs typeface="Times New Roman" panose="02020603050405020304" pitchFamily="18" charset="0"/>
-              </a:rPr>
-              <a:t>l </a:t>
-            </a:r>
+              <a:t>l</a:t>
+            </a:r>
+            <a:endParaRPr lang="en-US" sz="1400" b="1" i="1" dirty="0">
+              <a:latin typeface=""/>
+              <a:ea typeface="Tahoma" panose="020B0604030504040204" pitchFamily="34" charset="0"/>
+              <a:cs typeface="Tahoma" panose="020B0604030504040204" pitchFamily="34" charset="0"/>
+            </a:endParaRPr>
           </a:p>
         </p:txBody>
       </p:sp>
@@ -4033,8 +4042,8 @@
         </p:nvSpPr>
         <p:spPr>
           <a:xfrm>
-            <a:off x="47695" y="3672089"/>
-            <a:ext cx="745349" cy="307777"/>
+            <a:off x="-8250" y="4169763"/>
+            <a:ext cx="875308" cy="461665"/>
           </a:xfrm>
           <a:prstGeom prst="rect">
             <a:avLst/>
@@ -4047,14 +4056,27 @@
           </a:bodyPr>
           <a:lstStyle/>
           <a:p>
-            <a:r>
-              <a:rPr lang="en-US" sz="1400" dirty="0">
-                <a:latin typeface="Times New Roman" panose="02020603050405020304" pitchFamily="18" charset="0"/>
-                <a:cs typeface="Times New Roman" panose="02020603050405020304" pitchFamily="18" charset="0"/>
+            <a:pPr algn="ctr"/>
+            <a:r>
+              <a:rPr lang="en-US" sz="1200" dirty="0">
+                <a:latin typeface=""/>
+                <a:ea typeface="Tahoma" panose="020B0604030504040204" pitchFamily="34" charset="0"/>
+                <a:cs typeface="Tahoma" panose="020B0604030504040204" pitchFamily="34" charset="0"/>
               </a:rPr>
               <a:t>Dataset</a:t>
             </a:r>
           </a:p>
+          <a:p>
+            <a:pPr algn="ctr"/>
+            <a:r>
+              <a:rPr lang="en-US" sz="1200" i="1" dirty="0">
+                <a:latin typeface=""/>
+                <a:ea typeface="Tahoma" panose="020B0604030504040204" pitchFamily="34" charset="0"/>
+                <a:cs typeface="Tahoma" panose="020B0604030504040204" pitchFamily="34" charset="0"/>
+              </a:rPr>
+              <a:t>D</a:t>
+            </a:r>
+          </a:p>
         </p:txBody>
       </p:sp>
       <p:sp>
@@ -4071,7 +4093,7 @@
         </p:nvSpPr>
         <p:spPr>
           <a:xfrm>
-            <a:off x="985828" y="1293270"/>
+            <a:off x="985828" y="1780186"/>
             <a:ext cx="352803" cy="256860"/>
           </a:xfrm>
           <a:prstGeom prst="can">
@@ -4107,31 +4129,34 @@
           <a:p>
             <a:pPr algn="ctr"/>
             <a:r>
-              <a:rPr lang="en-US" sz="1400" dirty="0">
+              <a:rPr lang="en-US" sz="1200" dirty="0">
                 <a:solidFill>
                   <a:schemeClr val="bg1"/>
                 </a:solidFill>
-                <a:latin typeface="Times New Roman" panose="02020603050405020304" pitchFamily="18" charset="0"/>
-                <a:cs typeface="Times New Roman" panose="02020603050405020304" pitchFamily="18" charset="0"/>
+                <a:latin typeface=""/>
+                <a:ea typeface="Tahoma" panose="020B0604030504040204" pitchFamily="34" charset="0"/>
+                <a:cs typeface="Tahoma" panose="020B0604030504040204" pitchFamily="34" charset="0"/>
               </a:rPr>
               <a:t>S</a:t>
             </a:r>
             <a:r>
-              <a:rPr lang="en-US" sz="1400" baseline="-25000" dirty="0">
+              <a:rPr lang="en-US" sz="1200" baseline="-25000" dirty="0">
                 <a:solidFill>
                   <a:schemeClr val="bg1"/>
                 </a:solidFill>
-                <a:latin typeface="Times New Roman" panose="02020603050405020304" pitchFamily="18" charset="0"/>
-                <a:cs typeface="Times New Roman" panose="02020603050405020304" pitchFamily="18" charset="0"/>
+                <a:latin typeface=""/>
+                <a:ea typeface="Tahoma" panose="020B0604030504040204" pitchFamily="34" charset="0"/>
+                <a:cs typeface="Tahoma" panose="020B0604030504040204" pitchFamily="34" charset="0"/>
               </a:rPr>
               <a:t>1</a:t>
             </a:r>
-            <a:endParaRPr lang="en-US" sz="1200" baseline="-25000" dirty="0">
+            <a:endParaRPr lang="en-US" sz="1100" baseline="-25000" dirty="0">
               <a:solidFill>
                 <a:schemeClr val="bg1"/>
               </a:solidFill>
-              <a:latin typeface="Times New Roman" panose="02020603050405020304" pitchFamily="18" charset="0"/>
-              <a:cs typeface="Times New Roman" panose="02020603050405020304" pitchFamily="18" charset="0"/>
+              <a:latin typeface=""/>
+              <a:ea typeface="Tahoma" panose="020B0604030504040204" pitchFamily="34" charset="0"/>
+              <a:cs typeface="Tahoma" panose="020B0604030504040204" pitchFamily="34" charset="0"/>
             </a:endParaRPr>
           </a:p>
         </p:txBody>
@@ -4150,7 +4175,7 @@
         </p:nvSpPr>
         <p:spPr>
           <a:xfrm>
-            <a:off x="985829" y="2359622"/>
+            <a:off x="985829" y="2846538"/>
             <a:ext cx="352803" cy="256860"/>
           </a:xfrm>
           <a:prstGeom prst="can">
@@ -4186,31 +4211,34 @@
           <a:p>
             <a:pPr algn="ctr"/>
             <a:r>
-              <a:rPr lang="en-US" sz="1400" dirty="0">
+              <a:rPr lang="en-US" sz="1200" dirty="0">
                 <a:solidFill>
                   <a:schemeClr val="bg1"/>
                 </a:solidFill>
-                <a:latin typeface="Times New Roman" panose="02020603050405020304" pitchFamily="18" charset="0"/>
-                <a:cs typeface="Times New Roman" panose="02020603050405020304" pitchFamily="18" charset="0"/>
+                <a:latin typeface=""/>
+                <a:ea typeface="Tahoma" panose="020B0604030504040204" pitchFamily="34" charset="0"/>
+                <a:cs typeface="Tahoma" panose="020B0604030504040204" pitchFamily="34" charset="0"/>
               </a:rPr>
               <a:t>S</a:t>
             </a:r>
             <a:r>
-              <a:rPr lang="en-US" sz="1400" baseline="-25000" dirty="0">
+              <a:rPr lang="en-US" sz="1200" baseline="-25000" dirty="0">
                 <a:solidFill>
                   <a:schemeClr val="bg1"/>
                 </a:solidFill>
-                <a:latin typeface="Times New Roman" panose="02020603050405020304" pitchFamily="18" charset="0"/>
-                <a:cs typeface="Times New Roman" panose="02020603050405020304" pitchFamily="18" charset="0"/>
+                <a:latin typeface=""/>
+                <a:ea typeface="Tahoma" panose="020B0604030504040204" pitchFamily="34" charset="0"/>
+                <a:cs typeface="Tahoma" panose="020B0604030504040204" pitchFamily="34" charset="0"/>
               </a:rPr>
               <a:t>2</a:t>
             </a:r>
-            <a:endParaRPr lang="en-US" sz="2000" baseline="-25000" dirty="0">
+            <a:endParaRPr lang="en-US" baseline="-25000" dirty="0">
               <a:solidFill>
                 <a:schemeClr val="bg1"/>
               </a:solidFill>
-              <a:latin typeface="Times New Roman" panose="02020603050405020304" pitchFamily="18" charset="0"/>
-              <a:cs typeface="Times New Roman" panose="02020603050405020304" pitchFamily="18" charset="0"/>
+              <a:latin typeface=""/>
+              <a:ea typeface="Tahoma" panose="020B0604030504040204" pitchFamily="34" charset="0"/>
+              <a:cs typeface="Tahoma" panose="020B0604030504040204" pitchFamily="34" charset="0"/>
             </a:endParaRPr>
           </a:p>
         </p:txBody>
@@ -4229,7 +4257,7 @@
         </p:nvSpPr>
         <p:spPr>
           <a:xfrm>
-            <a:off x="990485" y="4161252"/>
+            <a:off x="990485" y="4648168"/>
             <a:ext cx="352803" cy="256860"/>
           </a:xfrm>
           <a:prstGeom prst="can">
@@ -4265,22 +4293,24 @@
           <a:p>
             <a:pPr algn="ctr"/>
             <a:r>
-              <a:rPr lang="en-US" sz="1400" dirty="0">
+              <a:rPr lang="en-US" sz="1200" dirty="0">
                 <a:solidFill>
                   <a:schemeClr val="bg1"/>
                 </a:solidFill>
-                <a:latin typeface="Times New Roman" panose="02020603050405020304" pitchFamily="18" charset="0"/>
-                <a:cs typeface="Times New Roman" panose="02020603050405020304" pitchFamily="18" charset="0"/>
+                <a:latin typeface=""/>
+                <a:ea typeface="Tahoma" panose="020B0604030504040204" pitchFamily="34" charset="0"/>
+                <a:cs typeface="Tahoma" panose="020B0604030504040204" pitchFamily="34" charset="0"/>
               </a:rPr>
               <a:t>S</a:t>
             </a:r>
             <a:r>
-              <a:rPr lang="en-US" sz="1400" baseline="-25000" dirty="0">
+              <a:rPr lang="en-US" sz="1200" baseline="-25000" dirty="0">
                 <a:solidFill>
                   <a:schemeClr val="bg1"/>
                 </a:solidFill>
-                <a:latin typeface="Times New Roman" panose="02020603050405020304" pitchFamily="18" charset="0"/>
-                <a:cs typeface="Times New Roman" panose="02020603050405020304" pitchFamily="18" charset="0"/>
+                <a:latin typeface=""/>
+                <a:ea typeface="Tahoma" panose="020B0604030504040204" pitchFamily="34" charset="0"/>
+                <a:cs typeface="Tahoma" panose="020B0604030504040204" pitchFamily="34" charset="0"/>
               </a:rPr>
               <a:t>n</a:t>
             </a:r>
@@ -4301,7 +4331,7 @@
         </p:nvSpPr>
         <p:spPr>
           <a:xfrm>
-            <a:off x="203072" y="1648506"/>
+            <a:off x="203072" y="2135422"/>
             <a:ext cx="352803" cy="1935003"/>
           </a:xfrm>
           <a:prstGeom prst="can">
@@ -4340,8 +4370,9 @@
               <a:solidFill>
                 <a:schemeClr val="tx1"/>
               </a:solidFill>
-              <a:latin typeface="Times New Roman" panose="02020603050405020304" pitchFamily="18" charset="0"/>
-              <a:cs typeface="Times New Roman" panose="02020603050405020304" pitchFamily="18" charset="0"/>
+              <a:latin typeface=""/>
+              <a:ea typeface="Tahoma" panose="020B0604030504040204" pitchFamily="34" charset="0"/>
+              <a:cs typeface="Tahoma" panose="020B0604030504040204" pitchFamily="34" charset="0"/>
             </a:endParaRPr>
           </a:p>
         </p:txBody>
@@ -4360,7 +4391,7 @@
         </p:nvSpPr>
         <p:spPr>
           <a:xfrm>
-            <a:off x="203547" y="1854606"/>
+            <a:off x="203547" y="2341522"/>
             <a:ext cx="352803" cy="256860"/>
           </a:xfrm>
           <a:prstGeom prst="can">
@@ -4399,8 +4430,9 @@
               <a:solidFill>
                 <a:schemeClr val="tx1"/>
               </a:solidFill>
-              <a:latin typeface="Times New Roman" panose="02020603050405020304" pitchFamily="18" charset="0"/>
-              <a:cs typeface="Times New Roman" panose="02020603050405020304" pitchFamily="18" charset="0"/>
+              <a:latin typeface=""/>
+              <a:ea typeface="Tahoma" panose="020B0604030504040204" pitchFamily="34" charset="0"/>
+              <a:cs typeface="Tahoma" panose="020B0604030504040204" pitchFamily="34" charset="0"/>
             </a:endParaRPr>
           </a:p>
         </p:txBody>
@@ -4419,7 +4451,7 @@
         </p:nvSpPr>
         <p:spPr>
           <a:xfrm>
-            <a:off x="204279" y="1648507"/>
+            <a:off x="204279" y="2135423"/>
             <a:ext cx="352803" cy="256860"/>
           </a:xfrm>
           <a:prstGeom prst="can">
@@ -4458,8 +4490,9 @@
               <a:solidFill>
                 <a:schemeClr val="tx1"/>
               </a:solidFill>
-              <a:latin typeface="Times New Roman" panose="02020603050405020304" pitchFamily="18" charset="0"/>
-              <a:cs typeface="Times New Roman" panose="02020603050405020304" pitchFamily="18" charset="0"/>
+              <a:latin typeface=""/>
+              <a:ea typeface="Tahoma" panose="020B0604030504040204" pitchFamily="34" charset="0"/>
+              <a:cs typeface="Tahoma" panose="020B0604030504040204" pitchFamily="34" charset="0"/>
             </a:endParaRPr>
           </a:p>
         </p:txBody>
@@ -4478,7 +4511,7 @@
         </p:nvSpPr>
         <p:spPr>
           <a:xfrm>
-            <a:off x="54080" y="407989"/>
+            <a:off x="54080" y="894905"/>
             <a:ext cx="1449546" cy="4138552"/>
           </a:xfrm>
           <a:prstGeom prst="roundRect">
@@ -4515,8 +4548,9 @@
           <a:p>
             <a:pPr algn="ctr"/>
             <a:endParaRPr lang="en-US">
-              <a:latin typeface="Times New Roman" panose="02020603050405020304" pitchFamily="18" charset="0"/>
-              <a:cs typeface="Times New Roman" panose="02020603050405020304" pitchFamily="18" charset="0"/>
+              <a:latin typeface=""/>
+              <a:ea typeface="Tahoma" panose="020B0604030504040204" pitchFamily="34" charset="0"/>
+              <a:cs typeface="Tahoma" panose="020B0604030504040204" pitchFamily="34" charset="0"/>
             </a:endParaRPr>
           </a:p>
         </p:txBody>
@@ -4535,7 +4569,7 @@
         </p:nvSpPr>
         <p:spPr>
           <a:xfrm>
-            <a:off x="203416" y="3317607"/>
+            <a:off x="203416" y="3804523"/>
             <a:ext cx="352803" cy="256860"/>
           </a:xfrm>
           <a:prstGeom prst="can">
@@ -4574,8 +4608,9 @@
               <a:solidFill>
                 <a:schemeClr val="tx1"/>
               </a:solidFill>
-              <a:latin typeface="Times New Roman" panose="02020603050405020304" pitchFamily="18" charset="0"/>
-              <a:cs typeface="Times New Roman" panose="02020603050405020304" pitchFamily="18" charset="0"/>
+              <a:latin typeface=""/>
+              <a:ea typeface="Tahoma" panose="020B0604030504040204" pitchFamily="34" charset="0"/>
+              <a:cs typeface="Tahoma" panose="020B0604030504040204" pitchFamily="34" charset="0"/>
             </a:endParaRPr>
           </a:p>
         </p:txBody>
@@ -4598,7 +4633,7 @@
         </p:nvCxnSpPr>
         <p:spPr>
           <a:xfrm>
-            <a:off x="556219" y="3446037"/>
+            <a:off x="556219" y="3932953"/>
             <a:ext cx="434266" cy="843645"/>
           </a:xfrm>
           <a:prstGeom prst="bentConnector3">
@@ -4649,7 +4684,7 @@
         </p:nvCxnSpPr>
         <p:spPr>
           <a:xfrm>
-            <a:off x="556350" y="1983036"/>
+            <a:off x="556350" y="2469952"/>
             <a:ext cx="429479" cy="505016"/>
           </a:xfrm>
           <a:prstGeom prst="bentConnector3">
@@ -4700,7 +4735,7 @@
         </p:nvCxnSpPr>
         <p:spPr>
           <a:xfrm flipV="1">
-            <a:off x="557082" y="1421700"/>
+            <a:off x="557082" y="1908616"/>
             <a:ext cx="428746" cy="355237"/>
           </a:xfrm>
           <a:prstGeom prst="bentConnector3">
@@ -4747,7 +4782,7 @@
         </p:nvSpPr>
         <p:spPr>
           <a:xfrm>
-            <a:off x="339011" y="2255561"/>
+            <a:off x="339011" y="2742477"/>
             <a:ext cx="73705" cy="73705"/>
           </a:xfrm>
           <a:prstGeom prst="ellipse">
@@ -4782,8 +4817,9 @@
           <a:p>
             <a:pPr algn="ctr"/>
             <a:endParaRPr lang="en-US">
-              <a:latin typeface="Times New Roman" panose="02020603050405020304" pitchFamily="18" charset="0"/>
-              <a:cs typeface="Times New Roman" panose="02020603050405020304" pitchFamily="18" charset="0"/>
+              <a:latin typeface=""/>
+              <a:ea typeface="Tahoma" panose="020B0604030504040204" pitchFamily="34" charset="0"/>
+              <a:cs typeface="Tahoma" panose="020B0604030504040204" pitchFamily="34" charset="0"/>
             </a:endParaRPr>
           </a:p>
         </p:txBody>
@@ -4802,8 +4838,8 @@
         </p:nvSpPr>
         <p:spPr>
           <a:xfrm>
-            <a:off x="66099" y="411305"/>
-            <a:ext cx="1425502" cy="292388"/>
+            <a:off x="66099" y="898221"/>
+            <a:ext cx="1425502" cy="492443"/>
           </a:xfrm>
           <a:prstGeom prst="rect">
             <a:avLst/>
@@ -4819,8 +4855,9 @@
             <a:pPr algn="ctr"/>
             <a:r>
               <a:rPr lang="en-US" sz="1300" b="1" dirty="0">
-                <a:latin typeface="Times New Roman" panose="02020603050405020304" pitchFamily="18" charset="0"/>
-                <a:cs typeface="Times New Roman" panose="02020603050405020304" pitchFamily="18" charset="0"/>
+                <a:latin typeface=""/>
+                <a:ea typeface="Tahoma" panose="020B0604030504040204" pitchFamily="34" charset="0"/>
+                <a:cs typeface="Tahoma" panose="020B0604030504040204" pitchFamily="34" charset="0"/>
               </a:rPr>
               <a:t>Data Partitioning</a:t>
             </a:r>
@@ -4841,7 +4878,7 @@
         </p:nvSpPr>
         <p:spPr>
           <a:xfrm>
-            <a:off x="340433" y="2350924"/>
+            <a:off x="340433" y="2837840"/>
             <a:ext cx="73705" cy="73705"/>
           </a:xfrm>
           <a:prstGeom prst="ellipse">
@@ -4876,8 +4913,9 @@
           <a:p>
             <a:pPr algn="ctr"/>
             <a:endParaRPr lang="en-US">
-              <a:latin typeface="Times New Roman" panose="02020603050405020304" pitchFamily="18" charset="0"/>
-              <a:cs typeface="Times New Roman" panose="02020603050405020304" pitchFamily="18" charset="0"/>
+              <a:latin typeface=""/>
+              <a:ea typeface="Tahoma" panose="020B0604030504040204" pitchFamily="34" charset="0"/>
+              <a:cs typeface="Tahoma" panose="020B0604030504040204" pitchFamily="34" charset="0"/>
             </a:endParaRPr>
           </a:p>
         </p:txBody>
@@ -4896,7 +4934,7 @@
         </p:nvSpPr>
         <p:spPr>
           <a:xfrm>
-            <a:off x="339011" y="2451991"/>
+            <a:off x="339011" y="2938907"/>
             <a:ext cx="73705" cy="73705"/>
           </a:xfrm>
           <a:prstGeom prst="ellipse">
@@ -4931,8 +4969,9 @@
           <a:p>
             <a:pPr algn="ctr"/>
             <a:endParaRPr lang="en-US">
-              <a:latin typeface="Times New Roman" panose="02020603050405020304" pitchFamily="18" charset="0"/>
-              <a:cs typeface="Times New Roman" panose="02020603050405020304" pitchFamily="18" charset="0"/>
+              <a:latin typeface=""/>
+              <a:ea typeface="Tahoma" panose="020B0604030504040204" pitchFamily="34" charset="0"/>
+              <a:cs typeface="Tahoma" panose="020B0604030504040204" pitchFamily="34" charset="0"/>
             </a:endParaRPr>
           </a:p>
         </p:txBody>
@@ -4951,7 +4990,7 @@
         </p:nvSpPr>
         <p:spPr>
           <a:xfrm>
-            <a:off x="1830689" y="1263960"/>
+            <a:off x="1950435" y="1750876"/>
             <a:ext cx="357725" cy="283781"/>
           </a:xfrm>
           <a:prstGeom prst="can">
@@ -4987,22 +5026,24 @@
           <a:p>
             <a:pPr algn="ctr"/>
             <a:r>
-              <a:rPr lang="en-US" sz="1400" dirty="0">
+              <a:rPr lang="en-US" sz="1200" dirty="0">
                 <a:solidFill>
                   <a:schemeClr val="bg1"/>
                 </a:solidFill>
-                <a:latin typeface="Times New Roman" panose="02020603050405020304" pitchFamily="18" charset="0"/>
-                <a:cs typeface="Times New Roman" panose="02020603050405020304" pitchFamily="18" charset="0"/>
+                <a:latin typeface=""/>
+                <a:ea typeface="Tahoma" panose="020B0604030504040204" pitchFamily="34" charset="0"/>
+                <a:cs typeface="Tahoma" panose="020B0604030504040204" pitchFamily="34" charset="0"/>
               </a:rPr>
               <a:t>S</a:t>
             </a:r>
             <a:r>
-              <a:rPr lang="en-US" sz="1400" baseline="-25000" dirty="0">
+              <a:rPr lang="en-US" sz="1200" baseline="-25000" dirty="0">
                 <a:solidFill>
                   <a:schemeClr val="bg1"/>
                 </a:solidFill>
-                <a:latin typeface="Times New Roman" panose="02020603050405020304" pitchFamily="18" charset="0"/>
-                <a:cs typeface="Times New Roman" panose="02020603050405020304" pitchFamily="18" charset="0"/>
+                <a:latin typeface=""/>
+                <a:ea typeface="Tahoma" panose="020B0604030504040204" pitchFamily="34" charset="0"/>
+                <a:cs typeface="Tahoma" panose="020B0604030504040204" pitchFamily="34" charset="0"/>
               </a:rPr>
               <a:t>1</a:t>
             </a:r>
@@ -5023,7 +5064,7 @@
         </p:nvSpPr>
         <p:spPr>
           <a:xfrm>
-            <a:off x="1853819" y="2332869"/>
+            <a:off x="1973565" y="2819785"/>
             <a:ext cx="342672" cy="283781"/>
           </a:xfrm>
           <a:prstGeom prst="can">
@@ -5059,22 +5100,24 @@
           <a:p>
             <a:pPr algn="ctr"/>
             <a:r>
-              <a:rPr lang="en-US" sz="1400" dirty="0">
+              <a:rPr lang="en-US" sz="1200" dirty="0">
                 <a:solidFill>
                   <a:schemeClr val="bg1"/>
                 </a:solidFill>
-                <a:latin typeface="Times New Roman" panose="02020603050405020304" pitchFamily="18" charset="0"/>
-                <a:cs typeface="Times New Roman" panose="02020603050405020304" pitchFamily="18" charset="0"/>
+                <a:latin typeface=""/>
+                <a:ea typeface="Tahoma" panose="020B0604030504040204" pitchFamily="34" charset="0"/>
+                <a:cs typeface="Tahoma" panose="020B0604030504040204" pitchFamily="34" charset="0"/>
               </a:rPr>
               <a:t>S</a:t>
             </a:r>
             <a:r>
-              <a:rPr lang="en-US" sz="1400" baseline="-25000" dirty="0">
+              <a:rPr lang="en-US" sz="1200" baseline="-25000" dirty="0">
                 <a:solidFill>
                   <a:schemeClr val="bg1"/>
                 </a:solidFill>
-                <a:latin typeface="Times New Roman" panose="02020603050405020304" pitchFamily="18" charset="0"/>
-                <a:cs typeface="Times New Roman" panose="02020603050405020304" pitchFamily="18" charset="0"/>
+                <a:latin typeface=""/>
+                <a:ea typeface="Tahoma" panose="020B0604030504040204" pitchFamily="34" charset="0"/>
+                <a:cs typeface="Tahoma" panose="020B0604030504040204" pitchFamily="34" charset="0"/>
               </a:rPr>
               <a:t>2</a:t>
             </a:r>
@@ -5095,7 +5138,7 @@
         </p:nvSpPr>
         <p:spPr>
           <a:xfrm>
-            <a:off x="1966356" y="2991815"/>
+            <a:off x="2086102" y="3478731"/>
             <a:ext cx="80683" cy="81281"/>
           </a:xfrm>
           <a:prstGeom prst="ellipse">
@@ -5130,8 +5173,9 @@
           <a:p>
             <a:pPr algn="ctr"/>
             <a:endParaRPr lang="en-US" sz="1200">
-              <a:latin typeface="Times New Roman" panose="02020603050405020304" pitchFamily="18" charset="0"/>
-              <a:cs typeface="Times New Roman" panose="02020603050405020304" pitchFamily="18" charset="0"/>
+              <a:latin typeface=""/>
+              <a:ea typeface="Tahoma" panose="020B0604030504040204" pitchFamily="34" charset="0"/>
+              <a:cs typeface="Tahoma" panose="020B0604030504040204" pitchFamily="34" charset="0"/>
             </a:endParaRPr>
           </a:p>
         </p:txBody>
@@ -5150,7 +5194,7 @@
         </p:nvSpPr>
         <p:spPr>
           <a:xfrm>
-            <a:off x="1966356" y="3138371"/>
+            <a:off x="2086102" y="3625287"/>
             <a:ext cx="80683" cy="83489"/>
           </a:xfrm>
           <a:prstGeom prst="ellipse">
@@ -5185,8 +5229,9 @@
           <a:p>
             <a:pPr algn="ctr"/>
             <a:endParaRPr lang="en-US" sz="1200">
-              <a:latin typeface="Times New Roman" panose="02020603050405020304" pitchFamily="18" charset="0"/>
-              <a:cs typeface="Times New Roman" panose="02020603050405020304" pitchFamily="18" charset="0"/>
+              <a:latin typeface=""/>
+              <a:ea typeface="Tahoma" panose="020B0604030504040204" pitchFamily="34" charset="0"/>
+              <a:cs typeface="Tahoma" panose="020B0604030504040204" pitchFamily="34" charset="0"/>
             </a:endParaRPr>
           </a:p>
         </p:txBody>
@@ -5205,7 +5250,7 @@
         </p:nvSpPr>
         <p:spPr>
           <a:xfrm flipH="1">
-            <a:off x="2420645" y="1586776"/>
+            <a:off x="2540391" y="2073692"/>
             <a:ext cx="1098768" cy="283781"/>
           </a:xfrm>
           <a:prstGeom prst="flowChartPunchedCard">
@@ -5241,12 +5286,13 @@
           <a:p>
             <a:pPr algn="ctr"/>
             <a:r>
-              <a:rPr lang="en-US" sz="1400" dirty="0">
+              <a:rPr lang="en-US" sz="1300" dirty="0">
                 <a:solidFill>
                   <a:schemeClr val="tx1"/>
                 </a:solidFill>
-                <a:latin typeface="Times New Roman" panose="02020603050405020304" pitchFamily="18" charset="0"/>
-                <a:cs typeface="Times New Roman" panose="02020603050405020304" pitchFamily="18" charset="0"/>
+                <a:latin typeface=""/>
+                <a:ea typeface="Tahoma" panose="020B0604030504040204" pitchFamily="34" charset="0"/>
+                <a:cs typeface="Tahoma" panose="020B0604030504040204" pitchFamily="34" charset="0"/>
               </a:rPr>
               <a:t>Validator</a:t>
             </a:r>
@@ -5267,8 +5313,8 @@
         </p:nvSpPr>
         <p:spPr>
           <a:xfrm flipH="1">
-            <a:off x="2428094" y="1971014"/>
-            <a:ext cx="1097957" cy="386824"/>
+            <a:off x="2547839" y="2457930"/>
+            <a:ext cx="1105410" cy="386824"/>
           </a:xfrm>
           <a:prstGeom prst="flowChartPunchedCard">
             <a:avLst/>
@@ -5303,74 +5349,81 @@
           <a:p>
             <a:pPr algn="ctr"/>
             <a:r>
-              <a:rPr lang="en-US" sz="1400" dirty="0">
+              <a:rPr lang="en-US" sz="1300" dirty="0">
                 <a:solidFill>
                   <a:schemeClr val="tx1"/>
                 </a:solidFill>
-                <a:latin typeface="Times New Roman" panose="02020603050405020304" pitchFamily="18" charset="0"/>
-                <a:cs typeface="Times New Roman" panose="02020603050405020304" pitchFamily="18" charset="0"/>
+                <a:latin typeface=""/>
+                <a:ea typeface="Tahoma" panose="020B0604030504040204" pitchFamily="34" charset="0"/>
+                <a:cs typeface="Tahoma" panose="020B0604030504040204" pitchFamily="34" charset="0"/>
               </a:rPr>
               <a:t>OI </a:t>
             </a:r>
             <a:r>
-              <a:rPr lang="en-US" sz="1400" b="0" i="0" dirty="0">
+              <a:rPr lang="en-US" sz="1300" b="0" i="0" dirty="0">
                 <a:solidFill>
                   <a:schemeClr val="tx1"/>
                 </a:solidFill>
                 <a:effectLst/>
-                <a:latin typeface="Times New Roman" panose="02020603050405020304" pitchFamily="18" charset="0"/>
-                <a:cs typeface="Times New Roman" panose="02020603050405020304" pitchFamily="18" charset="0"/>
+                <a:latin typeface=""/>
+                <a:ea typeface="Tahoma" panose="020B0604030504040204" pitchFamily="34" charset="0"/>
+                <a:cs typeface="Tahoma" panose="020B0604030504040204" pitchFamily="34" charset="0"/>
               </a:rPr>
               <a:t>⊨</a:t>
             </a:r>
             <a:r>
-              <a:rPr lang="en-US" sz="1400" b="0" i="0" dirty="0">
+              <a:rPr lang="en-US" sz="1300" b="0" i="0" dirty="0">
                 <a:solidFill>
                   <a:srgbClr val="4D5156"/>
                 </a:solidFill>
                 <a:effectLst/>
-                <a:latin typeface="Times New Roman" panose="02020603050405020304" pitchFamily="18" charset="0"/>
-                <a:cs typeface="Times New Roman" panose="02020603050405020304" pitchFamily="18" charset="0"/>
+                <a:latin typeface=""/>
+                <a:ea typeface="Tahoma" panose="020B0604030504040204" pitchFamily="34" charset="0"/>
+                <a:cs typeface="Tahoma" panose="020B0604030504040204" pitchFamily="34" charset="0"/>
               </a:rPr>
               <a:t> </a:t>
             </a:r>
             <a:r>
-              <a:rPr lang="en-US" sz="1400" dirty="0">
+              <a:rPr lang="en-US" sz="1300" dirty="0">
                 <a:solidFill>
                   <a:schemeClr val="tx1"/>
                 </a:solidFill>
-                <a:latin typeface="Times New Roman" panose="02020603050405020304" pitchFamily="18" charset="0"/>
-                <a:cs typeface="Times New Roman" panose="02020603050405020304" pitchFamily="18" charset="0"/>
+                <a:latin typeface=""/>
+                <a:ea typeface="Tahoma" panose="020B0604030504040204" pitchFamily="34" charset="0"/>
+                <a:cs typeface="Tahoma" panose="020B0604030504040204" pitchFamily="34" charset="0"/>
               </a:rPr>
               <a:t>P</a:t>
             </a:r>
             <a:r>
-              <a:rPr lang="en-US" sz="1400" baseline="-25000" dirty="0">
+              <a:rPr lang="en-US" sz="1300" baseline="-25000" dirty="0">
                 <a:solidFill>
                   <a:schemeClr val="tx1"/>
                 </a:solidFill>
-                <a:latin typeface="Times New Roman" panose="02020603050405020304" pitchFamily="18" charset="0"/>
-                <a:cs typeface="Times New Roman" panose="02020603050405020304" pitchFamily="18" charset="0"/>
+                <a:latin typeface=""/>
+                <a:ea typeface="Tahoma" panose="020B0604030504040204" pitchFamily="34" charset="0"/>
+                <a:cs typeface="Tahoma" panose="020B0604030504040204" pitchFamily="34" charset="0"/>
               </a:rPr>
               <a:t>1</a:t>
             </a:r>
             <a:r>
-              <a:rPr lang="en-US" sz="1400" dirty="0">
+              <a:rPr lang="en-US" sz="1300" dirty="0">
                 <a:solidFill>
                   <a:schemeClr val="tx1"/>
                 </a:solidFill>
-                <a:latin typeface="Times New Roman" panose="02020603050405020304" pitchFamily="18" charset="0"/>
-                <a:cs typeface="Times New Roman" panose="02020603050405020304" pitchFamily="18" charset="0"/>
+                <a:latin typeface=""/>
+                <a:ea typeface="Tahoma" panose="020B0604030504040204" pitchFamily="34" charset="0"/>
+                <a:cs typeface="Tahoma" panose="020B0604030504040204" pitchFamily="34" charset="0"/>
               </a:rPr>
               <a:t>:v</a:t>
             </a:r>
             <a:r>
-              <a:rPr lang="en-US" sz="1400" baseline="-25000" dirty="0">
+              <a:rPr lang="en-US" sz="1300" baseline="-25000" dirty="0">
                 <a:solidFill>
                   <a:schemeClr val="tx1"/>
                 </a:solidFill>
-                <a:latin typeface="Times New Roman" panose="02020603050405020304" pitchFamily="18" charset="0"/>
-                <a:cs typeface="Times New Roman" panose="02020603050405020304" pitchFamily="18" charset="0"/>
+                <a:latin typeface=""/>
+                <a:ea typeface="Tahoma" panose="020B0604030504040204" pitchFamily="34" charset="0"/>
+                <a:cs typeface="Tahoma" panose="020B0604030504040204" pitchFamily="34" charset="0"/>
               </a:rPr>
               <a:t>1_2</a:t>
             </a:r>
@@ -5391,7 +5444,7 @@
         </p:nvSpPr>
         <p:spPr>
           <a:xfrm flipH="1">
-            <a:off x="2420644" y="2828703"/>
+            <a:off x="2540390" y="3315619"/>
             <a:ext cx="1097956" cy="300300"/>
           </a:xfrm>
           <a:prstGeom prst="flowChartPunchedCard">
@@ -5427,12 +5480,13 @@
           <a:p>
             <a:pPr algn="ctr"/>
             <a:r>
-              <a:rPr lang="en-US" sz="1400" dirty="0">
+              <a:rPr lang="en-US" sz="1300" dirty="0">
                 <a:solidFill>
                   <a:schemeClr val="tx1"/>
                 </a:solidFill>
-                <a:latin typeface="Times New Roman" panose="02020603050405020304" pitchFamily="18" charset="0"/>
-                <a:cs typeface="Times New Roman" panose="02020603050405020304" pitchFamily="18" charset="0"/>
+                <a:latin typeface=""/>
+                <a:ea typeface="Tahoma" panose="020B0604030504040204" pitchFamily="34" charset="0"/>
+                <a:cs typeface="Tahoma" panose="020B0604030504040204" pitchFamily="34" charset="0"/>
               </a:rPr>
               <a:t>Validator</a:t>
             </a:r>
@@ -5457,8 +5511,8 @@
         </p:nvCxnSpPr>
         <p:spPr>
           <a:xfrm flipV="1">
-            <a:off x="2196491" y="2164426"/>
-            <a:ext cx="231603" cy="310334"/>
+            <a:off x="2316237" y="2651342"/>
+            <a:ext cx="231602" cy="310334"/>
           </a:xfrm>
           <a:prstGeom prst="bentConnector3">
             <a:avLst/>
@@ -5506,7 +5560,7 @@
         </p:nvCxnSpPr>
         <p:spPr>
           <a:xfrm>
-            <a:off x="2196491" y="2474760"/>
+            <a:off x="2316237" y="2961676"/>
             <a:ext cx="224153" cy="504093"/>
           </a:xfrm>
           <a:prstGeom prst="bentConnector3">
@@ -5557,7 +5611,7 @@
         </p:nvCxnSpPr>
         <p:spPr>
           <a:xfrm flipV="1">
-            <a:off x="2188414" y="920271"/>
+            <a:off x="2308160" y="1407187"/>
             <a:ext cx="233364" cy="485580"/>
           </a:xfrm>
           <a:prstGeom prst="bentConnector3">
@@ -5606,7 +5660,7 @@
         </p:nvCxnSpPr>
         <p:spPr>
           <a:xfrm>
-            <a:off x="2188414" y="1405851"/>
+            <a:off x="2308160" y="1892767"/>
             <a:ext cx="232231" cy="322816"/>
           </a:xfrm>
           <a:prstGeom prst="bentConnector3">
@@ -5657,7 +5711,7 @@
         </p:nvCxnSpPr>
         <p:spPr>
           <a:xfrm flipV="1">
-            <a:off x="3518600" y="2840424"/>
+            <a:off x="3638346" y="3327340"/>
             <a:ext cx="640466" cy="138429"/>
           </a:xfrm>
           <a:prstGeom prst="bentConnector2">
@@ -5706,8 +5760,8 @@
         </p:nvCxnSpPr>
         <p:spPr>
           <a:xfrm>
-            <a:off x="3526051" y="2164426"/>
-            <a:ext cx="633015" cy="144589"/>
+            <a:off x="3653249" y="2651342"/>
+            <a:ext cx="625563" cy="144589"/>
           </a:xfrm>
           <a:prstGeom prst="bentConnector2">
             <a:avLst/>
@@ -5751,7 +5805,7 @@
         </p:nvSpPr>
         <p:spPr>
           <a:xfrm>
-            <a:off x="1966356" y="2840849"/>
+            <a:off x="2086102" y="3327765"/>
             <a:ext cx="80683" cy="85691"/>
           </a:xfrm>
           <a:prstGeom prst="ellipse">
@@ -5786,8 +5840,9 @@
           <a:p>
             <a:pPr algn="ctr"/>
             <a:endParaRPr lang="en-US" sz="1200">
-              <a:latin typeface="Times New Roman" panose="02020603050405020304" pitchFamily="18" charset="0"/>
-              <a:cs typeface="Times New Roman" panose="02020603050405020304" pitchFamily="18" charset="0"/>
+              <a:latin typeface=""/>
+              <a:ea typeface="Tahoma" panose="020B0604030504040204" pitchFamily="34" charset="0"/>
+              <a:cs typeface="Tahoma" panose="020B0604030504040204" pitchFamily="34" charset="0"/>
             </a:endParaRPr>
           </a:p>
         </p:txBody>
@@ -5806,7 +5861,7 @@
         </p:nvSpPr>
         <p:spPr>
           <a:xfrm flipH="1">
-            <a:off x="2421778" y="734565"/>
+            <a:off x="2541524" y="1221481"/>
             <a:ext cx="1093434" cy="371411"/>
           </a:xfrm>
           <a:prstGeom prst="flowChartPunchedCard">
@@ -5842,74 +5897,81 @@
           <a:p>
             <a:pPr algn="ctr"/>
             <a:r>
-              <a:rPr lang="en-US" sz="1400" dirty="0">
+              <a:rPr lang="en-US" sz="1300" dirty="0">
                 <a:solidFill>
                   <a:schemeClr val="tx1"/>
                 </a:solidFill>
-                <a:latin typeface="Times New Roman" panose="02020603050405020304" pitchFamily="18" charset="0"/>
-                <a:cs typeface="Times New Roman" panose="02020603050405020304" pitchFamily="18" charset="0"/>
+                <a:latin typeface=""/>
+                <a:ea typeface="Tahoma" panose="020B0604030504040204" pitchFamily="34" charset="0"/>
+                <a:cs typeface="Tahoma" panose="020B0604030504040204" pitchFamily="34" charset="0"/>
               </a:rPr>
               <a:t>OI </a:t>
             </a:r>
             <a:r>
-              <a:rPr lang="en-US" sz="1400" b="0" i="0" dirty="0">
+              <a:rPr lang="en-US" sz="1300" b="0" i="0" dirty="0">
                 <a:solidFill>
                   <a:schemeClr val="tx1"/>
                 </a:solidFill>
                 <a:effectLst/>
-                <a:latin typeface="Times New Roman" panose="02020603050405020304" pitchFamily="18" charset="0"/>
-                <a:cs typeface="Times New Roman" panose="02020603050405020304" pitchFamily="18" charset="0"/>
+                <a:latin typeface=""/>
+                <a:ea typeface="Tahoma" panose="020B0604030504040204" pitchFamily="34" charset="0"/>
+                <a:cs typeface="Tahoma" panose="020B0604030504040204" pitchFamily="34" charset="0"/>
               </a:rPr>
               <a:t>⊨</a:t>
             </a:r>
             <a:r>
-              <a:rPr lang="en-US" sz="1400" b="0" i="0" dirty="0">
+              <a:rPr lang="en-US" sz="1300" b="0" i="0" dirty="0">
                 <a:solidFill>
                   <a:srgbClr val="4D5156"/>
                 </a:solidFill>
                 <a:effectLst/>
-                <a:latin typeface="Times New Roman" panose="02020603050405020304" pitchFamily="18" charset="0"/>
-                <a:cs typeface="Times New Roman" panose="02020603050405020304" pitchFamily="18" charset="0"/>
+                <a:latin typeface=""/>
+                <a:ea typeface="Tahoma" panose="020B0604030504040204" pitchFamily="34" charset="0"/>
+                <a:cs typeface="Tahoma" panose="020B0604030504040204" pitchFamily="34" charset="0"/>
               </a:rPr>
               <a:t> </a:t>
             </a:r>
             <a:r>
-              <a:rPr lang="en-US" sz="1400" dirty="0">
+              <a:rPr lang="en-US" sz="1300" dirty="0">
                 <a:solidFill>
                   <a:schemeClr val="tx1"/>
                 </a:solidFill>
-                <a:latin typeface="Times New Roman" panose="02020603050405020304" pitchFamily="18" charset="0"/>
-                <a:cs typeface="Times New Roman" panose="02020603050405020304" pitchFamily="18" charset="0"/>
+                <a:latin typeface=""/>
+                <a:ea typeface="Tahoma" panose="020B0604030504040204" pitchFamily="34" charset="0"/>
+                <a:cs typeface="Tahoma" panose="020B0604030504040204" pitchFamily="34" charset="0"/>
               </a:rPr>
               <a:t>P</a:t>
             </a:r>
             <a:r>
-              <a:rPr lang="en-US" sz="1400" baseline="-25000" dirty="0">
+              <a:rPr lang="en-US" sz="1300" baseline="-25000" dirty="0">
                 <a:solidFill>
                   <a:schemeClr val="tx1"/>
                 </a:solidFill>
-                <a:latin typeface="Times New Roman" panose="02020603050405020304" pitchFamily="18" charset="0"/>
-                <a:cs typeface="Times New Roman" panose="02020603050405020304" pitchFamily="18" charset="0"/>
+                <a:latin typeface=""/>
+                <a:ea typeface="Tahoma" panose="020B0604030504040204" pitchFamily="34" charset="0"/>
+                <a:cs typeface="Tahoma" panose="020B0604030504040204" pitchFamily="34" charset="0"/>
               </a:rPr>
               <a:t>1</a:t>
             </a:r>
             <a:r>
-              <a:rPr lang="en-US" sz="1400" dirty="0">
+              <a:rPr lang="en-US" sz="1300" dirty="0">
                 <a:solidFill>
                   <a:schemeClr val="tx1"/>
                 </a:solidFill>
-                <a:latin typeface="Times New Roman" panose="02020603050405020304" pitchFamily="18" charset="0"/>
-                <a:cs typeface="Times New Roman" panose="02020603050405020304" pitchFamily="18" charset="0"/>
+                <a:latin typeface=""/>
+                <a:ea typeface="Tahoma" panose="020B0604030504040204" pitchFamily="34" charset="0"/>
+                <a:cs typeface="Tahoma" panose="020B0604030504040204" pitchFamily="34" charset="0"/>
               </a:rPr>
               <a:t>:v</a:t>
             </a:r>
             <a:r>
-              <a:rPr lang="en-US" sz="1400" baseline="-25000" dirty="0">
+              <a:rPr lang="en-US" sz="1300" baseline="-25000" dirty="0">
                 <a:solidFill>
                   <a:schemeClr val="tx1"/>
                 </a:solidFill>
-                <a:latin typeface="Times New Roman" panose="02020603050405020304" pitchFamily="18" charset="0"/>
-                <a:cs typeface="Times New Roman" panose="02020603050405020304" pitchFamily="18" charset="0"/>
+                <a:latin typeface=""/>
+                <a:ea typeface="Tahoma" panose="020B0604030504040204" pitchFamily="34" charset="0"/>
+                <a:cs typeface="Tahoma" panose="020B0604030504040204" pitchFamily="34" charset="0"/>
               </a:rPr>
               <a:t>1_1</a:t>
             </a:r>
@@ -5930,7 +5992,7 @@
         </p:nvSpPr>
         <p:spPr>
           <a:xfrm>
-            <a:off x="3533504" y="1062990"/>
+            <a:off x="3653250" y="1549906"/>
             <a:ext cx="1249093" cy="531409"/>
           </a:xfrm>
           <a:prstGeom prst="flowChartDecision">
@@ -5958,8 +6020,9 @@
           <a:p>
             <a:pPr algn="ctr"/>
             <a:endParaRPr lang="en-US" sz="1200" dirty="0">
-              <a:latin typeface="Times New Roman" panose="02020603050405020304" pitchFamily="18" charset="0"/>
-              <a:cs typeface="Times New Roman" panose="02020603050405020304" pitchFamily="18" charset="0"/>
+              <a:latin typeface=""/>
+              <a:ea typeface="Tahoma" panose="020B0604030504040204" pitchFamily="34" charset="0"/>
+              <a:cs typeface="Tahoma" panose="020B0604030504040204" pitchFamily="34" charset="0"/>
             </a:endParaRPr>
           </a:p>
         </p:txBody>
@@ -5978,7 +6041,7 @@
         </p:nvSpPr>
         <p:spPr>
           <a:xfrm>
-            <a:off x="3595002" y="1163701"/>
+            <a:off x="3725634" y="1661503"/>
             <a:ext cx="1046954" cy="276999"/>
           </a:xfrm>
           <a:prstGeom prst="rect">
@@ -5995,15 +6058,17 @@
             <a:pPr algn="ctr"/>
             <a:r>
               <a:rPr lang="en-US" sz="1200" dirty="0">
-                <a:latin typeface="Times New Roman" panose="02020603050405020304" pitchFamily="18" charset="0"/>
-                <a:cs typeface="Times New Roman" panose="02020603050405020304" pitchFamily="18" charset="0"/>
+                <a:latin typeface=""/>
+                <a:ea typeface="Tahoma" panose="020B0604030504040204" pitchFamily="34" charset="0"/>
+                <a:cs typeface="Tahoma" panose="020B0604030504040204" pitchFamily="34" charset="0"/>
               </a:rPr>
               <a:t>Similarity</a:t>
             </a:r>
             <a:r>
               <a:rPr lang="en-US" sz="1200" baseline="-25000" dirty="0">
-                <a:latin typeface="Times New Roman" panose="02020603050405020304" pitchFamily="18" charset="0"/>
-                <a:cs typeface="Times New Roman" panose="02020603050405020304" pitchFamily="18" charset="0"/>
+                <a:latin typeface=""/>
+                <a:ea typeface="Tahoma" panose="020B0604030504040204" pitchFamily="34" charset="0"/>
+                <a:cs typeface="Tahoma" panose="020B0604030504040204" pitchFamily="34" charset="0"/>
               </a:rPr>
               <a:t>1_1</a:t>
             </a:r>
@@ -6028,7 +6093,7 @@
         </p:nvCxnSpPr>
         <p:spPr>
           <a:xfrm flipV="1">
-            <a:off x="3519413" y="1594399"/>
+            <a:off x="3639159" y="2081315"/>
             <a:ext cx="638638" cy="134268"/>
           </a:xfrm>
           <a:prstGeom prst="bentConnector2">
@@ -6077,7 +6142,7 @@
         </p:nvCxnSpPr>
         <p:spPr>
           <a:xfrm>
-            <a:off x="3515212" y="920271"/>
+            <a:off x="3634958" y="1407187"/>
             <a:ext cx="642839" cy="142719"/>
           </a:xfrm>
           <a:prstGeom prst="bentConnector2">
@@ -6126,7 +6191,7 @@
         </p:nvCxnSpPr>
         <p:spPr>
           <a:xfrm flipV="1">
-            <a:off x="8912040" y="1436138"/>
+            <a:off x="8912040" y="1923054"/>
             <a:ext cx="138987" cy="674"/>
           </a:xfrm>
           <a:prstGeom prst="straightConnector1">
@@ -6176,7 +6241,7 @@
         </p:nvCxnSpPr>
         <p:spPr>
           <a:xfrm flipV="1">
-            <a:off x="7214148" y="1436261"/>
+            <a:off x="7214148" y="1923177"/>
             <a:ext cx="208383" cy="339"/>
           </a:xfrm>
           <a:prstGeom prst="straightConnector1">
@@ -6222,8 +6287,8 @@
         </p:nvSpPr>
         <p:spPr>
           <a:xfrm>
-            <a:off x="9051027" y="1290023"/>
-            <a:ext cx="1570420" cy="292230"/>
+            <a:off x="9051027" y="1776939"/>
+            <a:ext cx="1534500" cy="292230"/>
           </a:xfrm>
           <a:prstGeom prst="rect">
             <a:avLst/>
@@ -6252,64 +6317,57 @@
             <a:pPr algn="ctr"/>
             <a:r>
               <a:rPr lang="en-US" sz="1400" dirty="0">
-                <a:latin typeface="Times New Roman" panose="02020603050405020304" pitchFamily="18" charset="0"/>
-                <a:cs typeface="Times New Roman" panose="02020603050405020304" pitchFamily="18" charset="0"/>
+                <a:latin typeface=""/>
+                <a:ea typeface="Tahoma" panose="020B0604030504040204" pitchFamily="34" charset="0"/>
+                <a:cs typeface="Tahoma" panose="020B0604030504040204" pitchFamily="34" charset="0"/>
               </a:rPr>
               <a:t>[</a:t>
             </a:r>
             <a:r>
               <a:rPr lang="en-US" sz="1400" i="1" dirty="0">
                 <a:latin typeface="Times New Roman" panose="02020603050405020304" pitchFamily="18" charset="0"/>
+                <a:ea typeface="Tahoma" panose="020B0604030504040204" pitchFamily="34" charset="0"/>
                 <a:cs typeface="Times New Roman" panose="02020603050405020304" pitchFamily="18" charset="0"/>
               </a:rPr>
               <a:t>l</a:t>
             </a:r>
             <a:r>
-              <a:rPr lang="en-US" sz="1400" dirty="0">
-                <a:latin typeface="Times New Roman" panose="02020603050405020304" pitchFamily="18" charset="0"/>
-                <a:cs typeface="Times New Roman" panose="02020603050405020304" pitchFamily="18" charset="0"/>
-              </a:rPr>
-              <a:t> </a:t>
-            </a:r>
-            <a:r>
               <a:rPr lang="en-US" sz="1400" baseline="-25000" dirty="0">
-                <a:latin typeface="Times New Roman" panose="02020603050405020304" pitchFamily="18" charset="0"/>
-                <a:cs typeface="Times New Roman" panose="02020603050405020304" pitchFamily="18" charset="0"/>
+                <a:latin typeface=""/>
+                <a:ea typeface="Tahoma" panose="020B0604030504040204" pitchFamily="34" charset="0"/>
+                <a:cs typeface="Tahoma" panose="020B0604030504040204" pitchFamily="34" charset="0"/>
               </a:rPr>
               <a:t>S1_M1</a:t>
             </a:r>
             <a:r>
               <a:rPr lang="en-US" sz="1400" dirty="0">
-                <a:latin typeface="Times New Roman" panose="02020603050405020304" pitchFamily="18" charset="0"/>
-                <a:cs typeface="Times New Roman" panose="02020603050405020304" pitchFamily="18" charset="0"/>
+                <a:latin typeface=""/>
+                <a:ea typeface="Tahoma" panose="020B0604030504040204" pitchFamily="34" charset="0"/>
+                <a:cs typeface="Tahoma" panose="020B0604030504040204" pitchFamily="34" charset="0"/>
               </a:rPr>
               <a:t>, </a:t>
             </a:r>
             <a:r>
               <a:rPr lang="en-US" sz="1400" i="1" dirty="0">
                 <a:latin typeface="Times New Roman" panose="02020603050405020304" pitchFamily="18" charset="0"/>
+                <a:ea typeface="Tahoma" panose="020B0604030504040204" pitchFamily="34" charset="0"/>
                 <a:cs typeface="Times New Roman" panose="02020603050405020304" pitchFamily="18" charset="0"/>
               </a:rPr>
               <a:t>l</a:t>
             </a:r>
             <a:r>
-              <a:rPr lang="en-US" sz="1400" dirty="0">
-                <a:latin typeface="Times New Roman" panose="02020603050405020304" pitchFamily="18" charset="0"/>
-                <a:cs typeface="Times New Roman" panose="02020603050405020304" pitchFamily="18" charset="0"/>
-              </a:rPr>
-              <a:t> </a:t>
-            </a:r>
-            <a:r>
               <a:rPr lang="en-US" sz="1400" baseline="-25000" dirty="0">
-                <a:latin typeface="Times New Roman" panose="02020603050405020304" pitchFamily="18" charset="0"/>
-                <a:cs typeface="Times New Roman" panose="02020603050405020304" pitchFamily="18" charset="0"/>
+                <a:latin typeface=""/>
+                <a:ea typeface="Tahoma" panose="020B0604030504040204" pitchFamily="34" charset="0"/>
+                <a:cs typeface="Tahoma" panose="020B0604030504040204" pitchFamily="34" charset="0"/>
               </a:rPr>
               <a:t>S1_M2</a:t>
             </a:r>
             <a:r>
               <a:rPr lang="en-US" sz="1400" dirty="0">
-                <a:latin typeface="Times New Roman" panose="02020603050405020304" pitchFamily="18" charset="0"/>
-                <a:cs typeface="Times New Roman" panose="02020603050405020304" pitchFamily="18" charset="0"/>
+                <a:latin typeface=""/>
+                <a:ea typeface="Tahoma" panose="020B0604030504040204" pitchFamily="34" charset="0"/>
+                <a:cs typeface="Tahoma" panose="020B0604030504040204" pitchFamily="34" charset="0"/>
               </a:rPr>
               <a:t>,…]</a:t>
             </a:r>
@@ -6330,8 +6388,8 @@
         </p:nvSpPr>
         <p:spPr>
           <a:xfrm>
-            <a:off x="9049776" y="2294295"/>
-            <a:ext cx="1572921" cy="292230"/>
+            <a:off x="9049777" y="2781211"/>
+            <a:ext cx="1536944" cy="292230"/>
           </a:xfrm>
           <a:prstGeom prst="rect">
             <a:avLst/>
@@ -6360,64 +6418,57 @@
             <a:pPr algn="ctr"/>
             <a:r>
               <a:rPr lang="en-US" sz="1400" dirty="0">
-                <a:latin typeface="Times New Roman" panose="02020603050405020304" pitchFamily="18" charset="0"/>
-                <a:cs typeface="Times New Roman" panose="02020603050405020304" pitchFamily="18" charset="0"/>
+                <a:latin typeface=""/>
+                <a:ea typeface="Tahoma" panose="020B0604030504040204" pitchFamily="34" charset="0"/>
+                <a:cs typeface="Tahoma" panose="020B0604030504040204" pitchFamily="34" charset="0"/>
               </a:rPr>
               <a:t>[</a:t>
             </a:r>
             <a:r>
               <a:rPr lang="en-US" sz="1400" i="1" dirty="0">
                 <a:latin typeface="Times New Roman" panose="02020603050405020304" pitchFamily="18" charset="0"/>
+                <a:ea typeface="Tahoma" panose="020B0604030504040204" pitchFamily="34" charset="0"/>
                 <a:cs typeface="Times New Roman" panose="02020603050405020304" pitchFamily="18" charset="0"/>
               </a:rPr>
               <a:t>l</a:t>
             </a:r>
             <a:r>
-              <a:rPr lang="en-US" sz="1400" dirty="0">
-                <a:latin typeface="Times New Roman" panose="02020603050405020304" pitchFamily="18" charset="0"/>
-                <a:cs typeface="Times New Roman" panose="02020603050405020304" pitchFamily="18" charset="0"/>
-              </a:rPr>
-              <a:t> </a:t>
-            </a:r>
-            <a:r>
               <a:rPr lang="en-US" sz="1400" baseline="-25000" dirty="0">
-                <a:latin typeface="Times New Roman" panose="02020603050405020304" pitchFamily="18" charset="0"/>
-                <a:cs typeface="Times New Roman" panose="02020603050405020304" pitchFamily="18" charset="0"/>
+                <a:latin typeface=""/>
+                <a:ea typeface="Tahoma" panose="020B0604030504040204" pitchFamily="34" charset="0"/>
+                <a:cs typeface="Tahoma" panose="020B0604030504040204" pitchFamily="34" charset="0"/>
               </a:rPr>
               <a:t>S2_M1</a:t>
             </a:r>
             <a:r>
               <a:rPr lang="en-US" sz="1400" dirty="0">
-                <a:latin typeface="Times New Roman" panose="02020603050405020304" pitchFamily="18" charset="0"/>
-                <a:cs typeface="Times New Roman" panose="02020603050405020304" pitchFamily="18" charset="0"/>
+                <a:latin typeface=""/>
+                <a:ea typeface="Tahoma" panose="020B0604030504040204" pitchFamily="34" charset="0"/>
+                <a:cs typeface="Tahoma" panose="020B0604030504040204" pitchFamily="34" charset="0"/>
               </a:rPr>
               <a:t>, </a:t>
             </a:r>
             <a:r>
               <a:rPr lang="en-US" sz="1400" i="1" dirty="0">
                 <a:latin typeface="Times New Roman" panose="02020603050405020304" pitchFamily="18" charset="0"/>
+                <a:ea typeface="Tahoma" panose="020B0604030504040204" pitchFamily="34" charset="0"/>
                 <a:cs typeface="Times New Roman" panose="02020603050405020304" pitchFamily="18" charset="0"/>
               </a:rPr>
               <a:t>l</a:t>
             </a:r>
             <a:r>
-              <a:rPr lang="en-US" sz="1400" dirty="0">
-                <a:latin typeface="Times New Roman" panose="02020603050405020304" pitchFamily="18" charset="0"/>
-                <a:cs typeface="Times New Roman" panose="02020603050405020304" pitchFamily="18" charset="0"/>
-              </a:rPr>
-              <a:t> </a:t>
-            </a:r>
-            <a:r>
               <a:rPr lang="en-US" sz="1400" baseline="-25000" dirty="0">
-                <a:latin typeface="Times New Roman" panose="02020603050405020304" pitchFamily="18" charset="0"/>
-                <a:cs typeface="Times New Roman" panose="02020603050405020304" pitchFamily="18" charset="0"/>
+                <a:latin typeface=""/>
+                <a:ea typeface="Tahoma" panose="020B0604030504040204" pitchFamily="34" charset="0"/>
+                <a:cs typeface="Tahoma" panose="020B0604030504040204" pitchFamily="34" charset="0"/>
               </a:rPr>
               <a:t>S2_M2</a:t>
             </a:r>
             <a:r>
               <a:rPr lang="en-US" sz="1400" dirty="0">
-                <a:latin typeface="Times New Roman" panose="02020603050405020304" pitchFamily="18" charset="0"/>
-                <a:cs typeface="Times New Roman" panose="02020603050405020304" pitchFamily="18" charset="0"/>
+                <a:latin typeface=""/>
+                <a:ea typeface="Tahoma" panose="020B0604030504040204" pitchFamily="34" charset="0"/>
+                <a:cs typeface="Tahoma" panose="020B0604030504040204" pitchFamily="34" charset="0"/>
               </a:rPr>
               <a:t>,…]</a:t>
             </a:r>
@@ -6438,7 +6489,7 @@
         </p:nvSpPr>
         <p:spPr>
           <a:xfrm>
-            <a:off x="10782923" y="1291957"/>
+            <a:off x="10721963" y="1778873"/>
             <a:ext cx="396543" cy="287121"/>
           </a:xfrm>
           <a:prstGeom prst="rect">
@@ -6469,14 +6520,16 @@
             <a:r>
               <a:rPr lang="en-US" sz="1600" i="1" dirty="0">
                 <a:latin typeface="Times New Roman" panose="02020603050405020304" pitchFamily="18" charset="0"/>
+                <a:ea typeface="Tahoma" panose="020B0604030504040204" pitchFamily="34" charset="0"/>
                 <a:cs typeface="Times New Roman" panose="02020603050405020304" pitchFamily="18" charset="0"/>
               </a:rPr>
               <a:t>l</a:t>
             </a:r>
             <a:r>
               <a:rPr lang="en-US" sz="1600" i="1" baseline="-25000" dirty="0">
-                <a:latin typeface="Times New Roman" panose="02020603050405020304" pitchFamily="18" charset="0"/>
-                <a:cs typeface="Times New Roman" panose="02020603050405020304" pitchFamily="18" charset="0"/>
+                <a:latin typeface=""/>
+                <a:ea typeface="Tahoma" panose="020B0604030504040204" pitchFamily="34" charset="0"/>
+                <a:cs typeface="Tahoma" panose="020B0604030504040204" pitchFamily="34" charset="0"/>
               </a:rPr>
               <a:t>1</a:t>
             </a:r>
@@ -6501,8 +6554,8 @@
         </p:nvCxnSpPr>
         <p:spPr>
           <a:xfrm flipV="1">
-            <a:off x="10622697" y="2438710"/>
-            <a:ext cx="157493" cy="1700"/>
+            <a:off x="10586721" y="2925626"/>
+            <a:ext cx="132509" cy="1700"/>
           </a:xfrm>
           <a:prstGeom prst="straightConnector1">
             <a:avLst/>
@@ -6547,7 +6600,7 @@
         </p:nvSpPr>
         <p:spPr>
           <a:xfrm>
-            <a:off x="10780190" y="2295149"/>
+            <a:off x="10719230" y="2782065"/>
             <a:ext cx="396543" cy="287121"/>
           </a:xfrm>
           <a:prstGeom prst="rect">
@@ -6578,14 +6631,16 @@
             <a:r>
               <a:rPr lang="en-US" sz="1600" i="1" dirty="0">
                 <a:latin typeface="Times New Roman" panose="02020603050405020304" pitchFamily="18" charset="0"/>
+                <a:ea typeface="Tahoma" panose="020B0604030504040204" pitchFamily="34" charset="0"/>
                 <a:cs typeface="Times New Roman" panose="02020603050405020304" pitchFamily="18" charset="0"/>
               </a:rPr>
               <a:t>l</a:t>
             </a:r>
             <a:r>
               <a:rPr lang="en-US" sz="1600" i="1" baseline="-25000" dirty="0">
-                <a:latin typeface="Times New Roman" panose="02020603050405020304" pitchFamily="18" charset="0"/>
-                <a:cs typeface="Times New Roman" panose="02020603050405020304" pitchFamily="18" charset="0"/>
+                <a:latin typeface=""/>
+                <a:ea typeface="Tahoma" panose="020B0604030504040204" pitchFamily="34" charset="0"/>
+                <a:cs typeface="Tahoma" panose="020B0604030504040204" pitchFamily="34" charset="0"/>
               </a:rPr>
               <a:t>2</a:t>
             </a:r>
@@ -6606,7 +6661,7 @@
         </p:nvSpPr>
         <p:spPr>
           <a:xfrm>
-            <a:off x="6671684" y="1321755"/>
+            <a:off x="6671684" y="1808671"/>
             <a:ext cx="352803" cy="275242"/>
           </a:xfrm>
           <a:prstGeom prst="can">
@@ -6642,22 +6697,24 @@
           <a:p>
             <a:pPr algn="ctr"/>
             <a:r>
-              <a:rPr lang="en-US" sz="1400" dirty="0">
+              <a:rPr lang="en-US" sz="1200" dirty="0">
                 <a:solidFill>
                   <a:schemeClr val="bg1"/>
                 </a:solidFill>
-                <a:latin typeface="Times New Roman" panose="02020603050405020304" pitchFamily="18" charset="0"/>
-                <a:cs typeface="Times New Roman" panose="02020603050405020304" pitchFamily="18" charset="0"/>
+                <a:latin typeface=""/>
+                <a:ea typeface="Tahoma" panose="020B0604030504040204" pitchFamily="34" charset="0"/>
+                <a:cs typeface="Tahoma" panose="020B0604030504040204" pitchFamily="34" charset="0"/>
               </a:rPr>
               <a:t>S</a:t>
             </a:r>
             <a:r>
-              <a:rPr lang="en-US" sz="1400" baseline="-25000" dirty="0">
+              <a:rPr lang="en-US" sz="1200" baseline="-25000" dirty="0">
                 <a:solidFill>
                   <a:schemeClr val="bg1"/>
                 </a:solidFill>
-                <a:latin typeface="Times New Roman" panose="02020603050405020304" pitchFamily="18" charset="0"/>
-                <a:cs typeface="Times New Roman" panose="02020603050405020304" pitchFamily="18" charset="0"/>
+                <a:latin typeface=""/>
+                <a:ea typeface="Tahoma" panose="020B0604030504040204" pitchFamily="34" charset="0"/>
+                <a:cs typeface="Tahoma" panose="020B0604030504040204" pitchFamily="34" charset="0"/>
               </a:rPr>
               <a:t>1</a:t>
             </a:r>
@@ -6678,7 +6735,7 @@
         </p:nvSpPr>
         <p:spPr>
           <a:xfrm>
-            <a:off x="7422531" y="1309961"/>
+            <a:off x="7422531" y="1796877"/>
             <a:ext cx="494963" cy="252599"/>
           </a:xfrm>
           <a:prstGeom prst="rect">
@@ -6708,15 +6765,17 @@
             <a:pPr algn="ctr"/>
             <a:r>
               <a:rPr lang="en-US" sz="1400" dirty="0">
-                <a:latin typeface="Times New Roman" panose="02020603050405020304" pitchFamily="18" charset="0"/>
-                <a:cs typeface="Times New Roman" panose="02020603050405020304" pitchFamily="18" charset="0"/>
+                <a:latin typeface=""/>
+                <a:ea typeface="Tahoma" panose="020B0604030504040204" pitchFamily="34" charset="0"/>
+                <a:cs typeface="Tahoma" panose="020B0604030504040204" pitchFamily="34" charset="0"/>
               </a:rPr>
               <a:t>M</a:t>
             </a:r>
             <a:r>
               <a:rPr lang="en-US" sz="1400" baseline="-25000" dirty="0">
-                <a:latin typeface="Times New Roman" panose="02020603050405020304" pitchFamily="18" charset="0"/>
-                <a:cs typeface="Times New Roman" panose="02020603050405020304" pitchFamily="18" charset="0"/>
+                <a:latin typeface=""/>
+                <a:ea typeface="Tahoma" panose="020B0604030504040204" pitchFamily="34" charset="0"/>
+                <a:cs typeface="Tahoma" panose="020B0604030504040204" pitchFamily="34" charset="0"/>
               </a:rPr>
               <a:t>1</a:t>
             </a:r>
@@ -6741,7 +6800,7 @@
         </p:nvCxnSpPr>
         <p:spPr>
           <a:xfrm flipV="1">
-            <a:off x="7216880" y="2440921"/>
+            <a:off x="7216880" y="2927837"/>
             <a:ext cx="205651" cy="643"/>
           </a:xfrm>
           <a:prstGeom prst="straightConnector1">
@@ -6787,7 +6846,7 @@
         </p:nvSpPr>
         <p:spPr>
           <a:xfrm>
-            <a:off x="6677261" y="2323218"/>
+            <a:off x="6677261" y="2810134"/>
             <a:ext cx="352803" cy="282764"/>
           </a:xfrm>
           <a:prstGeom prst="can">
@@ -6823,22 +6882,24 @@
           <a:p>
             <a:pPr algn="ctr"/>
             <a:r>
-              <a:rPr lang="en-US" sz="1400" dirty="0">
+              <a:rPr lang="en-US" sz="1200" dirty="0">
                 <a:solidFill>
                   <a:schemeClr val="bg1"/>
                 </a:solidFill>
-                <a:latin typeface="Times New Roman" panose="02020603050405020304" pitchFamily="18" charset="0"/>
-                <a:cs typeface="Times New Roman" panose="02020603050405020304" pitchFamily="18" charset="0"/>
+                <a:latin typeface=""/>
+                <a:ea typeface="Tahoma" panose="020B0604030504040204" pitchFamily="34" charset="0"/>
+                <a:cs typeface="Tahoma" panose="020B0604030504040204" pitchFamily="34" charset="0"/>
               </a:rPr>
               <a:t>S</a:t>
             </a:r>
             <a:r>
-              <a:rPr lang="en-US" sz="1400" baseline="-25000" dirty="0">
+              <a:rPr lang="en-US" sz="1200" baseline="-25000" dirty="0">
                 <a:solidFill>
                   <a:schemeClr val="bg1"/>
                 </a:solidFill>
-                <a:latin typeface="Times New Roman" panose="02020603050405020304" pitchFamily="18" charset="0"/>
-                <a:cs typeface="Times New Roman" panose="02020603050405020304" pitchFamily="18" charset="0"/>
+                <a:latin typeface=""/>
+                <a:ea typeface="Tahoma" panose="020B0604030504040204" pitchFamily="34" charset="0"/>
+                <a:cs typeface="Tahoma" panose="020B0604030504040204" pitchFamily="34" charset="0"/>
               </a:rPr>
               <a:t>2</a:t>
             </a:r>
@@ -6859,7 +6920,7 @@
         </p:nvSpPr>
         <p:spPr>
           <a:xfrm>
-            <a:off x="7422531" y="2315700"/>
+            <a:off x="7422531" y="2802616"/>
             <a:ext cx="494963" cy="250442"/>
           </a:xfrm>
           <a:prstGeom prst="rect">
@@ -6889,15 +6950,17 @@
             <a:pPr algn="ctr"/>
             <a:r>
               <a:rPr lang="en-US" sz="1400" dirty="0">
-                <a:latin typeface="Times New Roman" panose="02020603050405020304" pitchFamily="18" charset="0"/>
-                <a:cs typeface="Times New Roman" panose="02020603050405020304" pitchFamily="18" charset="0"/>
+                <a:latin typeface=""/>
+                <a:ea typeface="Tahoma" panose="020B0604030504040204" pitchFamily="34" charset="0"/>
+                <a:cs typeface="Tahoma" panose="020B0604030504040204" pitchFamily="34" charset="0"/>
               </a:rPr>
               <a:t>M</a:t>
             </a:r>
             <a:r>
               <a:rPr lang="en-US" sz="1400" baseline="-25000" dirty="0">
-                <a:latin typeface="Times New Roman" panose="02020603050405020304" pitchFamily="18" charset="0"/>
-                <a:cs typeface="Times New Roman" panose="02020603050405020304" pitchFamily="18" charset="0"/>
+                <a:latin typeface=""/>
+                <a:ea typeface="Tahoma" panose="020B0604030504040204" pitchFamily="34" charset="0"/>
+                <a:cs typeface="Tahoma" panose="020B0604030504040204" pitchFamily="34" charset="0"/>
               </a:rPr>
               <a:t>2</a:t>
             </a:r>
@@ -6918,7 +6981,7 @@
         </p:nvSpPr>
         <p:spPr>
           <a:xfrm>
-            <a:off x="8559237" y="1282591"/>
+            <a:off x="8559237" y="1769507"/>
             <a:ext cx="352803" cy="308442"/>
           </a:xfrm>
           <a:prstGeom prst="can">
@@ -6954,22 +7017,24 @@
           <a:p>
             <a:pPr algn="ctr"/>
             <a:r>
-              <a:rPr lang="en-US" sz="1400" dirty="0">
+              <a:rPr lang="en-US" sz="1200" dirty="0">
                 <a:solidFill>
                   <a:schemeClr val="bg1"/>
                 </a:solidFill>
-                <a:latin typeface="Times New Roman" panose="02020603050405020304" pitchFamily="18" charset="0"/>
-                <a:cs typeface="Times New Roman" panose="02020603050405020304" pitchFamily="18" charset="0"/>
+                <a:latin typeface=""/>
+                <a:ea typeface="Tahoma" panose="020B0604030504040204" pitchFamily="34" charset="0"/>
+                <a:cs typeface="Tahoma" panose="020B0604030504040204" pitchFamily="34" charset="0"/>
               </a:rPr>
               <a:t>S</a:t>
             </a:r>
             <a:r>
-              <a:rPr lang="en-US" sz="1400" baseline="-25000" dirty="0">
+              <a:rPr lang="en-US" sz="1200" baseline="-25000" dirty="0">
                 <a:solidFill>
                   <a:schemeClr val="bg1"/>
                 </a:solidFill>
-                <a:latin typeface="Times New Roman" panose="02020603050405020304" pitchFamily="18" charset="0"/>
-                <a:cs typeface="Times New Roman" panose="02020603050405020304" pitchFamily="18" charset="0"/>
+                <a:latin typeface=""/>
+                <a:ea typeface="Tahoma" panose="020B0604030504040204" pitchFamily="34" charset="0"/>
+                <a:cs typeface="Tahoma" panose="020B0604030504040204" pitchFamily="34" charset="0"/>
               </a:rPr>
               <a:t>1</a:t>
             </a:r>
@@ -6990,7 +7055,7 @@
         </p:nvSpPr>
         <p:spPr>
           <a:xfrm>
-            <a:off x="8555687" y="2285000"/>
+            <a:off x="8555687" y="2771916"/>
             <a:ext cx="352803" cy="308442"/>
           </a:xfrm>
           <a:prstGeom prst="can">
@@ -7026,22 +7091,24 @@
           <a:p>
             <a:pPr algn="ctr"/>
             <a:r>
-              <a:rPr lang="en-US" sz="1400" dirty="0">
+              <a:rPr lang="en-US" sz="1200" dirty="0">
                 <a:solidFill>
                   <a:schemeClr val="bg1"/>
                 </a:solidFill>
-                <a:latin typeface="Times New Roman" panose="02020603050405020304" pitchFamily="18" charset="0"/>
-                <a:cs typeface="Times New Roman" panose="02020603050405020304" pitchFamily="18" charset="0"/>
+                <a:latin typeface=""/>
+                <a:ea typeface="Tahoma" panose="020B0604030504040204" pitchFamily="34" charset="0"/>
+                <a:cs typeface="Tahoma" panose="020B0604030504040204" pitchFamily="34" charset="0"/>
               </a:rPr>
               <a:t>S</a:t>
             </a:r>
             <a:r>
-              <a:rPr lang="en-US" sz="1400" baseline="-25000" dirty="0">
+              <a:rPr lang="en-US" sz="1200" baseline="-25000" dirty="0">
                 <a:solidFill>
                   <a:schemeClr val="bg1"/>
                 </a:solidFill>
-                <a:latin typeface="Times New Roman" panose="02020603050405020304" pitchFamily="18" charset="0"/>
-                <a:cs typeface="Times New Roman" panose="02020603050405020304" pitchFamily="18" charset="0"/>
+                <a:latin typeface=""/>
+                <a:ea typeface="Tahoma" panose="020B0604030504040204" pitchFamily="34" charset="0"/>
+                <a:cs typeface="Tahoma" panose="020B0604030504040204" pitchFamily="34" charset="0"/>
               </a:rPr>
               <a:t>2</a:t>
             </a:r>
@@ -7066,7 +7133,7 @@
         </p:nvCxnSpPr>
         <p:spPr>
           <a:xfrm>
-            <a:off x="7917494" y="1436261"/>
+            <a:off x="7917494" y="1923177"/>
             <a:ext cx="638193" cy="1002960"/>
           </a:xfrm>
           <a:prstGeom prst="straightConnector1">
@@ -7116,7 +7183,7 @@
         </p:nvCxnSpPr>
         <p:spPr>
           <a:xfrm>
-            <a:off x="7917494" y="1436261"/>
+            <a:off x="7917494" y="1923177"/>
             <a:ext cx="641743" cy="551"/>
           </a:xfrm>
           <a:prstGeom prst="straightConnector1">
@@ -7166,7 +7233,7 @@
         </p:nvCxnSpPr>
         <p:spPr>
           <a:xfrm flipV="1">
-            <a:off x="7917494" y="2439221"/>
+            <a:off x="7917494" y="2926137"/>
             <a:ext cx="638193" cy="1700"/>
           </a:xfrm>
           <a:prstGeom prst="straightConnector1">
@@ -7216,7 +7283,7 @@
         </p:nvCxnSpPr>
         <p:spPr>
           <a:xfrm flipV="1">
-            <a:off x="7917494" y="1436812"/>
+            <a:off x="7917494" y="1923728"/>
             <a:ext cx="641743" cy="1004109"/>
           </a:xfrm>
           <a:prstGeom prst="straightConnector1">
@@ -7266,8 +7333,8 @@
         </p:nvCxnSpPr>
         <p:spPr>
           <a:xfrm>
-            <a:off x="8908490" y="2439221"/>
-            <a:ext cx="141286" cy="1189"/>
+            <a:off x="8908490" y="2926137"/>
+            <a:ext cx="141287" cy="1189"/>
           </a:xfrm>
           <a:prstGeom prst="straightConnector1">
             <a:avLst/>
@@ -7315,7 +7382,7 @@
         </p:nvCxnSpPr>
         <p:spPr>
           <a:xfrm flipV="1">
-            <a:off x="7878167" y="1436812"/>
+            <a:off x="7878167" y="1923728"/>
             <a:ext cx="681070" cy="1839387"/>
           </a:xfrm>
           <a:prstGeom prst="straightConnector1">
@@ -7364,7 +7431,7 @@
         </p:nvCxnSpPr>
         <p:spPr>
           <a:xfrm flipV="1">
-            <a:off x="7878167" y="2439221"/>
+            <a:off x="7878167" y="2926137"/>
             <a:ext cx="677520" cy="931220"/>
           </a:xfrm>
           <a:prstGeom prst="straightConnector1">
@@ -7414,8 +7481,8 @@
         </p:nvCxnSpPr>
         <p:spPr>
           <a:xfrm flipV="1">
-            <a:off x="10621447" y="1435518"/>
-            <a:ext cx="161476" cy="620"/>
+            <a:off x="10585527" y="1922434"/>
+            <a:ext cx="136436" cy="620"/>
           </a:xfrm>
           <a:prstGeom prst="straightConnector1">
             <a:avLst/>
@@ -7460,8 +7527,8 @@
         </p:nvSpPr>
         <p:spPr>
           <a:xfrm>
-            <a:off x="6349564" y="407989"/>
-            <a:ext cx="4898293" cy="4670850"/>
+            <a:off x="6289464" y="894904"/>
+            <a:ext cx="4900283" cy="4835335"/>
           </a:xfrm>
           <a:prstGeom prst="roundRect">
             <a:avLst>
@@ -7492,63 +7559,15 @@
             <a:pPr algn="ctr"/>
             <a:r>
               <a:rPr lang="en-US" dirty="0">
-                <a:latin typeface="Times New Roman" panose="02020603050405020304" pitchFamily="18" charset="0"/>
-                <a:cs typeface="Times New Roman" panose="02020603050405020304" pitchFamily="18" charset="0"/>
+                <a:latin typeface=""/>
+                <a:ea typeface="Tahoma" panose="020B0604030504040204" pitchFamily="34" charset="0"/>
+                <a:cs typeface="Tahoma" panose="020B0604030504040204" pitchFamily="34" charset="0"/>
               </a:rPr>
               <a:t> </a:t>
             </a:r>
           </a:p>
         </p:txBody>
       </p:sp>
-      <p:cxnSp>
-        <p:nvCxnSpPr>
-          <p:cNvPr id="245" name="Straight Arrow Connector 244">
-            <a:extLst>
-              <a:ext uri="{FF2B5EF4-FFF2-40B4-BE49-F238E27FC236}">
-                <a16:creationId xmlns:a16="http://schemas.microsoft.com/office/drawing/2014/main" id="{00521CD7-8795-6A5E-62A0-73C130FCAB59}"/>
-              </a:ext>
-            </a:extLst>
-          </p:cNvPr>
-          <p:cNvCxnSpPr>
-            <a:cxnSpLocks/>
-            <a:stCxn id="40" idx="3"/>
-          </p:cNvCxnSpPr>
-          <p:nvPr/>
-        </p:nvCxnSpPr>
-        <p:spPr>
-          <a:xfrm>
-            <a:off x="1503626" y="2477265"/>
-            <a:ext cx="231605" cy="0"/>
-          </a:xfrm>
-          <a:prstGeom prst="straightConnector1">
-            <a:avLst/>
-          </a:prstGeom>
-          <a:ln w="38100" cap="flat" cmpd="sng" algn="ctr">
-            <a:solidFill>
-              <a:schemeClr val="tx1"/>
-            </a:solidFill>
-            <a:prstDash val="solid"/>
-            <a:round/>
-            <a:headEnd type="none" w="med" len="med"/>
-            <a:tailEnd type="arrow" w="med" len="med"/>
-          </a:ln>
-          <a:effectLst/>
-        </p:spPr>
-        <p:style>
-          <a:lnRef idx="2">
-            <a:schemeClr val="accent1"/>
-          </a:lnRef>
-          <a:fillRef idx="0">
-            <a:schemeClr val="accent1"/>
-          </a:fillRef>
-          <a:effectRef idx="1">
-            <a:schemeClr val="accent1"/>
-          </a:effectRef>
-          <a:fontRef idx="minor">
-            <a:schemeClr val="tx1"/>
-          </a:fontRef>
-        </p:style>
-      </p:cxnSp>
       <p:sp>
         <p:nvSpPr>
           <p:cNvPr id="337" name="TextBox 336">
@@ -7563,8 +7582,8 @@
         </p:nvSpPr>
         <p:spPr>
           <a:xfrm>
-            <a:off x="1536196" y="400088"/>
-            <a:ext cx="4466787" cy="292388"/>
+            <a:off x="1655942" y="887004"/>
+            <a:ext cx="4466787" cy="276999"/>
           </a:xfrm>
           <a:prstGeom prst="rect">
             <a:avLst/>
@@ -7579,9 +7598,10 @@
           <a:p>
             <a:pPr algn="ctr"/>
             <a:r>
-              <a:rPr lang="en-US" sz="1300" b="1" dirty="0">
-                <a:latin typeface="Times New Roman" panose="02020603050405020304" pitchFamily="18" charset="0"/>
-                <a:cs typeface="Times New Roman" panose="02020603050405020304" pitchFamily="18" charset="0"/>
+              <a:rPr lang="en-US" sz="1200" b="1" dirty="0">
+                <a:latin typeface=""/>
+                <a:ea typeface="Tahoma" panose="020B0604030504040204" pitchFamily="34" charset="0"/>
+                <a:cs typeface="Tahoma" panose="020B0604030504040204" pitchFamily="34" charset="0"/>
               </a:rPr>
               <a:t>Determine Hyper-Parameters with Highest ARI (HAPV)</a:t>
             </a:r>
@@ -7602,7 +7622,7 @@
         </p:nvSpPr>
         <p:spPr>
           <a:xfrm>
-            <a:off x="8029433" y="415240"/>
+            <a:off x="8029433" y="902156"/>
             <a:ext cx="2634101" cy="492443"/>
           </a:xfrm>
           <a:prstGeom prst="rect">
@@ -7619,65 +7639,15 @@
             <a:pPr algn="ctr"/>
             <a:r>
               <a:rPr lang="en-US" sz="1300" b="1" dirty="0">
-                <a:latin typeface="Times New Roman" panose="02020603050405020304" pitchFamily="18" charset="0"/>
-                <a:cs typeface="Times New Roman" panose="02020603050405020304" pitchFamily="18" charset="0"/>
+                <a:latin typeface=""/>
+                <a:ea typeface="Tahoma" panose="020B0604030504040204" pitchFamily="34" charset="0"/>
+                <a:cs typeface="Tahoma" panose="020B0604030504040204" pitchFamily="34" charset="0"/>
               </a:rPr>
               <a:t>Apply Models on Partitions to Generate Labels</a:t>
             </a:r>
           </a:p>
         </p:txBody>
       </p:sp>
-      <p:cxnSp>
-        <p:nvCxnSpPr>
-          <p:cNvPr id="472" name="Elbow Connector 471">
-            <a:extLst>
-              <a:ext uri="{FF2B5EF4-FFF2-40B4-BE49-F238E27FC236}">
-                <a16:creationId xmlns:a16="http://schemas.microsoft.com/office/drawing/2014/main" id="{35DB2C3F-BDAB-9E35-5144-4DAB9078F144}"/>
-              </a:ext>
-            </a:extLst>
-          </p:cNvPr>
-          <p:cNvCxnSpPr>
-            <a:cxnSpLocks/>
-            <a:stCxn id="40" idx="0"/>
-            <a:endCxn id="381" idx="0"/>
-          </p:cNvCxnSpPr>
-          <p:nvPr/>
-        </p:nvCxnSpPr>
-        <p:spPr>
-          <a:xfrm rot="16200000" flipH="1">
-            <a:off x="5059042" y="-3872201"/>
-            <a:ext cx="7251" cy="8567631"/>
-          </a:xfrm>
-          <a:prstGeom prst="bentConnector3">
-            <a:avLst>
-              <a:gd name="adj1" fmla="val -3903310"/>
-            </a:avLst>
-          </a:prstGeom>
-          <a:ln w="38100" cap="flat" cmpd="sng" algn="ctr">
-            <a:solidFill>
-              <a:schemeClr val="dk1"/>
-            </a:solidFill>
-            <a:prstDash val="solid"/>
-            <a:round/>
-            <a:headEnd type="none" w="med" len="med"/>
-            <a:tailEnd type="arrow" w="med" len="med"/>
-          </a:ln>
-        </p:spPr>
-        <p:style>
-          <a:lnRef idx="0">
-            <a:scrgbClr r="0" g="0" b="0"/>
-          </a:lnRef>
-          <a:fillRef idx="0">
-            <a:scrgbClr r="0" g="0" b="0"/>
-          </a:fillRef>
-          <a:effectRef idx="0">
-            <a:scrgbClr r="0" g="0" b="0"/>
-          </a:effectRef>
-          <a:fontRef idx="minor">
-            <a:schemeClr val="tx1"/>
-          </a:fontRef>
-        </p:style>
-      </p:cxnSp>
       <p:sp>
         <p:nvSpPr>
           <p:cNvPr id="8" name="Can 7">
@@ -7692,7 +7662,7 @@
         </p:nvSpPr>
         <p:spPr>
           <a:xfrm>
-            <a:off x="1861271" y="3583509"/>
+            <a:off x="1981017" y="4070425"/>
             <a:ext cx="335220" cy="283781"/>
           </a:xfrm>
           <a:prstGeom prst="can">
@@ -7730,22 +7700,24 @@
           <a:p>
             <a:pPr algn="ctr"/>
             <a:r>
-              <a:rPr lang="en-US" sz="1400" dirty="0">
+              <a:rPr lang="en-US" sz="1200" dirty="0">
                 <a:solidFill>
                   <a:schemeClr val="bg1"/>
                 </a:solidFill>
-                <a:latin typeface="Times New Roman" panose="02020603050405020304" pitchFamily="18" charset="0"/>
-                <a:cs typeface="Times New Roman" panose="02020603050405020304" pitchFamily="18" charset="0"/>
+                <a:latin typeface=""/>
+                <a:ea typeface="Tahoma" panose="020B0604030504040204" pitchFamily="34" charset="0"/>
+                <a:cs typeface="Tahoma" panose="020B0604030504040204" pitchFamily="34" charset="0"/>
               </a:rPr>
               <a:t>S</a:t>
             </a:r>
             <a:r>
-              <a:rPr lang="en-US" sz="1400" baseline="-25000" dirty="0">
+              <a:rPr lang="en-US" sz="1200" baseline="-25000" dirty="0">
                 <a:solidFill>
                   <a:schemeClr val="bg1"/>
                 </a:solidFill>
-                <a:latin typeface="Times New Roman" panose="02020603050405020304" pitchFamily="18" charset="0"/>
-                <a:cs typeface="Times New Roman" panose="02020603050405020304" pitchFamily="18" charset="0"/>
+                <a:latin typeface=""/>
+                <a:ea typeface="Tahoma" panose="020B0604030504040204" pitchFamily="34" charset="0"/>
+                <a:cs typeface="Tahoma" panose="020B0604030504040204" pitchFamily="34" charset="0"/>
               </a:rPr>
               <a:t>i</a:t>
             </a:r>
@@ -7766,7 +7738,7 @@
         </p:nvSpPr>
         <p:spPr>
           <a:xfrm flipH="1">
-            <a:off x="2419516" y="3199284"/>
+            <a:off x="2539262" y="3686200"/>
             <a:ext cx="1097957" cy="386824"/>
           </a:xfrm>
           <a:prstGeom prst="flowChartPunchedCard">
@@ -7802,83 +7774,91 @@
           <a:p>
             <a:pPr algn="ctr"/>
             <a:r>
-              <a:rPr lang="en-US" sz="1400" dirty="0">
+              <a:rPr lang="en-US" sz="1300" dirty="0">
                 <a:solidFill>
                   <a:schemeClr val="tx1"/>
                 </a:solidFill>
-                <a:latin typeface="Times New Roman" panose="02020603050405020304" pitchFamily="18" charset="0"/>
-                <a:cs typeface="Times New Roman" panose="02020603050405020304" pitchFamily="18" charset="0"/>
+                <a:latin typeface=""/>
+                <a:ea typeface="Tahoma" panose="020B0604030504040204" pitchFamily="34" charset="0"/>
+                <a:cs typeface="Tahoma" panose="020B0604030504040204" pitchFamily="34" charset="0"/>
               </a:rPr>
               <a:t>OI </a:t>
             </a:r>
             <a:r>
-              <a:rPr lang="en-US" sz="1400" b="0" i="0" dirty="0">
+              <a:rPr lang="en-US" sz="1300" b="0" i="0" dirty="0">
                 <a:solidFill>
                   <a:schemeClr val="tx1"/>
                 </a:solidFill>
                 <a:effectLst/>
-                <a:latin typeface="Times New Roman" panose="02020603050405020304" pitchFamily="18" charset="0"/>
-                <a:cs typeface="Times New Roman" panose="02020603050405020304" pitchFamily="18" charset="0"/>
+                <a:latin typeface=""/>
+                <a:ea typeface="Tahoma" panose="020B0604030504040204" pitchFamily="34" charset="0"/>
+                <a:cs typeface="Tahoma" panose="020B0604030504040204" pitchFamily="34" charset="0"/>
               </a:rPr>
               <a:t>⊨</a:t>
             </a:r>
             <a:r>
-              <a:rPr lang="en-US" sz="1400" b="0" i="0" dirty="0">
+              <a:rPr lang="en-US" sz="1300" b="0" i="0" dirty="0">
                 <a:solidFill>
                   <a:srgbClr val="4D5156"/>
                 </a:solidFill>
                 <a:effectLst/>
-                <a:latin typeface="Times New Roman" panose="02020603050405020304" pitchFamily="18" charset="0"/>
-                <a:cs typeface="Times New Roman" panose="02020603050405020304" pitchFamily="18" charset="0"/>
+                <a:latin typeface=""/>
+                <a:ea typeface="Tahoma" panose="020B0604030504040204" pitchFamily="34" charset="0"/>
+                <a:cs typeface="Tahoma" panose="020B0604030504040204" pitchFamily="34" charset="0"/>
               </a:rPr>
               <a:t> </a:t>
             </a:r>
             <a:r>
-              <a:rPr lang="en-US" sz="1400" dirty="0" err="1">
+              <a:rPr lang="en-US" sz="1300" dirty="0" err="1">
                 <a:solidFill>
                   <a:schemeClr val="tx1"/>
                 </a:solidFill>
-                <a:latin typeface="Times New Roman" panose="02020603050405020304" pitchFamily="18" charset="0"/>
-                <a:cs typeface="Times New Roman" panose="02020603050405020304" pitchFamily="18" charset="0"/>
+                <a:latin typeface=""/>
+                <a:ea typeface="Tahoma" panose="020B0604030504040204" pitchFamily="34" charset="0"/>
+                <a:cs typeface="Tahoma" panose="020B0604030504040204" pitchFamily="34" charset="0"/>
               </a:rPr>
               <a:t>P</a:t>
             </a:r>
             <a:r>
-              <a:rPr lang="en-US" sz="1400" baseline="-25000" dirty="0" err="1">
+              <a:rPr lang="en-US" sz="1300" baseline="-25000" dirty="0" err="1">
                 <a:solidFill>
                   <a:schemeClr val="tx1"/>
                 </a:solidFill>
-                <a:latin typeface="Times New Roman" panose="02020603050405020304" pitchFamily="18" charset="0"/>
-                <a:cs typeface="Times New Roman" panose="02020603050405020304" pitchFamily="18" charset="0"/>
+                <a:latin typeface=""/>
+                <a:ea typeface="Tahoma" panose="020B0604030504040204" pitchFamily="34" charset="0"/>
+                <a:cs typeface="Tahoma" panose="020B0604030504040204" pitchFamily="34" charset="0"/>
               </a:rPr>
               <a:t>r</a:t>
             </a:r>
             <a:r>
-              <a:rPr lang="en-US" sz="1400" dirty="0" err="1">
+              <a:rPr lang="en-US" sz="1300" dirty="0" err="1">
                 <a:solidFill>
                   <a:schemeClr val="tx1"/>
                 </a:solidFill>
-                <a:latin typeface="Times New Roman" panose="02020603050405020304" pitchFamily="18" charset="0"/>
-                <a:cs typeface="Times New Roman" panose="02020603050405020304" pitchFamily="18" charset="0"/>
+                <a:latin typeface=""/>
+                <a:ea typeface="Tahoma" panose="020B0604030504040204" pitchFamily="34" charset="0"/>
+                <a:cs typeface="Tahoma" panose="020B0604030504040204" pitchFamily="34" charset="0"/>
               </a:rPr>
               <a:t>:v</a:t>
             </a:r>
             <a:r>
-              <a:rPr lang="en-US" sz="1400" baseline="-25000" dirty="0" err="1">
+              <a:rPr lang="en-US" sz="1300" baseline="-25000" dirty="0" err="1">
                 <a:solidFill>
                   <a:schemeClr val="tx1"/>
                 </a:solidFill>
-                <a:latin typeface="Times New Roman" panose="02020603050405020304" pitchFamily="18" charset="0"/>
-                <a:cs typeface="Times New Roman" panose="02020603050405020304" pitchFamily="18" charset="0"/>
+                <a:latin typeface=""/>
+                <a:ea typeface="Tahoma" panose="020B0604030504040204" pitchFamily="34" charset="0"/>
+                <a:cs typeface="Tahoma" panose="020B0604030504040204" pitchFamily="34" charset="0"/>
               </a:rPr>
               <a:t>r_h</a:t>
             </a:r>
-            <a:endParaRPr lang="en-US" sz="1400" baseline="-25000" dirty="0">
+            <a:endParaRPr lang="en-US" sz="1300" baseline="-25000" dirty="0">
               <a:solidFill>
                 <a:schemeClr val="tx1"/>
               </a:solidFill>
-              <a:latin typeface="Times New Roman" panose="02020603050405020304" pitchFamily="18" charset="0"/>
-              <a:cs typeface="Times New Roman" panose="02020603050405020304" pitchFamily="18" charset="0"/>
+              <a:latin typeface=""/>
+              <a:ea typeface="Tahoma" panose="020B0604030504040204" pitchFamily="34" charset="0"/>
+              <a:cs typeface="Tahoma" panose="020B0604030504040204" pitchFamily="34" charset="0"/>
             </a:endParaRPr>
           </a:p>
         </p:txBody>
@@ -7897,7 +7877,7 @@
         </p:nvSpPr>
         <p:spPr>
           <a:xfrm flipH="1">
-            <a:off x="2428096" y="4030644"/>
+            <a:off x="2547842" y="4517560"/>
             <a:ext cx="1097956" cy="300300"/>
           </a:xfrm>
           <a:prstGeom prst="flowChartPunchedCard">
@@ -7933,21 +7913,23 @@
           <a:p>
             <a:pPr algn="ctr"/>
             <a:r>
-              <a:rPr lang="en-US" sz="1400">
+              <a:rPr lang="en-US" sz="1300">
                 <a:solidFill>
                   <a:schemeClr val="tx1"/>
                 </a:solidFill>
-                <a:latin typeface="Times New Roman" panose="02020603050405020304" pitchFamily="18" charset="0"/>
-                <a:cs typeface="Times New Roman" panose="02020603050405020304" pitchFamily="18" charset="0"/>
+                <a:latin typeface=""/>
+                <a:ea typeface="Tahoma" panose="020B0604030504040204" pitchFamily="34" charset="0"/>
+                <a:cs typeface="Tahoma" panose="020B0604030504040204" pitchFamily="34" charset="0"/>
               </a:rPr>
               <a:t>Validator</a:t>
             </a:r>
-            <a:endParaRPr lang="en-US" sz="1400" dirty="0">
+            <a:endParaRPr lang="en-US" sz="1300" dirty="0">
               <a:solidFill>
                 <a:schemeClr val="tx1"/>
               </a:solidFill>
-              <a:latin typeface="Times New Roman" panose="02020603050405020304" pitchFamily="18" charset="0"/>
-              <a:cs typeface="Times New Roman" panose="02020603050405020304" pitchFamily="18" charset="0"/>
+              <a:latin typeface=""/>
+              <a:ea typeface="Tahoma" panose="020B0604030504040204" pitchFamily="34" charset="0"/>
+              <a:cs typeface="Tahoma" panose="020B0604030504040204" pitchFamily="34" charset="0"/>
             </a:endParaRPr>
           </a:p>
         </p:txBody>
@@ -7970,7 +7952,7 @@
         </p:nvCxnSpPr>
         <p:spPr>
           <a:xfrm flipV="1">
-            <a:off x="2196491" y="3392696"/>
+            <a:off x="2316237" y="3879612"/>
             <a:ext cx="223025" cy="332704"/>
           </a:xfrm>
           <a:prstGeom prst="bentConnector3">
@@ -8019,7 +8001,7 @@
         </p:nvCxnSpPr>
         <p:spPr>
           <a:xfrm>
-            <a:off x="2196491" y="3725400"/>
+            <a:off x="2316237" y="4212316"/>
             <a:ext cx="231605" cy="455394"/>
           </a:xfrm>
           <a:prstGeom prst="bentConnector3">
@@ -8070,7 +8052,7 @@
         </p:nvCxnSpPr>
         <p:spPr>
           <a:xfrm flipV="1">
-            <a:off x="3526052" y="4053696"/>
+            <a:off x="3645798" y="4540612"/>
             <a:ext cx="629034" cy="127098"/>
           </a:xfrm>
           <a:prstGeom prst="bentConnector2">
@@ -8119,7 +8101,7 @@
         </p:nvCxnSpPr>
         <p:spPr>
           <a:xfrm>
-            <a:off x="3517473" y="3392696"/>
+            <a:off x="3637219" y="3879612"/>
             <a:ext cx="637613" cy="129591"/>
           </a:xfrm>
           <a:prstGeom prst="bentConnector2">
@@ -8164,7 +8146,7 @@
         </p:nvSpPr>
         <p:spPr>
           <a:xfrm>
-            <a:off x="4931086" y="854619"/>
+            <a:off x="5050832" y="1341535"/>
             <a:ext cx="827403" cy="3216635"/>
           </a:xfrm>
           <a:prstGeom prst="rect">
@@ -8199,8 +8181,9 @@
           <a:p>
             <a:pPr algn="ctr"/>
             <a:endParaRPr lang="en-US">
-              <a:latin typeface="Times New Roman" panose="02020603050405020304" pitchFamily="18" charset="0"/>
-              <a:cs typeface="Times New Roman" panose="02020603050405020304" pitchFamily="18" charset="0"/>
+              <a:latin typeface=""/>
+              <a:ea typeface="Tahoma" panose="020B0604030504040204" pitchFamily="34" charset="0"/>
+              <a:cs typeface="Tahoma" panose="020B0604030504040204" pitchFamily="34" charset="0"/>
             </a:endParaRPr>
           </a:p>
         </p:txBody>
@@ -8219,7 +8202,7 @@
         </p:nvSpPr>
         <p:spPr>
           <a:xfrm>
-            <a:off x="5016267" y="2437361"/>
+            <a:off x="5136013" y="2924277"/>
             <a:ext cx="655943" cy="276999"/>
           </a:xfrm>
           <a:prstGeom prst="rect">
@@ -8239,8 +8222,9 @@
                 <a:solidFill>
                   <a:schemeClr val="tx1"/>
                 </a:solidFill>
-                <a:latin typeface="Times New Roman" panose="02020603050405020304" pitchFamily="18" charset="0"/>
-                <a:cs typeface="Times New Roman" panose="02020603050405020304" pitchFamily="18" charset="0"/>
+                <a:latin typeface=""/>
+                <a:ea typeface="Tahoma" panose="020B0604030504040204" pitchFamily="34" charset="0"/>
+                <a:cs typeface="Tahoma" panose="020B0604030504040204" pitchFamily="34" charset="0"/>
               </a:rPr>
               <a:t>P</a:t>
             </a:r>
@@ -8249,8 +8233,9 @@
                 <a:solidFill>
                   <a:schemeClr val="tx1"/>
                 </a:solidFill>
-                <a:latin typeface="Times New Roman" panose="02020603050405020304" pitchFamily="18" charset="0"/>
-                <a:cs typeface="Times New Roman" panose="02020603050405020304" pitchFamily="18" charset="0"/>
+                <a:latin typeface=""/>
+                <a:ea typeface="Tahoma" panose="020B0604030504040204" pitchFamily="34" charset="0"/>
+                <a:cs typeface="Tahoma" panose="020B0604030504040204" pitchFamily="34" charset="0"/>
               </a:rPr>
               <a:t>1</a:t>
             </a:r>
@@ -8259,8 +8244,9 @@
                 <a:solidFill>
                   <a:schemeClr val="tx1"/>
                 </a:solidFill>
-                <a:latin typeface="Times New Roman" panose="02020603050405020304" pitchFamily="18" charset="0"/>
-                <a:cs typeface="Times New Roman" panose="02020603050405020304" pitchFamily="18" charset="0"/>
+                <a:latin typeface=""/>
+                <a:ea typeface="Tahoma" panose="020B0604030504040204" pitchFamily="34" charset="0"/>
+                <a:cs typeface="Tahoma" panose="020B0604030504040204" pitchFamily="34" charset="0"/>
               </a:rPr>
               <a:t>:v</a:t>
             </a:r>
@@ -8269,8 +8255,9 @@
                 <a:solidFill>
                   <a:schemeClr val="tx1"/>
                 </a:solidFill>
-                <a:latin typeface="Times New Roman" panose="02020603050405020304" pitchFamily="18" charset="0"/>
-                <a:cs typeface="Times New Roman" panose="02020603050405020304" pitchFamily="18" charset="0"/>
+                <a:latin typeface=""/>
+                <a:ea typeface="Tahoma" panose="020B0604030504040204" pitchFamily="34" charset="0"/>
+                <a:cs typeface="Tahoma" panose="020B0604030504040204" pitchFamily="34" charset="0"/>
               </a:rPr>
               <a:t>1_2</a:t>
             </a:r>
@@ -8291,7 +8278,7 @@
         </p:nvSpPr>
         <p:spPr>
           <a:xfrm>
-            <a:off x="4856791" y="873966"/>
+            <a:off x="4976537" y="1360882"/>
             <a:ext cx="967003" cy="1384995"/>
           </a:xfrm>
           <a:prstGeom prst="rect">
@@ -8311,65 +8298,15 @@
                 <a:solidFill>
                   <a:schemeClr val="tx1"/>
                 </a:solidFill>
-                <a:latin typeface="Times New Roman" panose="02020603050405020304" pitchFamily="18" charset="0"/>
-                <a:cs typeface="Times New Roman" panose="02020603050405020304" pitchFamily="18" charset="0"/>
+                <a:latin typeface=""/>
+                <a:ea typeface="Tahoma" panose="020B0604030504040204" pitchFamily="34" charset="0"/>
+                <a:cs typeface="Tahoma" panose="020B0604030504040204" pitchFamily="34" charset="0"/>
               </a:rPr>
               <a:t>Choose Hyper-parameter with Maximum Similarity</a:t>
             </a:r>
           </a:p>
         </p:txBody>
       </p:sp>
-      <p:cxnSp>
-        <p:nvCxnSpPr>
-          <p:cNvPr id="460" name="Elbow Connector 459">
-            <a:extLst>
-              <a:ext uri="{FF2B5EF4-FFF2-40B4-BE49-F238E27FC236}">
-                <a16:creationId xmlns:a16="http://schemas.microsoft.com/office/drawing/2014/main" id="{319C4E04-61C1-8038-82F5-28DB75B4BDA1}"/>
-              </a:ext>
-            </a:extLst>
-          </p:cNvPr>
-          <p:cNvCxnSpPr>
-            <a:cxnSpLocks/>
-            <a:stCxn id="42" idx="3"/>
-            <a:endCxn id="213" idx="2"/>
-          </p:cNvCxnSpPr>
-          <p:nvPr/>
-        </p:nvCxnSpPr>
-        <p:spPr>
-          <a:xfrm>
-            <a:off x="5758489" y="2462937"/>
-            <a:ext cx="918772" cy="1663"/>
-          </a:xfrm>
-          <a:prstGeom prst="bentConnector3">
-            <a:avLst>
-              <a:gd name="adj1" fmla="val 50000"/>
-            </a:avLst>
-          </a:prstGeom>
-          <a:ln w="38100" cap="flat" cmpd="sng" algn="ctr">
-            <a:solidFill>
-              <a:schemeClr val="dk1"/>
-            </a:solidFill>
-            <a:prstDash val="solid"/>
-            <a:round/>
-            <a:headEnd type="none" w="med" len="med"/>
-            <a:tailEnd type="arrow" w="med" len="med"/>
-          </a:ln>
-        </p:spPr>
-        <p:style>
-          <a:lnRef idx="0">
-            <a:scrgbClr r="0" g="0" b="0"/>
-          </a:lnRef>
-          <a:fillRef idx="0">
-            <a:scrgbClr r="0" g="0" b="0"/>
-          </a:fillRef>
-          <a:effectRef idx="0">
-            <a:scrgbClr r="0" g="0" b="0"/>
-          </a:effectRef>
-          <a:fontRef idx="minor">
-            <a:schemeClr val="tx1"/>
-          </a:fontRef>
-        </p:style>
-      </p:cxnSp>
       <p:sp>
         <p:nvSpPr>
           <p:cNvPr id="467" name="TextBox 466">
@@ -8384,8 +8321,8 @@
         </p:nvSpPr>
         <p:spPr>
           <a:xfrm>
-            <a:off x="7248963" y="4659403"/>
-            <a:ext cx="867790" cy="276999"/>
+            <a:off x="7248963" y="5146319"/>
+            <a:ext cx="867790" cy="261610"/>
           </a:xfrm>
           <a:prstGeom prst="rect">
             <a:avLst/>
@@ -8400,21 +8337,23 @@
           <a:p>
             <a:pPr algn="ctr"/>
             <a:r>
-              <a:rPr lang="en-US" sz="1200" i="1" dirty="0">
+              <a:rPr lang="en-US" sz="1100" i="1" dirty="0">
                 <a:solidFill>
                   <a:schemeClr val="tx2"/>
                 </a:solidFill>
-                <a:latin typeface="Times New Roman" panose="02020603050405020304" pitchFamily="18" charset="0"/>
-                <a:cs typeface="Times New Roman" panose="02020603050405020304" pitchFamily="18" charset="0"/>
+                <a:latin typeface=""/>
+                <a:ea typeface="Tahoma" panose="020B0604030504040204" pitchFamily="34" charset="0"/>
+                <a:cs typeface="Tahoma" panose="020B0604030504040204" pitchFamily="34" charset="0"/>
               </a:rPr>
               <a:t>Models</a:t>
             </a:r>
-            <a:endParaRPr lang="en-US" sz="1400" i="1" baseline="-25000" dirty="0">
+            <a:endParaRPr lang="en-US" sz="1200" i="1" baseline="-25000" dirty="0">
               <a:solidFill>
                 <a:schemeClr val="tx2"/>
               </a:solidFill>
-              <a:latin typeface="Times New Roman" panose="02020603050405020304" pitchFamily="18" charset="0"/>
-              <a:cs typeface="Times New Roman" panose="02020603050405020304" pitchFamily="18" charset="0"/>
+              <a:latin typeface=""/>
+              <a:ea typeface="Tahoma" panose="020B0604030504040204" pitchFamily="34" charset="0"/>
+              <a:cs typeface="Tahoma" panose="020B0604030504040204" pitchFamily="34" charset="0"/>
             </a:endParaRPr>
           </a:p>
         </p:txBody>
@@ -8433,8 +8372,8 @@
         </p:nvSpPr>
         <p:spPr>
           <a:xfrm>
-            <a:off x="9399609" y="4659402"/>
-            <a:ext cx="867790" cy="276999"/>
+            <a:off x="9047045" y="5146318"/>
+            <a:ext cx="1536944" cy="261610"/>
           </a:xfrm>
           <a:prstGeom prst="rect">
             <a:avLst/>
@@ -8449,21 +8388,23 @@
           <a:p>
             <a:pPr algn="ctr"/>
             <a:r>
-              <a:rPr lang="en-US" sz="1200" i="1" dirty="0">
+              <a:rPr lang="en-US" sz="1100" i="1" dirty="0">
                 <a:solidFill>
                   <a:schemeClr val="tx2"/>
                 </a:solidFill>
-                <a:latin typeface="Times New Roman" panose="02020603050405020304" pitchFamily="18" charset="0"/>
-                <a:cs typeface="Times New Roman" panose="02020603050405020304" pitchFamily="18" charset="0"/>
+                <a:latin typeface=""/>
+                <a:ea typeface="Tahoma" panose="020B0604030504040204" pitchFamily="34" charset="0"/>
+                <a:cs typeface="Tahoma" panose="020B0604030504040204" pitchFamily="34" charset="0"/>
               </a:rPr>
               <a:t>Labels</a:t>
             </a:r>
-            <a:endParaRPr lang="en-US" sz="1400" i="1" baseline="-25000" dirty="0">
+            <a:endParaRPr lang="en-US" sz="1200" i="1" baseline="-25000" dirty="0">
               <a:solidFill>
                 <a:schemeClr val="tx2"/>
               </a:solidFill>
-              <a:latin typeface="Times New Roman" panose="02020603050405020304" pitchFamily="18" charset="0"/>
-              <a:cs typeface="Times New Roman" panose="02020603050405020304" pitchFamily="18" charset="0"/>
+              <a:latin typeface=""/>
+              <a:ea typeface="Tahoma" panose="020B0604030504040204" pitchFamily="34" charset="0"/>
+              <a:cs typeface="Tahoma" panose="020B0604030504040204" pitchFamily="34" charset="0"/>
             </a:endParaRPr>
           </a:p>
         </p:txBody>
@@ -8484,7 +8425,7 @@
         </p:nvCxnSpPr>
         <p:spPr>
           <a:xfrm>
-            <a:off x="5011769" y="2954087"/>
+            <a:off x="5131515" y="3441003"/>
             <a:ext cx="650135" cy="0"/>
           </a:xfrm>
           <a:prstGeom prst="line">
@@ -8527,7 +8468,7 @@
         </p:nvCxnSpPr>
         <p:spPr>
           <a:xfrm>
-            <a:off x="5011769" y="3460194"/>
+            <a:off x="5131515" y="3947110"/>
             <a:ext cx="658749" cy="0"/>
           </a:xfrm>
           <a:prstGeom prst="line">
@@ -8568,7 +8509,7 @@
         </p:nvSpPr>
         <p:spPr>
           <a:xfrm>
-            <a:off x="5011769" y="3650419"/>
+            <a:off x="5131515" y="4137335"/>
             <a:ext cx="658749" cy="276999"/>
           </a:xfrm>
           <a:prstGeom prst="rect">
@@ -8588,15 +8529,17 @@
                 <a:solidFill>
                   <a:schemeClr val="tx1"/>
                 </a:solidFill>
-                <a:latin typeface="Times New Roman" panose="02020603050405020304" pitchFamily="18" charset="0"/>
-                <a:cs typeface="Times New Roman" panose="02020603050405020304" pitchFamily="18" charset="0"/>
+                <a:latin typeface=""/>
+                <a:ea typeface="Tahoma" panose="020B0604030504040204" pitchFamily="34" charset="0"/>
+                <a:cs typeface="Tahoma" panose="020B0604030504040204" pitchFamily="34" charset="0"/>
               </a:rPr>
               <a:t>P</a:t>
             </a:r>
             <a:r>
               <a:rPr lang="en-US" sz="1200" baseline="-25000" dirty="0" err="1">
-                <a:latin typeface="Times New Roman" panose="02020603050405020304" pitchFamily="18" charset="0"/>
-                <a:cs typeface="Times New Roman" panose="02020603050405020304" pitchFamily="18" charset="0"/>
+                <a:latin typeface=""/>
+                <a:ea typeface="Tahoma" panose="020B0604030504040204" pitchFamily="34" charset="0"/>
+                <a:cs typeface="Tahoma" panose="020B0604030504040204" pitchFamily="34" charset="0"/>
               </a:rPr>
               <a:t>r</a:t>
             </a:r>
@@ -8605,8 +8548,9 @@
                 <a:solidFill>
                   <a:schemeClr val="tx1"/>
                 </a:solidFill>
-                <a:latin typeface="Times New Roman" panose="02020603050405020304" pitchFamily="18" charset="0"/>
-                <a:cs typeface="Times New Roman" panose="02020603050405020304" pitchFamily="18" charset="0"/>
+                <a:latin typeface=""/>
+                <a:ea typeface="Tahoma" panose="020B0604030504040204" pitchFamily="34" charset="0"/>
+                <a:cs typeface="Tahoma" panose="020B0604030504040204" pitchFamily="34" charset="0"/>
               </a:rPr>
               <a:t>:v</a:t>
             </a:r>
@@ -8615,8 +8559,9 @@
                 <a:solidFill>
                   <a:schemeClr val="tx1"/>
                 </a:solidFill>
-                <a:latin typeface="Times New Roman" panose="02020603050405020304" pitchFamily="18" charset="0"/>
-                <a:cs typeface="Times New Roman" panose="02020603050405020304" pitchFamily="18" charset="0"/>
+                <a:latin typeface=""/>
+                <a:ea typeface="Tahoma" panose="020B0604030504040204" pitchFamily="34" charset="0"/>
+                <a:cs typeface="Tahoma" panose="020B0604030504040204" pitchFamily="34" charset="0"/>
               </a:rPr>
               <a:t>r_h</a:t>
             </a:r>
@@ -8624,8 +8569,9 @@
               <a:solidFill>
                 <a:schemeClr val="tx1"/>
               </a:solidFill>
-              <a:latin typeface="Times New Roman" panose="02020603050405020304" pitchFamily="18" charset="0"/>
-              <a:cs typeface="Times New Roman" panose="02020603050405020304" pitchFamily="18" charset="0"/>
+              <a:latin typeface=""/>
+              <a:ea typeface="Tahoma" panose="020B0604030504040204" pitchFamily="34" charset="0"/>
+              <a:cs typeface="Tahoma" panose="020B0604030504040204" pitchFamily="34" charset="0"/>
             </a:endParaRPr>
           </a:p>
         </p:txBody>
@@ -8644,7 +8590,7 @@
         </p:nvSpPr>
         <p:spPr>
           <a:xfrm>
-            <a:off x="5310560" y="3160776"/>
+            <a:off x="5430306" y="3647692"/>
             <a:ext cx="80683" cy="73581"/>
           </a:xfrm>
           <a:prstGeom prst="ellipse">
@@ -8679,8 +8625,9 @@
           <a:p>
             <a:pPr algn="ctr"/>
             <a:endParaRPr lang="en-US" sz="1200">
-              <a:latin typeface="Times New Roman" panose="02020603050405020304" pitchFamily="18" charset="0"/>
-              <a:cs typeface="Times New Roman" panose="02020603050405020304" pitchFamily="18" charset="0"/>
+              <a:latin typeface=""/>
+              <a:ea typeface="Tahoma" panose="020B0604030504040204" pitchFamily="34" charset="0"/>
+              <a:cs typeface="Tahoma" panose="020B0604030504040204" pitchFamily="34" charset="0"/>
             </a:endParaRPr>
           </a:p>
         </p:txBody>
@@ -8699,7 +8646,7 @@
         </p:nvSpPr>
         <p:spPr>
           <a:xfrm>
-            <a:off x="5310560" y="3309540"/>
+            <a:off x="5430306" y="3796456"/>
             <a:ext cx="80683" cy="73581"/>
           </a:xfrm>
           <a:prstGeom prst="ellipse">
@@ -8734,8 +8681,9 @@
           <a:p>
             <a:pPr algn="ctr"/>
             <a:endParaRPr lang="en-US" sz="1200">
-              <a:latin typeface="Times New Roman" panose="02020603050405020304" pitchFamily="18" charset="0"/>
-              <a:cs typeface="Times New Roman" panose="02020603050405020304" pitchFamily="18" charset="0"/>
+              <a:latin typeface=""/>
+              <a:ea typeface="Tahoma" panose="020B0604030504040204" pitchFamily="34" charset="0"/>
+              <a:cs typeface="Tahoma" panose="020B0604030504040204" pitchFamily="34" charset="0"/>
             </a:endParaRPr>
           </a:p>
         </p:txBody>
@@ -8754,7 +8702,7 @@
         </p:nvSpPr>
         <p:spPr>
           <a:xfrm>
-            <a:off x="5310560" y="3014220"/>
+            <a:off x="5430306" y="3501136"/>
             <a:ext cx="80683" cy="73581"/>
           </a:xfrm>
           <a:prstGeom prst="ellipse">
@@ -8789,39 +8737,40 @@
           <a:p>
             <a:pPr algn="ctr"/>
             <a:endParaRPr lang="en-US" sz="1200">
-              <a:latin typeface="Times New Roman" panose="02020603050405020304" pitchFamily="18" charset="0"/>
-              <a:cs typeface="Times New Roman" panose="02020603050405020304" pitchFamily="18" charset="0"/>
+              <a:latin typeface=""/>
+              <a:ea typeface="Tahoma" panose="020B0604030504040204" pitchFamily="34" charset="0"/>
+              <a:cs typeface="Tahoma" panose="020B0604030504040204" pitchFamily="34" charset="0"/>
             </a:endParaRPr>
           </a:p>
         </p:txBody>
       </p:sp>
       <p:cxnSp>
         <p:nvCxnSpPr>
-          <p:cNvPr id="501" name="Elbow Connector 500">
-            <a:extLst>
-              <a:ext uri="{FF2B5EF4-FFF2-40B4-BE49-F238E27FC236}">
-                <a16:creationId xmlns:a16="http://schemas.microsoft.com/office/drawing/2014/main" id="{A5262A2D-3644-734A-DC7B-0AF3B13FF3C1}"/>
+          <p:cNvPr id="498" name="Elbow Connector 497">
+            <a:extLst>
+              <a:ext uri="{FF2B5EF4-FFF2-40B4-BE49-F238E27FC236}">
+                <a16:creationId xmlns:a16="http://schemas.microsoft.com/office/drawing/2014/main" id="{72F43F64-E640-87DA-3DDE-06B70B4D001D}"/>
               </a:ext>
             </a:extLst>
           </p:cNvPr>
           <p:cNvCxnSpPr>
             <a:cxnSpLocks/>
-            <a:stCxn id="508" idx="3"/>
+            <a:stCxn id="94" idx="3"/>
             <a:endCxn id="453" idx="1"/>
           </p:cNvCxnSpPr>
           <p:nvPr/>
         </p:nvCxnSpPr>
         <p:spPr>
           <a:xfrm>
-            <a:off x="4783612" y="2574720"/>
-            <a:ext cx="232655" cy="1141"/>
+            <a:off x="4902343" y="1815611"/>
+            <a:ext cx="233670" cy="1247166"/>
           </a:xfrm>
           <a:prstGeom prst="bentConnector3">
             <a:avLst>
-              <a:gd name="adj1" fmla="val 50000"/>
+              <a:gd name="adj1" fmla="val 16031"/>
             </a:avLst>
           </a:prstGeom>
-          <a:ln w="28575" cap="flat" cmpd="sng" algn="ctr">
+          <a:ln w="19050" cap="flat" cmpd="sng" algn="ctr">
             <a:solidFill>
               <a:schemeClr val="dk1"/>
             </a:solidFill>
@@ -8846,33 +8795,89 @@
           </a:fontRef>
         </p:style>
       </p:cxnSp>
+      <p:sp>
+        <p:nvSpPr>
+          <p:cNvPr id="511" name="Rectangle 510">
+            <a:extLst>
+              <a:ext uri="{FF2B5EF4-FFF2-40B4-BE49-F238E27FC236}">
+                <a16:creationId xmlns:a16="http://schemas.microsoft.com/office/drawing/2014/main" id="{5A0CC84F-DC05-AD35-C37F-5A0423A3A4B6}"/>
+              </a:ext>
+            </a:extLst>
+          </p:cNvPr>
+          <p:cNvSpPr/>
+          <p:nvPr/>
+        </p:nvSpPr>
+        <p:spPr>
+          <a:xfrm>
+            <a:off x="5133544" y="2837840"/>
+            <a:ext cx="658749" cy="1597284"/>
+          </a:xfrm>
+          <a:prstGeom prst="rect">
+            <a:avLst/>
+          </a:prstGeom>
+          <a:noFill/>
+          <a:ln>
+            <a:solidFill>
+              <a:schemeClr val="tx1"/>
+            </a:solidFill>
+          </a:ln>
+        </p:spPr>
+        <p:style>
+          <a:lnRef idx="2">
+            <a:schemeClr val="accent1">
+              <a:shade val="15000"/>
+            </a:schemeClr>
+          </a:lnRef>
+          <a:fillRef idx="1">
+            <a:schemeClr val="accent1"/>
+          </a:fillRef>
+          <a:effectRef idx="0">
+            <a:schemeClr val="accent1"/>
+          </a:effectRef>
+          <a:fontRef idx="minor">
+            <a:schemeClr val="lt1"/>
+          </a:fontRef>
+        </p:style>
+        <p:txBody>
+          <a:bodyPr rtlCol="0" anchor="ctr"/>
+          <a:lstStyle/>
+          <a:p>
+            <a:pPr algn="ctr"/>
+            <a:endParaRPr lang="en-US">
+              <a:latin typeface=""/>
+              <a:ea typeface="Tahoma" panose="020B0604030504040204" pitchFamily="34" charset="0"/>
+              <a:cs typeface="Tahoma" panose="020B0604030504040204" pitchFamily="34" charset="0"/>
+            </a:endParaRPr>
+          </a:p>
+        </p:txBody>
+      </p:sp>
       <p:cxnSp>
         <p:nvCxnSpPr>
-          <p:cNvPr id="498" name="Elbow Connector 497">
-            <a:extLst>
-              <a:ext uri="{FF2B5EF4-FFF2-40B4-BE49-F238E27FC236}">
-                <a16:creationId xmlns:a16="http://schemas.microsoft.com/office/drawing/2014/main" id="{72F43F64-E640-87DA-3DDE-06B70B4D001D}"/>
+          <p:cNvPr id="99" name="Elbow Connector 98">
+            <a:extLst>
+              <a:ext uri="{FF2B5EF4-FFF2-40B4-BE49-F238E27FC236}">
+                <a16:creationId xmlns:a16="http://schemas.microsoft.com/office/drawing/2014/main" id="{1294D5AB-7F7F-455D-9393-4EBBAD9289E3}"/>
               </a:ext>
             </a:extLst>
           </p:cNvPr>
           <p:cNvCxnSpPr>
             <a:cxnSpLocks/>
-            <a:stCxn id="94" idx="3"/>
-            <a:endCxn id="453" idx="1"/>
+            <a:stCxn id="510" idx="3"/>
+            <a:endCxn id="489" idx="1"/>
           </p:cNvCxnSpPr>
           <p:nvPr/>
         </p:nvCxnSpPr>
         <p:spPr>
           <a:xfrm>
-            <a:off x="4782597" y="1328695"/>
-            <a:ext cx="233670" cy="1247166"/>
+            <a:off x="4899378" y="4274908"/>
+            <a:ext cx="304702" cy="928"/>
           </a:xfrm>
           <a:prstGeom prst="bentConnector3">
             <a:avLst>
-              <a:gd name="adj1" fmla="val 26707"/>
+              <a:gd name="adj1" fmla="val 50000"/>
             </a:avLst>
           </a:prstGeom>
-          <a:ln w="19050" cap="flat" cmpd="sng" algn="ctr">
+          <a:ln w="28575" cap="flat" cmpd="sng" algn="ctr">
             <a:solidFill>
               <a:schemeClr val="dk1"/>
             </a:solidFill>
@@ -8899,10 +8904,10 @@
       </p:cxnSp>
       <p:sp>
         <p:nvSpPr>
-          <p:cNvPr id="511" name="Rectangle 510">
-            <a:extLst>
-              <a:ext uri="{FF2B5EF4-FFF2-40B4-BE49-F238E27FC236}">
-                <a16:creationId xmlns:a16="http://schemas.microsoft.com/office/drawing/2014/main" id="{5A0CC84F-DC05-AD35-C37F-5A0423A3A4B6}"/>
+          <p:cNvPr id="27" name="Card 26">
+            <a:extLst>
+              <a:ext uri="{FF2B5EF4-FFF2-40B4-BE49-F238E27FC236}">
+                <a16:creationId xmlns:a16="http://schemas.microsoft.com/office/drawing/2014/main" id="{CD810C60-B9BA-DAE6-DECB-A554D6FEDC20}"/>
               </a:ext>
             </a:extLst>
           </p:cNvPr>
@@ -8910,164 +8915,8 @@
           <p:nvPr/>
         </p:nvSpPr>
         <p:spPr>
-          <a:xfrm>
-            <a:off x="5013798" y="2350924"/>
-            <a:ext cx="658749" cy="1597284"/>
-          </a:xfrm>
-          <a:prstGeom prst="rect">
-            <a:avLst/>
-          </a:prstGeom>
-          <a:noFill/>
-          <a:ln>
-            <a:solidFill>
-              <a:schemeClr val="tx1"/>
-            </a:solidFill>
-          </a:ln>
-        </p:spPr>
-        <p:style>
-          <a:lnRef idx="2">
-            <a:schemeClr val="accent1">
-              <a:shade val="15000"/>
-            </a:schemeClr>
-          </a:lnRef>
-          <a:fillRef idx="1">
-            <a:schemeClr val="accent1"/>
-          </a:fillRef>
-          <a:effectRef idx="0">
-            <a:schemeClr val="accent1"/>
-          </a:effectRef>
-          <a:fontRef idx="minor">
-            <a:schemeClr val="lt1"/>
-          </a:fontRef>
-        </p:style>
-        <p:txBody>
-          <a:bodyPr rtlCol="0" anchor="ctr"/>
-          <a:lstStyle/>
-          <a:p>
-            <a:pPr algn="ctr"/>
-            <a:endParaRPr lang="en-US">
-              <a:latin typeface="Times New Roman" panose="02020603050405020304" pitchFamily="18" charset="0"/>
-              <a:cs typeface="Times New Roman" panose="02020603050405020304" pitchFamily="18" charset="0"/>
-            </a:endParaRPr>
-          </a:p>
-        </p:txBody>
-      </p:sp>
-      <p:cxnSp>
-        <p:nvCxnSpPr>
-          <p:cNvPr id="99" name="Elbow Connector 98">
-            <a:extLst>
-              <a:ext uri="{FF2B5EF4-FFF2-40B4-BE49-F238E27FC236}">
-                <a16:creationId xmlns:a16="http://schemas.microsoft.com/office/drawing/2014/main" id="{1294D5AB-7F7F-455D-9393-4EBBAD9289E3}"/>
-              </a:ext>
-            </a:extLst>
-          </p:cNvPr>
-          <p:cNvCxnSpPr>
-            <a:cxnSpLocks/>
-            <a:stCxn id="510" idx="3"/>
-            <a:endCxn id="489" idx="1"/>
-          </p:cNvCxnSpPr>
-          <p:nvPr/>
-        </p:nvCxnSpPr>
-        <p:spPr>
-          <a:xfrm>
-            <a:off x="4779632" y="3787992"/>
-            <a:ext cx="232137" cy="927"/>
-          </a:xfrm>
-          <a:prstGeom prst="bentConnector3">
-            <a:avLst>
-              <a:gd name="adj1" fmla="val 50000"/>
-            </a:avLst>
-          </a:prstGeom>
-          <a:ln w="28575" cap="flat" cmpd="sng" algn="ctr">
-            <a:solidFill>
-              <a:schemeClr val="dk1"/>
-            </a:solidFill>
-            <a:prstDash val="solid"/>
-            <a:round/>
-            <a:headEnd type="none" w="med" len="med"/>
-            <a:tailEnd type="arrow" w="med" len="med"/>
-          </a:ln>
-        </p:spPr>
-        <p:style>
-          <a:lnRef idx="0">
-            <a:scrgbClr r="0" g="0" b="0"/>
-          </a:lnRef>
-          <a:fillRef idx="0">
-            <a:scrgbClr r="0" g="0" b="0"/>
-          </a:fillRef>
-          <a:effectRef idx="0">
-            <a:scrgbClr r="0" g="0" b="0"/>
-          </a:effectRef>
-          <a:fontRef idx="minor">
-            <a:schemeClr val="tx1"/>
-          </a:fontRef>
-        </p:style>
-      </p:cxnSp>
-      <p:sp>
-        <p:nvSpPr>
-          <p:cNvPr id="10" name="TextBox 9">
-            <a:extLst>
-              <a:ext uri="{FF2B5EF4-FFF2-40B4-BE49-F238E27FC236}">
-                <a16:creationId xmlns:a16="http://schemas.microsoft.com/office/drawing/2014/main" id="{4094E3A4-362C-EC8C-3F97-B21295AF9B1A}"/>
-              </a:ext>
-            </a:extLst>
-          </p:cNvPr>
-          <p:cNvSpPr txBox="1"/>
-          <p:nvPr/>
-        </p:nvSpPr>
-        <p:spPr>
-          <a:xfrm>
-            <a:off x="5795624" y="2154063"/>
-            <a:ext cx="640629" cy="276999"/>
-          </a:xfrm>
-          <a:prstGeom prst="rect">
-            <a:avLst/>
-          </a:prstGeom>
-          <a:noFill/>
-        </p:spPr>
-        <p:txBody>
-          <a:bodyPr wrap="square">
-            <a:spAutoFit/>
-          </a:bodyPr>
-          <a:lstStyle/>
-          <a:p>
-            <a:pPr algn="ctr"/>
-            <a:r>
-              <a:rPr lang="en-US" sz="1200" dirty="0">
-                <a:latin typeface="Times New Roman" panose="02020603050405020304" pitchFamily="18" charset="0"/>
-                <a:cs typeface="Times New Roman" panose="02020603050405020304" pitchFamily="18" charset="0"/>
-              </a:rPr>
-              <a:t>OI</a:t>
-            </a:r>
-            <a:r>
-              <a:rPr lang="en-US" sz="1200" baseline="-25000" dirty="0">
-                <a:latin typeface="Times New Roman" panose="02020603050405020304" pitchFamily="18" charset="0"/>
-                <a:cs typeface="Times New Roman" panose="02020603050405020304" pitchFamily="18" charset="0"/>
-              </a:rPr>
-              <a:t>HAPV</a:t>
-            </a:r>
-            <a:endParaRPr lang="en-US" sz="1400" baseline="-25000" dirty="0">
-              <a:latin typeface="Times New Roman" panose="02020603050405020304" pitchFamily="18" charset="0"/>
-              <a:cs typeface="Times New Roman" panose="02020603050405020304" pitchFamily="18" charset="0"/>
-            </a:endParaRPr>
-          </a:p>
-        </p:txBody>
-      </p:sp>
-      <p:sp>
-        <p:nvSpPr>
-          <p:cNvPr id="27" name="Card 26">
-            <a:extLst>
-              <a:ext uri="{FF2B5EF4-FFF2-40B4-BE49-F238E27FC236}">
-                <a16:creationId xmlns:a16="http://schemas.microsoft.com/office/drawing/2014/main" id="{CD810C60-B9BA-DAE6-DECB-A554D6FEDC20}"/>
-              </a:ext>
-            </a:extLst>
-          </p:cNvPr>
-          <p:cNvSpPr/>
-          <p:nvPr/>
-        </p:nvSpPr>
-        <p:spPr>
           <a:xfrm flipH="1">
-            <a:off x="6468552" y="1137525"/>
+            <a:off x="6468552" y="1624441"/>
             <a:ext cx="745596" cy="598150"/>
           </a:xfrm>
           <a:prstGeom prst="flowChartPunchedCard">
@@ -9104,8 +8953,9 @@
               <a:solidFill>
                 <a:schemeClr val="tx1"/>
               </a:solidFill>
-              <a:latin typeface="Times New Roman" panose="02020603050405020304" pitchFamily="18" charset="0"/>
-              <a:cs typeface="Times New Roman" panose="02020603050405020304" pitchFamily="18" charset="0"/>
+              <a:latin typeface=""/>
+              <a:ea typeface="Tahoma" panose="020B0604030504040204" pitchFamily="34" charset="0"/>
+              <a:cs typeface="Tahoma" panose="020B0604030504040204" pitchFamily="34" charset="0"/>
             </a:endParaRPr>
           </a:p>
         </p:txBody>
@@ -9124,8 +8974,8 @@
         </p:nvSpPr>
         <p:spPr>
           <a:xfrm>
-            <a:off x="6316994" y="4567071"/>
-            <a:ext cx="1013482" cy="461665"/>
+            <a:off x="6316994" y="5053987"/>
+            <a:ext cx="1013482" cy="430887"/>
           </a:xfrm>
           <a:prstGeom prst="rect">
             <a:avLst/>
@@ -9140,41 +8990,45 @@
           <a:p>
             <a:pPr algn="ctr"/>
             <a:r>
-              <a:rPr lang="en-US" sz="1200" i="1" dirty="0">
+              <a:rPr lang="en-US" sz="1100" i="1" dirty="0">
                 <a:solidFill>
                   <a:schemeClr val="tx2"/>
                 </a:solidFill>
-                <a:latin typeface="Times New Roman" panose="02020603050405020304" pitchFamily="18" charset="0"/>
-                <a:cs typeface="Times New Roman" panose="02020603050405020304" pitchFamily="18" charset="0"/>
+                <a:latin typeface=""/>
+                <a:ea typeface="Tahoma" panose="020B0604030504040204" pitchFamily="34" charset="0"/>
+                <a:cs typeface="Tahoma" panose="020B0604030504040204" pitchFamily="34" charset="0"/>
               </a:rPr>
               <a:t>Run OI</a:t>
             </a:r>
             <a:r>
-              <a:rPr lang="en-US" sz="1200" i="1" baseline="-25000" dirty="0">
+              <a:rPr lang="en-US" sz="1100" i="1" baseline="-25000" dirty="0">
                 <a:solidFill>
                   <a:schemeClr val="tx2"/>
                 </a:solidFill>
-                <a:latin typeface="Times New Roman" panose="02020603050405020304" pitchFamily="18" charset="0"/>
-                <a:cs typeface="Times New Roman" panose="02020603050405020304" pitchFamily="18" charset="0"/>
+                <a:latin typeface=""/>
+                <a:ea typeface="Tahoma" panose="020B0604030504040204" pitchFamily="34" charset="0"/>
+                <a:cs typeface="Tahoma" panose="020B0604030504040204" pitchFamily="34" charset="0"/>
               </a:rPr>
               <a:t>HAPV</a:t>
             </a:r>
             <a:r>
-              <a:rPr lang="en-US" sz="1200" i="1" dirty="0">
+              <a:rPr lang="en-US" sz="1100" i="1" dirty="0">
                 <a:solidFill>
                   <a:schemeClr val="tx2"/>
                 </a:solidFill>
-                <a:latin typeface="Times New Roman" panose="02020603050405020304" pitchFamily="18" charset="0"/>
-                <a:cs typeface="Times New Roman" panose="02020603050405020304" pitchFamily="18" charset="0"/>
+                <a:latin typeface=""/>
+                <a:ea typeface="Tahoma" panose="020B0604030504040204" pitchFamily="34" charset="0"/>
+                <a:cs typeface="Tahoma" panose="020B0604030504040204" pitchFamily="34" charset="0"/>
               </a:rPr>
               <a:t> on Partitions</a:t>
             </a:r>
-            <a:endParaRPr lang="en-US" sz="1400" i="1" baseline="-25000" dirty="0">
+            <a:endParaRPr lang="en-US" sz="1200" i="1" baseline="-25000" dirty="0">
               <a:solidFill>
                 <a:schemeClr val="tx2"/>
               </a:solidFill>
-              <a:latin typeface="Times New Roman" panose="02020603050405020304" pitchFamily="18" charset="0"/>
-              <a:cs typeface="Times New Roman" panose="02020603050405020304" pitchFamily="18" charset="0"/>
+              <a:latin typeface=""/>
+              <a:ea typeface="Tahoma" panose="020B0604030504040204" pitchFamily="34" charset="0"/>
+              <a:cs typeface="Tahoma" panose="020B0604030504040204" pitchFamily="34" charset="0"/>
             </a:endParaRPr>
           </a:p>
         </p:txBody>
@@ -9193,7 +9047,7 @@
         </p:nvSpPr>
         <p:spPr>
           <a:xfrm flipH="1">
-            <a:off x="6471284" y="2142489"/>
+            <a:off x="6471284" y="2629405"/>
             <a:ext cx="745596" cy="598150"/>
           </a:xfrm>
           <a:prstGeom prst="flowChartPunchedCard">
@@ -9230,8 +9084,9 @@
               <a:solidFill>
                 <a:schemeClr val="tx1"/>
               </a:solidFill>
-              <a:latin typeface="Times New Roman" panose="02020603050405020304" pitchFamily="18" charset="0"/>
-              <a:cs typeface="Times New Roman" panose="02020603050405020304" pitchFamily="18" charset="0"/>
+              <a:latin typeface=""/>
+              <a:ea typeface="Tahoma" panose="020B0604030504040204" pitchFamily="34" charset="0"/>
+              <a:cs typeface="Tahoma" panose="020B0604030504040204" pitchFamily="34" charset="0"/>
             </a:endParaRPr>
           </a:p>
         </p:txBody>
@@ -9250,7 +9105,7 @@
         </p:nvSpPr>
         <p:spPr>
           <a:xfrm>
-            <a:off x="215840" y="2667236"/>
+            <a:off x="215840" y="3154152"/>
             <a:ext cx="335220" cy="283781"/>
           </a:xfrm>
           <a:prstGeom prst="can">
@@ -9291,8 +9146,9 @@
               <a:solidFill>
                 <a:schemeClr val="bg1"/>
               </a:solidFill>
-              <a:latin typeface="Times New Roman" panose="02020603050405020304" pitchFamily="18" charset="0"/>
-              <a:cs typeface="Times New Roman" panose="02020603050405020304" pitchFamily="18" charset="0"/>
+              <a:latin typeface=""/>
+              <a:ea typeface="Tahoma" panose="020B0604030504040204" pitchFamily="34" charset="0"/>
+              <a:cs typeface="Tahoma" panose="020B0604030504040204" pitchFamily="34" charset="0"/>
             </a:endParaRPr>
           </a:p>
         </p:txBody>
@@ -9311,7 +9167,7 @@
         </p:nvSpPr>
         <p:spPr>
           <a:xfrm>
-            <a:off x="998259" y="3586169"/>
+            <a:off x="998259" y="4073085"/>
             <a:ext cx="335220" cy="283781"/>
           </a:xfrm>
           <a:prstGeom prst="can">
@@ -9349,22 +9205,24 @@
           <a:p>
             <a:pPr algn="ctr"/>
             <a:r>
-              <a:rPr lang="en-US" sz="1400" dirty="0">
+              <a:rPr lang="en-US" sz="1200" dirty="0">
                 <a:solidFill>
                   <a:schemeClr val="bg1"/>
                 </a:solidFill>
-                <a:latin typeface="Times New Roman" panose="02020603050405020304" pitchFamily="18" charset="0"/>
-                <a:cs typeface="Times New Roman" panose="02020603050405020304" pitchFamily="18" charset="0"/>
+                <a:latin typeface=""/>
+                <a:ea typeface="Tahoma" panose="020B0604030504040204" pitchFamily="34" charset="0"/>
+                <a:cs typeface="Tahoma" panose="020B0604030504040204" pitchFamily="34" charset="0"/>
               </a:rPr>
               <a:t>S</a:t>
             </a:r>
             <a:r>
-              <a:rPr lang="en-US" sz="1400" baseline="-25000" dirty="0">
+              <a:rPr lang="en-US" sz="1200" baseline="-25000" dirty="0">
                 <a:solidFill>
                   <a:schemeClr val="bg1"/>
                 </a:solidFill>
-                <a:latin typeface="Times New Roman" panose="02020603050405020304" pitchFamily="18" charset="0"/>
-                <a:cs typeface="Times New Roman" panose="02020603050405020304" pitchFamily="18" charset="0"/>
+                <a:latin typeface=""/>
+                <a:ea typeface="Tahoma" panose="020B0604030504040204" pitchFamily="34" charset="0"/>
+                <a:cs typeface="Tahoma" panose="020B0604030504040204" pitchFamily="34" charset="0"/>
               </a:rPr>
               <a:t>i</a:t>
             </a:r>
@@ -9385,7 +9243,7 @@
         </p:nvSpPr>
         <p:spPr>
           <a:xfrm>
-            <a:off x="340419" y="3006064"/>
+            <a:off x="340419" y="3492980"/>
             <a:ext cx="73705" cy="73705"/>
           </a:xfrm>
           <a:prstGeom prst="ellipse">
@@ -9420,8 +9278,9 @@
           <a:p>
             <a:pPr algn="ctr"/>
             <a:endParaRPr lang="en-US">
-              <a:latin typeface="Times New Roman" panose="02020603050405020304" pitchFamily="18" charset="0"/>
-              <a:cs typeface="Times New Roman" panose="02020603050405020304" pitchFamily="18" charset="0"/>
+              <a:latin typeface=""/>
+              <a:ea typeface="Tahoma" panose="020B0604030504040204" pitchFamily="34" charset="0"/>
+              <a:cs typeface="Tahoma" panose="020B0604030504040204" pitchFamily="34" charset="0"/>
             </a:endParaRPr>
           </a:p>
         </p:txBody>
@@ -9440,7 +9299,7 @@
         </p:nvSpPr>
         <p:spPr>
           <a:xfrm>
-            <a:off x="340419" y="3103902"/>
+            <a:off x="340419" y="3590818"/>
             <a:ext cx="73705" cy="73705"/>
           </a:xfrm>
           <a:prstGeom prst="ellipse">
@@ -9475,8 +9334,9 @@
           <a:p>
             <a:pPr algn="ctr"/>
             <a:endParaRPr lang="en-US">
-              <a:latin typeface="Times New Roman" panose="02020603050405020304" pitchFamily="18" charset="0"/>
-              <a:cs typeface="Times New Roman" panose="02020603050405020304" pitchFamily="18" charset="0"/>
+              <a:latin typeface=""/>
+              <a:ea typeface="Tahoma" panose="020B0604030504040204" pitchFamily="34" charset="0"/>
+              <a:cs typeface="Tahoma" panose="020B0604030504040204" pitchFamily="34" charset="0"/>
             </a:endParaRPr>
           </a:p>
         </p:txBody>
@@ -9495,7 +9355,7 @@
         </p:nvSpPr>
         <p:spPr>
           <a:xfrm>
-            <a:off x="340419" y="3202494"/>
+            <a:off x="340419" y="3689410"/>
             <a:ext cx="73705" cy="73705"/>
           </a:xfrm>
           <a:prstGeom prst="ellipse">
@@ -9530,8 +9390,9 @@
           <a:p>
             <a:pPr algn="ctr"/>
             <a:endParaRPr lang="en-US">
-              <a:latin typeface="Times New Roman" panose="02020603050405020304" pitchFamily="18" charset="0"/>
-              <a:cs typeface="Times New Roman" panose="02020603050405020304" pitchFamily="18" charset="0"/>
+              <a:latin typeface=""/>
+              <a:ea typeface="Tahoma" panose="020B0604030504040204" pitchFamily="34" charset="0"/>
+              <a:cs typeface="Tahoma" panose="020B0604030504040204" pitchFamily="34" charset="0"/>
             </a:endParaRPr>
           </a:p>
         </p:txBody>
@@ -9554,7 +9415,7 @@
         </p:nvCxnSpPr>
         <p:spPr>
           <a:xfrm>
-            <a:off x="551060" y="2809127"/>
+            <a:off x="551060" y="3296043"/>
             <a:ext cx="447199" cy="918933"/>
           </a:xfrm>
           <a:prstGeom prst="bentConnector3">
@@ -9601,7 +9462,7 @@
         </p:nvSpPr>
         <p:spPr>
           <a:xfrm>
-            <a:off x="1132349" y="3991939"/>
+            <a:off x="1132349" y="4478855"/>
             <a:ext cx="66001" cy="62611"/>
           </a:xfrm>
           <a:prstGeom prst="ellipse">
@@ -9636,8 +9497,9 @@
           <a:p>
             <a:pPr algn="ctr"/>
             <a:endParaRPr lang="en-US">
-              <a:latin typeface="Times New Roman" panose="02020603050405020304" pitchFamily="18" charset="0"/>
-              <a:cs typeface="Times New Roman" panose="02020603050405020304" pitchFamily="18" charset="0"/>
+              <a:latin typeface=""/>
+              <a:ea typeface="Tahoma" panose="020B0604030504040204" pitchFamily="34" charset="0"/>
+              <a:cs typeface="Tahoma" panose="020B0604030504040204" pitchFamily="34" charset="0"/>
             </a:endParaRPr>
           </a:p>
         </p:txBody>
@@ -9656,7 +9518,7 @@
         </p:nvSpPr>
         <p:spPr>
           <a:xfrm>
-            <a:off x="1132349" y="4077199"/>
+            <a:off x="1132349" y="4564115"/>
             <a:ext cx="65999" cy="62611"/>
           </a:xfrm>
           <a:prstGeom prst="ellipse">
@@ -9691,8 +9553,9 @@
           <a:p>
             <a:pPr algn="ctr"/>
             <a:endParaRPr lang="en-US">
-              <a:latin typeface="Times New Roman" panose="02020603050405020304" pitchFamily="18" charset="0"/>
-              <a:cs typeface="Times New Roman" panose="02020603050405020304" pitchFamily="18" charset="0"/>
+              <a:latin typeface=""/>
+              <a:ea typeface="Tahoma" panose="020B0604030504040204" pitchFamily="34" charset="0"/>
+              <a:cs typeface="Tahoma" panose="020B0604030504040204" pitchFamily="34" charset="0"/>
             </a:endParaRPr>
           </a:p>
         </p:txBody>
@@ -9711,7 +9574,7 @@
         </p:nvSpPr>
         <p:spPr>
           <a:xfrm>
-            <a:off x="1134442" y="3907887"/>
+            <a:off x="1134442" y="4394803"/>
             <a:ext cx="63907" cy="62006"/>
           </a:xfrm>
           <a:prstGeom prst="ellipse">
@@ -9746,8 +9609,9 @@
           <a:p>
             <a:pPr algn="ctr"/>
             <a:endParaRPr lang="en-US">
-              <a:latin typeface="Times New Roman" panose="02020603050405020304" pitchFamily="18" charset="0"/>
-              <a:cs typeface="Times New Roman" panose="02020603050405020304" pitchFamily="18" charset="0"/>
+              <a:latin typeface=""/>
+              <a:ea typeface="Tahoma" panose="020B0604030504040204" pitchFamily="34" charset="0"/>
+              <a:cs typeface="Tahoma" panose="020B0604030504040204" pitchFamily="34" charset="0"/>
             </a:endParaRPr>
           </a:p>
         </p:txBody>
@@ -9766,7 +9630,7 @@
         </p:nvSpPr>
         <p:spPr>
           <a:xfrm>
-            <a:off x="1129460" y="3068938"/>
+            <a:off x="1129460" y="3555854"/>
             <a:ext cx="60924" cy="60637"/>
           </a:xfrm>
           <a:prstGeom prst="ellipse">
@@ -9801,8 +9665,9 @@
           <a:p>
             <a:pPr algn="ctr"/>
             <a:endParaRPr lang="en-US">
-              <a:latin typeface="Times New Roman" panose="02020603050405020304" pitchFamily="18" charset="0"/>
-              <a:cs typeface="Times New Roman" panose="02020603050405020304" pitchFamily="18" charset="0"/>
+              <a:latin typeface=""/>
+              <a:ea typeface="Tahoma" panose="020B0604030504040204" pitchFamily="34" charset="0"/>
+              <a:cs typeface="Tahoma" panose="020B0604030504040204" pitchFamily="34" charset="0"/>
             </a:endParaRPr>
           </a:p>
         </p:txBody>
@@ -9821,7 +9686,7 @@
         </p:nvSpPr>
         <p:spPr>
           <a:xfrm>
-            <a:off x="1129460" y="3153594"/>
+            <a:off x="1129460" y="3640510"/>
             <a:ext cx="62006" cy="62006"/>
           </a:xfrm>
           <a:prstGeom prst="ellipse">
@@ -9856,8 +9721,9 @@
           <a:p>
             <a:pPr algn="ctr"/>
             <a:endParaRPr lang="en-US">
-              <a:latin typeface="Times New Roman" panose="02020603050405020304" pitchFamily="18" charset="0"/>
-              <a:cs typeface="Times New Roman" panose="02020603050405020304" pitchFamily="18" charset="0"/>
+              <a:latin typeface=""/>
+              <a:ea typeface="Tahoma" panose="020B0604030504040204" pitchFamily="34" charset="0"/>
+              <a:cs typeface="Tahoma" panose="020B0604030504040204" pitchFamily="34" charset="0"/>
             </a:endParaRPr>
           </a:p>
         </p:txBody>
@@ -9876,7 +9742,7 @@
         </p:nvSpPr>
         <p:spPr>
           <a:xfrm>
-            <a:off x="1128378" y="2984281"/>
+            <a:off x="1128378" y="3471197"/>
             <a:ext cx="62006" cy="62006"/>
           </a:xfrm>
           <a:prstGeom prst="ellipse">
@@ -9911,8 +9777,9 @@
           <a:p>
             <a:pPr algn="ctr"/>
             <a:endParaRPr lang="en-US">
-              <a:latin typeface="Times New Roman" panose="02020603050405020304" pitchFamily="18" charset="0"/>
-              <a:cs typeface="Times New Roman" panose="02020603050405020304" pitchFamily="18" charset="0"/>
+              <a:latin typeface=""/>
+              <a:ea typeface="Tahoma" panose="020B0604030504040204" pitchFamily="34" charset="0"/>
+              <a:cs typeface="Tahoma" panose="020B0604030504040204" pitchFamily="34" charset="0"/>
             </a:endParaRPr>
           </a:p>
         </p:txBody>
@@ -9931,7 +9798,7 @@
         </p:nvSpPr>
         <p:spPr>
           <a:xfrm>
-            <a:off x="3534519" y="2309015"/>
+            <a:off x="3654265" y="2795931"/>
             <a:ext cx="1249093" cy="531409"/>
           </a:xfrm>
           <a:prstGeom prst="flowChartDecision">
@@ -9959,8 +9826,9 @@
           <a:p>
             <a:pPr algn="ctr"/>
             <a:endParaRPr lang="en-US" sz="1200" dirty="0">
-              <a:latin typeface="Times New Roman" panose="02020603050405020304" pitchFamily="18" charset="0"/>
-              <a:cs typeface="Times New Roman" panose="02020603050405020304" pitchFamily="18" charset="0"/>
+              <a:latin typeface=""/>
+              <a:ea typeface="Tahoma" panose="020B0604030504040204" pitchFamily="34" charset="0"/>
+              <a:cs typeface="Tahoma" panose="020B0604030504040204" pitchFamily="34" charset="0"/>
             </a:endParaRPr>
           </a:p>
         </p:txBody>
@@ -9979,7 +9847,7 @@
         </p:nvSpPr>
         <p:spPr>
           <a:xfrm>
-            <a:off x="3571734" y="2415081"/>
+            <a:off x="3702366" y="2912883"/>
             <a:ext cx="1089891" cy="276999"/>
           </a:xfrm>
           <a:prstGeom prst="rect">
@@ -9996,15 +9864,17 @@
             <a:pPr algn="ctr"/>
             <a:r>
               <a:rPr lang="en-US" sz="1200" b="1" dirty="0">
-                <a:latin typeface="Times New Roman" panose="02020603050405020304" pitchFamily="18" charset="0"/>
-                <a:cs typeface="Times New Roman" panose="02020603050405020304" pitchFamily="18" charset="0"/>
+                <a:latin typeface=""/>
+                <a:ea typeface="Tahoma" panose="020B0604030504040204" pitchFamily="34" charset="0"/>
+                <a:cs typeface="Tahoma" panose="020B0604030504040204" pitchFamily="34" charset="0"/>
               </a:rPr>
               <a:t>Similarity</a:t>
             </a:r>
             <a:r>
               <a:rPr lang="en-US" sz="1200" b="1" baseline="-25000" dirty="0">
-                <a:latin typeface="Times New Roman" panose="02020603050405020304" pitchFamily="18" charset="0"/>
-                <a:cs typeface="Times New Roman" panose="02020603050405020304" pitchFamily="18" charset="0"/>
+                <a:latin typeface=""/>
+                <a:ea typeface="Tahoma" panose="020B0604030504040204" pitchFamily="34" charset="0"/>
+                <a:cs typeface="Tahoma" panose="020B0604030504040204" pitchFamily="34" charset="0"/>
               </a:rPr>
               <a:t>1_2</a:t>
             </a:r>
@@ -10025,7 +9895,7 @@
         </p:nvSpPr>
         <p:spPr>
           <a:xfrm>
-            <a:off x="3530539" y="3522287"/>
+            <a:off x="3650285" y="4009203"/>
             <a:ext cx="1249093" cy="531409"/>
           </a:xfrm>
           <a:prstGeom prst="flowChartDecision">
@@ -10053,8 +9923,9 @@
           <a:p>
             <a:pPr algn="ctr"/>
             <a:endParaRPr lang="en-US" sz="1200" dirty="0">
-              <a:latin typeface="Times New Roman" panose="02020603050405020304" pitchFamily="18" charset="0"/>
-              <a:cs typeface="Times New Roman" panose="02020603050405020304" pitchFamily="18" charset="0"/>
+              <a:latin typeface=""/>
+              <a:ea typeface="Tahoma" panose="020B0604030504040204" pitchFamily="34" charset="0"/>
+              <a:cs typeface="Tahoma" panose="020B0604030504040204" pitchFamily="34" charset="0"/>
             </a:endParaRPr>
           </a:p>
         </p:txBody>
@@ -10073,7 +9944,7 @@
         </p:nvSpPr>
         <p:spPr>
           <a:xfrm>
-            <a:off x="3574223" y="3622998"/>
+            <a:off x="3704855" y="4120800"/>
             <a:ext cx="1087402" cy="276999"/>
           </a:xfrm>
           <a:prstGeom prst="rect">
@@ -10090,21 +9961,24 @@
             <a:pPr algn="ctr"/>
             <a:r>
               <a:rPr lang="en-US" sz="1200" b="1" dirty="0" err="1">
-                <a:latin typeface="Times New Roman" panose="02020603050405020304" pitchFamily="18" charset="0"/>
-                <a:cs typeface="Times New Roman" panose="02020603050405020304" pitchFamily="18" charset="0"/>
+                <a:latin typeface=""/>
+                <a:ea typeface="Tahoma" panose="020B0604030504040204" pitchFamily="34" charset="0"/>
+                <a:cs typeface="Tahoma" panose="020B0604030504040204" pitchFamily="34" charset="0"/>
               </a:rPr>
               <a:t>Similarity</a:t>
             </a:r>
             <a:r>
               <a:rPr lang="en-US" sz="1200" b="1" baseline="-25000" dirty="0" err="1">
-                <a:latin typeface="Times New Roman" panose="02020603050405020304" pitchFamily="18" charset="0"/>
-                <a:cs typeface="Times New Roman" panose="02020603050405020304" pitchFamily="18" charset="0"/>
+                <a:latin typeface=""/>
+                <a:ea typeface="Tahoma" panose="020B0604030504040204" pitchFamily="34" charset="0"/>
+                <a:cs typeface="Tahoma" panose="020B0604030504040204" pitchFamily="34" charset="0"/>
               </a:rPr>
               <a:t>r_h</a:t>
             </a:r>
             <a:endParaRPr lang="en-US" sz="1200" b="1" baseline="-25000" dirty="0">
-              <a:latin typeface="Times New Roman" panose="02020603050405020304" pitchFamily="18" charset="0"/>
-              <a:cs typeface="Times New Roman" panose="02020603050405020304" pitchFamily="18" charset="0"/>
+              <a:latin typeface=""/>
+              <a:ea typeface="Tahoma" panose="020B0604030504040204" pitchFamily="34" charset="0"/>
+              <a:cs typeface="Tahoma" panose="020B0604030504040204" pitchFamily="34" charset="0"/>
             </a:endParaRPr>
           </a:p>
         </p:txBody>
@@ -10123,7 +9997,7 @@
         </p:nvSpPr>
         <p:spPr>
           <a:xfrm>
-            <a:off x="6349563" y="412508"/>
+            <a:off x="6349563" y="899424"/>
             <a:ext cx="1333295" cy="692497"/>
           </a:xfrm>
           <a:prstGeom prst="rect">
@@ -10140,21 +10014,24 @@
             <a:pPr algn="ctr"/>
             <a:r>
               <a:rPr lang="en-US" sz="1300" b="1" dirty="0">
-                <a:latin typeface="Times New Roman" panose="02020603050405020304" pitchFamily="18" charset="0"/>
-                <a:cs typeface="Times New Roman" panose="02020603050405020304" pitchFamily="18" charset="0"/>
+                <a:latin typeface=""/>
+                <a:ea typeface="Tahoma" panose="020B0604030504040204" pitchFamily="34" charset="0"/>
+                <a:cs typeface="Tahoma" panose="020B0604030504040204" pitchFamily="34" charset="0"/>
               </a:rPr>
               <a:t>Generate Models Using OI</a:t>
             </a:r>
             <a:r>
               <a:rPr lang="en-US" sz="1300" b="1" baseline="-25000" dirty="0">
-                <a:latin typeface="Times New Roman" panose="02020603050405020304" pitchFamily="18" charset="0"/>
-                <a:cs typeface="Times New Roman" panose="02020603050405020304" pitchFamily="18" charset="0"/>
+                <a:latin typeface=""/>
+                <a:ea typeface="Tahoma" panose="020B0604030504040204" pitchFamily="34" charset="0"/>
+                <a:cs typeface="Tahoma" panose="020B0604030504040204" pitchFamily="34" charset="0"/>
               </a:rPr>
               <a:t>HAPV</a:t>
             </a:r>
             <a:endParaRPr lang="en-US" sz="1300" b="1" dirty="0">
-              <a:latin typeface="Times New Roman" panose="02020603050405020304" pitchFamily="18" charset="0"/>
-              <a:cs typeface="Times New Roman" panose="02020603050405020304" pitchFamily="18" charset="0"/>
+              <a:latin typeface=""/>
+              <a:ea typeface="Tahoma" panose="020B0604030504040204" pitchFamily="34" charset="0"/>
+              <a:cs typeface="Tahoma" panose="020B0604030504040204" pitchFamily="34" charset="0"/>
             </a:endParaRPr>
           </a:p>
         </p:txBody>
@@ -10173,7 +10050,7 @@
         </p:nvSpPr>
         <p:spPr>
           <a:xfrm>
-            <a:off x="1711492" y="4493087"/>
+            <a:off x="1831238" y="4980003"/>
             <a:ext cx="4207043" cy="276999"/>
           </a:xfrm>
           <a:prstGeom prst="rect">
@@ -10187,40 +10064,22 @@
           </a:bodyPr>
           <a:lstStyle/>
           <a:p>
-            <a:r>
-              <a:rPr lang="en-US" sz="1200" b="1" i="1" dirty="0" err="1">
-                <a:latin typeface="Times New Roman" panose="02020603050405020304" pitchFamily="18" charset="0"/>
-                <a:cs typeface="Times New Roman" panose="02020603050405020304" pitchFamily="18" charset="0"/>
+            <a:pPr algn="ctr"/>
+            <a:r>
+              <a:rPr lang="en-US" sz="1200" i="1" dirty="0" err="1">
+                <a:latin typeface=""/>
+                <a:ea typeface="Tahoma" panose="020B0604030504040204" pitchFamily="34" charset="0"/>
+                <a:cs typeface="Tahoma" panose="020B0604030504040204" pitchFamily="34" charset="0"/>
               </a:rPr>
               <a:t>i</a:t>
             </a:r>
             <a:r>
-              <a:rPr lang="en-US" sz="1200" i="1" dirty="0">
-                <a:latin typeface="Times New Roman" panose="02020603050405020304" pitchFamily="18" charset="0"/>
-                <a:cs typeface="Times New Roman" panose="02020603050405020304" pitchFamily="18" charset="0"/>
+              <a:rPr lang="en-US" sz="1200" dirty="0">
+                <a:latin typeface=""/>
+                <a:ea typeface="Tahoma" panose="020B0604030504040204" pitchFamily="34" charset="0"/>
+                <a:cs typeface="Tahoma" panose="020B0604030504040204" pitchFamily="34" charset="0"/>
               </a:rPr>
-              <a:t> </a:t>
-            </a:r>
-            <a:r>
-              <a:rPr lang="en-US" sz="1200" dirty="0">
-                <a:latin typeface="Times New Roman" panose="02020603050405020304" pitchFamily="18" charset="0"/>
-                <a:cs typeface="Times New Roman" panose="02020603050405020304" pitchFamily="18" charset="0"/>
-              </a:rPr>
-              <a:t>= Number of possible values across </a:t>
-            </a:r>
-            <a:r>
-              <a:rPr lang="en-US" sz="1200" b="1" i="1" dirty="0">
-                <a:latin typeface="Times New Roman" panose="02020603050405020304" pitchFamily="18" charset="0"/>
-                <a:cs typeface="Times New Roman" panose="02020603050405020304" pitchFamily="18" charset="0"/>
-              </a:rPr>
-              <a:t>r</a:t>
-            </a:r>
-            <a:r>
-              <a:rPr lang="en-US" sz="1200" dirty="0">
-                <a:latin typeface="Times New Roman" panose="02020603050405020304" pitchFamily="18" charset="0"/>
-                <a:cs typeface="Times New Roman" panose="02020603050405020304" pitchFamily="18" charset="0"/>
-              </a:rPr>
-              <a:t> hyper-parameters  </a:t>
+              <a:t>-way parallelism</a:t>
             </a:r>
           </a:p>
         </p:txBody>
@@ -10239,7 +10098,7 @@
         </p:nvSpPr>
         <p:spPr>
           <a:xfrm>
-            <a:off x="6803143" y="3376326"/>
+            <a:off x="6803143" y="3863242"/>
             <a:ext cx="80683" cy="73581"/>
           </a:xfrm>
           <a:prstGeom prst="ellipse">
@@ -10274,8 +10133,9 @@
           <a:p>
             <a:pPr algn="ctr"/>
             <a:endParaRPr lang="en-US" sz="1200">
-              <a:latin typeface="Times New Roman" panose="02020603050405020304" pitchFamily="18" charset="0"/>
-              <a:cs typeface="Times New Roman" panose="02020603050405020304" pitchFamily="18" charset="0"/>
+              <a:latin typeface=""/>
+              <a:ea typeface="Tahoma" panose="020B0604030504040204" pitchFamily="34" charset="0"/>
+              <a:cs typeface="Tahoma" panose="020B0604030504040204" pitchFamily="34" charset="0"/>
             </a:endParaRPr>
           </a:p>
         </p:txBody>
@@ -10294,7 +10154,7 @@
         </p:nvSpPr>
         <p:spPr>
           <a:xfrm>
-            <a:off x="6803143" y="3525090"/>
+            <a:off x="6803143" y="4012006"/>
             <a:ext cx="80683" cy="73581"/>
           </a:xfrm>
           <a:prstGeom prst="ellipse">
@@ -10329,8 +10189,9 @@
           <a:p>
             <a:pPr algn="ctr"/>
             <a:endParaRPr lang="en-US" sz="1200">
-              <a:latin typeface="Times New Roman" panose="02020603050405020304" pitchFamily="18" charset="0"/>
-              <a:cs typeface="Times New Roman" panose="02020603050405020304" pitchFamily="18" charset="0"/>
+              <a:latin typeface=""/>
+              <a:ea typeface="Tahoma" panose="020B0604030504040204" pitchFamily="34" charset="0"/>
+              <a:cs typeface="Tahoma" panose="020B0604030504040204" pitchFamily="34" charset="0"/>
             </a:endParaRPr>
           </a:p>
         </p:txBody>
@@ -10349,7 +10210,7 @@
         </p:nvSpPr>
         <p:spPr>
           <a:xfrm>
-            <a:off x="6803143" y="3229770"/>
+            <a:off x="6803143" y="3716686"/>
             <a:ext cx="80683" cy="73581"/>
           </a:xfrm>
           <a:prstGeom prst="ellipse">
@@ -10384,8 +10245,9 @@
           <a:p>
             <a:pPr algn="ctr"/>
             <a:endParaRPr lang="en-US" sz="1200">
-              <a:latin typeface="Times New Roman" panose="02020603050405020304" pitchFamily="18" charset="0"/>
-              <a:cs typeface="Times New Roman" panose="02020603050405020304" pitchFamily="18" charset="0"/>
+              <a:latin typeface=""/>
+              <a:ea typeface="Tahoma" panose="020B0604030504040204" pitchFamily="34" charset="0"/>
+              <a:cs typeface="Tahoma" panose="020B0604030504040204" pitchFamily="34" charset="0"/>
             </a:endParaRPr>
           </a:p>
         </p:txBody>
@@ -10404,7 +10266,7 @@
         </p:nvSpPr>
         <p:spPr>
           <a:xfrm>
-            <a:off x="7602175" y="3376326"/>
+            <a:off x="7602175" y="3863242"/>
             <a:ext cx="80683" cy="73581"/>
           </a:xfrm>
           <a:prstGeom prst="ellipse">
@@ -10439,8 +10301,9 @@
           <a:p>
             <a:pPr algn="ctr"/>
             <a:endParaRPr lang="en-US" sz="1200">
-              <a:latin typeface="Times New Roman" panose="02020603050405020304" pitchFamily="18" charset="0"/>
-              <a:cs typeface="Times New Roman" panose="02020603050405020304" pitchFamily="18" charset="0"/>
+              <a:latin typeface=""/>
+              <a:ea typeface="Tahoma" panose="020B0604030504040204" pitchFamily="34" charset="0"/>
+              <a:cs typeface="Tahoma" panose="020B0604030504040204" pitchFamily="34" charset="0"/>
             </a:endParaRPr>
           </a:p>
         </p:txBody>
@@ -10459,7 +10322,7 @@
         </p:nvSpPr>
         <p:spPr>
           <a:xfrm>
-            <a:off x="7602175" y="3525090"/>
+            <a:off x="7602175" y="4012006"/>
             <a:ext cx="80683" cy="73581"/>
           </a:xfrm>
           <a:prstGeom prst="ellipse">
@@ -10494,8 +10357,9 @@
           <a:p>
             <a:pPr algn="ctr"/>
             <a:endParaRPr lang="en-US" sz="1200">
-              <a:latin typeface="Times New Roman" panose="02020603050405020304" pitchFamily="18" charset="0"/>
-              <a:cs typeface="Times New Roman" panose="02020603050405020304" pitchFamily="18" charset="0"/>
+              <a:latin typeface=""/>
+              <a:ea typeface="Tahoma" panose="020B0604030504040204" pitchFamily="34" charset="0"/>
+              <a:cs typeface="Tahoma" panose="020B0604030504040204" pitchFamily="34" charset="0"/>
             </a:endParaRPr>
           </a:p>
         </p:txBody>
@@ -10514,7 +10378,7 @@
         </p:nvSpPr>
         <p:spPr>
           <a:xfrm>
-            <a:off x="7602175" y="3229770"/>
+            <a:off x="7602175" y="3716686"/>
             <a:ext cx="80683" cy="73581"/>
           </a:xfrm>
           <a:prstGeom prst="ellipse">
@@ -10549,8 +10413,9 @@
           <a:p>
             <a:pPr algn="ctr"/>
             <a:endParaRPr lang="en-US" sz="1200">
-              <a:latin typeface="Times New Roman" panose="02020603050405020304" pitchFamily="18" charset="0"/>
-              <a:cs typeface="Times New Roman" panose="02020603050405020304" pitchFamily="18" charset="0"/>
+              <a:latin typeface=""/>
+              <a:ea typeface="Tahoma" panose="020B0604030504040204" pitchFamily="34" charset="0"/>
+              <a:cs typeface="Tahoma" panose="020B0604030504040204" pitchFamily="34" charset="0"/>
             </a:endParaRPr>
           </a:p>
         </p:txBody>
@@ -10569,7 +10434,7 @@
         </p:nvSpPr>
         <p:spPr>
           <a:xfrm>
-            <a:off x="8689972" y="3368911"/>
+            <a:off x="8689972" y="3855827"/>
             <a:ext cx="80683" cy="73581"/>
           </a:xfrm>
           <a:prstGeom prst="ellipse">
@@ -10604,8 +10469,9 @@
           <a:p>
             <a:pPr algn="ctr"/>
             <a:endParaRPr lang="en-US" sz="1200">
-              <a:latin typeface="Times New Roman" panose="02020603050405020304" pitchFamily="18" charset="0"/>
-              <a:cs typeface="Times New Roman" panose="02020603050405020304" pitchFamily="18" charset="0"/>
+              <a:latin typeface=""/>
+              <a:ea typeface="Tahoma" panose="020B0604030504040204" pitchFamily="34" charset="0"/>
+              <a:cs typeface="Tahoma" panose="020B0604030504040204" pitchFamily="34" charset="0"/>
             </a:endParaRPr>
           </a:p>
         </p:txBody>
@@ -10624,7 +10490,7 @@
         </p:nvSpPr>
         <p:spPr>
           <a:xfrm>
-            <a:off x="8689972" y="3517675"/>
+            <a:off x="8689972" y="4004591"/>
             <a:ext cx="80683" cy="73581"/>
           </a:xfrm>
           <a:prstGeom prst="ellipse">
@@ -10659,8 +10525,9 @@
           <a:p>
             <a:pPr algn="ctr"/>
             <a:endParaRPr lang="en-US" sz="1200">
-              <a:latin typeface="Times New Roman" panose="02020603050405020304" pitchFamily="18" charset="0"/>
-              <a:cs typeface="Times New Roman" panose="02020603050405020304" pitchFamily="18" charset="0"/>
+              <a:latin typeface=""/>
+              <a:ea typeface="Tahoma" panose="020B0604030504040204" pitchFamily="34" charset="0"/>
+              <a:cs typeface="Tahoma" panose="020B0604030504040204" pitchFamily="34" charset="0"/>
             </a:endParaRPr>
           </a:p>
         </p:txBody>
@@ -10679,7 +10546,7 @@
         </p:nvSpPr>
         <p:spPr>
           <a:xfrm>
-            <a:off x="8689972" y="3222355"/>
+            <a:off x="8689972" y="3709271"/>
             <a:ext cx="80683" cy="73581"/>
           </a:xfrm>
           <a:prstGeom prst="ellipse">
@@ -10714,8 +10581,9 @@
           <a:p>
             <a:pPr algn="ctr"/>
             <a:endParaRPr lang="en-US" sz="1200">
-              <a:latin typeface="Times New Roman" panose="02020603050405020304" pitchFamily="18" charset="0"/>
-              <a:cs typeface="Times New Roman" panose="02020603050405020304" pitchFamily="18" charset="0"/>
+              <a:latin typeface=""/>
+              <a:ea typeface="Tahoma" panose="020B0604030504040204" pitchFamily="34" charset="0"/>
+              <a:cs typeface="Tahoma" panose="020B0604030504040204" pitchFamily="34" charset="0"/>
             </a:endParaRPr>
           </a:p>
         </p:txBody>
@@ -10734,7 +10602,7 @@
         </p:nvSpPr>
         <p:spPr>
           <a:xfrm>
-            <a:off x="9870465" y="3376326"/>
+            <a:off x="9870465" y="3863242"/>
             <a:ext cx="80683" cy="73581"/>
           </a:xfrm>
           <a:prstGeom prst="ellipse">
@@ -10769,8 +10637,9 @@
           <a:p>
             <a:pPr algn="ctr"/>
             <a:endParaRPr lang="en-US" sz="1200">
-              <a:latin typeface="Times New Roman" panose="02020603050405020304" pitchFamily="18" charset="0"/>
-              <a:cs typeface="Times New Roman" panose="02020603050405020304" pitchFamily="18" charset="0"/>
+              <a:latin typeface=""/>
+              <a:ea typeface="Tahoma" panose="020B0604030504040204" pitchFamily="34" charset="0"/>
+              <a:cs typeface="Tahoma" panose="020B0604030504040204" pitchFamily="34" charset="0"/>
             </a:endParaRPr>
           </a:p>
         </p:txBody>
@@ -10789,7 +10658,7 @@
         </p:nvSpPr>
         <p:spPr>
           <a:xfrm>
-            <a:off x="9870465" y="3525090"/>
+            <a:off x="9870465" y="4012006"/>
             <a:ext cx="80683" cy="73581"/>
           </a:xfrm>
           <a:prstGeom prst="ellipse">
@@ -10824,8 +10693,9 @@
           <a:p>
             <a:pPr algn="ctr"/>
             <a:endParaRPr lang="en-US" sz="1200">
-              <a:latin typeface="Times New Roman" panose="02020603050405020304" pitchFamily="18" charset="0"/>
-              <a:cs typeface="Times New Roman" panose="02020603050405020304" pitchFamily="18" charset="0"/>
+              <a:latin typeface=""/>
+              <a:ea typeface="Tahoma" panose="020B0604030504040204" pitchFamily="34" charset="0"/>
+              <a:cs typeface="Tahoma" panose="020B0604030504040204" pitchFamily="34" charset="0"/>
             </a:endParaRPr>
           </a:p>
         </p:txBody>
@@ -10844,7 +10714,7 @@
         </p:nvSpPr>
         <p:spPr>
           <a:xfrm>
-            <a:off x="9870465" y="3229770"/>
+            <a:off x="9870465" y="3716686"/>
             <a:ext cx="80683" cy="73581"/>
           </a:xfrm>
           <a:prstGeom prst="ellipse">
@@ -10879,37 +10749,730 @@
           <a:p>
             <a:pPr algn="ctr"/>
             <a:endParaRPr lang="en-US" sz="1200">
-              <a:latin typeface="Times New Roman" panose="02020603050405020304" pitchFamily="18" charset="0"/>
-              <a:cs typeface="Times New Roman" panose="02020603050405020304" pitchFamily="18" charset="0"/>
+              <a:latin typeface=""/>
+              <a:ea typeface="Tahoma" panose="020B0604030504040204" pitchFamily="34" charset="0"/>
+              <a:cs typeface="Tahoma" panose="020B0604030504040204" pitchFamily="34" charset="0"/>
             </a:endParaRPr>
+          </a:p>
+        </p:txBody>
+      </p:sp>
+      <p:sp>
+        <p:nvSpPr>
+          <p:cNvPr id="505" name="Rectangle 504">
+            <a:extLst>
+              <a:ext uri="{FF2B5EF4-FFF2-40B4-BE49-F238E27FC236}">
+                <a16:creationId xmlns:a16="http://schemas.microsoft.com/office/drawing/2014/main" id="{CF9953E2-D9BC-A300-D1CA-4B0BBAB2CAF7}"/>
+              </a:ext>
+            </a:extLst>
+          </p:cNvPr>
+          <p:cNvSpPr/>
+          <p:nvPr/>
+        </p:nvSpPr>
+        <p:spPr>
+          <a:xfrm>
+            <a:off x="9047045" y="4609043"/>
+            <a:ext cx="1536944" cy="292230"/>
+          </a:xfrm>
+          <a:prstGeom prst="rect">
+            <a:avLst/>
+          </a:prstGeom>
+          <a:noFill/>
+          <a:ln w="19050"/>
+        </p:spPr>
+        <p:style>
+          <a:lnRef idx="2">
+            <a:schemeClr val="dk1"/>
+          </a:lnRef>
+          <a:fillRef idx="1">
+            <a:schemeClr val="lt1"/>
+          </a:fillRef>
+          <a:effectRef idx="0">
+            <a:schemeClr val="dk1"/>
+          </a:effectRef>
+          <a:fontRef idx="minor">
+            <a:schemeClr val="dk1"/>
+          </a:fontRef>
+        </p:style>
+        <p:txBody>
+          <a:bodyPr rtlCol="0" anchor="ctr"/>
+          <a:lstStyle/>
+          <a:p>
+            <a:pPr algn="ctr"/>
+            <a:r>
+              <a:rPr lang="en-US" sz="1400" dirty="0">
+                <a:latin typeface=""/>
+                <a:ea typeface="Tahoma" panose="020B0604030504040204" pitchFamily="34" charset="0"/>
+                <a:cs typeface="Tahoma" panose="020B0604030504040204" pitchFamily="34" charset="0"/>
+              </a:rPr>
+              <a:t>[…,</a:t>
+            </a:r>
+            <a:r>
+              <a:rPr lang="en-US" sz="1400" i="1" dirty="0">
+                <a:latin typeface="Times New Roman" panose="02020603050405020304" pitchFamily="18" charset="0"/>
+                <a:ea typeface="Tahoma" panose="020B0604030504040204" pitchFamily="34" charset="0"/>
+                <a:cs typeface="Times New Roman" panose="02020603050405020304" pitchFamily="18" charset="0"/>
+              </a:rPr>
+              <a:t> </a:t>
+            </a:r>
+            <a:r>
+              <a:rPr lang="en-US" sz="1400" i="1" dirty="0" err="1">
+                <a:latin typeface="Times New Roman" panose="02020603050405020304" pitchFamily="18" charset="0"/>
+                <a:ea typeface="Tahoma" panose="020B0604030504040204" pitchFamily="34" charset="0"/>
+                <a:cs typeface="Times New Roman" panose="02020603050405020304" pitchFamily="18" charset="0"/>
+              </a:rPr>
+              <a:t>l</a:t>
+            </a:r>
+            <a:r>
+              <a:rPr lang="en-US" sz="1400" baseline="-25000" dirty="0" err="1">
+                <a:latin typeface=""/>
+                <a:ea typeface="Tahoma" panose="020B0604030504040204" pitchFamily="34" charset="0"/>
+                <a:cs typeface="Tahoma" panose="020B0604030504040204" pitchFamily="34" charset="0"/>
+              </a:rPr>
+              <a:t>Sn_Mm</a:t>
+            </a:r>
+            <a:r>
+              <a:rPr lang="en-US" sz="1400" dirty="0">
+                <a:latin typeface=""/>
+                <a:ea typeface="Tahoma" panose="020B0604030504040204" pitchFamily="34" charset="0"/>
+                <a:cs typeface="Tahoma" panose="020B0604030504040204" pitchFamily="34" charset="0"/>
+              </a:rPr>
+              <a:t>,</a:t>
+            </a:r>
+            <a:r>
+              <a:rPr lang="en-US" sz="1400" i="1" dirty="0">
+                <a:latin typeface="Times New Roman" panose="02020603050405020304" pitchFamily="18" charset="0"/>
+                <a:ea typeface="Tahoma" panose="020B0604030504040204" pitchFamily="34" charset="0"/>
+                <a:cs typeface="Times New Roman" panose="02020603050405020304" pitchFamily="18" charset="0"/>
+              </a:rPr>
+              <a:t> </a:t>
+            </a:r>
+            <a:r>
+              <a:rPr lang="en-US" sz="1400" i="1" dirty="0" err="1">
+                <a:latin typeface="Times New Roman" panose="02020603050405020304" pitchFamily="18" charset="0"/>
+                <a:ea typeface="Tahoma" panose="020B0604030504040204" pitchFamily="34" charset="0"/>
+                <a:cs typeface="Times New Roman" panose="02020603050405020304" pitchFamily="18" charset="0"/>
+              </a:rPr>
+              <a:t>l</a:t>
+            </a:r>
+            <a:r>
+              <a:rPr lang="en-US" sz="1400" baseline="-25000" dirty="0" err="1">
+                <a:latin typeface=""/>
+                <a:ea typeface="Tahoma" panose="020B0604030504040204" pitchFamily="34" charset="0"/>
+                <a:cs typeface="Tahoma" panose="020B0604030504040204" pitchFamily="34" charset="0"/>
+              </a:rPr>
+              <a:t>Sn_Mn</a:t>
+            </a:r>
+            <a:r>
+              <a:rPr lang="en-US" sz="1400" dirty="0">
+                <a:latin typeface=""/>
+                <a:ea typeface="Tahoma" panose="020B0604030504040204" pitchFamily="34" charset="0"/>
+                <a:cs typeface="Tahoma" panose="020B0604030504040204" pitchFamily="34" charset="0"/>
+              </a:rPr>
+              <a:t>]</a:t>
+            </a:r>
           </a:p>
         </p:txBody>
       </p:sp>
       <p:cxnSp>
         <p:nvCxnSpPr>
-          <p:cNvPr id="117" name="Elbow Connector 116">
-            <a:extLst>
-              <a:ext uri="{FF2B5EF4-FFF2-40B4-BE49-F238E27FC236}">
-                <a16:creationId xmlns:a16="http://schemas.microsoft.com/office/drawing/2014/main" id="{00DCAD2C-4E6A-087F-40CC-FEB2517080F6}"/>
+          <p:cNvPr id="506" name="Straight Arrow Connector 505">
+            <a:extLst>
+              <a:ext uri="{FF2B5EF4-FFF2-40B4-BE49-F238E27FC236}">
+                <a16:creationId xmlns:a16="http://schemas.microsoft.com/office/drawing/2014/main" id="{3D41F33F-0666-4492-BCD0-51E7298DCAA7}"/>
               </a:ext>
             </a:extLst>
           </p:cNvPr>
           <p:cNvCxnSpPr>
             <a:cxnSpLocks/>
-            <a:stCxn id="42" idx="3"/>
-            <a:endCxn id="205" idx="2"/>
+            <a:stCxn id="505" idx="3"/>
+            <a:endCxn id="507" idx="1"/>
           </p:cNvCxnSpPr>
           <p:nvPr/>
         </p:nvCxnSpPr>
         <p:spPr>
+          <a:xfrm>
+            <a:off x="10583989" y="4755158"/>
+            <a:ext cx="135242" cy="1475"/>
+          </a:xfrm>
+          <a:prstGeom prst="straightConnector1">
+            <a:avLst/>
+          </a:prstGeom>
+          <a:ln w="19050" cap="flat" cmpd="sng" algn="ctr">
+            <a:solidFill>
+              <a:schemeClr val="tx1"/>
+            </a:solidFill>
+            <a:prstDash val="solid"/>
+            <a:round/>
+            <a:headEnd type="none" w="med" len="med"/>
+            <a:tailEnd type="arrow" w="med" len="med"/>
+          </a:ln>
+          <a:effectLst/>
+        </p:spPr>
+        <p:style>
+          <a:lnRef idx="2">
+            <a:schemeClr val="accent1"/>
+          </a:lnRef>
+          <a:fillRef idx="0">
+            <a:schemeClr val="accent1"/>
+          </a:fillRef>
+          <a:effectRef idx="1">
+            <a:schemeClr val="accent1"/>
+          </a:effectRef>
+          <a:fontRef idx="minor">
+            <a:schemeClr val="tx1"/>
+          </a:fontRef>
+        </p:style>
+      </p:cxnSp>
+      <p:sp>
+        <p:nvSpPr>
+          <p:cNvPr id="507" name="Rectangle 506">
+            <a:extLst>
+              <a:ext uri="{FF2B5EF4-FFF2-40B4-BE49-F238E27FC236}">
+                <a16:creationId xmlns:a16="http://schemas.microsoft.com/office/drawing/2014/main" id="{A8FF0C9B-EFD3-14DA-68B8-833CCB6BA4E2}"/>
+              </a:ext>
+            </a:extLst>
+          </p:cNvPr>
+          <p:cNvSpPr/>
+          <p:nvPr/>
+        </p:nvSpPr>
+        <p:spPr>
+          <a:xfrm>
+            <a:off x="10719231" y="4613072"/>
+            <a:ext cx="396543" cy="287121"/>
+          </a:xfrm>
+          <a:prstGeom prst="rect">
+            <a:avLst/>
+          </a:prstGeom>
+          <a:noFill/>
+          <a:ln w="19050"/>
+        </p:spPr>
+        <p:style>
+          <a:lnRef idx="2">
+            <a:schemeClr val="dk1"/>
+          </a:lnRef>
+          <a:fillRef idx="1">
+            <a:schemeClr val="lt1"/>
+          </a:fillRef>
+          <a:effectRef idx="0">
+            <a:schemeClr val="dk1"/>
+          </a:effectRef>
+          <a:fontRef idx="minor">
+            <a:schemeClr val="dk1"/>
+          </a:fontRef>
+        </p:style>
+        <p:txBody>
+          <a:bodyPr rtlCol="0" anchor="ctr"/>
+          <a:lstStyle/>
+          <a:p>
+            <a:pPr algn="ctr"/>
+            <a:r>
+              <a:rPr lang="en-US" sz="1600" i="1" dirty="0">
+                <a:latin typeface="Times New Roman" panose="02020603050405020304" pitchFamily="18" charset="0"/>
+                <a:ea typeface="Tahoma" panose="020B0604030504040204" pitchFamily="34" charset="0"/>
+                <a:cs typeface="Times New Roman" panose="02020603050405020304" pitchFamily="18" charset="0"/>
+              </a:rPr>
+              <a:t>l</a:t>
+            </a:r>
+            <a:r>
+              <a:rPr lang="en-US" sz="1600" i="1" baseline="-25000" dirty="0">
+                <a:latin typeface=""/>
+                <a:ea typeface="Tahoma" panose="020B0604030504040204" pitchFamily="34" charset="0"/>
+                <a:cs typeface="Tahoma" panose="020B0604030504040204" pitchFamily="34" charset="0"/>
+              </a:rPr>
+              <a:t>n</a:t>
+            </a:r>
+          </a:p>
+        </p:txBody>
+      </p:sp>
+      <p:cxnSp>
+        <p:nvCxnSpPr>
+          <p:cNvPr id="67" name="Straight Arrow Connector 66">
+            <a:extLst>
+              <a:ext uri="{FF2B5EF4-FFF2-40B4-BE49-F238E27FC236}">
+                <a16:creationId xmlns:a16="http://schemas.microsoft.com/office/drawing/2014/main" id="{30CDE95B-4B86-57CD-7669-0AB4904A70BD}"/>
+              </a:ext>
+            </a:extLst>
+          </p:cNvPr>
+          <p:cNvCxnSpPr>
+            <a:cxnSpLocks/>
+            <a:stCxn id="81" idx="1"/>
+            <a:endCxn id="74" idx="1"/>
+          </p:cNvCxnSpPr>
+          <p:nvPr/>
+        </p:nvCxnSpPr>
+        <p:spPr>
           <a:xfrm flipV="1">
-            <a:off x="5758489" y="1459376"/>
-            <a:ext cx="913195" cy="1003561"/>
-          </a:xfrm>
-          <a:prstGeom prst="bentConnector3">
-            <a:avLst>
-              <a:gd name="adj1" fmla="val 71457"/>
-            </a:avLst>
+            <a:off x="7214148" y="4755669"/>
+            <a:ext cx="205651" cy="643"/>
+          </a:xfrm>
+          <a:prstGeom prst="straightConnector1">
+            <a:avLst/>
+          </a:prstGeom>
+          <a:ln w="19050" cap="flat" cmpd="sng" algn="ctr">
+            <a:solidFill>
+              <a:schemeClr val="tx1"/>
+            </a:solidFill>
+            <a:prstDash val="solid"/>
+            <a:round/>
+            <a:headEnd type="none" w="med" len="med"/>
+            <a:tailEnd type="arrow" w="med" len="med"/>
+          </a:ln>
+          <a:effectLst/>
+        </p:spPr>
+        <p:style>
+          <a:lnRef idx="2">
+            <a:schemeClr val="accent1"/>
+          </a:lnRef>
+          <a:fillRef idx="0">
+            <a:schemeClr val="accent1"/>
+          </a:fillRef>
+          <a:effectRef idx="1">
+            <a:schemeClr val="accent1"/>
+          </a:effectRef>
+          <a:fontRef idx="minor">
+            <a:schemeClr val="tx1"/>
+          </a:fontRef>
+        </p:style>
+      </p:cxnSp>
+      <p:sp>
+        <p:nvSpPr>
+          <p:cNvPr id="70" name="Can 69">
+            <a:extLst>
+              <a:ext uri="{FF2B5EF4-FFF2-40B4-BE49-F238E27FC236}">
+                <a16:creationId xmlns:a16="http://schemas.microsoft.com/office/drawing/2014/main" id="{BC8AD193-A11A-0D9F-636F-7C5C9DF55CA4}"/>
+              </a:ext>
+            </a:extLst>
+          </p:cNvPr>
+          <p:cNvSpPr/>
+          <p:nvPr/>
+        </p:nvSpPr>
+        <p:spPr>
+          <a:xfrm>
+            <a:off x="6674529" y="4637966"/>
+            <a:ext cx="352803" cy="282764"/>
+          </a:xfrm>
+          <a:prstGeom prst="can">
+            <a:avLst/>
+          </a:prstGeom>
+          <a:solidFill>
+            <a:srgbClr val="0070C0"/>
+          </a:solidFill>
+          <a:ln w="28575" cmpd="sng">
+            <a:solidFill>
+              <a:schemeClr val="tx1"/>
+            </a:solidFill>
+          </a:ln>
+          <a:effectLst/>
+        </p:spPr>
+        <p:style>
+          <a:lnRef idx="1">
+            <a:schemeClr val="accent1"/>
+          </a:lnRef>
+          <a:fillRef idx="3">
+            <a:schemeClr val="accent1"/>
+          </a:fillRef>
+          <a:effectRef idx="2">
+            <a:schemeClr val="accent1"/>
+          </a:effectRef>
+          <a:fontRef idx="minor">
+            <a:schemeClr val="lt1"/>
+          </a:fontRef>
+        </p:style>
+        <p:txBody>
+          <a:bodyPr rtlCol="0" anchor="ctr"/>
+          <a:lstStyle/>
+          <a:p>
+            <a:pPr algn="ctr"/>
+            <a:r>
+              <a:rPr lang="en-US" sz="1200" dirty="0">
+                <a:solidFill>
+                  <a:schemeClr val="bg1"/>
+                </a:solidFill>
+                <a:latin typeface=""/>
+                <a:ea typeface="Tahoma" panose="020B0604030504040204" pitchFamily="34" charset="0"/>
+                <a:cs typeface="Tahoma" panose="020B0604030504040204" pitchFamily="34" charset="0"/>
+              </a:rPr>
+              <a:t>S</a:t>
+            </a:r>
+            <a:r>
+              <a:rPr lang="en-US" sz="1200" baseline="-25000" dirty="0">
+                <a:solidFill>
+                  <a:schemeClr val="bg1"/>
+                </a:solidFill>
+                <a:latin typeface=""/>
+                <a:ea typeface="Tahoma" panose="020B0604030504040204" pitchFamily="34" charset="0"/>
+                <a:cs typeface="Tahoma" panose="020B0604030504040204" pitchFamily="34" charset="0"/>
+              </a:rPr>
+              <a:t>n</a:t>
+            </a:r>
+          </a:p>
+        </p:txBody>
+      </p:sp>
+      <p:sp>
+        <p:nvSpPr>
+          <p:cNvPr id="74" name="Rectangle 73">
+            <a:extLst>
+              <a:ext uri="{FF2B5EF4-FFF2-40B4-BE49-F238E27FC236}">
+                <a16:creationId xmlns:a16="http://schemas.microsoft.com/office/drawing/2014/main" id="{4FFBA12A-4CE8-86B0-F9BF-B51519D9775E}"/>
+              </a:ext>
+            </a:extLst>
+          </p:cNvPr>
+          <p:cNvSpPr/>
+          <p:nvPr/>
+        </p:nvSpPr>
+        <p:spPr>
+          <a:xfrm>
+            <a:off x="7419799" y="4630448"/>
+            <a:ext cx="494963" cy="250442"/>
+          </a:xfrm>
+          <a:prstGeom prst="rect">
+            <a:avLst/>
+          </a:prstGeom>
+          <a:noFill/>
+          <a:ln w="19050"/>
+        </p:spPr>
+        <p:style>
+          <a:lnRef idx="2">
+            <a:schemeClr val="dk1"/>
+          </a:lnRef>
+          <a:fillRef idx="1">
+            <a:schemeClr val="lt1"/>
+          </a:fillRef>
+          <a:effectRef idx="0">
+            <a:schemeClr val="dk1"/>
+          </a:effectRef>
+          <a:fontRef idx="minor">
+            <a:schemeClr val="dk1"/>
+          </a:fontRef>
+        </p:style>
+        <p:txBody>
+          <a:bodyPr rtlCol="0" anchor="ctr"/>
+          <a:lstStyle/>
+          <a:p>
+            <a:pPr algn="ctr"/>
+            <a:r>
+              <a:rPr lang="en-US" sz="1400" dirty="0">
+                <a:latin typeface=""/>
+                <a:ea typeface="Tahoma" panose="020B0604030504040204" pitchFamily="34" charset="0"/>
+                <a:cs typeface="Tahoma" panose="020B0604030504040204" pitchFamily="34" charset="0"/>
+              </a:rPr>
+              <a:t>M</a:t>
+            </a:r>
+            <a:r>
+              <a:rPr lang="en-US" sz="1400" baseline="-25000" dirty="0">
+                <a:latin typeface=""/>
+                <a:ea typeface="Tahoma" panose="020B0604030504040204" pitchFamily="34" charset="0"/>
+                <a:cs typeface="Tahoma" panose="020B0604030504040204" pitchFamily="34" charset="0"/>
+              </a:rPr>
+              <a:t>n</a:t>
+            </a:r>
+          </a:p>
+        </p:txBody>
+      </p:sp>
+      <p:sp>
+        <p:nvSpPr>
+          <p:cNvPr id="75" name="Can 74">
+            <a:extLst>
+              <a:ext uri="{FF2B5EF4-FFF2-40B4-BE49-F238E27FC236}">
+                <a16:creationId xmlns:a16="http://schemas.microsoft.com/office/drawing/2014/main" id="{2A90B5DA-9CA6-18F5-4C0A-FCDFD1EC6154}"/>
+              </a:ext>
+            </a:extLst>
+          </p:cNvPr>
+          <p:cNvSpPr/>
+          <p:nvPr/>
+        </p:nvSpPr>
+        <p:spPr>
+          <a:xfrm>
+            <a:off x="8552955" y="4599748"/>
+            <a:ext cx="352803" cy="308442"/>
+          </a:xfrm>
+          <a:prstGeom prst="can">
+            <a:avLst/>
+          </a:prstGeom>
+          <a:solidFill>
+            <a:srgbClr val="0070C0"/>
+          </a:solidFill>
+          <a:ln w="28575" cmpd="sng">
+            <a:solidFill>
+              <a:schemeClr val="tx1"/>
+            </a:solidFill>
+          </a:ln>
+          <a:effectLst/>
+        </p:spPr>
+        <p:style>
+          <a:lnRef idx="1">
+            <a:schemeClr val="accent1"/>
+          </a:lnRef>
+          <a:fillRef idx="3">
+            <a:schemeClr val="accent1"/>
+          </a:fillRef>
+          <a:effectRef idx="2">
+            <a:schemeClr val="accent1"/>
+          </a:effectRef>
+          <a:fontRef idx="minor">
+            <a:schemeClr val="lt1"/>
+          </a:fontRef>
+        </p:style>
+        <p:txBody>
+          <a:bodyPr rtlCol="0" anchor="ctr"/>
+          <a:lstStyle/>
+          <a:p>
+            <a:pPr algn="ctr"/>
+            <a:r>
+              <a:rPr lang="en-US" sz="1200" dirty="0">
+                <a:solidFill>
+                  <a:schemeClr val="bg1"/>
+                </a:solidFill>
+                <a:latin typeface=""/>
+                <a:ea typeface="Tahoma" panose="020B0604030504040204" pitchFamily="34" charset="0"/>
+                <a:cs typeface="Tahoma" panose="020B0604030504040204" pitchFamily="34" charset="0"/>
+              </a:rPr>
+              <a:t>S</a:t>
+            </a:r>
+            <a:r>
+              <a:rPr lang="en-US" sz="1200" baseline="-25000" dirty="0">
+                <a:solidFill>
+                  <a:schemeClr val="bg1"/>
+                </a:solidFill>
+                <a:latin typeface=""/>
+                <a:ea typeface="Tahoma" panose="020B0604030504040204" pitchFamily="34" charset="0"/>
+                <a:cs typeface="Tahoma" panose="020B0604030504040204" pitchFamily="34" charset="0"/>
+              </a:rPr>
+              <a:t>n</a:t>
+            </a:r>
+          </a:p>
+        </p:txBody>
+      </p:sp>
+      <p:cxnSp>
+        <p:nvCxnSpPr>
+          <p:cNvPr id="79" name="Straight Arrow Connector 78">
+            <a:extLst>
+              <a:ext uri="{FF2B5EF4-FFF2-40B4-BE49-F238E27FC236}">
+                <a16:creationId xmlns:a16="http://schemas.microsoft.com/office/drawing/2014/main" id="{0B57DCE9-AF73-F49B-E85D-FBC770A55999}"/>
+              </a:ext>
+            </a:extLst>
+          </p:cNvPr>
+          <p:cNvCxnSpPr>
+            <a:cxnSpLocks/>
+            <a:stCxn id="74" idx="3"/>
+            <a:endCxn id="75" idx="2"/>
+          </p:cNvCxnSpPr>
+          <p:nvPr/>
+        </p:nvCxnSpPr>
+        <p:spPr>
+          <a:xfrm flipV="1">
+            <a:off x="7914762" y="4753969"/>
+            <a:ext cx="638193" cy="1700"/>
+          </a:xfrm>
+          <a:prstGeom prst="straightConnector1">
+            <a:avLst/>
+          </a:prstGeom>
+          <a:ln w="19050" cap="flat" cmpd="sng" algn="ctr">
+            <a:solidFill>
+              <a:schemeClr val="tx1"/>
+            </a:solidFill>
+            <a:prstDash val="solid"/>
+            <a:round/>
+            <a:headEnd type="none" w="med" len="med"/>
+            <a:tailEnd type="arrow" w="med" len="med"/>
+          </a:ln>
+          <a:effectLst/>
+        </p:spPr>
+        <p:style>
+          <a:lnRef idx="2">
+            <a:schemeClr val="accent1"/>
+          </a:lnRef>
+          <a:fillRef idx="0">
+            <a:schemeClr val="accent1"/>
+          </a:fillRef>
+          <a:effectRef idx="1">
+            <a:schemeClr val="accent1"/>
+          </a:effectRef>
+          <a:fontRef idx="minor">
+            <a:schemeClr val="tx1"/>
+          </a:fontRef>
+        </p:style>
+      </p:cxnSp>
+      <p:cxnSp>
+        <p:nvCxnSpPr>
+          <p:cNvPr id="80" name="Straight Arrow Connector 79">
+            <a:extLst>
+              <a:ext uri="{FF2B5EF4-FFF2-40B4-BE49-F238E27FC236}">
+                <a16:creationId xmlns:a16="http://schemas.microsoft.com/office/drawing/2014/main" id="{83243296-9143-B0EC-453F-A8DB765EC302}"/>
+              </a:ext>
+            </a:extLst>
+          </p:cNvPr>
+          <p:cNvCxnSpPr>
+            <a:cxnSpLocks/>
+            <a:stCxn id="75" idx="4"/>
+            <a:endCxn id="505" idx="1"/>
+          </p:cNvCxnSpPr>
+          <p:nvPr/>
+        </p:nvCxnSpPr>
+        <p:spPr>
+          <a:xfrm>
+            <a:off x="8905758" y="4753969"/>
+            <a:ext cx="141287" cy="1189"/>
+          </a:xfrm>
+          <a:prstGeom prst="straightConnector1">
+            <a:avLst/>
+          </a:prstGeom>
+          <a:ln w="19050" cap="flat" cmpd="sng" algn="ctr">
+            <a:solidFill>
+              <a:schemeClr val="tx1"/>
+            </a:solidFill>
+            <a:prstDash val="solid"/>
+            <a:round/>
+            <a:headEnd type="none" w="med" len="med"/>
+            <a:tailEnd type="arrow" w="med" len="med"/>
+          </a:ln>
+          <a:effectLst/>
+        </p:spPr>
+        <p:style>
+          <a:lnRef idx="2">
+            <a:schemeClr val="accent1"/>
+          </a:lnRef>
+          <a:fillRef idx="0">
+            <a:schemeClr val="accent1"/>
+          </a:fillRef>
+          <a:effectRef idx="1">
+            <a:schemeClr val="accent1"/>
+          </a:effectRef>
+          <a:fontRef idx="minor">
+            <a:schemeClr val="tx1"/>
+          </a:fontRef>
+        </p:style>
+      </p:cxnSp>
+      <p:sp>
+        <p:nvSpPr>
+          <p:cNvPr id="81" name="Card 80">
+            <a:extLst>
+              <a:ext uri="{FF2B5EF4-FFF2-40B4-BE49-F238E27FC236}">
+                <a16:creationId xmlns:a16="http://schemas.microsoft.com/office/drawing/2014/main" id="{2815B818-DA75-9EBD-06BE-83000F81CE69}"/>
+              </a:ext>
+            </a:extLst>
+          </p:cNvPr>
+          <p:cNvSpPr/>
+          <p:nvPr/>
+        </p:nvSpPr>
+        <p:spPr>
+          <a:xfrm flipH="1">
+            <a:off x="6468552" y="4457237"/>
+            <a:ext cx="745596" cy="598150"/>
+          </a:xfrm>
+          <a:prstGeom prst="flowChartPunchedCard">
+            <a:avLst/>
+          </a:prstGeom>
+          <a:noFill/>
+          <a:ln w="19050">
+            <a:solidFill>
+              <a:schemeClr val="tx1"/>
+            </a:solidFill>
+          </a:ln>
+          <a:effectLst/>
+        </p:spPr>
+        <p:style>
+          <a:lnRef idx="1">
+            <a:schemeClr val="accent1"/>
+          </a:lnRef>
+          <a:fillRef idx="3">
+            <a:schemeClr val="accent1"/>
+          </a:fillRef>
+          <a:effectRef idx="2">
+            <a:schemeClr val="accent1"/>
+          </a:effectRef>
+          <a:fontRef idx="minor">
+            <a:schemeClr val="lt1"/>
+          </a:fontRef>
+        </p:style>
+        <p:txBody>
+          <a:bodyPr rtlCol="0" anchor="ctr"/>
+          <a:lstStyle/>
+          <a:p>
+            <a:pPr algn="ctr"/>
+            <a:endParaRPr lang="en-US" sz="1400" dirty="0">
+              <a:solidFill>
+                <a:schemeClr val="tx1"/>
+              </a:solidFill>
+              <a:latin typeface=""/>
+              <a:ea typeface="Tahoma" panose="020B0604030504040204" pitchFamily="34" charset="0"/>
+              <a:cs typeface="Tahoma" panose="020B0604030504040204" pitchFamily="34" charset="0"/>
+            </a:endParaRPr>
+          </a:p>
+        </p:txBody>
+      </p:sp>
+      <p:cxnSp>
+        <p:nvCxnSpPr>
+          <p:cNvPr id="84" name="Straight Arrow Connector 83">
+            <a:extLst>
+              <a:ext uri="{FF2B5EF4-FFF2-40B4-BE49-F238E27FC236}">
+                <a16:creationId xmlns:a16="http://schemas.microsoft.com/office/drawing/2014/main" id="{8AC2F4AF-E1F1-4980-1E91-59E5CED49A79}"/>
+              </a:ext>
+            </a:extLst>
+          </p:cNvPr>
+          <p:cNvCxnSpPr>
+            <a:cxnSpLocks/>
+            <a:endCxn id="75" idx="2"/>
+          </p:cNvCxnSpPr>
+          <p:nvPr/>
+        </p:nvCxnSpPr>
+        <p:spPr>
+          <a:xfrm>
+            <a:off x="7878167" y="4050694"/>
+            <a:ext cx="674788" cy="703275"/>
+          </a:xfrm>
+          <a:prstGeom prst="straightConnector1">
+            <a:avLst/>
+          </a:prstGeom>
+          <a:ln w="19050" cap="flat" cmpd="sng" algn="ctr">
+            <a:solidFill>
+              <a:schemeClr val="tx1"/>
+            </a:solidFill>
+            <a:prstDash val="lgDash"/>
+            <a:round/>
+            <a:headEnd type="none" w="med" len="med"/>
+            <a:tailEnd type="arrow" w="med" len="med"/>
+          </a:ln>
+          <a:effectLst/>
+        </p:spPr>
+        <p:style>
+          <a:lnRef idx="2">
+            <a:schemeClr val="accent1"/>
+          </a:lnRef>
+          <a:fillRef idx="0">
+            <a:schemeClr val="accent1"/>
+          </a:fillRef>
+          <a:effectRef idx="1">
+            <a:schemeClr val="accent1"/>
+          </a:effectRef>
+          <a:fontRef idx="minor">
+            <a:schemeClr val="tx1"/>
+          </a:fontRef>
+        </p:style>
+      </p:cxnSp>
+      <p:cxnSp>
+        <p:nvCxnSpPr>
+          <p:cNvPr id="116" name="Elbow Connector 115">
+            <a:extLst>
+              <a:ext uri="{FF2B5EF4-FFF2-40B4-BE49-F238E27FC236}">
+                <a16:creationId xmlns:a16="http://schemas.microsoft.com/office/drawing/2014/main" id="{BF2E0A54-B5DB-40AA-176F-F5480FDA75F8}"/>
+              </a:ext>
+            </a:extLst>
+          </p:cNvPr>
+          <p:cNvCxnSpPr>
+            <a:cxnSpLocks/>
+            <a:stCxn id="241" idx="3"/>
+            <a:endCxn id="130" idx="0"/>
+          </p:cNvCxnSpPr>
+          <p:nvPr/>
+        </p:nvCxnSpPr>
+        <p:spPr>
+          <a:xfrm>
+            <a:off x="11189747" y="3312572"/>
+            <a:ext cx="535525" cy="321716"/>
+          </a:xfrm>
+          <a:prstGeom prst="bentConnector2">
+            <a:avLst/>
           </a:prstGeom>
           <a:ln w="38100" cap="flat" cmpd="sng" algn="ctr">
             <a:solidFill>
@@ -10936,29 +11499,126 @@
           </a:fontRef>
         </p:style>
       </p:cxnSp>
+      <p:sp>
+        <p:nvSpPr>
+          <p:cNvPr id="14" name="TextBox 13">
+            <a:extLst>
+              <a:ext uri="{FF2B5EF4-FFF2-40B4-BE49-F238E27FC236}">
+                <a16:creationId xmlns:a16="http://schemas.microsoft.com/office/drawing/2014/main" id="{8C6740A8-9A58-9170-B266-F49DD8244147}"/>
+              </a:ext>
+            </a:extLst>
+          </p:cNvPr>
+          <p:cNvSpPr txBox="1"/>
+          <p:nvPr/>
+        </p:nvSpPr>
+        <p:spPr>
+          <a:xfrm>
+            <a:off x="1923564" y="448362"/>
+            <a:ext cx="2160751" cy="276999"/>
+          </a:xfrm>
+          <a:prstGeom prst="rect">
+            <a:avLst/>
+          </a:prstGeom>
+          <a:noFill/>
+          <a:ln w="19050">
+            <a:solidFill>
+              <a:schemeClr val="tx1"/>
+            </a:solidFill>
+          </a:ln>
+        </p:spPr>
+        <p:txBody>
+          <a:bodyPr wrap="square">
+            <a:spAutoFit/>
+          </a:bodyPr>
+          <a:lstStyle/>
+          <a:p>
+            <a:pPr algn="ctr"/>
+            <a:r>
+              <a:rPr lang="en-US" sz="1200" dirty="0">
+                <a:latin typeface=""/>
+                <a:ea typeface="Tahoma" panose="020B0604030504040204" pitchFamily="34" charset="0"/>
+                <a:cs typeface="Tahoma" panose="020B0604030504040204" pitchFamily="34" charset="0"/>
+              </a:rPr>
+              <a:t>Original Implementation (OI)</a:t>
+            </a:r>
+          </a:p>
+        </p:txBody>
+      </p:sp>
+      <p:sp>
+        <p:nvSpPr>
+          <p:cNvPr id="15" name="TextBox 14">
+            <a:extLst>
+              <a:ext uri="{FF2B5EF4-FFF2-40B4-BE49-F238E27FC236}">
+                <a16:creationId xmlns:a16="http://schemas.microsoft.com/office/drawing/2014/main" id="{B5A01F6C-FAA1-900A-BAAC-0EF44BA56707}"/>
+              </a:ext>
+            </a:extLst>
+          </p:cNvPr>
+          <p:cNvSpPr txBox="1"/>
+          <p:nvPr/>
+        </p:nvSpPr>
+        <p:spPr>
+          <a:xfrm>
+            <a:off x="4200469" y="446650"/>
+            <a:ext cx="1153847" cy="276999"/>
+          </a:xfrm>
+          <a:prstGeom prst="rect">
+            <a:avLst/>
+          </a:prstGeom>
+          <a:noFill/>
+          <a:ln w="19050">
+            <a:solidFill>
+              <a:schemeClr val="tx1"/>
+            </a:solidFill>
+          </a:ln>
+        </p:spPr>
+        <p:txBody>
+          <a:bodyPr wrap="square">
+            <a:spAutoFit/>
+          </a:bodyPr>
+          <a:lstStyle/>
+          <a:p>
+            <a:pPr algn="ctr"/>
+            <a:r>
+              <a:rPr lang="en-US" sz="1200" dirty="0">
+                <a:latin typeface=""/>
+                <a:ea typeface="Tahoma" panose="020B0604030504040204" pitchFamily="34" charset="0"/>
+                <a:cs typeface="Tahoma" panose="020B0604030504040204" pitchFamily="34" charset="0"/>
+              </a:rPr>
+              <a:t>Validator</a:t>
+            </a:r>
+            <a:endParaRPr lang="en-US" sz="1300" dirty="0">
+              <a:latin typeface=""/>
+              <a:ea typeface="Tahoma" panose="020B0604030504040204" pitchFamily="34" charset="0"/>
+              <a:cs typeface="Tahoma" panose="020B0604030504040204" pitchFamily="34" charset="0"/>
+            </a:endParaRPr>
+          </a:p>
+        </p:txBody>
+      </p:sp>
       <p:cxnSp>
         <p:nvCxnSpPr>
-          <p:cNvPr id="127" name="Straight Arrow Connector 126">
-            <a:extLst>
-              <a:ext uri="{FF2B5EF4-FFF2-40B4-BE49-F238E27FC236}">
-                <a16:creationId xmlns:a16="http://schemas.microsoft.com/office/drawing/2014/main" id="{9868DC5A-A4EB-F0CF-03C1-042EBFCD9687}"/>
+          <p:cNvPr id="45" name="Straight Arrow Connector 44">
+            <a:extLst>
+              <a:ext uri="{FF2B5EF4-FFF2-40B4-BE49-F238E27FC236}">
+                <a16:creationId xmlns:a16="http://schemas.microsoft.com/office/drawing/2014/main" id="{934E2B06-A75E-285D-1ACC-2B1CC22AB7F2}"/>
               </a:ext>
             </a:extLst>
           </p:cNvPr>
           <p:cNvCxnSpPr>
             <a:cxnSpLocks/>
+            <a:stCxn id="508" idx="3"/>
+            <a:endCxn id="453" idx="1"/>
           </p:cNvCxnSpPr>
           <p:nvPr/>
         </p:nvCxnSpPr>
         <p:spPr>
-          <a:xfrm flipH="1">
-            <a:off x="7016210" y="108857"/>
-            <a:ext cx="8277" cy="306383"/>
+          <a:xfrm>
+            <a:off x="4903358" y="3061636"/>
+            <a:ext cx="232655" cy="1141"/>
           </a:xfrm>
           <a:prstGeom prst="straightConnector1">
             <a:avLst/>
           </a:prstGeom>
-          <a:ln w="38100" cap="flat" cmpd="sng" algn="ctr">
+          <a:ln w="28575" cap="flat" cmpd="sng" algn="ctr">
             <a:solidFill>
               <a:schemeClr val="tx1"/>
             </a:solidFill>
@@ -10984,139 +11644,30 @@
           </a:fontRef>
         </p:style>
       </p:cxnSp>
-      <p:sp>
-        <p:nvSpPr>
-          <p:cNvPr id="505" name="Rectangle 504">
-            <a:extLst>
-              <a:ext uri="{FF2B5EF4-FFF2-40B4-BE49-F238E27FC236}">
-                <a16:creationId xmlns:a16="http://schemas.microsoft.com/office/drawing/2014/main" id="{CF9953E2-D9BC-A300-D1CA-4B0BBAB2CAF7}"/>
-              </a:ext>
-            </a:extLst>
-          </p:cNvPr>
-          <p:cNvSpPr/>
-          <p:nvPr/>
-        </p:nvSpPr>
-        <p:spPr>
-          <a:xfrm>
-            <a:off x="9047044" y="4122127"/>
-            <a:ext cx="1572921" cy="292230"/>
-          </a:xfrm>
-          <a:prstGeom prst="rect">
-            <a:avLst/>
-          </a:prstGeom>
-          <a:noFill/>
-          <a:ln w="19050"/>
-        </p:spPr>
-        <p:style>
-          <a:lnRef idx="2">
-            <a:schemeClr val="dk1"/>
-          </a:lnRef>
-          <a:fillRef idx="1">
-            <a:schemeClr val="lt1"/>
-          </a:fillRef>
-          <a:effectRef idx="0">
-            <a:schemeClr val="dk1"/>
-          </a:effectRef>
-          <a:fontRef idx="minor">
-            <a:schemeClr val="dk1"/>
-          </a:fontRef>
-        </p:style>
-        <p:txBody>
-          <a:bodyPr rtlCol="0" anchor="ctr"/>
-          <a:lstStyle/>
-          <a:p>
-            <a:pPr algn="ctr"/>
-            <a:r>
-              <a:rPr lang="en-US" sz="1400" dirty="0">
-                <a:latin typeface="Times New Roman" panose="02020603050405020304" pitchFamily="18" charset="0"/>
-                <a:cs typeface="Times New Roman" panose="02020603050405020304" pitchFamily="18" charset="0"/>
-              </a:rPr>
-              <a:t>[…,</a:t>
-            </a:r>
-            <a:r>
-              <a:rPr lang="en-US" sz="1400" i="1" dirty="0">
-                <a:latin typeface="Times New Roman" panose="02020603050405020304" pitchFamily="18" charset="0"/>
-                <a:cs typeface="Times New Roman" panose="02020603050405020304" pitchFamily="18" charset="0"/>
-              </a:rPr>
-              <a:t>l</a:t>
-            </a:r>
-            <a:r>
-              <a:rPr lang="en-US" sz="1400" dirty="0">
-                <a:latin typeface="Times New Roman" panose="02020603050405020304" pitchFamily="18" charset="0"/>
-                <a:cs typeface="Times New Roman" panose="02020603050405020304" pitchFamily="18" charset="0"/>
-              </a:rPr>
-              <a:t> </a:t>
-            </a:r>
-            <a:r>
-              <a:rPr lang="en-US" sz="1400" baseline="-25000" dirty="0" err="1">
-                <a:latin typeface="Times New Roman" panose="02020603050405020304" pitchFamily="18" charset="0"/>
-                <a:cs typeface="Times New Roman" panose="02020603050405020304" pitchFamily="18" charset="0"/>
-              </a:rPr>
-              <a:t>Sn_Mm</a:t>
-            </a:r>
-            <a:r>
-              <a:rPr lang="en-US" sz="1400" dirty="0" err="1">
-                <a:latin typeface="Times New Roman" panose="02020603050405020304" pitchFamily="18" charset="0"/>
-                <a:cs typeface="Times New Roman" panose="02020603050405020304" pitchFamily="18" charset="0"/>
-              </a:rPr>
-              <a:t>,</a:t>
-            </a:r>
-            <a:r>
-              <a:rPr lang="en-US" sz="1400" i="1" dirty="0" err="1">
-                <a:latin typeface="Times New Roman" panose="02020603050405020304" pitchFamily="18" charset="0"/>
-                <a:cs typeface="Times New Roman" panose="02020603050405020304" pitchFamily="18" charset="0"/>
-              </a:rPr>
-              <a:t>l</a:t>
-            </a:r>
-            <a:r>
-              <a:rPr lang="en-US" sz="1400" dirty="0">
-                <a:latin typeface="Times New Roman" panose="02020603050405020304" pitchFamily="18" charset="0"/>
-                <a:cs typeface="Times New Roman" panose="02020603050405020304" pitchFamily="18" charset="0"/>
-              </a:rPr>
-              <a:t> </a:t>
-            </a:r>
-            <a:r>
-              <a:rPr lang="en-US" sz="1400" baseline="-25000" dirty="0" err="1">
-                <a:latin typeface="Times New Roman" panose="02020603050405020304" pitchFamily="18" charset="0"/>
-                <a:cs typeface="Times New Roman" panose="02020603050405020304" pitchFamily="18" charset="0"/>
-              </a:rPr>
-              <a:t>Sn_Mn</a:t>
-            </a:r>
-            <a:r>
-              <a:rPr lang="en-US" sz="1400" dirty="0">
-                <a:latin typeface="Times New Roman" panose="02020603050405020304" pitchFamily="18" charset="0"/>
-                <a:cs typeface="Times New Roman" panose="02020603050405020304" pitchFamily="18" charset="0"/>
-              </a:rPr>
-              <a:t>]</a:t>
-            </a:r>
-          </a:p>
-        </p:txBody>
-      </p:sp>
       <p:cxnSp>
         <p:nvCxnSpPr>
-          <p:cNvPr id="506" name="Straight Arrow Connector 505">
-            <a:extLst>
-              <a:ext uri="{FF2B5EF4-FFF2-40B4-BE49-F238E27FC236}">
-                <a16:creationId xmlns:a16="http://schemas.microsoft.com/office/drawing/2014/main" id="{3D41F33F-0666-4492-BCD0-51E7298DCAA7}"/>
+          <p:cNvPr id="56" name="Straight Arrow Connector 55">
+            <a:extLst>
+              <a:ext uri="{FF2B5EF4-FFF2-40B4-BE49-F238E27FC236}">
+                <a16:creationId xmlns:a16="http://schemas.microsoft.com/office/drawing/2014/main" id="{40FEA2B7-56C5-CA5B-E5D2-60E2F20D265B}"/>
               </a:ext>
             </a:extLst>
           </p:cNvPr>
           <p:cNvCxnSpPr>
             <a:cxnSpLocks/>
-            <a:stCxn id="505" idx="3"/>
-            <a:endCxn id="507" idx="1"/>
+            <a:stCxn id="15" idx="2"/>
           </p:cNvCxnSpPr>
           <p:nvPr/>
         </p:nvCxnSpPr>
         <p:spPr>
           <a:xfrm>
-            <a:off x="10619965" y="4268242"/>
-            <a:ext cx="160226" cy="1475"/>
+            <a:off x="4777393" y="723649"/>
+            <a:ext cx="0" cy="178507"/>
           </a:xfrm>
           <a:prstGeom prst="straightConnector1">
             <a:avLst/>
           </a:prstGeom>
-          <a:ln w="19050" cap="flat" cmpd="sng" algn="ctr">
+          <a:ln w="28575" cap="flat" cmpd="sng" algn="ctr">
             <a:solidFill>
               <a:schemeClr val="tx1"/>
             </a:solidFill>
@@ -11142,90 +11693,30 @@
           </a:fontRef>
         </p:style>
       </p:cxnSp>
-      <p:sp>
-        <p:nvSpPr>
-          <p:cNvPr id="507" name="Rectangle 506">
-            <a:extLst>
-              <a:ext uri="{FF2B5EF4-FFF2-40B4-BE49-F238E27FC236}">
-                <a16:creationId xmlns:a16="http://schemas.microsoft.com/office/drawing/2014/main" id="{A8FF0C9B-EFD3-14DA-68B8-833CCB6BA4E2}"/>
-              </a:ext>
-            </a:extLst>
-          </p:cNvPr>
-          <p:cNvSpPr/>
-          <p:nvPr/>
-        </p:nvSpPr>
-        <p:spPr>
-          <a:xfrm>
-            <a:off x="10780191" y="4126156"/>
-            <a:ext cx="396543" cy="287121"/>
-          </a:xfrm>
-          <a:prstGeom prst="rect">
-            <a:avLst/>
-          </a:prstGeom>
-          <a:noFill/>
-          <a:ln w="19050"/>
-        </p:spPr>
-        <p:style>
-          <a:lnRef idx="2">
-            <a:schemeClr val="dk1"/>
-          </a:lnRef>
-          <a:fillRef idx="1">
-            <a:schemeClr val="lt1"/>
-          </a:fillRef>
-          <a:effectRef idx="0">
-            <a:schemeClr val="dk1"/>
-          </a:effectRef>
-          <a:fontRef idx="minor">
-            <a:schemeClr val="dk1"/>
-          </a:fontRef>
-        </p:style>
-        <p:txBody>
-          <a:bodyPr rtlCol="0" anchor="ctr"/>
-          <a:lstStyle/>
-          <a:p>
-            <a:pPr algn="ctr"/>
-            <a:r>
-              <a:rPr lang="en-US" sz="1600" i="1" dirty="0">
-                <a:latin typeface="Times New Roman" panose="02020603050405020304" pitchFamily="18" charset="0"/>
-                <a:cs typeface="Times New Roman" panose="02020603050405020304" pitchFamily="18" charset="0"/>
-              </a:rPr>
-              <a:t>l</a:t>
-            </a:r>
-            <a:r>
-              <a:rPr lang="en-US" sz="1600" i="1" baseline="-25000" dirty="0">
-                <a:latin typeface="Times New Roman" panose="02020603050405020304" pitchFamily="18" charset="0"/>
-                <a:cs typeface="Times New Roman" panose="02020603050405020304" pitchFamily="18" charset="0"/>
-              </a:rPr>
-              <a:t>n</a:t>
-            </a:r>
-          </a:p>
-        </p:txBody>
-      </p:sp>
       <p:cxnSp>
         <p:nvCxnSpPr>
-          <p:cNvPr id="67" name="Straight Arrow Connector 66">
-            <a:extLst>
-              <a:ext uri="{FF2B5EF4-FFF2-40B4-BE49-F238E27FC236}">
-                <a16:creationId xmlns:a16="http://schemas.microsoft.com/office/drawing/2014/main" id="{30CDE95B-4B86-57CD-7669-0AB4904A70BD}"/>
+          <p:cNvPr id="450" name="Straight Arrow Connector 449">
+            <a:extLst>
+              <a:ext uri="{FF2B5EF4-FFF2-40B4-BE49-F238E27FC236}">
+                <a16:creationId xmlns:a16="http://schemas.microsoft.com/office/drawing/2014/main" id="{5872FBC8-00A6-F450-7C6E-6CB04B5D2A8F}"/>
               </a:ext>
             </a:extLst>
           </p:cNvPr>
           <p:cNvCxnSpPr>
             <a:cxnSpLocks/>
-            <a:stCxn id="81" idx="1"/>
-            <a:endCxn id="74" idx="1"/>
+            <a:stCxn id="14" idx="2"/>
           </p:cNvCxnSpPr>
           <p:nvPr/>
         </p:nvCxnSpPr>
         <p:spPr>
-          <a:xfrm flipV="1">
-            <a:off x="7214148" y="4268753"/>
-            <a:ext cx="205651" cy="643"/>
+          <a:xfrm>
+            <a:off x="3003940" y="725361"/>
+            <a:ext cx="0" cy="176795"/>
           </a:xfrm>
           <a:prstGeom prst="straightConnector1">
             <a:avLst/>
           </a:prstGeom>
-          <a:ln w="19050" cap="flat" cmpd="sng" algn="ctr">
+          <a:ln w="28575" cap="flat" cmpd="sng" algn="ctr">
             <a:solidFill>
               <a:schemeClr val="tx1"/>
             </a:solidFill>
@@ -11253,10 +11744,10 @@
       </p:cxnSp>
       <p:sp>
         <p:nvSpPr>
-          <p:cNvPr id="70" name="Can 69">
-            <a:extLst>
-              <a:ext uri="{FF2B5EF4-FFF2-40B4-BE49-F238E27FC236}">
-                <a16:creationId xmlns:a16="http://schemas.microsoft.com/office/drawing/2014/main" id="{BC8AD193-A11A-0D9F-636F-7C5C9DF55CA4}"/>
+          <p:cNvPr id="4" name="Right Arrow 3">
+            <a:extLst>
+              <a:ext uri="{FF2B5EF4-FFF2-40B4-BE49-F238E27FC236}">
+                <a16:creationId xmlns:a16="http://schemas.microsoft.com/office/drawing/2014/main" id="{A8147DDC-9B54-ADEC-65F7-B64ADC4B3240}"/>
               </a:ext>
             </a:extLst>
           </p:cNvPr>
@@ -11265,31 +11756,24 @@
         </p:nvSpPr>
         <p:spPr>
           <a:xfrm>
-            <a:off x="6674529" y="4151050"/>
-            <a:ext cx="352803" cy="282764"/>
-          </a:xfrm>
-          <a:prstGeom prst="can">
-            <a:avLst/>
-          </a:prstGeom>
-          <a:solidFill>
-            <a:srgbClr val="0070C0"/>
-          </a:solidFill>
-          <a:ln w="28575" cmpd="sng">
-            <a:solidFill>
-              <a:schemeClr val="tx1"/>
-            </a:solidFill>
-          </a:ln>
-          <a:effectLst/>
+            <a:off x="1525449" y="2725068"/>
+            <a:ext cx="288796" cy="468085"/>
+          </a:xfrm>
+          <a:prstGeom prst="rightArrow">
+            <a:avLst/>
+          </a:prstGeom>
         </p:spPr>
         <p:style>
-          <a:lnRef idx="1">
-            <a:schemeClr val="accent1"/>
+          <a:lnRef idx="2">
+            <a:schemeClr val="dk1">
+              <a:shade val="15000"/>
+            </a:schemeClr>
           </a:lnRef>
-          <a:fillRef idx="3">
-            <a:schemeClr val="accent1"/>
+          <a:fillRef idx="1">
+            <a:schemeClr val="dk1"/>
           </a:fillRef>
-          <a:effectRef idx="2">
-            <a:schemeClr val="accent1"/>
+          <a:effectRef idx="0">
+            <a:schemeClr val="dk1"/>
           </a:effectRef>
           <a:fontRef idx="minor">
             <a:schemeClr val="lt1"/>
@@ -11300,35 +11784,25 @@
           <a:lstStyle/>
           <a:p>
             <a:pPr algn="ctr"/>
-            <a:r>
-              <a:rPr lang="en-US" sz="1400" dirty="0">
+            <a:endParaRPr lang="en-US">
+              <a:ln>
                 <a:solidFill>
-                  <a:schemeClr val="bg1"/>
+                  <a:sysClr val="windowText" lastClr="000000"/>
                 </a:solidFill>
-                <a:latin typeface="Times New Roman" panose="02020603050405020304" pitchFamily="18" charset="0"/>
-                <a:cs typeface="Times New Roman" panose="02020603050405020304" pitchFamily="18" charset="0"/>
-              </a:rPr>
-              <a:t>S</a:t>
-            </a:r>
-            <a:r>
-              <a:rPr lang="en-US" sz="1400" baseline="-25000" dirty="0">
-                <a:solidFill>
-                  <a:schemeClr val="bg1"/>
-                </a:solidFill>
-                <a:latin typeface="Times New Roman" panose="02020603050405020304" pitchFamily="18" charset="0"/>
-                <a:cs typeface="Times New Roman" panose="02020603050405020304" pitchFamily="18" charset="0"/>
-              </a:rPr>
-              <a:t>n</a:t>
-            </a:r>
-          </a:p>
-        </p:txBody>
-      </p:sp>
-      <p:sp>
-        <p:nvSpPr>
-          <p:cNvPr id="74" name="Rectangle 73">
-            <a:extLst>
-              <a:ext uri="{FF2B5EF4-FFF2-40B4-BE49-F238E27FC236}">
-                <a16:creationId xmlns:a16="http://schemas.microsoft.com/office/drawing/2014/main" id="{4FFBA12A-4CE8-86B0-F9BF-B51519D9775E}"/>
+              </a:ln>
+              <a:solidFill>
+                <a:sysClr val="windowText" lastClr="000000"/>
+              </a:solidFill>
+            </a:endParaRPr>
+          </a:p>
+        </p:txBody>
+      </p:sp>
+      <p:sp>
+        <p:nvSpPr>
+          <p:cNvPr id="16" name="Right Arrow 15">
+            <a:extLst>
+              <a:ext uri="{FF2B5EF4-FFF2-40B4-BE49-F238E27FC236}">
+                <a16:creationId xmlns:a16="http://schemas.microsoft.com/office/drawing/2014/main" id="{B400B1F8-AABE-921D-E6DF-9749A4A7CCA7}"/>
               </a:ext>
             </a:extLst>
           </p:cNvPr>
@@ -11337,92 +11811,26 @@
         </p:nvSpPr>
         <p:spPr>
           <a:xfrm>
-            <a:off x="7419799" y="4143532"/>
-            <a:ext cx="494963" cy="250442"/>
-          </a:xfrm>
-          <a:prstGeom prst="rect">
-            <a:avLst/>
-          </a:prstGeom>
-          <a:noFill/>
-          <a:ln w="19050"/>
+            <a:off x="5992490" y="2733191"/>
+            <a:ext cx="288796" cy="468085"/>
+          </a:xfrm>
+          <a:prstGeom prst="rightArrow">
+            <a:avLst/>
+          </a:prstGeom>
         </p:spPr>
         <p:style>
           <a:lnRef idx="2">
-            <a:schemeClr val="dk1"/>
+            <a:schemeClr val="dk1">
+              <a:shade val="15000"/>
+            </a:schemeClr>
           </a:lnRef>
           <a:fillRef idx="1">
-            <a:schemeClr val="lt1"/>
+            <a:schemeClr val="dk1"/>
           </a:fillRef>
           <a:effectRef idx="0">
             <a:schemeClr val="dk1"/>
           </a:effectRef>
           <a:fontRef idx="minor">
-            <a:schemeClr val="dk1"/>
-          </a:fontRef>
-        </p:style>
-        <p:txBody>
-          <a:bodyPr rtlCol="0" anchor="ctr"/>
-          <a:lstStyle/>
-          <a:p>
-            <a:pPr algn="ctr"/>
-            <a:r>
-              <a:rPr lang="en-US" sz="1400" dirty="0">
-                <a:latin typeface="Times New Roman" panose="02020603050405020304" pitchFamily="18" charset="0"/>
-                <a:cs typeface="Times New Roman" panose="02020603050405020304" pitchFamily="18" charset="0"/>
-              </a:rPr>
-              <a:t>M</a:t>
-            </a:r>
-            <a:r>
-              <a:rPr lang="en-US" sz="1400" baseline="-25000" dirty="0">
-                <a:latin typeface="Times New Roman" panose="02020603050405020304" pitchFamily="18" charset="0"/>
-                <a:cs typeface="Times New Roman" panose="02020603050405020304" pitchFamily="18" charset="0"/>
-              </a:rPr>
-              <a:t>n</a:t>
-            </a:r>
-          </a:p>
-        </p:txBody>
-      </p:sp>
-      <p:sp>
-        <p:nvSpPr>
-          <p:cNvPr id="75" name="Can 74">
-            <a:extLst>
-              <a:ext uri="{FF2B5EF4-FFF2-40B4-BE49-F238E27FC236}">
-                <a16:creationId xmlns:a16="http://schemas.microsoft.com/office/drawing/2014/main" id="{2A90B5DA-9CA6-18F5-4C0A-FCDFD1EC6154}"/>
-              </a:ext>
-            </a:extLst>
-          </p:cNvPr>
-          <p:cNvSpPr/>
-          <p:nvPr/>
-        </p:nvSpPr>
-        <p:spPr>
-          <a:xfrm>
-            <a:off x="8552955" y="4112832"/>
-            <a:ext cx="352803" cy="308442"/>
-          </a:xfrm>
-          <a:prstGeom prst="can">
-            <a:avLst/>
-          </a:prstGeom>
-          <a:solidFill>
-            <a:srgbClr val="0070C0"/>
-          </a:solidFill>
-          <a:ln w="28575" cmpd="sng">
-            <a:solidFill>
-              <a:schemeClr val="tx1"/>
-            </a:solidFill>
-          </a:ln>
-          <a:effectLst/>
-        </p:spPr>
-        <p:style>
-          <a:lnRef idx="1">
-            <a:schemeClr val="accent1"/>
-          </a:lnRef>
-          <a:fillRef idx="3">
-            <a:schemeClr val="accent1"/>
-          </a:fillRef>
-          <a:effectRef idx="2">
-            <a:schemeClr val="accent1"/>
-          </a:effectRef>
-          <a:fontRef idx="minor">
             <a:schemeClr val="lt1"/>
           </a:fontRef>
         </p:style>
@@ -11431,335 +11839,67 @@
           <a:lstStyle/>
           <a:p>
             <a:pPr algn="ctr"/>
-            <a:r>
-              <a:rPr lang="en-US" sz="1400" dirty="0">
+            <a:endParaRPr lang="en-US">
+              <a:ln>
                 <a:solidFill>
-                  <a:schemeClr val="bg1"/>
+                  <a:sysClr val="windowText" lastClr="000000"/>
                 </a:solidFill>
-                <a:latin typeface="Times New Roman" panose="02020603050405020304" pitchFamily="18" charset="0"/>
-                <a:cs typeface="Times New Roman" panose="02020603050405020304" pitchFamily="18" charset="0"/>
-              </a:rPr>
-              <a:t>S</a:t>
-            </a:r>
-            <a:r>
-              <a:rPr lang="en-US" sz="1400" baseline="-25000" dirty="0">
-                <a:solidFill>
-                  <a:schemeClr val="bg1"/>
-                </a:solidFill>
-                <a:latin typeface="Times New Roman" panose="02020603050405020304" pitchFamily="18" charset="0"/>
-                <a:cs typeface="Times New Roman" panose="02020603050405020304" pitchFamily="18" charset="0"/>
+              </a:ln>
+              <a:solidFill>
+                <a:sysClr val="windowText" lastClr="000000"/>
+              </a:solidFill>
+            </a:endParaRPr>
+          </a:p>
+        </p:txBody>
+      </p:sp>
+      <p:sp>
+        <p:nvSpPr>
+          <p:cNvPr id="46" name="TextBox 45">
+            <a:extLst>
+              <a:ext uri="{FF2B5EF4-FFF2-40B4-BE49-F238E27FC236}">
+                <a16:creationId xmlns:a16="http://schemas.microsoft.com/office/drawing/2014/main" id="{BDF0E088-F5AB-4A93-938A-B2A47ECAE7AC}"/>
+              </a:ext>
+            </a:extLst>
+          </p:cNvPr>
+          <p:cNvSpPr txBox="1"/>
+          <p:nvPr/>
+        </p:nvSpPr>
+        <p:spPr>
+          <a:xfrm>
+            <a:off x="6289464" y="5396285"/>
+            <a:ext cx="4966571" cy="276999"/>
+          </a:xfrm>
+          <a:prstGeom prst="rect">
+            <a:avLst/>
+          </a:prstGeom>
+          <a:noFill/>
+        </p:spPr>
+        <p:txBody>
+          <a:bodyPr wrap="square">
+            <a:spAutoFit/>
+          </a:bodyPr>
+          <a:lstStyle/>
+          <a:p>
+            <a:pPr algn="ctr"/>
+            <a:r>
+              <a:rPr lang="en-US" sz="1200" i="1" dirty="0">
+                <a:latin typeface=""/>
+                <a:ea typeface="Tahoma" panose="020B0604030504040204" pitchFamily="34" charset="0"/>
+                <a:cs typeface="Tahoma" panose="020B0604030504040204" pitchFamily="34" charset="0"/>
               </a:rPr>
               <a:t>n</a:t>
             </a:r>
-          </a:p>
-        </p:txBody>
-      </p:sp>
-      <p:cxnSp>
-        <p:nvCxnSpPr>
-          <p:cNvPr id="79" name="Straight Arrow Connector 78">
-            <a:extLst>
-              <a:ext uri="{FF2B5EF4-FFF2-40B4-BE49-F238E27FC236}">
-                <a16:creationId xmlns:a16="http://schemas.microsoft.com/office/drawing/2014/main" id="{0B57DCE9-AF73-F49B-E85D-FBC770A55999}"/>
-              </a:ext>
-            </a:extLst>
-          </p:cNvPr>
-          <p:cNvCxnSpPr>
-            <a:cxnSpLocks/>
-            <a:stCxn id="74" idx="3"/>
-            <a:endCxn id="75" idx="2"/>
-          </p:cNvCxnSpPr>
-          <p:nvPr/>
-        </p:nvCxnSpPr>
-        <p:spPr>
-          <a:xfrm flipV="1">
-            <a:off x="7914762" y="4267053"/>
-            <a:ext cx="638193" cy="1700"/>
-          </a:xfrm>
-          <a:prstGeom prst="straightConnector1">
-            <a:avLst/>
-          </a:prstGeom>
-          <a:ln w="19050" cap="flat" cmpd="sng" algn="ctr">
-            <a:solidFill>
-              <a:schemeClr val="tx1"/>
-            </a:solidFill>
-            <a:prstDash val="solid"/>
-            <a:round/>
-            <a:headEnd type="none" w="med" len="med"/>
-            <a:tailEnd type="arrow" w="med" len="med"/>
-          </a:ln>
-          <a:effectLst/>
-        </p:spPr>
-        <p:style>
-          <a:lnRef idx="2">
-            <a:schemeClr val="accent1"/>
-          </a:lnRef>
-          <a:fillRef idx="0">
-            <a:schemeClr val="accent1"/>
-          </a:fillRef>
-          <a:effectRef idx="1">
-            <a:schemeClr val="accent1"/>
-          </a:effectRef>
-          <a:fontRef idx="minor">
-            <a:schemeClr val="tx1"/>
-          </a:fontRef>
-        </p:style>
-      </p:cxnSp>
-      <p:cxnSp>
-        <p:nvCxnSpPr>
-          <p:cNvPr id="80" name="Straight Arrow Connector 79">
-            <a:extLst>
-              <a:ext uri="{FF2B5EF4-FFF2-40B4-BE49-F238E27FC236}">
-                <a16:creationId xmlns:a16="http://schemas.microsoft.com/office/drawing/2014/main" id="{83243296-9143-B0EC-453F-A8DB765EC302}"/>
-              </a:ext>
-            </a:extLst>
-          </p:cNvPr>
-          <p:cNvCxnSpPr>
-            <a:cxnSpLocks/>
-            <a:stCxn id="75" idx="4"/>
-            <a:endCxn id="505" idx="1"/>
-          </p:cNvCxnSpPr>
-          <p:nvPr/>
-        </p:nvCxnSpPr>
-        <p:spPr>
-          <a:xfrm>
-            <a:off x="8905758" y="4267053"/>
-            <a:ext cx="141286" cy="1189"/>
-          </a:xfrm>
-          <a:prstGeom prst="straightConnector1">
-            <a:avLst/>
-          </a:prstGeom>
-          <a:ln w="19050" cap="flat" cmpd="sng" algn="ctr">
-            <a:solidFill>
-              <a:schemeClr val="tx1"/>
-            </a:solidFill>
-            <a:prstDash val="solid"/>
-            <a:round/>
-            <a:headEnd type="none" w="med" len="med"/>
-            <a:tailEnd type="arrow" w="med" len="med"/>
-          </a:ln>
-          <a:effectLst/>
-        </p:spPr>
-        <p:style>
-          <a:lnRef idx="2">
-            <a:schemeClr val="accent1"/>
-          </a:lnRef>
-          <a:fillRef idx="0">
-            <a:schemeClr val="accent1"/>
-          </a:fillRef>
-          <a:effectRef idx="1">
-            <a:schemeClr val="accent1"/>
-          </a:effectRef>
-          <a:fontRef idx="minor">
-            <a:schemeClr val="tx1"/>
-          </a:fontRef>
-        </p:style>
-      </p:cxnSp>
-      <p:sp>
-        <p:nvSpPr>
-          <p:cNvPr id="81" name="Card 80">
-            <a:extLst>
-              <a:ext uri="{FF2B5EF4-FFF2-40B4-BE49-F238E27FC236}">
-                <a16:creationId xmlns:a16="http://schemas.microsoft.com/office/drawing/2014/main" id="{2815B818-DA75-9EBD-06BE-83000F81CE69}"/>
-              </a:ext>
-            </a:extLst>
-          </p:cNvPr>
-          <p:cNvSpPr/>
-          <p:nvPr/>
-        </p:nvSpPr>
-        <p:spPr>
-          <a:xfrm flipH="1">
-            <a:off x="6468552" y="3970321"/>
-            <a:ext cx="745596" cy="598150"/>
-          </a:xfrm>
-          <a:prstGeom prst="flowChartPunchedCard">
-            <a:avLst/>
-          </a:prstGeom>
-          <a:noFill/>
-          <a:ln w="19050">
-            <a:solidFill>
-              <a:schemeClr val="tx1"/>
-            </a:solidFill>
-          </a:ln>
-          <a:effectLst/>
-        </p:spPr>
-        <p:style>
-          <a:lnRef idx="1">
-            <a:schemeClr val="accent1"/>
-          </a:lnRef>
-          <a:fillRef idx="3">
-            <a:schemeClr val="accent1"/>
-          </a:fillRef>
-          <a:effectRef idx="2">
-            <a:schemeClr val="accent1"/>
-          </a:effectRef>
-          <a:fontRef idx="minor">
-            <a:schemeClr val="lt1"/>
-          </a:fontRef>
-        </p:style>
-        <p:txBody>
-          <a:bodyPr rtlCol="0" anchor="ctr"/>
-          <a:lstStyle/>
-          <a:p>
-            <a:pPr algn="ctr"/>
-            <a:endParaRPr lang="en-US" sz="1400" dirty="0">
-              <a:solidFill>
-                <a:schemeClr val="tx1"/>
-              </a:solidFill>
-              <a:latin typeface="Times New Roman" panose="02020603050405020304" pitchFamily="18" charset="0"/>
-              <a:cs typeface="Times New Roman" panose="02020603050405020304" pitchFamily="18" charset="0"/>
-            </a:endParaRPr>
-          </a:p>
-        </p:txBody>
-      </p:sp>
-      <p:cxnSp>
-        <p:nvCxnSpPr>
-          <p:cNvPr id="84" name="Straight Arrow Connector 83">
-            <a:extLst>
-              <a:ext uri="{FF2B5EF4-FFF2-40B4-BE49-F238E27FC236}">
-                <a16:creationId xmlns:a16="http://schemas.microsoft.com/office/drawing/2014/main" id="{8AC2F4AF-E1F1-4980-1E91-59E5CED49A79}"/>
-              </a:ext>
-            </a:extLst>
-          </p:cNvPr>
-          <p:cNvCxnSpPr>
-            <a:cxnSpLocks/>
-            <a:endCxn id="75" idx="2"/>
-          </p:cNvCxnSpPr>
-          <p:nvPr/>
-        </p:nvCxnSpPr>
-        <p:spPr>
-          <a:xfrm>
-            <a:off x="7878167" y="3563778"/>
-            <a:ext cx="674788" cy="703275"/>
-          </a:xfrm>
-          <a:prstGeom prst="straightConnector1">
-            <a:avLst/>
-          </a:prstGeom>
-          <a:ln w="19050" cap="flat" cmpd="sng" algn="ctr">
-            <a:solidFill>
-              <a:schemeClr val="tx1"/>
-            </a:solidFill>
-            <a:prstDash val="lgDash"/>
-            <a:round/>
-            <a:headEnd type="none" w="med" len="med"/>
-            <a:tailEnd type="arrow" w="med" len="med"/>
-          </a:ln>
-          <a:effectLst/>
-        </p:spPr>
-        <p:style>
-          <a:lnRef idx="2">
-            <a:schemeClr val="accent1"/>
-          </a:lnRef>
-          <a:fillRef idx="0">
-            <a:schemeClr val="accent1"/>
-          </a:fillRef>
-          <a:effectRef idx="1">
-            <a:schemeClr val="accent1"/>
-          </a:effectRef>
-          <a:fontRef idx="minor">
-            <a:schemeClr val="tx1"/>
-          </a:fontRef>
-        </p:style>
-      </p:cxnSp>
-      <p:cxnSp>
-        <p:nvCxnSpPr>
-          <p:cNvPr id="93" name="Elbow Connector 92">
-            <a:extLst>
-              <a:ext uri="{FF2B5EF4-FFF2-40B4-BE49-F238E27FC236}">
-                <a16:creationId xmlns:a16="http://schemas.microsoft.com/office/drawing/2014/main" id="{8D6FC613-6A7A-AD9A-67E7-D4E0C0FA9BDC}"/>
-              </a:ext>
-            </a:extLst>
-          </p:cNvPr>
-          <p:cNvCxnSpPr>
-            <a:cxnSpLocks/>
-            <a:stCxn id="42" idx="3"/>
-            <a:endCxn id="70" idx="2"/>
-          </p:cNvCxnSpPr>
-          <p:nvPr/>
-        </p:nvCxnSpPr>
-        <p:spPr>
-          <a:xfrm>
-            <a:off x="5758489" y="2462937"/>
-            <a:ext cx="916040" cy="1829495"/>
-          </a:xfrm>
-          <a:prstGeom prst="bentConnector3">
-            <a:avLst>
-              <a:gd name="adj1" fmla="val 71390"/>
-            </a:avLst>
-          </a:prstGeom>
-          <a:ln w="38100" cap="flat" cmpd="sng" algn="ctr">
-            <a:solidFill>
-              <a:schemeClr val="dk1"/>
-            </a:solidFill>
-            <a:prstDash val="solid"/>
-            <a:round/>
-            <a:headEnd type="none" w="med" len="med"/>
-            <a:tailEnd type="arrow" w="med" len="med"/>
-          </a:ln>
-        </p:spPr>
-        <p:style>
-          <a:lnRef idx="0">
-            <a:scrgbClr r="0" g="0" b="0"/>
-          </a:lnRef>
-          <a:fillRef idx="0">
-            <a:scrgbClr r="0" g="0" b="0"/>
-          </a:fillRef>
-          <a:effectRef idx="0">
-            <a:scrgbClr r="0" g="0" b="0"/>
-          </a:effectRef>
-          <a:fontRef idx="minor">
-            <a:schemeClr val="tx1"/>
-          </a:fontRef>
-        </p:style>
-      </p:cxnSp>
-      <p:cxnSp>
-        <p:nvCxnSpPr>
-          <p:cNvPr id="116" name="Elbow Connector 115">
-            <a:extLst>
-              <a:ext uri="{FF2B5EF4-FFF2-40B4-BE49-F238E27FC236}">
-                <a16:creationId xmlns:a16="http://schemas.microsoft.com/office/drawing/2014/main" id="{BF2E0A54-B5DB-40AA-176F-F5480FDA75F8}"/>
-              </a:ext>
-            </a:extLst>
-          </p:cNvPr>
-          <p:cNvCxnSpPr>
-            <a:cxnSpLocks/>
-            <a:stCxn id="241" idx="3"/>
-            <a:endCxn id="130" idx="0"/>
-          </p:cNvCxnSpPr>
-          <p:nvPr/>
-        </p:nvCxnSpPr>
-        <p:spPr>
-          <a:xfrm>
-            <a:off x="11247857" y="2743414"/>
-            <a:ext cx="477415" cy="403958"/>
-          </a:xfrm>
-          <a:prstGeom prst="bentConnector2">
-            <a:avLst/>
-          </a:prstGeom>
-          <a:ln w="38100" cap="flat" cmpd="sng" algn="ctr">
-            <a:solidFill>
-              <a:schemeClr val="dk1"/>
-            </a:solidFill>
-            <a:prstDash val="solid"/>
-            <a:round/>
-            <a:headEnd type="none" w="med" len="med"/>
-            <a:tailEnd type="arrow" w="med" len="med"/>
-          </a:ln>
-        </p:spPr>
-        <p:style>
-          <a:lnRef idx="0">
-            <a:scrgbClr r="0" g="0" b="0"/>
-          </a:lnRef>
-          <a:fillRef idx="0">
-            <a:scrgbClr r="0" g="0" b="0"/>
-          </a:fillRef>
-          <a:effectRef idx="0">
-            <a:scrgbClr r="0" g="0" b="0"/>
-          </a:effectRef>
-          <a:fontRef idx="minor">
-            <a:schemeClr val="tx1"/>
-          </a:fontRef>
-        </p:style>
-      </p:cxnSp>
+            <a:r>
+              <a:rPr lang="en-US" sz="1200" dirty="0">
+                <a:latin typeface=""/>
+                <a:ea typeface="Tahoma" panose="020B0604030504040204" pitchFamily="34" charset="0"/>
+                <a:cs typeface="Tahoma" panose="020B0604030504040204" pitchFamily="34" charset="0"/>
+              </a:rPr>
+              <a:t>-way parallelism</a:t>
+            </a:r>
+          </a:p>
+        </p:txBody>
+      </p:sp>
     </p:spTree>
     <p:extLst>
       <p:ext uri="{BB962C8B-B14F-4D97-AF65-F5344CB8AC3E}">
